--- a/整合/報告/產品報告.pptx
+++ b/整合/報告/產品報告.pptx
@@ -140,7 +140,7 @@
   <pc:docChgLst>
     <pc:chgData name="品佑 陳" userId="b47096fc5e872c87" providerId="LiveId" clId="{9E32E880-9E21-4A31-BD97-DF83B23E4AFF}"/>
     <pc:docChg chg="undo custSel addSld delSld modSld sldOrd">
-      <pc:chgData name="品佑 陳" userId="b47096fc5e872c87" providerId="LiveId" clId="{9E32E880-9E21-4A31-BD97-DF83B23E4AFF}" dt="2023-12-18T11:32:50.453" v="5978" actId="20577"/>
+      <pc:chgData name="品佑 陳" userId="b47096fc5e872c87" providerId="LiveId" clId="{9E32E880-9E21-4A31-BD97-DF83B23E4AFF}" dt="2023-12-18T13:29:57.725" v="6070" actId="20577"/>
       <pc:docMkLst>
         <pc:docMk/>
       </pc:docMkLst>
@@ -594,7 +594,7 @@
         </pc:grpChg>
       </pc:sldChg>
       <pc:sldChg chg="addSp modSp new mod setBg">
-        <pc:chgData name="品佑 陳" userId="b47096fc5e872c87" providerId="LiveId" clId="{9E32E880-9E21-4A31-BD97-DF83B23E4AFF}" dt="2023-12-18T11:32:50.453" v="5978" actId="20577"/>
+        <pc:chgData name="品佑 陳" userId="b47096fc5e872c87" providerId="LiveId" clId="{9E32E880-9E21-4A31-BD97-DF83B23E4AFF}" dt="2023-12-18T13:29:57.725" v="6070" actId="20577"/>
         <pc:sldMkLst>
           <pc:docMk/>
           <pc:sldMk cId="211147894" sldId="263"/>
@@ -608,7 +608,7 @@
           </ac:spMkLst>
         </pc:spChg>
         <pc:spChg chg="mod">
-          <ac:chgData name="品佑 陳" userId="b47096fc5e872c87" providerId="LiveId" clId="{9E32E880-9E21-4A31-BD97-DF83B23E4AFF}" dt="2023-12-18T11:32:50.453" v="5978" actId="20577"/>
+          <ac:chgData name="品佑 陳" userId="b47096fc5e872c87" providerId="LiveId" clId="{9E32E880-9E21-4A31-BD97-DF83B23E4AFF}" dt="2023-12-18T13:29:57.725" v="6070" actId="20577"/>
           <ac:spMkLst>
             <pc:docMk/>
             <pc:sldMk cId="211147894" sldId="263"/>
@@ -11054,8 +11054,8 @@
         </p:nvSpPr>
         <p:spPr>
           <a:xfrm>
-            <a:off x="6291923" y="1239927"/>
-            <a:ext cx="4971824" cy="4680583"/>
+            <a:off x="5736294" y="1239927"/>
+            <a:ext cx="5527453" cy="4680583"/>
           </a:xfrm>
         </p:spPr>
         <p:txBody>
@@ -11088,9 +11088,23 @@
                 <a:latin typeface="微軟正黑體" panose="020B0604030504040204" pitchFamily="34" charset="-120"/>
                 <a:ea typeface="微軟正黑體" panose="020B0604030504040204" pitchFamily="34" charset="-120"/>
               </a:rPr>
-              <a:t>避免在遇到關節問題時不知所措</a:t>
-            </a:r>
-            <a:endParaRPr lang="en-US" altLang="zh-TW" sz="2000">
+              <a:t>在聊天</a:t>
+            </a:r>
+            <a:r>
+              <a:rPr lang="zh-TW" altLang="en-US" sz="2000">
+                <a:latin typeface="微軟正黑體" panose="020B0604030504040204" pitchFamily="34" charset="-120"/>
+                <a:ea typeface="微軟正黑體" panose="020B0604030504040204" pitchFamily="34" charset="-120"/>
+              </a:rPr>
+              <a:t>互動中隨時</a:t>
+            </a:r>
+            <a:r>
+              <a:rPr lang="zh-TW" altLang="en-US" sz="2000" dirty="0">
+                <a:latin typeface="微軟正黑體" panose="020B0604030504040204" pitchFamily="34" charset="-120"/>
+                <a:ea typeface="微軟正黑體" panose="020B0604030504040204" pitchFamily="34" charset="-120"/>
+              </a:rPr>
+              <a:t>獲取保健知識及建議</a:t>
+            </a:r>
+            <a:endParaRPr lang="en-US" altLang="zh-TW" sz="2000" dirty="0">
               <a:latin typeface="微軟正黑體" panose="020B0604030504040204" pitchFamily="34" charset="-120"/>
               <a:ea typeface="微軟正黑體" panose="020B0604030504040204" pitchFamily="34" charset="-120"/>
             </a:endParaRPr>

--- a/整合/報告/產品報告.pptx
+++ b/整合/報告/產品報告.pptx
@@ -5,7 +5,7 @@
     <p:sldMasterId id="2147483648" r:id="rId1"/>
   </p:sldMasterIdLst>
   <p:notesMasterIdLst>
-    <p:notesMasterId r:id="rId15"/>
+    <p:notesMasterId r:id="rId14"/>
   </p:notesMasterIdLst>
   <p:sldIdLst>
     <p:sldId id="256" r:id="rId2"/>
@@ -16,11 +16,10 @@
     <p:sldId id="261" r:id="rId7"/>
     <p:sldId id="266" r:id="rId8"/>
     <p:sldId id="262" r:id="rId9"/>
-    <p:sldId id="263" r:id="rId10"/>
-    <p:sldId id="264" r:id="rId11"/>
-    <p:sldId id="268" r:id="rId12"/>
-    <p:sldId id="269" r:id="rId13"/>
-    <p:sldId id="271" r:id="rId14"/>
+    <p:sldId id="264" r:id="rId10"/>
+    <p:sldId id="268" r:id="rId11"/>
+    <p:sldId id="269" r:id="rId12"/>
+    <p:sldId id="271" r:id="rId13"/>
   </p:sldIdLst>
   <p:sldSz cx="12192000" cy="6858000"/>
   <p:notesSz cx="6858000" cy="9144000"/>
@@ -140,7 +139,7 @@
   <pc:docChgLst>
     <pc:chgData name="品佑 陳" userId="b47096fc5e872c87" providerId="LiveId" clId="{9E32E880-9E21-4A31-BD97-DF83B23E4AFF}"/>
     <pc:docChg chg="undo custSel addSld delSld modSld sldOrd">
-      <pc:chgData name="品佑 陳" userId="b47096fc5e872c87" providerId="LiveId" clId="{9E32E880-9E21-4A31-BD97-DF83B23E4AFF}" dt="2023-12-18T13:29:57.725" v="6070" actId="20577"/>
+      <pc:chgData name="品佑 陳" userId="b47096fc5e872c87" providerId="LiveId" clId="{9E32E880-9E21-4A31-BD97-DF83B23E4AFF}" dt="2023-12-19T13:09:55.759" v="6303" actId="20577"/>
       <pc:docMkLst>
         <pc:docMk/>
       </pc:docMkLst>
@@ -200,7 +199,7 @@
         </pc:cxnChg>
       </pc:sldChg>
       <pc:sldChg chg="addSp modSp new mod setBg">
-        <pc:chgData name="品佑 陳" userId="b47096fc5e872c87" providerId="LiveId" clId="{9E32E880-9E21-4A31-BD97-DF83B23E4AFF}" dt="2023-12-12T10:40:20.398" v="4902" actId="113"/>
+        <pc:chgData name="品佑 陳" userId="b47096fc5e872c87" providerId="LiveId" clId="{9E32E880-9E21-4A31-BD97-DF83B23E4AFF}" dt="2023-12-19T12:57:33.188" v="6271" actId="20577"/>
         <pc:sldMkLst>
           <pc:docMk/>
           <pc:sldMk cId="3673904705" sldId="257"/>
@@ -214,7 +213,7 @@
           </ac:spMkLst>
         </pc:spChg>
         <pc:spChg chg="mod">
-          <ac:chgData name="品佑 陳" userId="b47096fc5e872c87" providerId="LiveId" clId="{9E32E880-9E21-4A31-BD97-DF83B23E4AFF}" dt="2023-12-12T10:39:29.728" v="4891" actId="2711"/>
+          <ac:chgData name="品佑 陳" userId="b47096fc5e872c87" providerId="LiveId" clId="{9E32E880-9E21-4A31-BD97-DF83B23E4AFF}" dt="2023-12-19T12:57:33.188" v="6271" actId="20577"/>
           <ac:spMkLst>
             <pc:docMk/>
             <pc:sldMk cId="3673904705" sldId="257"/>
@@ -460,7 +459,7 @@
         </pc:grpChg>
       </pc:sldChg>
       <pc:sldChg chg="addSp delSp modSp new mod ord setBg">
-        <pc:chgData name="品佑 陳" userId="b47096fc5e872c87" providerId="LiveId" clId="{9E32E880-9E21-4A31-BD97-DF83B23E4AFF}" dt="2023-12-18T09:46:36.707" v="5966" actId="20577"/>
+        <pc:chgData name="品佑 陳" userId="b47096fc5e872c87" providerId="LiveId" clId="{9E32E880-9E21-4A31-BD97-DF83B23E4AFF}" dt="2023-12-19T11:28:56.017" v="6264" actId="20577"/>
         <pc:sldMkLst>
           <pc:docMk/>
           <pc:sldMk cId="209587823" sldId="261"/>
@@ -474,7 +473,7 @@
           </ac:spMkLst>
         </pc:spChg>
         <pc:spChg chg="mod">
-          <ac:chgData name="品佑 陳" userId="b47096fc5e872c87" providerId="LiveId" clId="{9E32E880-9E21-4A31-BD97-DF83B23E4AFF}" dt="2023-12-18T09:46:36.707" v="5966" actId="20577"/>
+          <ac:chgData name="品佑 陳" userId="b47096fc5e872c87" providerId="LiveId" clId="{9E32E880-9E21-4A31-BD97-DF83B23E4AFF}" dt="2023-12-19T11:28:56.017" v="6264" actId="20577"/>
           <ac:spMkLst>
             <pc:docMk/>
             <pc:sldMk cId="209587823" sldId="261"/>
@@ -539,7 +538,7 @@
         </pc:cxnChg>
       </pc:sldChg>
       <pc:sldChg chg="addSp modSp new mod setBg">
-        <pc:chgData name="品佑 陳" userId="b47096fc5e872c87" providerId="LiveId" clId="{9E32E880-9E21-4A31-BD97-DF83B23E4AFF}" dt="2023-12-12T10:41:48.259" v="4929" actId="20577"/>
+        <pc:chgData name="品佑 陳" userId="b47096fc5e872c87" providerId="LiveId" clId="{9E32E880-9E21-4A31-BD97-DF83B23E4AFF}" dt="2023-12-19T10:56:55.250" v="6085" actId="20577"/>
         <pc:sldMkLst>
           <pc:docMk/>
           <pc:sldMk cId="555405392" sldId="262"/>
@@ -553,7 +552,7 @@
           </ac:spMkLst>
         </pc:spChg>
         <pc:spChg chg="mod">
-          <ac:chgData name="品佑 陳" userId="b47096fc5e872c87" providerId="LiveId" clId="{9E32E880-9E21-4A31-BD97-DF83B23E4AFF}" dt="2023-12-12T10:41:24.217" v="4919" actId="26606"/>
+          <ac:chgData name="品佑 陳" userId="b47096fc5e872c87" providerId="LiveId" clId="{9E32E880-9E21-4A31-BD97-DF83B23E4AFF}" dt="2023-12-19T10:56:55.250" v="6085" actId="20577"/>
           <ac:spMkLst>
             <pc:docMk/>
             <pc:sldMk cId="555405392" sldId="262"/>
@@ -593,8 +592,8 @@
           </ac:grpSpMkLst>
         </pc:grpChg>
       </pc:sldChg>
-      <pc:sldChg chg="addSp modSp new mod setBg">
-        <pc:chgData name="品佑 陳" userId="b47096fc5e872c87" providerId="LiveId" clId="{9E32E880-9E21-4A31-BD97-DF83B23E4AFF}" dt="2023-12-18T13:29:57.725" v="6070" actId="20577"/>
+      <pc:sldChg chg="addSp modSp new del mod setBg">
+        <pc:chgData name="品佑 陳" userId="b47096fc5e872c87" providerId="LiveId" clId="{9E32E880-9E21-4A31-BD97-DF83B23E4AFF}" dt="2023-12-19T11:48:19.888" v="6265" actId="47"/>
         <pc:sldMkLst>
           <pc:docMk/>
           <pc:sldMk cId="211147894" sldId="263"/>
@@ -608,7 +607,7 @@
           </ac:spMkLst>
         </pc:spChg>
         <pc:spChg chg="mod">
-          <ac:chgData name="品佑 陳" userId="b47096fc5e872c87" providerId="LiveId" clId="{9E32E880-9E21-4A31-BD97-DF83B23E4AFF}" dt="2023-12-18T13:29:57.725" v="6070" actId="20577"/>
+          <ac:chgData name="品佑 陳" userId="b47096fc5e872c87" providerId="LiveId" clId="{9E32E880-9E21-4A31-BD97-DF83B23E4AFF}" dt="2023-12-19T10:58:30.047" v="6086"/>
           <ac:spMkLst>
             <pc:docMk/>
             <pc:sldMk cId="211147894" sldId="263"/>
@@ -759,7 +758,7 @@
         </pc:cxnChg>
       </pc:sldChg>
       <pc:sldChg chg="addSp delSp modSp new mod setBg">
-        <pc:chgData name="品佑 陳" userId="b47096fc5e872c87" providerId="LiveId" clId="{9E32E880-9E21-4A31-BD97-DF83B23E4AFF}" dt="2023-12-18T11:20:05.113" v="5975" actId="26606"/>
+        <pc:chgData name="品佑 陳" userId="b47096fc5e872c87" providerId="LiveId" clId="{9E32E880-9E21-4A31-BD97-DF83B23E4AFF}" dt="2023-12-19T13:09:55.759" v="6303" actId="20577"/>
         <pc:sldMkLst>
           <pc:docMk/>
           <pc:sldMk cId="3016596021" sldId="266"/>
@@ -773,7 +772,7 @@
           </ac:spMkLst>
         </pc:spChg>
         <pc:spChg chg="mod">
-          <ac:chgData name="品佑 陳" userId="b47096fc5e872c87" providerId="LiveId" clId="{9E32E880-9E21-4A31-BD97-DF83B23E4AFF}" dt="2023-12-18T11:20:05.113" v="5975" actId="26606"/>
+          <ac:chgData name="品佑 陳" userId="b47096fc5e872c87" providerId="LiveId" clId="{9E32E880-9E21-4A31-BD97-DF83B23E4AFF}" dt="2023-12-19T13:09:55.759" v="6303" actId="20577"/>
           <ac:spMkLst>
             <pc:docMk/>
             <pc:sldMk cId="3016596021" sldId="266"/>
@@ -1141,7 +1140,7 @@
           <a:p>
             <a:fld id="{348DD897-C32E-42F1-9BC0-69A63B2159A6}" type="datetimeFigureOut">
               <a:rPr lang="zh-TW" altLang="en-US" smtClean="0"/>
-              <a:t>2023/12/18</a:t>
+              <a:t>2023/12/19</a:t>
             </a:fld>
             <a:endParaRPr lang="zh-TW" altLang="en-US"/>
           </a:p>
@@ -1723,7 +1722,7 @@
           <a:p>
             <a:fld id="{5D037FE7-D7D4-44C9-BE9D-AB57904CB883}" type="datetimeFigureOut">
               <a:rPr lang="zh-TW" altLang="en-US" smtClean="0"/>
-              <a:t>2023/12/18</a:t>
+              <a:t>2023/12/19</a:t>
             </a:fld>
             <a:endParaRPr lang="zh-TW" altLang="en-US"/>
           </a:p>
@@ -1921,7 +1920,7 @@
           <a:p>
             <a:fld id="{5D037FE7-D7D4-44C9-BE9D-AB57904CB883}" type="datetimeFigureOut">
               <a:rPr lang="zh-TW" altLang="en-US" smtClean="0"/>
-              <a:t>2023/12/18</a:t>
+              <a:t>2023/12/19</a:t>
             </a:fld>
             <a:endParaRPr lang="zh-TW" altLang="en-US"/>
           </a:p>
@@ -2129,7 +2128,7 @@
           <a:p>
             <a:fld id="{5D037FE7-D7D4-44C9-BE9D-AB57904CB883}" type="datetimeFigureOut">
               <a:rPr lang="zh-TW" altLang="en-US" smtClean="0"/>
-              <a:t>2023/12/18</a:t>
+              <a:t>2023/12/19</a:t>
             </a:fld>
             <a:endParaRPr lang="zh-TW" altLang="en-US"/>
           </a:p>
@@ -2327,7 +2326,7 @@
           <a:p>
             <a:fld id="{5D037FE7-D7D4-44C9-BE9D-AB57904CB883}" type="datetimeFigureOut">
               <a:rPr lang="zh-TW" altLang="en-US" smtClean="0"/>
-              <a:t>2023/12/18</a:t>
+              <a:t>2023/12/19</a:t>
             </a:fld>
             <a:endParaRPr lang="zh-TW" altLang="en-US"/>
           </a:p>
@@ -2602,7 +2601,7 @@
           <a:p>
             <a:fld id="{5D037FE7-D7D4-44C9-BE9D-AB57904CB883}" type="datetimeFigureOut">
               <a:rPr lang="zh-TW" altLang="en-US" smtClean="0"/>
-              <a:t>2023/12/18</a:t>
+              <a:t>2023/12/19</a:t>
             </a:fld>
             <a:endParaRPr lang="zh-TW" altLang="en-US"/>
           </a:p>
@@ -2867,7 +2866,7 @@
           <a:p>
             <a:fld id="{5D037FE7-D7D4-44C9-BE9D-AB57904CB883}" type="datetimeFigureOut">
               <a:rPr lang="zh-TW" altLang="en-US" smtClean="0"/>
-              <a:t>2023/12/18</a:t>
+              <a:t>2023/12/19</a:t>
             </a:fld>
             <a:endParaRPr lang="zh-TW" altLang="en-US"/>
           </a:p>
@@ -3279,7 +3278,7 @@
           <a:p>
             <a:fld id="{5D037FE7-D7D4-44C9-BE9D-AB57904CB883}" type="datetimeFigureOut">
               <a:rPr lang="zh-TW" altLang="en-US" smtClean="0"/>
-              <a:t>2023/12/18</a:t>
+              <a:t>2023/12/19</a:t>
             </a:fld>
             <a:endParaRPr lang="zh-TW" altLang="en-US"/>
           </a:p>
@@ -3420,7 +3419,7 @@
           <a:p>
             <a:fld id="{5D037FE7-D7D4-44C9-BE9D-AB57904CB883}" type="datetimeFigureOut">
               <a:rPr lang="zh-TW" altLang="en-US" smtClean="0"/>
-              <a:t>2023/12/18</a:t>
+              <a:t>2023/12/19</a:t>
             </a:fld>
             <a:endParaRPr lang="zh-TW" altLang="en-US"/>
           </a:p>
@@ -3533,7 +3532,7 @@
           <a:p>
             <a:fld id="{5D037FE7-D7D4-44C9-BE9D-AB57904CB883}" type="datetimeFigureOut">
               <a:rPr lang="zh-TW" altLang="en-US" smtClean="0"/>
-              <a:t>2023/12/18</a:t>
+              <a:t>2023/12/19</a:t>
             </a:fld>
             <a:endParaRPr lang="zh-TW" altLang="en-US"/>
           </a:p>
@@ -3844,7 +3843,7 @@
           <a:p>
             <a:fld id="{5D037FE7-D7D4-44C9-BE9D-AB57904CB883}" type="datetimeFigureOut">
               <a:rPr lang="zh-TW" altLang="en-US" smtClean="0"/>
-              <a:t>2023/12/18</a:t>
+              <a:t>2023/12/19</a:t>
             </a:fld>
             <a:endParaRPr lang="zh-TW" altLang="en-US"/>
           </a:p>
@@ -4132,7 +4131,7 @@
           <a:p>
             <a:fld id="{5D037FE7-D7D4-44C9-BE9D-AB57904CB883}" type="datetimeFigureOut">
               <a:rPr lang="zh-TW" altLang="en-US" smtClean="0"/>
-              <a:t>2023/12/18</a:t>
+              <a:t>2023/12/19</a:t>
             </a:fld>
             <a:endParaRPr lang="zh-TW" altLang="en-US"/>
           </a:p>
@@ -4373,7 +4372,7 @@
           <a:p>
             <a:fld id="{5D037FE7-D7D4-44C9-BE9D-AB57904CB883}" type="datetimeFigureOut">
               <a:rPr lang="zh-TW" altLang="en-US" smtClean="0"/>
-              <a:t>2023/12/18</a:t>
+              <a:t>2023/12/19</a:t>
             </a:fld>
             <a:endParaRPr lang="zh-TW" altLang="en-US"/>
           </a:p>
@@ -5495,7 +5494,7 @@
           <p:cNvPr id="2" name="標題 1">
             <a:extLst>
               <a:ext uri="{FF2B5EF4-FFF2-40B4-BE49-F238E27FC236}">
-                <a16:creationId xmlns:a16="http://schemas.microsoft.com/office/drawing/2014/main" id="{B8556DE2-3607-DB1D-AA4D-CFE6043EA7A1}"/>
+                <a16:creationId xmlns:a16="http://schemas.microsoft.com/office/drawing/2014/main" id="{3EC97B3F-091D-CB24-189C-07E8CA236FB9}"/>
               </a:ext>
             </a:extLst>
           </p:cNvPr>
@@ -5523,7 +5522,7 @@
                 <a:latin typeface="微軟正黑體" panose="020B0604030504040204" pitchFamily="34" charset="-120"/>
                 <a:ea typeface="微軟正黑體" panose="020B0604030504040204" pitchFamily="34" charset="-120"/>
               </a:rPr>
-              <a:t>商業模式</a:t>
+              <a:t>成本結構</a:t>
             </a:r>
           </a:p>
         </p:txBody>
@@ -5533,7 +5532,7 @@
           <p:cNvPr id="3" name="內容版面配置區 2">
             <a:extLst>
               <a:ext uri="{FF2B5EF4-FFF2-40B4-BE49-F238E27FC236}">
-                <a16:creationId xmlns:a16="http://schemas.microsoft.com/office/drawing/2014/main" id="{615396B1-66A7-CC8B-C114-FEA16B766BEF}"/>
+                <a16:creationId xmlns:a16="http://schemas.microsoft.com/office/drawing/2014/main" id="{FBC58C1E-8834-78B8-A967-BA941493E59E}"/>
               </a:ext>
             </a:extLst>
           </p:cNvPr>
@@ -5558,84 +5557,49 @@
           <a:p>
             <a:r>
               <a:rPr lang="zh-TW" altLang="en-US" sz="2400" dirty="0">
+                <a:latin typeface="微軟正黑體" panose="020B0604030504040204" pitchFamily="34" charset="-120"/>
                 <a:ea typeface="微軟正黑體" panose="020B0604030504040204" pitchFamily="34" charset="-120"/>
               </a:rPr>
-              <a:t>目標客群</a:t>
-            </a:r>
-            <a:r>
-              <a:rPr lang="en-US" altLang="zh-TW" sz="2400" dirty="0">
+              <a:t>人事成本</a:t>
+            </a:r>
+            <a:endParaRPr lang="en-US" altLang="zh-TW" sz="2400" dirty="0">
+              <a:latin typeface="微軟正黑體" panose="020B0604030504040204" pitchFamily="34" charset="-120"/>
+              <a:ea typeface="微軟正黑體" panose="020B0604030504040204" pitchFamily="34" charset="-120"/>
+            </a:endParaRPr>
+          </a:p>
+          <a:p>
+            <a:endParaRPr lang="en-US" altLang="zh-TW" sz="2400" dirty="0">
+              <a:latin typeface="微軟正黑體" panose="020B0604030504040204" pitchFamily="34" charset="-120"/>
+              <a:ea typeface="微軟正黑體" panose="020B0604030504040204" pitchFamily="34" charset="-120"/>
+            </a:endParaRPr>
+          </a:p>
+          <a:p>
+            <a:r>
+              <a:rPr lang="zh-TW" altLang="en-US" sz="2400" dirty="0">
+                <a:latin typeface="微軟正黑體" panose="020B0604030504040204" pitchFamily="34" charset="-120"/>
                 <a:ea typeface="微軟正黑體" panose="020B0604030504040204" pitchFamily="34" charset="-120"/>
               </a:rPr>
-              <a:t>:</a:t>
-            </a:r>
-          </a:p>
-          <a:p>
-            <a:pPr lvl="1"/>
-            <a:endParaRPr lang="en-US" altLang="zh-TW" dirty="0">
+              <a:t>行銷成本</a:t>
+            </a:r>
+            <a:endParaRPr lang="en-US" altLang="zh-TW" sz="2400" dirty="0">
+              <a:latin typeface="微軟正黑體" panose="020B0604030504040204" pitchFamily="34" charset="-120"/>
               <a:ea typeface="微軟正黑體" panose="020B0604030504040204" pitchFamily="34" charset="-120"/>
             </a:endParaRPr>
           </a:p>
           <a:p>
-            <a:pPr lvl="1"/>
-            <a:r>
-              <a:rPr lang="zh-TW" altLang="en-US" dirty="0">
+            <a:endParaRPr lang="en-US" altLang="zh-TW" sz="2400" dirty="0">
+              <a:latin typeface="微軟正黑體" panose="020B0604030504040204" pitchFamily="34" charset="-120"/>
+              <a:ea typeface="微軟正黑體" panose="020B0604030504040204" pitchFamily="34" charset="-120"/>
+            </a:endParaRPr>
+          </a:p>
+          <a:p>
+            <a:r>
+              <a:rPr lang="zh-TW" altLang="en-US" sz="2400" dirty="0">
+                <a:latin typeface="微軟正黑體" panose="020B0604030504040204" pitchFamily="34" charset="-120"/>
                 <a:ea typeface="微軟正黑體" panose="020B0604030504040204" pitchFamily="34" charset="-120"/>
               </a:rPr>
-              <a:t>成年與老年</a:t>
-            </a:r>
-            <a:endParaRPr lang="en-US" altLang="zh-TW" dirty="0">
-              <a:ea typeface="微軟正黑體" panose="020B0604030504040204" pitchFamily="34" charset="-120"/>
-            </a:endParaRPr>
-          </a:p>
-          <a:p>
-            <a:pPr marL="457200" lvl="1" indent="0">
-              <a:buNone/>
-            </a:pPr>
-            <a:endParaRPr lang="en-US" altLang="zh-TW" dirty="0">
-              <a:ea typeface="微軟正黑體" panose="020B0604030504040204" pitchFamily="34" charset="-120"/>
-            </a:endParaRPr>
-          </a:p>
-          <a:p>
-            <a:pPr lvl="1"/>
-            <a:r>
-              <a:rPr lang="zh-TW" altLang="en-US" dirty="0">
-                <a:ea typeface="微軟正黑體" panose="020B0604030504040204" pitchFamily="34" charset="-120"/>
-              </a:rPr>
-              <a:t>受關節、體態問題困擾的族群</a:t>
-            </a:r>
-            <a:endParaRPr lang="en-US" altLang="zh-TW" dirty="0">
-              <a:ea typeface="微軟正黑體" panose="020B0604030504040204" pitchFamily="34" charset="-120"/>
-            </a:endParaRPr>
-          </a:p>
-          <a:p>
-            <a:pPr lvl="1"/>
-            <a:endParaRPr lang="en-US" altLang="zh-TW" dirty="0">
-              <a:ea typeface="微軟正黑體" panose="020B0604030504040204" pitchFamily="34" charset="-120"/>
-            </a:endParaRPr>
-          </a:p>
-          <a:p>
-            <a:pPr lvl="1"/>
-            <a:r>
-              <a:rPr lang="zh-TW" altLang="en-US" dirty="0">
-                <a:ea typeface="微軟正黑體" panose="020B0604030504040204" pitchFamily="34" charset="-120"/>
-              </a:rPr>
-              <a:t>關注體態健康的族群</a:t>
-            </a:r>
-            <a:endParaRPr lang="en-US" altLang="zh-TW" dirty="0">
-              <a:ea typeface="微軟正黑體" panose="020B0604030504040204" pitchFamily="34" charset="-120"/>
-            </a:endParaRPr>
-          </a:p>
-          <a:p>
-            <a:pPr lvl="1"/>
-            <a:endParaRPr lang="en-US" altLang="zh-TW" dirty="0">
-              <a:ea typeface="微軟正黑體" panose="020B0604030504040204" pitchFamily="34" charset="-120"/>
-            </a:endParaRPr>
-          </a:p>
-          <a:p>
-            <a:pPr lvl="1"/>
-            <a:endParaRPr lang="zh-TW" altLang="en-US" dirty="0">
-              <a:ea typeface="微軟正黑體" panose="020B0604030504040204" pitchFamily="34" charset="-120"/>
-            </a:endParaRPr>
+              <a:t>技術和系統維護成本</a:t>
+            </a:r>
           </a:p>
         </p:txBody>
       </p:sp>
@@ -5694,7 +5658,7 @@
     </p:spTree>
     <p:extLst>
       <p:ext uri="{BB962C8B-B14F-4D97-AF65-F5344CB8AC3E}">
-        <p14:creationId xmlns:p14="http://schemas.microsoft.com/office/powerpoint/2010/main" val="1739337312"/>
+        <p14:creationId xmlns:p14="http://schemas.microsoft.com/office/powerpoint/2010/main" val="3425436352"/>
       </p:ext>
     </p:extLst>
   </p:cSld>
@@ -6076,7 +6040,7 @@
           <p:cNvPr id="2" name="標題 1">
             <a:extLst>
               <a:ext uri="{FF2B5EF4-FFF2-40B4-BE49-F238E27FC236}">
-                <a16:creationId xmlns:a16="http://schemas.microsoft.com/office/drawing/2014/main" id="{3EC97B3F-091D-CB24-189C-07E8CA236FB9}"/>
+                <a16:creationId xmlns:a16="http://schemas.microsoft.com/office/drawing/2014/main" id="{387E8683-7CF9-4E92-D676-A46FC848EACC}"/>
               </a:ext>
             </a:extLst>
           </p:cNvPr>
@@ -6100,11 +6064,11 @@
           <a:lstStyle/>
           <a:p>
             <a:r>
-              <a:rPr lang="zh-TW" altLang="en-US" sz="4800" b="1">
+              <a:rPr lang="zh-TW" altLang="en-US" sz="4800" b="1" dirty="0">
                 <a:latin typeface="微軟正黑體" panose="020B0604030504040204" pitchFamily="34" charset="-120"/>
                 <a:ea typeface="微軟正黑體" panose="020B0604030504040204" pitchFamily="34" charset="-120"/>
               </a:rPr>
-              <a:t>成本結構</a:t>
+              <a:t>收益流</a:t>
             </a:r>
           </a:p>
         </p:txBody>
@@ -6114,7 +6078,7 @@
           <p:cNvPr id="3" name="內容版面配置區 2">
             <a:extLst>
               <a:ext uri="{FF2B5EF4-FFF2-40B4-BE49-F238E27FC236}">
-                <a16:creationId xmlns:a16="http://schemas.microsoft.com/office/drawing/2014/main" id="{FBC58C1E-8834-78B8-A967-BA941493E59E}"/>
+                <a16:creationId xmlns:a16="http://schemas.microsoft.com/office/drawing/2014/main" id="{8108C058-A708-08C9-0614-19C880456B93}"/>
               </a:ext>
             </a:extLst>
           </p:cNvPr>
@@ -6138,11 +6102,46 @@
           <a:lstStyle/>
           <a:p>
             <a:r>
+              <a:rPr lang="en-US" altLang="zh-TW" sz="2400" dirty="0">
+                <a:latin typeface="微軟正黑體" panose="020B0604030504040204" pitchFamily="34" charset="-120"/>
+                <a:ea typeface="微軟正黑體" panose="020B0604030504040204" pitchFamily="34" charset="-120"/>
+              </a:rPr>
+              <a:t>Premium</a:t>
+            </a:r>
+            <a:r>
               <a:rPr lang="zh-TW" altLang="en-US" sz="2400" dirty="0">
                 <a:latin typeface="微軟正黑體" panose="020B0604030504040204" pitchFamily="34" charset="-120"/>
                 <a:ea typeface="微軟正黑體" panose="020B0604030504040204" pitchFamily="34" charset="-120"/>
               </a:rPr>
-              <a:t>人事成本</a:t>
+              <a:t>訂閱費用 </a:t>
+            </a:r>
+            <a:r>
+              <a:rPr lang="en-US" altLang="zh-TW" sz="2400" dirty="0">
+                <a:latin typeface="微軟正黑體" panose="020B0604030504040204" pitchFamily="34" charset="-120"/>
+                <a:ea typeface="微軟正黑體" panose="020B0604030504040204" pitchFamily="34" charset="-120"/>
+              </a:rPr>
+              <a:t>:</a:t>
+            </a:r>
+            <a:r>
+              <a:rPr lang="zh-TW" altLang="en-US" sz="2400" dirty="0">
+                <a:latin typeface="微軟正黑體" panose="020B0604030504040204" pitchFamily="34" charset="-120"/>
+                <a:ea typeface="微軟正黑體" panose="020B0604030504040204" pitchFamily="34" charset="-120"/>
+              </a:rPr>
+              <a:t> 每月</a:t>
+            </a:r>
+            <a:r>
+              <a:rPr lang="en-US" altLang="zh-TW" sz="2400" dirty="0">
+                <a:latin typeface="微軟正黑體" panose="020B0604030504040204" pitchFamily="34" charset="-120"/>
+                <a:ea typeface="微軟正黑體" panose="020B0604030504040204" pitchFamily="34" charset="-120"/>
+              </a:rPr>
+              <a:t>60</a:t>
+            </a:r>
+            <a:r>
+              <a:rPr lang="zh-TW" altLang="en-US" sz="2400" dirty="0">
+                <a:latin typeface="微軟正黑體" panose="020B0604030504040204" pitchFamily="34" charset="-120"/>
+                <a:ea typeface="微軟正黑體" panose="020B0604030504040204" pitchFamily="34" charset="-120"/>
+              </a:rPr>
+              <a:t>元</a:t>
             </a:r>
             <a:endParaRPr lang="en-US" altLang="zh-TW" sz="2400" dirty="0">
               <a:latin typeface="微軟正黑體" panose="020B0604030504040204" pitchFamily="34" charset="-120"/>
@@ -6156,32 +6155,60 @@
             </a:endParaRPr>
           </a:p>
           <a:p>
+            <a:endParaRPr lang="en-US" altLang="zh-TW" sz="2400" dirty="0">
+              <a:latin typeface="微軟正黑體" panose="020B0604030504040204" pitchFamily="34" charset="-120"/>
+              <a:ea typeface="微軟正黑體" panose="020B0604030504040204" pitchFamily="34" charset="-120"/>
+            </a:endParaRPr>
+          </a:p>
+          <a:p>
             <a:r>
               <a:rPr lang="zh-TW" altLang="en-US" sz="2400" dirty="0">
                 <a:latin typeface="微軟正黑體" panose="020B0604030504040204" pitchFamily="34" charset="-120"/>
                 <a:ea typeface="微軟正黑體" panose="020B0604030504040204" pitchFamily="34" charset="-120"/>
               </a:rPr>
-              <a:t>行銷成本</a:t>
-            </a:r>
-            <a:endParaRPr lang="en-US" altLang="zh-TW" sz="2400" dirty="0">
-              <a:latin typeface="微軟正黑體" panose="020B0604030504040204" pitchFamily="34" charset="-120"/>
-              <a:ea typeface="微軟正黑體" panose="020B0604030504040204" pitchFamily="34" charset="-120"/>
-            </a:endParaRPr>
-          </a:p>
-          <a:p>
-            <a:endParaRPr lang="en-US" altLang="zh-TW" sz="2400" dirty="0">
-              <a:latin typeface="微軟正黑體" panose="020B0604030504040204" pitchFamily="34" charset="-120"/>
-              <a:ea typeface="微軟正黑體" panose="020B0604030504040204" pitchFamily="34" charset="-120"/>
-            </a:endParaRPr>
-          </a:p>
-          <a:p>
+              <a:t>預估收益</a:t>
+            </a:r>
+            <a:r>
+              <a:rPr lang="en-US" altLang="zh-TW" sz="2400" dirty="0">
+                <a:latin typeface="微軟正黑體" panose="020B0604030504040204" pitchFamily="34" charset="-120"/>
+                <a:ea typeface="微軟正黑體" panose="020B0604030504040204" pitchFamily="34" charset="-120"/>
+              </a:rPr>
+              <a:t>:</a:t>
+            </a:r>
             <a:r>
               <a:rPr lang="zh-TW" altLang="en-US" sz="2400" dirty="0">
                 <a:latin typeface="微軟正黑體" panose="020B0604030504040204" pitchFamily="34" charset="-120"/>
                 <a:ea typeface="微軟正黑體" panose="020B0604030504040204" pitchFamily="34" charset="-120"/>
               </a:rPr>
-              <a:t>技術和系統維護成本</a:t>
-            </a:r>
+              <a:t> 約</a:t>
+            </a:r>
+            <a:r>
+              <a:rPr lang="en-US" altLang="zh-TW" sz="2400" dirty="0">
+                <a:latin typeface="微軟正黑體" panose="020B0604030504040204" pitchFamily="34" charset="-120"/>
+                <a:ea typeface="微軟正黑體" panose="020B0604030504040204" pitchFamily="34" charset="-120"/>
+              </a:rPr>
+              <a:t>7300</a:t>
+            </a:r>
+            <a:r>
+              <a:rPr lang="zh-TW" altLang="en-US" sz="2400" dirty="0">
+                <a:latin typeface="微軟正黑體" panose="020B0604030504040204" pitchFamily="34" charset="-120"/>
+                <a:ea typeface="微軟正黑體" panose="020B0604030504040204" pitchFamily="34" charset="-120"/>
+              </a:rPr>
+              <a:t>萬，毛利率約</a:t>
+            </a:r>
+            <a:r>
+              <a:rPr lang="en-US" altLang="zh-TW" sz="2400" dirty="0">
+                <a:latin typeface="微軟正黑體" panose="020B0604030504040204" pitchFamily="34" charset="-120"/>
+                <a:ea typeface="微軟正黑體" panose="020B0604030504040204" pitchFamily="34" charset="-120"/>
+              </a:rPr>
+              <a:t>40%</a:t>
+            </a:r>
+          </a:p>
+          <a:p>
+            <a:endParaRPr lang="en-US" altLang="zh-TW" sz="2400" dirty="0"/>
+          </a:p>
+          <a:p>
+            <a:endParaRPr lang="zh-TW" altLang="en-US" sz="2400" dirty="0"/>
           </a:p>
         </p:txBody>
       </p:sp>
@@ -6240,7 +6267,7 @@
     </p:spTree>
     <p:extLst>
       <p:ext uri="{BB962C8B-B14F-4D97-AF65-F5344CB8AC3E}">
-        <p14:creationId xmlns:p14="http://schemas.microsoft.com/office/powerpoint/2010/main" val="3425436352"/>
+        <p14:creationId xmlns:p14="http://schemas.microsoft.com/office/powerpoint/2010/main" val="1855425495"/>
       </p:ext>
     </p:extLst>
   </p:cSld>
@@ -6251,6 +6278,90 @@
 </file>
 
 <file path=ppt/slides/slide12.xml><?xml version="1.0" encoding="utf-8"?>
+<p:sld xmlns:a="http://schemas.openxmlformats.org/drawingml/2006/main" xmlns:r="http://schemas.openxmlformats.org/officeDocument/2006/relationships" xmlns:p="http://schemas.openxmlformats.org/presentationml/2006/main">
+  <p:cSld>
+    <p:spTree>
+      <p:nvGrpSpPr>
+        <p:cNvPr id="1" name=""/>
+        <p:cNvGrpSpPr/>
+        <p:nvPr/>
+      </p:nvGrpSpPr>
+      <p:grpSpPr>
+        <a:xfrm>
+          <a:off x="0" y="0"/>
+          <a:ext cx="0" cy="0"/>
+          <a:chOff x="0" y="0"/>
+          <a:chExt cx="0" cy="0"/>
+        </a:xfrm>
+      </p:grpSpPr>
+      <p:sp>
+        <p:nvSpPr>
+          <p:cNvPr id="2" name="標題 1">
+            <a:extLst>
+              <a:ext uri="{FF2B5EF4-FFF2-40B4-BE49-F238E27FC236}">
+                <a16:creationId xmlns:a16="http://schemas.microsoft.com/office/drawing/2014/main" id="{1DADC3CD-CA2D-82C5-E5FB-083425637737}"/>
+              </a:ext>
+            </a:extLst>
+          </p:cNvPr>
+          <p:cNvSpPr>
+            <a:spLocks noGrp="1"/>
+          </p:cNvSpPr>
+          <p:nvPr>
+            <p:ph type="title"/>
+          </p:nvPr>
+        </p:nvSpPr>
+        <p:spPr/>
+        <p:txBody>
+          <a:bodyPr/>
+          <a:lstStyle/>
+          <a:p>
+            <a:r>
+              <a:rPr lang="en-US" altLang="zh-TW" dirty="0"/>
+              <a:t>end</a:t>
+            </a:r>
+            <a:endParaRPr lang="zh-TW" altLang="en-US" dirty="0"/>
+          </a:p>
+        </p:txBody>
+      </p:sp>
+      <p:sp>
+        <p:nvSpPr>
+          <p:cNvPr id="3" name="內容版面配置區 2">
+            <a:extLst>
+              <a:ext uri="{FF2B5EF4-FFF2-40B4-BE49-F238E27FC236}">
+                <a16:creationId xmlns:a16="http://schemas.microsoft.com/office/drawing/2014/main" id="{3F6E75CB-736F-BFAB-9667-CE6C9EA96CF8}"/>
+              </a:ext>
+            </a:extLst>
+          </p:cNvPr>
+          <p:cNvSpPr>
+            <a:spLocks noGrp="1"/>
+          </p:cNvSpPr>
+          <p:nvPr>
+            <p:ph idx="1"/>
+          </p:nvPr>
+        </p:nvSpPr>
+        <p:spPr/>
+        <p:txBody>
+          <a:bodyPr/>
+          <a:lstStyle/>
+          <a:p>
+            <a:endParaRPr lang="zh-TW" altLang="en-US" dirty="0"/>
+          </a:p>
+        </p:txBody>
+      </p:sp>
+    </p:spTree>
+    <p:extLst>
+      <p:ext uri="{BB962C8B-B14F-4D97-AF65-F5344CB8AC3E}">
+        <p14:creationId xmlns:p14="http://schemas.microsoft.com/office/powerpoint/2010/main" val="3974612881"/>
+      </p:ext>
+    </p:extLst>
+  </p:cSld>
+  <p:clrMapOvr>
+    <a:masterClrMapping/>
+  </p:clrMapOvr>
+</p:sld>
+</file>
+
+<file path=ppt/slides/slide2.xml><?xml version="1.0" encoding="utf-8"?>
 <p:sld xmlns:a="http://schemas.openxmlformats.org/drawingml/2006/main" xmlns:r="http://schemas.openxmlformats.org/officeDocument/2006/relationships" xmlns:p="http://schemas.openxmlformats.org/presentationml/2006/main">
   <p:cSld>
     <p:bg>
@@ -6280,7 +6391,7 @@
           <p:cNvPr id="8" name="Rectangle 7">
             <a:extLst>
               <a:ext uri="{FF2B5EF4-FFF2-40B4-BE49-F238E27FC236}">
-                <a16:creationId xmlns:a16="http://schemas.microsoft.com/office/drawing/2014/main" id="{B6CDA21F-E7AF-4C75-8395-33F58D5B0E45}"/>
+                <a16:creationId xmlns:a16="http://schemas.microsoft.com/office/drawing/2014/main" id="{DBF61EA3-B236-439E-9C0B-340980D56BEE}"/>
               </a:ext>
               <a:ext uri="{C183D7F6-B498-43B3-948B-1728B52AA6E4}">
                 <adec:decorative xmlns:adec="http://schemas.microsoft.com/office/drawing/2017/decorative" val="1"/>
@@ -6335,9 +6446,456 @@
           </a:p>
         </p:txBody>
       </p:sp>
+      <p:sp>
+        <p:nvSpPr>
+          <p:cNvPr id="2" name="標題 1">
+            <a:extLst>
+              <a:ext uri="{FF2B5EF4-FFF2-40B4-BE49-F238E27FC236}">
+                <a16:creationId xmlns:a16="http://schemas.microsoft.com/office/drawing/2014/main" id="{AF9C4B85-D0BB-59F0-0E19-636E0E80051F}"/>
+              </a:ext>
+            </a:extLst>
+          </p:cNvPr>
+          <p:cNvSpPr>
+            <a:spLocks noGrp="1"/>
+          </p:cNvSpPr>
+          <p:nvPr>
+            <p:ph type="title"/>
+          </p:nvPr>
+        </p:nvSpPr>
+        <p:spPr>
+          <a:xfrm>
+            <a:off x="808638" y="386930"/>
+            <a:ext cx="9236700" cy="1188950"/>
+          </a:xfrm>
+        </p:spPr>
+        <p:txBody>
+          <a:bodyPr anchor="b">
+            <a:normAutofit/>
+          </a:bodyPr>
+          <a:lstStyle/>
+          <a:p>
+            <a:r>
+              <a:rPr lang="zh-TW" altLang="en-US" sz="5400" b="1" dirty="0">
+                <a:latin typeface="微軟正黑體" panose="020B0604030504040204" pitchFamily="34" charset="-120"/>
+                <a:ea typeface="微軟正黑體" panose="020B0604030504040204" pitchFamily="34" charset="-120"/>
+              </a:rPr>
+              <a:t>目錄</a:t>
+            </a:r>
+          </a:p>
+        </p:txBody>
+      </p:sp>
       <p:grpSp>
         <p:nvGrpSpPr>
           <p:cNvPr id="10" name="Group 9">
+            <a:extLst>
+              <a:ext uri="{FF2B5EF4-FFF2-40B4-BE49-F238E27FC236}">
+                <a16:creationId xmlns:a16="http://schemas.microsoft.com/office/drawing/2014/main" id="{28FAF094-D087-493F-8DF9-A486C2D6BBAA}"/>
+              </a:ext>
+              <a:ext uri="{C183D7F6-B498-43B3-948B-1728B52AA6E4}">
+                <adec:decorative xmlns:adec="http://schemas.microsoft.com/office/drawing/2017/decorative" val="1"/>
+              </a:ext>
+            </a:extLst>
+          </p:cNvPr>
+          <p:cNvGrpSpPr>
+            <a:grpSpLocks noGrp="1" noUngrp="1" noRot="1" noChangeAspect="1" noMove="1" noResize="1"/>
+          </p:cNvGrpSpPr>
+          <p:nvPr>
+            <p:extLst>
+              <p:ext uri="{386F3935-93C4-4BCD-93E2-E3B085C9AB24}">
+                <p16:designElem xmlns:p16="http://schemas.microsoft.com/office/powerpoint/2015/main" val="1"/>
+              </p:ext>
+            </p:extLst>
+          </p:nvPr>
+        </p:nvGrpSpPr>
+        <p:grpSpPr>
+          <a:xfrm>
+            <a:off x="-2" y="1998368"/>
+            <a:ext cx="11695083" cy="782176"/>
+            <a:chOff x="-2" y="1998368"/>
+            <a:chExt cx="11695083" cy="782176"/>
+          </a:xfrm>
+        </p:grpSpPr>
+        <p:sp>
+          <p:nvSpPr>
+            <p:cNvPr id="11" name="Rectangle 10">
+              <a:extLst>
+                <a:ext uri="{FF2B5EF4-FFF2-40B4-BE49-F238E27FC236}">
+                  <a16:creationId xmlns:a16="http://schemas.microsoft.com/office/drawing/2014/main" id="{8D7C88D8-5509-4514-925A-9CE148E5CBD6}"/>
+                </a:ext>
+                <a:ext uri="{C183D7F6-B498-43B3-948B-1728B52AA6E4}">
+                  <adec:decorative xmlns:adec="http://schemas.microsoft.com/office/drawing/2017/decorative" val="1"/>
+                </a:ext>
+              </a:extLst>
+            </p:cNvPr>
+            <p:cNvSpPr/>
+            <p:nvPr>
+              <p:extLst>
+                <p:ext uri="{386F3935-93C4-4BCD-93E2-E3B085C9AB24}">
+                  <p16:designElem xmlns:p16="http://schemas.microsoft.com/office/powerpoint/2015/main" val="1"/>
+                </p:ext>
+              </p:extLst>
+            </p:nvPr>
+          </p:nvSpPr>
+          <p:spPr>
+            <a:xfrm rot="5400000">
+              <a:off x="11228040" y="2313027"/>
+              <a:ext cx="781700" cy="152382"/>
+            </a:xfrm>
+            <a:prstGeom prst="rect">
+              <a:avLst/>
+            </a:prstGeom>
+            <a:solidFill>
+              <a:schemeClr val="accent4"/>
+            </a:solidFill>
+            <a:ln>
+              <a:noFill/>
+            </a:ln>
+          </p:spPr>
+          <p:style>
+            <a:lnRef idx="2">
+              <a:schemeClr val="accent1">
+                <a:shade val="50000"/>
+              </a:schemeClr>
+            </a:lnRef>
+            <a:fillRef idx="1">
+              <a:schemeClr val="accent1"/>
+            </a:fillRef>
+            <a:effectRef idx="0">
+              <a:schemeClr val="accent1"/>
+            </a:effectRef>
+            <a:fontRef idx="minor">
+              <a:schemeClr val="lt1"/>
+            </a:fontRef>
+          </p:style>
+          <p:txBody>
+            <a:bodyPr rtlCol="0" anchor="ctr"/>
+            <a:lstStyle/>
+            <a:p>
+              <a:pPr algn="ctr"/>
+              <a:endParaRPr lang="en-US"/>
+            </a:p>
+          </p:txBody>
+        </p:sp>
+        <p:sp>
+          <p:nvSpPr>
+            <p:cNvPr id="12" name="Rectangle 11">
+              <a:extLst>
+                <a:ext uri="{FF2B5EF4-FFF2-40B4-BE49-F238E27FC236}">
+                  <a16:creationId xmlns:a16="http://schemas.microsoft.com/office/drawing/2014/main" id="{7275593D-F75E-4426-AE3E-2CDEFD228D25}"/>
+                </a:ext>
+                <a:ext uri="{C183D7F6-B498-43B3-948B-1728B52AA6E4}">
+                  <adec:decorative xmlns:adec="http://schemas.microsoft.com/office/drawing/2017/decorative" val="1"/>
+                </a:ext>
+              </a:extLst>
+            </p:cNvPr>
+            <p:cNvSpPr/>
+            <p:nvPr>
+              <p:extLst>
+                <p:ext uri="{386F3935-93C4-4BCD-93E2-E3B085C9AB24}">
+                  <p16:designElem xmlns:p16="http://schemas.microsoft.com/office/powerpoint/2015/main" val="1"/>
+                </p:ext>
+              </p:extLst>
+            </p:nvPr>
+          </p:nvSpPr>
+          <p:spPr>
+            <a:xfrm flipH="1" flipV="1">
+              <a:off x="-2" y="1998845"/>
+              <a:ext cx="11454595" cy="781699"/>
+            </a:xfrm>
+            <a:prstGeom prst="rect">
+              <a:avLst/>
+            </a:prstGeom>
+            <a:solidFill>
+              <a:schemeClr val="accent4"/>
+            </a:solidFill>
+            <a:ln>
+              <a:noFill/>
+            </a:ln>
+          </p:spPr>
+          <p:style>
+            <a:lnRef idx="2">
+              <a:schemeClr val="accent1">
+                <a:shade val="50000"/>
+              </a:schemeClr>
+            </a:lnRef>
+            <a:fillRef idx="1">
+              <a:schemeClr val="accent1"/>
+            </a:fillRef>
+            <a:effectRef idx="0">
+              <a:schemeClr val="accent1"/>
+            </a:effectRef>
+            <a:fontRef idx="minor">
+              <a:schemeClr val="lt1"/>
+            </a:fontRef>
+          </p:style>
+          <p:txBody>
+            <a:bodyPr rtlCol="0" anchor="ctr"/>
+            <a:lstStyle/>
+            <a:p>
+              <a:pPr algn="ctr"/>
+              <a:endParaRPr lang="en-US"/>
+            </a:p>
+          </p:txBody>
+        </p:sp>
+      </p:grpSp>
+      <p:sp>
+        <p:nvSpPr>
+          <p:cNvPr id="14" name="Rectangle 13">
+            <a:extLst>
+              <a:ext uri="{FF2B5EF4-FFF2-40B4-BE49-F238E27FC236}">
+                <a16:creationId xmlns:a16="http://schemas.microsoft.com/office/drawing/2014/main" id="{E659831F-0D9A-4C63-9EBB-8435B85A440F}"/>
+              </a:ext>
+              <a:ext uri="{C183D7F6-B498-43B3-948B-1728B52AA6E4}">
+                <adec:decorative xmlns:adec="http://schemas.microsoft.com/office/drawing/2017/decorative" val="1"/>
+              </a:ext>
+            </a:extLst>
+          </p:cNvPr>
+          <p:cNvSpPr>
+            <a:spLocks noGrp="1" noRot="1" noChangeAspect="1" noMove="1" noResize="1" noEditPoints="1" noAdjustHandles="1" noChangeArrowheads="1" noChangeShapeType="1" noTextEdit="1"/>
+          </p:cNvSpPr>
+          <p:nvPr>
+            <p:extLst>
+              <p:ext uri="{386F3935-93C4-4BCD-93E2-E3B085C9AB24}">
+                <p16:designElem xmlns:p16="http://schemas.microsoft.com/office/powerpoint/2015/main" val="1"/>
+              </p:ext>
+            </p:extLst>
+          </p:nvPr>
+        </p:nvSpPr>
+        <p:spPr>
+          <a:xfrm>
+            <a:off x="0" y="2203079"/>
+            <a:ext cx="11383362" cy="4147845"/>
+          </a:xfrm>
+          <a:prstGeom prst="rect">
+            <a:avLst/>
+          </a:prstGeom>
+          <a:solidFill>
+            <a:schemeClr val="bg1"/>
+          </a:solidFill>
+          <a:ln>
+            <a:noFill/>
+          </a:ln>
+          <a:effectLst>
+            <a:outerShdw blurRad="139700" dist="127000" dir="5400000" algn="t" rotWithShape="0">
+              <a:prstClr val="black">
+                <a:alpha val="15000"/>
+              </a:prstClr>
+            </a:outerShdw>
+          </a:effectLst>
+        </p:spPr>
+        <p:style>
+          <a:lnRef idx="2">
+            <a:schemeClr val="accent1">
+              <a:shade val="50000"/>
+            </a:schemeClr>
+          </a:lnRef>
+          <a:fillRef idx="1">
+            <a:schemeClr val="accent1"/>
+          </a:fillRef>
+          <a:effectRef idx="0">
+            <a:schemeClr val="accent1"/>
+          </a:effectRef>
+          <a:fontRef idx="minor">
+            <a:schemeClr val="lt1"/>
+          </a:fontRef>
+        </p:style>
+        <p:txBody>
+          <a:bodyPr rtlCol="0" anchor="ctr"/>
+          <a:lstStyle/>
+          <a:p>
+            <a:pPr algn="ctr"/>
+            <a:endParaRPr lang="en-US"/>
+          </a:p>
+        </p:txBody>
+      </p:sp>
+      <p:sp>
+        <p:nvSpPr>
+          <p:cNvPr id="3" name="內容版面配置區 2">
+            <a:extLst>
+              <a:ext uri="{FF2B5EF4-FFF2-40B4-BE49-F238E27FC236}">
+                <a16:creationId xmlns:a16="http://schemas.microsoft.com/office/drawing/2014/main" id="{BA4F1779-F372-A178-061E-652C5A08E06C}"/>
+              </a:ext>
+            </a:extLst>
+          </p:cNvPr>
+          <p:cNvSpPr>
+            <a:spLocks noGrp="1"/>
+          </p:cNvSpPr>
+          <p:nvPr>
+            <p:ph idx="1"/>
+          </p:nvPr>
+        </p:nvSpPr>
+        <p:spPr>
+          <a:xfrm>
+            <a:off x="793660" y="2599509"/>
+            <a:ext cx="10143668" cy="3435531"/>
+          </a:xfrm>
+        </p:spPr>
+        <p:txBody>
+          <a:bodyPr anchor="ctr">
+            <a:normAutofit/>
+          </a:bodyPr>
+          <a:lstStyle/>
+          <a:p>
+            <a:r>
+              <a:rPr lang="zh-TW" altLang="en-US" sz="2400" dirty="0">
+                <a:latin typeface="微軟正黑體" panose="020B0604030504040204" pitchFamily="34" charset="-120"/>
+                <a:ea typeface="微軟正黑體" panose="020B0604030504040204" pitchFamily="34" charset="-120"/>
+              </a:rPr>
+              <a:t>研究動機</a:t>
+            </a:r>
+            <a:endParaRPr lang="en-US" altLang="zh-TW" sz="2400" dirty="0">
+              <a:latin typeface="微軟正黑體" panose="020B0604030504040204" pitchFamily="34" charset="-120"/>
+              <a:ea typeface="微軟正黑體" panose="020B0604030504040204" pitchFamily="34" charset="-120"/>
+            </a:endParaRPr>
+          </a:p>
+          <a:p>
+            <a:r>
+              <a:rPr lang="zh-TW" altLang="en-US" sz="2400" dirty="0">
+                <a:latin typeface="微軟正黑體" panose="020B0604030504040204" pitchFamily="34" charset="-120"/>
+                <a:ea typeface="微軟正黑體" panose="020B0604030504040204" pitchFamily="34" charset="-120"/>
+              </a:rPr>
+              <a:t>市場調查</a:t>
+            </a:r>
+            <a:endParaRPr lang="en-US" altLang="zh-TW" sz="2400" dirty="0">
+              <a:latin typeface="微軟正黑體" panose="020B0604030504040204" pitchFamily="34" charset="-120"/>
+              <a:ea typeface="微軟正黑體" panose="020B0604030504040204" pitchFamily="34" charset="-120"/>
+            </a:endParaRPr>
+          </a:p>
+          <a:p>
+            <a:r>
+              <a:rPr lang="zh-TW" altLang="en-US" sz="2400" dirty="0">
+                <a:latin typeface="微軟正黑體" panose="020B0604030504040204" pitchFamily="34" charset="-120"/>
+                <a:ea typeface="微軟正黑體" panose="020B0604030504040204" pitchFamily="34" charset="-120"/>
+              </a:rPr>
+              <a:t>產品概述</a:t>
+            </a:r>
+            <a:endParaRPr lang="en-US" altLang="zh-TW" sz="2400" dirty="0">
+              <a:latin typeface="微軟正黑體" panose="020B0604030504040204" pitchFamily="34" charset="-120"/>
+              <a:ea typeface="微軟正黑體" panose="020B0604030504040204" pitchFamily="34" charset="-120"/>
+            </a:endParaRPr>
+          </a:p>
+          <a:p>
+            <a:r>
+              <a:rPr lang="zh-TW" altLang="en-US" sz="2400" dirty="0">
+                <a:latin typeface="微軟正黑體" panose="020B0604030504040204" pitchFamily="34" charset="-120"/>
+                <a:ea typeface="微軟正黑體" panose="020B0604030504040204" pitchFamily="34" charset="-120"/>
+              </a:rPr>
+              <a:t>商業模式</a:t>
+            </a:r>
+            <a:endParaRPr lang="en-US" altLang="zh-TW" sz="2400" dirty="0">
+              <a:latin typeface="微軟正黑體" panose="020B0604030504040204" pitchFamily="34" charset="-120"/>
+              <a:ea typeface="微軟正黑體" panose="020B0604030504040204" pitchFamily="34" charset="-120"/>
+            </a:endParaRPr>
+          </a:p>
+          <a:p>
+            <a:endParaRPr lang="en-US" altLang="zh-TW" sz="2400" dirty="0"/>
+          </a:p>
+          <a:p>
+            <a:endParaRPr lang="zh-TW" altLang="en-US" sz="2400" dirty="0"/>
+          </a:p>
+        </p:txBody>
+      </p:sp>
+    </p:spTree>
+    <p:extLst>
+      <p:ext uri="{BB962C8B-B14F-4D97-AF65-F5344CB8AC3E}">
+        <p14:creationId xmlns:p14="http://schemas.microsoft.com/office/powerpoint/2010/main" val="3673904705"/>
+      </p:ext>
+    </p:extLst>
+  </p:cSld>
+  <p:clrMapOvr>
+    <a:masterClrMapping/>
+  </p:clrMapOvr>
+</p:sld>
+</file>
+
+<file path=ppt/slides/slide3.xml><?xml version="1.0" encoding="utf-8"?>
+<p:sld xmlns:a="http://schemas.openxmlformats.org/drawingml/2006/main" xmlns:r="http://schemas.openxmlformats.org/officeDocument/2006/relationships" xmlns:p="http://schemas.openxmlformats.org/presentationml/2006/main">
+  <p:cSld>
+    <p:bg>
+      <p:bgPr>
+        <a:solidFill>
+          <a:schemeClr val="bg1"/>
+        </a:solidFill>
+        <a:effectLst/>
+      </p:bgPr>
+    </p:bg>
+    <p:spTree>
+      <p:nvGrpSpPr>
+        <p:cNvPr id="1" name=""/>
+        <p:cNvGrpSpPr/>
+        <p:nvPr/>
+      </p:nvGrpSpPr>
+      <p:grpSpPr>
+        <a:xfrm>
+          <a:off x="0" y="0"/>
+          <a:ext cx="0" cy="0"/>
+          <a:chOff x="0" y="0"/>
+          <a:chExt cx="0" cy="0"/>
+        </a:xfrm>
+      </p:grpSpPr>
+      <p:sp useBgFill="1">
+        <p:nvSpPr>
+          <p:cNvPr id="6" name="Rectangle 7">
+            <a:extLst>
+              <a:ext uri="{FF2B5EF4-FFF2-40B4-BE49-F238E27FC236}">
+                <a16:creationId xmlns:a16="http://schemas.microsoft.com/office/drawing/2014/main" id="{B6CDA21F-E7AF-4C75-8395-33F58D5B0E45}"/>
+              </a:ext>
+              <a:ext uri="{C183D7F6-B498-43B3-948B-1728B52AA6E4}">
+                <adec:decorative xmlns:adec="http://schemas.microsoft.com/office/drawing/2017/decorative" val="1"/>
+              </a:ext>
+            </a:extLst>
+          </p:cNvPr>
+          <p:cNvSpPr>
+            <a:spLocks noGrp="1" noRot="1" noChangeAspect="1" noMove="1" noResize="1" noEditPoints="1" noAdjustHandles="1" noChangeArrowheads="1" noChangeShapeType="1" noTextEdit="1"/>
+          </p:cNvSpPr>
+          <p:nvPr>
+            <p:extLst>
+              <p:ext uri="{386F3935-93C4-4BCD-93E2-E3B085C9AB24}">
+                <p16:designElem xmlns:p16="http://schemas.microsoft.com/office/powerpoint/2015/main" val="1"/>
+              </p:ext>
+            </p:extLst>
+          </p:nvPr>
+        </p:nvSpPr>
+        <p:spPr>
+          <a:xfrm>
+            <a:off x="0" y="0"/>
+            <a:ext cx="12191999" cy="6857365"/>
+          </a:xfrm>
+          <a:prstGeom prst="rect">
+            <a:avLst/>
+          </a:prstGeom>
+          <a:ln>
+            <a:noFill/>
+          </a:ln>
+        </p:spPr>
+        <p:style>
+          <a:lnRef idx="2">
+            <a:schemeClr val="accent1">
+              <a:shade val="50000"/>
+            </a:schemeClr>
+          </a:lnRef>
+          <a:fillRef idx="1">
+            <a:schemeClr val="accent1"/>
+          </a:fillRef>
+          <a:effectRef idx="0">
+            <a:schemeClr val="accent1"/>
+          </a:effectRef>
+          <a:fontRef idx="minor">
+            <a:schemeClr val="lt1"/>
+          </a:fontRef>
+        </p:style>
+        <p:txBody>
+          <a:bodyPr rtlCol="0" anchor="ctr"/>
+          <a:lstStyle/>
+          <a:p>
+            <a:pPr algn="ctr"/>
+            <a:endParaRPr lang="en-US"/>
+          </a:p>
+        </p:txBody>
+      </p:sp>
+      <p:grpSp>
+        <p:nvGrpSpPr>
+          <p:cNvPr id="7" name="Group 9">
             <a:extLst>
               <a:ext uri="{FF2B5EF4-FFF2-40B4-BE49-F238E27FC236}">
                 <a16:creationId xmlns:a16="http://schemas.microsoft.com/office/drawing/2014/main" id="{AE1C45F0-260A-458C-96ED-C1F6D2151219}"/>
@@ -6549,7 +7107,7 @@
       </p:grpSp>
       <p:sp>
         <p:nvSpPr>
-          <p:cNvPr id="15" name="Rectangle 14">
+          <p:cNvPr id="14" name="Rectangle 14">
             <a:extLst>
               <a:ext uri="{FF2B5EF4-FFF2-40B4-BE49-F238E27FC236}">
                 <a16:creationId xmlns:a16="http://schemas.microsoft.com/office/drawing/2014/main" id="{D5B0017B-2ECA-49AF-B397-DC140825DF8D}"/>
@@ -6622,7 +7180,7 @@
           <p:cNvPr id="2" name="標題 1">
             <a:extLst>
               <a:ext uri="{FF2B5EF4-FFF2-40B4-BE49-F238E27FC236}">
-                <a16:creationId xmlns:a16="http://schemas.microsoft.com/office/drawing/2014/main" id="{387E8683-7CF9-4E92-D676-A46FC848EACC}"/>
+                <a16:creationId xmlns:a16="http://schemas.microsoft.com/office/drawing/2014/main" id="{4866A287-AFF9-DE21-1522-79C5FA228F26}"/>
               </a:ext>
             </a:extLst>
           </p:cNvPr>
@@ -6650,7 +7208,7 @@
                 <a:latin typeface="微軟正黑體" panose="020B0604030504040204" pitchFamily="34" charset="-120"/>
                 <a:ea typeface="微軟正黑體" panose="020B0604030504040204" pitchFamily="34" charset="-120"/>
               </a:rPr>
-              <a:t>收益流</a:t>
+              <a:t>研究動機</a:t>
             </a:r>
           </a:p>
         </p:txBody>
@@ -6660,7 +7218,7 @@
           <p:cNvPr id="3" name="內容版面配置區 2">
             <a:extLst>
               <a:ext uri="{FF2B5EF4-FFF2-40B4-BE49-F238E27FC236}">
-                <a16:creationId xmlns:a16="http://schemas.microsoft.com/office/drawing/2014/main" id="{8108C058-A708-08C9-0614-19C880456B93}"/>
+                <a16:creationId xmlns:a16="http://schemas.microsoft.com/office/drawing/2014/main" id="{59BDFED2-F3D6-0712-31E8-35F036EB9672}"/>
               </a:ext>
             </a:extLst>
           </p:cNvPr>
@@ -6673,130 +7231,198 @@
         </p:nvSpPr>
         <p:spPr>
           <a:xfrm>
-            <a:off x="1045028" y="3017522"/>
-            <a:ext cx="9941319" cy="3124658"/>
+            <a:off x="955766" y="3731623"/>
+            <a:ext cx="10515600" cy="3020155"/>
           </a:xfrm>
         </p:spPr>
         <p:txBody>
           <a:bodyPr anchor="ctr">
-            <a:normAutofit/>
+            <a:normAutofit fontScale="85000" lnSpcReduction="20000"/>
           </a:bodyPr>
           <a:lstStyle/>
           <a:p>
             <a:r>
-              <a:rPr lang="en-US" altLang="zh-TW" sz="2400" dirty="0">
+              <a:rPr lang="zh-TW" altLang="en-US" sz="3600" dirty="0">
                 <a:latin typeface="微軟正黑體" panose="020B0604030504040204" pitchFamily="34" charset="-120"/>
                 <a:ea typeface="微軟正黑體" panose="020B0604030504040204" pitchFamily="34" charset="-120"/>
               </a:rPr>
-              <a:t>Premium</a:t>
-            </a:r>
-            <a:r>
-              <a:rPr lang="zh-TW" altLang="en-US" sz="2400" dirty="0">
-                <a:latin typeface="微軟正黑體" panose="020B0604030504040204" pitchFamily="34" charset="-120"/>
-                <a:ea typeface="微軟正黑體" panose="020B0604030504040204" pitchFamily="34" charset="-120"/>
-              </a:rPr>
-              <a:t>訂閱費用 </a:t>
-            </a:r>
-            <a:r>
-              <a:rPr lang="en-US" altLang="zh-TW" sz="2400" dirty="0">
+              <a:t>專題背景</a:t>
+            </a:r>
+            <a:r>
+              <a:rPr lang="en-US" altLang="zh-TW" sz="3600" dirty="0">
                 <a:latin typeface="微軟正黑體" panose="020B0604030504040204" pitchFamily="34" charset="-120"/>
                 <a:ea typeface="微軟正黑體" panose="020B0604030504040204" pitchFamily="34" charset="-120"/>
               </a:rPr>
               <a:t>:</a:t>
             </a:r>
             <a:r>
-              <a:rPr lang="zh-TW" altLang="en-US" sz="2400" dirty="0">
+              <a:rPr lang="zh-TW" altLang="en-US" sz="3600" dirty="0">
                 <a:latin typeface="微軟正黑體" panose="020B0604030504040204" pitchFamily="34" charset="-120"/>
                 <a:ea typeface="微軟正黑體" panose="020B0604030504040204" pitchFamily="34" charset="-120"/>
               </a:rPr>
-              <a:t> 每月</a:t>
-            </a:r>
-            <a:r>
-              <a:rPr lang="en-US" altLang="zh-TW" sz="2400" dirty="0">
+              <a:t> 科技發展 </a:t>
+            </a:r>
+            <a:r>
+              <a:rPr lang="zh-TW" altLang="en-US" sz="3600" dirty="0">
+                <a:latin typeface="微軟正黑體" panose="020B0604030504040204" pitchFamily="34" charset="-120"/>
+                <a:ea typeface="微軟正黑體" panose="020B0604030504040204" pitchFamily="34" charset="-120"/>
+                <a:sym typeface="Wingdings" panose="05000000000000000000" pitchFamily="2" charset="2"/>
+              </a:rPr>
+              <a:t>、</a:t>
+            </a:r>
+            <a:r>
+              <a:rPr lang="zh-TW" altLang="en-US" sz="3600" dirty="0">
                 <a:latin typeface="微軟正黑體" panose="020B0604030504040204" pitchFamily="34" charset="-120"/>
                 <a:ea typeface="微軟正黑體" panose="020B0604030504040204" pitchFamily="34" charset="-120"/>
               </a:rPr>
-              <a:t>60</a:t>
-            </a:r>
-            <a:r>
-              <a:rPr lang="zh-TW" altLang="en-US" sz="2400" dirty="0">
+              <a:t>久坐、高齡化、肥胖率提升</a:t>
+            </a:r>
+            <a:endParaRPr lang="en-US" altLang="zh-TW" sz="3600" dirty="0">
+              <a:latin typeface="微軟正黑體" panose="020B0604030504040204" pitchFamily="34" charset="-120"/>
+              <a:ea typeface="微軟正黑體" panose="020B0604030504040204" pitchFamily="34" charset="-120"/>
+            </a:endParaRPr>
+          </a:p>
+          <a:p>
+            <a:endParaRPr lang="en-US" altLang="zh-TW" sz="3600" dirty="0">
+              <a:latin typeface="微軟正黑體" panose="020B0604030504040204" pitchFamily="34" charset="-120"/>
+              <a:ea typeface="微軟正黑體" panose="020B0604030504040204" pitchFamily="34" charset="-120"/>
+            </a:endParaRPr>
+          </a:p>
+          <a:p>
+            <a:r>
+              <a:rPr lang="zh-TW" altLang="en-US" sz="3600" dirty="0">
                 <a:latin typeface="微軟正黑體" panose="020B0604030504040204" pitchFamily="34" charset="-120"/>
                 <a:ea typeface="微軟正黑體" panose="020B0604030504040204" pitchFamily="34" charset="-120"/>
               </a:rPr>
-              <a:t>元</a:t>
-            </a:r>
-            <a:endParaRPr lang="en-US" altLang="zh-TW" sz="2400" dirty="0">
-              <a:latin typeface="微軟正黑體" panose="020B0604030504040204" pitchFamily="34" charset="-120"/>
-              <a:ea typeface="微軟正黑體" panose="020B0604030504040204" pitchFamily="34" charset="-120"/>
-            </a:endParaRPr>
-          </a:p>
-          <a:p>
-            <a:endParaRPr lang="en-US" altLang="zh-TW" sz="2400" dirty="0">
-              <a:latin typeface="微軟正黑體" panose="020B0604030504040204" pitchFamily="34" charset="-120"/>
-              <a:ea typeface="微軟正黑體" panose="020B0604030504040204" pitchFamily="34" charset="-120"/>
-            </a:endParaRPr>
-          </a:p>
-          <a:p>
-            <a:endParaRPr lang="en-US" altLang="zh-TW" sz="2400" dirty="0">
-              <a:latin typeface="微軟正黑體" panose="020B0604030504040204" pitchFamily="34" charset="-120"/>
-              <a:ea typeface="微軟正黑體" panose="020B0604030504040204" pitchFamily="34" charset="-120"/>
-            </a:endParaRPr>
-          </a:p>
-          <a:p>
-            <a:r>
-              <a:rPr lang="zh-TW" altLang="en-US" sz="2400" dirty="0">
-                <a:latin typeface="微軟正黑體" panose="020B0604030504040204" pitchFamily="34" charset="-120"/>
-                <a:ea typeface="微軟正黑體" panose="020B0604030504040204" pitchFamily="34" charset="-120"/>
-              </a:rPr>
-              <a:t>預估收益</a:t>
-            </a:r>
-            <a:r>
-              <a:rPr lang="en-US" altLang="zh-TW" sz="2400" dirty="0">
+              <a:t>健康問題</a:t>
+            </a:r>
+            <a:r>
+              <a:rPr lang="en-US" altLang="zh-TW" sz="3600" dirty="0">
                 <a:latin typeface="微軟正黑體" panose="020B0604030504040204" pitchFamily="34" charset="-120"/>
                 <a:ea typeface="微軟正黑體" panose="020B0604030504040204" pitchFamily="34" charset="-120"/>
               </a:rPr>
               <a:t>:</a:t>
             </a:r>
             <a:r>
-              <a:rPr lang="zh-TW" altLang="en-US" sz="2400" dirty="0">
+              <a:rPr lang="zh-TW" altLang="en-US" sz="3600" dirty="0">
                 <a:latin typeface="微軟正黑體" panose="020B0604030504040204" pitchFamily="34" charset="-120"/>
                 <a:ea typeface="微軟正黑體" panose="020B0604030504040204" pitchFamily="34" charset="-120"/>
               </a:rPr>
-              <a:t> 約</a:t>
-            </a:r>
-            <a:r>
-              <a:rPr lang="en-US" altLang="zh-TW" sz="2400" dirty="0">
+              <a:t> 駝背、腰酸背痛、關節痛</a:t>
+            </a:r>
+            <a:endParaRPr lang="en-US" altLang="zh-TW" sz="3600" dirty="0">
+              <a:latin typeface="微軟正黑體" panose="020B0604030504040204" pitchFamily="34" charset="-120"/>
+              <a:ea typeface="微軟正黑體" panose="020B0604030504040204" pitchFamily="34" charset="-120"/>
+            </a:endParaRPr>
+          </a:p>
+          <a:p>
+            <a:pPr marL="0" indent="0">
+              <a:buNone/>
+            </a:pPr>
+            <a:endParaRPr lang="en-US" altLang="zh-TW" sz="3400" dirty="0">
+              <a:latin typeface="微軟正黑體" panose="020B0604030504040204" pitchFamily="34" charset="-120"/>
+              <a:ea typeface="微軟正黑體" panose="020B0604030504040204" pitchFamily="34" charset="-120"/>
+            </a:endParaRPr>
+          </a:p>
+          <a:p>
+            <a:pPr lvl="1"/>
+            <a:r>
+              <a:rPr lang="zh-TW" altLang="en-US" sz="3400" dirty="0">
                 <a:latin typeface="微軟正黑體" panose="020B0604030504040204" pitchFamily="34" charset="-120"/>
                 <a:ea typeface="微軟正黑體" panose="020B0604030504040204" pitchFamily="34" charset="-120"/>
               </a:rPr>
-              <a:t>7300</a:t>
-            </a:r>
-            <a:r>
-              <a:rPr lang="zh-TW" altLang="en-US" sz="2400" dirty="0">
+              <a:t>全球</a:t>
+            </a:r>
+            <a:r>
+              <a:rPr lang="en-US" altLang="zh-TW" sz="3400" dirty="0">
                 <a:latin typeface="微軟正黑體" panose="020B0604030504040204" pitchFamily="34" charset="-120"/>
                 <a:ea typeface="微軟正黑體" panose="020B0604030504040204" pitchFamily="34" charset="-120"/>
               </a:rPr>
-              <a:t>萬，毛利率約</a:t>
-            </a:r>
-            <a:r>
-              <a:rPr lang="en-US" altLang="zh-TW" sz="2400" dirty="0">
+              <a:t>:</a:t>
+            </a:r>
+            <a:r>
+              <a:rPr lang="zh-TW" altLang="en-US" sz="3400" dirty="0">
                 <a:latin typeface="微軟正黑體" panose="020B0604030504040204" pitchFamily="34" charset="-120"/>
                 <a:ea typeface="微軟正黑體" panose="020B0604030504040204" pitchFamily="34" charset="-120"/>
               </a:rPr>
-              <a:t>40%</a:t>
-            </a:r>
-          </a:p>
-          <a:p>
-            <a:endParaRPr lang="en-US" altLang="zh-TW" sz="2400" dirty="0"/>
-          </a:p>
-          <a:p>
-            <a:endParaRPr lang="zh-TW" altLang="en-US" sz="2400" dirty="0"/>
+              <a:t> </a:t>
+            </a:r>
+            <a:r>
+              <a:rPr lang="en-US" altLang="zh-TW" sz="3400" dirty="0">
+                <a:latin typeface="微軟正黑體" panose="020B0604030504040204" pitchFamily="34" charset="-120"/>
+                <a:ea typeface="微軟正黑體" panose="020B0604030504040204" pitchFamily="34" charset="-120"/>
+              </a:rPr>
+              <a:t>5.28</a:t>
+            </a:r>
+            <a:r>
+              <a:rPr lang="zh-TW" altLang="en-US" sz="3400" dirty="0">
+                <a:latin typeface="微軟正黑體" panose="020B0604030504040204" pitchFamily="34" charset="-120"/>
+                <a:ea typeface="微軟正黑體" panose="020B0604030504040204" pitchFamily="34" charset="-120"/>
+              </a:rPr>
+              <a:t>億人患有骨關節炎，未來患病人將持續增加</a:t>
+            </a:r>
+            <a:endParaRPr lang="en-US" altLang="zh-TW" sz="3400" dirty="0">
+              <a:latin typeface="微軟正黑體" panose="020B0604030504040204" pitchFamily="34" charset="-120"/>
+              <a:ea typeface="微軟正黑體" panose="020B0604030504040204" pitchFamily="34" charset="-120"/>
+            </a:endParaRPr>
+          </a:p>
+          <a:p>
+            <a:endParaRPr lang="en-US" altLang="zh-TW" sz="3400" dirty="0">
+              <a:latin typeface="微軟正黑體" panose="020B0604030504040204" pitchFamily="34" charset="-120"/>
+              <a:ea typeface="微軟正黑體" panose="020B0604030504040204" pitchFamily="34" charset="-120"/>
+            </a:endParaRPr>
+          </a:p>
+          <a:p>
+            <a:pPr lvl="1"/>
+            <a:r>
+              <a:rPr lang="zh-TW" altLang="en-US" sz="3400" dirty="0">
+                <a:latin typeface="微軟正黑體" panose="020B0604030504040204" pitchFamily="34" charset="-120"/>
+                <a:ea typeface="微軟正黑體" panose="020B0604030504040204" pitchFamily="34" charset="-120"/>
+              </a:rPr>
+              <a:t>台灣</a:t>
+            </a:r>
+            <a:r>
+              <a:rPr lang="en-US" altLang="zh-TW" sz="3400" dirty="0">
+                <a:latin typeface="微軟正黑體" panose="020B0604030504040204" pitchFamily="34" charset="-120"/>
+                <a:ea typeface="微軟正黑體" panose="020B0604030504040204" pitchFamily="34" charset="-120"/>
+              </a:rPr>
+              <a:t>:</a:t>
+            </a:r>
+            <a:r>
+              <a:rPr lang="zh-TW" altLang="en-US" sz="3400" dirty="0">
+                <a:latin typeface="微軟正黑體" panose="020B0604030504040204" pitchFamily="34" charset="-120"/>
+                <a:ea typeface="微軟正黑體" panose="020B0604030504040204" pitchFamily="34" charset="-120"/>
+              </a:rPr>
+              <a:t> 論文指出，未來復健門診的需求量有顯著上升</a:t>
+            </a:r>
+            <a:endParaRPr lang="en-US" altLang="zh-TW" sz="3400" dirty="0">
+              <a:latin typeface="微軟正黑體" panose="020B0604030504040204" pitchFamily="34" charset="-120"/>
+              <a:ea typeface="微軟正黑體" panose="020B0604030504040204" pitchFamily="34" charset="-120"/>
+            </a:endParaRPr>
+          </a:p>
+          <a:p>
+            <a:endParaRPr lang="en-US" altLang="zh-TW" sz="2000" dirty="0">
+              <a:latin typeface="微軟正黑體" panose="020B0604030504040204" pitchFamily="34" charset="-120"/>
+              <a:ea typeface="微軟正黑體" panose="020B0604030504040204" pitchFamily="34" charset="-120"/>
+            </a:endParaRPr>
+          </a:p>
+          <a:p>
+            <a:endParaRPr lang="en-US" altLang="zh-TW" sz="2000" dirty="0"/>
+          </a:p>
+          <a:p>
+            <a:endParaRPr lang="en-US" altLang="zh-TW" sz="2000" dirty="0"/>
+          </a:p>
+          <a:p>
+            <a:endParaRPr lang="en-US" altLang="zh-TW" sz="2000" dirty="0"/>
+          </a:p>
+          <a:p>
+            <a:endParaRPr lang="zh-TW" altLang="en-US" sz="2000" dirty="0"/>
           </a:p>
         </p:txBody>
       </p:sp>
       <p:cxnSp>
         <p:nvCxnSpPr>
-          <p:cNvPr id="17" name="Straight Connector 16">
+          <p:cNvPr id="16" name="Straight Connector 16">
             <a:extLst>
               <a:ext uri="{FF2B5EF4-FFF2-40B4-BE49-F238E27FC236}">
                 <a16:creationId xmlns:a16="http://schemas.microsoft.com/office/drawing/2014/main" id="{6CF1BAF6-AD41-4082-B212-8A1F9A2E8779}"/>
@@ -6849,7 +7475,7 @@
     </p:spTree>
     <p:extLst>
       <p:ext uri="{BB962C8B-B14F-4D97-AF65-F5344CB8AC3E}">
-        <p14:creationId xmlns:p14="http://schemas.microsoft.com/office/powerpoint/2010/main" val="1855425495"/>
+        <p14:creationId xmlns:p14="http://schemas.microsoft.com/office/powerpoint/2010/main" val="1516866410"/>
       </p:ext>
     </p:extLst>
   </p:cSld>
@@ -6859,91 +7485,7 @@
 </p:sld>
 </file>
 
-<file path=ppt/slides/slide13.xml><?xml version="1.0" encoding="utf-8"?>
-<p:sld xmlns:a="http://schemas.openxmlformats.org/drawingml/2006/main" xmlns:r="http://schemas.openxmlformats.org/officeDocument/2006/relationships" xmlns:p="http://schemas.openxmlformats.org/presentationml/2006/main">
-  <p:cSld>
-    <p:spTree>
-      <p:nvGrpSpPr>
-        <p:cNvPr id="1" name=""/>
-        <p:cNvGrpSpPr/>
-        <p:nvPr/>
-      </p:nvGrpSpPr>
-      <p:grpSpPr>
-        <a:xfrm>
-          <a:off x="0" y="0"/>
-          <a:ext cx="0" cy="0"/>
-          <a:chOff x="0" y="0"/>
-          <a:chExt cx="0" cy="0"/>
-        </a:xfrm>
-      </p:grpSpPr>
-      <p:sp>
-        <p:nvSpPr>
-          <p:cNvPr id="2" name="標題 1">
-            <a:extLst>
-              <a:ext uri="{FF2B5EF4-FFF2-40B4-BE49-F238E27FC236}">
-                <a16:creationId xmlns:a16="http://schemas.microsoft.com/office/drawing/2014/main" id="{1DADC3CD-CA2D-82C5-E5FB-083425637737}"/>
-              </a:ext>
-            </a:extLst>
-          </p:cNvPr>
-          <p:cNvSpPr>
-            <a:spLocks noGrp="1"/>
-          </p:cNvSpPr>
-          <p:nvPr>
-            <p:ph type="title"/>
-          </p:nvPr>
-        </p:nvSpPr>
-        <p:spPr/>
-        <p:txBody>
-          <a:bodyPr/>
-          <a:lstStyle/>
-          <a:p>
-            <a:r>
-              <a:rPr lang="en-US" altLang="zh-TW" dirty="0"/>
-              <a:t>end</a:t>
-            </a:r>
-            <a:endParaRPr lang="zh-TW" altLang="en-US" dirty="0"/>
-          </a:p>
-        </p:txBody>
-      </p:sp>
-      <p:sp>
-        <p:nvSpPr>
-          <p:cNvPr id="3" name="內容版面配置區 2">
-            <a:extLst>
-              <a:ext uri="{FF2B5EF4-FFF2-40B4-BE49-F238E27FC236}">
-                <a16:creationId xmlns:a16="http://schemas.microsoft.com/office/drawing/2014/main" id="{3F6E75CB-736F-BFAB-9667-CE6C9EA96CF8}"/>
-              </a:ext>
-            </a:extLst>
-          </p:cNvPr>
-          <p:cNvSpPr>
-            <a:spLocks noGrp="1"/>
-          </p:cNvSpPr>
-          <p:nvPr>
-            <p:ph idx="1"/>
-          </p:nvPr>
-        </p:nvSpPr>
-        <p:spPr/>
-        <p:txBody>
-          <a:bodyPr/>
-          <a:lstStyle/>
-          <a:p>
-            <a:endParaRPr lang="zh-TW" altLang="en-US" dirty="0"/>
-          </a:p>
-        </p:txBody>
-      </p:sp>
-    </p:spTree>
-    <p:extLst>
-      <p:ext uri="{BB962C8B-B14F-4D97-AF65-F5344CB8AC3E}">
-        <p14:creationId xmlns:p14="http://schemas.microsoft.com/office/powerpoint/2010/main" val="3974612881"/>
-      </p:ext>
-    </p:extLst>
-  </p:cSld>
-  <p:clrMapOvr>
-    <a:masterClrMapping/>
-  </p:clrMapOvr>
-</p:sld>
-</file>
-
-<file path=ppt/slides/slide2.xml><?xml version="1.0" encoding="utf-8"?>
+<file path=ppt/slides/slide4.xml><?xml version="1.0" encoding="utf-8"?>
 <p:sld xmlns:a="http://schemas.openxmlformats.org/drawingml/2006/main" xmlns:r="http://schemas.openxmlformats.org/officeDocument/2006/relationships" xmlns:p="http://schemas.openxmlformats.org/presentationml/2006/main">
   <p:cSld>
     <p:bg>
@@ -6973,7 +7515,7 @@
           <p:cNvPr id="8" name="Rectangle 7">
             <a:extLst>
               <a:ext uri="{FF2B5EF4-FFF2-40B4-BE49-F238E27FC236}">
-                <a16:creationId xmlns:a16="http://schemas.microsoft.com/office/drawing/2014/main" id="{DBF61EA3-B236-439E-9C0B-340980D56BEE}"/>
+                <a16:creationId xmlns:a16="http://schemas.microsoft.com/office/drawing/2014/main" id="{4DA718D0-4865-4629-8134-44F68D41D574}"/>
               </a:ext>
               <a:ext uri="{C183D7F6-B498-43B3-948B-1728B52AA6E4}">
                 <adec:decorative xmlns:adec="http://schemas.microsoft.com/office/drawing/2017/decorative" val="1"/>
@@ -7028,50 +7570,12 @@
           </a:p>
         </p:txBody>
       </p:sp>
-      <p:sp>
-        <p:nvSpPr>
-          <p:cNvPr id="2" name="標題 1">
-            <a:extLst>
-              <a:ext uri="{FF2B5EF4-FFF2-40B4-BE49-F238E27FC236}">
-                <a16:creationId xmlns:a16="http://schemas.microsoft.com/office/drawing/2014/main" id="{AF9C4B85-D0BB-59F0-0E19-636E0E80051F}"/>
-              </a:ext>
-            </a:extLst>
-          </p:cNvPr>
-          <p:cNvSpPr>
-            <a:spLocks noGrp="1"/>
-          </p:cNvSpPr>
-          <p:nvPr>
-            <p:ph type="title"/>
-          </p:nvPr>
-        </p:nvSpPr>
-        <p:spPr>
-          <a:xfrm>
-            <a:off x="808638" y="386930"/>
-            <a:ext cx="9236700" cy="1188950"/>
-          </a:xfrm>
-        </p:spPr>
-        <p:txBody>
-          <a:bodyPr anchor="b">
-            <a:normAutofit/>
-          </a:bodyPr>
-          <a:lstStyle/>
-          <a:p>
-            <a:r>
-              <a:rPr lang="zh-TW" altLang="en-US" sz="5400" b="1" dirty="0">
-                <a:latin typeface="微軟正黑體" panose="020B0604030504040204" pitchFamily="34" charset="-120"/>
-                <a:ea typeface="微軟正黑體" panose="020B0604030504040204" pitchFamily="34" charset="-120"/>
-              </a:rPr>
-              <a:t>目錄</a:t>
-            </a:r>
-          </a:p>
-        </p:txBody>
-      </p:sp>
       <p:grpSp>
         <p:nvGrpSpPr>
           <p:cNvPr id="10" name="Group 9">
             <a:extLst>
               <a:ext uri="{FF2B5EF4-FFF2-40B4-BE49-F238E27FC236}">
-                <a16:creationId xmlns:a16="http://schemas.microsoft.com/office/drawing/2014/main" id="{28FAF094-D087-493F-8DF9-A486C2D6BBAA}"/>
+                <a16:creationId xmlns:a16="http://schemas.microsoft.com/office/drawing/2014/main" id="{65167ED7-6315-43AB-B1B6-C326D5FD8F84}"/>
               </a:ext>
               <a:ext uri="{C183D7F6-B498-43B3-948B-1728B52AA6E4}">
                 <adec:decorative xmlns:adec="http://schemas.microsoft.com/office/drawing/2017/decorative" val="1"/>
@@ -7090,19 +7594,22 @@
           </p:nvPr>
         </p:nvGrpSpPr>
         <p:grpSpPr>
-          <a:xfrm>
-            <a:off x="-2" y="1998368"/>
-            <a:ext cx="11695083" cy="782176"/>
-            <a:chOff x="-2" y="1998368"/>
-            <a:chExt cx="11695083" cy="782176"/>
+          <a:xfrm rot="5400000">
+            <a:off x="-2340441" y="2666183"/>
+            <a:ext cx="5860051" cy="527712"/>
+            <a:chOff x="6081624" y="1998368"/>
+            <a:chExt cx="5613457" cy="782175"/>
           </a:xfrm>
+          <a:solidFill>
+            <a:schemeClr val="accent4"/>
+          </a:solidFill>
         </p:grpSpPr>
         <p:sp>
           <p:nvSpPr>
             <p:cNvPr id="11" name="Rectangle 10">
               <a:extLst>
                 <a:ext uri="{FF2B5EF4-FFF2-40B4-BE49-F238E27FC236}">
-                  <a16:creationId xmlns:a16="http://schemas.microsoft.com/office/drawing/2014/main" id="{8D7C88D8-5509-4514-925A-9CE148E5CBD6}"/>
+                  <a16:creationId xmlns:a16="http://schemas.microsoft.com/office/drawing/2014/main" id="{EF4D8839-FB03-487D-ACC8-8BFEDD4FEBAE}"/>
                 </a:ext>
                 <a:ext uri="{C183D7F6-B498-43B3-948B-1728B52AA6E4}">
                   <adec:decorative xmlns:adec="http://schemas.microsoft.com/office/drawing/2017/decorative" val="1"/>
@@ -7126,9 +7633,7 @@
             <a:prstGeom prst="rect">
               <a:avLst/>
             </a:prstGeom>
-            <a:solidFill>
-              <a:schemeClr val="accent4"/>
-            </a:solidFill>
+            <a:grpFill/>
             <a:ln>
               <a:noFill/>
             </a:ln>
@@ -7163,7 +7668,7 @@
             <p:cNvPr id="12" name="Rectangle 11">
               <a:extLst>
                 <a:ext uri="{FF2B5EF4-FFF2-40B4-BE49-F238E27FC236}">
-                  <a16:creationId xmlns:a16="http://schemas.microsoft.com/office/drawing/2014/main" id="{7275593D-F75E-4426-AE3E-2CDEFD228D25}"/>
+                  <a16:creationId xmlns:a16="http://schemas.microsoft.com/office/drawing/2014/main" id="{0EF75023-9A3B-42FC-B704-61A8F7BEF415}"/>
                 </a:ext>
                 <a:ext uri="{C183D7F6-B498-43B3-948B-1728B52AA6E4}">
                   <adec:decorative xmlns:adec="http://schemas.microsoft.com/office/drawing/2017/decorative" val="1"/>
@@ -7181,15 +7686,13 @@
           </p:nvSpPr>
           <p:spPr>
             <a:xfrm flipH="1" flipV="1">
-              <a:off x="-2" y="1998845"/>
-              <a:ext cx="11454595" cy="781699"/>
+              <a:off x="6081624" y="1998844"/>
+              <a:ext cx="5372968" cy="781699"/>
             </a:xfrm>
             <a:prstGeom prst="rect">
               <a:avLst/>
             </a:prstGeom>
-            <a:solidFill>
-              <a:schemeClr val="accent4"/>
-            </a:solidFill>
+            <a:grpFill/>
             <a:ln>
               <a:noFill/>
             </a:ln>
@@ -7225,7 +7728,7 @@
           <p:cNvPr id="14" name="Rectangle 13">
             <a:extLst>
               <a:ext uri="{FF2B5EF4-FFF2-40B4-BE49-F238E27FC236}">
-                <a16:creationId xmlns:a16="http://schemas.microsoft.com/office/drawing/2014/main" id="{E659831F-0D9A-4C63-9EBB-8435B85A440F}"/>
+                <a16:creationId xmlns:a16="http://schemas.microsoft.com/office/drawing/2014/main" id="{CBC4F608-B4B8-48C3-9572-C0F061B1CD99}"/>
               </a:ext>
               <a:ext uri="{C183D7F6-B498-43B3-948B-1728B52AA6E4}">
                 <adec:decorative xmlns:adec="http://schemas.microsoft.com/office/drawing/2017/decorative" val="1"/>
@@ -7245,8 +7748,8 @@
         </p:nvSpPr>
         <p:spPr>
           <a:xfrm>
-            <a:off x="0" y="2203079"/>
-            <a:ext cx="11383362" cy="4147845"/>
+            <a:off x="579528" y="922919"/>
+            <a:ext cx="11111729" cy="5461252"/>
           </a:xfrm>
           <a:prstGeom prst="rect">
             <a:avLst/>
@@ -7292,10 +7795,10 @@
       </p:sp>
       <p:sp>
         <p:nvSpPr>
-          <p:cNvPr id="3" name="內容版面配置區 2">
-            <a:extLst>
-              <a:ext uri="{FF2B5EF4-FFF2-40B4-BE49-F238E27FC236}">
-                <a16:creationId xmlns:a16="http://schemas.microsoft.com/office/drawing/2014/main" id="{BA4F1779-F372-A178-061E-652C5A08E06C}"/>
+          <p:cNvPr id="2" name="標題 1">
+            <a:extLst>
+              <a:ext uri="{FF2B5EF4-FFF2-40B4-BE49-F238E27FC236}">
+                <a16:creationId xmlns:a16="http://schemas.microsoft.com/office/drawing/2014/main" id="{CAA09E6E-FB67-EE3D-AA53-FCDFFD95F5B9}"/>
               </a:ext>
             </a:extLst>
           </p:cNvPr>
@@ -7303,13 +7806,52 @@
             <a:spLocks noGrp="1"/>
           </p:cNvSpPr>
           <p:nvPr>
-            <p:ph idx="1"/>
+            <p:ph type="title"/>
           </p:nvPr>
         </p:nvSpPr>
         <p:spPr>
           <a:xfrm>
-            <a:off x="793660" y="2599509"/>
-            <a:ext cx="10143668" cy="3435531"/>
+            <a:off x="1210515" y="0"/>
+            <a:ext cx="9849751" cy="1349671"/>
+          </a:xfrm>
+        </p:spPr>
+        <p:txBody>
+          <a:bodyPr anchor="b">
+            <a:normAutofit/>
+          </a:bodyPr>
+          <a:lstStyle/>
+          <a:p>
+            <a:r>
+              <a:rPr lang="zh-TW" altLang="en-US" sz="5400" b="1" dirty="0"/>
+              <a:t>市場調查</a:t>
+            </a:r>
+            <a:r>
+              <a:rPr lang="zh-TW" altLang="en-US" sz="5400" dirty="0"/>
+              <a:t> </a:t>
+            </a:r>
+          </a:p>
+        </p:txBody>
+      </p:sp>
+      <p:sp>
+        <p:nvSpPr>
+          <p:cNvPr id="3" name="內容版面配置區 2">
+            <a:extLst>
+              <a:ext uri="{FF2B5EF4-FFF2-40B4-BE49-F238E27FC236}">
+                <a16:creationId xmlns:a16="http://schemas.microsoft.com/office/drawing/2014/main" id="{8DB16C5B-C39E-A297-B13E-A9F929548B0B}"/>
+              </a:ext>
+            </a:extLst>
+          </p:cNvPr>
+          <p:cNvSpPr>
+            <a:spLocks noGrp="1"/>
+          </p:cNvSpPr>
+          <p:nvPr>
+            <p:ph idx="1"/>
+          </p:nvPr>
+        </p:nvSpPr>
+        <p:spPr>
+          <a:xfrm>
+            <a:off x="1210516" y="1600200"/>
+            <a:ext cx="9849751" cy="4408285"/>
           </a:xfrm>
         </p:spPr>
         <p:txBody>
@@ -7318,82 +7860,137 @@
           </a:bodyPr>
           <a:lstStyle/>
           <a:p>
-            <a:r>
-              <a:rPr lang="zh-TW" altLang="en-US" sz="2400" dirty="0">
-                <a:latin typeface="微軟正黑體" panose="020B0604030504040204" pitchFamily="34" charset="-120"/>
-                <a:ea typeface="微軟正黑體" panose="020B0604030504040204" pitchFamily="34" charset="-120"/>
-              </a:rPr>
-              <a:t>研究動機</a:t>
-            </a:r>
-            <a:endParaRPr lang="en-US" altLang="zh-TW" sz="2400" dirty="0">
-              <a:latin typeface="微軟正黑體" panose="020B0604030504040204" pitchFamily="34" charset="-120"/>
-              <a:ea typeface="微軟正黑體" panose="020B0604030504040204" pitchFamily="34" charset="-120"/>
-            </a:endParaRPr>
-          </a:p>
-          <a:p>
-            <a:r>
-              <a:rPr lang="zh-TW" altLang="en-US" sz="2400" dirty="0">
-                <a:latin typeface="微軟正黑體" panose="020B0604030504040204" pitchFamily="34" charset="-120"/>
-                <a:ea typeface="微軟正黑體" panose="020B0604030504040204" pitchFamily="34" charset="-120"/>
-              </a:rPr>
-              <a:t>市場調查</a:t>
-            </a:r>
-            <a:endParaRPr lang="en-US" altLang="zh-TW" sz="2400" dirty="0">
-              <a:latin typeface="微軟正黑體" panose="020B0604030504040204" pitchFamily="34" charset="-120"/>
-              <a:ea typeface="微軟正黑體" panose="020B0604030504040204" pitchFamily="34" charset="-120"/>
-            </a:endParaRPr>
-          </a:p>
-          <a:p>
-            <a:r>
-              <a:rPr lang="zh-TW" altLang="en-US" sz="2400" dirty="0">
-                <a:latin typeface="微軟正黑體" panose="020B0604030504040204" pitchFamily="34" charset="-120"/>
-                <a:ea typeface="微軟正黑體" panose="020B0604030504040204" pitchFamily="34" charset="-120"/>
-              </a:rPr>
-              <a:t>產品概述</a:t>
-            </a:r>
-            <a:endParaRPr lang="en-US" altLang="zh-TW" sz="2400" dirty="0">
-              <a:latin typeface="微軟正黑體" panose="020B0604030504040204" pitchFamily="34" charset="-120"/>
-              <a:ea typeface="微軟正黑體" panose="020B0604030504040204" pitchFamily="34" charset="-120"/>
-            </a:endParaRPr>
-          </a:p>
-          <a:p>
-            <a:r>
-              <a:rPr lang="zh-TW" altLang="en-US" sz="2400" dirty="0">
-                <a:latin typeface="微軟正黑體" panose="020B0604030504040204" pitchFamily="34" charset="-120"/>
-                <a:ea typeface="微軟正黑體" panose="020B0604030504040204" pitchFamily="34" charset="-120"/>
-              </a:rPr>
-              <a:t>產品目的</a:t>
-            </a:r>
-            <a:endParaRPr lang="en-US" altLang="zh-TW" sz="2400" dirty="0">
-              <a:latin typeface="微軟正黑體" panose="020B0604030504040204" pitchFamily="34" charset="-120"/>
-              <a:ea typeface="微軟正黑體" panose="020B0604030504040204" pitchFamily="34" charset="-120"/>
-            </a:endParaRPr>
-          </a:p>
-          <a:p>
-            <a:r>
-              <a:rPr lang="zh-TW" altLang="en-US" sz="2400" dirty="0">
-                <a:latin typeface="微軟正黑體" panose="020B0604030504040204" pitchFamily="34" charset="-120"/>
-                <a:ea typeface="微軟正黑體" panose="020B0604030504040204" pitchFamily="34" charset="-120"/>
-              </a:rPr>
-              <a:t>商業模式</a:t>
-            </a:r>
-            <a:endParaRPr lang="en-US" altLang="zh-TW" sz="2400" dirty="0">
-              <a:latin typeface="微軟正黑體" panose="020B0604030504040204" pitchFamily="34" charset="-120"/>
-              <a:ea typeface="微軟正黑體" panose="020B0604030504040204" pitchFamily="34" charset="-120"/>
-            </a:endParaRPr>
-          </a:p>
-          <a:p>
-            <a:endParaRPr lang="en-US" altLang="zh-TW" sz="2400" dirty="0"/>
-          </a:p>
-          <a:p>
-            <a:endParaRPr lang="zh-TW" altLang="en-US" sz="2400" dirty="0"/>
+            <a:pPr marL="457200" lvl="1" indent="0">
+              <a:buNone/>
+            </a:pPr>
+            <a:endParaRPr lang="en-US" altLang="zh-TW" sz="2000" dirty="0"/>
+          </a:p>
+          <a:p>
+            <a:r>
+              <a:rPr lang="zh-TW" altLang="en-US" sz="2400" dirty="0"/>
+              <a:t>問卷調查結果</a:t>
+            </a:r>
+            <a:r>
+              <a:rPr lang="en-US" altLang="zh-TW" sz="2400" dirty="0"/>
+              <a:t>:</a:t>
+            </a:r>
+          </a:p>
+          <a:p>
+            <a:pPr lvl="1"/>
+            <a:endParaRPr lang="en-US" altLang="zh-TW" sz="2000" dirty="0"/>
+          </a:p>
+          <a:p>
+            <a:pPr marL="914400" lvl="1" indent="-457200">
+              <a:buFont typeface="+mj-lt"/>
+              <a:buAutoNum type="arabicPeriod"/>
+            </a:pPr>
+            <a:r>
+              <a:rPr lang="zh-TW" altLang="en-US" sz="2000" dirty="0"/>
+              <a:t>受試者認同關節問題對於健康來說是重要的</a:t>
+            </a:r>
+            <a:endParaRPr lang="en-US" altLang="zh-TW" sz="2000" dirty="0"/>
+          </a:p>
+          <a:p>
+            <a:pPr marL="914400" lvl="1" indent="-457200">
+              <a:buFont typeface="+mj-lt"/>
+              <a:buAutoNum type="arabicPeriod"/>
+            </a:pPr>
+            <a:endParaRPr lang="en-US" altLang="zh-TW" sz="2000" dirty="0"/>
+          </a:p>
+          <a:p>
+            <a:pPr marL="914400" lvl="1" indent="-457200">
+              <a:buFont typeface="+mj-lt"/>
+              <a:buAutoNum type="arabicPeriod"/>
+            </a:pPr>
+            <a:r>
+              <a:rPr lang="zh-TW" altLang="en-US" sz="2000" dirty="0"/>
+              <a:t>以下兩種人占多數，合計</a:t>
+            </a:r>
+            <a:r>
+              <a:rPr lang="en-US" altLang="zh-TW" sz="2000" dirty="0"/>
+              <a:t>64.3%:</a:t>
+            </a:r>
+          </a:p>
+          <a:p>
+            <a:pPr lvl="2"/>
+            <a:r>
+              <a:rPr lang="zh-TW" altLang="en-US" dirty="0"/>
+              <a:t>有關節問題的人</a:t>
+            </a:r>
+            <a:r>
+              <a:rPr lang="en-US" altLang="zh-TW" dirty="0"/>
+              <a:t>(40%)</a:t>
+            </a:r>
+          </a:p>
+          <a:p>
+            <a:pPr lvl="2"/>
+            <a:r>
+              <a:rPr lang="zh-TW" altLang="en-US" dirty="0"/>
+              <a:t>對自身健康情況掌握不足的人</a:t>
+            </a:r>
+            <a:r>
+              <a:rPr lang="en-US" altLang="zh-TW" dirty="0"/>
+              <a:t>(24.3%)</a:t>
+            </a:r>
+          </a:p>
+          <a:p>
+            <a:pPr lvl="2"/>
+            <a:endParaRPr lang="en-US" altLang="zh-TW" dirty="0"/>
+          </a:p>
+          <a:p>
+            <a:pPr marL="914400" lvl="1" indent="-457200">
+              <a:buFont typeface="+mj-lt"/>
+              <a:buAutoNum type="arabicPeriod"/>
+            </a:pPr>
+            <a:r>
+              <a:rPr lang="zh-TW" altLang="en-US" dirty="0"/>
+              <a:t>受試者整體認為自己並不具備充份的保健知識</a:t>
+            </a:r>
+            <a:endParaRPr lang="en-US" altLang="zh-TW" dirty="0"/>
+          </a:p>
+          <a:p>
+            <a:pPr marL="914400" lvl="1" indent="-457200">
+              <a:buFont typeface="+mj-lt"/>
+              <a:buAutoNum type="arabicPeriod"/>
+            </a:pPr>
+            <a:endParaRPr lang="en-US" altLang="zh-TW" dirty="0"/>
+          </a:p>
+          <a:p>
+            <a:pPr marL="914400" lvl="1" indent="-457200">
+              <a:buFont typeface="+mj-lt"/>
+              <a:buAutoNum type="arabicPeriod"/>
+            </a:pPr>
+            <a:r>
+              <a:rPr lang="zh-TW" altLang="en-US" dirty="0"/>
+              <a:t>受試者看過物理治療師的比重佔少數，僅</a:t>
+            </a:r>
+            <a:r>
+              <a:rPr lang="en-US" altLang="zh-TW" dirty="0"/>
+              <a:t>25%</a:t>
+            </a:r>
+            <a:r>
+              <a:rPr lang="zh-TW" altLang="en-US" dirty="0"/>
+              <a:t>左右</a:t>
+            </a:r>
+            <a:endParaRPr lang="en-US" altLang="zh-TW" dirty="0"/>
+          </a:p>
+          <a:p>
+            <a:pPr lvl="1"/>
+            <a:endParaRPr lang="en-US" altLang="zh-TW" sz="2000" dirty="0"/>
+          </a:p>
+          <a:p>
+            <a:pPr lvl="1"/>
+            <a:endParaRPr lang="en-US" altLang="zh-TW" sz="2000" dirty="0"/>
+          </a:p>
+          <a:p>
+            <a:endParaRPr lang="zh-TW" altLang="en-US" sz="2000" dirty="0"/>
           </a:p>
         </p:txBody>
       </p:sp>
     </p:spTree>
     <p:extLst>
       <p:ext uri="{BB962C8B-B14F-4D97-AF65-F5344CB8AC3E}">
-        <p14:creationId xmlns:p14="http://schemas.microsoft.com/office/powerpoint/2010/main" val="3673904705"/>
+        <p14:creationId xmlns:p14="http://schemas.microsoft.com/office/powerpoint/2010/main" val="2306524299"/>
       </p:ext>
     </p:extLst>
   </p:cSld>
@@ -7403,7 +8000,7 @@
 </p:sld>
 </file>
 
-<file path=ppt/slides/slide3.xml><?xml version="1.0" encoding="utf-8"?>
+<file path=ppt/slides/slide5.xml><?xml version="1.0" encoding="utf-8"?>
 <p:sld xmlns:a="http://schemas.openxmlformats.org/drawingml/2006/main" xmlns:r="http://schemas.openxmlformats.org/officeDocument/2006/relationships" xmlns:p="http://schemas.openxmlformats.org/presentationml/2006/main">
   <p:cSld>
     <p:bg>
@@ -7430,7 +8027,7 @@
       </p:grpSpPr>
       <p:sp useBgFill="1">
         <p:nvSpPr>
-          <p:cNvPr id="6" name="Rectangle 7">
+          <p:cNvPr id="8" name="Rectangle 7">
             <a:extLst>
               <a:ext uri="{FF2B5EF4-FFF2-40B4-BE49-F238E27FC236}">
                 <a16:creationId xmlns:a16="http://schemas.microsoft.com/office/drawing/2014/main" id="{B6CDA21F-E7AF-4C75-8395-33F58D5B0E45}"/>
@@ -7490,7 +8087,7 @@
       </p:sp>
       <p:grpSp>
         <p:nvGrpSpPr>
-          <p:cNvPr id="7" name="Group 9">
+          <p:cNvPr id="10" name="Group 9">
             <a:extLst>
               <a:ext uri="{FF2B5EF4-FFF2-40B4-BE49-F238E27FC236}">
                 <a16:creationId xmlns:a16="http://schemas.microsoft.com/office/drawing/2014/main" id="{AE1C45F0-260A-458C-96ED-C1F6D2151219}"/>
@@ -7702,7 +8299,7 @@
       </p:grpSp>
       <p:sp>
         <p:nvSpPr>
-          <p:cNvPr id="14" name="Rectangle 14">
+          <p:cNvPr id="15" name="Rectangle 14">
             <a:extLst>
               <a:ext uri="{FF2B5EF4-FFF2-40B4-BE49-F238E27FC236}">
                 <a16:creationId xmlns:a16="http://schemas.microsoft.com/office/drawing/2014/main" id="{D5B0017B-2ECA-49AF-B397-DC140825DF8D}"/>
@@ -7775,7 +8372,7 @@
           <p:cNvPr id="2" name="標題 1">
             <a:extLst>
               <a:ext uri="{FF2B5EF4-FFF2-40B4-BE49-F238E27FC236}">
-                <a16:creationId xmlns:a16="http://schemas.microsoft.com/office/drawing/2014/main" id="{4866A287-AFF9-DE21-1522-79C5FA228F26}"/>
+                <a16:creationId xmlns:a16="http://schemas.microsoft.com/office/drawing/2014/main" id="{35460F7D-AD3D-3512-55A7-B6967514EF6E}"/>
               </a:ext>
             </a:extLst>
           </p:cNvPr>
@@ -7799,11 +8396,11 @@
           <a:lstStyle/>
           <a:p>
             <a:r>
-              <a:rPr lang="zh-TW" altLang="en-US" sz="4800" b="1" dirty="0">
+              <a:rPr lang="zh-TW" altLang="en-US" sz="4800" b="1">
                 <a:latin typeface="微軟正黑體" panose="020B0604030504040204" pitchFamily="34" charset="-120"/>
                 <a:ea typeface="微軟正黑體" panose="020B0604030504040204" pitchFamily="34" charset="-120"/>
               </a:rPr>
-              <a:t>研究動機</a:t>
+              <a:t>市場調查</a:t>
             </a:r>
           </a:p>
         </p:txBody>
@@ -7813,7 +8410,7 @@
           <p:cNvPr id="3" name="內容版面配置區 2">
             <a:extLst>
               <a:ext uri="{FF2B5EF4-FFF2-40B4-BE49-F238E27FC236}">
-                <a16:creationId xmlns:a16="http://schemas.microsoft.com/office/drawing/2014/main" id="{59BDFED2-F3D6-0712-31E8-35F036EB9672}"/>
+                <a16:creationId xmlns:a16="http://schemas.microsoft.com/office/drawing/2014/main" id="{24B125E8-51B8-6D27-5109-6CAB5C9EC41E}"/>
               </a:ext>
             </a:extLst>
           </p:cNvPr>
@@ -7826,198 +8423,112 @@
         </p:nvSpPr>
         <p:spPr>
           <a:xfrm>
-            <a:off x="955766" y="3731623"/>
-            <a:ext cx="10515600" cy="3020155"/>
+            <a:off x="1045028" y="3017522"/>
+            <a:ext cx="9941319" cy="3124658"/>
           </a:xfrm>
         </p:spPr>
         <p:txBody>
           <a:bodyPr anchor="ctr">
-            <a:normAutofit fontScale="85000" lnSpcReduction="20000"/>
+            <a:normAutofit/>
           </a:bodyPr>
           <a:lstStyle/>
           <a:p>
             <a:r>
-              <a:rPr lang="zh-TW" altLang="en-US" sz="3600" dirty="0">
+              <a:rPr lang="zh-TW" altLang="en-US" sz="2400" dirty="0">
                 <a:latin typeface="微軟正黑體" panose="020B0604030504040204" pitchFamily="34" charset="-120"/>
                 <a:ea typeface="微軟正黑體" panose="020B0604030504040204" pitchFamily="34" charset="-120"/>
               </a:rPr>
-              <a:t>專題背景</a:t>
-            </a:r>
-            <a:r>
-              <a:rPr lang="en-US" altLang="zh-TW" sz="3600" dirty="0">
+              <a:t>市面針對身關節、體態情況的產品相當稀少</a:t>
+            </a:r>
+            <a:endParaRPr lang="en-US" altLang="zh-TW" sz="2400" dirty="0">
+              <a:latin typeface="微軟正黑體" panose="020B0604030504040204" pitchFamily="34" charset="-120"/>
+              <a:ea typeface="微軟正黑體" panose="020B0604030504040204" pitchFamily="34" charset="-120"/>
+            </a:endParaRPr>
+          </a:p>
+          <a:p>
+            <a:pPr marL="457200" lvl="1" indent="0">
+              <a:buNone/>
+            </a:pPr>
+            <a:endParaRPr lang="en-US" altLang="zh-TW" dirty="0">
+              <a:latin typeface="微軟正黑體" panose="020B0604030504040204" pitchFamily="34" charset="-120"/>
+              <a:ea typeface="微軟正黑體" panose="020B0604030504040204" pitchFamily="34" charset="-120"/>
+            </a:endParaRPr>
+          </a:p>
+          <a:p>
+            <a:pPr lvl="1"/>
+            <a:r>
+              <a:rPr lang="zh-TW" altLang="en-US" dirty="0">
                 <a:latin typeface="微軟正黑體" panose="020B0604030504040204" pitchFamily="34" charset="-120"/>
                 <a:ea typeface="微軟正黑體" panose="020B0604030504040204" pitchFamily="34" charset="-120"/>
               </a:rPr>
-              <a:t>:</a:t>
-            </a:r>
-            <a:r>
-              <a:rPr lang="zh-TW" altLang="en-US" sz="3600" dirty="0">
+              <a:t>需特定醫院、診所授權才能使用</a:t>
+            </a:r>
+            <a:endParaRPr lang="en-US" altLang="zh-TW" dirty="0">
+              <a:latin typeface="微軟正黑體" panose="020B0604030504040204" pitchFamily="34" charset="-120"/>
+              <a:ea typeface="微軟正黑體" panose="020B0604030504040204" pitchFamily="34" charset="-120"/>
+            </a:endParaRPr>
+          </a:p>
+          <a:p>
+            <a:pPr lvl="1"/>
+            <a:r>
+              <a:rPr lang="zh-TW" altLang="en-US" dirty="0">
                 <a:latin typeface="微軟正黑體" panose="020B0604030504040204" pitchFamily="34" charset="-120"/>
                 <a:ea typeface="微軟正黑體" panose="020B0604030504040204" pitchFamily="34" charset="-120"/>
               </a:rPr>
-              <a:t> 科技發展 </a:t>
-            </a:r>
-            <a:r>
-              <a:rPr lang="zh-TW" altLang="en-US" sz="3600" dirty="0">
-                <a:latin typeface="微軟正黑體" panose="020B0604030504040204" pitchFamily="34" charset="-120"/>
-                <a:ea typeface="微軟正黑體" panose="020B0604030504040204" pitchFamily="34" charset="-120"/>
-                <a:sym typeface="Wingdings" panose="05000000000000000000" pitchFamily="2" charset="2"/>
-              </a:rPr>
-              <a:t>、</a:t>
-            </a:r>
-            <a:r>
-              <a:rPr lang="zh-TW" altLang="en-US" sz="3600" dirty="0">
+              <a:t>僅提供伸展運動</a:t>
+            </a:r>
+            <a:endParaRPr lang="en-US" altLang="zh-TW" dirty="0">
+              <a:latin typeface="微軟正黑體" panose="020B0604030504040204" pitchFamily="34" charset="-120"/>
+              <a:ea typeface="微軟正黑體" panose="020B0604030504040204" pitchFamily="34" charset="-120"/>
+            </a:endParaRPr>
+          </a:p>
+          <a:p>
+            <a:pPr lvl="1"/>
+            <a:r>
+              <a:rPr lang="zh-TW" altLang="en-US" dirty="0">
                 <a:latin typeface="微軟正黑體" panose="020B0604030504040204" pitchFamily="34" charset="-120"/>
                 <a:ea typeface="微軟正黑體" panose="020B0604030504040204" pitchFamily="34" charset="-120"/>
               </a:rPr>
-              <a:t>久坐、高齡化、肥胖率提升</a:t>
-            </a:r>
-            <a:endParaRPr lang="en-US" altLang="zh-TW" sz="3600" dirty="0">
+              <a:t>功能過於簡陋</a:t>
+            </a:r>
+          </a:p>
+          <a:p>
+            <a:endParaRPr lang="zh-TW" altLang="en-US" sz="2400" dirty="0">
               <a:latin typeface="微軟正黑體" panose="020B0604030504040204" pitchFamily="34" charset="-120"/>
               <a:ea typeface="微軟正黑體" panose="020B0604030504040204" pitchFamily="34" charset="-120"/>
             </a:endParaRPr>
           </a:p>
           <a:p>
-            <a:endParaRPr lang="en-US" altLang="zh-TW" sz="3600" dirty="0">
-              <a:latin typeface="微軟正黑體" panose="020B0604030504040204" pitchFamily="34" charset="-120"/>
-              <a:ea typeface="微軟正黑體" panose="020B0604030504040204" pitchFamily="34" charset="-120"/>
-            </a:endParaRPr>
-          </a:p>
-          <a:p>
-            <a:r>
-              <a:rPr lang="zh-TW" altLang="en-US" sz="3600" dirty="0">
+            <a:r>
+              <a:rPr lang="zh-TW" altLang="en-US" sz="2400" dirty="0">
                 <a:latin typeface="微軟正黑體" panose="020B0604030504040204" pitchFamily="34" charset="-120"/>
                 <a:ea typeface="微軟正黑體" panose="020B0604030504040204" pitchFamily="34" charset="-120"/>
               </a:rPr>
-              <a:t>健康問題</a:t>
-            </a:r>
-            <a:r>
-              <a:rPr lang="en-US" altLang="zh-TW" sz="3600" dirty="0">
+              <a:t>團隊想法</a:t>
+            </a:r>
+            <a:r>
+              <a:rPr lang="en-US" altLang="zh-TW" sz="2400" dirty="0">
                 <a:latin typeface="微軟正黑體" panose="020B0604030504040204" pitchFamily="34" charset="-120"/>
                 <a:ea typeface="微軟正黑體" panose="020B0604030504040204" pitchFamily="34" charset="-120"/>
               </a:rPr>
-              <a:t>:</a:t>
-            </a:r>
-            <a:r>
-              <a:rPr lang="zh-TW" altLang="en-US" sz="3600" dirty="0">
+              <a:t>: </a:t>
+            </a:r>
+            <a:r>
+              <a:rPr lang="zh-TW" altLang="en-US" sz="2400" dirty="0">
                 <a:latin typeface="微軟正黑體" panose="020B0604030504040204" pitchFamily="34" charset="-120"/>
                 <a:ea typeface="微軟正黑體" panose="020B0604030504040204" pitchFamily="34" charset="-120"/>
               </a:rPr>
-              <a:t> 駝背、腰酸背痛、關節痛</a:t>
-            </a:r>
-            <a:endParaRPr lang="en-US" altLang="zh-TW" sz="3600" dirty="0">
-              <a:latin typeface="微軟正黑體" panose="020B0604030504040204" pitchFamily="34" charset="-120"/>
-              <a:ea typeface="微軟正黑體" panose="020B0604030504040204" pitchFamily="34" charset="-120"/>
-            </a:endParaRPr>
-          </a:p>
-          <a:p>
-            <a:pPr marL="0" indent="0">
-              <a:buNone/>
-            </a:pPr>
-            <a:endParaRPr lang="en-US" altLang="zh-TW" sz="3400" dirty="0">
-              <a:latin typeface="微軟正黑體" panose="020B0604030504040204" pitchFamily="34" charset="-120"/>
-              <a:ea typeface="微軟正黑體" panose="020B0604030504040204" pitchFamily="34" charset="-120"/>
-            </a:endParaRPr>
-          </a:p>
-          <a:p>
-            <a:pPr lvl="1"/>
-            <a:r>
-              <a:rPr lang="zh-TW" altLang="en-US" sz="3400" dirty="0">
-                <a:latin typeface="微軟正黑體" panose="020B0604030504040204" pitchFamily="34" charset="-120"/>
-                <a:ea typeface="微軟正黑體" panose="020B0604030504040204" pitchFamily="34" charset="-120"/>
-              </a:rPr>
-              <a:t>全球</a:t>
-            </a:r>
-            <a:r>
-              <a:rPr lang="en-US" altLang="zh-TW" sz="3400" dirty="0">
-                <a:latin typeface="微軟正黑體" panose="020B0604030504040204" pitchFamily="34" charset="-120"/>
-                <a:ea typeface="微軟正黑體" panose="020B0604030504040204" pitchFamily="34" charset="-120"/>
-              </a:rPr>
-              <a:t>:</a:t>
-            </a:r>
-            <a:r>
-              <a:rPr lang="zh-TW" altLang="en-US" sz="3400" dirty="0">
-                <a:latin typeface="微軟正黑體" panose="020B0604030504040204" pitchFamily="34" charset="-120"/>
-                <a:ea typeface="微軟正黑體" panose="020B0604030504040204" pitchFamily="34" charset="-120"/>
-              </a:rPr>
-              <a:t> </a:t>
-            </a:r>
-            <a:r>
-              <a:rPr lang="en-US" altLang="zh-TW" sz="3400" dirty="0">
-                <a:latin typeface="微軟正黑體" panose="020B0604030504040204" pitchFamily="34" charset="-120"/>
-                <a:ea typeface="微軟正黑體" panose="020B0604030504040204" pitchFamily="34" charset="-120"/>
-              </a:rPr>
-              <a:t>5.28</a:t>
-            </a:r>
-            <a:r>
-              <a:rPr lang="zh-TW" altLang="en-US" sz="3400" dirty="0">
-                <a:latin typeface="微軟正黑體" panose="020B0604030504040204" pitchFamily="34" charset="-120"/>
-                <a:ea typeface="微軟正黑體" panose="020B0604030504040204" pitchFamily="34" charset="-120"/>
-              </a:rPr>
-              <a:t>億人患有骨關節炎，未來患病人將持續增加</a:t>
-            </a:r>
-            <a:endParaRPr lang="en-US" altLang="zh-TW" sz="3400" dirty="0">
-              <a:latin typeface="微軟正黑體" panose="020B0604030504040204" pitchFamily="34" charset="-120"/>
-              <a:ea typeface="微軟正黑體" panose="020B0604030504040204" pitchFamily="34" charset="-120"/>
-            </a:endParaRPr>
-          </a:p>
-          <a:p>
-            <a:endParaRPr lang="en-US" altLang="zh-TW" sz="3400" dirty="0">
-              <a:latin typeface="微軟正黑體" panose="020B0604030504040204" pitchFamily="34" charset="-120"/>
-              <a:ea typeface="微軟正黑體" panose="020B0604030504040204" pitchFamily="34" charset="-120"/>
-            </a:endParaRPr>
-          </a:p>
-          <a:p>
-            <a:pPr lvl="1"/>
-            <a:r>
-              <a:rPr lang="zh-TW" altLang="en-US" sz="3400" dirty="0">
-                <a:latin typeface="微軟正黑體" panose="020B0604030504040204" pitchFamily="34" charset="-120"/>
-                <a:ea typeface="微軟正黑體" panose="020B0604030504040204" pitchFamily="34" charset="-120"/>
-              </a:rPr>
-              <a:t>台灣</a:t>
-            </a:r>
-            <a:r>
-              <a:rPr lang="en-US" altLang="zh-TW" sz="3400" dirty="0">
-                <a:latin typeface="微軟正黑體" panose="020B0604030504040204" pitchFamily="34" charset="-120"/>
-                <a:ea typeface="微軟正黑體" panose="020B0604030504040204" pitchFamily="34" charset="-120"/>
-              </a:rPr>
-              <a:t>:</a:t>
-            </a:r>
-            <a:r>
-              <a:rPr lang="zh-TW" altLang="en-US" sz="3400" dirty="0">
-                <a:latin typeface="微軟正黑體" panose="020B0604030504040204" pitchFamily="34" charset="-120"/>
-                <a:ea typeface="微軟正黑體" panose="020B0604030504040204" pitchFamily="34" charset="-120"/>
-              </a:rPr>
-              <a:t> 論文指出，未來復健門診的需求量有顯著上升</a:t>
-            </a:r>
-            <a:endParaRPr lang="en-US" altLang="zh-TW" sz="3400" dirty="0">
-              <a:latin typeface="微軟正黑體" panose="020B0604030504040204" pitchFamily="34" charset="-120"/>
-              <a:ea typeface="微軟正黑體" panose="020B0604030504040204" pitchFamily="34" charset="-120"/>
-            </a:endParaRPr>
-          </a:p>
-          <a:p>
-            <a:endParaRPr lang="en-US" altLang="zh-TW" sz="2000" dirty="0">
-              <a:latin typeface="微軟正黑體" panose="020B0604030504040204" pitchFamily="34" charset="-120"/>
-              <a:ea typeface="微軟正黑體" panose="020B0604030504040204" pitchFamily="34" charset="-120"/>
-            </a:endParaRPr>
-          </a:p>
-          <a:p>
-            <a:endParaRPr lang="en-US" altLang="zh-TW" sz="2000" dirty="0"/>
-          </a:p>
-          <a:p>
-            <a:endParaRPr lang="en-US" altLang="zh-TW" sz="2000" dirty="0"/>
-          </a:p>
-          <a:p>
-            <a:endParaRPr lang="en-US" altLang="zh-TW" sz="2000" dirty="0"/>
-          </a:p>
-          <a:p>
-            <a:endParaRPr lang="zh-TW" altLang="en-US" sz="2000" dirty="0"/>
+              <a:t>設計一款手機應用程式，協助大眾面對關節、體態問題</a:t>
+            </a:r>
+          </a:p>
+          <a:p>
+            <a:endParaRPr lang="zh-TW" altLang="en-US" sz="2400" dirty="0"/>
           </a:p>
         </p:txBody>
       </p:sp>
       <p:cxnSp>
         <p:nvCxnSpPr>
-          <p:cNvPr id="16" name="Straight Connector 16">
+          <p:cNvPr id="17" name="Straight Connector 16">
             <a:extLst>
               <a:ext uri="{FF2B5EF4-FFF2-40B4-BE49-F238E27FC236}">
                 <a16:creationId xmlns:a16="http://schemas.microsoft.com/office/drawing/2014/main" id="{6CF1BAF6-AD41-4082-B212-8A1F9A2E8779}"/>
@@ -8070,7 +8581,7 @@
     </p:spTree>
     <p:extLst>
       <p:ext uri="{BB962C8B-B14F-4D97-AF65-F5344CB8AC3E}">
-        <p14:creationId xmlns:p14="http://schemas.microsoft.com/office/powerpoint/2010/main" val="1516866410"/>
+        <p14:creationId xmlns:p14="http://schemas.microsoft.com/office/powerpoint/2010/main" val="2807620293"/>
       </p:ext>
     </p:extLst>
   </p:cSld>
@@ -8080,7 +8591,7 @@
 </p:sld>
 </file>
 
-<file path=ppt/slides/slide4.xml><?xml version="1.0" encoding="utf-8"?>
+<file path=ppt/slides/slide6.xml><?xml version="1.0" encoding="utf-8"?>
 <p:sld xmlns:a="http://schemas.openxmlformats.org/drawingml/2006/main" xmlns:r="http://schemas.openxmlformats.org/officeDocument/2006/relationships" xmlns:p="http://schemas.openxmlformats.org/presentationml/2006/main">
   <p:cSld>
     <p:bg>
@@ -8107,10 +8618,10 @@
       </p:grpSpPr>
       <p:sp useBgFill="1">
         <p:nvSpPr>
-          <p:cNvPr id="8" name="Rectangle 7">
-            <a:extLst>
-              <a:ext uri="{FF2B5EF4-FFF2-40B4-BE49-F238E27FC236}">
-                <a16:creationId xmlns:a16="http://schemas.microsoft.com/office/drawing/2014/main" id="{4DA718D0-4865-4629-8134-44F68D41D574}"/>
+          <p:cNvPr id="19" name="Rectangle 7">
+            <a:extLst>
+              <a:ext uri="{FF2B5EF4-FFF2-40B4-BE49-F238E27FC236}">
+                <a16:creationId xmlns:a16="http://schemas.microsoft.com/office/drawing/2014/main" id="{DBF61EA3-B236-439E-9C0B-340980D56BEE}"/>
               </a:ext>
               <a:ext uri="{C183D7F6-B498-43B3-948B-1728B52AA6E4}">
                 <adec:decorative xmlns:adec="http://schemas.microsoft.com/office/drawing/2017/decorative" val="1"/>
@@ -8165,12 +8676,50 @@
           </a:p>
         </p:txBody>
       </p:sp>
+      <p:sp>
+        <p:nvSpPr>
+          <p:cNvPr id="2" name="標題 1">
+            <a:extLst>
+              <a:ext uri="{FF2B5EF4-FFF2-40B4-BE49-F238E27FC236}">
+                <a16:creationId xmlns:a16="http://schemas.microsoft.com/office/drawing/2014/main" id="{A5370F9C-8FDD-CF13-C475-6079688F2BD7}"/>
+              </a:ext>
+            </a:extLst>
+          </p:cNvPr>
+          <p:cNvSpPr>
+            <a:spLocks noGrp="1"/>
+          </p:cNvSpPr>
+          <p:nvPr>
+            <p:ph type="title"/>
+          </p:nvPr>
+        </p:nvSpPr>
+        <p:spPr>
+          <a:xfrm>
+            <a:off x="808638" y="386930"/>
+            <a:ext cx="9236700" cy="1188950"/>
+          </a:xfrm>
+        </p:spPr>
+        <p:txBody>
+          <a:bodyPr anchor="b">
+            <a:normAutofit/>
+          </a:bodyPr>
+          <a:lstStyle/>
+          <a:p>
+            <a:r>
+              <a:rPr lang="zh-TW" altLang="en-US" sz="5400" b="1">
+                <a:latin typeface="微軟正黑體" panose="020B0604030504040204" pitchFamily="34" charset="-120"/>
+                <a:ea typeface="微軟正黑體" panose="020B0604030504040204" pitchFamily="34" charset="-120"/>
+              </a:rPr>
+              <a:t>市場調查</a:t>
+            </a:r>
+          </a:p>
+        </p:txBody>
+      </p:sp>
       <p:grpSp>
         <p:nvGrpSpPr>
-          <p:cNvPr id="10" name="Group 9">
-            <a:extLst>
-              <a:ext uri="{FF2B5EF4-FFF2-40B4-BE49-F238E27FC236}">
-                <a16:creationId xmlns:a16="http://schemas.microsoft.com/office/drawing/2014/main" id="{65167ED7-6315-43AB-B1B6-C326D5FD8F84}"/>
+          <p:cNvPr id="20" name="Group 9">
+            <a:extLst>
+              <a:ext uri="{FF2B5EF4-FFF2-40B4-BE49-F238E27FC236}">
+                <a16:creationId xmlns:a16="http://schemas.microsoft.com/office/drawing/2014/main" id="{28FAF094-D087-493F-8DF9-A486C2D6BBAA}"/>
               </a:ext>
               <a:ext uri="{C183D7F6-B498-43B3-948B-1728B52AA6E4}">
                 <adec:decorative xmlns:adec="http://schemas.microsoft.com/office/drawing/2017/decorative" val="1"/>
@@ -8189,22 +8738,19 @@
           </p:nvPr>
         </p:nvGrpSpPr>
         <p:grpSpPr>
-          <a:xfrm rot="5400000">
-            <a:off x="-2340441" y="2666183"/>
-            <a:ext cx="5860051" cy="527712"/>
-            <a:chOff x="6081624" y="1998368"/>
-            <a:chExt cx="5613457" cy="782175"/>
+          <a:xfrm>
+            <a:off x="-2" y="1998368"/>
+            <a:ext cx="11695083" cy="782176"/>
+            <a:chOff x="-2" y="1998368"/>
+            <a:chExt cx="11695083" cy="782176"/>
           </a:xfrm>
-          <a:solidFill>
-            <a:schemeClr val="accent4"/>
-          </a:solidFill>
         </p:grpSpPr>
         <p:sp>
           <p:nvSpPr>
-            <p:cNvPr id="11" name="Rectangle 10">
+            <p:cNvPr id="21" name="Rectangle 10">
               <a:extLst>
                 <a:ext uri="{FF2B5EF4-FFF2-40B4-BE49-F238E27FC236}">
-                  <a16:creationId xmlns:a16="http://schemas.microsoft.com/office/drawing/2014/main" id="{EF4D8839-FB03-487D-ACC8-8BFEDD4FEBAE}"/>
+                  <a16:creationId xmlns:a16="http://schemas.microsoft.com/office/drawing/2014/main" id="{8D7C88D8-5509-4514-925A-9CE148E5CBD6}"/>
                 </a:ext>
                 <a:ext uri="{C183D7F6-B498-43B3-948B-1728B52AA6E4}">
                   <adec:decorative xmlns:adec="http://schemas.microsoft.com/office/drawing/2017/decorative" val="1"/>
@@ -8228,7 +8774,9 @@
             <a:prstGeom prst="rect">
               <a:avLst/>
             </a:prstGeom>
-            <a:grpFill/>
+            <a:solidFill>
+              <a:schemeClr val="accent4"/>
+            </a:solidFill>
             <a:ln>
               <a:noFill/>
             </a:ln>
@@ -8260,10 +8808,10 @@
         </p:sp>
         <p:sp>
           <p:nvSpPr>
-            <p:cNvPr id="12" name="Rectangle 11">
+            <p:cNvPr id="22" name="Rectangle 11">
               <a:extLst>
                 <a:ext uri="{FF2B5EF4-FFF2-40B4-BE49-F238E27FC236}">
-                  <a16:creationId xmlns:a16="http://schemas.microsoft.com/office/drawing/2014/main" id="{0EF75023-9A3B-42FC-B704-61A8F7BEF415}"/>
+                  <a16:creationId xmlns:a16="http://schemas.microsoft.com/office/drawing/2014/main" id="{7275593D-F75E-4426-AE3E-2CDEFD228D25}"/>
                 </a:ext>
                 <a:ext uri="{C183D7F6-B498-43B3-948B-1728B52AA6E4}">
                   <adec:decorative xmlns:adec="http://schemas.microsoft.com/office/drawing/2017/decorative" val="1"/>
@@ -8281,13 +8829,15 @@
           </p:nvSpPr>
           <p:spPr>
             <a:xfrm flipH="1" flipV="1">
-              <a:off x="6081624" y="1998844"/>
-              <a:ext cx="5372968" cy="781699"/>
+              <a:off x="-2" y="1998845"/>
+              <a:ext cx="11454595" cy="781699"/>
             </a:xfrm>
             <a:prstGeom prst="rect">
               <a:avLst/>
             </a:prstGeom>
-            <a:grpFill/>
+            <a:solidFill>
+              <a:schemeClr val="accent4"/>
+            </a:solidFill>
             <a:ln>
               <a:noFill/>
             </a:ln>
@@ -8323,7 +8873,7 @@
           <p:cNvPr id="14" name="Rectangle 13">
             <a:extLst>
               <a:ext uri="{FF2B5EF4-FFF2-40B4-BE49-F238E27FC236}">
-                <a16:creationId xmlns:a16="http://schemas.microsoft.com/office/drawing/2014/main" id="{CBC4F608-B4B8-48C3-9572-C0F061B1CD99}"/>
+                <a16:creationId xmlns:a16="http://schemas.microsoft.com/office/drawing/2014/main" id="{E659831F-0D9A-4C63-9EBB-8435B85A440F}"/>
               </a:ext>
               <a:ext uri="{C183D7F6-B498-43B3-948B-1728B52AA6E4}">
                 <adec:decorative xmlns:adec="http://schemas.microsoft.com/office/drawing/2017/decorative" val="1"/>
@@ -8343,8 +8893,8 @@
         </p:nvSpPr>
         <p:spPr>
           <a:xfrm>
-            <a:off x="579528" y="922919"/>
-            <a:ext cx="11111729" cy="5461252"/>
+            <a:off x="0" y="2203079"/>
+            <a:ext cx="11383362" cy="4147845"/>
           </a:xfrm>
           <a:prstGeom prst="rect">
             <a:avLst/>
@@ -8390,10 +8940,10 @@
       </p:sp>
       <p:sp>
         <p:nvSpPr>
-          <p:cNvPr id="2" name="標題 1">
-            <a:extLst>
-              <a:ext uri="{FF2B5EF4-FFF2-40B4-BE49-F238E27FC236}">
-                <a16:creationId xmlns:a16="http://schemas.microsoft.com/office/drawing/2014/main" id="{CAA09E6E-FB67-EE3D-AA53-FCDFFD95F5B9}"/>
+          <p:cNvPr id="3" name="內容版面配置區 2">
+            <a:extLst>
+              <a:ext uri="{FF2B5EF4-FFF2-40B4-BE49-F238E27FC236}">
+                <a16:creationId xmlns:a16="http://schemas.microsoft.com/office/drawing/2014/main" id="{105D2EBD-2AA9-D0CC-8C5B-E95BAFCFFDD9}"/>
               </a:ext>
             </a:extLst>
           </p:cNvPr>
@@ -8401,52 +8951,13 @@
             <a:spLocks noGrp="1"/>
           </p:cNvSpPr>
           <p:nvPr>
-            <p:ph type="title"/>
+            <p:ph idx="1"/>
           </p:nvPr>
         </p:nvSpPr>
         <p:spPr>
           <a:xfrm>
-            <a:off x="1210515" y="0"/>
-            <a:ext cx="9849751" cy="1349671"/>
-          </a:xfrm>
-        </p:spPr>
-        <p:txBody>
-          <a:bodyPr anchor="b">
-            <a:normAutofit/>
-          </a:bodyPr>
-          <a:lstStyle/>
-          <a:p>
-            <a:r>
-              <a:rPr lang="zh-TW" altLang="en-US" sz="5400" b="1" dirty="0"/>
-              <a:t>市場調查</a:t>
-            </a:r>
-            <a:r>
-              <a:rPr lang="zh-TW" altLang="en-US" sz="5400" dirty="0"/>
-              <a:t> </a:t>
-            </a:r>
-          </a:p>
-        </p:txBody>
-      </p:sp>
-      <p:sp>
-        <p:nvSpPr>
-          <p:cNvPr id="3" name="內容版面配置區 2">
-            <a:extLst>
-              <a:ext uri="{FF2B5EF4-FFF2-40B4-BE49-F238E27FC236}">
-                <a16:creationId xmlns:a16="http://schemas.microsoft.com/office/drawing/2014/main" id="{8DB16C5B-C39E-A297-B13E-A9F929548B0B}"/>
-              </a:ext>
-            </a:extLst>
-          </p:cNvPr>
-          <p:cNvSpPr>
-            <a:spLocks noGrp="1"/>
-          </p:cNvSpPr>
-          <p:nvPr>
-            <p:ph idx="1"/>
-          </p:nvPr>
-        </p:nvSpPr>
-        <p:spPr>
-          <a:xfrm>
-            <a:off x="1210516" y="1600200"/>
-            <a:ext cx="9849751" cy="4408285"/>
+            <a:off x="793660" y="2599509"/>
+            <a:ext cx="10143668" cy="3435531"/>
           </a:xfrm>
         </p:spPr>
         <p:txBody>
@@ -8455,137 +8966,129 @@
           </a:bodyPr>
           <a:lstStyle/>
           <a:p>
-            <a:pPr marL="457200" lvl="1" indent="0">
-              <a:buNone/>
-            </a:pPr>
-            <a:endParaRPr lang="en-US" altLang="zh-TW" sz="2000" dirty="0"/>
-          </a:p>
-          <a:p>
-            <a:r>
-              <a:rPr lang="zh-TW" altLang="en-US" sz="2400" dirty="0"/>
-              <a:t>問卷調查結果</a:t>
-            </a:r>
-            <a:r>
-              <a:rPr lang="en-US" altLang="zh-TW" sz="2400" dirty="0"/>
+            <a:r>
+              <a:rPr lang="zh-TW" altLang="en-US" sz="2400" dirty="0">
+                <a:latin typeface="微軟正黑體" panose="020B0604030504040204" pitchFamily="34" charset="-120"/>
+                <a:ea typeface="微軟正黑體" panose="020B0604030504040204" pitchFamily="34" charset="-120"/>
+              </a:rPr>
+              <a:t>關節問題並不會在一夕之間就造成</a:t>
+            </a:r>
+            <a:endParaRPr lang="en-US" altLang="zh-TW" sz="2400" dirty="0">
+              <a:latin typeface="微軟正黑體" panose="020B0604030504040204" pitchFamily="34" charset="-120"/>
+              <a:ea typeface="微軟正黑體" panose="020B0604030504040204" pitchFamily="34" charset="-120"/>
+            </a:endParaRPr>
+          </a:p>
+          <a:p>
+            <a:pPr lvl="1"/>
+            <a:r>
+              <a:rPr lang="zh-TW" altLang="en-US" sz="2000" dirty="0">
+                <a:latin typeface="微軟正黑體" panose="020B0604030504040204" pitchFamily="34" charset="-120"/>
+                <a:ea typeface="微軟正黑體" panose="020B0604030504040204" pitchFamily="34" charset="-120"/>
+              </a:rPr>
+              <a:t>定期檢測來預防才是重點 </a:t>
+            </a:r>
+            <a:r>
+              <a:rPr lang="en-US" altLang="zh-TW" sz="2000" dirty="0">
+                <a:latin typeface="微軟正黑體" panose="020B0604030504040204" pitchFamily="34" charset="-120"/>
+                <a:ea typeface="微軟正黑體" panose="020B0604030504040204" pitchFamily="34" charset="-120"/>
+                <a:sym typeface="Wingdings" panose="05000000000000000000" pitchFamily="2" charset="2"/>
+              </a:rPr>
+              <a:t> </a:t>
+            </a:r>
+            <a:r>
+              <a:rPr lang="zh-TW" altLang="en-US" sz="2000" dirty="0">
+                <a:latin typeface="微軟正黑體" panose="020B0604030504040204" pitchFamily="34" charset="-120"/>
+                <a:ea typeface="微軟正黑體" panose="020B0604030504040204" pitchFamily="34" charset="-120"/>
+                <a:sym typeface="Wingdings" panose="05000000000000000000" pitchFamily="2" charset="2"/>
+              </a:rPr>
+              <a:t>關節活動度</a:t>
+            </a:r>
+            <a:endParaRPr lang="en-US" altLang="zh-TW" sz="2000" dirty="0">
+              <a:latin typeface="微軟正黑體" panose="020B0604030504040204" pitchFamily="34" charset="-120"/>
+              <a:ea typeface="微軟正黑體" panose="020B0604030504040204" pitchFamily="34" charset="-120"/>
+            </a:endParaRPr>
+          </a:p>
+          <a:p>
+            <a:endParaRPr lang="en-US" altLang="zh-TW" sz="2400" dirty="0">
+              <a:latin typeface="微軟正黑體" panose="020B0604030504040204" pitchFamily="34" charset="-120"/>
+              <a:ea typeface="微軟正黑體" panose="020B0604030504040204" pitchFamily="34" charset="-120"/>
+            </a:endParaRPr>
+          </a:p>
+          <a:p>
+            <a:r>
+              <a:rPr lang="zh-TW" altLang="en-US" sz="2400" dirty="0">
+                <a:latin typeface="微軟正黑體" panose="020B0604030504040204" pitchFamily="34" charset="-120"/>
+                <a:ea typeface="微軟正黑體" panose="020B0604030504040204" pitchFamily="34" charset="-120"/>
+              </a:rPr>
+              <a:t>物理治療師的建議</a:t>
+            </a:r>
+            <a:r>
+              <a:rPr lang="en-US" altLang="zh-TW" sz="2400" dirty="0">
+                <a:latin typeface="微軟正黑體" panose="020B0604030504040204" pitchFamily="34" charset="-120"/>
+                <a:ea typeface="微軟正黑體" panose="020B0604030504040204" pitchFamily="34" charset="-120"/>
+              </a:rPr>
               <a:t>:</a:t>
             </a:r>
+            <a:r>
+              <a:rPr lang="zh-TW" altLang="en-US" sz="2400" dirty="0">
+                <a:latin typeface="微軟正黑體" panose="020B0604030504040204" pitchFamily="34" charset="-120"/>
+                <a:ea typeface="微軟正黑體" panose="020B0604030504040204" pitchFamily="34" charset="-120"/>
+              </a:rPr>
+              <a:t>  </a:t>
+            </a:r>
+            <a:endParaRPr lang="en-US" altLang="zh-TW" dirty="0">
+              <a:latin typeface="微軟正黑體" panose="020B0604030504040204" pitchFamily="34" charset="-120"/>
+              <a:ea typeface="微軟正黑體" panose="020B0604030504040204" pitchFamily="34" charset="-120"/>
+            </a:endParaRPr>
           </a:p>
           <a:p>
             <a:pPr lvl="1"/>
-            <a:endParaRPr lang="en-US" altLang="zh-TW" sz="2000" dirty="0"/>
-          </a:p>
-          <a:p>
-            <a:pPr marL="914400" lvl="1" indent="-457200">
-              <a:buFont typeface="+mj-lt"/>
-              <a:buAutoNum type="arabicPeriod"/>
-            </a:pPr>
-            <a:r>
-              <a:rPr lang="zh-TW" altLang="en-US" sz="2000" dirty="0"/>
-              <a:t>受試者認同關節問題對於健康來說是重要的</a:t>
-            </a:r>
-            <a:endParaRPr lang="en-US" altLang="zh-TW" sz="2000" dirty="0"/>
-          </a:p>
-          <a:p>
-            <a:pPr marL="914400" lvl="1" indent="-457200">
-              <a:buFont typeface="+mj-lt"/>
-              <a:buAutoNum type="arabicPeriod"/>
-            </a:pPr>
-            <a:endParaRPr lang="en-US" altLang="zh-TW" sz="2000" dirty="0"/>
-          </a:p>
-          <a:p>
-            <a:pPr marL="914400" lvl="1" indent="-457200">
-              <a:buFont typeface="+mj-lt"/>
-              <a:buAutoNum type="arabicPeriod"/>
-            </a:pPr>
-            <a:r>
-              <a:rPr lang="zh-TW" altLang="en-US" sz="2000" dirty="0"/>
-              <a:t>以下兩種人占多數，合計</a:t>
-            </a:r>
-            <a:r>
-              <a:rPr lang="en-US" altLang="zh-TW" sz="2000" dirty="0"/>
-              <a:t>64.3%:</a:t>
-            </a:r>
-          </a:p>
-          <a:p>
-            <a:pPr lvl="2"/>
-            <a:r>
-              <a:rPr lang="zh-TW" altLang="en-US" dirty="0"/>
-              <a:t>有關節問題的人</a:t>
-            </a:r>
-            <a:r>
-              <a:rPr lang="en-US" altLang="zh-TW" dirty="0"/>
-              <a:t>(40%)</a:t>
-            </a:r>
-          </a:p>
-          <a:p>
-            <a:pPr lvl="2"/>
-            <a:r>
-              <a:rPr lang="zh-TW" altLang="en-US" dirty="0"/>
-              <a:t>對自身健康情況掌握不足的人</a:t>
-            </a:r>
-            <a:r>
-              <a:rPr lang="en-US" altLang="zh-TW" dirty="0"/>
-              <a:t>(24.3%)</a:t>
-            </a:r>
-          </a:p>
-          <a:p>
-            <a:pPr lvl="2"/>
-            <a:endParaRPr lang="en-US" altLang="zh-TW" dirty="0"/>
-          </a:p>
-          <a:p>
-            <a:pPr marL="914400" lvl="1" indent="-457200">
-              <a:buFont typeface="+mj-lt"/>
-              <a:buAutoNum type="arabicPeriod"/>
-            </a:pPr>
-            <a:r>
-              <a:rPr lang="zh-TW" altLang="en-US" dirty="0"/>
-              <a:t>受試者整體認為自己並不具備充份的保健知識</a:t>
-            </a:r>
-            <a:endParaRPr lang="en-US" altLang="zh-TW" dirty="0"/>
-          </a:p>
-          <a:p>
-            <a:pPr marL="914400" lvl="1" indent="-457200">
-              <a:buFont typeface="+mj-lt"/>
-              <a:buAutoNum type="arabicPeriod"/>
-            </a:pPr>
-            <a:endParaRPr lang="en-US" altLang="zh-TW" dirty="0"/>
-          </a:p>
-          <a:p>
-            <a:pPr marL="914400" lvl="1" indent="-457200">
-              <a:buFont typeface="+mj-lt"/>
-              <a:buAutoNum type="arabicPeriod"/>
-            </a:pPr>
-            <a:r>
-              <a:rPr lang="zh-TW" altLang="en-US" dirty="0"/>
-              <a:t>受試者看過物理治療師的比重佔少數，僅</a:t>
-            </a:r>
-            <a:r>
-              <a:rPr lang="en-US" altLang="zh-TW" dirty="0"/>
-              <a:t>25%</a:t>
-            </a:r>
-            <a:r>
-              <a:rPr lang="zh-TW" altLang="en-US" dirty="0"/>
-              <a:t>左右</a:t>
-            </a:r>
-            <a:endParaRPr lang="en-US" altLang="zh-TW" dirty="0"/>
+            <a:r>
+              <a:rPr lang="zh-TW" altLang="en-US" dirty="0">
+                <a:latin typeface="微軟正黑體" panose="020B0604030504040204" pitchFamily="34" charset="-120"/>
+                <a:ea typeface="微軟正黑體" panose="020B0604030504040204" pitchFamily="34" charset="-120"/>
+              </a:rPr>
+              <a:t>以「關節活動度」檢測關節、體態是否正常</a:t>
+            </a:r>
+            <a:endParaRPr lang="en-US" altLang="zh-TW" dirty="0">
+              <a:latin typeface="微軟正黑體" panose="020B0604030504040204" pitchFamily="34" charset="-120"/>
+              <a:ea typeface="微軟正黑體" panose="020B0604030504040204" pitchFamily="34" charset="-120"/>
+            </a:endParaRPr>
           </a:p>
           <a:p>
             <a:pPr lvl="1"/>
-            <a:endParaRPr lang="en-US" altLang="zh-TW" sz="2000" dirty="0"/>
+            <a:endParaRPr lang="en-US" altLang="zh-TW" dirty="0">
+              <a:latin typeface="微軟正黑體" panose="020B0604030504040204" pitchFamily="34" charset="-120"/>
+              <a:ea typeface="微軟正黑體" panose="020B0604030504040204" pitchFamily="34" charset="-120"/>
+            </a:endParaRPr>
           </a:p>
           <a:p>
             <a:pPr lvl="1"/>
-            <a:endParaRPr lang="en-US" altLang="zh-TW" sz="2000" dirty="0"/>
-          </a:p>
-          <a:p>
-            <a:endParaRPr lang="zh-TW" altLang="en-US" sz="2000" dirty="0"/>
+            <a:r>
+              <a:rPr lang="zh-TW" altLang="en-US" dirty="0">
+                <a:latin typeface="微軟正黑體" panose="020B0604030504040204" pitchFamily="34" charset="-120"/>
+                <a:ea typeface="微軟正黑體" panose="020B0604030504040204" pitchFamily="34" charset="-120"/>
+              </a:rPr>
+              <a:t>提供相關的保健知識、建議</a:t>
+            </a:r>
+            <a:endParaRPr lang="en-US" altLang="zh-TW" dirty="0">
+              <a:latin typeface="微軟正黑體" panose="020B0604030504040204" pitchFamily="34" charset="-120"/>
+              <a:ea typeface="微軟正黑體" panose="020B0604030504040204" pitchFamily="34" charset="-120"/>
+            </a:endParaRPr>
+          </a:p>
+          <a:p>
+            <a:pPr lvl="1"/>
+            <a:endParaRPr lang="en-US" altLang="zh-TW" dirty="0">
+              <a:latin typeface="微軟正黑體" panose="020B0604030504040204" pitchFamily="34" charset="-120"/>
+              <a:ea typeface="微軟正黑體" panose="020B0604030504040204" pitchFamily="34" charset="-120"/>
+            </a:endParaRPr>
           </a:p>
         </p:txBody>
       </p:sp>
     </p:spTree>
     <p:extLst>
       <p:ext uri="{BB962C8B-B14F-4D97-AF65-F5344CB8AC3E}">
-        <p14:creationId xmlns:p14="http://schemas.microsoft.com/office/powerpoint/2010/main" val="2306524299"/>
+        <p14:creationId xmlns:p14="http://schemas.microsoft.com/office/powerpoint/2010/main" val="209587823"/>
       </p:ext>
     </p:extLst>
   </p:cSld>
@@ -8595,7 +9098,1006 @@
 </p:sld>
 </file>
 
-<file path=ppt/slides/slide5.xml><?xml version="1.0" encoding="utf-8"?>
+<file path=ppt/slides/slide7.xml><?xml version="1.0" encoding="utf-8"?>
+<p:sld xmlns:a="http://schemas.openxmlformats.org/drawingml/2006/main" xmlns:r="http://schemas.openxmlformats.org/officeDocument/2006/relationships" xmlns:p="http://schemas.openxmlformats.org/presentationml/2006/main">
+  <p:cSld>
+    <p:bg>
+      <p:bgPr>
+        <a:solidFill>
+          <a:schemeClr val="bg1"/>
+        </a:solidFill>
+        <a:effectLst/>
+      </p:bgPr>
+    </p:bg>
+    <p:spTree>
+      <p:nvGrpSpPr>
+        <p:cNvPr id="1" name=""/>
+        <p:cNvGrpSpPr/>
+        <p:nvPr/>
+      </p:nvGrpSpPr>
+      <p:grpSpPr>
+        <a:xfrm>
+          <a:off x="0" y="0"/>
+          <a:ext cx="0" cy="0"/>
+          <a:chOff x="0" y="0"/>
+          <a:chExt cx="0" cy="0"/>
+        </a:xfrm>
+      </p:grpSpPr>
+      <p:sp useBgFill="1">
+        <p:nvSpPr>
+          <p:cNvPr id="16" name="Rectangle 15">
+            <a:extLst>
+              <a:ext uri="{FF2B5EF4-FFF2-40B4-BE49-F238E27FC236}">
+                <a16:creationId xmlns:a16="http://schemas.microsoft.com/office/drawing/2014/main" id="{907EF6B7-1338-4443-8C46-6A318D952DFD}"/>
+              </a:ext>
+              <a:ext uri="{C183D7F6-B498-43B3-948B-1728B52AA6E4}">
+                <adec:decorative xmlns:adec="http://schemas.microsoft.com/office/drawing/2017/decorative" val="1"/>
+              </a:ext>
+            </a:extLst>
+          </p:cNvPr>
+          <p:cNvSpPr>
+            <a:spLocks noGrp="1" noRot="1" noChangeAspect="1" noMove="1" noResize="1" noEditPoints="1" noAdjustHandles="1" noChangeArrowheads="1" noChangeShapeType="1" noTextEdit="1"/>
+          </p:cNvSpPr>
+          <p:nvPr>
+            <p:extLst>
+              <p:ext uri="{386F3935-93C4-4BCD-93E2-E3B085C9AB24}">
+                <p16:designElem xmlns:p16="http://schemas.microsoft.com/office/powerpoint/2015/main" val="1"/>
+              </p:ext>
+            </p:extLst>
+          </p:nvPr>
+        </p:nvSpPr>
+        <p:spPr>
+          <a:xfrm>
+            <a:off x="3048" y="0"/>
+            <a:ext cx="12188952" cy="6858000"/>
+          </a:xfrm>
+          <a:prstGeom prst="rect">
+            <a:avLst/>
+          </a:prstGeom>
+          <a:ln>
+            <a:noFill/>
+          </a:ln>
+        </p:spPr>
+        <p:style>
+          <a:lnRef idx="2">
+            <a:schemeClr val="accent1">
+              <a:shade val="50000"/>
+            </a:schemeClr>
+          </a:lnRef>
+          <a:fillRef idx="1">
+            <a:schemeClr val="accent1"/>
+          </a:fillRef>
+          <a:effectRef idx="0">
+            <a:schemeClr val="accent1"/>
+          </a:effectRef>
+          <a:fontRef idx="minor">
+            <a:schemeClr val="lt1"/>
+          </a:fontRef>
+        </p:style>
+        <p:txBody>
+          <a:bodyPr rtlCol="0" anchor="ctr"/>
+          <a:lstStyle/>
+          <a:p>
+            <a:pPr algn="ctr"/>
+            <a:endParaRPr lang="en-US"/>
+          </a:p>
+        </p:txBody>
+      </p:sp>
+      <p:sp>
+        <p:nvSpPr>
+          <p:cNvPr id="18" name="Freeform: Shape 17">
+            <a:extLst>
+              <a:ext uri="{FF2B5EF4-FFF2-40B4-BE49-F238E27FC236}">
+                <a16:creationId xmlns:a16="http://schemas.microsoft.com/office/drawing/2014/main" id="{DAAE4CDD-124C-4DCF-9584-B6033B545DD5}"/>
+              </a:ext>
+              <a:ext uri="{C183D7F6-B498-43B3-948B-1728B52AA6E4}">
+                <adec:decorative xmlns:adec="http://schemas.microsoft.com/office/drawing/2017/decorative" val="1"/>
+              </a:ext>
+            </a:extLst>
+          </p:cNvPr>
+          <p:cNvSpPr>
+            <a:spLocks noGrp="1" noRot="1" noChangeAspect="1" noMove="1" noResize="1" noEditPoints="1" noAdjustHandles="1" noChangeArrowheads="1" noChangeShapeType="1" noTextEdit="1"/>
+          </p:cNvSpPr>
+          <p:nvPr>
+            <p:extLst>
+              <p:ext uri="{386F3935-93C4-4BCD-93E2-E3B085C9AB24}">
+                <p16:designElem xmlns:p16="http://schemas.microsoft.com/office/powerpoint/2015/main" val="1"/>
+              </p:ext>
+            </p:extLst>
+          </p:nvPr>
+        </p:nvSpPr>
+        <p:spPr>
+          <a:xfrm>
+            <a:off x="1" y="0"/>
+            <a:ext cx="4167271" cy="6858000"/>
+          </a:xfrm>
+          <a:custGeom>
+            <a:avLst/>
+            <a:gdLst>
+              <a:gd name="connsiteX0" fmla="*/ 0 w 4167271"/>
+              <a:gd name="connsiteY0" fmla="*/ 0 h 6858000"/>
+              <a:gd name="connsiteX1" fmla="*/ 2259550 w 4167271"/>
+              <a:gd name="connsiteY1" fmla="*/ 0 h 6858000"/>
+              <a:gd name="connsiteX2" fmla="*/ 2387803 w 4167271"/>
+              <a:gd name="connsiteY2" fmla="*/ 82222 h 6858000"/>
+              <a:gd name="connsiteX3" fmla="*/ 4167271 w 4167271"/>
+              <a:gd name="connsiteY3" fmla="*/ 3429000 h 6858000"/>
+              <a:gd name="connsiteX4" fmla="*/ 2387803 w 4167271"/>
+              <a:gd name="connsiteY4" fmla="*/ 6775779 h 6858000"/>
+              <a:gd name="connsiteX5" fmla="*/ 2259550 w 4167271"/>
+              <a:gd name="connsiteY5" fmla="*/ 6858000 h 6858000"/>
+              <a:gd name="connsiteX6" fmla="*/ 0 w 4167271"/>
+              <a:gd name="connsiteY6" fmla="*/ 6858000 h 6858000"/>
+            </a:gdLst>
+            <a:ahLst/>
+            <a:cxnLst>
+              <a:cxn ang="0">
+                <a:pos x="connsiteX0" y="connsiteY0"/>
+              </a:cxn>
+              <a:cxn ang="0">
+                <a:pos x="connsiteX1" y="connsiteY1"/>
+              </a:cxn>
+              <a:cxn ang="0">
+                <a:pos x="connsiteX2" y="connsiteY2"/>
+              </a:cxn>
+              <a:cxn ang="0">
+                <a:pos x="connsiteX3" y="connsiteY3"/>
+              </a:cxn>
+              <a:cxn ang="0">
+                <a:pos x="connsiteX4" y="connsiteY4"/>
+              </a:cxn>
+              <a:cxn ang="0">
+                <a:pos x="connsiteX5" y="connsiteY5"/>
+              </a:cxn>
+              <a:cxn ang="0">
+                <a:pos x="connsiteX6" y="connsiteY6"/>
+              </a:cxn>
+            </a:cxnLst>
+            <a:rect l="l" t="t" r="r" b="b"/>
+            <a:pathLst>
+              <a:path w="4167271" h="6858000">
+                <a:moveTo>
+                  <a:pt x="0" y="0"/>
+                </a:moveTo>
+                <a:lnTo>
+                  <a:pt x="2259550" y="0"/>
+                </a:lnTo>
+                <a:lnTo>
+                  <a:pt x="2387803" y="82222"/>
+                </a:lnTo>
+                <a:cubicBezTo>
+                  <a:pt x="3461407" y="807534"/>
+                  <a:pt x="4167271" y="2035835"/>
+                  <a:pt x="4167271" y="3429000"/>
+                </a:cubicBezTo>
+                <a:cubicBezTo>
+                  <a:pt x="4167271" y="4822165"/>
+                  <a:pt x="3461407" y="6050467"/>
+                  <a:pt x="2387803" y="6775779"/>
+                </a:cubicBezTo>
+                <a:lnTo>
+                  <a:pt x="2259550" y="6858000"/>
+                </a:lnTo>
+                <a:lnTo>
+                  <a:pt x="0" y="6858000"/>
+                </a:lnTo>
+                <a:close/>
+              </a:path>
+            </a:pathLst>
+          </a:custGeom>
+          <a:solidFill>
+            <a:schemeClr val="accent2"/>
+          </a:solidFill>
+          <a:ln>
+            <a:noFill/>
+          </a:ln>
+        </p:spPr>
+        <p:style>
+          <a:lnRef idx="2">
+            <a:schemeClr val="accent1">
+              <a:shade val="50000"/>
+            </a:schemeClr>
+          </a:lnRef>
+          <a:fillRef idx="1">
+            <a:schemeClr val="accent1"/>
+          </a:fillRef>
+          <a:effectRef idx="0">
+            <a:schemeClr val="accent1"/>
+          </a:effectRef>
+          <a:fontRef idx="minor">
+            <a:schemeClr val="lt1"/>
+          </a:fontRef>
+        </p:style>
+        <p:txBody>
+          <a:bodyPr rtlCol="0" anchor="ctr"/>
+          <a:lstStyle/>
+          <a:p>
+            <a:pPr algn="ctr"/>
+            <a:endParaRPr lang="en-US"/>
+          </a:p>
+        </p:txBody>
+      </p:sp>
+      <p:sp>
+        <p:nvSpPr>
+          <p:cNvPr id="2" name="標題 1">
+            <a:extLst>
+              <a:ext uri="{FF2B5EF4-FFF2-40B4-BE49-F238E27FC236}">
+                <a16:creationId xmlns:a16="http://schemas.microsoft.com/office/drawing/2014/main" id="{29F4D143-CCA3-4C4A-25FB-C7209112ACF3}"/>
+              </a:ext>
+            </a:extLst>
+          </p:cNvPr>
+          <p:cNvSpPr>
+            <a:spLocks noGrp="1"/>
+          </p:cNvSpPr>
+          <p:nvPr>
+            <p:ph type="title"/>
+          </p:nvPr>
+        </p:nvSpPr>
+        <p:spPr>
+          <a:xfrm>
+            <a:off x="686834" y="1153572"/>
+            <a:ext cx="3200400" cy="4461163"/>
+          </a:xfrm>
+        </p:spPr>
+        <p:txBody>
+          <a:bodyPr vert="horz" lIns="91440" tIns="45720" rIns="91440" bIns="45720" rtlCol="0">
+            <a:normAutofit/>
+          </a:bodyPr>
+          <a:lstStyle/>
+          <a:p>
+            <a:r>
+              <a:rPr lang="zh-TW" altLang="en-US" b="1" kern="1200">
+                <a:solidFill>
+                  <a:srgbClr val="FFFFFF"/>
+                </a:solidFill>
+                <a:latin typeface="+mj-lt"/>
+                <a:ea typeface="+mj-ea"/>
+                <a:cs typeface="+mj-cs"/>
+              </a:rPr>
+              <a:t>使用者的需求</a:t>
+            </a:r>
+          </a:p>
+        </p:txBody>
+      </p:sp>
+      <p:sp>
+        <p:nvSpPr>
+          <p:cNvPr id="20" name="Arc 19">
+            <a:extLst>
+              <a:ext uri="{FF2B5EF4-FFF2-40B4-BE49-F238E27FC236}">
+                <a16:creationId xmlns:a16="http://schemas.microsoft.com/office/drawing/2014/main" id="{081E4A58-353D-44AE-B2FC-2A74E2E400F7}"/>
+              </a:ext>
+              <a:ext uri="{C183D7F6-B498-43B3-948B-1728B52AA6E4}">
+                <adec:decorative xmlns:adec="http://schemas.microsoft.com/office/drawing/2017/decorative" val="1"/>
+              </a:ext>
+            </a:extLst>
+          </p:cNvPr>
+          <p:cNvSpPr>
+            <a:spLocks noGrp="1" noRot="1" noChangeAspect="1" noMove="1" noResize="1" noEditPoints="1" noAdjustHandles="1" noChangeArrowheads="1" noChangeShapeType="1" noTextEdit="1"/>
+          </p:cNvSpPr>
+          <p:nvPr>
+            <p:extLst>
+              <p:ext uri="{386F3935-93C4-4BCD-93E2-E3B085C9AB24}">
+                <p16:designElem xmlns:p16="http://schemas.microsoft.com/office/powerpoint/2015/main" val="1"/>
+              </p:ext>
+            </p:extLst>
+          </p:nvPr>
+        </p:nvSpPr>
+        <p:spPr>
+          <a:xfrm flipV="1">
+            <a:off x="7550402" y="2455479"/>
+            <a:ext cx="4083433" cy="4083433"/>
+          </a:xfrm>
+          <a:prstGeom prst="arc">
+            <a:avLst/>
+          </a:prstGeom>
+          <a:ln w="127000" cap="rnd">
+            <a:solidFill>
+              <a:schemeClr val="accent4"/>
+            </a:solidFill>
+            <a:prstDash val="dash"/>
+          </a:ln>
+        </p:spPr>
+        <p:style>
+          <a:lnRef idx="1">
+            <a:schemeClr val="accent1"/>
+          </a:lnRef>
+          <a:fillRef idx="0">
+            <a:schemeClr val="accent1"/>
+          </a:fillRef>
+          <a:effectRef idx="0">
+            <a:schemeClr val="accent1"/>
+          </a:effectRef>
+          <a:fontRef idx="minor">
+            <a:schemeClr val="tx1"/>
+          </a:fontRef>
+        </p:style>
+        <p:txBody>
+          <a:bodyPr rtlCol="0" anchor="ctr"/>
+          <a:lstStyle/>
+          <a:p>
+            <a:pPr algn="ctr"/>
+            <a:endParaRPr lang="en-US" dirty="0"/>
+          </a:p>
+        </p:txBody>
+      </p:sp>
+      <p:sp>
+        <p:nvSpPr>
+          <p:cNvPr id="3" name="內容版面配置區 2">
+            <a:extLst>
+              <a:ext uri="{FF2B5EF4-FFF2-40B4-BE49-F238E27FC236}">
+                <a16:creationId xmlns:a16="http://schemas.microsoft.com/office/drawing/2014/main" id="{C2594907-F511-6566-3959-517CC45D2FAC}"/>
+              </a:ext>
+            </a:extLst>
+          </p:cNvPr>
+          <p:cNvSpPr>
+            <a:spLocks noGrp="1"/>
+          </p:cNvSpPr>
+          <p:nvPr>
+            <p:ph idx="1"/>
+          </p:nvPr>
+        </p:nvSpPr>
+        <p:spPr>
+          <a:xfrm>
+            <a:off x="4447308" y="591344"/>
+            <a:ext cx="6906491" cy="5585619"/>
+          </a:xfrm>
+        </p:spPr>
+        <p:txBody>
+          <a:bodyPr vert="horz" lIns="91440" tIns="45720" rIns="91440" bIns="45720" rtlCol="0" anchor="ctr">
+            <a:normAutofit/>
+          </a:bodyPr>
+          <a:lstStyle/>
+          <a:p>
+            <a:pPr marL="285750" indent="-228600">
+              <a:spcAft>
+                <a:spcPts val="600"/>
+              </a:spcAft>
+              <a:buFont typeface="Arial" panose="020B0604020202020204" pitchFamily="34" charset="0"/>
+              <a:buChar char="•"/>
+            </a:pPr>
+            <a:r>
+              <a:rPr lang="zh-TW" altLang="en-US" dirty="0">
+                <a:latin typeface="微軟正黑體" panose="020B0604030504040204" pitchFamily="34" charset="-120"/>
+                <a:ea typeface="微軟正黑體" panose="020B0604030504040204" pitchFamily="34" charset="-120"/>
+              </a:rPr>
+              <a:t>需求</a:t>
+            </a:r>
+            <a:r>
+              <a:rPr lang="en-US" altLang="zh-TW" dirty="0">
+                <a:latin typeface="微軟正黑體" panose="020B0604030504040204" pitchFamily="34" charset="-120"/>
+                <a:ea typeface="微軟正黑體" panose="020B0604030504040204" pitchFamily="34" charset="-120"/>
+              </a:rPr>
+              <a:t>:</a:t>
+            </a:r>
+          </a:p>
+          <a:p>
+            <a:pPr marL="742950" lvl="1" indent="-228600">
+              <a:spcAft>
+                <a:spcPts val="600"/>
+              </a:spcAft>
+              <a:buFont typeface="Arial" panose="020B0604020202020204" pitchFamily="34" charset="0"/>
+              <a:buChar char="•"/>
+            </a:pPr>
+            <a:endParaRPr lang="en-US" altLang="zh-TW" dirty="0">
+              <a:latin typeface="微軟正黑體" panose="020B0604030504040204" pitchFamily="34" charset="-120"/>
+              <a:ea typeface="微軟正黑體" panose="020B0604030504040204" pitchFamily="34" charset="-120"/>
+            </a:endParaRPr>
+          </a:p>
+          <a:p>
+            <a:pPr marL="742950" lvl="1" indent="-228600">
+              <a:spcAft>
+                <a:spcPts val="600"/>
+              </a:spcAft>
+              <a:buFont typeface="Arial" panose="020B0604020202020204" pitchFamily="34" charset="0"/>
+              <a:buChar char="•"/>
+            </a:pPr>
+            <a:r>
+              <a:rPr lang="zh-TW" altLang="en-US" dirty="0">
+                <a:latin typeface="微軟正黑體" panose="020B0604030504040204" pitchFamily="34" charset="-120"/>
+                <a:ea typeface="微軟正黑體" panose="020B0604030504040204" pitchFamily="34" charset="-120"/>
+              </a:rPr>
+              <a:t>及時發現問題，避免惡化</a:t>
+            </a:r>
+            <a:endParaRPr lang="en-US" altLang="zh-TW" dirty="0">
+              <a:latin typeface="微軟正黑體" panose="020B0604030504040204" pitchFamily="34" charset="-120"/>
+              <a:ea typeface="微軟正黑體" panose="020B0604030504040204" pitchFamily="34" charset="-120"/>
+            </a:endParaRPr>
+          </a:p>
+          <a:p>
+            <a:pPr marL="742950" lvl="1" indent="-228600">
+              <a:spcAft>
+                <a:spcPts val="600"/>
+              </a:spcAft>
+              <a:buFont typeface="Arial" panose="020B0604020202020204" pitchFamily="34" charset="0"/>
+              <a:buChar char="•"/>
+            </a:pPr>
+            <a:endParaRPr lang="en-US" altLang="zh-TW" dirty="0">
+              <a:latin typeface="微軟正黑體" panose="020B0604030504040204" pitchFamily="34" charset="-120"/>
+              <a:ea typeface="微軟正黑體" panose="020B0604030504040204" pitchFamily="34" charset="-120"/>
+            </a:endParaRPr>
+          </a:p>
+          <a:p>
+            <a:pPr marL="742950" lvl="1" indent="-228600">
+              <a:spcAft>
+                <a:spcPts val="600"/>
+              </a:spcAft>
+              <a:buFont typeface="Arial" panose="020B0604020202020204" pitchFamily="34" charset="0"/>
+              <a:buChar char="•"/>
+            </a:pPr>
+            <a:r>
+              <a:rPr lang="zh-TW" altLang="en-US">
+                <a:latin typeface="微軟正黑體" panose="020B0604030504040204" pitchFamily="34" charset="-120"/>
+                <a:ea typeface="微軟正黑體" panose="020B0604030504040204" pitchFamily="34" charset="-120"/>
+              </a:rPr>
+              <a:t>正確</a:t>
+            </a:r>
+            <a:r>
+              <a:rPr lang="zh-TW" altLang="en-US" dirty="0">
+                <a:latin typeface="微軟正黑體" panose="020B0604030504040204" pitchFamily="34" charset="-120"/>
+                <a:ea typeface="微軟正黑體" panose="020B0604030504040204" pitchFamily="34" charset="-120"/>
+              </a:rPr>
+              <a:t>、</a:t>
+            </a:r>
+            <a:r>
+              <a:rPr lang="zh-TW" altLang="en-US">
+                <a:latin typeface="微軟正黑體" panose="020B0604030504040204" pitchFamily="34" charset="-120"/>
+                <a:ea typeface="微軟正黑體" panose="020B0604030504040204" pitchFamily="34" charset="-120"/>
+              </a:rPr>
+              <a:t>及時的保健知識、建議</a:t>
+            </a:r>
+            <a:endParaRPr lang="zh-TW" altLang="en-US" dirty="0">
+              <a:latin typeface="微軟正黑體" panose="020B0604030504040204" pitchFamily="34" charset="-120"/>
+              <a:ea typeface="微軟正黑體" panose="020B0604030504040204" pitchFamily="34" charset="-120"/>
+            </a:endParaRPr>
+          </a:p>
+        </p:txBody>
+      </p:sp>
+    </p:spTree>
+    <p:extLst>
+      <p:ext uri="{BB962C8B-B14F-4D97-AF65-F5344CB8AC3E}">
+        <p14:creationId xmlns:p14="http://schemas.microsoft.com/office/powerpoint/2010/main" val="3016596021"/>
+      </p:ext>
+    </p:extLst>
+  </p:cSld>
+  <p:clrMapOvr>
+    <a:masterClrMapping/>
+  </p:clrMapOvr>
+</p:sld>
+</file>
+
+<file path=ppt/slides/slide8.xml><?xml version="1.0" encoding="utf-8"?>
+<p:sld xmlns:a="http://schemas.openxmlformats.org/drawingml/2006/main" xmlns:r="http://schemas.openxmlformats.org/officeDocument/2006/relationships" xmlns:p="http://schemas.openxmlformats.org/presentationml/2006/main">
+  <p:cSld>
+    <p:bg>
+      <p:bgPr>
+        <a:solidFill>
+          <a:schemeClr val="bg1"/>
+        </a:solidFill>
+        <a:effectLst/>
+      </p:bgPr>
+    </p:bg>
+    <p:spTree>
+      <p:nvGrpSpPr>
+        <p:cNvPr id="1" name=""/>
+        <p:cNvGrpSpPr/>
+        <p:nvPr/>
+      </p:nvGrpSpPr>
+      <p:grpSpPr>
+        <a:xfrm>
+          <a:off x="0" y="0"/>
+          <a:ext cx="0" cy="0"/>
+          <a:chOff x="0" y="0"/>
+          <a:chExt cx="0" cy="0"/>
+        </a:xfrm>
+      </p:grpSpPr>
+      <p:sp useBgFill="1">
+        <p:nvSpPr>
+          <p:cNvPr id="8" name="Rectangle 7">
+            <a:extLst>
+              <a:ext uri="{FF2B5EF4-FFF2-40B4-BE49-F238E27FC236}">
+                <a16:creationId xmlns:a16="http://schemas.microsoft.com/office/drawing/2014/main" id="{8B9AA7C6-5E5A-498E-A6DF-A943376E09BC}"/>
+              </a:ext>
+              <a:ext uri="{C183D7F6-B498-43B3-948B-1728B52AA6E4}">
+                <adec:decorative xmlns:adec="http://schemas.microsoft.com/office/drawing/2017/decorative" val="1"/>
+              </a:ext>
+            </a:extLst>
+          </p:cNvPr>
+          <p:cNvSpPr>
+            <a:spLocks noGrp="1" noRot="1" noChangeAspect="1" noMove="1" noResize="1" noEditPoints="1" noAdjustHandles="1" noChangeArrowheads="1" noChangeShapeType="1" noTextEdit="1"/>
+          </p:cNvSpPr>
+          <p:nvPr>
+            <p:extLst>
+              <p:ext uri="{386F3935-93C4-4BCD-93E2-E3B085C9AB24}">
+                <p16:designElem xmlns:p16="http://schemas.microsoft.com/office/powerpoint/2015/main" val="1"/>
+              </p:ext>
+            </p:extLst>
+          </p:nvPr>
+        </p:nvSpPr>
+        <p:spPr>
+          <a:xfrm>
+            <a:off x="0" y="0"/>
+            <a:ext cx="12191999" cy="6857365"/>
+          </a:xfrm>
+          <a:prstGeom prst="rect">
+            <a:avLst/>
+          </a:prstGeom>
+          <a:ln>
+            <a:noFill/>
+          </a:ln>
+        </p:spPr>
+        <p:style>
+          <a:lnRef idx="2">
+            <a:schemeClr val="accent1">
+              <a:shade val="50000"/>
+            </a:schemeClr>
+          </a:lnRef>
+          <a:fillRef idx="1">
+            <a:schemeClr val="accent1"/>
+          </a:fillRef>
+          <a:effectRef idx="0">
+            <a:schemeClr val="accent1"/>
+          </a:effectRef>
+          <a:fontRef idx="minor">
+            <a:schemeClr val="lt1"/>
+          </a:fontRef>
+        </p:style>
+        <p:txBody>
+          <a:bodyPr rtlCol="0" anchor="ctr"/>
+          <a:lstStyle/>
+          <a:p>
+            <a:pPr algn="ctr"/>
+            <a:endParaRPr lang="en-US"/>
+          </a:p>
+        </p:txBody>
+      </p:sp>
+      <p:grpSp>
+        <p:nvGrpSpPr>
+          <p:cNvPr id="10" name="Group 9">
+            <a:extLst>
+              <a:ext uri="{FF2B5EF4-FFF2-40B4-BE49-F238E27FC236}">
+                <a16:creationId xmlns:a16="http://schemas.microsoft.com/office/drawing/2014/main" id="{83EAB11A-76F7-48F4-9B4F-5BFDF4BF9670}"/>
+              </a:ext>
+              <a:ext uri="{C183D7F6-B498-43B3-948B-1728B52AA6E4}">
+                <adec:decorative xmlns:adec="http://schemas.microsoft.com/office/drawing/2017/decorative" val="1"/>
+              </a:ext>
+            </a:extLst>
+          </p:cNvPr>
+          <p:cNvGrpSpPr>
+            <a:grpSpLocks noGrp="1" noUngrp="1" noRot="1" noChangeAspect="1" noMove="1" noResize="1"/>
+          </p:cNvGrpSpPr>
+          <p:nvPr>
+            <p:extLst>
+              <p:ext uri="{386F3935-93C4-4BCD-93E2-E3B085C9AB24}">
+                <p16:designElem xmlns:p16="http://schemas.microsoft.com/office/powerpoint/2015/main" val="1"/>
+              </p:ext>
+            </p:extLst>
+          </p:nvPr>
+        </p:nvGrpSpPr>
+        <p:grpSpPr>
+          <a:xfrm>
+            <a:off x="74300" y="2385102"/>
+            <a:ext cx="574091" cy="2087796"/>
+            <a:chOff x="209668" y="2857422"/>
+            <a:chExt cx="463662" cy="2087796"/>
+          </a:xfrm>
+        </p:grpSpPr>
+        <p:sp>
+          <p:nvSpPr>
+            <p:cNvPr id="11" name="Rectangle 10">
+              <a:extLst>
+                <a:ext uri="{FF2B5EF4-FFF2-40B4-BE49-F238E27FC236}">
+                  <a16:creationId xmlns:a16="http://schemas.microsoft.com/office/drawing/2014/main" id="{74D4C416-D5F4-4F6F-A6F1-87A21CD4FCAF}"/>
+                </a:ext>
+                <a:ext uri="{C183D7F6-B498-43B3-948B-1728B52AA6E4}">
+                  <adec:decorative xmlns:adec="http://schemas.microsoft.com/office/drawing/2017/decorative" val="1"/>
+                </a:ext>
+              </a:extLst>
+            </p:cNvPr>
+            <p:cNvSpPr/>
+            <p:nvPr>
+              <p:extLst>
+                <p:ext uri="{386F3935-93C4-4BCD-93E2-E3B085C9AB24}">
+                  <p16:designElem xmlns:p16="http://schemas.microsoft.com/office/powerpoint/2015/main" val="1"/>
+                </p:ext>
+              </p:extLst>
+            </p:nvPr>
+          </p:nvSpPr>
+          <p:spPr>
+            <a:xfrm flipH="1" flipV="1">
+              <a:off x="423947" y="2857422"/>
+              <a:ext cx="249383" cy="2087795"/>
+            </a:xfrm>
+            <a:prstGeom prst="rect">
+              <a:avLst/>
+            </a:prstGeom>
+            <a:solidFill>
+              <a:schemeClr val="accent4"/>
+            </a:solidFill>
+            <a:ln>
+              <a:noFill/>
+            </a:ln>
+          </p:spPr>
+          <p:style>
+            <a:lnRef idx="2">
+              <a:schemeClr val="accent1">
+                <a:shade val="50000"/>
+              </a:schemeClr>
+            </a:lnRef>
+            <a:fillRef idx="1">
+              <a:schemeClr val="accent1"/>
+            </a:fillRef>
+            <a:effectRef idx="0">
+              <a:schemeClr val="accent1"/>
+            </a:effectRef>
+            <a:fontRef idx="minor">
+              <a:schemeClr val="lt1"/>
+            </a:fontRef>
+          </p:style>
+          <p:txBody>
+            <a:bodyPr rtlCol="0" anchor="ctr"/>
+            <a:lstStyle/>
+            <a:p>
+              <a:pPr algn="ctr"/>
+              <a:endParaRPr lang="en-US"/>
+            </a:p>
+          </p:txBody>
+        </p:sp>
+        <p:cxnSp>
+          <p:nvCxnSpPr>
+            <p:cNvPr id="12" name="Straight Connector 11">
+              <a:extLst>
+                <a:ext uri="{FF2B5EF4-FFF2-40B4-BE49-F238E27FC236}">
+                  <a16:creationId xmlns:a16="http://schemas.microsoft.com/office/drawing/2014/main" id="{C6AC1C30-21C6-4BF6-93EE-B211D7A85011}"/>
+                </a:ext>
+                <a:ext uri="{C183D7F6-B498-43B3-948B-1728B52AA6E4}">
+                  <adec:decorative xmlns:adec="http://schemas.microsoft.com/office/drawing/2017/decorative" val="1"/>
+                </a:ext>
+              </a:extLst>
+            </p:cNvPr>
+            <p:cNvCxnSpPr>
+              <a:cxnSpLocks/>
+            </p:cNvCxnSpPr>
+            <p:nvPr>
+              <p:extLst>
+                <p:ext uri="{386F3935-93C4-4BCD-93E2-E3B085C9AB24}">
+                  <p16:designElem xmlns:p16="http://schemas.microsoft.com/office/powerpoint/2015/main" val="1"/>
+                </p:ext>
+              </p:extLst>
+            </p:nvPr>
+          </p:nvCxnSpPr>
+          <p:spPr>
+            <a:xfrm flipH="1">
+              <a:off x="209668" y="2857423"/>
+              <a:ext cx="1" cy="2087795"/>
+            </a:xfrm>
+            <a:prstGeom prst="line">
+              <a:avLst/>
+            </a:prstGeom>
+            <a:ln w="177800">
+              <a:solidFill>
+                <a:schemeClr val="accent4"/>
+              </a:solidFill>
+            </a:ln>
+          </p:spPr>
+          <p:style>
+            <a:lnRef idx="1">
+              <a:schemeClr val="accent1"/>
+            </a:lnRef>
+            <a:fillRef idx="0">
+              <a:schemeClr val="accent1"/>
+            </a:fillRef>
+            <a:effectRef idx="0">
+              <a:schemeClr val="accent1"/>
+            </a:effectRef>
+            <a:fontRef idx="minor">
+              <a:schemeClr val="tx1"/>
+            </a:fontRef>
+          </p:style>
+        </p:cxnSp>
+      </p:grpSp>
+      <p:sp>
+        <p:nvSpPr>
+          <p:cNvPr id="14" name="Rectangle 13">
+            <a:extLst>
+              <a:ext uri="{FF2B5EF4-FFF2-40B4-BE49-F238E27FC236}">
+                <a16:creationId xmlns:a16="http://schemas.microsoft.com/office/drawing/2014/main" id="{81E140AE-0ABF-47C8-BF32-7D2F0CF2BA44}"/>
+              </a:ext>
+              <a:ext uri="{C183D7F6-B498-43B3-948B-1728B52AA6E4}">
+                <adec:decorative xmlns:adec="http://schemas.microsoft.com/office/drawing/2017/decorative" val="1"/>
+              </a:ext>
+            </a:extLst>
+          </p:cNvPr>
+          <p:cNvSpPr>
+            <a:spLocks noGrp="1" noRot="1" noChangeAspect="1" noMove="1" noResize="1" noEditPoints="1" noAdjustHandles="1" noChangeArrowheads="1" noChangeShapeType="1" noTextEdit="1"/>
+          </p:cNvSpPr>
+          <p:nvPr>
+            <p:extLst>
+              <p:ext uri="{386F3935-93C4-4BCD-93E2-E3B085C9AB24}">
+                <p16:designElem xmlns:p16="http://schemas.microsoft.com/office/powerpoint/2015/main" val="1"/>
+              </p:ext>
+            </p:extLst>
+          </p:nvPr>
+        </p:nvSpPr>
+        <p:spPr>
+          <a:xfrm flipH="1">
+            <a:off x="10697670" y="0"/>
+            <a:ext cx="1494330" cy="6858000"/>
+          </a:xfrm>
+          <a:prstGeom prst="rect">
+            <a:avLst/>
+          </a:prstGeom>
+          <a:solidFill>
+            <a:schemeClr val="accent4"/>
+          </a:solidFill>
+          <a:ln>
+            <a:noFill/>
+          </a:ln>
+        </p:spPr>
+        <p:style>
+          <a:lnRef idx="2">
+            <a:schemeClr val="accent1">
+              <a:shade val="50000"/>
+            </a:schemeClr>
+          </a:lnRef>
+          <a:fillRef idx="1">
+            <a:schemeClr val="accent1"/>
+          </a:fillRef>
+          <a:effectRef idx="0">
+            <a:schemeClr val="accent1"/>
+          </a:effectRef>
+          <a:fontRef idx="minor">
+            <a:schemeClr val="lt1"/>
+          </a:fontRef>
+        </p:style>
+        <p:txBody>
+          <a:bodyPr rtlCol="0" anchor="ctr"/>
+          <a:lstStyle/>
+          <a:p>
+            <a:pPr algn="ctr"/>
+            <a:endParaRPr lang="en-US"/>
+          </a:p>
+        </p:txBody>
+      </p:sp>
+      <p:sp>
+        <p:nvSpPr>
+          <p:cNvPr id="16" name="Rectangle 15">
+            <a:extLst>
+              <a:ext uri="{FF2B5EF4-FFF2-40B4-BE49-F238E27FC236}">
+                <a16:creationId xmlns:a16="http://schemas.microsoft.com/office/drawing/2014/main" id="{CBC4F608-B4B8-48C3-9572-C0F061B1CD99}"/>
+              </a:ext>
+              <a:ext uri="{C183D7F6-B498-43B3-948B-1728B52AA6E4}">
+                <adec:decorative xmlns:adec="http://schemas.microsoft.com/office/drawing/2017/decorative" val="1"/>
+              </a:ext>
+            </a:extLst>
+          </p:cNvPr>
+          <p:cNvSpPr>
+            <a:spLocks noGrp="1" noRot="1" noChangeAspect="1" noMove="1" noResize="1" noEditPoints="1" noAdjustHandles="1" noChangeArrowheads="1" noChangeShapeType="1" noTextEdit="1"/>
+          </p:cNvSpPr>
+          <p:nvPr>
+            <p:extLst>
+              <p:ext uri="{386F3935-93C4-4BCD-93E2-E3B085C9AB24}">
+                <p16:designElem xmlns:p16="http://schemas.microsoft.com/office/powerpoint/2015/main" val="1"/>
+              </p:ext>
+            </p:extLst>
+          </p:nvPr>
+        </p:nvSpPr>
+        <p:spPr>
+          <a:xfrm>
+            <a:off x="579528" y="631767"/>
+            <a:ext cx="11111729" cy="5752404"/>
+          </a:xfrm>
+          <a:prstGeom prst="rect">
+            <a:avLst/>
+          </a:prstGeom>
+          <a:solidFill>
+            <a:schemeClr val="bg1"/>
+          </a:solidFill>
+          <a:ln>
+            <a:noFill/>
+          </a:ln>
+          <a:effectLst>
+            <a:outerShdw blurRad="139700" dist="127000" dir="5400000" algn="t" rotWithShape="0">
+              <a:prstClr val="black">
+                <a:alpha val="15000"/>
+              </a:prstClr>
+            </a:outerShdw>
+          </a:effectLst>
+        </p:spPr>
+        <p:style>
+          <a:lnRef idx="2">
+            <a:schemeClr val="accent1">
+              <a:shade val="50000"/>
+            </a:schemeClr>
+          </a:lnRef>
+          <a:fillRef idx="1">
+            <a:schemeClr val="accent1"/>
+          </a:fillRef>
+          <a:effectRef idx="0">
+            <a:schemeClr val="accent1"/>
+          </a:effectRef>
+          <a:fontRef idx="minor">
+            <a:schemeClr val="lt1"/>
+          </a:fontRef>
+        </p:style>
+        <p:txBody>
+          <a:bodyPr rtlCol="0" anchor="ctr"/>
+          <a:lstStyle/>
+          <a:p>
+            <a:pPr algn="ctr"/>
+            <a:endParaRPr lang="en-US"/>
+          </a:p>
+        </p:txBody>
+      </p:sp>
+      <p:sp>
+        <p:nvSpPr>
+          <p:cNvPr id="2" name="標題 1">
+            <a:extLst>
+              <a:ext uri="{FF2B5EF4-FFF2-40B4-BE49-F238E27FC236}">
+                <a16:creationId xmlns:a16="http://schemas.microsoft.com/office/drawing/2014/main" id="{E67A9B9C-0E13-2912-FE56-0698E122B7D9}"/>
+              </a:ext>
+            </a:extLst>
+          </p:cNvPr>
+          <p:cNvSpPr>
+            <a:spLocks noGrp="1"/>
+          </p:cNvSpPr>
+          <p:nvPr>
+            <p:ph type="title"/>
+          </p:nvPr>
+        </p:nvSpPr>
+        <p:spPr>
+          <a:xfrm>
+            <a:off x="1153618" y="1239927"/>
+            <a:ext cx="4008586" cy="4680583"/>
+          </a:xfrm>
+        </p:spPr>
+        <p:txBody>
+          <a:bodyPr anchor="ctr">
+            <a:normAutofit/>
+          </a:bodyPr>
+          <a:lstStyle/>
+          <a:p>
+            <a:r>
+              <a:rPr lang="zh-TW" altLang="en-US" sz="5200" b="1" dirty="0">
+                <a:latin typeface="微軟正黑體" panose="020B0604030504040204" pitchFamily="34" charset="-120"/>
+                <a:ea typeface="微軟正黑體" panose="020B0604030504040204" pitchFamily="34" charset="-120"/>
+              </a:rPr>
+              <a:t>產品概述</a:t>
+            </a:r>
+          </a:p>
+        </p:txBody>
+      </p:sp>
+      <p:sp>
+        <p:nvSpPr>
+          <p:cNvPr id="3" name="內容版面配置區 2">
+            <a:extLst>
+              <a:ext uri="{FF2B5EF4-FFF2-40B4-BE49-F238E27FC236}">
+                <a16:creationId xmlns:a16="http://schemas.microsoft.com/office/drawing/2014/main" id="{115867E0-5F26-C3F4-42A9-F9EFA5F1E4E5}"/>
+              </a:ext>
+            </a:extLst>
+          </p:cNvPr>
+          <p:cNvSpPr>
+            <a:spLocks noGrp="1"/>
+          </p:cNvSpPr>
+          <p:nvPr>
+            <p:ph idx="1"/>
+          </p:nvPr>
+        </p:nvSpPr>
+        <p:spPr>
+          <a:xfrm>
+            <a:off x="6291923" y="1239927"/>
+            <a:ext cx="4971824" cy="4680583"/>
+          </a:xfrm>
+        </p:spPr>
+        <p:txBody>
+          <a:bodyPr anchor="ctr">
+            <a:normAutofit/>
+          </a:bodyPr>
+          <a:lstStyle/>
+          <a:p>
+            <a:r>
+              <a:rPr lang="zh-TW" altLang="en-US" sz="2000" dirty="0">
+                <a:latin typeface="微軟正黑體" panose="020B0604030504040204" pitchFamily="34" charset="-120"/>
+                <a:ea typeface="微軟正黑體" panose="020B0604030504040204" pitchFamily="34" charset="-120"/>
+              </a:rPr>
+              <a:t>物理資聊</a:t>
+            </a:r>
+            <a:r>
+              <a:rPr lang="en-US" altLang="zh-TW" sz="2000" dirty="0">
+                <a:latin typeface="微軟正黑體" panose="020B0604030504040204" pitchFamily="34" charset="-120"/>
+                <a:ea typeface="微軟正黑體" panose="020B0604030504040204" pitchFamily="34" charset="-120"/>
+              </a:rPr>
+              <a:t>:</a:t>
+            </a:r>
+          </a:p>
+          <a:p>
+            <a:pPr lvl="1"/>
+            <a:endParaRPr lang="en-US" altLang="zh-TW" sz="2000" dirty="0">
+              <a:latin typeface="微軟正黑體" panose="020B0604030504040204" pitchFamily="34" charset="-120"/>
+              <a:ea typeface="微軟正黑體" panose="020B0604030504040204" pitchFamily="34" charset="-120"/>
+            </a:endParaRPr>
+          </a:p>
+          <a:p>
+            <a:pPr lvl="1"/>
+            <a:r>
+              <a:rPr lang="zh-TW" altLang="en-US" sz="2000" dirty="0">
+                <a:latin typeface="微軟正黑體" panose="020B0604030504040204" pitchFamily="34" charset="-120"/>
+                <a:ea typeface="微軟正黑體" panose="020B0604030504040204" pitchFamily="34" charset="-120"/>
+              </a:rPr>
+              <a:t>關節檢測</a:t>
+            </a:r>
+            <a:endParaRPr lang="en-US" altLang="zh-TW" sz="2000" dirty="0">
+              <a:latin typeface="微軟正黑體" panose="020B0604030504040204" pitchFamily="34" charset="-120"/>
+              <a:ea typeface="微軟正黑體" panose="020B0604030504040204" pitchFamily="34" charset="-120"/>
+            </a:endParaRPr>
+          </a:p>
+          <a:p>
+            <a:pPr lvl="1"/>
+            <a:endParaRPr lang="en-US" altLang="zh-TW" sz="2000" dirty="0">
+              <a:latin typeface="微軟正黑體" panose="020B0604030504040204" pitchFamily="34" charset="-120"/>
+              <a:ea typeface="微軟正黑體" panose="020B0604030504040204" pitchFamily="34" charset="-120"/>
+            </a:endParaRPr>
+          </a:p>
+          <a:p>
+            <a:pPr lvl="1"/>
+            <a:r>
+              <a:rPr lang="zh-TW" altLang="en-US" sz="2000" dirty="0">
+                <a:latin typeface="微軟正黑體" panose="020B0604030504040204" pitchFamily="34" charset="-120"/>
+                <a:ea typeface="微軟正黑體" panose="020B0604030504040204" pitchFamily="34" charset="-120"/>
+              </a:rPr>
+              <a:t>聊天諮詢</a:t>
+            </a:r>
+            <a:endParaRPr lang="en-US" altLang="zh-TW" sz="2000" dirty="0">
+              <a:latin typeface="微軟正黑體" panose="020B0604030504040204" pitchFamily="34" charset="-120"/>
+              <a:ea typeface="微軟正黑體" panose="020B0604030504040204" pitchFamily="34" charset="-120"/>
+            </a:endParaRPr>
+          </a:p>
+          <a:p>
+            <a:pPr lvl="1"/>
+            <a:endParaRPr lang="en-US" altLang="zh-TW" sz="2000" dirty="0">
+              <a:latin typeface="微軟正黑體" panose="020B0604030504040204" pitchFamily="34" charset="-120"/>
+              <a:ea typeface="微軟正黑體" panose="020B0604030504040204" pitchFamily="34" charset="-120"/>
+            </a:endParaRPr>
+          </a:p>
+          <a:p>
+            <a:pPr lvl="1"/>
+            <a:r>
+              <a:rPr lang="zh-TW" altLang="en-US" sz="2000" dirty="0">
+                <a:latin typeface="微軟正黑體" panose="020B0604030504040204" pitchFamily="34" charset="-120"/>
+                <a:ea typeface="微軟正黑體" panose="020B0604030504040204" pitchFamily="34" charset="-120"/>
+              </a:rPr>
+              <a:t>居家運動</a:t>
+            </a:r>
+            <a:endParaRPr lang="en-US" altLang="zh-TW" sz="2000" dirty="0">
+              <a:latin typeface="微軟正黑體" panose="020B0604030504040204" pitchFamily="34" charset="-120"/>
+              <a:ea typeface="微軟正黑體" panose="020B0604030504040204" pitchFamily="34" charset="-120"/>
+            </a:endParaRPr>
+          </a:p>
+          <a:p>
+            <a:pPr lvl="1"/>
+            <a:endParaRPr lang="en-US" altLang="zh-TW" sz="2000" dirty="0"/>
+          </a:p>
+          <a:p>
+            <a:pPr marL="457200" lvl="1" indent="0">
+              <a:buNone/>
+            </a:pPr>
+            <a:endParaRPr lang="en-US" altLang="zh-TW" sz="2000" dirty="0"/>
+          </a:p>
+        </p:txBody>
+      </p:sp>
+    </p:spTree>
+    <p:extLst>
+      <p:ext uri="{BB962C8B-B14F-4D97-AF65-F5344CB8AC3E}">
+        <p14:creationId xmlns:p14="http://schemas.microsoft.com/office/powerpoint/2010/main" val="555405392"/>
+      </p:ext>
+    </p:extLst>
+  </p:cSld>
+  <p:clrMapOvr>
+    <a:masterClrMapping/>
+  </p:clrMapOvr>
+</p:sld>
+</file>
+
+<file path=ppt/slides/slide9.xml><?xml version="1.0" encoding="utf-8"?>
 <p:sld xmlns:a="http://schemas.openxmlformats.org/drawingml/2006/main" xmlns:r="http://schemas.openxmlformats.org/officeDocument/2006/relationships" xmlns:p="http://schemas.openxmlformats.org/presentationml/2006/main">
   <p:cSld>
     <p:bg>
@@ -8967,7 +10469,7 @@
           <p:cNvPr id="2" name="標題 1">
             <a:extLst>
               <a:ext uri="{FF2B5EF4-FFF2-40B4-BE49-F238E27FC236}">
-                <a16:creationId xmlns:a16="http://schemas.microsoft.com/office/drawing/2014/main" id="{35460F7D-AD3D-3512-55A7-B6967514EF6E}"/>
+                <a16:creationId xmlns:a16="http://schemas.microsoft.com/office/drawing/2014/main" id="{B8556DE2-3607-DB1D-AA4D-CFE6043EA7A1}"/>
               </a:ext>
             </a:extLst>
           </p:cNvPr>
@@ -8995,7 +10497,7 @@
                 <a:latin typeface="微軟正黑體" panose="020B0604030504040204" pitchFamily="34" charset="-120"/>
                 <a:ea typeface="微軟正黑體" panose="020B0604030504040204" pitchFamily="34" charset="-120"/>
               </a:rPr>
-              <a:t>市場調查</a:t>
+              <a:t>商業模式</a:t>
             </a:r>
           </a:p>
         </p:txBody>
@@ -9005,7 +10507,7 @@
           <p:cNvPr id="3" name="內容版面配置區 2">
             <a:extLst>
               <a:ext uri="{FF2B5EF4-FFF2-40B4-BE49-F238E27FC236}">
-                <a16:creationId xmlns:a16="http://schemas.microsoft.com/office/drawing/2014/main" id="{24B125E8-51B8-6D27-5109-6CAB5C9EC41E}"/>
+                <a16:creationId xmlns:a16="http://schemas.microsoft.com/office/drawing/2014/main" id="{615396B1-66A7-CC8B-C114-FEA16B766BEF}"/>
               </a:ext>
             </a:extLst>
           </p:cNvPr>
@@ -9030,13 +10532,32 @@
           <a:p>
             <a:r>
               <a:rPr lang="zh-TW" altLang="en-US" sz="2400" dirty="0">
-                <a:latin typeface="微軟正黑體" panose="020B0604030504040204" pitchFamily="34" charset="-120"/>
                 <a:ea typeface="微軟正黑體" panose="020B0604030504040204" pitchFamily="34" charset="-120"/>
               </a:rPr>
-              <a:t>市面針對身關節、體態情況的產品相當稀少</a:t>
-            </a:r>
-            <a:endParaRPr lang="en-US" altLang="zh-TW" sz="2400" dirty="0">
-              <a:latin typeface="微軟正黑體" panose="020B0604030504040204" pitchFamily="34" charset="-120"/>
+              <a:t>目標客群</a:t>
+            </a:r>
+            <a:r>
+              <a:rPr lang="en-US" altLang="zh-TW" sz="2400" dirty="0">
+                <a:ea typeface="微軟正黑體" panose="020B0604030504040204" pitchFamily="34" charset="-120"/>
+              </a:rPr>
+              <a:t>:</a:t>
+            </a:r>
+          </a:p>
+          <a:p>
+            <a:pPr lvl="1"/>
+            <a:endParaRPr lang="en-US" altLang="zh-TW" dirty="0">
+              <a:ea typeface="微軟正黑體" panose="020B0604030504040204" pitchFamily="34" charset="-120"/>
+            </a:endParaRPr>
+          </a:p>
+          <a:p>
+            <a:pPr lvl="1"/>
+            <a:r>
+              <a:rPr lang="zh-TW" altLang="en-US" dirty="0">
+                <a:ea typeface="微軟正黑體" panose="020B0604030504040204" pitchFamily="34" charset="-120"/>
+              </a:rPr>
+              <a:t>成年與老年</a:t>
+            </a:r>
+            <a:endParaRPr lang="en-US" altLang="zh-TW" dirty="0">
               <a:ea typeface="微軟正黑體" panose="020B0604030504040204" pitchFamily="34" charset="-120"/>
             </a:endParaRPr>
           </a:p>
@@ -9045,7 +10566,6 @@
               <a:buNone/>
             </a:pPr>
             <a:endParaRPr lang="en-US" altLang="zh-TW" dirty="0">
-              <a:latin typeface="微軟正黑體" panose="020B0604030504040204" pitchFamily="34" charset="-120"/>
               <a:ea typeface="微軟正黑體" panose="020B0604030504040204" pitchFamily="34" charset="-120"/>
             </a:endParaRPr>
           </a:p>
@@ -9053,71 +10573,43 @@
             <a:pPr lvl="1"/>
             <a:r>
               <a:rPr lang="zh-TW" altLang="en-US" dirty="0">
-                <a:latin typeface="微軟正黑體" panose="020B0604030504040204" pitchFamily="34" charset="-120"/>
                 <a:ea typeface="微軟正黑體" panose="020B0604030504040204" pitchFamily="34" charset="-120"/>
               </a:rPr>
-              <a:t>需特定醫院、診所授權才能使用</a:t>
+              <a:t>受關節、體態問題困擾的族群</a:t>
             </a:r>
             <a:endParaRPr lang="en-US" altLang="zh-TW" dirty="0">
-              <a:latin typeface="微軟正黑體" panose="020B0604030504040204" pitchFamily="34" charset="-120"/>
               <a:ea typeface="微軟正黑體" panose="020B0604030504040204" pitchFamily="34" charset="-120"/>
             </a:endParaRPr>
           </a:p>
           <a:p>
             <a:pPr lvl="1"/>
+            <a:endParaRPr lang="en-US" altLang="zh-TW" dirty="0">
+              <a:ea typeface="微軟正黑體" panose="020B0604030504040204" pitchFamily="34" charset="-120"/>
+            </a:endParaRPr>
+          </a:p>
+          <a:p>
+            <a:pPr lvl="1"/>
             <a:r>
               <a:rPr lang="zh-TW" altLang="en-US" dirty="0">
-                <a:latin typeface="微軟正黑體" panose="020B0604030504040204" pitchFamily="34" charset="-120"/>
                 <a:ea typeface="微軟正黑體" panose="020B0604030504040204" pitchFamily="34" charset="-120"/>
               </a:rPr>
-              <a:t>僅提供伸展運動</a:t>
+              <a:t>關注體態健康的族群</a:t>
             </a:r>
             <a:endParaRPr lang="en-US" altLang="zh-TW" dirty="0">
-              <a:latin typeface="微軟正黑體" panose="020B0604030504040204" pitchFamily="34" charset="-120"/>
               <a:ea typeface="微軟正黑體" panose="020B0604030504040204" pitchFamily="34" charset="-120"/>
             </a:endParaRPr>
           </a:p>
           <a:p>
             <a:pPr lvl="1"/>
-            <a:r>
-              <a:rPr lang="zh-TW" altLang="en-US" dirty="0">
-                <a:latin typeface="微軟正黑體" panose="020B0604030504040204" pitchFamily="34" charset="-120"/>
-                <a:ea typeface="微軟正黑體" panose="020B0604030504040204" pitchFamily="34" charset="-120"/>
-              </a:rPr>
-              <a:t>功能過於簡陋</a:t>
-            </a:r>
-          </a:p>
-          <a:p>
-            <a:endParaRPr lang="zh-TW" altLang="en-US" sz="2400" dirty="0">
-              <a:latin typeface="微軟正黑體" panose="020B0604030504040204" pitchFamily="34" charset="-120"/>
+            <a:endParaRPr lang="en-US" altLang="zh-TW" dirty="0">
               <a:ea typeface="微軟正黑體" panose="020B0604030504040204" pitchFamily="34" charset="-120"/>
             </a:endParaRPr>
           </a:p>
           <a:p>
-            <a:r>
-              <a:rPr lang="zh-TW" altLang="en-US" sz="2400" dirty="0">
-                <a:latin typeface="微軟正黑體" panose="020B0604030504040204" pitchFamily="34" charset="-120"/>
-                <a:ea typeface="微軟正黑體" panose="020B0604030504040204" pitchFamily="34" charset="-120"/>
-              </a:rPr>
-              <a:t>團隊想法</a:t>
-            </a:r>
-            <a:r>
-              <a:rPr lang="en-US" altLang="zh-TW" sz="2400" dirty="0">
-                <a:latin typeface="微軟正黑體" panose="020B0604030504040204" pitchFamily="34" charset="-120"/>
-                <a:ea typeface="微軟正黑體" panose="020B0604030504040204" pitchFamily="34" charset="-120"/>
-              </a:rPr>
-              <a:t>: </a:t>
-            </a:r>
-            <a:r>
-              <a:rPr lang="zh-TW" altLang="en-US" sz="2400" dirty="0">
-                <a:latin typeface="微軟正黑體" panose="020B0604030504040204" pitchFamily="34" charset="-120"/>
-                <a:ea typeface="微軟正黑體" panose="020B0604030504040204" pitchFamily="34" charset="-120"/>
-              </a:rPr>
-              <a:t>設計一款手機應用程式，協助大眾面對關節、體態問題</a:t>
-            </a:r>
-          </a:p>
-          <a:p>
-            <a:endParaRPr lang="zh-TW" altLang="en-US" sz="2400" dirty="0"/>
+            <a:pPr lvl="1"/>
+            <a:endParaRPr lang="zh-TW" altLang="en-US" dirty="0">
+              <a:ea typeface="微軟正黑體" panose="020B0604030504040204" pitchFamily="34" charset="-120"/>
+            </a:endParaRPr>
           </a:p>
         </p:txBody>
       </p:sp>
@@ -9176,1960 +10668,7 @@
     </p:spTree>
     <p:extLst>
       <p:ext uri="{BB962C8B-B14F-4D97-AF65-F5344CB8AC3E}">
-        <p14:creationId xmlns:p14="http://schemas.microsoft.com/office/powerpoint/2010/main" val="2807620293"/>
-      </p:ext>
-    </p:extLst>
-  </p:cSld>
-  <p:clrMapOvr>
-    <a:masterClrMapping/>
-  </p:clrMapOvr>
-</p:sld>
-</file>
-
-<file path=ppt/slides/slide6.xml><?xml version="1.0" encoding="utf-8"?>
-<p:sld xmlns:a="http://schemas.openxmlformats.org/drawingml/2006/main" xmlns:r="http://schemas.openxmlformats.org/officeDocument/2006/relationships" xmlns:p="http://schemas.openxmlformats.org/presentationml/2006/main">
-  <p:cSld>
-    <p:bg>
-      <p:bgPr>
-        <a:solidFill>
-          <a:schemeClr val="bg1"/>
-        </a:solidFill>
-        <a:effectLst/>
-      </p:bgPr>
-    </p:bg>
-    <p:spTree>
-      <p:nvGrpSpPr>
-        <p:cNvPr id="1" name=""/>
-        <p:cNvGrpSpPr/>
-        <p:nvPr/>
-      </p:nvGrpSpPr>
-      <p:grpSpPr>
-        <a:xfrm>
-          <a:off x="0" y="0"/>
-          <a:ext cx="0" cy="0"/>
-          <a:chOff x="0" y="0"/>
-          <a:chExt cx="0" cy="0"/>
-        </a:xfrm>
-      </p:grpSpPr>
-      <p:sp useBgFill="1">
-        <p:nvSpPr>
-          <p:cNvPr id="19" name="Rectangle 7">
-            <a:extLst>
-              <a:ext uri="{FF2B5EF4-FFF2-40B4-BE49-F238E27FC236}">
-                <a16:creationId xmlns:a16="http://schemas.microsoft.com/office/drawing/2014/main" id="{DBF61EA3-B236-439E-9C0B-340980D56BEE}"/>
-              </a:ext>
-              <a:ext uri="{C183D7F6-B498-43B3-948B-1728B52AA6E4}">
-                <adec:decorative xmlns:adec="http://schemas.microsoft.com/office/drawing/2017/decorative" val="1"/>
-              </a:ext>
-            </a:extLst>
-          </p:cNvPr>
-          <p:cNvSpPr>
-            <a:spLocks noGrp="1" noRot="1" noChangeAspect="1" noMove="1" noResize="1" noEditPoints="1" noAdjustHandles="1" noChangeArrowheads="1" noChangeShapeType="1" noTextEdit="1"/>
-          </p:cNvSpPr>
-          <p:nvPr>
-            <p:extLst>
-              <p:ext uri="{386F3935-93C4-4BCD-93E2-E3B085C9AB24}">
-                <p16:designElem xmlns:p16="http://schemas.microsoft.com/office/powerpoint/2015/main" val="1"/>
-              </p:ext>
-            </p:extLst>
-          </p:nvPr>
-        </p:nvSpPr>
-        <p:spPr>
-          <a:xfrm>
-            <a:off x="0" y="0"/>
-            <a:ext cx="12191999" cy="6857365"/>
-          </a:xfrm>
-          <a:prstGeom prst="rect">
-            <a:avLst/>
-          </a:prstGeom>
-          <a:ln>
-            <a:noFill/>
-          </a:ln>
-        </p:spPr>
-        <p:style>
-          <a:lnRef idx="2">
-            <a:schemeClr val="accent1">
-              <a:shade val="50000"/>
-            </a:schemeClr>
-          </a:lnRef>
-          <a:fillRef idx="1">
-            <a:schemeClr val="accent1"/>
-          </a:fillRef>
-          <a:effectRef idx="0">
-            <a:schemeClr val="accent1"/>
-          </a:effectRef>
-          <a:fontRef idx="minor">
-            <a:schemeClr val="lt1"/>
-          </a:fontRef>
-        </p:style>
-        <p:txBody>
-          <a:bodyPr rtlCol="0" anchor="ctr"/>
-          <a:lstStyle/>
-          <a:p>
-            <a:pPr algn="ctr"/>
-            <a:endParaRPr lang="en-US"/>
-          </a:p>
-        </p:txBody>
-      </p:sp>
-      <p:sp>
-        <p:nvSpPr>
-          <p:cNvPr id="2" name="標題 1">
-            <a:extLst>
-              <a:ext uri="{FF2B5EF4-FFF2-40B4-BE49-F238E27FC236}">
-                <a16:creationId xmlns:a16="http://schemas.microsoft.com/office/drawing/2014/main" id="{A5370F9C-8FDD-CF13-C475-6079688F2BD7}"/>
-              </a:ext>
-            </a:extLst>
-          </p:cNvPr>
-          <p:cNvSpPr>
-            <a:spLocks noGrp="1"/>
-          </p:cNvSpPr>
-          <p:nvPr>
-            <p:ph type="title"/>
-          </p:nvPr>
-        </p:nvSpPr>
-        <p:spPr>
-          <a:xfrm>
-            <a:off x="808638" y="386930"/>
-            <a:ext cx="9236700" cy="1188950"/>
-          </a:xfrm>
-        </p:spPr>
-        <p:txBody>
-          <a:bodyPr anchor="b">
-            <a:normAutofit/>
-          </a:bodyPr>
-          <a:lstStyle/>
-          <a:p>
-            <a:r>
-              <a:rPr lang="zh-TW" altLang="en-US" sz="5400" b="1">
-                <a:latin typeface="微軟正黑體" panose="020B0604030504040204" pitchFamily="34" charset="-120"/>
-                <a:ea typeface="微軟正黑體" panose="020B0604030504040204" pitchFamily="34" charset="-120"/>
-              </a:rPr>
-              <a:t>市場調查</a:t>
-            </a:r>
-          </a:p>
-        </p:txBody>
-      </p:sp>
-      <p:grpSp>
-        <p:nvGrpSpPr>
-          <p:cNvPr id="20" name="Group 9">
-            <a:extLst>
-              <a:ext uri="{FF2B5EF4-FFF2-40B4-BE49-F238E27FC236}">
-                <a16:creationId xmlns:a16="http://schemas.microsoft.com/office/drawing/2014/main" id="{28FAF094-D087-493F-8DF9-A486C2D6BBAA}"/>
-              </a:ext>
-              <a:ext uri="{C183D7F6-B498-43B3-948B-1728B52AA6E4}">
-                <adec:decorative xmlns:adec="http://schemas.microsoft.com/office/drawing/2017/decorative" val="1"/>
-              </a:ext>
-            </a:extLst>
-          </p:cNvPr>
-          <p:cNvGrpSpPr>
-            <a:grpSpLocks noGrp="1" noUngrp="1" noRot="1" noChangeAspect="1" noMove="1" noResize="1"/>
-          </p:cNvGrpSpPr>
-          <p:nvPr>
-            <p:extLst>
-              <p:ext uri="{386F3935-93C4-4BCD-93E2-E3B085C9AB24}">
-                <p16:designElem xmlns:p16="http://schemas.microsoft.com/office/powerpoint/2015/main" val="1"/>
-              </p:ext>
-            </p:extLst>
-          </p:nvPr>
-        </p:nvGrpSpPr>
-        <p:grpSpPr>
-          <a:xfrm>
-            <a:off x="-2" y="1998368"/>
-            <a:ext cx="11695083" cy="782176"/>
-            <a:chOff x="-2" y="1998368"/>
-            <a:chExt cx="11695083" cy="782176"/>
-          </a:xfrm>
-        </p:grpSpPr>
-        <p:sp>
-          <p:nvSpPr>
-            <p:cNvPr id="21" name="Rectangle 10">
-              <a:extLst>
-                <a:ext uri="{FF2B5EF4-FFF2-40B4-BE49-F238E27FC236}">
-                  <a16:creationId xmlns:a16="http://schemas.microsoft.com/office/drawing/2014/main" id="{8D7C88D8-5509-4514-925A-9CE148E5CBD6}"/>
-                </a:ext>
-                <a:ext uri="{C183D7F6-B498-43B3-948B-1728B52AA6E4}">
-                  <adec:decorative xmlns:adec="http://schemas.microsoft.com/office/drawing/2017/decorative" val="1"/>
-                </a:ext>
-              </a:extLst>
-            </p:cNvPr>
-            <p:cNvSpPr/>
-            <p:nvPr>
-              <p:extLst>
-                <p:ext uri="{386F3935-93C4-4BCD-93E2-E3B085C9AB24}">
-                  <p16:designElem xmlns:p16="http://schemas.microsoft.com/office/powerpoint/2015/main" val="1"/>
-                </p:ext>
-              </p:extLst>
-            </p:nvPr>
-          </p:nvSpPr>
-          <p:spPr>
-            <a:xfrm rot="5400000">
-              <a:off x="11228040" y="2313027"/>
-              <a:ext cx="781700" cy="152382"/>
-            </a:xfrm>
-            <a:prstGeom prst="rect">
-              <a:avLst/>
-            </a:prstGeom>
-            <a:solidFill>
-              <a:schemeClr val="accent4"/>
-            </a:solidFill>
-            <a:ln>
-              <a:noFill/>
-            </a:ln>
-          </p:spPr>
-          <p:style>
-            <a:lnRef idx="2">
-              <a:schemeClr val="accent1">
-                <a:shade val="50000"/>
-              </a:schemeClr>
-            </a:lnRef>
-            <a:fillRef idx="1">
-              <a:schemeClr val="accent1"/>
-            </a:fillRef>
-            <a:effectRef idx="0">
-              <a:schemeClr val="accent1"/>
-            </a:effectRef>
-            <a:fontRef idx="minor">
-              <a:schemeClr val="lt1"/>
-            </a:fontRef>
-          </p:style>
-          <p:txBody>
-            <a:bodyPr rtlCol="0" anchor="ctr"/>
-            <a:lstStyle/>
-            <a:p>
-              <a:pPr algn="ctr"/>
-              <a:endParaRPr lang="en-US"/>
-            </a:p>
-          </p:txBody>
-        </p:sp>
-        <p:sp>
-          <p:nvSpPr>
-            <p:cNvPr id="22" name="Rectangle 11">
-              <a:extLst>
-                <a:ext uri="{FF2B5EF4-FFF2-40B4-BE49-F238E27FC236}">
-                  <a16:creationId xmlns:a16="http://schemas.microsoft.com/office/drawing/2014/main" id="{7275593D-F75E-4426-AE3E-2CDEFD228D25}"/>
-                </a:ext>
-                <a:ext uri="{C183D7F6-B498-43B3-948B-1728B52AA6E4}">
-                  <adec:decorative xmlns:adec="http://schemas.microsoft.com/office/drawing/2017/decorative" val="1"/>
-                </a:ext>
-              </a:extLst>
-            </p:cNvPr>
-            <p:cNvSpPr/>
-            <p:nvPr>
-              <p:extLst>
-                <p:ext uri="{386F3935-93C4-4BCD-93E2-E3B085C9AB24}">
-                  <p16:designElem xmlns:p16="http://schemas.microsoft.com/office/powerpoint/2015/main" val="1"/>
-                </p:ext>
-              </p:extLst>
-            </p:nvPr>
-          </p:nvSpPr>
-          <p:spPr>
-            <a:xfrm flipH="1" flipV="1">
-              <a:off x="-2" y="1998845"/>
-              <a:ext cx="11454595" cy="781699"/>
-            </a:xfrm>
-            <a:prstGeom prst="rect">
-              <a:avLst/>
-            </a:prstGeom>
-            <a:solidFill>
-              <a:schemeClr val="accent4"/>
-            </a:solidFill>
-            <a:ln>
-              <a:noFill/>
-            </a:ln>
-          </p:spPr>
-          <p:style>
-            <a:lnRef idx="2">
-              <a:schemeClr val="accent1">
-                <a:shade val="50000"/>
-              </a:schemeClr>
-            </a:lnRef>
-            <a:fillRef idx="1">
-              <a:schemeClr val="accent1"/>
-            </a:fillRef>
-            <a:effectRef idx="0">
-              <a:schemeClr val="accent1"/>
-            </a:effectRef>
-            <a:fontRef idx="minor">
-              <a:schemeClr val="lt1"/>
-            </a:fontRef>
-          </p:style>
-          <p:txBody>
-            <a:bodyPr rtlCol="0" anchor="ctr"/>
-            <a:lstStyle/>
-            <a:p>
-              <a:pPr algn="ctr"/>
-              <a:endParaRPr lang="en-US"/>
-            </a:p>
-          </p:txBody>
-        </p:sp>
-      </p:grpSp>
-      <p:sp>
-        <p:nvSpPr>
-          <p:cNvPr id="14" name="Rectangle 13">
-            <a:extLst>
-              <a:ext uri="{FF2B5EF4-FFF2-40B4-BE49-F238E27FC236}">
-                <a16:creationId xmlns:a16="http://schemas.microsoft.com/office/drawing/2014/main" id="{E659831F-0D9A-4C63-9EBB-8435B85A440F}"/>
-              </a:ext>
-              <a:ext uri="{C183D7F6-B498-43B3-948B-1728B52AA6E4}">
-                <adec:decorative xmlns:adec="http://schemas.microsoft.com/office/drawing/2017/decorative" val="1"/>
-              </a:ext>
-            </a:extLst>
-          </p:cNvPr>
-          <p:cNvSpPr>
-            <a:spLocks noGrp="1" noRot="1" noChangeAspect="1" noMove="1" noResize="1" noEditPoints="1" noAdjustHandles="1" noChangeArrowheads="1" noChangeShapeType="1" noTextEdit="1"/>
-          </p:cNvSpPr>
-          <p:nvPr>
-            <p:extLst>
-              <p:ext uri="{386F3935-93C4-4BCD-93E2-E3B085C9AB24}">
-                <p16:designElem xmlns:p16="http://schemas.microsoft.com/office/powerpoint/2015/main" val="1"/>
-              </p:ext>
-            </p:extLst>
-          </p:nvPr>
-        </p:nvSpPr>
-        <p:spPr>
-          <a:xfrm>
-            <a:off x="0" y="2203079"/>
-            <a:ext cx="11383362" cy="4147845"/>
-          </a:xfrm>
-          <a:prstGeom prst="rect">
-            <a:avLst/>
-          </a:prstGeom>
-          <a:solidFill>
-            <a:schemeClr val="bg1"/>
-          </a:solidFill>
-          <a:ln>
-            <a:noFill/>
-          </a:ln>
-          <a:effectLst>
-            <a:outerShdw blurRad="139700" dist="127000" dir="5400000" algn="t" rotWithShape="0">
-              <a:prstClr val="black">
-                <a:alpha val="15000"/>
-              </a:prstClr>
-            </a:outerShdw>
-          </a:effectLst>
-        </p:spPr>
-        <p:style>
-          <a:lnRef idx="2">
-            <a:schemeClr val="accent1">
-              <a:shade val="50000"/>
-            </a:schemeClr>
-          </a:lnRef>
-          <a:fillRef idx="1">
-            <a:schemeClr val="accent1"/>
-          </a:fillRef>
-          <a:effectRef idx="0">
-            <a:schemeClr val="accent1"/>
-          </a:effectRef>
-          <a:fontRef idx="minor">
-            <a:schemeClr val="lt1"/>
-          </a:fontRef>
-        </p:style>
-        <p:txBody>
-          <a:bodyPr rtlCol="0" anchor="ctr"/>
-          <a:lstStyle/>
-          <a:p>
-            <a:pPr algn="ctr"/>
-            <a:endParaRPr lang="en-US"/>
-          </a:p>
-        </p:txBody>
-      </p:sp>
-      <p:sp>
-        <p:nvSpPr>
-          <p:cNvPr id="3" name="內容版面配置區 2">
-            <a:extLst>
-              <a:ext uri="{FF2B5EF4-FFF2-40B4-BE49-F238E27FC236}">
-                <a16:creationId xmlns:a16="http://schemas.microsoft.com/office/drawing/2014/main" id="{105D2EBD-2AA9-D0CC-8C5B-E95BAFCFFDD9}"/>
-              </a:ext>
-            </a:extLst>
-          </p:cNvPr>
-          <p:cNvSpPr>
-            <a:spLocks noGrp="1"/>
-          </p:cNvSpPr>
-          <p:nvPr>
-            <p:ph idx="1"/>
-          </p:nvPr>
-        </p:nvSpPr>
-        <p:spPr>
-          <a:xfrm>
-            <a:off x="793660" y="2599509"/>
-            <a:ext cx="10143668" cy="3435531"/>
-          </a:xfrm>
-        </p:spPr>
-        <p:txBody>
-          <a:bodyPr anchor="ctr">
-            <a:normAutofit/>
-          </a:bodyPr>
-          <a:lstStyle/>
-          <a:p>
-            <a:r>
-              <a:rPr lang="zh-TW" altLang="en-US" sz="2400" dirty="0">
-                <a:latin typeface="微軟正黑體" panose="020B0604030504040204" pitchFamily="34" charset="-120"/>
-                <a:ea typeface="微軟正黑體" panose="020B0604030504040204" pitchFamily="34" charset="-120"/>
-              </a:rPr>
-              <a:t>物理治療師的建議</a:t>
-            </a:r>
-            <a:r>
-              <a:rPr lang="en-US" altLang="zh-TW" sz="2400" dirty="0">
-                <a:latin typeface="微軟正黑體" panose="020B0604030504040204" pitchFamily="34" charset="-120"/>
-                <a:ea typeface="微軟正黑體" panose="020B0604030504040204" pitchFamily="34" charset="-120"/>
-              </a:rPr>
-              <a:t>:</a:t>
-            </a:r>
-            <a:r>
-              <a:rPr lang="zh-TW" altLang="en-US" sz="2400" dirty="0">
-                <a:latin typeface="微軟正黑體" panose="020B0604030504040204" pitchFamily="34" charset="-120"/>
-                <a:ea typeface="微軟正黑體" panose="020B0604030504040204" pitchFamily="34" charset="-120"/>
-              </a:rPr>
-              <a:t>  </a:t>
-            </a:r>
-            <a:endParaRPr lang="en-US" altLang="zh-TW" dirty="0">
-              <a:latin typeface="微軟正黑體" panose="020B0604030504040204" pitchFamily="34" charset="-120"/>
-              <a:ea typeface="微軟正黑體" panose="020B0604030504040204" pitchFamily="34" charset="-120"/>
-            </a:endParaRPr>
-          </a:p>
-          <a:p>
-            <a:pPr lvl="1"/>
-            <a:r>
-              <a:rPr lang="zh-TW" altLang="en-US" dirty="0">
-                <a:latin typeface="微軟正黑體" panose="020B0604030504040204" pitchFamily="34" charset="-120"/>
-                <a:ea typeface="微軟正黑體" panose="020B0604030504040204" pitchFamily="34" charset="-120"/>
-              </a:rPr>
-              <a:t>以「關節活動度」檢測關節、體態是否正常</a:t>
-            </a:r>
-            <a:endParaRPr lang="en-US" altLang="zh-TW" dirty="0">
-              <a:latin typeface="微軟正黑體" panose="020B0604030504040204" pitchFamily="34" charset="-120"/>
-              <a:ea typeface="微軟正黑體" panose="020B0604030504040204" pitchFamily="34" charset="-120"/>
-            </a:endParaRPr>
-          </a:p>
-          <a:p>
-            <a:pPr lvl="1"/>
-            <a:endParaRPr lang="en-US" altLang="zh-TW" dirty="0">
-              <a:latin typeface="微軟正黑體" panose="020B0604030504040204" pitchFamily="34" charset="-120"/>
-              <a:ea typeface="微軟正黑體" panose="020B0604030504040204" pitchFamily="34" charset="-120"/>
-            </a:endParaRPr>
-          </a:p>
-          <a:p>
-            <a:pPr lvl="1"/>
-            <a:r>
-              <a:rPr lang="zh-TW" altLang="en-US" dirty="0">
-                <a:latin typeface="微軟正黑體" panose="020B0604030504040204" pitchFamily="34" charset="-120"/>
-                <a:ea typeface="微軟正黑體" panose="020B0604030504040204" pitchFamily="34" charset="-120"/>
-              </a:rPr>
-              <a:t>提供相關的保健知識、建議</a:t>
-            </a:r>
-            <a:endParaRPr lang="en-US" altLang="zh-TW" dirty="0">
-              <a:latin typeface="微軟正黑體" panose="020B0604030504040204" pitchFamily="34" charset="-120"/>
-              <a:ea typeface="微軟正黑體" panose="020B0604030504040204" pitchFamily="34" charset="-120"/>
-            </a:endParaRPr>
-          </a:p>
-          <a:p>
-            <a:pPr lvl="1"/>
-            <a:endParaRPr lang="en-US" altLang="zh-TW" dirty="0">
-              <a:latin typeface="微軟正黑體" panose="020B0604030504040204" pitchFamily="34" charset="-120"/>
-              <a:ea typeface="微軟正黑體" panose="020B0604030504040204" pitchFamily="34" charset="-120"/>
-            </a:endParaRPr>
-          </a:p>
-          <a:p>
-            <a:pPr lvl="1"/>
-            <a:r>
-              <a:rPr lang="zh-TW" altLang="en-US" dirty="0">
-                <a:latin typeface="微軟正黑體" panose="020B0604030504040204" pitchFamily="34" charset="-120"/>
-                <a:ea typeface="微軟正黑體" panose="020B0604030504040204" pitchFamily="34" charset="-120"/>
-              </a:rPr>
-              <a:t>提供能活動筋骨、舒緩疼痛的居家運動</a:t>
-            </a:r>
-          </a:p>
-        </p:txBody>
-      </p:sp>
-    </p:spTree>
-    <p:extLst>
-      <p:ext uri="{BB962C8B-B14F-4D97-AF65-F5344CB8AC3E}">
-        <p14:creationId xmlns:p14="http://schemas.microsoft.com/office/powerpoint/2010/main" val="209587823"/>
-      </p:ext>
-    </p:extLst>
-  </p:cSld>
-  <p:clrMapOvr>
-    <a:masterClrMapping/>
-  </p:clrMapOvr>
-</p:sld>
-</file>
-
-<file path=ppt/slides/slide7.xml><?xml version="1.0" encoding="utf-8"?>
-<p:sld xmlns:a="http://schemas.openxmlformats.org/drawingml/2006/main" xmlns:r="http://schemas.openxmlformats.org/officeDocument/2006/relationships" xmlns:p="http://schemas.openxmlformats.org/presentationml/2006/main">
-  <p:cSld>
-    <p:bg>
-      <p:bgPr>
-        <a:solidFill>
-          <a:schemeClr val="bg1"/>
-        </a:solidFill>
-        <a:effectLst/>
-      </p:bgPr>
-    </p:bg>
-    <p:spTree>
-      <p:nvGrpSpPr>
-        <p:cNvPr id="1" name=""/>
-        <p:cNvGrpSpPr/>
-        <p:nvPr/>
-      </p:nvGrpSpPr>
-      <p:grpSpPr>
-        <a:xfrm>
-          <a:off x="0" y="0"/>
-          <a:ext cx="0" cy="0"/>
-          <a:chOff x="0" y="0"/>
-          <a:chExt cx="0" cy="0"/>
-        </a:xfrm>
-      </p:grpSpPr>
-      <p:sp useBgFill="1">
-        <p:nvSpPr>
-          <p:cNvPr id="16" name="Rectangle 15">
-            <a:extLst>
-              <a:ext uri="{FF2B5EF4-FFF2-40B4-BE49-F238E27FC236}">
-                <a16:creationId xmlns:a16="http://schemas.microsoft.com/office/drawing/2014/main" id="{907EF6B7-1338-4443-8C46-6A318D952DFD}"/>
-              </a:ext>
-              <a:ext uri="{C183D7F6-B498-43B3-948B-1728B52AA6E4}">
-                <adec:decorative xmlns:adec="http://schemas.microsoft.com/office/drawing/2017/decorative" val="1"/>
-              </a:ext>
-            </a:extLst>
-          </p:cNvPr>
-          <p:cNvSpPr>
-            <a:spLocks noGrp="1" noRot="1" noChangeAspect="1" noMove="1" noResize="1" noEditPoints="1" noAdjustHandles="1" noChangeArrowheads="1" noChangeShapeType="1" noTextEdit="1"/>
-          </p:cNvSpPr>
-          <p:nvPr>
-            <p:extLst>
-              <p:ext uri="{386F3935-93C4-4BCD-93E2-E3B085C9AB24}">
-                <p16:designElem xmlns:p16="http://schemas.microsoft.com/office/powerpoint/2015/main" val="1"/>
-              </p:ext>
-            </p:extLst>
-          </p:nvPr>
-        </p:nvSpPr>
-        <p:spPr>
-          <a:xfrm>
-            <a:off x="3048" y="0"/>
-            <a:ext cx="12188952" cy="6858000"/>
-          </a:xfrm>
-          <a:prstGeom prst="rect">
-            <a:avLst/>
-          </a:prstGeom>
-          <a:ln>
-            <a:noFill/>
-          </a:ln>
-        </p:spPr>
-        <p:style>
-          <a:lnRef idx="2">
-            <a:schemeClr val="accent1">
-              <a:shade val="50000"/>
-            </a:schemeClr>
-          </a:lnRef>
-          <a:fillRef idx="1">
-            <a:schemeClr val="accent1"/>
-          </a:fillRef>
-          <a:effectRef idx="0">
-            <a:schemeClr val="accent1"/>
-          </a:effectRef>
-          <a:fontRef idx="minor">
-            <a:schemeClr val="lt1"/>
-          </a:fontRef>
-        </p:style>
-        <p:txBody>
-          <a:bodyPr rtlCol="0" anchor="ctr"/>
-          <a:lstStyle/>
-          <a:p>
-            <a:pPr algn="ctr"/>
-            <a:endParaRPr lang="en-US"/>
-          </a:p>
-        </p:txBody>
-      </p:sp>
-      <p:sp>
-        <p:nvSpPr>
-          <p:cNvPr id="18" name="Freeform: Shape 17">
-            <a:extLst>
-              <a:ext uri="{FF2B5EF4-FFF2-40B4-BE49-F238E27FC236}">
-                <a16:creationId xmlns:a16="http://schemas.microsoft.com/office/drawing/2014/main" id="{DAAE4CDD-124C-4DCF-9584-B6033B545DD5}"/>
-              </a:ext>
-              <a:ext uri="{C183D7F6-B498-43B3-948B-1728B52AA6E4}">
-                <adec:decorative xmlns:adec="http://schemas.microsoft.com/office/drawing/2017/decorative" val="1"/>
-              </a:ext>
-            </a:extLst>
-          </p:cNvPr>
-          <p:cNvSpPr>
-            <a:spLocks noGrp="1" noRot="1" noChangeAspect="1" noMove="1" noResize="1" noEditPoints="1" noAdjustHandles="1" noChangeArrowheads="1" noChangeShapeType="1" noTextEdit="1"/>
-          </p:cNvSpPr>
-          <p:nvPr>
-            <p:extLst>
-              <p:ext uri="{386F3935-93C4-4BCD-93E2-E3B085C9AB24}">
-                <p16:designElem xmlns:p16="http://schemas.microsoft.com/office/powerpoint/2015/main" val="1"/>
-              </p:ext>
-            </p:extLst>
-          </p:nvPr>
-        </p:nvSpPr>
-        <p:spPr>
-          <a:xfrm>
-            <a:off x="1" y="0"/>
-            <a:ext cx="4167271" cy="6858000"/>
-          </a:xfrm>
-          <a:custGeom>
-            <a:avLst/>
-            <a:gdLst>
-              <a:gd name="connsiteX0" fmla="*/ 0 w 4167271"/>
-              <a:gd name="connsiteY0" fmla="*/ 0 h 6858000"/>
-              <a:gd name="connsiteX1" fmla="*/ 2259550 w 4167271"/>
-              <a:gd name="connsiteY1" fmla="*/ 0 h 6858000"/>
-              <a:gd name="connsiteX2" fmla="*/ 2387803 w 4167271"/>
-              <a:gd name="connsiteY2" fmla="*/ 82222 h 6858000"/>
-              <a:gd name="connsiteX3" fmla="*/ 4167271 w 4167271"/>
-              <a:gd name="connsiteY3" fmla="*/ 3429000 h 6858000"/>
-              <a:gd name="connsiteX4" fmla="*/ 2387803 w 4167271"/>
-              <a:gd name="connsiteY4" fmla="*/ 6775779 h 6858000"/>
-              <a:gd name="connsiteX5" fmla="*/ 2259550 w 4167271"/>
-              <a:gd name="connsiteY5" fmla="*/ 6858000 h 6858000"/>
-              <a:gd name="connsiteX6" fmla="*/ 0 w 4167271"/>
-              <a:gd name="connsiteY6" fmla="*/ 6858000 h 6858000"/>
-            </a:gdLst>
-            <a:ahLst/>
-            <a:cxnLst>
-              <a:cxn ang="0">
-                <a:pos x="connsiteX0" y="connsiteY0"/>
-              </a:cxn>
-              <a:cxn ang="0">
-                <a:pos x="connsiteX1" y="connsiteY1"/>
-              </a:cxn>
-              <a:cxn ang="0">
-                <a:pos x="connsiteX2" y="connsiteY2"/>
-              </a:cxn>
-              <a:cxn ang="0">
-                <a:pos x="connsiteX3" y="connsiteY3"/>
-              </a:cxn>
-              <a:cxn ang="0">
-                <a:pos x="connsiteX4" y="connsiteY4"/>
-              </a:cxn>
-              <a:cxn ang="0">
-                <a:pos x="connsiteX5" y="connsiteY5"/>
-              </a:cxn>
-              <a:cxn ang="0">
-                <a:pos x="connsiteX6" y="connsiteY6"/>
-              </a:cxn>
-            </a:cxnLst>
-            <a:rect l="l" t="t" r="r" b="b"/>
-            <a:pathLst>
-              <a:path w="4167271" h="6858000">
-                <a:moveTo>
-                  <a:pt x="0" y="0"/>
-                </a:moveTo>
-                <a:lnTo>
-                  <a:pt x="2259550" y="0"/>
-                </a:lnTo>
-                <a:lnTo>
-                  <a:pt x="2387803" y="82222"/>
-                </a:lnTo>
-                <a:cubicBezTo>
-                  <a:pt x="3461407" y="807534"/>
-                  <a:pt x="4167271" y="2035835"/>
-                  <a:pt x="4167271" y="3429000"/>
-                </a:cubicBezTo>
-                <a:cubicBezTo>
-                  <a:pt x="4167271" y="4822165"/>
-                  <a:pt x="3461407" y="6050467"/>
-                  <a:pt x="2387803" y="6775779"/>
-                </a:cubicBezTo>
-                <a:lnTo>
-                  <a:pt x="2259550" y="6858000"/>
-                </a:lnTo>
-                <a:lnTo>
-                  <a:pt x="0" y="6858000"/>
-                </a:lnTo>
-                <a:close/>
-              </a:path>
-            </a:pathLst>
-          </a:custGeom>
-          <a:solidFill>
-            <a:schemeClr val="accent2"/>
-          </a:solidFill>
-          <a:ln>
-            <a:noFill/>
-          </a:ln>
-        </p:spPr>
-        <p:style>
-          <a:lnRef idx="2">
-            <a:schemeClr val="accent1">
-              <a:shade val="50000"/>
-            </a:schemeClr>
-          </a:lnRef>
-          <a:fillRef idx="1">
-            <a:schemeClr val="accent1"/>
-          </a:fillRef>
-          <a:effectRef idx="0">
-            <a:schemeClr val="accent1"/>
-          </a:effectRef>
-          <a:fontRef idx="minor">
-            <a:schemeClr val="lt1"/>
-          </a:fontRef>
-        </p:style>
-        <p:txBody>
-          <a:bodyPr rtlCol="0" anchor="ctr"/>
-          <a:lstStyle/>
-          <a:p>
-            <a:pPr algn="ctr"/>
-            <a:endParaRPr lang="en-US"/>
-          </a:p>
-        </p:txBody>
-      </p:sp>
-      <p:sp>
-        <p:nvSpPr>
-          <p:cNvPr id="2" name="標題 1">
-            <a:extLst>
-              <a:ext uri="{FF2B5EF4-FFF2-40B4-BE49-F238E27FC236}">
-                <a16:creationId xmlns:a16="http://schemas.microsoft.com/office/drawing/2014/main" id="{29F4D143-CCA3-4C4A-25FB-C7209112ACF3}"/>
-              </a:ext>
-            </a:extLst>
-          </p:cNvPr>
-          <p:cNvSpPr>
-            <a:spLocks noGrp="1"/>
-          </p:cNvSpPr>
-          <p:nvPr>
-            <p:ph type="title"/>
-          </p:nvPr>
-        </p:nvSpPr>
-        <p:spPr>
-          <a:xfrm>
-            <a:off x="686834" y="1153572"/>
-            <a:ext cx="3200400" cy="4461163"/>
-          </a:xfrm>
-        </p:spPr>
-        <p:txBody>
-          <a:bodyPr vert="horz" lIns="91440" tIns="45720" rIns="91440" bIns="45720" rtlCol="0">
-            <a:normAutofit/>
-          </a:bodyPr>
-          <a:lstStyle/>
-          <a:p>
-            <a:r>
-              <a:rPr lang="zh-TW" altLang="en-US" b="1" kern="1200">
-                <a:solidFill>
-                  <a:srgbClr val="FFFFFF"/>
-                </a:solidFill>
-                <a:latin typeface="+mj-lt"/>
-                <a:ea typeface="+mj-ea"/>
-                <a:cs typeface="+mj-cs"/>
-              </a:rPr>
-              <a:t>使用者的需求</a:t>
-            </a:r>
-          </a:p>
-        </p:txBody>
-      </p:sp>
-      <p:sp>
-        <p:nvSpPr>
-          <p:cNvPr id="20" name="Arc 19">
-            <a:extLst>
-              <a:ext uri="{FF2B5EF4-FFF2-40B4-BE49-F238E27FC236}">
-                <a16:creationId xmlns:a16="http://schemas.microsoft.com/office/drawing/2014/main" id="{081E4A58-353D-44AE-B2FC-2A74E2E400F7}"/>
-              </a:ext>
-              <a:ext uri="{C183D7F6-B498-43B3-948B-1728B52AA6E4}">
-                <adec:decorative xmlns:adec="http://schemas.microsoft.com/office/drawing/2017/decorative" val="1"/>
-              </a:ext>
-            </a:extLst>
-          </p:cNvPr>
-          <p:cNvSpPr>
-            <a:spLocks noGrp="1" noRot="1" noChangeAspect="1" noMove="1" noResize="1" noEditPoints="1" noAdjustHandles="1" noChangeArrowheads="1" noChangeShapeType="1" noTextEdit="1"/>
-          </p:cNvSpPr>
-          <p:nvPr>
-            <p:extLst>
-              <p:ext uri="{386F3935-93C4-4BCD-93E2-E3B085C9AB24}">
-                <p16:designElem xmlns:p16="http://schemas.microsoft.com/office/powerpoint/2015/main" val="1"/>
-              </p:ext>
-            </p:extLst>
-          </p:nvPr>
-        </p:nvSpPr>
-        <p:spPr>
-          <a:xfrm flipV="1">
-            <a:off x="7550402" y="2455479"/>
-            <a:ext cx="4083433" cy="4083433"/>
-          </a:xfrm>
-          <a:prstGeom prst="arc">
-            <a:avLst/>
-          </a:prstGeom>
-          <a:ln w="127000" cap="rnd">
-            <a:solidFill>
-              <a:schemeClr val="accent4"/>
-            </a:solidFill>
-            <a:prstDash val="dash"/>
-          </a:ln>
-        </p:spPr>
-        <p:style>
-          <a:lnRef idx="1">
-            <a:schemeClr val="accent1"/>
-          </a:lnRef>
-          <a:fillRef idx="0">
-            <a:schemeClr val="accent1"/>
-          </a:fillRef>
-          <a:effectRef idx="0">
-            <a:schemeClr val="accent1"/>
-          </a:effectRef>
-          <a:fontRef idx="minor">
-            <a:schemeClr val="tx1"/>
-          </a:fontRef>
-        </p:style>
-        <p:txBody>
-          <a:bodyPr rtlCol="0" anchor="ctr"/>
-          <a:lstStyle/>
-          <a:p>
-            <a:pPr algn="ctr"/>
-            <a:endParaRPr lang="en-US" dirty="0"/>
-          </a:p>
-        </p:txBody>
-      </p:sp>
-      <p:sp>
-        <p:nvSpPr>
-          <p:cNvPr id="3" name="內容版面配置區 2">
-            <a:extLst>
-              <a:ext uri="{FF2B5EF4-FFF2-40B4-BE49-F238E27FC236}">
-                <a16:creationId xmlns:a16="http://schemas.microsoft.com/office/drawing/2014/main" id="{C2594907-F511-6566-3959-517CC45D2FAC}"/>
-              </a:ext>
-            </a:extLst>
-          </p:cNvPr>
-          <p:cNvSpPr>
-            <a:spLocks noGrp="1"/>
-          </p:cNvSpPr>
-          <p:nvPr>
-            <p:ph idx="1"/>
-          </p:nvPr>
-        </p:nvSpPr>
-        <p:spPr>
-          <a:xfrm>
-            <a:off x="4447308" y="591344"/>
-            <a:ext cx="6906491" cy="5585619"/>
-          </a:xfrm>
-        </p:spPr>
-        <p:txBody>
-          <a:bodyPr vert="horz" lIns="91440" tIns="45720" rIns="91440" bIns="45720" rtlCol="0" anchor="ctr">
-            <a:normAutofit/>
-          </a:bodyPr>
-          <a:lstStyle/>
-          <a:p>
-            <a:pPr marL="285750" indent="-228600">
-              <a:spcAft>
-                <a:spcPts val="600"/>
-              </a:spcAft>
-              <a:buFont typeface="Arial" panose="020B0604020202020204" pitchFamily="34" charset="0"/>
-              <a:buChar char="•"/>
-            </a:pPr>
-            <a:r>
-              <a:rPr lang="zh-TW" altLang="en-US" dirty="0">
-                <a:latin typeface="微軟正黑體" panose="020B0604030504040204" pitchFamily="34" charset="-120"/>
-                <a:ea typeface="微軟正黑體" panose="020B0604030504040204" pitchFamily="34" charset="-120"/>
-              </a:rPr>
-              <a:t>需求</a:t>
-            </a:r>
-            <a:r>
-              <a:rPr lang="en-US" altLang="zh-TW" dirty="0">
-                <a:latin typeface="微軟正黑體" panose="020B0604030504040204" pitchFamily="34" charset="-120"/>
-                <a:ea typeface="微軟正黑體" panose="020B0604030504040204" pitchFamily="34" charset="-120"/>
-              </a:rPr>
-              <a:t>:</a:t>
-            </a:r>
-          </a:p>
-          <a:p>
-            <a:pPr marL="742950" lvl="1" indent="-228600">
-              <a:spcAft>
-                <a:spcPts val="600"/>
-              </a:spcAft>
-              <a:buFont typeface="Arial" panose="020B0604020202020204" pitchFamily="34" charset="0"/>
-              <a:buChar char="•"/>
-            </a:pPr>
-            <a:endParaRPr lang="en-US" altLang="zh-TW" dirty="0">
-              <a:latin typeface="微軟正黑體" panose="020B0604030504040204" pitchFamily="34" charset="-120"/>
-              <a:ea typeface="微軟正黑體" panose="020B0604030504040204" pitchFamily="34" charset="-120"/>
-            </a:endParaRPr>
-          </a:p>
-          <a:p>
-            <a:pPr marL="742950" lvl="1" indent="-228600">
-              <a:spcAft>
-                <a:spcPts val="600"/>
-              </a:spcAft>
-              <a:buFont typeface="Arial" panose="020B0604020202020204" pitchFamily="34" charset="0"/>
-              <a:buChar char="•"/>
-            </a:pPr>
-            <a:r>
-              <a:rPr lang="zh-TW" altLang="en-US" dirty="0">
-                <a:latin typeface="微軟正黑體" panose="020B0604030504040204" pitchFamily="34" charset="-120"/>
-                <a:ea typeface="微軟正黑體" panose="020B0604030504040204" pitchFamily="34" charset="-120"/>
-              </a:rPr>
-              <a:t>及時發現問題，避免惡化</a:t>
-            </a:r>
-            <a:endParaRPr lang="en-US" altLang="zh-TW" dirty="0">
-              <a:latin typeface="微軟正黑體" panose="020B0604030504040204" pitchFamily="34" charset="-120"/>
-              <a:ea typeface="微軟正黑體" panose="020B0604030504040204" pitchFamily="34" charset="-120"/>
-            </a:endParaRPr>
-          </a:p>
-          <a:p>
-            <a:pPr marL="742950" lvl="1" indent="-228600">
-              <a:spcAft>
-                <a:spcPts val="600"/>
-              </a:spcAft>
-              <a:buFont typeface="Arial" panose="020B0604020202020204" pitchFamily="34" charset="0"/>
-              <a:buChar char="•"/>
-            </a:pPr>
-            <a:endParaRPr lang="en-US" altLang="zh-TW" dirty="0">
-              <a:latin typeface="微軟正黑體" panose="020B0604030504040204" pitchFamily="34" charset="-120"/>
-              <a:ea typeface="微軟正黑體" panose="020B0604030504040204" pitchFamily="34" charset="-120"/>
-            </a:endParaRPr>
-          </a:p>
-          <a:p>
-            <a:pPr marL="742950" lvl="1" indent="-228600">
-              <a:spcAft>
-                <a:spcPts val="600"/>
-              </a:spcAft>
-              <a:buFont typeface="Arial" panose="020B0604020202020204" pitchFamily="34" charset="0"/>
-              <a:buChar char="•"/>
-            </a:pPr>
-            <a:r>
-              <a:rPr lang="zh-TW" altLang="en-US" dirty="0">
-                <a:latin typeface="微軟正黑體" panose="020B0604030504040204" pitchFamily="34" charset="-120"/>
-                <a:ea typeface="微軟正黑體" panose="020B0604030504040204" pitchFamily="34" charset="-120"/>
-              </a:rPr>
-              <a:t>正確、及時的基本保健知識</a:t>
-            </a:r>
-          </a:p>
-        </p:txBody>
-      </p:sp>
-    </p:spTree>
-    <p:extLst>
-      <p:ext uri="{BB962C8B-B14F-4D97-AF65-F5344CB8AC3E}">
-        <p14:creationId xmlns:p14="http://schemas.microsoft.com/office/powerpoint/2010/main" val="3016596021"/>
-      </p:ext>
-    </p:extLst>
-  </p:cSld>
-  <p:clrMapOvr>
-    <a:masterClrMapping/>
-  </p:clrMapOvr>
-</p:sld>
-</file>
-
-<file path=ppt/slides/slide8.xml><?xml version="1.0" encoding="utf-8"?>
-<p:sld xmlns:a="http://schemas.openxmlformats.org/drawingml/2006/main" xmlns:r="http://schemas.openxmlformats.org/officeDocument/2006/relationships" xmlns:p="http://schemas.openxmlformats.org/presentationml/2006/main">
-  <p:cSld>
-    <p:bg>
-      <p:bgPr>
-        <a:solidFill>
-          <a:schemeClr val="bg1"/>
-        </a:solidFill>
-        <a:effectLst/>
-      </p:bgPr>
-    </p:bg>
-    <p:spTree>
-      <p:nvGrpSpPr>
-        <p:cNvPr id="1" name=""/>
-        <p:cNvGrpSpPr/>
-        <p:nvPr/>
-      </p:nvGrpSpPr>
-      <p:grpSpPr>
-        <a:xfrm>
-          <a:off x="0" y="0"/>
-          <a:ext cx="0" cy="0"/>
-          <a:chOff x="0" y="0"/>
-          <a:chExt cx="0" cy="0"/>
-        </a:xfrm>
-      </p:grpSpPr>
-      <p:sp useBgFill="1">
-        <p:nvSpPr>
-          <p:cNvPr id="8" name="Rectangle 7">
-            <a:extLst>
-              <a:ext uri="{FF2B5EF4-FFF2-40B4-BE49-F238E27FC236}">
-                <a16:creationId xmlns:a16="http://schemas.microsoft.com/office/drawing/2014/main" id="{8B9AA7C6-5E5A-498E-A6DF-A943376E09BC}"/>
-              </a:ext>
-              <a:ext uri="{C183D7F6-B498-43B3-948B-1728B52AA6E4}">
-                <adec:decorative xmlns:adec="http://schemas.microsoft.com/office/drawing/2017/decorative" val="1"/>
-              </a:ext>
-            </a:extLst>
-          </p:cNvPr>
-          <p:cNvSpPr>
-            <a:spLocks noGrp="1" noRot="1" noChangeAspect="1" noMove="1" noResize="1" noEditPoints="1" noAdjustHandles="1" noChangeArrowheads="1" noChangeShapeType="1" noTextEdit="1"/>
-          </p:cNvSpPr>
-          <p:nvPr>
-            <p:extLst>
-              <p:ext uri="{386F3935-93C4-4BCD-93E2-E3B085C9AB24}">
-                <p16:designElem xmlns:p16="http://schemas.microsoft.com/office/powerpoint/2015/main" val="1"/>
-              </p:ext>
-            </p:extLst>
-          </p:nvPr>
-        </p:nvSpPr>
-        <p:spPr>
-          <a:xfrm>
-            <a:off x="0" y="0"/>
-            <a:ext cx="12191999" cy="6857365"/>
-          </a:xfrm>
-          <a:prstGeom prst="rect">
-            <a:avLst/>
-          </a:prstGeom>
-          <a:ln>
-            <a:noFill/>
-          </a:ln>
-        </p:spPr>
-        <p:style>
-          <a:lnRef idx="2">
-            <a:schemeClr val="accent1">
-              <a:shade val="50000"/>
-            </a:schemeClr>
-          </a:lnRef>
-          <a:fillRef idx="1">
-            <a:schemeClr val="accent1"/>
-          </a:fillRef>
-          <a:effectRef idx="0">
-            <a:schemeClr val="accent1"/>
-          </a:effectRef>
-          <a:fontRef idx="minor">
-            <a:schemeClr val="lt1"/>
-          </a:fontRef>
-        </p:style>
-        <p:txBody>
-          <a:bodyPr rtlCol="0" anchor="ctr"/>
-          <a:lstStyle/>
-          <a:p>
-            <a:pPr algn="ctr"/>
-            <a:endParaRPr lang="en-US"/>
-          </a:p>
-        </p:txBody>
-      </p:sp>
-      <p:grpSp>
-        <p:nvGrpSpPr>
-          <p:cNvPr id="10" name="Group 9">
-            <a:extLst>
-              <a:ext uri="{FF2B5EF4-FFF2-40B4-BE49-F238E27FC236}">
-                <a16:creationId xmlns:a16="http://schemas.microsoft.com/office/drawing/2014/main" id="{83EAB11A-76F7-48F4-9B4F-5BFDF4BF9670}"/>
-              </a:ext>
-              <a:ext uri="{C183D7F6-B498-43B3-948B-1728B52AA6E4}">
-                <adec:decorative xmlns:adec="http://schemas.microsoft.com/office/drawing/2017/decorative" val="1"/>
-              </a:ext>
-            </a:extLst>
-          </p:cNvPr>
-          <p:cNvGrpSpPr>
-            <a:grpSpLocks noGrp="1" noUngrp="1" noRot="1" noChangeAspect="1" noMove="1" noResize="1"/>
-          </p:cNvGrpSpPr>
-          <p:nvPr>
-            <p:extLst>
-              <p:ext uri="{386F3935-93C4-4BCD-93E2-E3B085C9AB24}">
-                <p16:designElem xmlns:p16="http://schemas.microsoft.com/office/powerpoint/2015/main" val="1"/>
-              </p:ext>
-            </p:extLst>
-          </p:nvPr>
-        </p:nvGrpSpPr>
-        <p:grpSpPr>
-          <a:xfrm>
-            <a:off x="74300" y="2385102"/>
-            <a:ext cx="574091" cy="2087796"/>
-            <a:chOff x="209668" y="2857422"/>
-            <a:chExt cx="463662" cy="2087796"/>
-          </a:xfrm>
-        </p:grpSpPr>
-        <p:sp>
-          <p:nvSpPr>
-            <p:cNvPr id="11" name="Rectangle 10">
-              <a:extLst>
-                <a:ext uri="{FF2B5EF4-FFF2-40B4-BE49-F238E27FC236}">
-                  <a16:creationId xmlns:a16="http://schemas.microsoft.com/office/drawing/2014/main" id="{74D4C416-D5F4-4F6F-A6F1-87A21CD4FCAF}"/>
-                </a:ext>
-                <a:ext uri="{C183D7F6-B498-43B3-948B-1728B52AA6E4}">
-                  <adec:decorative xmlns:adec="http://schemas.microsoft.com/office/drawing/2017/decorative" val="1"/>
-                </a:ext>
-              </a:extLst>
-            </p:cNvPr>
-            <p:cNvSpPr/>
-            <p:nvPr>
-              <p:extLst>
-                <p:ext uri="{386F3935-93C4-4BCD-93E2-E3B085C9AB24}">
-                  <p16:designElem xmlns:p16="http://schemas.microsoft.com/office/powerpoint/2015/main" val="1"/>
-                </p:ext>
-              </p:extLst>
-            </p:nvPr>
-          </p:nvSpPr>
-          <p:spPr>
-            <a:xfrm flipH="1" flipV="1">
-              <a:off x="423947" y="2857422"/>
-              <a:ext cx="249383" cy="2087795"/>
-            </a:xfrm>
-            <a:prstGeom prst="rect">
-              <a:avLst/>
-            </a:prstGeom>
-            <a:solidFill>
-              <a:schemeClr val="accent4"/>
-            </a:solidFill>
-            <a:ln>
-              <a:noFill/>
-            </a:ln>
-          </p:spPr>
-          <p:style>
-            <a:lnRef idx="2">
-              <a:schemeClr val="accent1">
-                <a:shade val="50000"/>
-              </a:schemeClr>
-            </a:lnRef>
-            <a:fillRef idx="1">
-              <a:schemeClr val="accent1"/>
-            </a:fillRef>
-            <a:effectRef idx="0">
-              <a:schemeClr val="accent1"/>
-            </a:effectRef>
-            <a:fontRef idx="minor">
-              <a:schemeClr val="lt1"/>
-            </a:fontRef>
-          </p:style>
-          <p:txBody>
-            <a:bodyPr rtlCol="0" anchor="ctr"/>
-            <a:lstStyle/>
-            <a:p>
-              <a:pPr algn="ctr"/>
-              <a:endParaRPr lang="en-US"/>
-            </a:p>
-          </p:txBody>
-        </p:sp>
-        <p:cxnSp>
-          <p:nvCxnSpPr>
-            <p:cNvPr id="12" name="Straight Connector 11">
-              <a:extLst>
-                <a:ext uri="{FF2B5EF4-FFF2-40B4-BE49-F238E27FC236}">
-                  <a16:creationId xmlns:a16="http://schemas.microsoft.com/office/drawing/2014/main" id="{C6AC1C30-21C6-4BF6-93EE-B211D7A85011}"/>
-                </a:ext>
-                <a:ext uri="{C183D7F6-B498-43B3-948B-1728B52AA6E4}">
-                  <adec:decorative xmlns:adec="http://schemas.microsoft.com/office/drawing/2017/decorative" val="1"/>
-                </a:ext>
-              </a:extLst>
-            </p:cNvPr>
-            <p:cNvCxnSpPr>
-              <a:cxnSpLocks/>
-            </p:cNvCxnSpPr>
-            <p:nvPr>
-              <p:extLst>
-                <p:ext uri="{386F3935-93C4-4BCD-93E2-E3B085C9AB24}">
-                  <p16:designElem xmlns:p16="http://schemas.microsoft.com/office/powerpoint/2015/main" val="1"/>
-                </p:ext>
-              </p:extLst>
-            </p:nvPr>
-          </p:nvCxnSpPr>
-          <p:spPr>
-            <a:xfrm flipH="1">
-              <a:off x="209668" y="2857423"/>
-              <a:ext cx="1" cy="2087795"/>
-            </a:xfrm>
-            <a:prstGeom prst="line">
-              <a:avLst/>
-            </a:prstGeom>
-            <a:ln w="177800">
-              <a:solidFill>
-                <a:schemeClr val="accent4"/>
-              </a:solidFill>
-            </a:ln>
-          </p:spPr>
-          <p:style>
-            <a:lnRef idx="1">
-              <a:schemeClr val="accent1"/>
-            </a:lnRef>
-            <a:fillRef idx="0">
-              <a:schemeClr val="accent1"/>
-            </a:fillRef>
-            <a:effectRef idx="0">
-              <a:schemeClr val="accent1"/>
-            </a:effectRef>
-            <a:fontRef idx="minor">
-              <a:schemeClr val="tx1"/>
-            </a:fontRef>
-          </p:style>
-        </p:cxnSp>
-      </p:grpSp>
-      <p:sp>
-        <p:nvSpPr>
-          <p:cNvPr id="14" name="Rectangle 13">
-            <a:extLst>
-              <a:ext uri="{FF2B5EF4-FFF2-40B4-BE49-F238E27FC236}">
-                <a16:creationId xmlns:a16="http://schemas.microsoft.com/office/drawing/2014/main" id="{81E140AE-0ABF-47C8-BF32-7D2F0CF2BA44}"/>
-              </a:ext>
-              <a:ext uri="{C183D7F6-B498-43B3-948B-1728B52AA6E4}">
-                <adec:decorative xmlns:adec="http://schemas.microsoft.com/office/drawing/2017/decorative" val="1"/>
-              </a:ext>
-            </a:extLst>
-          </p:cNvPr>
-          <p:cNvSpPr>
-            <a:spLocks noGrp="1" noRot="1" noChangeAspect="1" noMove="1" noResize="1" noEditPoints="1" noAdjustHandles="1" noChangeArrowheads="1" noChangeShapeType="1" noTextEdit="1"/>
-          </p:cNvSpPr>
-          <p:nvPr>
-            <p:extLst>
-              <p:ext uri="{386F3935-93C4-4BCD-93E2-E3B085C9AB24}">
-                <p16:designElem xmlns:p16="http://schemas.microsoft.com/office/powerpoint/2015/main" val="1"/>
-              </p:ext>
-            </p:extLst>
-          </p:nvPr>
-        </p:nvSpPr>
-        <p:spPr>
-          <a:xfrm flipH="1">
-            <a:off x="10697670" y="0"/>
-            <a:ext cx="1494330" cy="6858000"/>
-          </a:xfrm>
-          <a:prstGeom prst="rect">
-            <a:avLst/>
-          </a:prstGeom>
-          <a:solidFill>
-            <a:schemeClr val="accent4"/>
-          </a:solidFill>
-          <a:ln>
-            <a:noFill/>
-          </a:ln>
-        </p:spPr>
-        <p:style>
-          <a:lnRef idx="2">
-            <a:schemeClr val="accent1">
-              <a:shade val="50000"/>
-            </a:schemeClr>
-          </a:lnRef>
-          <a:fillRef idx="1">
-            <a:schemeClr val="accent1"/>
-          </a:fillRef>
-          <a:effectRef idx="0">
-            <a:schemeClr val="accent1"/>
-          </a:effectRef>
-          <a:fontRef idx="minor">
-            <a:schemeClr val="lt1"/>
-          </a:fontRef>
-        </p:style>
-        <p:txBody>
-          <a:bodyPr rtlCol="0" anchor="ctr"/>
-          <a:lstStyle/>
-          <a:p>
-            <a:pPr algn="ctr"/>
-            <a:endParaRPr lang="en-US"/>
-          </a:p>
-        </p:txBody>
-      </p:sp>
-      <p:sp>
-        <p:nvSpPr>
-          <p:cNvPr id="16" name="Rectangle 15">
-            <a:extLst>
-              <a:ext uri="{FF2B5EF4-FFF2-40B4-BE49-F238E27FC236}">
-                <a16:creationId xmlns:a16="http://schemas.microsoft.com/office/drawing/2014/main" id="{CBC4F608-B4B8-48C3-9572-C0F061B1CD99}"/>
-              </a:ext>
-              <a:ext uri="{C183D7F6-B498-43B3-948B-1728B52AA6E4}">
-                <adec:decorative xmlns:adec="http://schemas.microsoft.com/office/drawing/2017/decorative" val="1"/>
-              </a:ext>
-            </a:extLst>
-          </p:cNvPr>
-          <p:cNvSpPr>
-            <a:spLocks noGrp="1" noRot="1" noChangeAspect="1" noMove="1" noResize="1" noEditPoints="1" noAdjustHandles="1" noChangeArrowheads="1" noChangeShapeType="1" noTextEdit="1"/>
-          </p:cNvSpPr>
-          <p:nvPr>
-            <p:extLst>
-              <p:ext uri="{386F3935-93C4-4BCD-93E2-E3B085C9AB24}">
-                <p16:designElem xmlns:p16="http://schemas.microsoft.com/office/powerpoint/2015/main" val="1"/>
-              </p:ext>
-            </p:extLst>
-          </p:nvPr>
-        </p:nvSpPr>
-        <p:spPr>
-          <a:xfrm>
-            <a:off x="579528" y="631767"/>
-            <a:ext cx="11111729" cy="5752404"/>
-          </a:xfrm>
-          <a:prstGeom prst="rect">
-            <a:avLst/>
-          </a:prstGeom>
-          <a:solidFill>
-            <a:schemeClr val="bg1"/>
-          </a:solidFill>
-          <a:ln>
-            <a:noFill/>
-          </a:ln>
-          <a:effectLst>
-            <a:outerShdw blurRad="139700" dist="127000" dir="5400000" algn="t" rotWithShape="0">
-              <a:prstClr val="black">
-                <a:alpha val="15000"/>
-              </a:prstClr>
-            </a:outerShdw>
-          </a:effectLst>
-        </p:spPr>
-        <p:style>
-          <a:lnRef idx="2">
-            <a:schemeClr val="accent1">
-              <a:shade val="50000"/>
-            </a:schemeClr>
-          </a:lnRef>
-          <a:fillRef idx="1">
-            <a:schemeClr val="accent1"/>
-          </a:fillRef>
-          <a:effectRef idx="0">
-            <a:schemeClr val="accent1"/>
-          </a:effectRef>
-          <a:fontRef idx="minor">
-            <a:schemeClr val="lt1"/>
-          </a:fontRef>
-        </p:style>
-        <p:txBody>
-          <a:bodyPr rtlCol="0" anchor="ctr"/>
-          <a:lstStyle/>
-          <a:p>
-            <a:pPr algn="ctr"/>
-            <a:endParaRPr lang="en-US"/>
-          </a:p>
-        </p:txBody>
-      </p:sp>
-      <p:sp>
-        <p:nvSpPr>
-          <p:cNvPr id="2" name="標題 1">
-            <a:extLst>
-              <a:ext uri="{FF2B5EF4-FFF2-40B4-BE49-F238E27FC236}">
-                <a16:creationId xmlns:a16="http://schemas.microsoft.com/office/drawing/2014/main" id="{E67A9B9C-0E13-2912-FE56-0698E122B7D9}"/>
-              </a:ext>
-            </a:extLst>
-          </p:cNvPr>
-          <p:cNvSpPr>
-            <a:spLocks noGrp="1"/>
-          </p:cNvSpPr>
-          <p:nvPr>
-            <p:ph type="title"/>
-          </p:nvPr>
-        </p:nvSpPr>
-        <p:spPr>
-          <a:xfrm>
-            <a:off x="1153618" y="1239927"/>
-            <a:ext cx="4008586" cy="4680583"/>
-          </a:xfrm>
-        </p:spPr>
-        <p:txBody>
-          <a:bodyPr anchor="ctr">
-            <a:normAutofit/>
-          </a:bodyPr>
-          <a:lstStyle/>
-          <a:p>
-            <a:r>
-              <a:rPr lang="zh-TW" altLang="en-US" sz="5200" b="1" dirty="0">
-                <a:latin typeface="微軟正黑體" panose="020B0604030504040204" pitchFamily="34" charset="-120"/>
-                <a:ea typeface="微軟正黑體" panose="020B0604030504040204" pitchFamily="34" charset="-120"/>
-              </a:rPr>
-              <a:t>產品概述</a:t>
-            </a:r>
-          </a:p>
-        </p:txBody>
-      </p:sp>
-      <p:sp>
-        <p:nvSpPr>
-          <p:cNvPr id="3" name="內容版面配置區 2">
-            <a:extLst>
-              <a:ext uri="{FF2B5EF4-FFF2-40B4-BE49-F238E27FC236}">
-                <a16:creationId xmlns:a16="http://schemas.microsoft.com/office/drawing/2014/main" id="{115867E0-5F26-C3F4-42A9-F9EFA5F1E4E5}"/>
-              </a:ext>
-            </a:extLst>
-          </p:cNvPr>
-          <p:cNvSpPr>
-            <a:spLocks noGrp="1"/>
-          </p:cNvSpPr>
-          <p:nvPr>
-            <p:ph idx="1"/>
-          </p:nvPr>
-        </p:nvSpPr>
-        <p:spPr>
-          <a:xfrm>
-            <a:off x="6291923" y="1239927"/>
-            <a:ext cx="4971824" cy="4680583"/>
-          </a:xfrm>
-        </p:spPr>
-        <p:txBody>
-          <a:bodyPr anchor="ctr">
-            <a:normAutofit/>
-          </a:bodyPr>
-          <a:lstStyle/>
-          <a:p>
-            <a:r>
-              <a:rPr lang="zh-TW" altLang="en-US" sz="2000" dirty="0">
-                <a:latin typeface="微軟正黑體" panose="020B0604030504040204" pitchFamily="34" charset="-120"/>
-                <a:ea typeface="微軟正黑體" panose="020B0604030504040204" pitchFamily="34" charset="-120"/>
-              </a:rPr>
-              <a:t>物理資聊</a:t>
-            </a:r>
-            <a:r>
-              <a:rPr lang="en-US" altLang="zh-TW" sz="2000" dirty="0">
-                <a:latin typeface="微軟正黑體" panose="020B0604030504040204" pitchFamily="34" charset="-120"/>
-                <a:ea typeface="微軟正黑體" panose="020B0604030504040204" pitchFamily="34" charset="-120"/>
-              </a:rPr>
-              <a:t>:</a:t>
-            </a:r>
-          </a:p>
-          <a:p>
-            <a:pPr lvl="1"/>
-            <a:endParaRPr lang="en-US" altLang="zh-TW" sz="2000" dirty="0">
-              <a:latin typeface="微軟正黑體" panose="020B0604030504040204" pitchFamily="34" charset="-120"/>
-              <a:ea typeface="微軟正黑體" panose="020B0604030504040204" pitchFamily="34" charset="-120"/>
-            </a:endParaRPr>
-          </a:p>
-          <a:p>
-            <a:pPr lvl="1"/>
-            <a:r>
-              <a:rPr lang="zh-TW" altLang="en-US" sz="2000" dirty="0">
-                <a:latin typeface="微軟正黑體" panose="020B0604030504040204" pitchFamily="34" charset="-120"/>
-                <a:ea typeface="微軟正黑體" panose="020B0604030504040204" pitchFamily="34" charset="-120"/>
-              </a:rPr>
-              <a:t>檢測關節、體態情況</a:t>
-            </a:r>
-            <a:endParaRPr lang="en-US" altLang="zh-TW" sz="2000" dirty="0">
-              <a:latin typeface="微軟正黑體" panose="020B0604030504040204" pitchFamily="34" charset="-120"/>
-              <a:ea typeface="微軟正黑體" panose="020B0604030504040204" pitchFamily="34" charset="-120"/>
-            </a:endParaRPr>
-          </a:p>
-          <a:p>
-            <a:pPr lvl="1"/>
-            <a:endParaRPr lang="en-US" altLang="zh-TW" sz="2000" dirty="0">
-              <a:latin typeface="微軟正黑體" panose="020B0604030504040204" pitchFamily="34" charset="-120"/>
-              <a:ea typeface="微軟正黑體" panose="020B0604030504040204" pitchFamily="34" charset="-120"/>
-            </a:endParaRPr>
-          </a:p>
-          <a:p>
-            <a:pPr lvl="1"/>
-            <a:r>
-              <a:rPr lang="zh-TW" altLang="en-US" sz="2000" dirty="0">
-                <a:latin typeface="微軟正黑體" panose="020B0604030504040204" pitchFamily="34" charset="-120"/>
-                <a:ea typeface="微軟正黑體" panose="020B0604030504040204" pitchFamily="34" charset="-120"/>
-              </a:rPr>
-              <a:t>聊天諮詢</a:t>
-            </a:r>
-            <a:endParaRPr lang="en-US" altLang="zh-TW" sz="2000" dirty="0">
-              <a:latin typeface="微軟正黑體" panose="020B0604030504040204" pitchFamily="34" charset="-120"/>
-              <a:ea typeface="微軟正黑體" panose="020B0604030504040204" pitchFamily="34" charset="-120"/>
-            </a:endParaRPr>
-          </a:p>
-          <a:p>
-            <a:pPr lvl="1"/>
-            <a:endParaRPr lang="en-US" altLang="zh-TW" sz="2000" dirty="0">
-              <a:latin typeface="微軟正黑體" panose="020B0604030504040204" pitchFamily="34" charset="-120"/>
-              <a:ea typeface="微軟正黑體" panose="020B0604030504040204" pitchFamily="34" charset="-120"/>
-            </a:endParaRPr>
-          </a:p>
-          <a:p>
-            <a:pPr lvl="1"/>
-            <a:r>
-              <a:rPr lang="zh-TW" altLang="en-US" sz="2000" dirty="0">
-                <a:latin typeface="微軟正黑體" panose="020B0604030504040204" pitchFamily="34" charset="-120"/>
-                <a:ea typeface="微軟正黑體" panose="020B0604030504040204" pitchFamily="34" charset="-120"/>
-              </a:rPr>
-              <a:t>居家運動</a:t>
-            </a:r>
-            <a:endParaRPr lang="en-US" altLang="zh-TW" sz="2000" dirty="0">
-              <a:latin typeface="微軟正黑體" panose="020B0604030504040204" pitchFamily="34" charset="-120"/>
-              <a:ea typeface="微軟正黑體" panose="020B0604030504040204" pitchFamily="34" charset="-120"/>
-            </a:endParaRPr>
-          </a:p>
-          <a:p>
-            <a:pPr lvl="1"/>
-            <a:endParaRPr lang="en-US" altLang="zh-TW" sz="2000" dirty="0"/>
-          </a:p>
-          <a:p>
-            <a:pPr marL="457200" lvl="1" indent="0">
-              <a:buNone/>
-            </a:pPr>
-            <a:endParaRPr lang="en-US" altLang="zh-TW" sz="2000" dirty="0"/>
-          </a:p>
-        </p:txBody>
-      </p:sp>
-    </p:spTree>
-    <p:extLst>
-      <p:ext uri="{BB962C8B-B14F-4D97-AF65-F5344CB8AC3E}">
-        <p14:creationId xmlns:p14="http://schemas.microsoft.com/office/powerpoint/2010/main" val="555405392"/>
-      </p:ext>
-    </p:extLst>
-  </p:cSld>
-  <p:clrMapOvr>
-    <a:masterClrMapping/>
-  </p:clrMapOvr>
-</p:sld>
-</file>
-
-<file path=ppt/slides/slide9.xml><?xml version="1.0" encoding="utf-8"?>
-<p:sld xmlns:a="http://schemas.openxmlformats.org/drawingml/2006/main" xmlns:r="http://schemas.openxmlformats.org/officeDocument/2006/relationships" xmlns:p="http://schemas.openxmlformats.org/presentationml/2006/main">
-  <p:cSld>
-    <p:bg>
-      <p:bgPr>
-        <a:solidFill>
-          <a:schemeClr val="bg1"/>
-        </a:solidFill>
-        <a:effectLst/>
-      </p:bgPr>
-    </p:bg>
-    <p:spTree>
-      <p:nvGrpSpPr>
-        <p:cNvPr id="1" name=""/>
-        <p:cNvGrpSpPr/>
-        <p:nvPr/>
-      </p:nvGrpSpPr>
-      <p:grpSpPr>
-        <a:xfrm>
-          <a:off x="0" y="0"/>
-          <a:ext cx="0" cy="0"/>
-          <a:chOff x="0" y="0"/>
-          <a:chExt cx="0" cy="0"/>
-        </a:xfrm>
-      </p:grpSpPr>
-      <p:sp useBgFill="1">
-        <p:nvSpPr>
-          <p:cNvPr id="8" name="Rectangle 7">
-            <a:extLst>
-              <a:ext uri="{FF2B5EF4-FFF2-40B4-BE49-F238E27FC236}">
-                <a16:creationId xmlns:a16="http://schemas.microsoft.com/office/drawing/2014/main" id="{8B9AA7C6-5E5A-498E-A6DF-A943376E09BC}"/>
-              </a:ext>
-              <a:ext uri="{C183D7F6-B498-43B3-948B-1728B52AA6E4}">
-                <adec:decorative xmlns:adec="http://schemas.microsoft.com/office/drawing/2017/decorative" val="1"/>
-              </a:ext>
-            </a:extLst>
-          </p:cNvPr>
-          <p:cNvSpPr>
-            <a:spLocks noGrp="1" noRot="1" noChangeAspect="1" noMove="1" noResize="1" noEditPoints="1" noAdjustHandles="1" noChangeArrowheads="1" noChangeShapeType="1" noTextEdit="1"/>
-          </p:cNvSpPr>
-          <p:nvPr>
-            <p:extLst>
-              <p:ext uri="{386F3935-93C4-4BCD-93E2-E3B085C9AB24}">
-                <p16:designElem xmlns:p16="http://schemas.microsoft.com/office/powerpoint/2015/main" val="1"/>
-              </p:ext>
-            </p:extLst>
-          </p:nvPr>
-        </p:nvSpPr>
-        <p:spPr>
-          <a:xfrm>
-            <a:off x="0" y="0"/>
-            <a:ext cx="12191999" cy="6857365"/>
-          </a:xfrm>
-          <a:prstGeom prst="rect">
-            <a:avLst/>
-          </a:prstGeom>
-          <a:ln>
-            <a:noFill/>
-          </a:ln>
-        </p:spPr>
-        <p:style>
-          <a:lnRef idx="2">
-            <a:schemeClr val="accent1">
-              <a:shade val="50000"/>
-            </a:schemeClr>
-          </a:lnRef>
-          <a:fillRef idx="1">
-            <a:schemeClr val="accent1"/>
-          </a:fillRef>
-          <a:effectRef idx="0">
-            <a:schemeClr val="accent1"/>
-          </a:effectRef>
-          <a:fontRef idx="minor">
-            <a:schemeClr val="lt1"/>
-          </a:fontRef>
-        </p:style>
-        <p:txBody>
-          <a:bodyPr rtlCol="0" anchor="ctr"/>
-          <a:lstStyle/>
-          <a:p>
-            <a:pPr algn="ctr"/>
-            <a:endParaRPr lang="en-US"/>
-          </a:p>
-        </p:txBody>
-      </p:sp>
-      <p:grpSp>
-        <p:nvGrpSpPr>
-          <p:cNvPr id="10" name="Group 9">
-            <a:extLst>
-              <a:ext uri="{FF2B5EF4-FFF2-40B4-BE49-F238E27FC236}">
-                <a16:creationId xmlns:a16="http://schemas.microsoft.com/office/drawing/2014/main" id="{83EAB11A-76F7-48F4-9B4F-5BFDF4BF9670}"/>
-              </a:ext>
-              <a:ext uri="{C183D7F6-B498-43B3-948B-1728B52AA6E4}">
-                <adec:decorative xmlns:adec="http://schemas.microsoft.com/office/drawing/2017/decorative" val="1"/>
-              </a:ext>
-            </a:extLst>
-          </p:cNvPr>
-          <p:cNvGrpSpPr>
-            <a:grpSpLocks noGrp="1" noUngrp="1" noRot="1" noChangeAspect="1" noMove="1" noResize="1"/>
-          </p:cNvGrpSpPr>
-          <p:nvPr>
-            <p:extLst>
-              <p:ext uri="{386F3935-93C4-4BCD-93E2-E3B085C9AB24}">
-                <p16:designElem xmlns:p16="http://schemas.microsoft.com/office/powerpoint/2015/main" val="1"/>
-              </p:ext>
-            </p:extLst>
-          </p:nvPr>
-        </p:nvGrpSpPr>
-        <p:grpSpPr>
-          <a:xfrm>
-            <a:off x="74300" y="2385102"/>
-            <a:ext cx="574091" cy="2087796"/>
-            <a:chOff x="209668" y="2857422"/>
-            <a:chExt cx="463662" cy="2087796"/>
-          </a:xfrm>
-        </p:grpSpPr>
-        <p:sp>
-          <p:nvSpPr>
-            <p:cNvPr id="11" name="Rectangle 10">
-              <a:extLst>
-                <a:ext uri="{FF2B5EF4-FFF2-40B4-BE49-F238E27FC236}">
-                  <a16:creationId xmlns:a16="http://schemas.microsoft.com/office/drawing/2014/main" id="{74D4C416-D5F4-4F6F-A6F1-87A21CD4FCAF}"/>
-                </a:ext>
-                <a:ext uri="{C183D7F6-B498-43B3-948B-1728B52AA6E4}">
-                  <adec:decorative xmlns:adec="http://schemas.microsoft.com/office/drawing/2017/decorative" val="1"/>
-                </a:ext>
-              </a:extLst>
-            </p:cNvPr>
-            <p:cNvSpPr/>
-            <p:nvPr>
-              <p:extLst>
-                <p:ext uri="{386F3935-93C4-4BCD-93E2-E3B085C9AB24}">
-                  <p16:designElem xmlns:p16="http://schemas.microsoft.com/office/powerpoint/2015/main" val="1"/>
-                </p:ext>
-              </p:extLst>
-            </p:nvPr>
-          </p:nvSpPr>
-          <p:spPr>
-            <a:xfrm flipH="1" flipV="1">
-              <a:off x="423947" y="2857422"/>
-              <a:ext cx="249383" cy="2087795"/>
-            </a:xfrm>
-            <a:prstGeom prst="rect">
-              <a:avLst/>
-            </a:prstGeom>
-            <a:solidFill>
-              <a:schemeClr val="accent4"/>
-            </a:solidFill>
-            <a:ln>
-              <a:noFill/>
-            </a:ln>
-          </p:spPr>
-          <p:style>
-            <a:lnRef idx="2">
-              <a:schemeClr val="accent1">
-                <a:shade val="50000"/>
-              </a:schemeClr>
-            </a:lnRef>
-            <a:fillRef idx="1">
-              <a:schemeClr val="accent1"/>
-            </a:fillRef>
-            <a:effectRef idx="0">
-              <a:schemeClr val="accent1"/>
-            </a:effectRef>
-            <a:fontRef idx="minor">
-              <a:schemeClr val="lt1"/>
-            </a:fontRef>
-          </p:style>
-          <p:txBody>
-            <a:bodyPr rtlCol="0" anchor="ctr"/>
-            <a:lstStyle/>
-            <a:p>
-              <a:pPr algn="ctr"/>
-              <a:endParaRPr lang="en-US"/>
-            </a:p>
-          </p:txBody>
-        </p:sp>
-        <p:cxnSp>
-          <p:nvCxnSpPr>
-            <p:cNvPr id="12" name="Straight Connector 11">
-              <a:extLst>
-                <a:ext uri="{FF2B5EF4-FFF2-40B4-BE49-F238E27FC236}">
-                  <a16:creationId xmlns:a16="http://schemas.microsoft.com/office/drawing/2014/main" id="{C6AC1C30-21C6-4BF6-93EE-B211D7A85011}"/>
-                </a:ext>
-                <a:ext uri="{C183D7F6-B498-43B3-948B-1728B52AA6E4}">
-                  <adec:decorative xmlns:adec="http://schemas.microsoft.com/office/drawing/2017/decorative" val="1"/>
-                </a:ext>
-              </a:extLst>
-            </p:cNvPr>
-            <p:cNvCxnSpPr>
-              <a:cxnSpLocks/>
-            </p:cNvCxnSpPr>
-            <p:nvPr>
-              <p:extLst>
-                <p:ext uri="{386F3935-93C4-4BCD-93E2-E3B085C9AB24}">
-                  <p16:designElem xmlns:p16="http://schemas.microsoft.com/office/powerpoint/2015/main" val="1"/>
-                </p:ext>
-              </p:extLst>
-            </p:nvPr>
-          </p:nvCxnSpPr>
-          <p:spPr>
-            <a:xfrm flipH="1">
-              <a:off x="209668" y="2857423"/>
-              <a:ext cx="1" cy="2087795"/>
-            </a:xfrm>
-            <a:prstGeom prst="line">
-              <a:avLst/>
-            </a:prstGeom>
-            <a:ln w="177800">
-              <a:solidFill>
-                <a:schemeClr val="accent4"/>
-              </a:solidFill>
-            </a:ln>
-          </p:spPr>
-          <p:style>
-            <a:lnRef idx="1">
-              <a:schemeClr val="accent1"/>
-            </a:lnRef>
-            <a:fillRef idx="0">
-              <a:schemeClr val="accent1"/>
-            </a:fillRef>
-            <a:effectRef idx="0">
-              <a:schemeClr val="accent1"/>
-            </a:effectRef>
-            <a:fontRef idx="minor">
-              <a:schemeClr val="tx1"/>
-            </a:fontRef>
-          </p:style>
-        </p:cxnSp>
-      </p:grpSp>
-      <p:sp>
-        <p:nvSpPr>
-          <p:cNvPr id="14" name="Rectangle 13">
-            <a:extLst>
-              <a:ext uri="{FF2B5EF4-FFF2-40B4-BE49-F238E27FC236}">
-                <a16:creationId xmlns:a16="http://schemas.microsoft.com/office/drawing/2014/main" id="{81E140AE-0ABF-47C8-BF32-7D2F0CF2BA44}"/>
-              </a:ext>
-              <a:ext uri="{C183D7F6-B498-43B3-948B-1728B52AA6E4}">
-                <adec:decorative xmlns:adec="http://schemas.microsoft.com/office/drawing/2017/decorative" val="1"/>
-              </a:ext>
-            </a:extLst>
-          </p:cNvPr>
-          <p:cNvSpPr>
-            <a:spLocks noGrp="1" noRot="1" noChangeAspect="1" noMove="1" noResize="1" noEditPoints="1" noAdjustHandles="1" noChangeArrowheads="1" noChangeShapeType="1" noTextEdit="1"/>
-          </p:cNvSpPr>
-          <p:nvPr>
-            <p:extLst>
-              <p:ext uri="{386F3935-93C4-4BCD-93E2-E3B085C9AB24}">
-                <p16:designElem xmlns:p16="http://schemas.microsoft.com/office/powerpoint/2015/main" val="1"/>
-              </p:ext>
-            </p:extLst>
-          </p:nvPr>
-        </p:nvSpPr>
-        <p:spPr>
-          <a:xfrm flipH="1">
-            <a:off x="10697670" y="0"/>
-            <a:ext cx="1494330" cy="6858000"/>
-          </a:xfrm>
-          <a:prstGeom prst="rect">
-            <a:avLst/>
-          </a:prstGeom>
-          <a:solidFill>
-            <a:schemeClr val="accent4"/>
-          </a:solidFill>
-          <a:ln>
-            <a:noFill/>
-          </a:ln>
-        </p:spPr>
-        <p:style>
-          <a:lnRef idx="2">
-            <a:schemeClr val="accent1">
-              <a:shade val="50000"/>
-            </a:schemeClr>
-          </a:lnRef>
-          <a:fillRef idx="1">
-            <a:schemeClr val="accent1"/>
-          </a:fillRef>
-          <a:effectRef idx="0">
-            <a:schemeClr val="accent1"/>
-          </a:effectRef>
-          <a:fontRef idx="minor">
-            <a:schemeClr val="lt1"/>
-          </a:fontRef>
-        </p:style>
-        <p:txBody>
-          <a:bodyPr rtlCol="0" anchor="ctr"/>
-          <a:lstStyle/>
-          <a:p>
-            <a:pPr algn="ctr"/>
-            <a:endParaRPr lang="en-US"/>
-          </a:p>
-        </p:txBody>
-      </p:sp>
-      <p:sp>
-        <p:nvSpPr>
-          <p:cNvPr id="16" name="Rectangle 15">
-            <a:extLst>
-              <a:ext uri="{FF2B5EF4-FFF2-40B4-BE49-F238E27FC236}">
-                <a16:creationId xmlns:a16="http://schemas.microsoft.com/office/drawing/2014/main" id="{CBC4F608-B4B8-48C3-9572-C0F061B1CD99}"/>
-              </a:ext>
-              <a:ext uri="{C183D7F6-B498-43B3-948B-1728B52AA6E4}">
-                <adec:decorative xmlns:adec="http://schemas.microsoft.com/office/drawing/2017/decorative" val="1"/>
-              </a:ext>
-            </a:extLst>
-          </p:cNvPr>
-          <p:cNvSpPr>
-            <a:spLocks noGrp="1" noRot="1" noChangeAspect="1" noMove="1" noResize="1" noEditPoints="1" noAdjustHandles="1" noChangeArrowheads="1" noChangeShapeType="1" noTextEdit="1"/>
-          </p:cNvSpPr>
-          <p:nvPr>
-            <p:extLst>
-              <p:ext uri="{386F3935-93C4-4BCD-93E2-E3B085C9AB24}">
-                <p16:designElem xmlns:p16="http://schemas.microsoft.com/office/powerpoint/2015/main" val="1"/>
-              </p:ext>
-            </p:extLst>
-          </p:nvPr>
-        </p:nvSpPr>
-        <p:spPr>
-          <a:xfrm>
-            <a:off x="579528" y="631767"/>
-            <a:ext cx="11111729" cy="5752404"/>
-          </a:xfrm>
-          <a:prstGeom prst="rect">
-            <a:avLst/>
-          </a:prstGeom>
-          <a:solidFill>
-            <a:schemeClr val="bg1"/>
-          </a:solidFill>
-          <a:ln>
-            <a:noFill/>
-          </a:ln>
-          <a:effectLst>
-            <a:outerShdw blurRad="139700" dist="127000" dir="5400000" algn="t" rotWithShape="0">
-              <a:prstClr val="black">
-                <a:alpha val="15000"/>
-              </a:prstClr>
-            </a:outerShdw>
-          </a:effectLst>
-        </p:spPr>
-        <p:style>
-          <a:lnRef idx="2">
-            <a:schemeClr val="accent1">
-              <a:shade val="50000"/>
-            </a:schemeClr>
-          </a:lnRef>
-          <a:fillRef idx="1">
-            <a:schemeClr val="accent1"/>
-          </a:fillRef>
-          <a:effectRef idx="0">
-            <a:schemeClr val="accent1"/>
-          </a:effectRef>
-          <a:fontRef idx="minor">
-            <a:schemeClr val="lt1"/>
-          </a:fontRef>
-        </p:style>
-        <p:txBody>
-          <a:bodyPr rtlCol="0" anchor="ctr"/>
-          <a:lstStyle/>
-          <a:p>
-            <a:pPr algn="ctr"/>
-            <a:endParaRPr lang="en-US"/>
-          </a:p>
-        </p:txBody>
-      </p:sp>
-      <p:sp>
-        <p:nvSpPr>
-          <p:cNvPr id="2" name="標題 1">
-            <a:extLst>
-              <a:ext uri="{FF2B5EF4-FFF2-40B4-BE49-F238E27FC236}">
-                <a16:creationId xmlns:a16="http://schemas.microsoft.com/office/drawing/2014/main" id="{27645875-5785-3C17-317B-0521CE0DC846}"/>
-              </a:ext>
-            </a:extLst>
-          </p:cNvPr>
-          <p:cNvSpPr>
-            <a:spLocks noGrp="1"/>
-          </p:cNvSpPr>
-          <p:nvPr>
-            <p:ph type="title"/>
-          </p:nvPr>
-        </p:nvSpPr>
-        <p:spPr>
-          <a:xfrm>
-            <a:off x="1153618" y="1239927"/>
-            <a:ext cx="4008586" cy="4680583"/>
-          </a:xfrm>
-        </p:spPr>
-        <p:txBody>
-          <a:bodyPr anchor="ctr">
-            <a:normAutofit/>
-          </a:bodyPr>
-          <a:lstStyle/>
-          <a:p>
-            <a:r>
-              <a:rPr lang="zh-TW" altLang="en-US" sz="5200" b="1" dirty="0">
-                <a:latin typeface="微軟正黑體" panose="020B0604030504040204" pitchFamily="34" charset="-120"/>
-                <a:ea typeface="微軟正黑體" panose="020B0604030504040204" pitchFamily="34" charset="-120"/>
-              </a:rPr>
-              <a:t>系統目的</a:t>
-            </a:r>
-          </a:p>
-        </p:txBody>
-      </p:sp>
-      <p:sp>
-        <p:nvSpPr>
-          <p:cNvPr id="3" name="內容版面配置區 2">
-            <a:extLst>
-              <a:ext uri="{FF2B5EF4-FFF2-40B4-BE49-F238E27FC236}">
-                <a16:creationId xmlns:a16="http://schemas.microsoft.com/office/drawing/2014/main" id="{943DA7FE-6074-DC80-B0C3-6CFD0D747C00}"/>
-              </a:ext>
-            </a:extLst>
-          </p:cNvPr>
-          <p:cNvSpPr>
-            <a:spLocks noGrp="1"/>
-          </p:cNvSpPr>
-          <p:nvPr>
-            <p:ph idx="1"/>
-          </p:nvPr>
-        </p:nvSpPr>
-        <p:spPr>
-          <a:xfrm>
-            <a:off x="5736294" y="1239927"/>
-            <a:ext cx="5527453" cy="4680583"/>
-          </a:xfrm>
-        </p:spPr>
-        <p:txBody>
-          <a:bodyPr anchor="ctr">
-            <a:normAutofit/>
-          </a:bodyPr>
-          <a:lstStyle/>
-          <a:p>
-            <a:r>
-              <a:rPr lang="zh-TW" altLang="en-US" sz="2000" dirty="0">
-                <a:latin typeface="微軟正黑體" panose="020B0604030504040204" pitchFamily="34" charset="-120"/>
-                <a:ea typeface="微軟正黑體" panose="020B0604030504040204" pitchFamily="34" charset="-120"/>
-              </a:rPr>
-              <a:t>及時發現關節、體態不良問題</a:t>
-            </a:r>
-            <a:endParaRPr lang="en-US" altLang="zh-TW" sz="2000" dirty="0">
-              <a:latin typeface="微軟正黑體" panose="020B0604030504040204" pitchFamily="34" charset="-120"/>
-              <a:ea typeface="微軟正黑體" panose="020B0604030504040204" pitchFamily="34" charset="-120"/>
-            </a:endParaRPr>
-          </a:p>
-          <a:p>
-            <a:endParaRPr lang="en-US" altLang="zh-TW" sz="2000" dirty="0">
-              <a:latin typeface="微軟正黑體" panose="020B0604030504040204" pitchFamily="34" charset="-120"/>
-              <a:ea typeface="微軟正黑體" panose="020B0604030504040204" pitchFamily="34" charset="-120"/>
-            </a:endParaRPr>
-          </a:p>
-          <a:p>
-            <a:r>
-              <a:rPr lang="zh-TW" altLang="en-US" sz="2000" dirty="0">
-                <a:latin typeface="微軟正黑體" panose="020B0604030504040204" pitchFamily="34" charset="-120"/>
-                <a:ea typeface="微軟正黑體" panose="020B0604030504040204" pitchFamily="34" charset="-120"/>
-              </a:rPr>
-              <a:t>在聊天</a:t>
-            </a:r>
-            <a:r>
-              <a:rPr lang="zh-TW" altLang="en-US" sz="2000">
-                <a:latin typeface="微軟正黑體" panose="020B0604030504040204" pitchFamily="34" charset="-120"/>
-                <a:ea typeface="微軟正黑體" panose="020B0604030504040204" pitchFamily="34" charset="-120"/>
-              </a:rPr>
-              <a:t>互動中隨時</a:t>
-            </a:r>
-            <a:r>
-              <a:rPr lang="zh-TW" altLang="en-US" sz="2000" dirty="0">
-                <a:latin typeface="微軟正黑體" panose="020B0604030504040204" pitchFamily="34" charset="-120"/>
-                <a:ea typeface="微軟正黑體" panose="020B0604030504040204" pitchFamily="34" charset="-120"/>
-              </a:rPr>
-              <a:t>獲取保健知識及建議</a:t>
-            </a:r>
-            <a:endParaRPr lang="en-US" altLang="zh-TW" sz="2000" dirty="0">
-              <a:latin typeface="微軟正黑體" panose="020B0604030504040204" pitchFamily="34" charset="-120"/>
-              <a:ea typeface="微軟正黑體" panose="020B0604030504040204" pitchFamily="34" charset="-120"/>
-            </a:endParaRPr>
-          </a:p>
-          <a:p>
-            <a:endParaRPr lang="en-US" altLang="zh-TW" sz="2000" dirty="0">
-              <a:latin typeface="微軟正黑體" panose="020B0604030504040204" pitchFamily="34" charset="-120"/>
-              <a:ea typeface="微軟正黑體" panose="020B0604030504040204" pitchFamily="34" charset="-120"/>
-            </a:endParaRPr>
-          </a:p>
-          <a:p>
-            <a:r>
-              <a:rPr lang="zh-TW" altLang="en-US" sz="2000" dirty="0">
-                <a:latin typeface="微軟正黑體" panose="020B0604030504040204" pitchFamily="34" charset="-120"/>
-                <a:ea typeface="微軟正黑體" panose="020B0604030504040204" pitchFamily="34" charset="-120"/>
-              </a:rPr>
-              <a:t>緩解關節的不適</a:t>
-            </a:r>
-          </a:p>
-        </p:txBody>
-      </p:sp>
-    </p:spTree>
-    <p:extLst>
-      <p:ext uri="{BB962C8B-B14F-4D97-AF65-F5344CB8AC3E}">
-        <p14:creationId xmlns:p14="http://schemas.microsoft.com/office/powerpoint/2010/main" val="211147894"/>
+        <p14:creationId xmlns:p14="http://schemas.microsoft.com/office/powerpoint/2010/main" val="1739337312"/>
       </p:ext>
     </p:extLst>
   </p:cSld>

--- a/整合/報告/產品報告.pptx
+++ b/整合/報告/產品報告.pptx
@@ -1140,7 +1140,7 @@
           <a:p>
             <a:fld id="{348DD897-C32E-42F1-9BC0-69A63B2159A6}" type="datetimeFigureOut">
               <a:rPr lang="zh-TW" altLang="en-US" smtClean="0"/>
-              <a:t>2023/12/19</a:t>
+              <a:t>2023/12/20</a:t>
             </a:fld>
             <a:endParaRPr lang="zh-TW" altLang="en-US"/>
           </a:p>
@@ -1722,7 +1722,7 @@
           <a:p>
             <a:fld id="{5D037FE7-D7D4-44C9-BE9D-AB57904CB883}" type="datetimeFigureOut">
               <a:rPr lang="zh-TW" altLang="en-US" smtClean="0"/>
-              <a:t>2023/12/19</a:t>
+              <a:t>2023/12/20</a:t>
             </a:fld>
             <a:endParaRPr lang="zh-TW" altLang="en-US"/>
           </a:p>
@@ -1920,7 +1920,7 @@
           <a:p>
             <a:fld id="{5D037FE7-D7D4-44C9-BE9D-AB57904CB883}" type="datetimeFigureOut">
               <a:rPr lang="zh-TW" altLang="en-US" smtClean="0"/>
-              <a:t>2023/12/19</a:t>
+              <a:t>2023/12/20</a:t>
             </a:fld>
             <a:endParaRPr lang="zh-TW" altLang="en-US"/>
           </a:p>
@@ -2128,7 +2128,7 @@
           <a:p>
             <a:fld id="{5D037FE7-D7D4-44C9-BE9D-AB57904CB883}" type="datetimeFigureOut">
               <a:rPr lang="zh-TW" altLang="en-US" smtClean="0"/>
-              <a:t>2023/12/19</a:t>
+              <a:t>2023/12/20</a:t>
             </a:fld>
             <a:endParaRPr lang="zh-TW" altLang="en-US"/>
           </a:p>
@@ -2326,7 +2326,7 @@
           <a:p>
             <a:fld id="{5D037FE7-D7D4-44C9-BE9D-AB57904CB883}" type="datetimeFigureOut">
               <a:rPr lang="zh-TW" altLang="en-US" smtClean="0"/>
-              <a:t>2023/12/19</a:t>
+              <a:t>2023/12/20</a:t>
             </a:fld>
             <a:endParaRPr lang="zh-TW" altLang="en-US"/>
           </a:p>
@@ -2601,7 +2601,7 @@
           <a:p>
             <a:fld id="{5D037FE7-D7D4-44C9-BE9D-AB57904CB883}" type="datetimeFigureOut">
               <a:rPr lang="zh-TW" altLang="en-US" smtClean="0"/>
-              <a:t>2023/12/19</a:t>
+              <a:t>2023/12/20</a:t>
             </a:fld>
             <a:endParaRPr lang="zh-TW" altLang="en-US"/>
           </a:p>
@@ -2866,7 +2866,7 @@
           <a:p>
             <a:fld id="{5D037FE7-D7D4-44C9-BE9D-AB57904CB883}" type="datetimeFigureOut">
               <a:rPr lang="zh-TW" altLang="en-US" smtClean="0"/>
-              <a:t>2023/12/19</a:t>
+              <a:t>2023/12/20</a:t>
             </a:fld>
             <a:endParaRPr lang="zh-TW" altLang="en-US"/>
           </a:p>
@@ -3278,7 +3278,7 @@
           <a:p>
             <a:fld id="{5D037FE7-D7D4-44C9-BE9D-AB57904CB883}" type="datetimeFigureOut">
               <a:rPr lang="zh-TW" altLang="en-US" smtClean="0"/>
-              <a:t>2023/12/19</a:t>
+              <a:t>2023/12/20</a:t>
             </a:fld>
             <a:endParaRPr lang="zh-TW" altLang="en-US"/>
           </a:p>
@@ -3419,7 +3419,7 @@
           <a:p>
             <a:fld id="{5D037FE7-D7D4-44C9-BE9D-AB57904CB883}" type="datetimeFigureOut">
               <a:rPr lang="zh-TW" altLang="en-US" smtClean="0"/>
-              <a:t>2023/12/19</a:t>
+              <a:t>2023/12/20</a:t>
             </a:fld>
             <a:endParaRPr lang="zh-TW" altLang="en-US"/>
           </a:p>
@@ -3532,7 +3532,7 @@
           <a:p>
             <a:fld id="{5D037FE7-D7D4-44C9-BE9D-AB57904CB883}" type="datetimeFigureOut">
               <a:rPr lang="zh-TW" altLang="en-US" smtClean="0"/>
-              <a:t>2023/12/19</a:t>
+              <a:t>2023/12/20</a:t>
             </a:fld>
             <a:endParaRPr lang="zh-TW" altLang="en-US"/>
           </a:p>
@@ -3843,7 +3843,7 @@
           <a:p>
             <a:fld id="{5D037FE7-D7D4-44C9-BE9D-AB57904CB883}" type="datetimeFigureOut">
               <a:rPr lang="zh-TW" altLang="en-US" smtClean="0"/>
-              <a:t>2023/12/19</a:t>
+              <a:t>2023/12/20</a:t>
             </a:fld>
             <a:endParaRPr lang="zh-TW" altLang="en-US"/>
           </a:p>
@@ -4131,7 +4131,7 @@
           <a:p>
             <a:fld id="{5D037FE7-D7D4-44C9-BE9D-AB57904CB883}" type="datetimeFigureOut">
               <a:rPr lang="zh-TW" altLang="en-US" smtClean="0"/>
-              <a:t>2023/12/19</a:t>
+              <a:t>2023/12/20</a:t>
             </a:fld>
             <a:endParaRPr lang="zh-TW" altLang="en-US"/>
           </a:p>
@@ -4372,7 +4372,7 @@
           <a:p>
             <a:fld id="{5D037FE7-D7D4-44C9-BE9D-AB57904CB883}" type="datetimeFigureOut">
               <a:rPr lang="zh-TW" altLang="en-US" smtClean="0"/>
-              <a:t>2023/12/19</a:t>
+              <a:t>2023/12/20</a:t>
             </a:fld>
             <a:endParaRPr lang="zh-TW" altLang="en-US"/>
           </a:p>
@@ -6310,40 +6310,21 @@
             <p:ph type="title"/>
           </p:nvPr>
         </p:nvSpPr>
-        <p:spPr/>
+        <p:spPr>
+          <a:xfrm>
+            <a:off x="838200" y="2766218"/>
+            <a:ext cx="10515600" cy="1325563"/>
+          </a:xfrm>
+        </p:spPr>
         <p:txBody>
           <a:bodyPr/>
           <a:lstStyle/>
           <a:p>
+            <a:pPr algn="ctr"/>
             <a:r>
               <a:rPr lang="en-US" altLang="zh-TW" dirty="0"/>
               <a:t>end</a:t>
             </a:r>
-            <a:endParaRPr lang="zh-TW" altLang="en-US" dirty="0"/>
-          </a:p>
-        </p:txBody>
-      </p:sp>
-      <p:sp>
-        <p:nvSpPr>
-          <p:cNvPr id="3" name="內容版面配置區 2">
-            <a:extLst>
-              <a:ext uri="{FF2B5EF4-FFF2-40B4-BE49-F238E27FC236}">
-                <a16:creationId xmlns:a16="http://schemas.microsoft.com/office/drawing/2014/main" id="{3F6E75CB-736F-BFAB-9667-CE6C9EA96CF8}"/>
-              </a:ext>
-            </a:extLst>
-          </p:cNvPr>
-          <p:cNvSpPr>
-            <a:spLocks noGrp="1"/>
-          </p:cNvSpPr>
-          <p:nvPr>
-            <p:ph idx="1"/>
-          </p:nvPr>
-        </p:nvSpPr>
-        <p:spPr/>
-        <p:txBody>
-          <a:bodyPr/>
-          <a:lstStyle/>
-          <a:p>
             <a:endParaRPr lang="zh-TW" altLang="en-US" dirty="0"/>
           </a:p>
         </p:txBody>
@@ -8438,7 +8419,21 @@
                 <a:latin typeface="微軟正黑體" panose="020B0604030504040204" pitchFamily="34" charset="-120"/>
                 <a:ea typeface="微軟正黑體" panose="020B0604030504040204" pitchFamily="34" charset="-120"/>
               </a:rPr>
-              <a:t>市面針對身關節、體態情況的產品相當稀少</a:t>
+              <a:t>市面針對身關節、體態</a:t>
+            </a:r>
+            <a:r>
+              <a:rPr lang="zh-TW" altLang="en-US" sz="2400">
+                <a:latin typeface="微軟正黑體" panose="020B0604030504040204" pitchFamily="34" charset="-120"/>
+                <a:ea typeface="微軟正黑體" panose="020B0604030504040204" pitchFamily="34" charset="-120"/>
+              </a:rPr>
+              <a:t>情況的應用產品</a:t>
+            </a:r>
+            <a:r>
+              <a:rPr lang="zh-TW" altLang="en-US" sz="2400" dirty="0">
+                <a:latin typeface="微軟正黑體" panose="020B0604030504040204" pitchFamily="34" charset="-120"/>
+                <a:ea typeface="微軟正黑體" panose="020B0604030504040204" pitchFamily="34" charset="-120"/>
+              </a:rPr>
+              <a:t>相當稀少</a:t>
             </a:r>
             <a:endParaRPr lang="en-US" altLang="zh-TW" sz="2400" dirty="0">
               <a:latin typeface="微軟正黑體" panose="020B0604030504040204" pitchFamily="34" charset="-120"/>

--- a/整合/報告/產品報告.pptx
+++ b/整合/報告/產品報告.pptx
@@ -5,21 +5,25 @@
     <p:sldMasterId id="2147483648" r:id="rId1"/>
   </p:sldMasterIdLst>
   <p:notesMasterIdLst>
-    <p:notesMasterId r:id="rId14"/>
+    <p:notesMasterId r:id="rId18"/>
   </p:notesMasterIdLst>
   <p:sldIdLst>
     <p:sldId id="256" r:id="rId2"/>
     <p:sldId id="257" r:id="rId3"/>
     <p:sldId id="258" r:id="rId4"/>
-    <p:sldId id="260" r:id="rId5"/>
-    <p:sldId id="265" r:id="rId6"/>
-    <p:sldId id="261" r:id="rId7"/>
-    <p:sldId id="266" r:id="rId8"/>
-    <p:sldId id="262" r:id="rId9"/>
-    <p:sldId id="264" r:id="rId10"/>
-    <p:sldId id="268" r:id="rId11"/>
-    <p:sldId id="269" r:id="rId12"/>
-    <p:sldId id="271" r:id="rId13"/>
+    <p:sldId id="261" r:id="rId5"/>
+    <p:sldId id="273" r:id="rId6"/>
+    <p:sldId id="275" r:id="rId7"/>
+    <p:sldId id="274" r:id="rId8"/>
+    <p:sldId id="272" r:id="rId9"/>
+    <p:sldId id="265" r:id="rId10"/>
+    <p:sldId id="266" r:id="rId11"/>
+    <p:sldId id="260" r:id="rId12"/>
+    <p:sldId id="262" r:id="rId13"/>
+    <p:sldId id="264" r:id="rId14"/>
+    <p:sldId id="268" r:id="rId15"/>
+    <p:sldId id="269" r:id="rId16"/>
+    <p:sldId id="271" r:id="rId17"/>
   </p:sldIdLst>
   <p:sldSz cx="12192000" cy="6858000"/>
   <p:notesSz cx="6858000" cy="9144000"/>
@@ -129,7 +133,7 @@
 <file path=ppt/revisionInfo.xml><?xml version="1.0" encoding="utf-8"?>
 <p1510:revInfo xmlns:a="http://schemas.openxmlformats.org/drawingml/2006/main" xmlns:r="http://schemas.openxmlformats.org/officeDocument/2006/relationships" xmlns:p1510="http://schemas.microsoft.com/office/powerpoint/2015/10/main">
   <p1510:revLst>
-    <p1510:client id="{9E32E880-9E21-4A31-BD97-DF83B23E4AFF}" v="13" dt="2023-12-12T10:33:51.668"/>
+    <p1510:client id="{9E32E880-9E21-4A31-BD97-DF83B23E4AFF}" v="15" dt="2023-12-21T10:48:59.116"/>
   </p1510:revLst>
 </p1510:revInfo>
 </file>
@@ -139,7 +143,7 @@
   <pc:docChgLst>
     <pc:chgData name="品佑 陳" userId="b47096fc5e872c87" providerId="LiveId" clId="{9E32E880-9E21-4A31-BD97-DF83B23E4AFF}"/>
     <pc:docChg chg="undo custSel addSld delSld modSld sldOrd">
-      <pc:chgData name="品佑 陳" userId="b47096fc5e872c87" providerId="LiveId" clId="{9E32E880-9E21-4A31-BD97-DF83B23E4AFF}" dt="2023-12-19T13:09:55.759" v="6303" actId="20577"/>
+      <pc:chgData name="品佑 陳" userId="b47096fc5e872c87" providerId="LiveId" clId="{9E32E880-9E21-4A31-BD97-DF83B23E4AFF}" dt="2023-12-21T10:51:38.606" v="7051" actId="14100"/>
       <pc:docMkLst>
         <pc:docMk/>
       </pc:docMkLst>
@@ -199,7 +203,7 @@
         </pc:cxnChg>
       </pc:sldChg>
       <pc:sldChg chg="addSp modSp new mod setBg">
-        <pc:chgData name="品佑 陳" userId="b47096fc5e872c87" providerId="LiveId" clId="{9E32E880-9E21-4A31-BD97-DF83B23E4AFF}" dt="2023-12-19T12:57:33.188" v="6271" actId="20577"/>
+        <pc:chgData name="品佑 陳" userId="b47096fc5e872c87" providerId="LiveId" clId="{9E32E880-9E21-4A31-BD97-DF83B23E4AFF}" dt="2023-12-21T09:51:28.534" v="6499" actId="20577"/>
         <pc:sldMkLst>
           <pc:docMk/>
           <pc:sldMk cId="3673904705" sldId="257"/>
@@ -213,7 +217,7 @@
           </ac:spMkLst>
         </pc:spChg>
         <pc:spChg chg="mod">
-          <ac:chgData name="品佑 陳" userId="b47096fc5e872c87" providerId="LiveId" clId="{9E32E880-9E21-4A31-BD97-DF83B23E4AFF}" dt="2023-12-19T12:57:33.188" v="6271" actId="20577"/>
+          <ac:chgData name="品佑 陳" userId="b47096fc5e872c87" providerId="LiveId" clId="{9E32E880-9E21-4A31-BD97-DF83B23E4AFF}" dt="2023-12-21T09:51:28.534" v="6499" actId="20577"/>
           <ac:spMkLst>
             <pc:docMk/>
             <pc:sldMk cId="3673904705" sldId="257"/>
@@ -245,8 +249,8 @@
           </ac:grpSpMkLst>
         </pc:grpChg>
       </pc:sldChg>
-      <pc:sldChg chg="addSp delSp modSp new mod setBg">
-        <pc:chgData name="品佑 陳" userId="b47096fc5e872c87" providerId="LiveId" clId="{9E32E880-9E21-4A31-BD97-DF83B23E4AFF}" dt="2023-12-18T09:38:53.055" v="5964" actId="1076"/>
+      <pc:sldChg chg="addSp delSp modSp new mod ord setBg">
+        <pc:chgData name="品佑 陳" userId="b47096fc5e872c87" providerId="LiveId" clId="{9E32E880-9E21-4A31-BD97-DF83B23E4AFF}" dt="2023-12-21T09:44:13.113" v="6403"/>
         <pc:sldMkLst>
           <pc:docMk/>
           <pc:sldMk cId="1516866410" sldId="258"/>
@@ -459,13 +463,13 @@
         </pc:grpChg>
       </pc:sldChg>
       <pc:sldChg chg="addSp delSp modSp new mod ord setBg">
-        <pc:chgData name="品佑 陳" userId="b47096fc5e872c87" providerId="LiveId" clId="{9E32E880-9E21-4A31-BD97-DF83B23E4AFF}" dt="2023-12-19T11:28:56.017" v="6264" actId="20577"/>
+        <pc:chgData name="品佑 陳" userId="b47096fc5e872c87" providerId="LiveId" clId="{9E32E880-9E21-4A31-BD97-DF83B23E4AFF}" dt="2023-12-21T09:44:50.679" v="6423" actId="20577"/>
         <pc:sldMkLst>
           <pc:docMk/>
           <pc:sldMk cId="209587823" sldId="261"/>
         </pc:sldMkLst>
         <pc:spChg chg="mod">
-          <ac:chgData name="品佑 陳" userId="b47096fc5e872c87" providerId="LiveId" clId="{9E32E880-9E21-4A31-BD97-DF83B23E4AFF}" dt="2023-12-12T10:41:18.124" v="4918" actId="26606"/>
+          <ac:chgData name="品佑 陳" userId="b47096fc5e872c87" providerId="LiveId" clId="{9E32E880-9E21-4A31-BD97-DF83B23E4AFF}" dt="2023-12-21T09:44:50.679" v="6423" actId="20577"/>
           <ac:spMkLst>
             <pc:docMk/>
             <pc:sldMk cId="209587823" sldId="261"/>
@@ -703,13 +707,13 @@
         </pc:cxnChg>
       </pc:sldChg>
       <pc:sldChg chg="addSp modSp new mod ord setBg">
-        <pc:chgData name="品佑 陳" userId="b47096fc5e872c87" providerId="LiveId" clId="{9E32E880-9E21-4A31-BD97-DF83B23E4AFF}" dt="2023-12-13T03:38:10.541" v="5644" actId="20577"/>
+        <pc:chgData name="品佑 陳" userId="b47096fc5e872c87" providerId="LiveId" clId="{9E32E880-9E21-4A31-BD97-DF83B23E4AFF}" dt="2023-12-21T09:43:21.855" v="6397" actId="20577"/>
         <pc:sldMkLst>
           <pc:docMk/>
           <pc:sldMk cId="2807620293" sldId="265"/>
         </pc:sldMkLst>
         <pc:spChg chg="mod">
-          <ac:chgData name="品佑 陳" userId="b47096fc5e872c87" providerId="LiveId" clId="{9E32E880-9E21-4A31-BD97-DF83B23E4AFF}" dt="2023-12-12T10:41:09.071" v="4915" actId="26606"/>
+          <ac:chgData name="品佑 陳" userId="b47096fc5e872c87" providerId="LiveId" clId="{9E32E880-9E21-4A31-BD97-DF83B23E4AFF}" dt="2023-12-21T09:43:21.855" v="6397" actId="20577"/>
           <ac:spMkLst>
             <pc:docMk/>
             <pc:sldMk cId="2807620293" sldId="265"/>
@@ -757,14 +761,14 @@
           </ac:cxnSpMkLst>
         </pc:cxnChg>
       </pc:sldChg>
-      <pc:sldChg chg="addSp delSp modSp new mod setBg">
-        <pc:chgData name="品佑 陳" userId="b47096fc5e872c87" providerId="LiveId" clId="{9E32E880-9E21-4A31-BD97-DF83B23E4AFF}" dt="2023-12-19T13:09:55.759" v="6303" actId="20577"/>
+      <pc:sldChg chg="addSp delSp modSp new mod ord setBg">
+        <pc:chgData name="品佑 陳" userId="b47096fc5e872c87" providerId="LiveId" clId="{9E32E880-9E21-4A31-BD97-DF83B23E4AFF}" dt="2023-12-21T09:47:21.684" v="6427" actId="1076"/>
         <pc:sldMkLst>
           <pc:docMk/>
           <pc:sldMk cId="3016596021" sldId="266"/>
         </pc:sldMkLst>
         <pc:spChg chg="mod">
-          <ac:chgData name="品佑 陳" userId="b47096fc5e872c87" providerId="LiveId" clId="{9E32E880-9E21-4A31-BD97-DF83B23E4AFF}" dt="2023-12-18T11:20:05.113" v="5975" actId="26606"/>
+          <ac:chgData name="品佑 陳" userId="b47096fc5e872c87" providerId="LiveId" clId="{9E32E880-9E21-4A31-BD97-DF83B23E4AFF}" dt="2023-12-21T09:47:21.684" v="6427" actId="1076"/>
           <ac:spMkLst>
             <pc:docMk/>
             <pc:sldMk cId="3016596021" sldId="266"/>
@@ -1039,6 +1043,13 @@
           </ac:spMkLst>
         </pc:spChg>
       </pc:sldChg>
+      <pc:sldChg chg="new">
+        <pc:chgData name="品佑 陳" userId="b47096fc5e872c87" providerId="LiveId" clId="{9E32E880-9E21-4A31-BD97-DF83B23E4AFF}" dt="2023-12-21T09:51:50.024" v="6500" actId="680"/>
+        <pc:sldMkLst>
+          <pc:docMk/>
+          <pc:sldMk cId="1810039208" sldId="272"/>
+        </pc:sldMkLst>
+      </pc:sldChg>
       <pc:sldChg chg="new del">
         <pc:chgData name="品佑 陳" userId="b47096fc5e872c87" providerId="LiveId" clId="{9E32E880-9E21-4A31-BD97-DF83B23E4AFF}" dt="2023-12-18T11:20:08.602" v="5976" actId="47"/>
         <pc:sldMkLst>
@@ -1052,6 +1063,82 @@
           <pc:docMk/>
           <pc:sldMk cId="2710965041" sldId="272"/>
         </pc:sldMkLst>
+      </pc:sldChg>
+      <pc:sldChg chg="modSp add mod">
+        <pc:chgData name="品佑 陳" userId="b47096fc5e872c87" providerId="LiveId" clId="{9E32E880-9E21-4A31-BD97-DF83B23E4AFF}" dt="2023-12-21T10:48:17.186" v="6971" actId="20577"/>
+        <pc:sldMkLst>
+          <pc:docMk/>
+          <pc:sldMk cId="3777488471" sldId="273"/>
+        </pc:sldMkLst>
+        <pc:spChg chg="mod">
+          <ac:chgData name="品佑 陳" userId="b47096fc5e872c87" providerId="LiveId" clId="{9E32E880-9E21-4A31-BD97-DF83B23E4AFF}" dt="2023-12-21T10:48:17.186" v="6971" actId="20577"/>
+          <ac:spMkLst>
+            <pc:docMk/>
+            <pc:sldMk cId="3777488471" sldId="273"/>
+            <ac:spMk id="3" creationId="{105D2EBD-2AA9-D0CC-8C5B-E95BAFCFFDD9}"/>
+          </ac:spMkLst>
+        </pc:spChg>
+      </pc:sldChg>
+      <pc:sldChg chg="modSp new mod">
+        <pc:chgData name="品佑 陳" userId="b47096fc5e872c87" providerId="LiveId" clId="{9E32E880-9E21-4A31-BD97-DF83B23E4AFF}" dt="2023-12-21T10:48:48.087" v="6989" actId="20577"/>
+        <pc:sldMkLst>
+          <pc:docMk/>
+          <pc:sldMk cId="478470619" sldId="274"/>
+        </pc:sldMkLst>
+        <pc:spChg chg="mod">
+          <ac:chgData name="品佑 陳" userId="b47096fc5e872c87" providerId="LiveId" clId="{9E32E880-9E21-4A31-BD97-DF83B23E4AFF}" dt="2023-12-21T10:48:48.087" v="6989" actId="20577"/>
+          <ac:spMkLst>
+            <pc:docMk/>
+            <pc:sldMk cId="478470619" sldId="274"/>
+            <ac:spMk id="2" creationId="{D5A0CB9B-A8D3-30FC-F5CC-3AB44B86C239}"/>
+          </ac:spMkLst>
+        </pc:spChg>
+      </pc:sldChg>
+      <pc:sldChg chg="modSp add mod">
+        <pc:chgData name="品佑 陳" userId="b47096fc5e872c87" providerId="LiveId" clId="{9E32E880-9E21-4A31-BD97-DF83B23E4AFF}" dt="2023-12-21T10:51:38.606" v="7051" actId="14100"/>
+        <pc:sldMkLst>
+          <pc:docMk/>
+          <pc:sldMk cId="1383466733" sldId="275"/>
+        </pc:sldMkLst>
+        <pc:spChg chg="mod">
+          <ac:chgData name="品佑 陳" userId="b47096fc5e872c87" providerId="LiveId" clId="{9E32E880-9E21-4A31-BD97-DF83B23E4AFF}" dt="2023-12-21T10:51:38.606" v="7051" actId="14100"/>
+          <ac:spMkLst>
+            <pc:docMk/>
+            <pc:sldMk cId="1383466733" sldId="275"/>
+            <ac:spMk id="3" creationId="{105D2EBD-2AA9-D0CC-8C5B-E95BAFCFFDD9}"/>
+          </ac:spMkLst>
+        </pc:spChg>
+      </pc:sldChg>
+      <pc:sldChg chg="addSp delSp add del setBg delDesignElem">
+        <pc:chgData name="品佑 陳" userId="b47096fc5e872c87" providerId="LiveId" clId="{9E32E880-9E21-4A31-BD97-DF83B23E4AFF}" dt="2023-12-21T10:48:59.116" v="6992"/>
+        <pc:sldMkLst>
+          <pc:docMk/>
+          <pc:sldMk cId="1386605870" sldId="275"/>
+        </pc:sldMkLst>
+        <pc:spChg chg="add del">
+          <ac:chgData name="品佑 陳" userId="b47096fc5e872c87" providerId="LiveId" clId="{9E32E880-9E21-4A31-BD97-DF83B23E4AFF}" dt="2023-12-21T10:48:59.116" v="6992"/>
+          <ac:spMkLst>
+            <pc:docMk/>
+            <pc:sldMk cId="1386605870" sldId="275"/>
+            <ac:spMk id="14" creationId="{E659831F-0D9A-4C63-9EBB-8435B85A440F}"/>
+          </ac:spMkLst>
+        </pc:spChg>
+        <pc:spChg chg="add del">
+          <ac:chgData name="品佑 陳" userId="b47096fc5e872c87" providerId="LiveId" clId="{9E32E880-9E21-4A31-BD97-DF83B23E4AFF}" dt="2023-12-21T10:48:59.116" v="6992"/>
+          <ac:spMkLst>
+            <pc:docMk/>
+            <pc:sldMk cId="1386605870" sldId="275"/>
+            <ac:spMk id="19" creationId="{DBF61EA3-B236-439E-9C0B-340980D56BEE}"/>
+          </ac:spMkLst>
+        </pc:spChg>
+        <pc:grpChg chg="add del">
+          <ac:chgData name="品佑 陳" userId="b47096fc5e872c87" providerId="LiveId" clId="{9E32E880-9E21-4A31-BD97-DF83B23E4AFF}" dt="2023-12-21T10:48:59.116" v="6992"/>
+          <ac:grpSpMkLst>
+            <pc:docMk/>
+            <pc:sldMk cId="1386605870" sldId="275"/>
+            <ac:grpSpMk id="20" creationId="{28FAF094-D087-493F-8DF9-A486C2D6BBAA}"/>
+          </ac:grpSpMkLst>
+        </pc:grpChg>
       </pc:sldChg>
     </pc:docChg>
   </pc:docChgLst>
@@ -1140,7 +1227,7 @@
           <a:p>
             <a:fld id="{348DD897-C32E-42F1-9BC0-69A63B2159A6}" type="datetimeFigureOut">
               <a:rPr lang="zh-TW" altLang="en-US" smtClean="0"/>
-              <a:t>2023/12/20</a:t>
+              <a:t>2023/12/21</a:t>
             </a:fld>
             <a:endParaRPr lang="zh-TW" altLang="en-US"/>
           </a:p>
@@ -1722,7 +1809,7 @@
           <a:p>
             <a:fld id="{5D037FE7-D7D4-44C9-BE9D-AB57904CB883}" type="datetimeFigureOut">
               <a:rPr lang="zh-TW" altLang="en-US" smtClean="0"/>
-              <a:t>2023/12/20</a:t>
+              <a:t>2023/12/21</a:t>
             </a:fld>
             <a:endParaRPr lang="zh-TW" altLang="en-US"/>
           </a:p>
@@ -1920,7 +2007,7 @@
           <a:p>
             <a:fld id="{5D037FE7-D7D4-44C9-BE9D-AB57904CB883}" type="datetimeFigureOut">
               <a:rPr lang="zh-TW" altLang="en-US" smtClean="0"/>
-              <a:t>2023/12/20</a:t>
+              <a:t>2023/12/21</a:t>
             </a:fld>
             <a:endParaRPr lang="zh-TW" altLang="en-US"/>
           </a:p>
@@ -2128,7 +2215,7 @@
           <a:p>
             <a:fld id="{5D037FE7-D7D4-44C9-BE9D-AB57904CB883}" type="datetimeFigureOut">
               <a:rPr lang="zh-TW" altLang="en-US" smtClean="0"/>
-              <a:t>2023/12/20</a:t>
+              <a:t>2023/12/21</a:t>
             </a:fld>
             <a:endParaRPr lang="zh-TW" altLang="en-US"/>
           </a:p>
@@ -2326,7 +2413,7 @@
           <a:p>
             <a:fld id="{5D037FE7-D7D4-44C9-BE9D-AB57904CB883}" type="datetimeFigureOut">
               <a:rPr lang="zh-TW" altLang="en-US" smtClean="0"/>
-              <a:t>2023/12/20</a:t>
+              <a:t>2023/12/21</a:t>
             </a:fld>
             <a:endParaRPr lang="zh-TW" altLang="en-US"/>
           </a:p>
@@ -2601,7 +2688,7 @@
           <a:p>
             <a:fld id="{5D037FE7-D7D4-44C9-BE9D-AB57904CB883}" type="datetimeFigureOut">
               <a:rPr lang="zh-TW" altLang="en-US" smtClean="0"/>
-              <a:t>2023/12/20</a:t>
+              <a:t>2023/12/21</a:t>
             </a:fld>
             <a:endParaRPr lang="zh-TW" altLang="en-US"/>
           </a:p>
@@ -2866,7 +2953,7 @@
           <a:p>
             <a:fld id="{5D037FE7-D7D4-44C9-BE9D-AB57904CB883}" type="datetimeFigureOut">
               <a:rPr lang="zh-TW" altLang="en-US" smtClean="0"/>
-              <a:t>2023/12/20</a:t>
+              <a:t>2023/12/21</a:t>
             </a:fld>
             <a:endParaRPr lang="zh-TW" altLang="en-US"/>
           </a:p>
@@ -3278,7 +3365,7 @@
           <a:p>
             <a:fld id="{5D037FE7-D7D4-44C9-BE9D-AB57904CB883}" type="datetimeFigureOut">
               <a:rPr lang="zh-TW" altLang="en-US" smtClean="0"/>
-              <a:t>2023/12/20</a:t>
+              <a:t>2023/12/21</a:t>
             </a:fld>
             <a:endParaRPr lang="zh-TW" altLang="en-US"/>
           </a:p>
@@ -3419,7 +3506,7 @@
           <a:p>
             <a:fld id="{5D037FE7-D7D4-44C9-BE9D-AB57904CB883}" type="datetimeFigureOut">
               <a:rPr lang="zh-TW" altLang="en-US" smtClean="0"/>
-              <a:t>2023/12/20</a:t>
+              <a:t>2023/12/21</a:t>
             </a:fld>
             <a:endParaRPr lang="zh-TW" altLang="en-US"/>
           </a:p>
@@ -3532,7 +3619,7 @@
           <a:p>
             <a:fld id="{5D037FE7-D7D4-44C9-BE9D-AB57904CB883}" type="datetimeFigureOut">
               <a:rPr lang="zh-TW" altLang="en-US" smtClean="0"/>
-              <a:t>2023/12/20</a:t>
+              <a:t>2023/12/21</a:t>
             </a:fld>
             <a:endParaRPr lang="zh-TW" altLang="en-US"/>
           </a:p>
@@ -3843,7 +3930,7 @@
           <a:p>
             <a:fld id="{5D037FE7-D7D4-44C9-BE9D-AB57904CB883}" type="datetimeFigureOut">
               <a:rPr lang="zh-TW" altLang="en-US" smtClean="0"/>
-              <a:t>2023/12/20</a:t>
+              <a:t>2023/12/21</a:t>
             </a:fld>
             <a:endParaRPr lang="zh-TW" altLang="en-US"/>
           </a:p>
@@ -4131,7 +4218,7 @@
           <a:p>
             <a:fld id="{5D037FE7-D7D4-44C9-BE9D-AB57904CB883}" type="datetimeFigureOut">
               <a:rPr lang="zh-TW" altLang="en-US" smtClean="0"/>
-              <a:t>2023/12/20</a:t>
+              <a:t>2023/12/21</a:t>
             </a:fld>
             <a:endParaRPr lang="zh-TW" altLang="en-US"/>
           </a:p>
@@ -4372,7 +4459,7 @@
           <a:p>
             <a:fld id="{5D037FE7-D7D4-44C9-BE9D-AB57904CB883}" type="datetimeFigureOut">
               <a:rPr lang="zh-TW" altLang="en-US" smtClean="0"/>
-              <a:t>2023/12/20</a:t>
+              <a:t>2023/12/21</a:t>
             </a:fld>
             <a:endParaRPr lang="zh-TW" altLang="en-US"/>
           </a:p>
@@ -5149,6 +5236,1520 @@
       </p:grpSpPr>
       <p:sp useBgFill="1">
         <p:nvSpPr>
+          <p:cNvPr id="16" name="Rectangle 15">
+            <a:extLst>
+              <a:ext uri="{FF2B5EF4-FFF2-40B4-BE49-F238E27FC236}">
+                <a16:creationId xmlns:a16="http://schemas.microsoft.com/office/drawing/2014/main" id="{907EF6B7-1338-4443-8C46-6A318D952DFD}"/>
+              </a:ext>
+              <a:ext uri="{C183D7F6-B498-43B3-948B-1728B52AA6E4}">
+                <adec:decorative xmlns:adec="http://schemas.microsoft.com/office/drawing/2017/decorative" val="1"/>
+              </a:ext>
+            </a:extLst>
+          </p:cNvPr>
+          <p:cNvSpPr>
+            <a:spLocks noGrp="1" noRot="1" noChangeAspect="1" noMove="1" noResize="1" noEditPoints="1" noAdjustHandles="1" noChangeArrowheads="1" noChangeShapeType="1" noTextEdit="1"/>
+          </p:cNvSpPr>
+          <p:nvPr>
+            <p:extLst>
+              <p:ext uri="{386F3935-93C4-4BCD-93E2-E3B085C9AB24}">
+                <p16:designElem xmlns:p16="http://schemas.microsoft.com/office/powerpoint/2015/main" val="1"/>
+              </p:ext>
+            </p:extLst>
+          </p:nvPr>
+        </p:nvSpPr>
+        <p:spPr>
+          <a:xfrm>
+            <a:off x="3048" y="0"/>
+            <a:ext cx="12188952" cy="6858000"/>
+          </a:xfrm>
+          <a:prstGeom prst="rect">
+            <a:avLst/>
+          </a:prstGeom>
+          <a:ln>
+            <a:noFill/>
+          </a:ln>
+        </p:spPr>
+        <p:style>
+          <a:lnRef idx="2">
+            <a:schemeClr val="accent1">
+              <a:shade val="50000"/>
+            </a:schemeClr>
+          </a:lnRef>
+          <a:fillRef idx="1">
+            <a:schemeClr val="accent1"/>
+          </a:fillRef>
+          <a:effectRef idx="0">
+            <a:schemeClr val="accent1"/>
+          </a:effectRef>
+          <a:fontRef idx="minor">
+            <a:schemeClr val="lt1"/>
+          </a:fontRef>
+        </p:style>
+        <p:txBody>
+          <a:bodyPr rtlCol="0" anchor="ctr"/>
+          <a:lstStyle/>
+          <a:p>
+            <a:pPr algn="ctr"/>
+            <a:endParaRPr lang="en-US"/>
+          </a:p>
+        </p:txBody>
+      </p:sp>
+      <p:sp>
+        <p:nvSpPr>
+          <p:cNvPr id="18" name="Freeform: Shape 17">
+            <a:extLst>
+              <a:ext uri="{FF2B5EF4-FFF2-40B4-BE49-F238E27FC236}">
+                <a16:creationId xmlns:a16="http://schemas.microsoft.com/office/drawing/2014/main" id="{DAAE4CDD-124C-4DCF-9584-B6033B545DD5}"/>
+              </a:ext>
+              <a:ext uri="{C183D7F6-B498-43B3-948B-1728B52AA6E4}">
+                <adec:decorative xmlns:adec="http://schemas.microsoft.com/office/drawing/2017/decorative" val="1"/>
+              </a:ext>
+            </a:extLst>
+          </p:cNvPr>
+          <p:cNvSpPr>
+            <a:spLocks noGrp="1" noRot="1" noChangeAspect="1" noMove="1" noResize="1" noEditPoints="1" noAdjustHandles="1" noChangeArrowheads="1" noChangeShapeType="1" noTextEdit="1"/>
+          </p:cNvSpPr>
+          <p:nvPr>
+            <p:extLst>
+              <p:ext uri="{386F3935-93C4-4BCD-93E2-E3B085C9AB24}">
+                <p16:designElem xmlns:p16="http://schemas.microsoft.com/office/powerpoint/2015/main" val="1"/>
+              </p:ext>
+            </p:extLst>
+          </p:nvPr>
+        </p:nvSpPr>
+        <p:spPr>
+          <a:xfrm>
+            <a:off x="1" y="0"/>
+            <a:ext cx="4167271" cy="6858000"/>
+          </a:xfrm>
+          <a:custGeom>
+            <a:avLst/>
+            <a:gdLst>
+              <a:gd name="connsiteX0" fmla="*/ 0 w 4167271"/>
+              <a:gd name="connsiteY0" fmla="*/ 0 h 6858000"/>
+              <a:gd name="connsiteX1" fmla="*/ 2259550 w 4167271"/>
+              <a:gd name="connsiteY1" fmla="*/ 0 h 6858000"/>
+              <a:gd name="connsiteX2" fmla="*/ 2387803 w 4167271"/>
+              <a:gd name="connsiteY2" fmla="*/ 82222 h 6858000"/>
+              <a:gd name="connsiteX3" fmla="*/ 4167271 w 4167271"/>
+              <a:gd name="connsiteY3" fmla="*/ 3429000 h 6858000"/>
+              <a:gd name="connsiteX4" fmla="*/ 2387803 w 4167271"/>
+              <a:gd name="connsiteY4" fmla="*/ 6775779 h 6858000"/>
+              <a:gd name="connsiteX5" fmla="*/ 2259550 w 4167271"/>
+              <a:gd name="connsiteY5" fmla="*/ 6858000 h 6858000"/>
+              <a:gd name="connsiteX6" fmla="*/ 0 w 4167271"/>
+              <a:gd name="connsiteY6" fmla="*/ 6858000 h 6858000"/>
+            </a:gdLst>
+            <a:ahLst/>
+            <a:cxnLst>
+              <a:cxn ang="0">
+                <a:pos x="connsiteX0" y="connsiteY0"/>
+              </a:cxn>
+              <a:cxn ang="0">
+                <a:pos x="connsiteX1" y="connsiteY1"/>
+              </a:cxn>
+              <a:cxn ang="0">
+                <a:pos x="connsiteX2" y="connsiteY2"/>
+              </a:cxn>
+              <a:cxn ang="0">
+                <a:pos x="connsiteX3" y="connsiteY3"/>
+              </a:cxn>
+              <a:cxn ang="0">
+                <a:pos x="connsiteX4" y="connsiteY4"/>
+              </a:cxn>
+              <a:cxn ang="0">
+                <a:pos x="connsiteX5" y="connsiteY5"/>
+              </a:cxn>
+              <a:cxn ang="0">
+                <a:pos x="connsiteX6" y="connsiteY6"/>
+              </a:cxn>
+            </a:cxnLst>
+            <a:rect l="l" t="t" r="r" b="b"/>
+            <a:pathLst>
+              <a:path w="4167271" h="6858000">
+                <a:moveTo>
+                  <a:pt x="0" y="0"/>
+                </a:moveTo>
+                <a:lnTo>
+                  <a:pt x="2259550" y="0"/>
+                </a:lnTo>
+                <a:lnTo>
+                  <a:pt x="2387803" y="82222"/>
+                </a:lnTo>
+                <a:cubicBezTo>
+                  <a:pt x="3461407" y="807534"/>
+                  <a:pt x="4167271" y="2035835"/>
+                  <a:pt x="4167271" y="3429000"/>
+                </a:cubicBezTo>
+                <a:cubicBezTo>
+                  <a:pt x="4167271" y="4822165"/>
+                  <a:pt x="3461407" y="6050467"/>
+                  <a:pt x="2387803" y="6775779"/>
+                </a:cubicBezTo>
+                <a:lnTo>
+                  <a:pt x="2259550" y="6858000"/>
+                </a:lnTo>
+                <a:lnTo>
+                  <a:pt x="0" y="6858000"/>
+                </a:lnTo>
+                <a:close/>
+              </a:path>
+            </a:pathLst>
+          </a:custGeom>
+          <a:solidFill>
+            <a:schemeClr val="accent2"/>
+          </a:solidFill>
+          <a:ln>
+            <a:noFill/>
+          </a:ln>
+        </p:spPr>
+        <p:style>
+          <a:lnRef idx="2">
+            <a:schemeClr val="accent1">
+              <a:shade val="50000"/>
+            </a:schemeClr>
+          </a:lnRef>
+          <a:fillRef idx="1">
+            <a:schemeClr val="accent1"/>
+          </a:fillRef>
+          <a:effectRef idx="0">
+            <a:schemeClr val="accent1"/>
+          </a:effectRef>
+          <a:fontRef idx="minor">
+            <a:schemeClr val="lt1"/>
+          </a:fontRef>
+        </p:style>
+        <p:txBody>
+          <a:bodyPr rtlCol="0" anchor="ctr"/>
+          <a:lstStyle/>
+          <a:p>
+            <a:pPr algn="ctr"/>
+            <a:endParaRPr lang="en-US"/>
+          </a:p>
+        </p:txBody>
+      </p:sp>
+      <p:sp>
+        <p:nvSpPr>
+          <p:cNvPr id="2" name="標題 1">
+            <a:extLst>
+              <a:ext uri="{FF2B5EF4-FFF2-40B4-BE49-F238E27FC236}">
+                <a16:creationId xmlns:a16="http://schemas.microsoft.com/office/drawing/2014/main" id="{29F4D143-CCA3-4C4A-25FB-C7209112ACF3}"/>
+              </a:ext>
+            </a:extLst>
+          </p:cNvPr>
+          <p:cNvSpPr>
+            <a:spLocks noGrp="1"/>
+          </p:cNvSpPr>
+          <p:nvPr>
+            <p:ph type="title"/>
+          </p:nvPr>
+        </p:nvSpPr>
+        <p:spPr>
+          <a:xfrm>
+            <a:off x="358144" y="1153571"/>
+            <a:ext cx="3760474" cy="4461163"/>
+          </a:xfrm>
+        </p:spPr>
+        <p:txBody>
+          <a:bodyPr vert="horz" lIns="91440" tIns="45720" rIns="91440" bIns="45720" rtlCol="0">
+            <a:normAutofit/>
+          </a:bodyPr>
+          <a:lstStyle/>
+          <a:p>
+            <a:r>
+              <a:rPr lang="zh-TW" altLang="en-US" b="1" kern="1200" dirty="0">
+                <a:solidFill>
+                  <a:srgbClr val="FFFFFF"/>
+                </a:solidFill>
+                <a:latin typeface="+mj-lt"/>
+                <a:ea typeface="+mj-ea"/>
+                <a:cs typeface="+mj-cs"/>
+              </a:rPr>
+              <a:t>使用者的需求</a:t>
+            </a:r>
+          </a:p>
+        </p:txBody>
+      </p:sp>
+      <p:sp>
+        <p:nvSpPr>
+          <p:cNvPr id="20" name="Arc 19">
+            <a:extLst>
+              <a:ext uri="{FF2B5EF4-FFF2-40B4-BE49-F238E27FC236}">
+                <a16:creationId xmlns:a16="http://schemas.microsoft.com/office/drawing/2014/main" id="{081E4A58-353D-44AE-B2FC-2A74E2E400F7}"/>
+              </a:ext>
+              <a:ext uri="{C183D7F6-B498-43B3-948B-1728B52AA6E4}">
+                <adec:decorative xmlns:adec="http://schemas.microsoft.com/office/drawing/2017/decorative" val="1"/>
+              </a:ext>
+            </a:extLst>
+          </p:cNvPr>
+          <p:cNvSpPr>
+            <a:spLocks noGrp="1" noRot="1" noChangeAspect="1" noMove="1" noResize="1" noEditPoints="1" noAdjustHandles="1" noChangeArrowheads="1" noChangeShapeType="1" noTextEdit="1"/>
+          </p:cNvSpPr>
+          <p:nvPr>
+            <p:extLst>
+              <p:ext uri="{386F3935-93C4-4BCD-93E2-E3B085C9AB24}">
+                <p16:designElem xmlns:p16="http://schemas.microsoft.com/office/powerpoint/2015/main" val="1"/>
+              </p:ext>
+            </p:extLst>
+          </p:nvPr>
+        </p:nvSpPr>
+        <p:spPr>
+          <a:xfrm flipV="1">
+            <a:off x="7550402" y="2455479"/>
+            <a:ext cx="4083433" cy="4083433"/>
+          </a:xfrm>
+          <a:prstGeom prst="arc">
+            <a:avLst/>
+          </a:prstGeom>
+          <a:ln w="127000" cap="rnd">
+            <a:solidFill>
+              <a:schemeClr val="accent4"/>
+            </a:solidFill>
+            <a:prstDash val="dash"/>
+          </a:ln>
+        </p:spPr>
+        <p:style>
+          <a:lnRef idx="1">
+            <a:schemeClr val="accent1"/>
+          </a:lnRef>
+          <a:fillRef idx="0">
+            <a:schemeClr val="accent1"/>
+          </a:fillRef>
+          <a:effectRef idx="0">
+            <a:schemeClr val="accent1"/>
+          </a:effectRef>
+          <a:fontRef idx="minor">
+            <a:schemeClr val="tx1"/>
+          </a:fontRef>
+        </p:style>
+        <p:txBody>
+          <a:bodyPr rtlCol="0" anchor="ctr"/>
+          <a:lstStyle/>
+          <a:p>
+            <a:pPr algn="ctr"/>
+            <a:endParaRPr lang="en-US" dirty="0"/>
+          </a:p>
+        </p:txBody>
+      </p:sp>
+      <p:sp>
+        <p:nvSpPr>
+          <p:cNvPr id="3" name="內容版面配置區 2">
+            <a:extLst>
+              <a:ext uri="{FF2B5EF4-FFF2-40B4-BE49-F238E27FC236}">
+                <a16:creationId xmlns:a16="http://schemas.microsoft.com/office/drawing/2014/main" id="{C2594907-F511-6566-3959-517CC45D2FAC}"/>
+              </a:ext>
+            </a:extLst>
+          </p:cNvPr>
+          <p:cNvSpPr>
+            <a:spLocks noGrp="1"/>
+          </p:cNvSpPr>
+          <p:nvPr>
+            <p:ph idx="1"/>
+          </p:nvPr>
+        </p:nvSpPr>
+        <p:spPr>
+          <a:xfrm>
+            <a:off x="4447308" y="591344"/>
+            <a:ext cx="6906491" cy="5585619"/>
+          </a:xfrm>
+        </p:spPr>
+        <p:txBody>
+          <a:bodyPr vert="horz" lIns="91440" tIns="45720" rIns="91440" bIns="45720" rtlCol="0" anchor="ctr">
+            <a:normAutofit/>
+          </a:bodyPr>
+          <a:lstStyle/>
+          <a:p>
+            <a:pPr marL="285750" indent="-228600">
+              <a:spcAft>
+                <a:spcPts val="600"/>
+              </a:spcAft>
+              <a:buFont typeface="Arial" panose="020B0604020202020204" pitchFamily="34" charset="0"/>
+              <a:buChar char="•"/>
+            </a:pPr>
+            <a:r>
+              <a:rPr lang="zh-TW" altLang="en-US" dirty="0">
+                <a:latin typeface="微軟正黑體" panose="020B0604030504040204" pitchFamily="34" charset="-120"/>
+                <a:ea typeface="微軟正黑體" panose="020B0604030504040204" pitchFamily="34" charset="-120"/>
+              </a:rPr>
+              <a:t>需求</a:t>
+            </a:r>
+            <a:r>
+              <a:rPr lang="en-US" altLang="zh-TW" dirty="0">
+                <a:latin typeface="微軟正黑體" panose="020B0604030504040204" pitchFamily="34" charset="-120"/>
+                <a:ea typeface="微軟正黑體" panose="020B0604030504040204" pitchFamily="34" charset="-120"/>
+              </a:rPr>
+              <a:t>:</a:t>
+            </a:r>
+          </a:p>
+          <a:p>
+            <a:pPr marL="742950" lvl="1" indent="-228600">
+              <a:spcAft>
+                <a:spcPts val="600"/>
+              </a:spcAft>
+              <a:buFont typeface="Arial" panose="020B0604020202020204" pitchFamily="34" charset="0"/>
+              <a:buChar char="•"/>
+            </a:pPr>
+            <a:endParaRPr lang="en-US" altLang="zh-TW" dirty="0">
+              <a:latin typeface="微軟正黑體" panose="020B0604030504040204" pitchFamily="34" charset="-120"/>
+              <a:ea typeface="微軟正黑體" panose="020B0604030504040204" pitchFamily="34" charset="-120"/>
+            </a:endParaRPr>
+          </a:p>
+          <a:p>
+            <a:pPr marL="742950" lvl="1" indent="-228600">
+              <a:spcAft>
+                <a:spcPts val="600"/>
+              </a:spcAft>
+              <a:buFont typeface="Arial" panose="020B0604020202020204" pitchFamily="34" charset="0"/>
+              <a:buChar char="•"/>
+            </a:pPr>
+            <a:r>
+              <a:rPr lang="zh-TW" altLang="en-US" dirty="0">
+                <a:latin typeface="微軟正黑體" panose="020B0604030504040204" pitchFamily="34" charset="-120"/>
+                <a:ea typeface="微軟正黑體" panose="020B0604030504040204" pitchFamily="34" charset="-120"/>
+              </a:rPr>
+              <a:t>及時發現問題，避免惡化</a:t>
+            </a:r>
+            <a:endParaRPr lang="en-US" altLang="zh-TW" dirty="0">
+              <a:latin typeface="微軟正黑體" panose="020B0604030504040204" pitchFamily="34" charset="-120"/>
+              <a:ea typeface="微軟正黑體" panose="020B0604030504040204" pitchFamily="34" charset="-120"/>
+            </a:endParaRPr>
+          </a:p>
+          <a:p>
+            <a:pPr marL="742950" lvl="1" indent="-228600">
+              <a:spcAft>
+                <a:spcPts val="600"/>
+              </a:spcAft>
+              <a:buFont typeface="Arial" panose="020B0604020202020204" pitchFamily="34" charset="0"/>
+              <a:buChar char="•"/>
+            </a:pPr>
+            <a:endParaRPr lang="en-US" altLang="zh-TW" dirty="0">
+              <a:latin typeface="微軟正黑體" panose="020B0604030504040204" pitchFamily="34" charset="-120"/>
+              <a:ea typeface="微軟正黑體" panose="020B0604030504040204" pitchFamily="34" charset="-120"/>
+            </a:endParaRPr>
+          </a:p>
+          <a:p>
+            <a:pPr marL="742950" lvl="1" indent="-228600">
+              <a:spcAft>
+                <a:spcPts val="600"/>
+              </a:spcAft>
+              <a:buFont typeface="Arial" panose="020B0604020202020204" pitchFamily="34" charset="0"/>
+              <a:buChar char="•"/>
+            </a:pPr>
+            <a:r>
+              <a:rPr lang="zh-TW" altLang="en-US">
+                <a:latin typeface="微軟正黑體" panose="020B0604030504040204" pitchFamily="34" charset="-120"/>
+                <a:ea typeface="微軟正黑體" panose="020B0604030504040204" pitchFamily="34" charset="-120"/>
+              </a:rPr>
+              <a:t>正確</a:t>
+            </a:r>
+            <a:r>
+              <a:rPr lang="zh-TW" altLang="en-US" dirty="0">
+                <a:latin typeface="微軟正黑體" panose="020B0604030504040204" pitchFamily="34" charset="-120"/>
+                <a:ea typeface="微軟正黑體" panose="020B0604030504040204" pitchFamily="34" charset="-120"/>
+              </a:rPr>
+              <a:t>、</a:t>
+            </a:r>
+            <a:r>
+              <a:rPr lang="zh-TW" altLang="en-US">
+                <a:latin typeface="微軟正黑體" panose="020B0604030504040204" pitchFamily="34" charset="-120"/>
+                <a:ea typeface="微軟正黑體" panose="020B0604030504040204" pitchFamily="34" charset="-120"/>
+              </a:rPr>
+              <a:t>及時的保健知識、建議</a:t>
+            </a:r>
+            <a:endParaRPr lang="zh-TW" altLang="en-US" dirty="0">
+              <a:latin typeface="微軟正黑體" panose="020B0604030504040204" pitchFamily="34" charset="-120"/>
+              <a:ea typeface="微軟正黑體" panose="020B0604030504040204" pitchFamily="34" charset="-120"/>
+            </a:endParaRPr>
+          </a:p>
+        </p:txBody>
+      </p:sp>
+    </p:spTree>
+    <p:extLst>
+      <p:ext uri="{BB962C8B-B14F-4D97-AF65-F5344CB8AC3E}">
+        <p14:creationId xmlns:p14="http://schemas.microsoft.com/office/powerpoint/2010/main" val="3016596021"/>
+      </p:ext>
+    </p:extLst>
+  </p:cSld>
+  <p:clrMapOvr>
+    <a:masterClrMapping/>
+  </p:clrMapOvr>
+</p:sld>
+</file>
+
+<file path=ppt/slides/slide11.xml><?xml version="1.0" encoding="utf-8"?>
+<p:sld xmlns:a="http://schemas.openxmlformats.org/drawingml/2006/main" xmlns:r="http://schemas.openxmlformats.org/officeDocument/2006/relationships" xmlns:p="http://schemas.openxmlformats.org/presentationml/2006/main">
+  <p:cSld>
+    <p:bg>
+      <p:bgPr>
+        <a:solidFill>
+          <a:schemeClr val="bg1"/>
+        </a:solidFill>
+        <a:effectLst/>
+      </p:bgPr>
+    </p:bg>
+    <p:spTree>
+      <p:nvGrpSpPr>
+        <p:cNvPr id="1" name=""/>
+        <p:cNvGrpSpPr/>
+        <p:nvPr/>
+      </p:nvGrpSpPr>
+      <p:grpSpPr>
+        <a:xfrm>
+          <a:off x="0" y="0"/>
+          <a:ext cx="0" cy="0"/>
+          <a:chOff x="0" y="0"/>
+          <a:chExt cx="0" cy="0"/>
+        </a:xfrm>
+      </p:grpSpPr>
+      <p:sp useBgFill="1">
+        <p:nvSpPr>
+          <p:cNvPr id="8" name="Rectangle 7">
+            <a:extLst>
+              <a:ext uri="{FF2B5EF4-FFF2-40B4-BE49-F238E27FC236}">
+                <a16:creationId xmlns:a16="http://schemas.microsoft.com/office/drawing/2014/main" id="{4DA718D0-4865-4629-8134-44F68D41D574}"/>
+              </a:ext>
+              <a:ext uri="{C183D7F6-B498-43B3-948B-1728B52AA6E4}">
+                <adec:decorative xmlns:adec="http://schemas.microsoft.com/office/drawing/2017/decorative" val="1"/>
+              </a:ext>
+            </a:extLst>
+          </p:cNvPr>
+          <p:cNvSpPr>
+            <a:spLocks noGrp="1" noRot="1" noChangeAspect="1" noMove="1" noResize="1" noEditPoints="1" noAdjustHandles="1" noChangeArrowheads="1" noChangeShapeType="1" noTextEdit="1"/>
+          </p:cNvSpPr>
+          <p:nvPr>
+            <p:extLst>
+              <p:ext uri="{386F3935-93C4-4BCD-93E2-E3B085C9AB24}">
+                <p16:designElem xmlns:p16="http://schemas.microsoft.com/office/powerpoint/2015/main" val="1"/>
+              </p:ext>
+            </p:extLst>
+          </p:nvPr>
+        </p:nvSpPr>
+        <p:spPr>
+          <a:xfrm>
+            <a:off x="0" y="0"/>
+            <a:ext cx="12191999" cy="6857365"/>
+          </a:xfrm>
+          <a:prstGeom prst="rect">
+            <a:avLst/>
+          </a:prstGeom>
+          <a:ln>
+            <a:noFill/>
+          </a:ln>
+        </p:spPr>
+        <p:style>
+          <a:lnRef idx="2">
+            <a:schemeClr val="accent1">
+              <a:shade val="50000"/>
+            </a:schemeClr>
+          </a:lnRef>
+          <a:fillRef idx="1">
+            <a:schemeClr val="accent1"/>
+          </a:fillRef>
+          <a:effectRef idx="0">
+            <a:schemeClr val="accent1"/>
+          </a:effectRef>
+          <a:fontRef idx="minor">
+            <a:schemeClr val="lt1"/>
+          </a:fontRef>
+        </p:style>
+        <p:txBody>
+          <a:bodyPr rtlCol="0" anchor="ctr"/>
+          <a:lstStyle/>
+          <a:p>
+            <a:pPr algn="ctr"/>
+            <a:endParaRPr lang="en-US"/>
+          </a:p>
+        </p:txBody>
+      </p:sp>
+      <p:grpSp>
+        <p:nvGrpSpPr>
+          <p:cNvPr id="10" name="Group 9">
+            <a:extLst>
+              <a:ext uri="{FF2B5EF4-FFF2-40B4-BE49-F238E27FC236}">
+                <a16:creationId xmlns:a16="http://schemas.microsoft.com/office/drawing/2014/main" id="{65167ED7-6315-43AB-B1B6-C326D5FD8F84}"/>
+              </a:ext>
+              <a:ext uri="{C183D7F6-B498-43B3-948B-1728B52AA6E4}">
+                <adec:decorative xmlns:adec="http://schemas.microsoft.com/office/drawing/2017/decorative" val="1"/>
+              </a:ext>
+            </a:extLst>
+          </p:cNvPr>
+          <p:cNvGrpSpPr>
+            <a:grpSpLocks noGrp="1" noUngrp="1" noRot="1" noChangeAspect="1" noMove="1" noResize="1"/>
+          </p:cNvGrpSpPr>
+          <p:nvPr>
+            <p:extLst>
+              <p:ext uri="{386F3935-93C4-4BCD-93E2-E3B085C9AB24}">
+                <p16:designElem xmlns:p16="http://schemas.microsoft.com/office/powerpoint/2015/main" val="1"/>
+              </p:ext>
+            </p:extLst>
+          </p:nvPr>
+        </p:nvGrpSpPr>
+        <p:grpSpPr>
+          <a:xfrm rot="5400000">
+            <a:off x="-2340441" y="2666183"/>
+            <a:ext cx="5860051" cy="527712"/>
+            <a:chOff x="6081624" y="1998368"/>
+            <a:chExt cx="5613457" cy="782175"/>
+          </a:xfrm>
+          <a:solidFill>
+            <a:schemeClr val="accent4"/>
+          </a:solidFill>
+        </p:grpSpPr>
+        <p:sp>
+          <p:nvSpPr>
+            <p:cNvPr id="11" name="Rectangle 10">
+              <a:extLst>
+                <a:ext uri="{FF2B5EF4-FFF2-40B4-BE49-F238E27FC236}">
+                  <a16:creationId xmlns:a16="http://schemas.microsoft.com/office/drawing/2014/main" id="{EF4D8839-FB03-487D-ACC8-8BFEDD4FEBAE}"/>
+                </a:ext>
+                <a:ext uri="{C183D7F6-B498-43B3-948B-1728B52AA6E4}">
+                  <adec:decorative xmlns:adec="http://schemas.microsoft.com/office/drawing/2017/decorative" val="1"/>
+                </a:ext>
+              </a:extLst>
+            </p:cNvPr>
+            <p:cNvSpPr/>
+            <p:nvPr>
+              <p:extLst>
+                <p:ext uri="{386F3935-93C4-4BCD-93E2-E3B085C9AB24}">
+                  <p16:designElem xmlns:p16="http://schemas.microsoft.com/office/powerpoint/2015/main" val="1"/>
+                </p:ext>
+              </p:extLst>
+            </p:nvPr>
+          </p:nvSpPr>
+          <p:spPr>
+            <a:xfrm rot="5400000">
+              <a:off x="11228040" y="2313027"/>
+              <a:ext cx="781700" cy="152382"/>
+            </a:xfrm>
+            <a:prstGeom prst="rect">
+              <a:avLst/>
+            </a:prstGeom>
+            <a:grpFill/>
+            <a:ln>
+              <a:noFill/>
+            </a:ln>
+          </p:spPr>
+          <p:style>
+            <a:lnRef idx="2">
+              <a:schemeClr val="accent1">
+                <a:shade val="50000"/>
+              </a:schemeClr>
+            </a:lnRef>
+            <a:fillRef idx="1">
+              <a:schemeClr val="accent1"/>
+            </a:fillRef>
+            <a:effectRef idx="0">
+              <a:schemeClr val="accent1"/>
+            </a:effectRef>
+            <a:fontRef idx="minor">
+              <a:schemeClr val="lt1"/>
+            </a:fontRef>
+          </p:style>
+          <p:txBody>
+            <a:bodyPr rtlCol="0" anchor="ctr"/>
+            <a:lstStyle/>
+            <a:p>
+              <a:pPr algn="ctr"/>
+              <a:endParaRPr lang="en-US"/>
+            </a:p>
+          </p:txBody>
+        </p:sp>
+        <p:sp>
+          <p:nvSpPr>
+            <p:cNvPr id="12" name="Rectangle 11">
+              <a:extLst>
+                <a:ext uri="{FF2B5EF4-FFF2-40B4-BE49-F238E27FC236}">
+                  <a16:creationId xmlns:a16="http://schemas.microsoft.com/office/drawing/2014/main" id="{0EF75023-9A3B-42FC-B704-61A8F7BEF415}"/>
+                </a:ext>
+                <a:ext uri="{C183D7F6-B498-43B3-948B-1728B52AA6E4}">
+                  <adec:decorative xmlns:adec="http://schemas.microsoft.com/office/drawing/2017/decorative" val="1"/>
+                </a:ext>
+              </a:extLst>
+            </p:cNvPr>
+            <p:cNvSpPr/>
+            <p:nvPr>
+              <p:extLst>
+                <p:ext uri="{386F3935-93C4-4BCD-93E2-E3B085C9AB24}">
+                  <p16:designElem xmlns:p16="http://schemas.microsoft.com/office/powerpoint/2015/main" val="1"/>
+                </p:ext>
+              </p:extLst>
+            </p:nvPr>
+          </p:nvSpPr>
+          <p:spPr>
+            <a:xfrm flipH="1" flipV="1">
+              <a:off x="6081624" y="1998844"/>
+              <a:ext cx="5372968" cy="781699"/>
+            </a:xfrm>
+            <a:prstGeom prst="rect">
+              <a:avLst/>
+            </a:prstGeom>
+            <a:grpFill/>
+            <a:ln>
+              <a:noFill/>
+            </a:ln>
+          </p:spPr>
+          <p:style>
+            <a:lnRef idx="2">
+              <a:schemeClr val="accent1">
+                <a:shade val="50000"/>
+              </a:schemeClr>
+            </a:lnRef>
+            <a:fillRef idx="1">
+              <a:schemeClr val="accent1"/>
+            </a:fillRef>
+            <a:effectRef idx="0">
+              <a:schemeClr val="accent1"/>
+            </a:effectRef>
+            <a:fontRef idx="minor">
+              <a:schemeClr val="lt1"/>
+            </a:fontRef>
+          </p:style>
+          <p:txBody>
+            <a:bodyPr rtlCol="0" anchor="ctr"/>
+            <a:lstStyle/>
+            <a:p>
+              <a:pPr algn="ctr"/>
+              <a:endParaRPr lang="en-US"/>
+            </a:p>
+          </p:txBody>
+        </p:sp>
+      </p:grpSp>
+      <p:sp>
+        <p:nvSpPr>
+          <p:cNvPr id="14" name="Rectangle 13">
+            <a:extLst>
+              <a:ext uri="{FF2B5EF4-FFF2-40B4-BE49-F238E27FC236}">
+                <a16:creationId xmlns:a16="http://schemas.microsoft.com/office/drawing/2014/main" id="{CBC4F608-B4B8-48C3-9572-C0F061B1CD99}"/>
+              </a:ext>
+              <a:ext uri="{C183D7F6-B498-43B3-948B-1728B52AA6E4}">
+                <adec:decorative xmlns:adec="http://schemas.microsoft.com/office/drawing/2017/decorative" val="1"/>
+              </a:ext>
+            </a:extLst>
+          </p:cNvPr>
+          <p:cNvSpPr>
+            <a:spLocks noGrp="1" noRot="1" noChangeAspect="1" noMove="1" noResize="1" noEditPoints="1" noAdjustHandles="1" noChangeArrowheads="1" noChangeShapeType="1" noTextEdit="1"/>
+          </p:cNvSpPr>
+          <p:nvPr>
+            <p:extLst>
+              <p:ext uri="{386F3935-93C4-4BCD-93E2-E3B085C9AB24}">
+                <p16:designElem xmlns:p16="http://schemas.microsoft.com/office/powerpoint/2015/main" val="1"/>
+              </p:ext>
+            </p:extLst>
+          </p:nvPr>
+        </p:nvSpPr>
+        <p:spPr>
+          <a:xfrm>
+            <a:off x="579528" y="922919"/>
+            <a:ext cx="11111729" cy="5461252"/>
+          </a:xfrm>
+          <a:prstGeom prst="rect">
+            <a:avLst/>
+          </a:prstGeom>
+          <a:solidFill>
+            <a:schemeClr val="bg1"/>
+          </a:solidFill>
+          <a:ln>
+            <a:noFill/>
+          </a:ln>
+          <a:effectLst>
+            <a:outerShdw blurRad="139700" dist="127000" dir="5400000" algn="t" rotWithShape="0">
+              <a:prstClr val="black">
+                <a:alpha val="15000"/>
+              </a:prstClr>
+            </a:outerShdw>
+          </a:effectLst>
+        </p:spPr>
+        <p:style>
+          <a:lnRef idx="2">
+            <a:schemeClr val="accent1">
+              <a:shade val="50000"/>
+            </a:schemeClr>
+          </a:lnRef>
+          <a:fillRef idx="1">
+            <a:schemeClr val="accent1"/>
+          </a:fillRef>
+          <a:effectRef idx="0">
+            <a:schemeClr val="accent1"/>
+          </a:effectRef>
+          <a:fontRef idx="minor">
+            <a:schemeClr val="lt1"/>
+          </a:fontRef>
+        </p:style>
+        <p:txBody>
+          <a:bodyPr rtlCol="0" anchor="ctr"/>
+          <a:lstStyle/>
+          <a:p>
+            <a:pPr algn="ctr"/>
+            <a:endParaRPr lang="en-US"/>
+          </a:p>
+        </p:txBody>
+      </p:sp>
+      <p:sp>
+        <p:nvSpPr>
+          <p:cNvPr id="2" name="標題 1">
+            <a:extLst>
+              <a:ext uri="{FF2B5EF4-FFF2-40B4-BE49-F238E27FC236}">
+                <a16:creationId xmlns:a16="http://schemas.microsoft.com/office/drawing/2014/main" id="{CAA09E6E-FB67-EE3D-AA53-FCDFFD95F5B9}"/>
+              </a:ext>
+            </a:extLst>
+          </p:cNvPr>
+          <p:cNvSpPr>
+            <a:spLocks noGrp="1"/>
+          </p:cNvSpPr>
+          <p:nvPr>
+            <p:ph type="title"/>
+          </p:nvPr>
+        </p:nvSpPr>
+        <p:spPr>
+          <a:xfrm>
+            <a:off x="1210515" y="0"/>
+            <a:ext cx="9849751" cy="1349671"/>
+          </a:xfrm>
+        </p:spPr>
+        <p:txBody>
+          <a:bodyPr anchor="b">
+            <a:normAutofit/>
+          </a:bodyPr>
+          <a:lstStyle/>
+          <a:p>
+            <a:r>
+              <a:rPr lang="zh-TW" altLang="en-US" sz="5400" b="1" dirty="0"/>
+              <a:t>市場調查</a:t>
+            </a:r>
+            <a:r>
+              <a:rPr lang="zh-TW" altLang="en-US" sz="5400" dirty="0"/>
+              <a:t> </a:t>
+            </a:r>
+          </a:p>
+        </p:txBody>
+      </p:sp>
+      <p:sp>
+        <p:nvSpPr>
+          <p:cNvPr id="3" name="內容版面配置區 2">
+            <a:extLst>
+              <a:ext uri="{FF2B5EF4-FFF2-40B4-BE49-F238E27FC236}">
+                <a16:creationId xmlns:a16="http://schemas.microsoft.com/office/drawing/2014/main" id="{8DB16C5B-C39E-A297-B13E-A9F929548B0B}"/>
+              </a:ext>
+            </a:extLst>
+          </p:cNvPr>
+          <p:cNvSpPr>
+            <a:spLocks noGrp="1"/>
+          </p:cNvSpPr>
+          <p:nvPr>
+            <p:ph idx="1"/>
+          </p:nvPr>
+        </p:nvSpPr>
+        <p:spPr>
+          <a:xfrm>
+            <a:off x="1210516" y="1600200"/>
+            <a:ext cx="9849751" cy="4408285"/>
+          </a:xfrm>
+        </p:spPr>
+        <p:txBody>
+          <a:bodyPr anchor="ctr">
+            <a:normAutofit/>
+          </a:bodyPr>
+          <a:lstStyle/>
+          <a:p>
+            <a:pPr marL="457200" lvl="1" indent="0">
+              <a:buNone/>
+            </a:pPr>
+            <a:endParaRPr lang="en-US" altLang="zh-TW" sz="2000" dirty="0"/>
+          </a:p>
+          <a:p>
+            <a:r>
+              <a:rPr lang="zh-TW" altLang="en-US" sz="2400" dirty="0"/>
+              <a:t>問卷調查結果</a:t>
+            </a:r>
+            <a:r>
+              <a:rPr lang="en-US" altLang="zh-TW" sz="2400" dirty="0"/>
+              <a:t>:</a:t>
+            </a:r>
+          </a:p>
+          <a:p>
+            <a:pPr lvl="1"/>
+            <a:endParaRPr lang="en-US" altLang="zh-TW" sz="2000" dirty="0"/>
+          </a:p>
+          <a:p>
+            <a:pPr marL="914400" lvl="1" indent="-457200">
+              <a:buFont typeface="+mj-lt"/>
+              <a:buAutoNum type="arabicPeriod"/>
+            </a:pPr>
+            <a:r>
+              <a:rPr lang="zh-TW" altLang="en-US" sz="2000" dirty="0"/>
+              <a:t>受試者認同關節問題對於健康來說是重要的</a:t>
+            </a:r>
+            <a:endParaRPr lang="en-US" altLang="zh-TW" sz="2000" dirty="0"/>
+          </a:p>
+          <a:p>
+            <a:pPr marL="914400" lvl="1" indent="-457200">
+              <a:buFont typeface="+mj-lt"/>
+              <a:buAutoNum type="arabicPeriod"/>
+            </a:pPr>
+            <a:endParaRPr lang="en-US" altLang="zh-TW" sz="2000" dirty="0"/>
+          </a:p>
+          <a:p>
+            <a:pPr marL="914400" lvl="1" indent="-457200">
+              <a:buFont typeface="+mj-lt"/>
+              <a:buAutoNum type="arabicPeriod"/>
+            </a:pPr>
+            <a:r>
+              <a:rPr lang="zh-TW" altLang="en-US" sz="2000" dirty="0"/>
+              <a:t>以下兩種人占多數，合計</a:t>
+            </a:r>
+            <a:r>
+              <a:rPr lang="en-US" altLang="zh-TW" sz="2000" dirty="0"/>
+              <a:t>64.3%:</a:t>
+            </a:r>
+          </a:p>
+          <a:p>
+            <a:pPr lvl="2"/>
+            <a:r>
+              <a:rPr lang="zh-TW" altLang="en-US" dirty="0"/>
+              <a:t>有關節問題的人</a:t>
+            </a:r>
+            <a:r>
+              <a:rPr lang="en-US" altLang="zh-TW" dirty="0"/>
+              <a:t>(40%)</a:t>
+            </a:r>
+          </a:p>
+          <a:p>
+            <a:pPr lvl="2"/>
+            <a:r>
+              <a:rPr lang="zh-TW" altLang="en-US" dirty="0"/>
+              <a:t>對自身健康情況掌握不足的人</a:t>
+            </a:r>
+            <a:r>
+              <a:rPr lang="en-US" altLang="zh-TW" dirty="0"/>
+              <a:t>(24.3%)</a:t>
+            </a:r>
+          </a:p>
+          <a:p>
+            <a:pPr lvl="2"/>
+            <a:endParaRPr lang="en-US" altLang="zh-TW" dirty="0"/>
+          </a:p>
+          <a:p>
+            <a:pPr marL="914400" lvl="1" indent="-457200">
+              <a:buFont typeface="+mj-lt"/>
+              <a:buAutoNum type="arabicPeriod"/>
+            </a:pPr>
+            <a:r>
+              <a:rPr lang="zh-TW" altLang="en-US" dirty="0"/>
+              <a:t>受試者整體認為自己並不具備充份的保健知識</a:t>
+            </a:r>
+            <a:endParaRPr lang="en-US" altLang="zh-TW" dirty="0"/>
+          </a:p>
+          <a:p>
+            <a:pPr marL="914400" lvl="1" indent="-457200">
+              <a:buFont typeface="+mj-lt"/>
+              <a:buAutoNum type="arabicPeriod"/>
+            </a:pPr>
+            <a:endParaRPr lang="en-US" altLang="zh-TW" dirty="0"/>
+          </a:p>
+          <a:p>
+            <a:pPr marL="914400" lvl="1" indent="-457200">
+              <a:buFont typeface="+mj-lt"/>
+              <a:buAutoNum type="arabicPeriod"/>
+            </a:pPr>
+            <a:r>
+              <a:rPr lang="zh-TW" altLang="en-US" dirty="0"/>
+              <a:t>受試者看過物理治療師的比重佔少數，僅</a:t>
+            </a:r>
+            <a:r>
+              <a:rPr lang="en-US" altLang="zh-TW" dirty="0"/>
+              <a:t>25%</a:t>
+            </a:r>
+            <a:r>
+              <a:rPr lang="zh-TW" altLang="en-US" dirty="0"/>
+              <a:t>左右</a:t>
+            </a:r>
+            <a:endParaRPr lang="en-US" altLang="zh-TW" dirty="0"/>
+          </a:p>
+          <a:p>
+            <a:pPr lvl="1"/>
+            <a:endParaRPr lang="en-US" altLang="zh-TW" sz="2000" dirty="0"/>
+          </a:p>
+          <a:p>
+            <a:pPr lvl="1"/>
+            <a:endParaRPr lang="en-US" altLang="zh-TW" sz="2000" dirty="0"/>
+          </a:p>
+          <a:p>
+            <a:endParaRPr lang="zh-TW" altLang="en-US" sz="2000" dirty="0"/>
+          </a:p>
+        </p:txBody>
+      </p:sp>
+    </p:spTree>
+    <p:extLst>
+      <p:ext uri="{BB962C8B-B14F-4D97-AF65-F5344CB8AC3E}">
+        <p14:creationId xmlns:p14="http://schemas.microsoft.com/office/powerpoint/2010/main" val="2306524299"/>
+      </p:ext>
+    </p:extLst>
+  </p:cSld>
+  <p:clrMapOvr>
+    <a:masterClrMapping/>
+  </p:clrMapOvr>
+</p:sld>
+</file>
+
+<file path=ppt/slides/slide12.xml><?xml version="1.0" encoding="utf-8"?>
+<p:sld xmlns:a="http://schemas.openxmlformats.org/drawingml/2006/main" xmlns:r="http://schemas.openxmlformats.org/officeDocument/2006/relationships" xmlns:p="http://schemas.openxmlformats.org/presentationml/2006/main">
+  <p:cSld>
+    <p:bg>
+      <p:bgPr>
+        <a:solidFill>
+          <a:schemeClr val="bg1"/>
+        </a:solidFill>
+        <a:effectLst/>
+      </p:bgPr>
+    </p:bg>
+    <p:spTree>
+      <p:nvGrpSpPr>
+        <p:cNvPr id="1" name=""/>
+        <p:cNvGrpSpPr/>
+        <p:nvPr/>
+      </p:nvGrpSpPr>
+      <p:grpSpPr>
+        <a:xfrm>
+          <a:off x="0" y="0"/>
+          <a:ext cx="0" cy="0"/>
+          <a:chOff x="0" y="0"/>
+          <a:chExt cx="0" cy="0"/>
+        </a:xfrm>
+      </p:grpSpPr>
+      <p:sp useBgFill="1">
+        <p:nvSpPr>
+          <p:cNvPr id="8" name="Rectangle 7">
+            <a:extLst>
+              <a:ext uri="{FF2B5EF4-FFF2-40B4-BE49-F238E27FC236}">
+                <a16:creationId xmlns:a16="http://schemas.microsoft.com/office/drawing/2014/main" id="{8B9AA7C6-5E5A-498E-A6DF-A943376E09BC}"/>
+              </a:ext>
+              <a:ext uri="{C183D7F6-B498-43B3-948B-1728B52AA6E4}">
+                <adec:decorative xmlns:adec="http://schemas.microsoft.com/office/drawing/2017/decorative" val="1"/>
+              </a:ext>
+            </a:extLst>
+          </p:cNvPr>
+          <p:cNvSpPr>
+            <a:spLocks noGrp="1" noRot="1" noChangeAspect="1" noMove="1" noResize="1" noEditPoints="1" noAdjustHandles="1" noChangeArrowheads="1" noChangeShapeType="1" noTextEdit="1"/>
+          </p:cNvSpPr>
+          <p:nvPr>
+            <p:extLst>
+              <p:ext uri="{386F3935-93C4-4BCD-93E2-E3B085C9AB24}">
+                <p16:designElem xmlns:p16="http://schemas.microsoft.com/office/powerpoint/2015/main" val="1"/>
+              </p:ext>
+            </p:extLst>
+          </p:nvPr>
+        </p:nvSpPr>
+        <p:spPr>
+          <a:xfrm>
+            <a:off x="0" y="0"/>
+            <a:ext cx="12191999" cy="6857365"/>
+          </a:xfrm>
+          <a:prstGeom prst="rect">
+            <a:avLst/>
+          </a:prstGeom>
+          <a:ln>
+            <a:noFill/>
+          </a:ln>
+        </p:spPr>
+        <p:style>
+          <a:lnRef idx="2">
+            <a:schemeClr val="accent1">
+              <a:shade val="50000"/>
+            </a:schemeClr>
+          </a:lnRef>
+          <a:fillRef idx="1">
+            <a:schemeClr val="accent1"/>
+          </a:fillRef>
+          <a:effectRef idx="0">
+            <a:schemeClr val="accent1"/>
+          </a:effectRef>
+          <a:fontRef idx="minor">
+            <a:schemeClr val="lt1"/>
+          </a:fontRef>
+        </p:style>
+        <p:txBody>
+          <a:bodyPr rtlCol="0" anchor="ctr"/>
+          <a:lstStyle/>
+          <a:p>
+            <a:pPr algn="ctr"/>
+            <a:endParaRPr lang="en-US"/>
+          </a:p>
+        </p:txBody>
+      </p:sp>
+      <p:grpSp>
+        <p:nvGrpSpPr>
+          <p:cNvPr id="10" name="Group 9">
+            <a:extLst>
+              <a:ext uri="{FF2B5EF4-FFF2-40B4-BE49-F238E27FC236}">
+                <a16:creationId xmlns:a16="http://schemas.microsoft.com/office/drawing/2014/main" id="{83EAB11A-76F7-48F4-9B4F-5BFDF4BF9670}"/>
+              </a:ext>
+              <a:ext uri="{C183D7F6-B498-43B3-948B-1728B52AA6E4}">
+                <adec:decorative xmlns:adec="http://schemas.microsoft.com/office/drawing/2017/decorative" val="1"/>
+              </a:ext>
+            </a:extLst>
+          </p:cNvPr>
+          <p:cNvGrpSpPr>
+            <a:grpSpLocks noGrp="1" noUngrp="1" noRot="1" noChangeAspect="1" noMove="1" noResize="1"/>
+          </p:cNvGrpSpPr>
+          <p:nvPr>
+            <p:extLst>
+              <p:ext uri="{386F3935-93C4-4BCD-93E2-E3B085C9AB24}">
+                <p16:designElem xmlns:p16="http://schemas.microsoft.com/office/powerpoint/2015/main" val="1"/>
+              </p:ext>
+            </p:extLst>
+          </p:nvPr>
+        </p:nvGrpSpPr>
+        <p:grpSpPr>
+          <a:xfrm>
+            <a:off x="74300" y="2385102"/>
+            <a:ext cx="574091" cy="2087796"/>
+            <a:chOff x="209668" y="2857422"/>
+            <a:chExt cx="463662" cy="2087796"/>
+          </a:xfrm>
+        </p:grpSpPr>
+        <p:sp>
+          <p:nvSpPr>
+            <p:cNvPr id="11" name="Rectangle 10">
+              <a:extLst>
+                <a:ext uri="{FF2B5EF4-FFF2-40B4-BE49-F238E27FC236}">
+                  <a16:creationId xmlns:a16="http://schemas.microsoft.com/office/drawing/2014/main" id="{74D4C416-D5F4-4F6F-A6F1-87A21CD4FCAF}"/>
+                </a:ext>
+                <a:ext uri="{C183D7F6-B498-43B3-948B-1728B52AA6E4}">
+                  <adec:decorative xmlns:adec="http://schemas.microsoft.com/office/drawing/2017/decorative" val="1"/>
+                </a:ext>
+              </a:extLst>
+            </p:cNvPr>
+            <p:cNvSpPr/>
+            <p:nvPr>
+              <p:extLst>
+                <p:ext uri="{386F3935-93C4-4BCD-93E2-E3B085C9AB24}">
+                  <p16:designElem xmlns:p16="http://schemas.microsoft.com/office/powerpoint/2015/main" val="1"/>
+                </p:ext>
+              </p:extLst>
+            </p:nvPr>
+          </p:nvSpPr>
+          <p:spPr>
+            <a:xfrm flipH="1" flipV="1">
+              <a:off x="423947" y="2857422"/>
+              <a:ext cx="249383" cy="2087795"/>
+            </a:xfrm>
+            <a:prstGeom prst="rect">
+              <a:avLst/>
+            </a:prstGeom>
+            <a:solidFill>
+              <a:schemeClr val="accent4"/>
+            </a:solidFill>
+            <a:ln>
+              <a:noFill/>
+            </a:ln>
+          </p:spPr>
+          <p:style>
+            <a:lnRef idx="2">
+              <a:schemeClr val="accent1">
+                <a:shade val="50000"/>
+              </a:schemeClr>
+            </a:lnRef>
+            <a:fillRef idx="1">
+              <a:schemeClr val="accent1"/>
+            </a:fillRef>
+            <a:effectRef idx="0">
+              <a:schemeClr val="accent1"/>
+            </a:effectRef>
+            <a:fontRef idx="minor">
+              <a:schemeClr val="lt1"/>
+            </a:fontRef>
+          </p:style>
+          <p:txBody>
+            <a:bodyPr rtlCol="0" anchor="ctr"/>
+            <a:lstStyle/>
+            <a:p>
+              <a:pPr algn="ctr"/>
+              <a:endParaRPr lang="en-US"/>
+            </a:p>
+          </p:txBody>
+        </p:sp>
+        <p:cxnSp>
+          <p:nvCxnSpPr>
+            <p:cNvPr id="12" name="Straight Connector 11">
+              <a:extLst>
+                <a:ext uri="{FF2B5EF4-FFF2-40B4-BE49-F238E27FC236}">
+                  <a16:creationId xmlns:a16="http://schemas.microsoft.com/office/drawing/2014/main" id="{C6AC1C30-21C6-4BF6-93EE-B211D7A85011}"/>
+                </a:ext>
+                <a:ext uri="{C183D7F6-B498-43B3-948B-1728B52AA6E4}">
+                  <adec:decorative xmlns:adec="http://schemas.microsoft.com/office/drawing/2017/decorative" val="1"/>
+                </a:ext>
+              </a:extLst>
+            </p:cNvPr>
+            <p:cNvCxnSpPr>
+              <a:cxnSpLocks/>
+            </p:cNvCxnSpPr>
+            <p:nvPr>
+              <p:extLst>
+                <p:ext uri="{386F3935-93C4-4BCD-93E2-E3B085C9AB24}">
+                  <p16:designElem xmlns:p16="http://schemas.microsoft.com/office/powerpoint/2015/main" val="1"/>
+                </p:ext>
+              </p:extLst>
+            </p:nvPr>
+          </p:nvCxnSpPr>
+          <p:spPr>
+            <a:xfrm flipH="1">
+              <a:off x="209668" y="2857423"/>
+              <a:ext cx="1" cy="2087795"/>
+            </a:xfrm>
+            <a:prstGeom prst="line">
+              <a:avLst/>
+            </a:prstGeom>
+            <a:ln w="177800">
+              <a:solidFill>
+                <a:schemeClr val="accent4"/>
+              </a:solidFill>
+            </a:ln>
+          </p:spPr>
+          <p:style>
+            <a:lnRef idx="1">
+              <a:schemeClr val="accent1"/>
+            </a:lnRef>
+            <a:fillRef idx="0">
+              <a:schemeClr val="accent1"/>
+            </a:fillRef>
+            <a:effectRef idx="0">
+              <a:schemeClr val="accent1"/>
+            </a:effectRef>
+            <a:fontRef idx="minor">
+              <a:schemeClr val="tx1"/>
+            </a:fontRef>
+          </p:style>
+        </p:cxnSp>
+      </p:grpSp>
+      <p:sp>
+        <p:nvSpPr>
+          <p:cNvPr id="14" name="Rectangle 13">
+            <a:extLst>
+              <a:ext uri="{FF2B5EF4-FFF2-40B4-BE49-F238E27FC236}">
+                <a16:creationId xmlns:a16="http://schemas.microsoft.com/office/drawing/2014/main" id="{81E140AE-0ABF-47C8-BF32-7D2F0CF2BA44}"/>
+              </a:ext>
+              <a:ext uri="{C183D7F6-B498-43B3-948B-1728B52AA6E4}">
+                <adec:decorative xmlns:adec="http://schemas.microsoft.com/office/drawing/2017/decorative" val="1"/>
+              </a:ext>
+            </a:extLst>
+          </p:cNvPr>
+          <p:cNvSpPr>
+            <a:spLocks noGrp="1" noRot="1" noChangeAspect="1" noMove="1" noResize="1" noEditPoints="1" noAdjustHandles="1" noChangeArrowheads="1" noChangeShapeType="1" noTextEdit="1"/>
+          </p:cNvSpPr>
+          <p:nvPr>
+            <p:extLst>
+              <p:ext uri="{386F3935-93C4-4BCD-93E2-E3B085C9AB24}">
+                <p16:designElem xmlns:p16="http://schemas.microsoft.com/office/powerpoint/2015/main" val="1"/>
+              </p:ext>
+            </p:extLst>
+          </p:nvPr>
+        </p:nvSpPr>
+        <p:spPr>
+          <a:xfrm flipH="1">
+            <a:off x="10697670" y="0"/>
+            <a:ext cx="1494330" cy="6858000"/>
+          </a:xfrm>
+          <a:prstGeom prst="rect">
+            <a:avLst/>
+          </a:prstGeom>
+          <a:solidFill>
+            <a:schemeClr val="accent4"/>
+          </a:solidFill>
+          <a:ln>
+            <a:noFill/>
+          </a:ln>
+        </p:spPr>
+        <p:style>
+          <a:lnRef idx="2">
+            <a:schemeClr val="accent1">
+              <a:shade val="50000"/>
+            </a:schemeClr>
+          </a:lnRef>
+          <a:fillRef idx="1">
+            <a:schemeClr val="accent1"/>
+          </a:fillRef>
+          <a:effectRef idx="0">
+            <a:schemeClr val="accent1"/>
+          </a:effectRef>
+          <a:fontRef idx="minor">
+            <a:schemeClr val="lt1"/>
+          </a:fontRef>
+        </p:style>
+        <p:txBody>
+          <a:bodyPr rtlCol="0" anchor="ctr"/>
+          <a:lstStyle/>
+          <a:p>
+            <a:pPr algn="ctr"/>
+            <a:endParaRPr lang="en-US"/>
+          </a:p>
+        </p:txBody>
+      </p:sp>
+      <p:sp>
+        <p:nvSpPr>
+          <p:cNvPr id="16" name="Rectangle 15">
+            <a:extLst>
+              <a:ext uri="{FF2B5EF4-FFF2-40B4-BE49-F238E27FC236}">
+                <a16:creationId xmlns:a16="http://schemas.microsoft.com/office/drawing/2014/main" id="{CBC4F608-B4B8-48C3-9572-C0F061B1CD99}"/>
+              </a:ext>
+              <a:ext uri="{C183D7F6-B498-43B3-948B-1728B52AA6E4}">
+                <adec:decorative xmlns:adec="http://schemas.microsoft.com/office/drawing/2017/decorative" val="1"/>
+              </a:ext>
+            </a:extLst>
+          </p:cNvPr>
+          <p:cNvSpPr>
+            <a:spLocks noGrp="1" noRot="1" noChangeAspect="1" noMove="1" noResize="1" noEditPoints="1" noAdjustHandles="1" noChangeArrowheads="1" noChangeShapeType="1" noTextEdit="1"/>
+          </p:cNvSpPr>
+          <p:nvPr>
+            <p:extLst>
+              <p:ext uri="{386F3935-93C4-4BCD-93E2-E3B085C9AB24}">
+                <p16:designElem xmlns:p16="http://schemas.microsoft.com/office/powerpoint/2015/main" val="1"/>
+              </p:ext>
+            </p:extLst>
+          </p:nvPr>
+        </p:nvSpPr>
+        <p:spPr>
+          <a:xfrm>
+            <a:off x="579528" y="631767"/>
+            <a:ext cx="11111729" cy="5752404"/>
+          </a:xfrm>
+          <a:prstGeom prst="rect">
+            <a:avLst/>
+          </a:prstGeom>
+          <a:solidFill>
+            <a:schemeClr val="bg1"/>
+          </a:solidFill>
+          <a:ln>
+            <a:noFill/>
+          </a:ln>
+          <a:effectLst>
+            <a:outerShdw blurRad="139700" dist="127000" dir="5400000" algn="t" rotWithShape="0">
+              <a:prstClr val="black">
+                <a:alpha val="15000"/>
+              </a:prstClr>
+            </a:outerShdw>
+          </a:effectLst>
+        </p:spPr>
+        <p:style>
+          <a:lnRef idx="2">
+            <a:schemeClr val="accent1">
+              <a:shade val="50000"/>
+            </a:schemeClr>
+          </a:lnRef>
+          <a:fillRef idx="1">
+            <a:schemeClr val="accent1"/>
+          </a:fillRef>
+          <a:effectRef idx="0">
+            <a:schemeClr val="accent1"/>
+          </a:effectRef>
+          <a:fontRef idx="minor">
+            <a:schemeClr val="lt1"/>
+          </a:fontRef>
+        </p:style>
+        <p:txBody>
+          <a:bodyPr rtlCol="0" anchor="ctr"/>
+          <a:lstStyle/>
+          <a:p>
+            <a:pPr algn="ctr"/>
+            <a:endParaRPr lang="en-US"/>
+          </a:p>
+        </p:txBody>
+      </p:sp>
+      <p:sp>
+        <p:nvSpPr>
+          <p:cNvPr id="2" name="標題 1">
+            <a:extLst>
+              <a:ext uri="{FF2B5EF4-FFF2-40B4-BE49-F238E27FC236}">
+                <a16:creationId xmlns:a16="http://schemas.microsoft.com/office/drawing/2014/main" id="{E67A9B9C-0E13-2912-FE56-0698E122B7D9}"/>
+              </a:ext>
+            </a:extLst>
+          </p:cNvPr>
+          <p:cNvSpPr>
+            <a:spLocks noGrp="1"/>
+          </p:cNvSpPr>
+          <p:nvPr>
+            <p:ph type="title"/>
+          </p:nvPr>
+        </p:nvSpPr>
+        <p:spPr>
+          <a:xfrm>
+            <a:off x="1153618" y="1239927"/>
+            <a:ext cx="4008586" cy="4680583"/>
+          </a:xfrm>
+        </p:spPr>
+        <p:txBody>
+          <a:bodyPr anchor="ctr">
+            <a:normAutofit/>
+          </a:bodyPr>
+          <a:lstStyle/>
+          <a:p>
+            <a:r>
+              <a:rPr lang="zh-TW" altLang="en-US" sz="5200" b="1" dirty="0">
+                <a:latin typeface="微軟正黑體" panose="020B0604030504040204" pitchFamily="34" charset="-120"/>
+                <a:ea typeface="微軟正黑體" panose="020B0604030504040204" pitchFamily="34" charset="-120"/>
+              </a:rPr>
+              <a:t>產品概述</a:t>
+            </a:r>
+          </a:p>
+        </p:txBody>
+      </p:sp>
+      <p:sp>
+        <p:nvSpPr>
+          <p:cNvPr id="3" name="內容版面配置區 2">
+            <a:extLst>
+              <a:ext uri="{FF2B5EF4-FFF2-40B4-BE49-F238E27FC236}">
+                <a16:creationId xmlns:a16="http://schemas.microsoft.com/office/drawing/2014/main" id="{115867E0-5F26-C3F4-42A9-F9EFA5F1E4E5}"/>
+              </a:ext>
+            </a:extLst>
+          </p:cNvPr>
+          <p:cNvSpPr>
+            <a:spLocks noGrp="1"/>
+          </p:cNvSpPr>
+          <p:nvPr>
+            <p:ph idx="1"/>
+          </p:nvPr>
+        </p:nvSpPr>
+        <p:spPr>
+          <a:xfrm>
+            <a:off x="6291923" y="1239927"/>
+            <a:ext cx="4971824" cy="4680583"/>
+          </a:xfrm>
+        </p:spPr>
+        <p:txBody>
+          <a:bodyPr anchor="ctr">
+            <a:normAutofit/>
+          </a:bodyPr>
+          <a:lstStyle/>
+          <a:p>
+            <a:r>
+              <a:rPr lang="zh-TW" altLang="en-US" sz="2000" dirty="0">
+                <a:latin typeface="微軟正黑體" panose="020B0604030504040204" pitchFamily="34" charset="-120"/>
+                <a:ea typeface="微軟正黑體" panose="020B0604030504040204" pitchFamily="34" charset="-120"/>
+              </a:rPr>
+              <a:t>物理資聊</a:t>
+            </a:r>
+            <a:r>
+              <a:rPr lang="en-US" altLang="zh-TW" sz="2000" dirty="0">
+                <a:latin typeface="微軟正黑體" panose="020B0604030504040204" pitchFamily="34" charset="-120"/>
+                <a:ea typeface="微軟正黑體" panose="020B0604030504040204" pitchFamily="34" charset="-120"/>
+              </a:rPr>
+              <a:t>:</a:t>
+            </a:r>
+          </a:p>
+          <a:p>
+            <a:pPr lvl="1"/>
+            <a:endParaRPr lang="en-US" altLang="zh-TW" sz="2000" dirty="0">
+              <a:latin typeface="微軟正黑體" panose="020B0604030504040204" pitchFamily="34" charset="-120"/>
+              <a:ea typeface="微軟正黑體" panose="020B0604030504040204" pitchFamily="34" charset="-120"/>
+            </a:endParaRPr>
+          </a:p>
+          <a:p>
+            <a:pPr lvl="1"/>
+            <a:r>
+              <a:rPr lang="zh-TW" altLang="en-US" sz="2000" dirty="0">
+                <a:latin typeface="微軟正黑體" panose="020B0604030504040204" pitchFamily="34" charset="-120"/>
+                <a:ea typeface="微軟正黑體" panose="020B0604030504040204" pitchFamily="34" charset="-120"/>
+              </a:rPr>
+              <a:t>關節檢測</a:t>
+            </a:r>
+            <a:endParaRPr lang="en-US" altLang="zh-TW" sz="2000" dirty="0">
+              <a:latin typeface="微軟正黑體" panose="020B0604030504040204" pitchFamily="34" charset="-120"/>
+              <a:ea typeface="微軟正黑體" panose="020B0604030504040204" pitchFamily="34" charset="-120"/>
+            </a:endParaRPr>
+          </a:p>
+          <a:p>
+            <a:pPr lvl="1"/>
+            <a:endParaRPr lang="en-US" altLang="zh-TW" sz="2000" dirty="0">
+              <a:latin typeface="微軟正黑體" panose="020B0604030504040204" pitchFamily="34" charset="-120"/>
+              <a:ea typeface="微軟正黑體" panose="020B0604030504040204" pitchFamily="34" charset="-120"/>
+            </a:endParaRPr>
+          </a:p>
+          <a:p>
+            <a:pPr lvl="1"/>
+            <a:r>
+              <a:rPr lang="zh-TW" altLang="en-US" sz="2000" dirty="0">
+                <a:latin typeface="微軟正黑體" panose="020B0604030504040204" pitchFamily="34" charset="-120"/>
+                <a:ea typeface="微軟正黑體" panose="020B0604030504040204" pitchFamily="34" charset="-120"/>
+              </a:rPr>
+              <a:t>聊天諮詢</a:t>
+            </a:r>
+            <a:endParaRPr lang="en-US" altLang="zh-TW" sz="2000" dirty="0">
+              <a:latin typeface="微軟正黑體" panose="020B0604030504040204" pitchFamily="34" charset="-120"/>
+              <a:ea typeface="微軟正黑體" panose="020B0604030504040204" pitchFamily="34" charset="-120"/>
+            </a:endParaRPr>
+          </a:p>
+          <a:p>
+            <a:pPr lvl="1"/>
+            <a:endParaRPr lang="en-US" altLang="zh-TW" sz="2000" dirty="0">
+              <a:latin typeface="微軟正黑體" panose="020B0604030504040204" pitchFamily="34" charset="-120"/>
+              <a:ea typeface="微軟正黑體" panose="020B0604030504040204" pitchFamily="34" charset="-120"/>
+            </a:endParaRPr>
+          </a:p>
+          <a:p>
+            <a:pPr lvl="1"/>
+            <a:r>
+              <a:rPr lang="zh-TW" altLang="en-US" sz="2000" dirty="0">
+                <a:latin typeface="微軟正黑體" panose="020B0604030504040204" pitchFamily="34" charset="-120"/>
+                <a:ea typeface="微軟正黑體" panose="020B0604030504040204" pitchFamily="34" charset="-120"/>
+              </a:rPr>
+              <a:t>居家運動</a:t>
+            </a:r>
+            <a:endParaRPr lang="en-US" altLang="zh-TW" sz="2000" dirty="0">
+              <a:latin typeface="微軟正黑體" panose="020B0604030504040204" pitchFamily="34" charset="-120"/>
+              <a:ea typeface="微軟正黑體" panose="020B0604030504040204" pitchFamily="34" charset="-120"/>
+            </a:endParaRPr>
+          </a:p>
+          <a:p>
+            <a:pPr lvl="1"/>
+            <a:endParaRPr lang="en-US" altLang="zh-TW" sz="2000" dirty="0"/>
+          </a:p>
+          <a:p>
+            <a:pPr marL="457200" lvl="1" indent="0">
+              <a:buNone/>
+            </a:pPr>
+            <a:endParaRPr lang="en-US" altLang="zh-TW" sz="2000" dirty="0"/>
+          </a:p>
+        </p:txBody>
+      </p:sp>
+    </p:spTree>
+    <p:extLst>
+      <p:ext uri="{BB962C8B-B14F-4D97-AF65-F5344CB8AC3E}">
+        <p14:creationId xmlns:p14="http://schemas.microsoft.com/office/powerpoint/2010/main" val="555405392"/>
+      </p:ext>
+    </p:extLst>
+  </p:cSld>
+  <p:clrMapOvr>
+    <a:masterClrMapping/>
+  </p:clrMapOvr>
+</p:sld>
+</file>
+
+<file path=ppt/slides/slide13.xml><?xml version="1.0" encoding="utf-8"?>
+<p:sld xmlns:a="http://schemas.openxmlformats.org/drawingml/2006/main" xmlns:r="http://schemas.openxmlformats.org/officeDocument/2006/relationships" xmlns:p="http://schemas.openxmlformats.org/presentationml/2006/main">
+  <p:cSld>
+    <p:bg>
+      <p:bgPr>
+        <a:solidFill>
+          <a:schemeClr val="bg1"/>
+        </a:solidFill>
+        <a:effectLst/>
+      </p:bgPr>
+    </p:bg>
+    <p:spTree>
+      <p:nvGrpSpPr>
+        <p:cNvPr id="1" name=""/>
+        <p:cNvGrpSpPr/>
+        <p:nvPr/>
+      </p:nvGrpSpPr>
+      <p:grpSpPr>
+        <a:xfrm>
+          <a:off x="0" y="0"/>
+          <a:ext cx="0" cy="0"/>
+          <a:chOff x="0" y="0"/>
+          <a:chExt cx="0" cy="0"/>
+        </a:xfrm>
+      </p:grpSpPr>
+      <p:sp useBgFill="1">
+        <p:nvSpPr>
           <p:cNvPr id="8" name="Rectangle 7">
             <a:extLst>
               <a:ext uri="{FF2B5EF4-FFF2-40B4-BE49-F238E27FC236}">
@@ -5494,7 +7095,7 @@
           <p:cNvPr id="2" name="標題 1">
             <a:extLst>
               <a:ext uri="{FF2B5EF4-FFF2-40B4-BE49-F238E27FC236}">
-                <a16:creationId xmlns:a16="http://schemas.microsoft.com/office/drawing/2014/main" id="{3EC97B3F-091D-CB24-189C-07E8CA236FB9}"/>
+                <a16:creationId xmlns:a16="http://schemas.microsoft.com/office/drawing/2014/main" id="{B8556DE2-3607-DB1D-AA4D-CFE6043EA7A1}"/>
               </a:ext>
             </a:extLst>
           </p:cNvPr>
@@ -5522,7 +7123,7 @@
                 <a:latin typeface="微軟正黑體" panose="020B0604030504040204" pitchFamily="34" charset="-120"/>
                 <a:ea typeface="微軟正黑體" panose="020B0604030504040204" pitchFamily="34" charset="-120"/>
               </a:rPr>
-              <a:t>成本結構</a:t>
+              <a:t>商業模式</a:t>
             </a:r>
           </a:p>
         </p:txBody>
@@ -5532,7 +7133,7 @@
           <p:cNvPr id="3" name="內容版面配置區 2">
             <a:extLst>
               <a:ext uri="{FF2B5EF4-FFF2-40B4-BE49-F238E27FC236}">
-                <a16:creationId xmlns:a16="http://schemas.microsoft.com/office/drawing/2014/main" id="{FBC58C1E-8834-78B8-A967-BA941493E59E}"/>
+                <a16:creationId xmlns:a16="http://schemas.microsoft.com/office/drawing/2014/main" id="{615396B1-66A7-CC8B-C114-FEA16B766BEF}"/>
               </a:ext>
             </a:extLst>
           </p:cNvPr>
@@ -5557,49 +7158,84 @@
           <a:p>
             <a:r>
               <a:rPr lang="zh-TW" altLang="en-US" sz="2400" dirty="0">
-                <a:latin typeface="微軟正黑體" panose="020B0604030504040204" pitchFamily="34" charset="-120"/>
                 <a:ea typeface="微軟正黑體" panose="020B0604030504040204" pitchFamily="34" charset="-120"/>
               </a:rPr>
-              <a:t>人事成本</a:t>
-            </a:r>
-            <a:endParaRPr lang="en-US" altLang="zh-TW" sz="2400" dirty="0">
-              <a:latin typeface="微軟正黑體" panose="020B0604030504040204" pitchFamily="34" charset="-120"/>
+              <a:t>目標客群</a:t>
+            </a:r>
+            <a:r>
+              <a:rPr lang="en-US" altLang="zh-TW" sz="2400" dirty="0">
+                <a:ea typeface="微軟正黑體" panose="020B0604030504040204" pitchFamily="34" charset="-120"/>
+              </a:rPr>
+              <a:t>:</a:t>
+            </a:r>
+          </a:p>
+          <a:p>
+            <a:pPr lvl="1"/>
+            <a:endParaRPr lang="en-US" altLang="zh-TW" dirty="0">
               <a:ea typeface="微軟正黑體" panose="020B0604030504040204" pitchFamily="34" charset="-120"/>
             </a:endParaRPr>
           </a:p>
           <a:p>
-            <a:endParaRPr lang="en-US" altLang="zh-TW" sz="2400" dirty="0">
-              <a:latin typeface="微軟正黑體" panose="020B0604030504040204" pitchFamily="34" charset="-120"/>
+            <a:pPr lvl="1"/>
+            <a:r>
+              <a:rPr lang="zh-TW" altLang="en-US" dirty="0">
+                <a:ea typeface="微軟正黑體" panose="020B0604030504040204" pitchFamily="34" charset="-120"/>
+              </a:rPr>
+              <a:t>成年與老年</a:t>
+            </a:r>
+            <a:endParaRPr lang="en-US" altLang="zh-TW" dirty="0">
               <a:ea typeface="微軟正黑體" panose="020B0604030504040204" pitchFamily="34" charset="-120"/>
             </a:endParaRPr>
           </a:p>
           <a:p>
-            <a:r>
-              <a:rPr lang="zh-TW" altLang="en-US" sz="2400" dirty="0">
-                <a:latin typeface="微軟正黑體" panose="020B0604030504040204" pitchFamily="34" charset="-120"/>
+            <a:pPr marL="457200" lvl="1" indent="0">
+              <a:buNone/>
+            </a:pPr>
+            <a:endParaRPr lang="en-US" altLang="zh-TW" dirty="0">
+              <a:ea typeface="微軟正黑體" panose="020B0604030504040204" pitchFamily="34" charset="-120"/>
+            </a:endParaRPr>
+          </a:p>
+          <a:p>
+            <a:pPr lvl="1"/>
+            <a:r>
+              <a:rPr lang="zh-TW" altLang="en-US" dirty="0">
                 <a:ea typeface="微軟正黑體" panose="020B0604030504040204" pitchFamily="34" charset="-120"/>
               </a:rPr>
-              <a:t>行銷成本</a:t>
-            </a:r>
-            <a:endParaRPr lang="en-US" altLang="zh-TW" sz="2400" dirty="0">
-              <a:latin typeface="微軟正黑體" panose="020B0604030504040204" pitchFamily="34" charset="-120"/>
+              <a:t>受關節、體態問題困擾的族群</a:t>
+            </a:r>
+            <a:endParaRPr lang="en-US" altLang="zh-TW" dirty="0">
               <a:ea typeface="微軟正黑體" panose="020B0604030504040204" pitchFamily="34" charset="-120"/>
             </a:endParaRPr>
           </a:p>
           <a:p>
-            <a:endParaRPr lang="en-US" altLang="zh-TW" sz="2400" dirty="0">
-              <a:latin typeface="微軟正黑體" panose="020B0604030504040204" pitchFamily="34" charset="-120"/>
+            <a:pPr lvl="1"/>
+            <a:endParaRPr lang="en-US" altLang="zh-TW" dirty="0">
               <a:ea typeface="微軟正黑體" panose="020B0604030504040204" pitchFamily="34" charset="-120"/>
             </a:endParaRPr>
           </a:p>
           <a:p>
-            <a:r>
-              <a:rPr lang="zh-TW" altLang="en-US" sz="2400" dirty="0">
-                <a:latin typeface="微軟正黑體" panose="020B0604030504040204" pitchFamily="34" charset="-120"/>
+            <a:pPr lvl="1"/>
+            <a:r>
+              <a:rPr lang="zh-TW" altLang="en-US" dirty="0">
                 <a:ea typeface="微軟正黑體" panose="020B0604030504040204" pitchFamily="34" charset="-120"/>
               </a:rPr>
-              <a:t>技術和系統維護成本</a:t>
-            </a:r>
+              <a:t>關注體態健康的族群</a:t>
+            </a:r>
+            <a:endParaRPr lang="en-US" altLang="zh-TW" dirty="0">
+              <a:ea typeface="微軟正黑體" panose="020B0604030504040204" pitchFamily="34" charset="-120"/>
+            </a:endParaRPr>
+          </a:p>
+          <a:p>
+            <a:pPr lvl="1"/>
+            <a:endParaRPr lang="en-US" altLang="zh-TW" dirty="0">
+              <a:ea typeface="微軟正黑體" panose="020B0604030504040204" pitchFamily="34" charset="-120"/>
+            </a:endParaRPr>
+          </a:p>
+          <a:p>
+            <a:pPr lvl="1"/>
+            <a:endParaRPr lang="zh-TW" altLang="en-US" dirty="0">
+              <a:ea typeface="微軟正黑體" panose="020B0604030504040204" pitchFamily="34" charset="-120"/>
+            </a:endParaRPr>
           </a:p>
         </p:txBody>
       </p:sp>
@@ -5658,7 +7294,7 @@
     </p:spTree>
     <p:extLst>
       <p:ext uri="{BB962C8B-B14F-4D97-AF65-F5344CB8AC3E}">
-        <p14:creationId xmlns:p14="http://schemas.microsoft.com/office/powerpoint/2010/main" val="3425436352"/>
+        <p14:creationId xmlns:p14="http://schemas.microsoft.com/office/powerpoint/2010/main" val="1739337312"/>
       </p:ext>
     </p:extLst>
   </p:cSld>
@@ -5668,7 +7304,7 @@
 </p:sld>
 </file>
 
-<file path=ppt/slides/slide11.xml><?xml version="1.0" encoding="utf-8"?>
+<file path=ppt/slides/slide14.xml><?xml version="1.0" encoding="utf-8"?>
 <p:sld xmlns:a="http://schemas.openxmlformats.org/drawingml/2006/main" xmlns:r="http://schemas.openxmlformats.org/officeDocument/2006/relationships" xmlns:p="http://schemas.openxmlformats.org/presentationml/2006/main">
   <p:cSld>
     <p:bg>
@@ -6040,7 +7676,7 @@
           <p:cNvPr id="2" name="標題 1">
             <a:extLst>
               <a:ext uri="{FF2B5EF4-FFF2-40B4-BE49-F238E27FC236}">
-                <a16:creationId xmlns:a16="http://schemas.microsoft.com/office/drawing/2014/main" id="{387E8683-7CF9-4E92-D676-A46FC848EACC}"/>
+                <a16:creationId xmlns:a16="http://schemas.microsoft.com/office/drawing/2014/main" id="{3EC97B3F-091D-CB24-189C-07E8CA236FB9}"/>
               </a:ext>
             </a:extLst>
           </p:cNvPr>
@@ -6064,11 +7700,11 @@
           <a:lstStyle/>
           <a:p>
             <a:r>
-              <a:rPr lang="zh-TW" altLang="en-US" sz="4800" b="1" dirty="0">
+              <a:rPr lang="zh-TW" altLang="en-US" sz="4800" b="1">
                 <a:latin typeface="微軟正黑體" panose="020B0604030504040204" pitchFamily="34" charset="-120"/>
                 <a:ea typeface="微軟正黑體" panose="020B0604030504040204" pitchFamily="34" charset="-120"/>
               </a:rPr>
-              <a:t>收益流</a:t>
+              <a:t>成本結構</a:t>
             </a:r>
           </a:p>
         </p:txBody>
@@ -6078,7 +7714,7 @@
           <p:cNvPr id="3" name="內容版面配置區 2">
             <a:extLst>
               <a:ext uri="{FF2B5EF4-FFF2-40B4-BE49-F238E27FC236}">
-                <a16:creationId xmlns:a16="http://schemas.microsoft.com/office/drawing/2014/main" id="{8108C058-A708-08C9-0614-19C880456B93}"/>
+                <a16:creationId xmlns:a16="http://schemas.microsoft.com/office/drawing/2014/main" id="{FBC58C1E-8834-78B8-A967-BA941493E59E}"/>
               </a:ext>
             </a:extLst>
           </p:cNvPr>
@@ -6102,113 +7738,50 @@
           <a:lstStyle/>
           <a:p>
             <a:r>
-              <a:rPr lang="en-US" altLang="zh-TW" sz="2400" dirty="0">
-                <a:latin typeface="微軟正黑體" panose="020B0604030504040204" pitchFamily="34" charset="-120"/>
-                <a:ea typeface="微軟正黑體" panose="020B0604030504040204" pitchFamily="34" charset="-120"/>
-              </a:rPr>
-              <a:t>Premium</a:t>
-            </a:r>
-            <a:r>
               <a:rPr lang="zh-TW" altLang="en-US" sz="2400" dirty="0">
                 <a:latin typeface="微軟正黑體" panose="020B0604030504040204" pitchFamily="34" charset="-120"/>
                 <a:ea typeface="微軟正黑體" panose="020B0604030504040204" pitchFamily="34" charset="-120"/>
               </a:rPr>
-              <a:t>訂閱費用 </a:t>
-            </a:r>
-            <a:r>
-              <a:rPr lang="en-US" altLang="zh-TW" sz="2400" dirty="0">
-                <a:latin typeface="微軟正黑體" panose="020B0604030504040204" pitchFamily="34" charset="-120"/>
-                <a:ea typeface="微軟正黑體" panose="020B0604030504040204" pitchFamily="34" charset="-120"/>
-              </a:rPr>
-              <a:t>:</a:t>
-            </a:r>
+              <a:t>人事成本</a:t>
+            </a:r>
+            <a:endParaRPr lang="en-US" altLang="zh-TW" sz="2400" dirty="0">
+              <a:latin typeface="微軟正黑體" panose="020B0604030504040204" pitchFamily="34" charset="-120"/>
+              <a:ea typeface="微軟正黑體" panose="020B0604030504040204" pitchFamily="34" charset="-120"/>
+            </a:endParaRPr>
+          </a:p>
+          <a:p>
+            <a:endParaRPr lang="en-US" altLang="zh-TW" sz="2400" dirty="0">
+              <a:latin typeface="微軟正黑體" panose="020B0604030504040204" pitchFamily="34" charset="-120"/>
+              <a:ea typeface="微軟正黑體" panose="020B0604030504040204" pitchFamily="34" charset="-120"/>
+            </a:endParaRPr>
+          </a:p>
+          <a:p>
             <a:r>
               <a:rPr lang="zh-TW" altLang="en-US" sz="2400" dirty="0">
                 <a:latin typeface="微軟正黑體" panose="020B0604030504040204" pitchFamily="34" charset="-120"/>
                 <a:ea typeface="微軟正黑體" panose="020B0604030504040204" pitchFamily="34" charset="-120"/>
               </a:rPr>
-              <a:t> 每月</a:t>
-            </a:r>
-            <a:r>
-              <a:rPr lang="en-US" altLang="zh-TW" sz="2400" dirty="0">
-                <a:latin typeface="微軟正黑體" panose="020B0604030504040204" pitchFamily="34" charset="-120"/>
-                <a:ea typeface="微軟正黑體" panose="020B0604030504040204" pitchFamily="34" charset="-120"/>
-              </a:rPr>
-              <a:t>60</a:t>
-            </a:r>
+              <a:t>行銷成本</a:t>
+            </a:r>
+            <a:endParaRPr lang="en-US" altLang="zh-TW" sz="2400" dirty="0">
+              <a:latin typeface="微軟正黑體" panose="020B0604030504040204" pitchFamily="34" charset="-120"/>
+              <a:ea typeface="微軟正黑體" panose="020B0604030504040204" pitchFamily="34" charset="-120"/>
+            </a:endParaRPr>
+          </a:p>
+          <a:p>
+            <a:endParaRPr lang="en-US" altLang="zh-TW" sz="2400" dirty="0">
+              <a:latin typeface="微軟正黑體" panose="020B0604030504040204" pitchFamily="34" charset="-120"/>
+              <a:ea typeface="微軟正黑體" panose="020B0604030504040204" pitchFamily="34" charset="-120"/>
+            </a:endParaRPr>
+          </a:p>
+          <a:p>
             <a:r>
               <a:rPr lang="zh-TW" altLang="en-US" sz="2400" dirty="0">
                 <a:latin typeface="微軟正黑體" panose="020B0604030504040204" pitchFamily="34" charset="-120"/>
                 <a:ea typeface="微軟正黑體" panose="020B0604030504040204" pitchFamily="34" charset="-120"/>
               </a:rPr>
-              <a:t>元</a:t>
-            </a:r>
-            <a:endParaRPr lang="en-US" altLang="zh-TW" sz="2400" dirty="0">
-              <a:latin typeface="微軟正黑體" panose="020B0604030504040204" pitchFamily="34" charset="-120"/>
-              <a:ea typeface="微軟正黑體" panose="020B0604030504040204" pitchFamily="34" charset="-120"/>
-            </a:endParaRPr>
-          </a:p>
-          <a:p>
-            <a:endParaRPr lang="en-US" altLang="zh-TW" sz="2400" dirty="0">
-              <a:latin typeface="微軟正黑體" panose="020B0604030504040204" pitchFamily="34" charset="-120"/>
-              <a:ea typeface="微軟正黑體" panose="020B0604030504040204" pitchFamily="34" charset="-120"/>
-            </a:endParaRPr>
-          </a:p>
-          <a:p>
-            <a:endParaRPr lang="en-US" altLang="zh-TW" sz="2400" dirty="0">
-              <a:latin typeface="微軟正黑體" panose="020B0604030504040204" pitchFamily="34" charset="-120"/>
-              <a:ea typeface="微軟正黑體" panose="020B0604030504040204" pitchFamily="34" charset="-120"/>
-            </a:endParaRPr>
-          </a:p>
-          <a:p>
-            <a:r>
-              <a:rPr lang="zh-TW" altLang="en-US" sz="2400" dirty="0">
-                <a:latin typeface="微軟正黑體" panose="020B0604030504040204" pitchFamily="34" charset="-120"/>
-                <a:ea typeface="微軟正黑體" panose="020B0604030504040204" pitchFamily="34" charset="-120"/>
-              </a:rPr>
-              <a:t>預估收益</a:t>
-            </a:r>
-            <a:r>
-              <a:rPr lang="en-US" altLang="zh-TW" sz="2400" dirty="0">
-                <a:latin typeface="微軟正黑體" panose="020B0604030504040204" pitchFamily="34" charset="-120"/>
-                <a:ea typeface="微軟正黑體" panose="020B0604030504040204" pitchFamily="34" charset="-120"/>
-              </a:rPr>
-              <a:t>:</a:t>
-            </a:r>
-            <a:r>
-              <a:rPr lang="zh-TW" altLang="en-US" sz="2400" dirty="0">
-                <a:latin typeface="微軟正黑體" panose="020B0604030504040204" pitchFamily="34" charset="-120"/>
-                <a:ea typeface="微軟正黑體" panose="020B0604030504040204" pitchFamily="34" charset="-120"/>
-              </a:rPr>
-              <a:t> 約</a:t>
-            </a:r>
-            <a:r>
-              <a:rPr lang="en-US" altLang="zh-TW" sz="2400" dirty="0">
-                <a:latin typeface="微軟正黑體" panose="020B0604030504040204" pitchFamily="34" charset="-120"/>
-                <a:ea typeface="微軟正黑體" panose="020B0604030504040204" pitchFamily="34" charset="-120"/>
-              </a:rPr>
-              <a:t>7300</a:t>
-            </a:r>
-            <a:r>
-              <a:rPr lang="zh-TW" altLang="en-US" sz="2400" dirty="0">
-                <a:latin typeface="微軟正黑體" panose="020B0604030504040204" pitchFamily="34" charset="-120"/>
-                <a:ea typeface="微軟正黑體" panose="020B0604030504040204" pitchFamily="34" charset="-120"/>
-              </a:rPr>
-              <a:t>萬，毛利率約</a:t>
-            </a:r>
-            <a:r>
-              <a:rPr lang="en-US" altLang="zh-TW" sz="2400" dirty="0">
-                <a:latin typeface="微軟正黑體" panose="020B0604030504040204" pitchFamily="34" charset="-120"/>
-                <a:ea typeface="微軟正黑體" panose="020B0604030504040204" pitchFamily="34" charset="-120"/>
-              </a:rPr>
-              <a:t>40%</a:t>
-            </a:r>
-          </a:p>
-          <a:p>
-            <a:endParaRPr lang="en-US" altLang="zh-TW" sz="2400" dirty="0"/>
-          </a:p>
-          <a:p>
-            <a:endParaRPr lang="zh-TW" altLang="en-US" sz="2400" dirty="0"/>
+              <a:t>技術和系統維護成本</a:t>
+            </a:r>
           </a:p>
         </p:txBody>
       </p:sp>
@@ -6267,7 +7840,7 @@
     </p:spTree>
     <p:extLst>
       <p:ext uri="{BB962C8B-B14F-4D97-AF65-F5344CB8AC3E}">
-        <p14:creationId xmlns:p14="http://schemas.microsoft.com/office/powerpoint/2010/main" val="1855425495"/>
+        <p14:creationId xmlns:p14="http://schemas.microsoft.com/office/powerpoint/2010/main" val="3425436352"/>
       </p:ext>
     </p:extLst>
   </p:cSld>
@@ -6277,72 +7850,7 @@
 </p:sld>
 </file>
 
-<file path=ppt/slides/slide12.xml><?xml version="1.0" encoding="utf-8"?>
-<p:sld xmlns:a="http://schemas.openxmlformats.org/drawingml/2006/main" xmlns:r="http://schemas.openxmlformats.org/officeDocument/2006/relationships" xmlns:p="http://schemas.openxmlformats.org/presentationml/2006/main">
-  <p:cSld>
-    <p:spTree>
-      <p:nvGrpSpPr>
-        <p:cNvPr id="1" name=""/>
-        <p:cNvGrpSpPr/>
-        <p:nvPr/>
-      </p:nvGrpSpPr>
-      <p:grpSpPr>
-        <a:xfrm>
-          <a:off x="0" y="0"/>
-          <a:ext cx="0" cy="0"/>
-          <a:chOff x="0" y="0"/>
-          <a:chExt cx="0" cy="0"/>
-        </a:xfrm>
-      </p:grpSpPr>
-      <p:sp>
-        <p:nvSpPr>
-          <p:cNvPr id="2" name="標題 1">
-            <a:extLst>
-              <a:ext uri="{FF2B5EF4-FFF2-40B4-BE49-F238E27FC236}">
-                <a16:creationId xmlns:a16="http://schemas.microsoft.com/office/drawing/2014/main" id="{1DADC3CD-CA2D-82C5-E5FB-083425637737}"/>
-              </a:ext>
-            </a:extLst>
-          </p:cNvPr>
-          <p:cNvSpPr>
-            <a:spLocks noGrp="1"/>
-          </p:cNvSpPr>
-          <p:nvPr>
-            <p:ph type="title"/>
-          </p:nvPr>
-        </p:nvSpPr>
-        <p:spPr>
-          <a:xfrm>
-            <a:off x="838200" y="2766218"/>
-            <a:ext cx="10515600" cy="1325563"/>
-          </a:xfrm>
-        </p:spPr>
-        <p:txBody>
-          <a:bodyPr/>
-          <a:lstStyle/>
-          <a:p>
-            <a:pPr algn="ctr"/>
-            <a:r>
-              <a:rPr lang="en-US" altLang="zh-TW" dirty="0"/>
-              <a:t>end</a:t>
-            </a:r>
-            <a:endParaRPr lang="zh-TW" altLang="en-US" dirty="0"/>
-          </a:p>
-        </p:txBody>
-      </p:sp>
-    </p:spTree>
-    <p:extLst>
-      <p:ext uri="{BB962C8B-B14F-4D97-AF65-F5344CB8AC3E}">
-        <p14:creationId xmlns:p14="http://schemas.microsoft.com/office/powerpoint/2010/main" val="3974612881"/>
-      </p:ext>
-    </p:extLst>
-  </p:cSld>
-  <p:clrMapOvr>
-    <a:masterClrMapping/>
-  </p:clrMapOvr>
-</p:sld>
-</file>
-
-<file path=ppt/slides/slide2.xml><?xml version="1.0" encoding="utf-8"?>
+<file path=ppt/slides/slide15.xml><?xml version="1.0" encoding="utf-8"?>
 <p:sld xmlns:a="http://schemas.openxmlformats.org/drawingml/2006/main" xmlns:r="http://schemas.openxmlformats.org/officeDocument/2006/relationships" xmlns:p="http://schemas.openxmlformats.org/presentationml/2006/main">
   <p:cSld>
     <p:bg>
@@ -6372,7 +7880,7 @@
           <p:cNvPr id="8" name="Rectangle 7">
             <a:extLst>
               <a:ext uri="{FF2B5EF4-FFF2-40B4-BE49-F238E27FC236}">
-                <a16:creationId xmlns:a16="http://schemas.microsoft.com/office/drawing/2014/main" id="{DBF61EA3-B236-439E-9C0B-340980D56BEE}"/>
+                <a16:creationId xmlns:a16="http://schemas.microsoft.com/office/drawing/2014/main" id="{B6CDA21F-E7AF-4C75-8395-33F58D5B0E45}"/>
               </a:ext>
               <a:ext uri="{C183D7F6-B498-43B3-948B-1728B52AA6E4}">
                 <adec:decorative xmlns:adec="http://schemas.microsoft.com/office/drawing/2017/decorative" val="1"/>
@@ -6427,456 +7935,9 @@
           </a:p>
         </p:txBody>
       </p:sp>
-      <p:sp>
-        <p:nvSpPr>
-          <p:cNvPr id="2" name="標題 1">
-            <a:extLst>
-              <a:ext uri="{FF2B5EF4-FFF2-40B4-BE49-F238E27FC236}">
-                <a16:creationId xmlns:a16="http://schemas.microsoft.com/office/drawing/2014/main" id="{AF9C4B85-D0BB-59F0-0E19-636E0E80051F}"/>
-              </a:ext>
-            </a:extLst>
-          </p:cNvPr>
-          <p:cNvSpPr>
-            <a:spLocks noGrp="1"/>
-          </p:cNvSpPr>
-          <p:nvPr>
-            <p:ph type="title"/>
-          </p:nvPr>
-        </p:nvSpPr>
-        <p:spPr>
-          <a:xfrm>
-            <a:off x="808638" y="386930"/>
-            <a:ext cx="9236700" cy="1188950"/>
-          </a:xfrm>
-        </p:spPr>
-        <p:txBody>
-          <a:bodyPr anchor="b">
-            <a:normAutofit/>
-          </a:bodyPr>
-          <a:lstStyle/>
-          <a:p>
-            <a:r>
-              <a:rPr lang="zh-TW" altLang="en-US" sz="5400" b="1" dirty="0">
-                <a:latin typeface="微軟正黑體" panose="020B0604030504040204" pitchFamily="34" charset="-120"/>
-                <a:ea typeface="微軟正黑體" panose="020B0604030504040204" pitchFamily="34" charset="-120"/>
-              </a:rPr>
-              <a:t>目錄</a:t>
-            </a:r>
-          </a:p>
-        </p:txBody>
-      </p:sp>
       <p:grpSp>
         <p:nvGrpSpPr>
           <p:cNvPr id="10" name="Group 9">
-            <a:extLst>
-              <a:ext uri="{FF2B5EF4-FFF2-40B4-BE49-F238E27FC236}">
-                <a16:creationId xmlns:a16="http://schemas.microsoft.com/office/drawing/2014/main" id="{28FAF094-D087-493F-8DF9-A486C2D6BBAA}"/>
-              </a:ext>
-              <a:ext uri="{C183D7F6-B498-43B3-948B-1728B52AA6E4}">
-                <adec:decorative xmlns:adec="http://schemas.microsoft.com/office/drawing/2017/decorative" val="1"/>
-              </a:ext>
-            </a:extLst>
-          </p:cNvPr>
-          <p:cNvGrpSpPr>
-            <a:grpSpLocks noGrp="1" noUngrp="1" noRot="1" noChangeAspect="1" noMove="1" noResize="1"/>
-          </p:cNvGrpSpPr>
-          <p:nvPr>
-            <p:extLst>
-              <p:ext uri="{386F3935-93C4-4BCD-93E2-E3B085C9AB24}">
-                <p16:designElem xmlns:p16="http://schemas.microsoft.com/office/powerpoint/2015/main" val="1"/>
-              </p:ext>
-            </p:extLst>
-          </p:nvPr>
-        </p:nvGrpSpPr>
-        <p:grpSpPr>
-          <a:xfrm>
-            <a:off x="-2" y="1998368"/>
-            <a:ext cx="11695083" cy="782176"/>
-            <a:chOff x="-2" y="1998368"/>
-            <a:chExt cx="11695083" cy="782176"/>
-          </a:xfrm>
-        </p:grpSpPr>
-        <p:sp>
-          <p:nvSpPr>
-            <p:cNvPr id="11" name="Rectangle 10">
-              <a:extLst>
-                <a:ext uri="{FF2B5EF4-FFF2-40B4-BE49-F238E27FC236}">
-                  <a16:creationId xmlns:a16="http://schemas.microsoft.com/office/drawing/2014/main" id="{8D7C88D8-5509-4514-925A-9CE148E5CBD6}"/>
-                </a:ext>
-                <a:ext uri="{C183D7F6-B498-43B3-948B-1728B52AA6E4}">
-                  <adec:decorative xmlns:adec="http://schemas.microsoft.com/office/drawing/2017/decorative" val="1"/>
-                </a:ext>
-              </a:extLst>
-            </p:cNvPr>
-            <p:cNvSpPr/>
-            <p:nvPr>
-              <p:extLst>
-                <p:ext uri="{386F3935-93C4-4BCD-93E2-E3B085C9AB24}">
-                  <p16:designElem xmlns:p16="http://schemas.microsoft.com/office/powerpoint/2015/main" val="1"/>
-                </p:ext>
-              </p:extLst>
-            </p:nvPr>
-          </p:nvSpPr>
-          <p:spPr>
-            <a:xfrm rot="5400000">
-              <a:off x="11228040" y="2313027"/>
-              <a:ext cx="781700" cy="152382"/>
-            </a:xfrm>
-            <a:prstGeom prst="rect">
-              <a:avLst/>
-            </a:prstGeom>
-            <a:solidFill>
-              <a:schemeClr val="accent4"/>
-            </a:solidFill>
-            <a:ln>
-              <a:noFill/>
-            </a:ln>
-          </p:spPr>
-          <p:style>
-            <a:lnRef idx="2">
-              <a:schemeClr val="accent1">
-                <a:shade val="50000"/>
-              </a:schemeClr>
-            </a:lnRef>
-            <a:fillRef idx="1">
-              <a:schemeClr val="accent1"/>
-            </a:fillRef>
-            <a:effectRef idx="0">
-              <a:schemeClr val="accent1"/>
-            </a:effectRef>
-            <a:fontRef idx="minor">
-              <a:schemeClr val="lt1"/>
-            </a:fontRef>
-          </p:style>
-          <p:txBody>
-            <a:bodyPr rtlCol="0" anchor="ctr"/>
-            <a:lstStyle/>
-            <a:p>
-              <a:pPr algn="ctr"/>
-              <a:endParaRPr lang="en-US"/>
-            </a:p>
-          </p:txBody>
-        </p:sp>
-        <p:sp>
-          <p:nvSpPr>
-            <p:cNvPr id="12" name="Rectangle 11">
-              <a:extLst>
-                <a:ext uri="{FF2B5EF4-FFF2-40B4-BE49-F238E27FC236}">
-                  <a16:creationId xmlns:a16="http://schemas.microsoft.com/office/drawing/2014/main" id="{7275593D-F75E-4426-AE3E-2CDEFD228D25}"/>
-                </a:ext>
-                <a:ext uri="{C183D7F6-B498-43B3-948B-1728B52AA6E4}">
-                  <adec:decorative xmlns:adec="http://schemas.microsoft.com/office/drawing/2017/decorative" val="1"/>
-                </a:ext>
-              </a:extLst>
-            </p:cNvPr>
-            <p:cNvSpPr/>
-            <p:nvPr>
-              <p:extLst>
-                <p:ext uri="{386F3935-93C4-4BCD-93E2-E3B085C9AB24}">
-                  <p16:designElem xmlns:p16="http://schemas.microsoft.com/office/powerpoint/2015/main" val="1"/>
-                </p:ext>
-              </p:extLst>
-            </p:nvPr>
-          </p:nvSpPr>
-          <p:spPr>
-            <a:xfrm flipH="1" flipV="1">
-              <a:off x="-2" y="1998845"/>
-              <a:ext cx="11454595" cy="781699"/>
-            </a:xfrm>
-            <a:prstGeom prst="rect">
-              <a:avLst/>
-            </a:prstGeom>
-            <a:solidFill>
-              <a:schemeClr val="accent4"/>
-            </a:solidFill>
-            <a:ln>
-              <a:noFill/>
-            </a:ln>
-          </p:spPr>
-          <p:style>
-            <a:lnRef idx="2">
-              <a:schemeClr val="accent1">
-                <a:shade val="50000"/>
-              </a:schemeClr>
-            </a:lnRef>
-            <a:fillRef idx="1">
-              <a:schemeClr val="accent1"/>
-            </a:fillRef>
-            <a:effectRef idx="0">
-              <a:schemeClr val="accent1"/>
-            </a:effectRef>
-            <a:fontRef idx="minor">
-              <a:schemeClr val="lt1"/>
-            </a:fontRef>
-          </p:style>
-          <p:txBody>
-            <a:bodyPr rtlCol="0" anchor="ctr"/>
-            <a:lstStyle/>
-            <a:p>
-              <a:pPr algn="ctr"/>
-              <a:endParaRPr lang="en-US"/>
-            </a:p>
-          </p:txBody>
-        </p:sp>
-      </p:grpSp>
-      <p:sp>
-        <p:nvSpPr>
-          <p:cNvPr id="14" name="Rectangle 13">
-            <a:extLst>
-              <a:ext uri="{FF2B5EF4-FFF2-40B4-BE49-F238E27FC236}">
-                <a16:creationId xmlns:a16="http://schemas.microsoft.com/office/drawing/2014/main" id="{E659831F-0D9A-4C63-9EBB-8435B85A440F}"/>
-              </a:ext>
-              <a:ext uri="{C183D7F6-B498-43B3-948B-1728B52AA6E4}">
-                <adec:decorative xmlns:adec="http://schemas.microsoft.com/office/drawing/2017/decorative" val="1"/>
-              </a:ext>
-            </a:extLst>
-          </p:cNvPr>
-          <p:cNvSpPr>
-            <a:spLocks noGrp="1" noRot="1" noChangeAspect="1" noMove="1" noResize="1" noEditPoints="1" noAdjustHandles="1" noChangeArrowheads="1" noChangeShapeType="1" noTextEdit="1"/>
-          </p:cNvSpPr>
-          <p:nvPr>
-            <p:extLst>
-              <p:ext uri="{386F3935-93C4-4BCD-93E2-E3B085C9AB24}">
-                <p16:designElem xmlns:p16="http://schemas.microsoft.com/office/powerpoint/2015/main" val="1"/>
-              </p:ext>
-            </p:extLst>
-          </p:nvPr>
-        </p:nvSpPr>
-        <p:spPr>
-          <a:xfrm>
-            <a:off x="0" y="2203079"/>
-            <a:ext cx="11383362" cy="4147845"/>
-          </a:xfrm>
-          <a:prstGeom prst="rect">
-            <a:avLst/>
-          </a:prstGeom>
-          <a:solidFill>
-            <a:schemeClr val="bg1"/>
-          </a:solidFill>
-          <a:ln>
-            <a:noFill/>
-          </a:ln>
-          <a:effectLst>
-            <a:outerShdw blurRad="139700" dist="127000" dir="5400000" algn="t" rotWithShape="0">
-              <a:prstClr val="black">
-                <a:alpha val="15000"/>
-              </a:prstClr>
-            </a:outerShdw>
-          </a:effectLst>
-        </p:spPr>
-        <p:style>
-          <a:lnRef idx="2">
-            <a:schemeClr val="accent1">
-              <a:shade val="50000"/>
-            </a:schemeClr>
-          </a:lnRef>
-          <a:fillRef idx="1">
-            <a:schemeClr val="accent1"/>
-          </a:fillRef>
-          <a:effectRef idx="0">
-            <a:schemeClr val="accent1"/>
-          </a:effectRef>
-          <a:fontRef idx="minor">
-            <a:schemeClr val="lt1"/>
-          </a:fontRef>
-        </p:style>
-        <p:txBody>
-          <a:bodyPr rtlCol="0" anchor="ctr"/>
-          <a:lstStyle/>
-          <a:p>
-            <a:pPr algn="ctr"/>
-            <a:endParaRPr lang="en-US"/>
-          </a:p>
-        </p:txBody>
-      </p:sp>
-      <p:sp>
-        <p:nvSpPr>
-          <p:cNvPr id="3" name="內容版面配置區 2">
-            <a:extLst>
-              <a:ext uri="{FF2B5EF4-FFF2-40B4-BE49-F238E27FC236}">
-                <a16:creationId xmlns:a16="http://schemas.microsoft.com/office/drawing/2014/main" id="{BA4F1779-F372-A178-061E-652C5A08E06C}"/>
-              </a:ext>
-            </a:extLst>
-          </p:cNvPr>
-          <p:cNvSpPr>
-            <a:spLocks noGrp="1"/>
-          </p:cNvSpPr>
-          <p:nvPr>
-            <p:ph idx="1"/>
-          </p:nvPr>
-        </p:nvSpPr>
-        <p:spPr>
-          <a:xfrm>
-            <a:off x="793660" y="2599509"/>
-            <a:ext cx="10143668" cy="3435531"/>
-          </a:xfrm>
-        </p:spPr>
-        <p:txBody>
-          <a:bodyPr anchor="ctr">
-            <a:normAutofit/>
-          </a:bodyPr>
-          <a:lstStyle/>
-          <a:p>
-            <a:r>
-              <a:rPr lang="zh-TW" altLang="en-US" sz="2400" dirty="0">
-                <a:latin typeface="微軟正黑體" panose="020B0604030504040204" pitchFamily="34" charset="-120"/>
-                <a:ea typeface="微軟正黑體" panose="020B0604030504040204" pitchFamily="34" charset="-120"/>
-              </a:rPr>
-              <a:t>研究動機</a:t>
-            </a:r>
-            <a:endParaRPr lang="en-US" altLang="zh-TW" sz="2400" dirty="0">
-              <a:latin typeface="微軟正黑體" panose="020B0604030504040204" pitchFamily="34" charset="-120"/>
-              <a:ea typeface="微軟正黑體" panose="020B0604030504040204" pitchFamily="34" charset="-120"/>
-            </a:endParaRPr>
-          </a:p>
-          <a:p>
-            <a:r>
-              <a:rPr lang="zh-TW" altLang="en-US" sz="2400" dirty="0">
-                <a:latin typeface="微軟正黑體" panose="020B0604030504040204" pitchFamily="34" charset="-120"/>
-                <a:ea typeface="微軟正黑體" panose="020B0604030504040204" pitchFamily="34" charset="-120"/>
-              </a:rPr>
-              <a:t>市場調查</a:t>
-            </a:r>
-            <a:endParaRPr lang="en-US" altLang="zh-TW" sz="2400" dirty="0">
-              <a:latin typeface="微軟正黑體" panose="020B0604030504040204" pitchFamily="34" charset="-120"/>
-              <a:ea typeface="微軟正黑體" panose="020B0604030504040204" pitchFamily="34" charset="-120"/>
-            </a:endParaRPr>
-          </a:p>
-          <a:p>
-            <a:r>
-              <a:rPr lang="zh-TW" altLang="en-US" sz="2400" dirty="0">
-                <a:latin typeface="微軟正黑體" panose="020B0604030504040204" pitchFamily="34" charset="-120"/>
-                <a:ea typeface="微軟正黑體" panose="020B0604030504040204" pitchFamily="34" charset="-120"/>
-              </a:rPr>
-              <a:t>產品概述</a:t>
-            </a:r>
-            <a:endParaRPr lang="en-US" altLang="zh-TW" sz="2400" dirty="0">
-              <a:latin typeface="微軟正黑體" panose="020B0604030504040204" pitchFamily="34" charset="-120"/>
-              <a:ea typeface="微軟正黑體" panose="020B0604030504040204" pitchFamily="34" charset="-120"/>
-            </a:endParaRPr>
-          </a:p>
-          <a:p>
-            <a:r>
-              <a:rPr lang="zh-TW" altLang="en-US" sz="2400" dirty="0">
-                <a:latin typeface="微軟正黑體" panose="020B0604030504040204" pitchFamily="34" charset="-120"/>
-                <a:ea typeface="微軟正黑體" panose="020B0604030504040204" pitchFamily="34" charset="-120"/>
-              </a:rPr>
-              <a:t>商業模式</a:t>
-            </a:r>
-            <a:endParaRPr lang="en-US" altLang="zh-TW" sz="2400" dirty="0">
-              <a:latin typeface="微軟正黑體" panose="020B0604030504040204" pitchFamily="34" charset="-120"/>
-              <a:ea typeface="微軟正黑體" panose="020B0604030504040204" pitchFamily="34" charset="-120"/>
-            </a:endParaRPr>
-          </a:p>
-          <a:p>
-            <a:endParaRPr lang="en-US" altLang="zh-TW" sz="2400" dirty="0"/>
-          </a:p>
-          <a:p>
-            <a:endParaRPr lang="zh-TW" altLang="en-US" sz="2400" dirty="0"/>
-          </a:p>
-        </p:txBody>
-      </p:sp>
-    </p:spTree>
-    <p:extLst>
-      <p:ext uri="{BB962C8B-B14F-4D97-AF65-F5344CB8AC3E}">
-        <p14:creationId xmlns:p14="http://schemas.microsoft.com/office/powerpoint/2010/main" val="3673904705"/>
-      </p:ext>
-    </p:extLst>
-  </p:cSld>
-  <p:clrMapOvr>
-    <a:masterClrMapping/>
-  </p:clrMapOvr>
-</p:sld>
-</file>
-
-<file path=ppt/slides/slide3.xml><?xml version="1.0" encoding="utf-8"?>
-<p:sld xmlns:a="http://schemas.openxmlformats.org/drawingml/2006/main" xmlns:r="http://schemas.openxmlformats.org/officeDocument/2006/relationships" xmlns:p="http://schemas.openxmlformats.org/presentationml/2006/main">
-  <p:cSld>
-    <p:bg>
-      <p:bgPr>
-        <a:solidFill>
-          <a:schemeClr val="bg1"/>
-        </a:solidFill>
-        <a:effectLst/>
-      </p:bgPr>
-    </p:bg>
-    <p:spTree>
-      <p:nvGrpSpPr>
-        <p:cNvPr id="1" name=""/>
-        <p:cNvGrpSpPr/>
-        <p:nvPr/>
-      </p:nvGrpSpPr>
-      <p:grpSpPr>
-        <a:xfrm>
-          <a:off x="0" y="0"/>
-          <a:ext cx="0" cy="0"/>
-          <a:chOff x="0" y="0"/>
-          <a:chExt cx="0" cy="0"/>
-        </a:xfrm>
-      </p:grpSpPr>
-      <p:sp useBgFill="1">
-        <p:nvSpPr>
-          <p:cNvPr id="6" name="Rectangle 7">
-            <a:extLst>
-              <a:ext uri="{FF2B5EF4-FFF2-40B4-BE49-F238E27FC236}">
-                <a16:creationId xmlns:a16="http://schemas.microsoft.com/office/drawing/2014/main" id="{B6CDA21F-E7AF-4C75-8395-33F58D5B0E45}"/>
-              </a:ext>
-              <a:ext uri="{C183D7F6-B498-43B3-948B-1728B52AA6E4}">
-                <adec:decorative xmlns:adec="http://schemas.microsoft.com/office/drawing/2017/decorative" val="1"/>
-              </a:ext>
-            </a:extLst>
-          </p:cNvPr>
-          <p:cNvSpPr>
-            <a:spLocks noGrp="1" noRot="1" noChangeAspect="1" noMove="1" noResize="1" noEditPoints="1" noAdjustHandles="1" noChangeArrowheads="1" noChangeShapeType="1" noTextEdit="1"/>
-          </p:cNvSpPr>
-          <p:nvPr>
-            <p:extLst>
-              <p:ext uri="{386F3935-93C4-4BCD-93E2-E3B085C9AB24}">
-                <p16:designElem xmlns:p16="http://schemas.microsoft.com/office/powerpoint/2015/main" val="1"/>
-              </p:ext>
-            </p:extLst>
-          </p:nvPr>
-        </p:nvSpPr>
-        <p:spPr>
-          <a:xfrm>
-            <a:off x="0" y="0"/>
-            <a:ext cx="12191999" cy="6857365"/>
-          </a:xfrm>
-          <a:prstGeom prst="rect">
-            <a:avLst/>
-          </a:prstGeom>
-          <a:ln>
-            <a:noFill/>
-          </a:ln>
-        </p:spPr>
-        <p:style>
-          <a:lnRef idx="2">
-            <a:schemeClr val="accent1">
-              <a:shade val="50000"/>
-            </a:schemeClr>
-          </a:lnRef>
-          <a:fillRef idx="1">
-            <a:schemeClr val="accent1"/>
-          </a:fillRef>
-          <a:effectRef idx="0">
-            <a:schemeClr val="accent1"/>
-          </a:effectRef>
-          <a:fontRef idx="minor">
-            <a:schemeClr val="lt1"/>
-          </a:fontRef>
-        </p:style>
-        <p:txBody>
-          <a:bodyPr rtlCol="0" anchor="ctr"/>
-          <a:lstStyle/>
-          <a:p>
-            <a:pPr algn="ctr"/>
-            <a:endParaRPr lang="en-US"/>
-          </a:p>
-        </p:txBody>
-      </p:sp>
-      <p:grpSp>
-        <p:nvGrpSpPr>
-          <p:cNvPr id="7" name="Group 9">
             <a:extLst>
               <a:ext uri="{FF2B5EF4-FFF2-40B4-BE49-F238E27FC236}">
                 <a16:creationId xmlns:a16="http://schemas.microsoft.com/office/drawing/2014/main" id="{AE1C45F0-260A-458C-96ED-C1F6D2151219}"/>
@@ -7088,7 +8149,7 @@
       </p:grpSp>
       <p:sp>
         <p:nvSpPr>
-          <p:cNvPr id="14" name="Rectangle 14">
+          <p:cNvPr id="15" name="Rectangle 14">
             <a:extLst>
               <a:ext uri="{FF2B5EF4-FFF2-40B4-BE49-F238E27FC236}">
                 <a16:creationId xmlns:a16="http://schemas.microsoft.com/office/drawing/2014/main" id="{D5B0017B-2ECA-49AF-B397-DC140825DF8D}"/>
@@ -7161,7 +8222,7 @@
           <p:cNvPr id="2" name="標題 1">
             <a:extLst>
               <a:ext uri="{FF2B5EF4-FFF2-40B4-BE49-F238E27FC236}">
-                <a16:creationId xmlns:a16="http://schemas.microsoft.com/office/drawing/2014/main" id="{4866A287-AFF9-DE21-1522-79C5FA228F26}"/>
+                <a16:creationId xmlns:a16="http://schemas.microsoft.com/office/drawing/2014/main" id="{387E8683-7CF9-4E92-D676-A46FC848EACC}"/>
               </a:ext>
             </a:extLst>
           </p:cNvPr>
@@ -7189,7 +8250,7 @@
                 <a:latin typeface="微軟正黑體" panose="020B0604030504040204" pitchFamily="34" charset="-120"/>
                 <a:ea typeface="微軟正黑體" panose="020B0604030504040204" pitchFamily="34" charset="-120"/>
               </a:rPr>
-              <a:t>研究動機</a:t>
+              <a:t>收益流</a:t>
             </a:r>
           </a:p>
         </p:txBody>
@@ -7199,7 +8260,7 @@
           <p:cNvPr id="3" name="內容版面配置區 2">
             <a:extLst>
               <a:ext uri="{FF2B5EF4-FFF2-40B4-BE49-F238E27FC236}">
-                <a16:creationId xmlns:a16="http://schemas.microsoft.com/office/drawing/2014/main" id="{59BDFED2-F3D6-0712-31E8-35F036EB9672}"/>
+                <a16:creationId xmlns:a16="http://schemas.microsoft.com/office/drawing/2014/main" id="{8108C058-A708-08C9-0614-19C880456B93}"/>
               </a:ext>
             </a:extLst>
           </p:cNvPr>
@@ -7212,198 +8273,130 @@
         </p:nvSpPr>
         <p:spPr>
           <a:xfrm>
-            <a:off x="955766" y="3731623"/>
-            <a:ext cx="10515600" cy="3020155"/>
+            <a:off x="1045028" y="3017522"/>
+            <a:ext cx="9941319" cy="3124658"/>
           </a:xfrm>
         </p:spPr>
         <p:txBody>
           <a:bodyPr anchor="ctr">
-            <a:normAutofit fontScale="85000" lnSpcReduction="20000"/>
+            <a:normAutofit/>
           </a:bodyPr>
           <a:lstStyle/>
           <a:p>
             <a:r>
-              <a:rPr lang="zh-TW" altLang="en-US" sz="3600" dirty="0">
+              <a:rPr lang="en-US" altLang="zh-TW" sz="2400" dirty="0">
                 <a:latin typeface="微軟正黑體" panose="020B0604030504040204" pitchFamily="34" charset="-120"/>
                 <a:ea typeface="微軟正黑體" panose="020B0604030504040204" pitchFamily="34" charset="-120"/>
               </a:rPr>
-              <a:t>專題背景</a:t>
-            </a:r>
-            <a:r>
-              <a:rPr lang="en-US" altLang="zh-TW" sz="3600" dirty="0">
+              <a:t>Premium</a:t>
+            </a:r>
+            <a:r>
+              <a:rPr lang="zh-TW" altLang="en-US" sz="2400" dirty="0">
+                <a:latin typeface="微軟正黑體" panose="020B0604030504040204" pitchFamily="34" charset="-120"/>
+                <a:ea typeface="微軟正黑體" panose="020B0604030504040204" pitchFamily="34" charset="-120"/>
+              </a:rPr>
+              <a:t>訂閱費用 </a:t>
+            </a:r>
+            <a:r>
+              <a:rPr lang="en-US" altLang="zh-TW" sz="2400" dirty="0">
                 <a:latin typeface="微軟正黑體" panose="020B0604030504040204" pitchFamily="34" charset="-120"/>
                 <a:ea typeface="微軟正黑體" panose="020B0604030504040204" pitchFamily="34" charset="-120"/>
               </a:rPr>
               <a:t>:</a:t>
             </a:r>
             <a:r>
-              <a:rPr lang="zh-TW" altLang="en-US" sz="3600" dirty="0">
+              <a:rPr lang="zh-TW" altLang="en-US" sz="2400" dirty="0">
                 <a:latin typeface="微軟正黑體" panose="020B0604030504040204" pitchFamily="34" charset="-120"/>
                 <a:ea typeface="微軟正黑體" panose="020B0604030504040204" pitchFamily="34" charset="-120"/>
               </a:rPr>
-              <a:t> 科技發展 </a:t>
-            </a:r>
-            <a:r>
-              <a:rPr lang="zh-TW" altLang="en-US" sz="3600" dirty="0">
-                <a:latin typeface="微軟正黑體" panose="020B0604030504040204" pitchFamily="34" charset="-120"/>
-                <a:ea typeface="微軟正黑體" panose="020B0604030504040204" pitchFamily="34" charset="-120"/>
-                <a:sym typeface="Wingdings" panose="05000000000000000000" pitchFamily="2" charset="2"/>
-              </a:rPr>
-              <a:t>、</a:t>
-            </a:r>
-            <a:r>
-              <a:rPr lang="zh-TW" altLang="en-US" sz="3600" dirty="0">
+              <a:t> 每月</a:t>
+            </a:r>
+            <a:r>
+              <a:rPr lang="en-US" altLang="zh-TW" sz="2400" dirty="0">
                 <a:latin typeface="微軟正黑體" panose="020B0604030504040204" pitchFamily="34" charset="-120"/>
                 <a:ea typeface="微軟正黑體" panose="020B0604030504040204" pitchFamily="34" charset="-120"/>
               </a:rPr>
-              <a:t>久坐、高齡化、肥胖率提升</a:t>
-            </a:r>
-            <a:endParaRPr lang="en-US" altLang="zh-TW" sz="3600" dirty="0">
+              <a:t>60</a:t>
+            </a:r>
+            <a:r>
+              <a:rPr lang="zh-TW" altLang="en-US" sz="2400" dirty="0">
+                <a:latin typeface="微軟正黑體" panose="020B0604030504040204" pitchFamily="34" charset="-120"/>
+                <a:ea typeface="微軟正黑體" panose="020B0604030504040204" pitchFamily="34" charset="-120"/>
+              </a:rPr>
+              <a:t>元</a:t>
+            </a:r>
+            <a:endParaRPr lang="en-US" altLang="zh-TW" sz="2400" dirty="0">
               <a:latin typeface="微軟正黑體" panose="020B0604030504040204" pitchFamily="34" charset="-120"/>
               <a:ea typeface="微軟正黑體" panose="020B0604030504040204" pitchFamily="34" charset="-120"/>
             </a:endParaRPr>
           </a:p>
           <a:p>
-            <a:endParaRPr lang="en-US" altLang="zh-TW" sz="3600" dirty="0">
+            <a:endParaRPr lang="en-US" altLang="zh-TW" sz="2400" dirty="0">
               <a:latin typeface="微軟正黑體" panose="020B0604030504040204" pitchFamily="34" charset="-120"/>
               <a:ea typeface="微軟正黑體" panose="020B0604030504040204" pitchFamily="34" charset="-120"/>
             </a:endParaRPr>
           </a:p>
           <a:p>
-            <a:r>
-              <a:rPr lang="zh-TW" altLang="en-US" sz="3600" dirty="0">
+            <a:endParaRPr lang="en-US" altLang="zh-TW" sz="2400" dirty="0">
+              <a:latin typeface="微軟正黑體" panose="020B0604030504040204" pitchFamily="34" charset="-120"/>
+              <a:ea typeface="微軟正黑體" panose="020B0604030504040204" pitchFamily="34" charset="-120"/>
+            </a:endParaRPr>
+          </a:p>
+          <a:p>
+            <a:r>
+              <a:rPr lang="zh-TW" altLang="en-US" sz="2400" dirty="0">
                 <a:latin typeface="微軟正黑體" panose="020B0604030504040204" pitchFamily="34" charset="-120"/>
                 <a:ea typeface="微軟正黑體" panose="020B0604030504040204" pitchFamily="34" charset="-120"/>
               </a:rPr>
-              <a:t>健康問題</a:t>
-            </a:r>
-            <a:r>
-              <a:rPr lang="en-US" altLang="zh-TW" sz="3600" dirty="0">
+              <a:t>預估收益</a:t>
+            </a:r>
+            <a:r>
+              <a:rPr lang="en-US" altLang="zh-TW" sz="2400" dirty="0">
                 <a:latin typeface="微軟正黑體" panose="020B0604030504040204" pitchFamily="34" charset="-120"/>
                 <a:ea typeface="微軟正黑體" panose="020B0604030504040204" pitchFamily="34" charset="-120"/>
               </a:rPr>
               <a:t>:</a:t>
             </a:r>
             <a:r>
-              <a:rPr lang="zh-TW" altLang="en-US" sz="3600" dirty="0">
+              <a:rPr lang="zh-TW" altLang="en-US" sz="2400" dirty="0">
                 <a:latin typeface="微軟正黑體" panose="020B0604030504040204" pitchFamily="34" charset="-120"/>
                 <a:ea typeface="微軟正黑體" panose="020B0604030504040204" pitchFamily="34" charset="-120"/>
               </a:rPr>
-              <a:t> 駝背、腰酸背痛、關節痛</a:t>
-            </a:r>
-            <a:endParaRPr lang="en-US" altLang="zh-TW" sz="3600" dirty="0">
-              <a:latin typeface="微軟正黑體" panose="020B0604030504040204" pitchFamily="34" charset="-120"/>
-              <a:ea typeface="微軟正黑體" panose="020B0604030504040204" pitchFamily="34" charset="-120"/>
-            </a:endParaRPr>
-          </a:p>
-          <a:p>
-            <a:pPr marL="0" indent="0">
-              <a:buNone/>
-            </a:pPr>
-            <a:endParaRPr lang="en-US" altLang="zh-TW" sz="3400" dirty="0">
-              <a:latin typeface="微軟正黑體" panose="020B0604030504040204" pitchFamily="34" charset="-120"/>
-              <a:ea typeface="微軟正黑體" panose="020B0604030504040204" pitchFamily="34" charset="-120"/>
-            </a:endParaRPr>
-          </a:p>
-          <a:p>
-            <a:pPr lvl="1"/>
-            <a:r>
-              <a:rPr lang="zh-TW" altLang="en-US" sz="3400" dirty="0">
+              <a:t> 約</a:t>
+            </a:r>
+            <a:r>
+              <a:rPr lang="en-US" altLang="zh-TW" sz="2400" dirty="0">
                 <a:latin typeface="微軟正黑體" panose="020B0604030504040204" pitchFamily="34" charset="-120"/>
                 <a:ea typeface="微軟正黑體" panose="020B0604030504040204" pitchFamily="34" charset="-120"/>
               </a:rPr>
-              <a:t>全球</a:t>
-            </a:r>
-            <a:r>
-              <a:rPr lang="en-US" altLang="zh-TW" sz="3400" dirty="0">
+              <a:t>7300</a:t>
+            </a:r>
+            <a:r>
+              <a:rPr lang="zh-TW" altLang="en-US" sz="2400" dirty="0">
                 <a:latin typeface="微軟正黑體" panose="020B0604030504040204" pitchFamily="34" charset="-120"/>
                 <a:ea typeface="微軟正黑體" panose="020B0604030504040204" pitchFamily="34" charset="-120"/>
               </a:rPr>
-              <a:t>:</a:t>
-            </a:r>
-            <a:r>
-              <a:rPr lang="zh-TW" altLang="en-US" sz="3400" dirty="0">
+              <a:t>萬，毛利率約</a:t>
+            </a:r>
+            <a:r>
+              <a:rPr lang="en-US" altLang="zh-TW" sz="2400" dirty="0">
                 <a:latin typeface="微軟正黑體" panose="020B0604030504040204" pitchFamily="34" charset="-120"/>
                 <a:ea typeface="微軟正黑體" panose="020B0604030504040204" pitchFamily="34" charset="-120"/>
               </a:rPr>
-              <a:t> </a:t>
-            </a:r>
-            <a:r>
-              <a:rPr lang="en-US" altLang="zh-TW" sz="3400" dirty="0">
-                <a:latin typeface="微軟正黑體" panose="020B0604030504040204" pitchFamily="34" charset="-120"/>
-                <a:ea typeface="微軟正黑體" panose="020B0604030504040204" pitchFamily="34" charset="-120"/>
-              </a:rPr>
-              <a:t>5.28</a:t>
-            </a:r>
-            <a:r>
-              <a:rPr lang="zh-TW" altLang="en-US" sz="3400" dirty="0">
-                <a:latin typeface="微軟正黑體" panose="020B0604030504040204" pitchFamily="34" charset="-120"/>
-                <a:ea typeface="微軟正黑體" panose="020B0604030504040204" pitchFamily="34" charset="-120"/>
-              </a:rPr>
-              <a:t>億人患有骨關節炎，未來患病人將持續增加</a:t>
-            </a:r>
-            <a:endParaRPr lang="en-US" altLang="zh-TW" sz="3400" dirty="0">
-              <a:latin typeface="微軟正黑體" panose="020B0604030504040204" pitchFamily="34" charset="-120"/>
-              <a:ea typeface="微軟正黑體" panose="020B0604030504040204" pitchFamily="34" charset="-120"/>
-            </a:endParaRPr>
-          </a:p>
-          <a:p>
-            <a:endParaRPr lang="en-US" altLang="zh-TW" sz="3400" dirty="0">
-              <a:latin typeface="微軟正黑體" panose="020B0604030504040204" pitchFamily="34" charset="-120"/>
-              <a:ea typeface="微軟正黑體" panose="020B0604030504040204" pitchFamily="34" charset="-120"/>
-            </a:endParaRPr>
-          </a:p>
-          <a:p>
-            <a:pPr lvl="1"/>
-            <a:r>
-              <a:rPr lang="zh-TW" altLang="en-US" sz="3400" dirty="0">
-                <a:latin typeface="微軟正黑體" panose="020B0604030504040204" pitchFamily="34" charset="-120"/>
-                <a:ea typeface="微軟正黑體" panose="020B0604030504040204" pitchFamily="34" charset="-120"/>
-              </a:rPr>
-              <a:t>台灣</a:t>
-            </a:r>
-            <a:r>
-              <a:rPr lang="en-US" altLang="zh-TW" sz="3400" dirty="0">
-                <a:latin typeface="微軟正黑體" panose="020B0604030504040204" pitchFamily="34" charset="-120"/>
-                <a:ea typeface="微軟正黑體" panose="020B0604030504040204" pitchFamily="34" charset="-120"/>
-              </a:rPr>
-              <a:t>:</a:t>
-            </a:r>
-            <a:r>
-              <a:rPr lang="zh-TW" altLang="en-US" sz="3400" dirty="0">
-                <a:latin typeface="微軟正黑體" panose="020B0604030504040204" pitchFamily="34" charset="-120"/>
-                <a:ea typeface="微軟正黑體" panose="020B0604030504040204" pitchFamily="34" charset="-120"/>
-              </a:rPr>
-              <a:t> 論文指出，未來復健門診的需求量有顯著上升</a:t>
-            </a:r>
-            <a:endParaRPr lang="en-US" altLang="zh-TW" sz="3400" dirty="0">
-              <a:latin typeface="微軟正黑體" panose="020B0604030504040204" pitchFamily="34" charset="-120"/>
-              <a:ea typeface="微軟正黑體" panose="020B0604030504040204" pitchFamily="34" charset="-120"/>
-            </a:endParaRPr>
-          </a:p>
-          <a:p>
-            <a:endParaRPr lang="en-US" altLang="zh-TW" sz="2000" dirty="0">
-              <a:latin typeface="微軟正黑體" panose="020B0604030504040204" pitchFamily="34" charset="-120"/>
-              <a:ea typeface="微軟正黑體" panose="020B0604030504040204" pitchFamily="34" charset="-120"/>
-            </a:endParaRPr>
-          </a:p>
-          <a:p>
-            <a:endParaRPr lang="en-US" altLang="zh-TW" sz="2000" dirty="0"/>
-          </a:p>
-          <a:p>
-            <a:endParaRPr lang="en-US" altLang="zh-TW" sz="2000" dirty="0"/>
-          </a:p>
-          <a:p>
-            <a:endParaRPr lang="en-US" altLang="zh-TW" sz="2000" dirty="0"/>
-          </a:p>
-          <a:p>
-            <a:endParaRPr lang="zh-TW" altLang="en-US" sz="2000" dirty="0"/>
+              <a:t>40%</a:t>
+            </a:r>
+          </a:p>
+          <a:p>
+            <a:endParaRPr lang="en-US" altLang="zh-TW" sz="2400" dirty="0"/>
+          </a:p>
+          <a:p>
+            <a:endParaRPr lang="zh-TW" altLang="en-US" sz="2400" dirty="0"/>
           </a:p>
         </p:txBody>
       </p:sp>
       <p:cxnSp>
         <p:nvCxnSpPr>
-          <p:cNvPr id="16" name="Straight Connector 16">
+          <p:cNvPr id="17" name="Straight Connector 16">
             <a:extLst>
               <a:ext uri="{FF2B5EF4-FFF2-40B4-BE49-F238E27FC236}">
                 <a16:creationId xmlns:a16="http://schemas.microsoft.com/office/drawing/2014/main" id="{6CF1BAF6-AD41-4082-B212-8A1F9A2E8779}"/>
@@ -7456,7 +8449,7 @@
     </p:spTree>
     <p:extLst>
       <p:ext uri="{BB962C8B-B14F-4D97-AF65-F5344CB8AC3E}">
-        <p14:creationId xmlns:p14="http://schemas.microsoft.com/office/powerpoint/2010/main" val="1516866410"/>
+        <p14:creationId xmlns:p14="http://schemas.microsoft.com/office/powerpoint/2010/main" val="1855425495"/>
       </p:ext>
     </p:extLst>
   </p:cSld>
@@ -7466,7 +8459,72 @@
 </p:sld>
 </file>
 
-<file path=ppt/slides/slide4.xml><?xml version="1.0" encoding="utf-8"?>
+<file path=ppt/slides/slide16.xml><?xml version="1.0" encoding="utf-8"?>
+<p:sld xmlns:a="http://schemas.openxmlformats.org/drawingml/2006/main" xmlns:r="http://schemas.openxmlformats.org/officeDocument/2006/relationships" xmlns:p="http://schemas.openxmlformats.org/presentationml/2006/main">
+  <p:cSld>
+    <p:spTree>
+      <p:nvGrpSpPr>
+        <p:cNvPr id="1" name=""/>
+        <p:cNvGrpSpPr/>
+        <p:nvPr/>
+      </p:nvGrpSpPr>
+      <p:grpSpPr>
+        <a:xfrm>
+          <a:off x="0" y="0"/>
+          <a:ext cx="0" cy="0"/>
+          <a:chOff x="0" y="0"/>
+          <a:chExt cx="0" cy="0"/>
+        </a:xfrm>
+      </p:grpSpPr>
+      <p:sp>
+        <p:nvSpPr>
+          <p:cNvPr id="2" name="標題 1">
+            <a:extLst>
+              <a:ext uri="{FF2B5EF4-FFF2-40B4-BE49-F238E27FC236}">
+                <a16:creationId xmlns:a16="http://schemas.microsoft.com/office/drawing/2014/main" id="{1DADC3CD-CA2D-82C5-E5FB-083425637737}"/>
+              </a:ext>
+            </a:extLst>
+          </p:cNvPr>
+          <p:cNvSpPr>
+            <a:spLocks noGrp="1"/>
+          </p:cNvSpPr>
+          <p:nvPr>
+            <p:ph type="title"/>
+          </p:nvPr>
+        </p:nvSpPr>
+        <p:spPr>
+          <a:xfrm>
+            <a:off x="838200" y="2766218"/>
+            <a:ext cx="10515600" cy="1325563"/>
+          </a:xfrm>
+        </p:spPr>
+        <p:txBody>
+          <a:bodyPr/>
+          <a:lstStyle/>
+          <a:p>
+            <a:pPr algn="ctr"/>
+            <a:r>
+              <a:rPr lang="en-US" altLang="zh-TW" dirty="0"/>
+              <a:t>end</a:t>
+            </a:r>
+            <a:endParaRPr lang="zh-TW" altLang="en-US" dirty="0"/>
+          </a:p>
+        </p:txBody>
+      </p:sp>
+    </p:spTree>
+    <p:extLst>
+      <p:ext uri="{BB962C8B-B14F-4D97-AF65-F5344CB8AC3E}">
+        <p14:creationId xmlns:p14="http://schemas.microsoft.com/office/powerpoint/2010/main" val="3974612881"/>
+      </p:ext>
+    </p:extLst>
+  </p:cSld>
+  <p:clrMapOvr>
+    <a:masterClrMapping/>
+  </p:clrMapOvr>
+</p:sld>
+</file>
+
+<file path=ppt/slides/slide2.xml><?xml version="1.0" encoding="utf-8"?>
 <p:sld xmlns:a="http://schemas.openxmlformats.org/drawingml/2006/main" xmlns:r="http://schemas.openxmlformats.org/officeDocument/2006/relationships" xmlns:p="http://schemas.openxmlformats.org/presentationml/2006/main">
   <p:cSld>
     <p:bg>
@@ -7496,7 +8554,7 @@
           <p:cNvPr id="8" name="Rectangle 7">
             <a:extLst>
               <a:ext uri="{FF2B5EF4-FFF2-40B4-BE49-F238E27FC236}">
-                <a16:creationId xmlns:a16="http://schemas.microsoft.com/office/drawing/2014/main" id="{4DA718D0-4865-4629-8134-44F68D41D574}"/>
+                <a16:creationId xmlns:a16="http://schemas.microsoft.com/office/drawing/2014/main" id="{DBF61EA3-B236-439E-9C0B-340980D56BEE}"/>
               </a:ext>
               <a:ext uri="{C183D7F6-B498-43B3-948B-1728B52AA6E4}">
                 <adec:decorative xmlns:adec="http://schemas.microsoft.com/office/drawing/2017/decorative" val="1"/>
@@ -7551,12 +8609,50 @@
           </a:p>
         </p:txBody>
       </p:sp>
+      <p:sp>
+        <p:nvSpPr>
+          <p:cNvPr id="2" name="標題 1">
+            <a:extLst>
+              <a:ext uri="{FF2B5EF4-FFF2-40B4-BE49-F238E27FC236}">
+                <a16:creationId xmlns:a16="http://schemas.microsoft.com/office/drawing/2014/main" id="{AF9C4B85-D0BB-59F0-0E19-636E0E80051F}"/>
+              </a:ext>
+            </a:extLst>
+          </p:cNvPr>
+          <p:cNvSpPr>
+            <a:spLocks noGrp="1"/>
+          </p:cNvSpPr>
+          <p:nvPr>
+            <p:ph type="title"/>
+          </p:nvPr>
+        </p:nvSpPr>
+        <p:spPr>
+          <a:xfrm>
+            <a:off x="808638" y="386930"/>
+            <a:ext cx="9236700" cy="1188950"/>
+          </a:xfrm>
+        </p:spPr>
+        <p:txBody>
+          <a:bodyPr anchor="b">
+            <a:normAutofit/>
+          </a:bodyPr>
+          <a:lstStyle/>
+          <a:p>
+            <a:r>
+              <a:rPr lang="zh-TW" altLang="en-US" sz="5400" b="1" dirty="0">
+                <a:latin typeface="微軟正黑體" panose="020B0604030504040204" pitchFamily="34" charset="-120"/>
+                <a:ea typeface="微軟正黑體" panose="020B0604030504040204" pitchFamily="34" charset="-120"/>
+              </a:rPr>
+              <a:t>目錄</a:t>
+            </a:r>
+          </a:p>
+        </p:txBody>
+      </p:sp>
       <p:grpSp>
         <p:nvGrpSpPr>
           <p:cNvPr id="10" name="Group 9">
             <a:extLst>
               <a:ext uri="{FF2B5EF4-FFF2-40B4-BE49-F238E27FC236}">
-                <a16:creationId xmlns:a16="http://schemas.microsoft.com/office/drawing/2014/main" id="{65167ED7-6315-43AB-B1B6-C326D5FD8F84}"/>
+                <a16:creationId xmlns:a16="http://schemas.microsoft.com/office/drawing/2014/main" id="{28FAF094-D087-493F-8DF9-A486C2D6BBAA}"/>
               </a:ext>
               <a:ext uri="{C183D7F6-B498-43B3-948B-1728B52AA6E4}">
                 <adec:decorative xmlns:adec="http://schemas.microsoft.com/office/drawing/2017/decorative" val="1"/>
@@ -7575,22 +8671,19 @@
           </p:nvPr>
         </p:nvGrpSpPr>
         <p:grpSpPr>
-          <a:xfrm rot="5400000">
-            <a:off x="-2340441" y="2666183"/>
-            <a:ext cx="5860051" cy="527712"/>
-            <a:chOff x="6081624" y="1998368"/>
-            <a:chExt cx="5613457" cy="782175"/>
+          <a:xfrm>
+            <a:off x="-2" y="1998368"/>
+            <a:ext cx="11695083" cy="782176"/>
+            <a:chOff x="-2" y="1998368"/>
+            <a:chExt cx="11695083" cy="782176"/>
           </a:xfrm>
-          <a:solidFill>
-            <a:schemeClr val="accent4"/>
-          </a:solidFill>
         </p:grpSpPr>
         <p:sp>
           <p:nvSpPr>
             <p:cNvPr id="11" name="Rectangle 10">
               <a:extLst>
                 <a:ext uri="{FF2B5EF4-FFF2-40B4-BE49-F238E27FC236}">
-                  <a16:creationId xmlns:a16="http://schemas.microsoft.com/office/drawing/2014/main" id="{EF4D8839-FB03-487D-ACC8-8BFEDD4FEBAE}"/>
+                  <a16:creationId xmlns:a16="http://schemas.microsoft.com/office/drawing/2014/main" id="{8D7C88D8-5509-4514-925A-9CE148E5CBD6}"/>
                 </a:ext>
                 <a:ext uri="{C183D7F6-B498-43B3-948B-1728B52AA6E4}">
                   <adec:decorative xmlns:adec="http://schemas.microsoft.com/office/drawing/2017/decorative" val="1"/>
@@ -7614,7 +8707,9 @@
             <a:prstGeom prst="rect">
               <a:avLst/>
             </a:prstGeom>
-            <a:grpFill/>
+            <a:solidFill>
+              <a:schemeClr val="accent4"/>
+            </a:solidFill>
             <a:ln>
               <a:noFill/>
             </a:ln>
@@ -7649,7 +8744,7 @@
             <p:cNvPr id="12" name="Rectangle 11">
               <a:extLst>
                 <a:ext uri="{FF2B5EF4-FFF2-40B4-BE49-F238E27FC236}">
-                  <a16:creationId xmlns:a16="http://schemas.microsoft.com/office/drawing/2014/main" id="{0EF75023-9A3B-42FC-B704-61A8F7BEF415}"/>
+                  <a16:creationId xmlns:a16="http://schemas.microsoft.com/office/drawing/2014/main" id="{7275593D-F75E-4426-AE3E-2CDEFD228D25}"/>
                 </a:ext>
                 <a:ext uri="{C183D7F6-B498-43B3-948B-1728B52AA6E4}">
                   <adec:decorative xmlns:adec="http://schemas.microsoft.com/office/drawing/2017/decorative" val="1"/>
@@ -7667,13 +8762,15 @@
           </p:nvSpPr>
           <p:spPr>
             <a:xfrm flipH="1" flipV="1">
-              <a:off x="6081624" y="1998844"/>
-              <a:ext cx="5372968" cy="781699"/>
+              <a:off x="-2" y="1998845"/>
+              <a:ext cx="11454595" cy="781699"/>
             </a:xfrm>
             <a:prstGeom prst="rect">
               <a:avLst/>
             </a:prstGeom>
-            <a:grpFill/>
+            <a:solidFill>
+              <a:schemeClr val="accent4"/>
+            </a:solidFill>
             <a:ln>
               <a:noFill/>
             </a:ln>
@@ -7709,7 +8806,7 @@
           <p:cNvPr id="14" name="Rectangle 13">
             <a:extLst>
               <a:ext uri="{FF2B5EF4-FFF2-40B4-BE49-F238E27FC236}">
-                <a16:creationId xmlns:a16="http://schemas.microsoft.com/office/drawing/2014/main" id="{CBC4F608-B4B8-48C3-9572-C0F061B1CD99}"/>
+                <a16:creationId xmlns:a16="http://schemas.microsoft.com/office/drawing/2014/main" id="{E659831F-0D9A-4C63-9EBB-8435B85A440F}"/>
               </a:ext>
               <a:ext uri="{C183D7F6-B498-43B3-948B-1728B52AA6E4}">
                 <adec:decorative xmlns:adec="http://schemas.microsoft.com/office/drawing/2017/decorative" val="1"/>
@@ -7729,8 +8826,8 @@
         </p:nvSpPr>
         <p:spPr>
           <a:xfrm>
-            <a:off x="579528" y="922919"/>
-            <a:ext cx="11111729" cy="5461252"/>
+            <a:off x="0" y="2203079"/>
+            <a:ext cx="11383362" cy="4147845"/>
           </a:xfrm>
           <a:prstGeom prst="rect">
             <a:avLst/>
@@ -7776,10 +8873,10 @@
       </p:sp>
       <p:sp>
         <p:nvSpPr>
-          <p:cNvPr id="2" name="標題 1">
-            <a:extLst>
-              <a:ext uri="{FF2B5EF4-FFF2-40B4-BE49-F238E27FC236}">
-                <a16:creationId xmlns:a16="http://schemas.microsoft.com/office/drawing/2014/main" id="{CAA09E6E-FB67-EE3D-AA53-FCDFFD95F5B9}"/>
+          <p:cNvPr id="3" name="內容版面配置區 2">
+            <a:extLst>
+              <a:ext uri="{FF2B5EF4-FFF2-40B4-BE49-F238E27FC236}">
+                <a16:creationId xmlns:a16="http://schemas.microsoft.com/office/drawing/2014/main" id="{BA4F1779-F372-A178-061E-652C5A08E06C}"/>
               </a:ext>
             </a:extLst>
           </p:cNvPr>
@@ -7787,52 +8884,13 @@
             <a:spLocks noGrp="1"/>
           </p:cNvSpPr>
           <p:nvPr>
-            <p:ph type="title"/>
+            <p:ph idx="1"/>
           </p:nvPr>
         </p:nvSpPr>
         <p:spPr>
           <a:xfrm>
-            <a:off x="1210515" y="0"/>
-            <a:ext cx="9849751" cy="1349671"/>
-          </a:xfrm>
-        </p:spPr>
-        <p:txBody>
-          <a:bodyPr anchor="b">
-            <a:normAutofit/>
-          </a:bodyPr>
-          <a:lstStyle/>
-          <a:p>
-            <a:r>
-              <a:rPr lang="zh-TW" altLang="en-US" sz="5400" b="1" dirty="0"/>
-              <a:t>市場調查</a:t>
-            </a:r>
-            <a:r>
-              <a:rPr lang="zh-TW" altLang="en-US" sz="5400" dirty="0"/>
-              <a:t> </a:t>
-            </a:r>
-          </a:p>
-        </p:txBody>
-      </p:sp>
-      <p:sp>
-        <p:nvSpPr>
-          <p:cNvPr id="3" name="內容版面配置區 2">
-            <a:extLst>
-              <a:ext uri="{FF2B5EF4-FFF2-40B4-BE49-F238E27FC236}">
-                <a16:creationId xmlns:a16="http://schemas.microsoft.com/office/drawing/2014/main" id="{8DB16C5B-C39E-A297-B13E-A9F929548B0B}"/>
-              </a:ext>
-            </a:extLst>
-          </p:cNvPr>
-          <p:cNvSpPr>
-            <a:spLocks noGrp="1"/>
-          </p:cNvSpPr>
-          <p:nvPr>
-            <p:ph idx="1"/>
-          </p:nvPr>
-        </p:nvSpPr>
-        <p:spPr>
-          <a:xfrm>
-            <a:off x="1210516" y="1600200"/>
-            <a:ext cx="9849751" cy="4408285"/>
+            <a:off x="793660" y="2984778"/>
+            <a:ext cx="10143668" cy="3050263"/>
           </a:xfrm>
         </p:spPr>
         <p:txBody>
@@ -7841,137 +8899,82 @@
           </a:bodyPr>
           <a:lstStyle/>
           <a:p>
-            <a:pPr marL="457200" lvl="1" indent="0">
-              <a:buNone/>
-            </a:pPr>
-            <a:endParaRPr lang="en-US" altLang="zh-TW" sz="2000" dirty="0"/>
-          </a:p>
-          <a:p>
-            <a:r>
-              <a:rPr lang="zh-TW" altLang="en-US" sz="2400" dirty="0"/>
-              <a:t>問卷調查結果</a:t>
-            </a:r>
-            <a:r>
-              <a:rPr lang="en-US" altLang="zh-TW" sz="2400" dirty="0"/>
-              <a:t>:</a:t>
-            </a:r>
-          </a:p>
-          <a:p>
-            <a:pPr lvl="1"/>
-            <a:endParaRPr lang="en-US" altLang="zh-TW" sz="2000" dirty="0"/>
-          </a:p>
-          <a:p>
-            <a:pPr marL="914400" lvl="1" indent="-457200">
-              <a:buFont typeface="+mj-lt"/>
-              <a:buAutoNum type="arabicPeriod"/>
-            </a:pPr>
-            <a:r>
-              <a:rPr lang="zh-TW" altLang="en-US" sz="2000" dirty="0"/>
-              <a:t>受試者認同關節問題對於健康來說是重要的</a:t>
-            </a:r>
-            <a:endParaRPr lang="en-US" altLang="zh-TW" sz="2000" dirty="0"/>
-          </a:p>
-          <a:p>
-            <a:pPr marL="914400" lvl="1" indent="-457200">
-              <a:buFont typeface="+mj-lt"/>
-              <a:buAutoNum type="arabicPeriod"/>
-            </a:pPr>
-            <a:endParaRPr lang="en-US" altLang="zh-TW" sz="2000" dirty="0"/>
-          </a:p>
-          <a:p>
-            <a:pPr marL="914400" lvl="1" indent="-457200">
-              <a:buFont typeface="+mj-lt"/>
-              <a:buAutoNum type="arabicPeriod"/>
-            </a:pPr>
-            <a:r>
-              <a:rPr lang="zh-TW" altLang="en-US" sz="2000" dirty="0"/>
-              <a:t>以下兩種人占多數，合計</a:t>
-            </a:r>
-            <a:r>
-              <a:rPr lang="en-US" altLang="zh-TW" sz="2000" dirty="0"/>
-              <a:t>64.3%:</a:t>
-            </a:r>
-          </a:p>
-          <a:p>
-            <a:pPr lvl="2"/>
-            <a:r>
-              <a:rPr lang="zh-TW" altLang="en-US" dirty="0"/>
-              <a:t>有關節問題的人</a:t>
-            </a:r>
-            <a:r>
-              <a:rPr lang="en-US" altLang="zh-TW" dirty="0"/>
-              <a:t>(40%)</a:t>
-            </a:r>
-          </a:p>
-          <a:p>
-            <a:pPr lvl="2"/>
-            <a:r>
-              <a:rPr lang="zh-TW" altLang="en-US" dirty="0"/>
-              <a:t>對自身健康情況掌握不足的人</a:t>
-            </a:r>
-            <a:r>
-              <a:rPr lang="en-US" altLang="zh-TW" dirty="0"/>
-              <a:t>(24.3%)</a:t>
-            </a:r>
-          </a:p>
-          <a:p>
-            <a:pPr lvl="2"/>
-            <a:endParaRPr lang="en-US" altLang="zh-TW" dirty="0"/>
-          </a:p>
-          <a:p>
-            <a:pPr marL="914400" lvl="1" indent="-457200">
-              <a:buFont typeface="+mj-lt"/>
-              <a:buAutoNum type="arabicPeriod"/>
-            </a:pPr>
-            <a:r>
-              <a:rPr lang="zh-TW" altLang="en-US" dirty="0"/>
-              <a:t>受試者整體認為自己並不具備充份的保健知識</a:t>
-            </a:r>
-            <a:endParaRPr lang="en-US" altLang="zh-TW" dirty="0"/>
-          </a:p>
-          <a:p>
-            <a:pPr marL="914400" lvl="1" indent="-457200">
-              <a:buFont typeface="+mj-lt"/>
-              <a:buAutoNum type="arabicPeriod"/>
-            </a:pPr>
-            <a:endParaRPr lang="en-US" altLang="zh-TW" dirty="0"/>
-          </a:p>
-          <a:p>
-            <a:pPr marL="914400" lvl="1" indent="-457200">
-              <a:buFont typeface="+mj-lt"/>
-              <a:buAutoNum type="arabicPeriod"/>
-            </a:pPr>
-            <a:r>
-              <a:rPr lang="zh-TW" altLang="en-US" dirty="0"/>
-              <a:t>受試者看過物理治療師的比重佔少數，僅</a:t>
-            </a:r>
-            <a:r>
-              <a:rPr lang="en-US" altLang="zh-TW" dirty="0"/>
-              <a:t>25%</a:t>
-            </a:r>
-            <a:r>
-              <a:rPr lang="zh-TW" altLang="en-US" dirty="0"/>
-              <a:t>左右</a:t>
-            </a:r>
-            <a:endParaRPr lang="en-US" altLang="zh-TW" dirty="0"/>
-          </a:p>
-          <a:p>
-            <a:pPr lvl="1"/>
-            <a:endParaRPr lang="en-US" altLang="zh-TW" sz="2000" dirty="0"/>
-          </a:p>
-          <a:p>
-            <a:pPr lvl="1"/>
-            <a:endParaRPr lang="en-US" altLang="zh-TW" sz="2000" dirty="0"/>
-          </a:p>
-          <a:p>
-            <a:endParaRPr lang="zh-TW" altLang="en-US" sz="2000" dirty="0"/>
+            <a:r>
+              <a:rPr lang="zh-TW" altLang="en-US" sz="2400" dirty="0">
+                <a:latin typeface="微軟正黑體" panose="020B0604030504040204" pitchFamily="34" charset="-120"/>
+                <a:ea typeface="微軟正黑體" panose="020B0604030504040204" pitchFamily="34" charset="-120"/>
+              </a:rPr>
+              <a:t>研究動機</a:t>
+            </a:r>
+            <a:endParaRPr lang="en-US" altLang="zh-TW" sz="2400" dirty="0">
+              <a:latin typeface="微軟正黑體" panose="020B0604030504040204" pitchFamily="34" charset="-120"/>
+              <a:ea typeface="微軟正黑體" panose="020B0604030504040204" pitchFamily="34" charset="-120"/>
+            </a:endParaRPr>
+          </a:p>
+          <a:p>
+            <a:r>
+              <a:rPr lang="zh-TW" altLang="en-US" sz="2400" dirty="0">
+                <a:latin typeface="微軟正黑體" panose="020B0604030504040204" pitchFamily="34" charset="-120"/>
+                <a:ea typeface="微軟正黑體" panose="020B0604030504040204" pitchFamily="34" charset="-120"/>
+              </a:rPr>
+              <a:t>產品構思</a:t>
+            </a:r>
+            <a:endParaRPr lang="en-US" altLang="zh-TW" sz="2400" dirty="0">
+              <a:latin typeface="微軟正黑體" panose="020B0604030504040204" pitchFamily="34" charset="-120"/>
+              <a:ea typeface="微軟正黑體" panose="020B0604030504040204" pitchFamily="34" charset="-120"/>
+            </a:endParaRPr>
+          </a:p>
+          <a:p>
+            <a:r>
+              <a:rPr lang="zh-TW" altLang="en-US" sz="2400" dirty="0">
+                <a:latin typeface="微軟正黑體" panose="020B0604030504040204" pitchFamily="34" charset="-120"/>
+                <a:ea typeface="微軟正黑體" panose="020B0604030504040204" pitchFamily="34" charset="-120"/>
+              </a:rPr>
+              <a:t>產品概述</a:t>
+            </a:r>
+            <a:endParaRPr lang="en-US" altLang="zh-TW" sz="2400" dirty="0">
+              <a:latin typeface="微軟正黑體" panose="020B0604030504040204" pitchFamily="34" charset="-120"/>
+              <a:ea typeface="微軟正黑體" panose="020B0604030504040204" pitchFamily="34" charset="-120"/>
+            </a:endParaRPr>
+          </a:p>
+          <a:p>
+            <a:r>
+              <a:rPr lang="zh-TW" altLang="en-US" sz="2400" dirty="0">
+                <a:latin typeface="微軟正黑體" panose="020B0604030504040204" pitchFamily="34" charset="-120"/>
+                <a:ea typeface="微軟正黑體" panose="020B0604030504040204" pitchFamily="34" charset="-120"/>
+              </a:rPr>
+              <a:t>競爭者分析</a:t>
+            </a:r>
+            <a:endParaRPr lang="en-US" altLang="zh-TW" sz="2400" dirty="0">
+              <a:latin typeface="微軟正黑體" panose="020B0604030504040204" pitchFamily="34" charset="-120"/>
+              <a:ea typeface="微軟正黑體" panose="020B0604030504040204" pitchFamily="34" charset="-120"/>
+            </a:endParaRPr>
+          </a:p>
+          <a:p>
+            <a:r>
+              <a:rPr lang="zh-TW" altLang="en-US" sz="2400" dirty="0">
+                <a:latin typeface="微軟正黑體" panose="020B0604030504040204" pitchFamily="34" charset="-120"/>
+                <a:ea typeface="微軟正黑體" panose="020B0604030504040204" pitchFamily="34" charset="-120"/>
+              </a:rPr>
+              <a:t>商業模式</a:t>
+            </a:r>
+            <a:endParaRPr lang="en-US" altLang="zh-TW" sz="2400" dirty="0">
+              <a:latin typeface="微軟正黑體" panose="020B0604030504040204" pitchFamily="34" charset="-120"/>
+              <a:ea typeface="微軟正黑體" panose="020B0604030504040204" pitchFamily="34" charset="-120"/>
+            </a:endParaRPr>
+          </a:p>
+          <a:p>
+            <a:endParaRPr lang="en-US" altLang="zh-TW" sz="2400" dirty="0"/>
+          </a:p>
+          <a:p>
+            <a:endParaRPr lang="zh-TW" altLang="en-US" sz="2400" dirty="0"/>
           </a:p>
         </p:txBody>
       </p:sp>
     </p:spTree>
     <p:extLst>
       <p:ext uri="{BB962C8B-B14F-4D97-AF65-F5344CB8AC3E}">
-        <p14:creationId xmlns:p14="http://schemas.microsoft.com/office/powerpoint/2010/main" val="2306524299"/>
+        <p14:creationId xmlns:p14="http://schemas.microsoft.com/office/powerpoint/2010/main" val="3673904705"/>
       </p:ext>
     </p:extLst>
   </p:cSld>
@@ -7981,7 +8984,7 @@
 </p:sld>
 </file>
 
-<file path=ppt/slides/slide5.xml><?xml version="1.0" encoding="utf-8"?>
+<file path=ppt/slides/slide3.xml><?xml version="1.0" encoding="utf-8"?>
 <p:sld xmlns:a="http://schemas.openxmlformats.org/drawingml/2006/main" xmlns:r="http://schemas.openxmlformats.org/officeDocument/2006/relationships" xmlns:p="http://schemas.openxmlformats.org/presentationml/2006/main">
   <p:cSld>
     <p:bg>
@@ -8008,7 +9011,7 @@
       </p:grpSpPr>
       <p:sp useBgFill="1">
         <p:nvSpPr>
-          <p:cNvPr id="8" name="Rectangle 7">
+          <p:cNvPr id="6" name="Rectangle 7">
             <a:extLst>
               <a:ext uri="{FF2B5EF4-FFF2-40B4-BE49-F238E27FC236}">
                 <a16:creationId xmlns:a16="http://schemas.microsoft.com/office/drawing/2014/main" id="{B6CDA21F-E7AF-4C75-8395-33F58D5B0E45}"/>
@@ -8068,7 +9071,7 @@
       </p:sp>
       <p:grpSp>
         <p:nvGrpSpPr>
-          <p:cNvPr id="10" name="Group 9">
+          <p:cNvPr id="7" name="Group 9">
             <a:extLst>
               <a:ext uri="{FF2B5EF4-FFF2-40B4-BE49-F238E27FC236}">
                 <a16:creationId xmlns:a16="http://schemas.microsoft.com/office/drawing/2014/main" id="{AE1C45F0-260A-458C-96ED-C1F6D2151219}"/>
@@ -8280,7 +9283,7 @@
       </p:grpSp>
       <p:sp>
         <p:nvSpPr>
-          <p:cNvPr id="15" name="Rectangle 14">
+          <p:cNvPr id="14" name="Rectangle 14">
             <a:extLst>
               <a:ext uri="{FF2B5EF4-FFF2-40B4-BE49-F238E27FC236}">
                 <a16:creationId xmlns:a16="http://schemas.microsoft.com/office/drawing/2014/main" id="{D5B0017B-2ECA-49AF-B397-DC140825DF8D}"/>
@@ -8353,7 +9356,7 @@
           <p:cNvPr id="2" name="標題 1">
             <a:extLst>
               <a:ext uri="{FF2B5EF4-FFF2-40B4-BE49-F238E27FC236}">
-                <a16:creationId xmlns:a16="http://schemas.microsoft.com/office/drawing/2014/main" id="{35460F7D-AD3D-3512-55A7-B6967514EF6E}"/>
+                <a16:creationId xmlns:a16="http://schemas.microsoft.com/office/drawing/2014/main" id="{4866A287-AFF9-DE21-1522-79C5FA228F26}"/>
               </a:ext>
             </a:extLst>
           </p:cNvPr>
@@ -8377,11 +9380,11 @@
           <a:lstStyle/>
           <a:p>
             <a:r>
-              <a:rPr lang="zh-TW" altLang="en-US" sz="4800" b="1">
+              <a:rPr lang="zh-TW" altLang="en-US" sz="4800" b="1" dirty="0">
                 <a:latin typeface="微軟正黑體" panose="020B0604030504040204" pitchFamily="34" charset="-120"/>
                 <a:ea typeface="微軟正黑體" panose="020B0604030504040204" pitchFamily="34" charset="-120"/>
               </a:rPr>
-              <a:t>市場調查</a:t>
+              <a:t>研究動機</a:t>
             </a:r>
           </a:p>
         </p:txBody>
@@ -8391,7 +9394,7 @@
           <p:cNvPr id="3" name="內容版面配置區 2">
             <a:extLst>
               <a:ext uri="{FF2B5EF4-FFF2-40B4-BE49-F238E27FC236}">
-                <a16:creationId xmlns:a16="http://schemas.microsoft.com/office/drawing/2014/main" id="{24B125E8-51B8-6D27-5109-6CAB5C9EC41E}"/>
+                <a16:creationId xmlns:a16="http://schemas.microsoft.com/office/drawing/2014/main" id="{59BDFED2-F3D6-0712-31E8-35F036EB9672}"/>
               </a:ext>
             </a:extLst>
           </p:cNvPr>
@@ -8404,126 +9407,198 @@
         </p:nvSpPr>
         <p:spPr>
           <a:xfrm>
-            <a:off x="1045028" y="3017522"/>
-            <a:ext cx="9941319" cy="3124658"/>
+            <a:off x="955766" y="3731623"/>
+            <a:ext cx="10515600" cy="3020155"/>
           </a:xfrm>
         </p:spPr>
         <p:txBody>
           <a:bodyPr anchor="ctr">
-            <a:normAutofit/>
+            <a:normAutofit fontScale="85000" lnSpcReduction="20000"/>
           </a:bodyPr>
           <a:lstStyle/>
           <a:p>
             <a:r>
-              <a:rPr lang="zh-TW" altLang="en-US" sz="2400" dirty="0">
+              <a:rPr lang="zh-TW" altLang="en-US" sz="3600" dirty="0">
                 <a:latin typeface="微軟正黑體" panose="020B0604030504040204" pitchFamily="34" charset="-120"/>
                 <a:ea typeface="微軟正黑體" panose="020B0604030504040204" pitchFamily="34" charset="-120"/>
               </a:rPr>
-              <a:t>市面針對身關節、體態</a:t>
-            </a:r>
-            <a:r>
-              <a:rPr lang="zh-TW" altLang="en-US" sz="2400">
+              <a:t>專題背景</a:t>
+            </a:r>
+            <a:r>
+              <a:rPr lang="en-US" altLang="zh-TW" sz="3600" dirty="0">
                 <a:latin typeface="微軟正黑體" panose="020B0604030504040204" pitchFamily="34" charset="-120"/>
                 <a:ea typeface="微軟正黑體" panose="020B0604030504040204" pitchFamily="34" charset="-120"/>
               </a:rPr>
-              <a:t>情況的應用產品</a:t>
-            </a:r>
-            <a:r>
-              <a:rPr lang="zh-TW" altLang="en-US" sz="2400" dirty="0">
+              <a:t>:</a:t>
+            </a:r>
+            <a:r>
+              <a:rPr lang="zh-TW" altLang="en-US" sz="3600" dirty="0">
                 <a:latin typeface="微軟正黑體" panose="020B0604030504040204" pitchFamily="34" charset="-120"/>
                 <a:ea typeface="微軟正黑體" panose="020B0604030504040204" pitchFamily="34" charset="-120"/>
               </a:rPr>
-              <a:t>相當稀少</a:t>
-            </a:r>
-            <a:endParaRPr lang="en-US" altLang="zh-TW" sz="2400" dirty="0">
+              <a:t> 科技發展 </a:t>
+            </a:r>
+            <a:r>
+              <a:rPr lang="zh-TW" altLang="en-US" sz="3600" dirty="0">
+                <a:latin typeface="微軟正黑體" panose="020B0604030504040204" pitchFamily="34" charset="-120"/>
+                <a:ea typeface="微軟正黑體" panose="020B0604030504040204" pitchFamily="34" charset="-120"/>
+                <a:sym typeface="Wingdings" panose="05000000000000000000" pitchFamily="2" charset="2"/>
+              </a:rPr>
+              <a:t>、</a:t>
+            </a:r>
+            <a:r>
+              <a:rPr lang="zh-TW" altLang="en-US" sz="3600" dirty="0">
+                <a:latin typeface="微軟正黑體" panose="020B0604030504040204" pitchFamily="34" charset="-120"/>
+                <a:ea typeface="微軟正黑體" panose="020B0604030504040204" pitchFamily="34" charset="-120"/>
+              </a:rPr>
+              <a:t>久坐、高齡化、肥胖率提升</a:t>
+            </a:r>
+            <a:endParaRPr lang="en-US" altLang="zh-TW" sz="3600" dirty="0">
               <a:latin typeface="微軟正黑體" panose="020B0604030504040204" pitchFamily="34" charset="-120"/>
               <a:ea typeface="微軟正黑體" panose="020B0604030504040204" pitchFamily="34" charset="-120"/>
             </a:endParaRPr>
           </a:p>
           <a:p>
-            <a:pPr marL="457200" lvl="1" indent="0">
-              <a:buNone/>
-            </a:pPr>
-            <a:endParaRPr lang="en-US" altLang="zh-TW" dirty="0">
+            <a:endParaRPr lang="en-US" altLang="zh-TW" sz="3600" dirty="0">
               <a:latin typeface="微軟正黑體" panose="020B0604030504040204" pitchFamily="34" charset="-120"/>
               <a:ea typeface="微軟正黑體" panose="020B0604030504040204" pitchFamily="34" charset="-120"/>
             </a:endParaRPr>
           </a:p>
           <a:p>
-            <a:pPr lvl="1"/>
-            <a:r>
-              <a:rPr lang="zh-TW" altLang="en-US" dirty="0">
+            <a:r>
+              <a:rPr lang="zh-TW" altLang="en-US" sz="3600" dirty="0">
                 <a:latin typeface="微軟正黑體" panose="020B0604030504040204" pitchFamily="34" charset="-120"/>
                 <a:ea typeface="微軟正黑體" panose="020B0604030504040204" pitchFamily="34" charset="-120"/>
               </a:rPr>
-              <a:t>需特定醫院、診所授權才能使用</a:t>
-            </a:r>
-            <a:endParaRPr lang="en-US" altLang="zh-TW" dirty="0">
+              <a:t>健康問題</a:t>
+            </a:r>
+            <a:r>
+              <a:rPr lang="en-US" altLang="zh-TW" sz="3600" dirty="0">
+                <a:latin typeface="微軟正黑體" panose="020B0604030504040204" pitchFamily="34" charset="-120"/>
+                <a:ea typeface="微軟正黑體" panose="020B0604030504040204" pitchFamily="34" charset="-120"/>
+              </a:rPr>
+              <a:t>:</a:t>
+            </a:r>
+            <a:r>
+              <a:rPr lang="zh-TW" altLang="en-US" sz="3600" dirty="0">
+                <a:latin typeface="微軟正黑體" panose="020B0604030504040204" pitchFamily="34" charset="-120"/>
+                <a:ea typeface="微軟正黑體" panose="020B0604030504040204" pitchFamily="34" charset="-120"/>
+              </a:rPr>
+              <a:t> 駝背、腰酸背痛、關節痛</a:t>
+            </a:r>
+            <a:endParaRPr lang="en-US" altLang="zh-TW" sz="3600" dirty="0">
               <a:latin typeface="微軟正黑體" panose="020B0604030504040204" pitchFamily="34" charset="-120"/>
               <a:ea typeface="微軟正黑體" panose="020B0604030504040204" pitchFamily="34" charset="-120"/>
             </a:endParaRPr>
           </a:p>
           <a:p>
+            <a:pPr marL="0" indent="0">
+              <a:buNone/>
+            </a:pPr>
+            <a:endParaRPr lang="en-US" altLang="zh-TW" sz="3400" dirty="0">
+              <a:latin typeface="微軟正黑體" panose="020B0604030504040204" pitchFamily="34" charset="-120"/>
+              <a:ea typeface="微軟正黑體" panose="020B0604030504040204" pitchFamily="34" charset="-120"/>
+            </a:endParaRPr>
+          </a:p>
+          <a:p>
             <a:pPr lvl="1"/>
             <a:r>
-              <a:rPr lang="zh-TW" altLang="en-US" dirty="0">
+              <a:rPr lang="zh-TW" altLang="en-US" sz="3400" dirty="0">
                 <a:latin typeface="微軟正黑體" panose="020B0604030504040204" pitchFamily="34" charset="-120"/>
                 <a:ea typeface="微軟正黑體" panose="020B0604030504040204" pitchFamily="34" charset="-120"/>
               </a:rPr>
-              <a:t>僅提供伸展運動</a:t>
-            </a:r>
-            <a:endParaRPr lang="en-US" altLang="zh-TW" dirty="0">
+              <a:t>全球</a:t>
+            </a:r>
+            <a:r>
+              <a:rPr lang="en-US" altLang="zh-TW" sz="3400" dirty="0">
+                <a:latin typeface="微軟正黑體" panose="020B0604030504040204" pitchFamily="34" charset="-120"/>
+                <a:ea typeface="微軟正黑體" panose="020B0604030504040204" pitchFamily="34" charset="-120"/>
+              </a:rPr>
+              <a:t>:</a:t>
+            </a:r>
+            <a:r>
+              <a:rPr lang="zh-TW" altLang="en-US" sz="3400" dirty="0">
+                <a:latin typeface="微軟正黑體" panose="020B0604030504040204" pitchFamily="34" charset="-120"/>
+                <a:ea typeface="微軟正黑體" panose="020B0604030504040204" pitchFamily="34" charset="-120"/>
+              </a:rPr>
+              <a:t> </a:t>
+            </a:r>
+            <a:r>
+              <a:rPr lang="en-US" altLang="zh-TW" sz="3400" dirty="0">
+                <a:latin typeface="微軟正黑體" panose="020B0604030504040204" pitchFamily="34" charset="-120"/>
+                <a:ea typeface="微軟正黑體" panose="020B0604030504040204" pitchFamily="34" charset="-120"/>
+              </a:rPr>
+              <a:t>5.28</a:t>
+            </a:r>
+            <a:r>
+              <a:rPr lang="zh-TW" altLang="en-US" sz="3400" dirty="0">
+                <a:latin typeface="微軟正黑體" panose="020B0604030504040204" pitchFamily="34" charset="-120"/>
+                <a:ea typeface="微軟正黑體" panose="020B0604030504040204" pitchFamily="34" charset="-120"/>
+              </a:rPr>
+              <a:t>億人患有骨關節炎，未來患病人將持續增加</a:t>
+            </a:r>
+            <a:endParaRPr lang="en-US" altLang="zh-TW" sz="3400" dirty="0">
               <a:latin typeface="微軟正黑體" panose="020B0604030504040204" pitchFamily="34" charset="-120"/>
               <a:ea typeface="微軟正黑體" panose="020B0604030504040204" pitchFamily="34" charset="-120"/>
             </a:endParaRPr>
           </a:p>
           <a:p>
+            <a:endParaRPr lang="en-US" altLang="zh-TW" sz="3400" dirty="0">
+              <a:latin typeface="微軟正黑體" panose="020B0604030504040204" pitchFamily="34" charset="-120"/>
+              <a:ea typeface="微軟正黑體" panose="020B0604030504040204" pitchFamily="34" charset="-120"/>
+            </a:endParaRPr>
+          </a:p>
+          <a:p>
             <a:pPr lvl="1"/>
             <a:r>
-              <a:rPr lang="zh-TW" altLang="en-US" dirty="0">
+              <a:rPr lang="zh-TW" altLang="en-US" sz="3400" dirty="0">
                 <a:latin typeface="微軟正黑體" panose="020B0604030504040204" pitchFamily="34" charset="-120"/>
                 <a:ea typeface="微軟正黑體" panose="020B0604030504040204" pitchFamily="34" charset="-120"/>
               </a:rPr>
-              <a:t>功能過於簡陋</a:t>
-            </a:r>
-          </a:p>
-          <a:p>
-            <a:endParaRPr lang="zh-TW" altLang="en-US" sz="2400" dirty="0">
+              <a:t>台灣</a:t>
+            </a:r>
+            <a:r>
+              <a:rPr lang="en-US" altLang="zh-TW" sz="3400" dirty="0">
+                <a:latin typeface="微軟正黑體" panose="020B0604030504040204" pitchFamily="34" charset="-120"/>
+                <a:ea typeface="微軟正黑體" panose="020B0604030504040204" pitchFamily="34" charset="-120"/>
+              </a:rPr>
+              <a:t>:</a:t>
+            </a:r>
+            <a:r>
+              <a:rPr lang="zh-TW" altLang="en-US" sz="3400" dirty="0">
+                <a:latin typeface="微軟正黑體" panose="020B0604030504040204" pitchFamily="34" charset="-120"/>
+                <a:ea typeface="微軟正黑體" panose="020B0604030504040204" pitchFamily="34" charset="-120"/>
+              </a:rPr>
+              <a:t> 論文指出，未來復健門診的需求量有顯著上升</a:t>
+            </a:r>
+            <a:endParaRPr lang="en-US" altLang="zh-TW" sz="3400" dirty="0">
               <a:latin typeface="微軟正黑體" panose="020B0604030504040204" pitchFamily="34" charset="-120"/>
               <a:ea typeface="微軟正黑體" panose="020B0604030504040204" pitchFamily="34" charset="-120"/>
             </a:endParaRPr>
           </a:p>
           <a:p>
-            <a:r>
-              <a:rPr lang="zh-TW" altLang="en-US" sz="2400" dirty="0">
-                <a:latin typeface="微軟正黑體" panose="020B0604030504040204" pitchFamily="34" charset="-120"/>
-                <a:ea typeface="微軟正黑體" panose="020B0604030504040204" pitchFamily="34" charset="-120"/>
-              </a:rPr>
-              <a:t>團隊想法</a:t>
-            </a:r>
-            <a:r>
-              <a:rPr lang="en-US" altLang="zh-TW" sz="2400" dirty="0">
-                <a:latin typeface="微軟正黑體" panose="020B0604030504040204" pitchFamily="34" charset="-120"/>
-                <a:ea typeface="微軟正黑體" panose="020B0604030504040204" pitchFamily="34" charset="-120"/>
-              </a:rPr>
-              <a:t>: </a:t>
-            </a:r>
-            <a:r>
-              <a:rPr lang="zh-TW" altLang="en-US" sz="2400" dirty="0">
-                <a:latin typeface="微軟正黑體" panose="020B0604030504040204" pitchFamily="34" charset="-120"/>
-                <a:ea typeface="微軟正黑體" panose="020B0604030504040204" pitchFamily="34" charset="-120"/>
-              </a:rPr>
-              <a:t>設計一款手機應用程式，協助大眾面對關節、體態問題</a:t>
-            </a:r>
-          </a:p>
-          <a:p>
-            <a:endParaRPr lang="zh-TW" altLang="en-US" sz="2400" dirty="0"/>
+            <a:endParaRPr lang="en-US" altLang="zh-TW" sz="2000" dirty="0">
+              <a:latin typeface="微軟正黑體" panose="020B0604030504040204" pitchFamily="34" charset="-120"/>
+              <a:ea typeface="微軟正黑體" panose="020B0604030504040204" pitchFamily="34" charset="-120"/>
+            </a:endParaRPr>
+          </a:p>
+          <a:p>
+            <a:endParaRPr lang="en-US" altLang="zh-TW" sz="2000" dirty="0"/>
+          </a:p>
+          <a:p>
+            <a:endParaRPr lang="en-US" altLang="zh-TW" sz="2000" dirty="0"/>
+          </a:p>
+          <a:p>
+            <a:endParaRPr lang="en-US" altLang="zh-TW" sz="2000" dirty="0"/>
+          </a:p>
+          <a:p>
+            <a:endParaRPr lang="zh-TW" altLang="en-US" sz="2000" dirty="0"/>
           </a:p>
         </p:txBody>
       </p:sp>
       <p:cxnSp>
         <p:nvCxnSpPr>
-          <p:cNvPr id="17" name="Straight Connector 16">
+          <p:cNvPr id="16" name="Straight Connector 16">
             <a:extLst>
               <a:ext uri="{FF2B5EF4-FFF2-40B4-BE49-F238E27FC236}">
                 <a16:creationId xmlns:a16="http://schemas.microsoft.com/office/drawing/2014/main" id="{6CF1BAF6-AD41-4082-B212-8A1F9A2E8779}"/>
@@ -8576,7 +9651,7 @@
     </p:spTree>
     <p:extLst>
       <p:ext uri="{BB962C8B-B14F-4D97-AF65-F5344CB8AC3E}">
-        <p14:creationId xmlns:p14="http://schemas.microsoft.com/office/powerpoint/2010/main" val="2807620293"/>
+        <p14:creationId xmlns:p14="http://schemas.microsoft.com/office/powerpoint/2010/main" val="1516866410"/>
       </p:ext>
     </p:extLst>
   </p:cSld>
@@ -8586,7 +9661,7 @@
 </p:sld>
 </file>
 
-<file path=ppt/slides/slide6.xml><?xml version="1.0" encoding="utf-8"?>
+<file path=ppt/slides/slide4.xml><?xml version="1.0" encoding="utf-8"?>
 <p:sld xmlns:a="http://schemas.openxmlformats.org/drawingml/2006/main" xmlns:r="http://schemas.openxmlformats.org/officeDocument/2006/relationships" xmlns:p="http://schemas.openxmlformats.org/presentationml/2006/main">
   <p:cSld>
     <p:bg>
@@ -8700,11 +9775,11 @@
           <a:lstStyle/>
           <a:p>
             <a:r>
-              <a:rPr lang="zh-TW" altLang="en-US" sz="5400" b="1">
+              <a:rPr lang="zh-TW" altLang="en-US" sz="5400" b="1" dirty="0">
                 <a:latin typeface="微軟正黑體" panose="020B0604030504040204" pitchFamily="34" charset="-120"/>
                 <a:ea typeface="微軟正黑體" panose="020B0604030504040204" pitchFamily="34" charset="-120"/>
               </a:rPr>
-              <a:t>市場調查</a:t>
+              <a:t>產品構思</a:t>
             </a:r>
           </a:p>
         </p:txBody>
@@ -9093,7 +10168,7 @@
 </p:sld>
 </file>
 
-<file path=ppt/slides/slide7.xml><?xml version="1.0" encoding="utf-8"?>
+<file path=ppt/slides/slide5.xml><?xml version="1.0" encoding="utf-8"?>
 <p:sld xmlns:a="http://schemas.openxmlformats.org/drawingml/2006/main" xmlns:r="http://schemas.openxmlformats.org/officeDocument/2006/relationships" xmlns:p="http://schemas.openxmlformats.org/presentationml/2006/main">
   <p:cSld>
     <p:bg>
@@ -9120,477 +10195,10 @@
       </p:grpSpPr>
       <p:sp useBgFill="1">
         <p:nvSpPr>
-          <p:cNvPr id="16" name="Rectangle 15">
-            <a:extLst>
-              <a:ext uri="{FF2B5EF4-FFF2-40B4-BE49-F238E27FC236}">
-                <a16:creationId xmlns:a16="http://schemas.microsoft.com/office/drawing/2014/main" id="{907EF6B7-1338-4443-8C46-6A318D952DFD}"/>
-              </a:ext>
-              <a:ext uri="{C183D7F6-B498-43B3-948B-1728B52AA6E4}">
-                <adec:decorative xmlns:adec="http://schemas.microsoft.com/office/drawing/2017/decorative" val="1"/>
-              </a:ext>
-            </a:extLst>
-          </p:cNvPr>
-          <p:cNvSpPr>
-            <a:spLocks noGrp="1" noRot="1" noChangeAspect="1" noMove="1" noResize="1" noEditPoints="1" noAdjustHandles="1" noChangeArrowheads="1" noChangeShapeType="1" noTextEdit="1"/>
-          </p:cNvSpPr>
-          <p:nvPr>
-            <p:extLst>
-              <p:ext uri="{386F3935-93C4-4BCD-93E2-E3B085C9AB24}">
-                <p16:designElem xmlns:p16="http://schemas.microsoft.com/office/powerpoint/2015/main" val="1"/>
-              </p:ext>
-            </p:extLst>
-          </p:nvPr>
-        </p:nvSpPr>
-        <p:spPr>
-          <a:xfrm>
-            <a:off x="3048" y="0"/>
-            <a:ext cx="12188952" cy="6858000"/>
-          </a:xfrm>
-          <a:prstGeom prst="rect">
-            <a:avLst/>
-          </a:prstGeom>
-          <a:ln>
-            <a:noFill/>
-          </a:ln>
-        </p:spPr>
-        <p:style>
-          <a:lnRef idx="2">
-            <a:schemeClr val="accent1">
-              <a:shade val="50000"/>
-            </a:schemeClr>
-          </a:lnRef>
-          <a:fillRef idx="1">
-            <a:schemeClr val="accent1"/>
-          </a:fillRef>
-          <a:effectRef idx="0">
-            <a:schemeClr val="accent1"/>
-          </a:effectRef>
-          <a:fontRef idx="minor">
-            <a:schemeClr val="lt1"/>
-          </a:fontRef>
-        </p:style>
-        <p:txBody>
-          <a:bodyPr rtlCol="0" anchor="ctr"/>
-          <a:lstStyle/>
-          <a:p>
-            <a:pPr algn="ctr"/>
-            <a:endParaRPr lang="en-US"/>
-          </a:p>
-        </p:txBody>
-      </p:sp>
-      <p:sp>
-        <p:nvSpPr>
-          <p:cNvPr id="18" name="Freeform: Shape 17">
-            <a:extLst>
-              <a:ext uri="{FF2B5EF4-FFF2-40B4-BE49-F238E27FC236}">
-                <a16:creationId xmlns:a16="http://schemas.microsoft.com/office/drawing/2014/main" id="{DAAE4CDD-124C-4DCF-9584-B6033B545DD5}"/>
-              </a:ext>
-              <a:ext uri="{C183D7F6-B498-43B3-948B-1728B52AA6E4}">
-                <adec:decorative xmlns:adec="http://schemas.microsoft.com/office/drawing/2017/decorative" val="1"/>
-              </a:ext>
-            </a:extLst>
-          </p:cNvPr>
-          <p:cNvSpPr>
-            <a:spLocks noGrp="1" noRot="1" noChangeAspect="1" noMove="1" noResize="1" noEditPoints="1" noAdjustHandles="1" noChangeArrowheads="1" noChangeShapeType="1" noTextEdit="1"/>
-          </p:cNvSpPr>
-          <p:nvPr>
-            <p:extLst>
-              <p:ext uri="{386F3935-93C4-4BCD-93E2-E3B085C9AB24}">
-                <p16:designElem xmlns:p16="http://schemas.microsoft.com/office/powerpoint/2015/main" val="1"/>
-              </p:ext>
-            </p:extLst>
-          </p:nvPr>
-        </p:nvSpPr>
-        <p:spPr>
-          <a:xfrm>
-            <a:off x="1" y="0"/>
-            <a:ext cx="4167271" cy="6858000"/>
-          </a:xfrm>
-          <a:custGeom>
-            <a:avLst/>
-            <a:gdLst>
-              <a:gd name="connsiteX0" fmla="*/ 0 w 4167271"/>
-              <a:gd name="connsiteY0" fmla="*/ 0 h 6858000"/>
-              <a:gd name="connsiteX1" fmla="*/ 2259550 w 4167271"/>
-              <a:gd name="connsiteY1" fmla="*/ 0 h 6858000"/>
-              <a:gd name="connsiteX2" fmla="*/ 2387803 w 4167271"/>
-              <a:gd name="connsiteY2" fmla="*/ 82222 h 6858000"/>
-              <a:gd name="connsiteX3" fmla="*/ 4167271 w 4167271"/>
-              <a:gd name="connsiteY3" fmla="*/ 3429000 h 6858000"/>
-              <a:gd name="connsiteX4" fmla="*/ 2387803 w 4167271"/>
-              <a:gd name="connsiteY4" fmla="*/ 6775779 h 6858000"/>
-              <a:gd name="connsiteX5" fmla="*/ 2259550 w 4167271"/>
-              <a:gd name="connsiteY5" fmla="*/ 6858000 h 6858000"/>
-              <a:gd name="connsiteX6" fmla="*/ 0 w 4167271"/>
-              <a:gd name="connsiteY6" fmla="*/ 6858000 h 6858000"/>
-            </a:gdLst>
-            <a:ahLst/>
-            <a:cxnLst>
-              <a:cxn ang="0">
-                <a:pos x="connsiteX0" y="connsiteY0"/>
-              </a:cxn>
-              <a:cxn ang="0">
-                <a:pos x="connsiteX1" y="connsiteY1"/>
-              </a:cxn>
-              <a:cxn ang="0">
-                <a:pos x="connsiteX2" y="connsiteY2"/>
-              </a:cxn>
-              <a:cxn ang="0">
-                <a:pos x="connsiteX3" y="connsiteY3"/>
-              </a:cxn>
-              <a:cxn ang="0">
-                <a:pos x="connsiteX4" y="connsiteY4"/>
-              </a:cxn>
-              <a:cxn ang="0">
-                <a:pos x="connsiteX5" y="connsiteY5"/>
-              </a:cxn>
-              <a:cxn ang="0">
-                <a:pos x="connsiteX6" y="connsiteY6"/>
-              </a:cxn>
-            </a:cxnLst>
-            <a:rect l="l" t="t" r="r" b="b"/>
-            <a:pathLst>
-              <a:path w="4167271" h="6858000">
-                <a:moveTo>
-                  <a:pt x="0" y="0"/>
-                </a:moveTo>
-                <a:lnTo>
-                  <a:pt x="2259550" y="0"/>
-                </a:lnTo>
-                <a:lnTo>
-                  <a:pt x="2387803" y="82222"/>
-                </a:lnTo>
-                <a:cubicBezTo>
-                  <a:pt x="3461407" y="807534"/>
-                  <a:pt x="4167271" y="2035835"/>
-                  <a:pt x="4167271" y="3429000"/>
-                </a:cubicBezTo>
-                <a:cubicBezTo>
-                  <a:pt x="4167271" y="4822165"/>
-                  <a:pt x="3461407" y="6050467"/>
-                  <a:pt x="2387803" y="6775779"/>
-                </a:cubicBezTo>
-                <a:lnTo>
-                  <a:pt x="2259550" y="6858000"/>
-                </a:lnTo>
-                <a:lnTo>
-                  <a:pt x="0" y="6858000"/>
-                </a:lnTo>
-                <a:close/>
-              </a:path>
-            </a:pathLst>
-          </a:custGeom>
-          <a:solidFill>
-            <a:schemeClr val="accent2"/>
-          </a:solidFill>
-          <a:ln>
-            <a:noFill/>
-          </a:ln>
-        </p:spPr>
-        <p:style>
-          <a:lnRef idx="2">
-            <a:schemeClr val="accent1">
-              <a:shade val="50000"/>
-            </a:schemeClr>
-          </a:lnRef>
-          <a:fillRef idx="1">
-            <a:schemeClr val="accent1"/>
-          </a:fillRef>
-          <a:effectRef idx="0">
-            <a:schemeClr val="accent1"/>
-          </a:effectRef>
-          <a:fontRef idx="minor">
-            <a:schemeClr val="lt1"/>
-          </a:fontRef>
-        </p:style>
-        <p:txBody>
-          <a:bodyPr rtlCol="0" anchor="ctr"/>
-          <a:lstStyle/>
-          <a:p>
-            <a:pPr algn="ctr"/>
-            <a:endParaRPr lang="en-US"/>
-          </a:p>
-        </p:txBody>
-      </p:sp>
-      <p:sp>
-        <p:nvSpPr>
-          <p:cNvPr id="2" name="標題 1">
-            <a:extLst>
-              <a:ext uri="{FF2B5EF4-FFF2-40B4-BE49-F238E27FC236}">
-                <a16:creationId xmlns:a16="http://schemas.microsoft.com/office/drawing/2014/main" id="{29F4D143-CCA3-4C4A-25FB-C7209112ACF3}"/>
-              </a:ext>
-            </a:extLst>
-          </p:cNvPr>
-          <p:cNvSpPr>
-            <a:spLocks noGrp="1"/>
-          </p:cNvSpPr>
-          <p:nvPr>
-            <p:ph type="title"/>
-          </p:nvPr>
-        </p:nvSpPr>
-        <p:spPr>
-          <a:xfrm>
-            <a:off x="686834" y="1153572"/>
-            <a:ext cx="3200400" cy="4461163"/>
-          </a:xfrm>
-        </p:spPr>
-        <p:txBody>
-          <a:bodyPr vert="horz" lIns="91440" tIns="45720" rIns="91440" bIns="45720" rtlCol="0">
-            <a:normAutofit/>
-          </a:bodyPr>
-          <a:lstStyle/>
-          <a:p>
-            <a:r>
-              <a:rPr lang="zh-TW" altLang="en-US" b="1" kern="1200">
-                <a:solidFill>
-                  <a:srgbClr val="FFFFFF"/>
-                </a:solidFill>
-                <a:latin typeface="+mj-lt"/>
-                <a:ea typeface="+mj-ea"/>
-                <a:cs typeface="+mj-cs"/>
-              </a:rPr>
-              <a:t>使用者的需求</a:t>
-            </a:r>
-          </a:p>
-        </p:txBody>
-      </p:sp>
-      <p:sp>
-        <p:nvSpPr>
-          <p:cNvPr id="20" name="Arc 19">
-            <a:extLst>
-              <a:ext uri="{FF2B5EF4-FFF2-40B4-BE49-F238E27FC236}">
-                <a16:creationId xmlns:a16="http://schemas.microsoft.com/office/drawing/2014/main" id="{081E4A58-353D-44AE-B2FC-2A74E2E400F7}"/>
-              </a:ext>
-              <a:ext uri="{C183D7F6-B498-43B3-948B-1728B52AA6E4}">
-                <adec:decorative xmlns:adec="http://schemas.microsoft.com/office/drawing/2017/decorative" val="1"/>
-              </a:ext>
-            </a:extLst>
-          </p:cNvPr>
-          <p:cNvSpPr>
-            <a:spLocks noGrp="1" noRot="1" noChangeAspect="1" noMove="1" noResize="1" noEditPoints="1" noAdjustHandles="1" noChangeArrowheads="1" noChangeShapeType="1" noTextEdit="1"/>
-          </p:cNvSpPr>
-          <p:nvPr>
-            <p:extLst>
-              <p:ext uri="{386F3935-93C4-4BCD-93E2-E3B085C9AB24}">
-                <p16:designElem xmlns:p16="http://schemas.microsoft.com/office/powerpoint/2015/main" val="1"/>
-              </p:ext>
-            </p:extLst>
-          </p:nvPr>
-        </p:nvSpPr>
-        <p:spPr>
-          <a:xfrm flipV="1">
-            <a:off x="7550402" y="2455479"/>
-            <a:ext cx="4083433" cy="4083433"/>
-          </a:xfrm>
-          <a:prstGeom prst="arc">
-            <a:avLst/>
-          </a:prstGeom>
-          <a:ln w="127000" cap="rnd">
-            <a:solidFill>
-              <a:schemeClr val="accent4"/>
-            </a:solidFill>
-            <a:prstDash val="dash"/>
-          </a:ln>
-        </p:spPr>
-        <p:style>
-          <a:lnRef idx="1">
-            <a:schemeClr val="accent1"/>
-          </a:lnRef>
-          <a:fillRef idx="0">
-            <a:schemeClr val="accent1"/>
-          </a:fillRef>
-          <a:effectRef idx="0">
-            <a:schemeClr val="accent1"/>
-          </a:effectRef>
-          <a:fontRef idx="minor">
-            <a:schemeClr val="tx1"/>
-          </a:fontRef>
-        </p:style>
-        <p:txBody>
-          <a:bodyPr rtlCol="0" anchor="ctr"/>
-          <a:lstStyle/>
-          <a:p>
-            <a:pPr algn="ctr"/>
-            <a:endParaRPr lang="en-US" dirty="0"/>
-          </a:p>
-        </p:txBody>
-      </p:sp>
-      <p:sp>
-        <p:nvSpPr>
-          <p:cNvPr id="3" name="內容版面配置區 2">
-            <a:extLst>
-              <a:ext uri="{FF2B5EF4-FFF2-40B4-BE49-F238E27FC236}">
-                <a16:creationId xmlns:a16="http://schemas.microsoft.com/office/drawing/2014/main" id="{C2594907-F511-6566-3959-517CC45D2FAC}"/>
-              </a:ext>
-            </a:extLst>
-          </p:cNvPr>
-          <p:cNvSpPr>
-            <a:spLocks noGrp="1"/>
-          </p:cNvSpPr>
-          <p:nvPr>
-            <p:ph idx="1"/>
-          </p:nvPr>
-        </p:nvSpPr>
-        <p:spPr>
-          <a:xfrm>
-            <a:off x="4447308" y="591344"/>
-            <a:ext cx="6906491" cy="5585619"/>
-          </a:xfrm>
-        </p:spPr>
-        <p:txBody>
-          <a:bodyPr vert="horz" lIns="91440" tIns="45720" rIns="91440" bIns="45720" rtlCol="0" anchor="ctr">
-            <a:normAutofit/>
-          </a:bodyPr>
-          <a:lstStyle/>
-          <a:p>
-            <a:pPr marL="285750" indent="-228600">
-              <a:spcAft>
-                <a:spcPts val="600"/>
-              </a:spcAft>
-              <a:buFont typeface="Arial" panose="020B0604020202020204" pitchFamily="34" charset="0"/>
-              <a:buChar char="•"/>
-            </a:pPr>
-            <a:r>
-              <a:rPr lang="zh-TW" altLang="en-US" dirty="0">
-                <a:latin typeface="微軟正黑體" panose="020B0604030504040204" pitchFamily="34" charset="-120"/>
-                <a:ea typeface="微軟正黑體" panose="020B0604030504040204" pitchFamily="34" charset="-120"/>
-              </a:rPr>
-              <a:t>需求</a:t>
-            </a:r>
-            <a:r>
-              <a:rPr lang="en-US" altLang="zh-TW" dirty="0">
-                <a:latin typeface="微軟正黑體" panose="020B0604030504040204" pitchFamily="34" charset="-120"/>
-                <a:ea typeface="微軟正黑體" panose="020B0604030504040204" pitchFamily="34" charset="-120"/>
-              </a:rPr>
-              <a:t>:</a:t>
-            </a:r>
-          </a:p>
-          <a:p>
-            <a:pPr marL="742950" lvl="1" indent="-228600">
-              <a:spcAft>
-                <a:spcPts val="600"/>
-              </a:spcAft>
-              <a:buFont typeface="Arial" panose="020B0604020202020204" pitchFamily="34" charset="0"/>
-              <a:buChar char="•"/>
-            </a:pPr>
-            <a:endParaRPr lang="en-US" altLang="zh-TW" dirty="0">
-              <a:latin typeface="微軟正黑體" panose="020B0604030504040204" pitchFamily="34" charset="-120"/>
-              <a:ea typeface="微軟正黑體" panose="020B0604030504040204" pitchFamily="34" charset="-120"/>
-            </a:endParaRPr>
-          </a:p>
-          <a:p>
-            <a:pPr marL="742950" lvl="1" indent="-228600">
-              <a:spcAft>
-                <a:spcPts val="600"/>
-              </a:spcAft>
-              <a:buFont typeface="Arial" panose="020B0604020202020204" pitchFamily="34" charset="0"/>
-              <a:buChar char="•"/>
-            </a:pPr>
-            <a:r>
-              <a:rPr lang="zh-TW" altLang="en-US" dirty="0">
-                <a:latin typeface="微軟正黑體" panose="020B0604030504040204" pitchFamily="34" charset="-120"/>
-                <a:ea typeface="微軟正黑體" panose="020B0604030504040204" pitchFamily="34" charset="-120"/>
-              </a:rPr>
-              <a:t>及時發現問題，避免惡化</a:t>
-            </a:r>
-            <a:endParaRPr lang="en-US" altLang="zh-TW" dirty="0">
-              <a:latin typeface="微軟正黑體" panose="020B0604030504040204" pitchFamily="34" charset="-120"/>
-              <a:ea typeface="微軟正黑體" panose="020B0604030504040204" pitchFamily="34" charset="-120"/>
-            </a:endParaRPr>
-          </a:p>
-          <a:p>
-            <a:pPr marL="742950" lvl="1" indent="-228600">
-              <a:spcAft>
-                <a:spcPts val="600"/>
-              </a:spcAft>
-              <a:buFont typeface="Arial" panose="020B0604020202020204" pitchFamily="34" charset="0"/>
-              <a:buChar char="•"/>
-            </a:pPr>
-            <a:endParaRPr lang="en-US" altLang="zh-TW" dirty="0">
-              <a:latin typeface="微軟正黑體" panose="020B0604030504040204" pitchFamily="34" charset="-120"/>
-              <a:ea typeface="微軟正黑體" panose="020B0604030504040204" pitchFamily="34" charset="-120"/>
-            </a:endParaRPr>
-          </a:p>
-          <a:p>
-            <a:pPr marL="742950" lvl="1" indent="-228600">
-              <a:spcAft>
-                <a:spcPts val="600"/>
-              </a:spcAft>
-              <a:buFont typeface="Arial" panose="020B0604020202020204" pitchFamily="34" charset="0"/>
-              <a:buChar char="•"/>
-            </a:pPr>
-            <a:r>
-              <a:rPr lang="zh-TW" altLang="en-US">
-                <a:latin typeface="微軟正黑體" panose="020B0604030504040204" pitchFamily="34" charset="-120"/>
-                <a:ea typeface="微軟正黑體" panose="020B0604030504040204" pitchFamily="34" charset="-120"/>
-              </a:rPr>
-              <a:t>正確</a:t>
-            </a:r>
-            <a:r>
-              <a:rPr lang="zh-TW" altLang="en-US" dirty="0">
-                <a:latin typeface="微軟正黑體" panose="020B0604030504040204" pitchFamily="34" charset="-120"/>
-                <a:ea typeface="微軟正黑體" panose="020B0604030504040204" pitchFamily="34" charset="-120"/>
-              </a:rPr>
-              <a:t>、</a:t>
-            </a:r>
-            <a:r>
-              <a:rPr lang="zh-TW" altLang="en-US">
-                <a:latin typeface="微軟正黑體" panose="020B0604030504040204" pitchFamily="34" charset="-120"/>
-                <a:ea typeface="微軟正黑體" panose="020B0604030504040204" pitchFamily="34" charset="-120"/>
-              </a:rPr>
-              <a:t>及時的保健知識、建議</a:t>
-            </a:r>
-            <a:endParaRPr lang="zh-TW" altLang="en-US" dirty="0">
-              <a:latin typeface="微軟正黑體" panose="020B0604030504040204" pitchFamily="34" charset="-120"/>
-              <a:ea typeface="微軟正黑體" panose="020B0604030504040204" pitchFamily="34" charset="-120"/>
-            </a:endParaRPr>
-          </a:p>
-        </p:txBody>
-      </p:sp>
-    </p:spTree>
-    <p:extLst>
-      <p:ext uri="{BB962C8B-B14F-4D97-AF65-F5344CB8AC3E}">
-        <p14:creationId xmlns:p14="http://schemas.microsoft.com/office/powerpoint/2010/main" val="3016596021"/>
-      </p:ext>
-    </p:extLst>
-  </p:cSld>
-  <p:clrMapOvr>
-    <a:masterClrMapping/>
-  </p:clrMapOvr>
-</p:sld>
-</file>
-
-<file path=ppt/slides/slide8.xml><?xml version="1.0" encoding="utf-8"?>
-<p:sld xmlns:a="http://schemas.openxmlformats.org/drawingml/2006/main" xmlns:r="http://schemas.openxmlformats.org/officeDocument/2006/relationships" xmlns:p="http://schemas.openxmlformats.org/presentationml/2006/main">
-  <p:cSld>
-    <p:bg>
-      <p:bgPr>
-        <a:solidFill>
-          <a:schemeClr val="bg1"/>
-        </a:solidFill>
-        <a:effectLst/>
-      </p:bgPr>
-    </p:bg>
-    <p:spTree>
-      <p:nvGrpSpPr>
-        <p:cNvPr id="1" name=""/>
-        <p:cNvGrpSpPr/>
-        <p:nvPr/>
-      </p:nvGrpSpPr>
-      <p:grpSpPr>
-        <a:xfrm>
-          <a:off x="0" y="0"/>
-          <a:ext cx="0" cy="0"/>
-          <a:chOff x="0" y="0"/>
-          <a:chExt cx="0" cy="0"/>
-        </a:xfrm>
-      </p:grpSpPr>
-      <p:sp useBgFill="1">
-        <p:nvSpPr>
-          <p:cNvPr id="8" name="Rectangle 7">
-            <a:extLst>
-              <a:ext uri="{FF2B5EF4-FFF2-40B4-BE49-F238E27FC236}">
-                <a16:creationId xmlns:a16="http://schemas.microsoft.com/office/drawing/2014/main" id="{8B9AA7C6-5E5A-498E-A6DF-A943376E09BC}"/>
+          <p:cNvPr id="19" name="Rectangle 7">
+            <a:extLst>
+              <a:ext uri="{FF2B5EF4-FFF2-40B4-BE49-F238E27FC236}">
+                <a16:creationId xmlns:a16="http://schemas.microsoft.com/office/drawing/2014/main" id="{DBF61EA3-B236-439E-9C0B-340980D56BEE}"/>
               </a:ext>
               <a:ext uri="{C183D7F6-B498-43B3-948B-1728B52AA6E4}">
                 <adec:decorative xmlns:adec="http://schemas.microsoft.com/office/drawing/2017/decorative" val="1"/>
@@ -9645,12 +10253,50 @@
           </a:p>
         </p:txBody>
       </p:sp>
+      <p:sp>
+        <p:nvSpPr>
+          <p:cNvPr id="2" name="標題 1">
+            <a:extLst>
+              <a:ext uri="{FF2B5EF4-FFF2-40B4-BE49-F238E27FC236}">
+                <a16:creationId xmlns:a16="http://schemas.microsoft.com/office/drawing/2014/main" id="{A5370F9C-8FDD-CF13-C475-6079688F2BD7}"/>
+              </a:ext>
+            </a:extLst>
+          </p:cNvPr>
+          <p:cNvSpPr>
+            <a:spLocks noGrp="1"/>
+          </p:cNvSpPr>
+          <p:nvPr>
+            <p:ph type="title"/>
+          </p:nvPr>
+        </p:nvSpPr>
+        <p:spPr>
+          <a:xfrm>
+            <a:off x="808638" y="386930"/>
+            <a:ext cx="9236700" cy="1188950"/>
+          </a:xfrm>
+        </p:spPr>
+        <p:txBody>
+          <a:bodyPr anchor="b">
+            <a:normAutofit/>
+          </a:bodyPr>
+          <a:lstStyle/>
+          <a:p>
+            <a:r>
+              <a:rPr lang="zh-TW" altLang="en-US" sz="5400" b="1" dirty="0">
+                <a:latin typeface="微軟正黑體" panose="020B0604030504040204" pitchFamily="34" charset="-120"/>
+                <a:ea typeface="微軟正黑體" panose="020B0604030504040204" pitchFamily="34" charset="-120"/>
+              </a:rPr>
+              <a:t>產品構思</a:t>
+            </a:r>
+          </a:p>
+        </p:txBody>
+      </p:sp>
       <p:grpSp>
         <p:nvGrpSpPr>
-          <p:cNvPr id="10" name="Group 9">
-            <a:extLst>
-              <a:ext uri="{FF2B5EF4-FFF2-40B4-BE49-F238E27FC236}">
-                <a16:creationId xmlns:a16="http://schemas.microsoft.com/office/drawing/2014/main" id="{83EAB11A-76F7-48F4-9B4F-5BFDF4BF9670}"/>
+          <p:cNvPr id="20" name="Group 9">
+            <a:extLst>
+              <a:ext uri="{FF2B5EF4-FFF2-40B4-BE49-F238E27FC236}">
+                <a16:creationId xmlns:a16="http://schemas.microsoft.com/office/drawing/2014/main" id="{28FAF094-D087-493F-8DF9-A486C2D6BBAA}"/>
               </a:ext>
               <a:ext uri="{C183D7F6-B498-43B3-948B-1728B52AA6E4}">
                 <adec:decorative xmlns:adec="http://schemas.microsoft.com/office/drawing/2017/decorative" val="1"/>
@@ -9670,18 +10316,18 @@
         </p:nvGrpSpPr>
         <p:grpSpPr>
           <a:xfrm>
-            <a:off x="74300" y="2385102"/>
-            <a:ext cx="574091" cy="2087796"/>
-            <a:chOff x="209668" y="2857422"/>
-            <a:chExt cx="463662" cy="2087796"/>
+            <a:off x="-2" y="1998368"/>
+            <a:ext cx="11695083" cy="782176"/>
+            <a:chOff x="-2" y="1998368"/>
+            <a:chExt cx="11695083" cy="782176"/>
           </a:xfrm>
         </p:grpSpPr>
         <p:sp>
           <p:nvSpPr>
-            <p:cNvPr id="11" name="Rectangle 10">
+            <p:cNvPr id="21" name="Rectangle 10">
               <a:extLst>
                 <a:ext uri="{FF2B5EF4-FFF2-40B4-BE49-F238E27FC236}">
-                  <a16:creationId xmlns:a16="http://schemas.microsoft.com/office/drawing/2014/main" id="{74D4C416-D5F4-4F6F-A6F1-87A21CD4FCAF}"/>
+                  <a16:creationId xmlns:a16="http://schemas.microsoft.com/office/drawing/2014/main" id="{8D7C88D8-5509-4514-925A-9CE148E5CBD6}"/>
                 </a:ext>
                 <a:ext uri="{C183D7F6-B498-43B3-948B-1728B52AA6E4}">
                   <adec:decorative xmlns:adec="http://schemas.microsoft.com/office/drawing/2017/decorative" val="1"/>
@@ -9698,9 +10344,9 @@
             </p:nvPr>
           </p:nvSpPr>
           <p:spPr>
-            <a:xfrm flipH="1" flipV="1">
-              <a:off x="423947" y="2857422"/>
-              <a:ext cx="249383" cy="2087795"/>
+            <a:xfrm rot="5400000">
+              <a:off x="11228040" y="2313027"/>
+              <a:ext cx="781700" cy="152382"/>
             </a:xfrm>
             <a:prstGeom prst="rect">
               <a:avLst/>
@@ -9737,21 +10383,19 @@
             </a:p>
           </p:txBody>
         </p:sp>
-        <p:cxnSp>
-          <p:nvCxnSpPr>
-            <p:cNvPr id="12" name="Straight Connector 11">
+        <p:sp>
+          <p:nvSpPr>
+            <p:cNvPr id="22" name="Rectangle 11">
               <a:extLst>
                 <a:ext uri="{FF2B5EF4-FFF2-40B4-BE49-F238E27FC236}">
-                  <a16:creationId xmlns:a16="http://schemas.microsoft.com/office/drawing/2014/main" id="{C6AC1C30-21C6-4BF6-93EE-B211D7A85011}"/>
+                  <a16:creationId xmlns:a16="http://schemas.microsoft.com/office/drawing/2014/main" id="{7275593D-F75E-4426-AE3E-2CDEFD228D25}"/>
                 </a:ext>
                 <a:ext uri="{C183D7F6-B498-43B3-948B-1728B52AA6E4}">
                   <adec:decorative xmlns:adec="http://schemas.microsoft.com/office/drawing/2017/decorative" val="1"/>
                 </a:ext>
               </a:extLst>
             </p:cNvPr>
-            <p:cNvCxnSpPr>
-              <a:cxnSpLocks/>
-            </p:cNvCxnSpPr>
+            <p:cNvSpPr/>
             <p:nvPr>
               <p:extLst>
                 <p:ext uri="{386F3935-93C4-4BCD-93E2-E3B085C9AB24}">
@@ -9759,43 +10403,54 @@
                 </p:ext>
               </p:extLst>
             </p:nvPr>
-          </p:nvCxnSpPr>
+          </p:nvSpPr>
           <p:spPr>
-            <a:xfrm flipH="1">
-              <a:off x="209668" y="2857423"/>
-              <a:ext cx="1" cy="2087795"/>
+            <a:xfrm flipH="1" flipV="1">
+              <a:off x="-2" y="1998845"/>
+              <a:ext cx="11454595" cy="781699"/>
             </a:xfrm>
-            <a:prstGeom prst="line">
+            <a:prstGeom prst="rect">
               <a:avLst/>
             </a:prstGeom>
-            <a:ln w="177800">
-              <a:solidFill>
-                <a:schemeClr val="accent4"/>
-              </a:solidFill>
+            <a:solidFill>
+              <a:schemeClr val="accent4"/>
+            </a:solidFill>
+            <a:ln>
+              <a:noFill/>
             </a:ln>
           </p:spPr>
           <p:style>
-            <a:lnRef idx="1">
-              <a:schemeClr val="accent1"/>
+            <a:lnRef idx="2">
+              <a:schemeClr val="accent1">
+                <a:shade val="50000"/>
+              </a:schemeClr>
             </a:lnRef>
-            <a:fillRef idx="0">
+            <a:fillRef idx="1">
               <a:schemeClr val="accent1"/>
             </a:fillRef>
             <a:effectRef idx="0">
               <a:schemeClr val="accent1"/>
             </a:effectRef>
             <a:fontRef idx="minor">
-              <a:schemeClr val="tx1"/>
+              <a:schemeClr val="lt1"/>
             </a:fontRef>
           </p:style>
-        </p:cxnSp>
+          <p:txBody>
+            <a:bodyPr rtlCol="0" anchor="ctr"/>
+            <a:lstStyle/>
+            <a:p>
+              <a:pPr algn="ctr"/>
+              <a:endParaRPr lang="en-US"/>
+            </a:p>
+          </p:txBody>
+        </p:sp>
       </p:grpSp>
       <p:sp>
         <p:nvSpPr>
           <p:cNvPr id="14" name="Rectangle 13">
             <a:extLst>
               <a:ext uri="{FF2B5EF4-FFF2-40B4-BE49-F238E27FC236}">
-                <a16:creationId xmlns:a16="http://schemas.microsoft.com/office/drawing/2014/main" id="{81E140AE-0ABF-47C8-BF32-7D2F0CF2BA44}"/>
+                <a16:creationId xmlns:a16="http://schemas.microsoft.com/office/drawing/2014/main" id="{E659831F-0D9A-4C63-9EBB-8435B85A440F}"/>
               </a:ext>
               <a:ext uri="{C183D7F6-B498-43B3-948B-1728B52AA6E4}">
                 <adec:decorative xmlns:adec="http://schemas.microsoft.com/office/drawing/2017/decorative" val="1"/>
@@ -9814,72 +10469,9 @@
           </p:nvPr>
         </p:nvSpPr>
         <p:spPr>
-          <a:xfrm flipH="1">
-            <a:off x="10697670" y="0"/>
-            <a:ext cx="1494330" cy="6858000"/>
-          </a:xfrm>
-          <a:prstGeom prst="rect">
-            <a:avLst/>
-          </a:prstGeom>
-          <a:solidFill>
-            <a:schemeClr val="accent4"/>
-          </a:solidFill>
-          <a:ln>
-            <a:noFill/>
-          </a:ln>
-        </p:spPr>
-        <p:style>
-          <a:lnRef idx="2">
-            <a:schemeClr val="accent1">
-              <a:shade val="50000"/>
-            </a:schemeClr>
-          </a:lnRef>
-          <a:fillRef idx="1">
-            <a:schemeClr val="accent1"/>
-          </a:fillRef>
-          <a:effectRef idx="0">
-            <a:schemeClr val="accent1"/>
-          </a:effectRef>
-          <a:fontRef idx="minor">
-            <a:schemeClr val="lt1"/>
-          </a:fontRef>
-        </p:style>
-        <p:txBody>
-          <a:bodyPr rtlCol="0" anchor="ctr"/>
-          <a:lstStyle/>
-          <a:p>
-            <a:pPr algn="ctr"/>
-            <a:endParaRPr lang="en-US"/>
-          </a:p>
-        </p:txBody>
-      </p:sp>
-      <p:sp>
-        <p:nvSpPr>
-          <p:cNvPr id="16" name="Rectangle 15">
-            <a:extLst>
-              <a:ext uri="{FF2B5EF4-FFF2-40B4-BE49-F238E27FC236}">
-                <a16:creationId xmlns:a16="http://schemas.microsoft.com/office/drawing/2014/main" id="{CBC4F608-B4B8-48C3-9572-C0F061B1CD99}"/>
-              </a:ext>
-              <a:ext uri="{C183D7F6-B498-43B3-948B-1728B52AA6E4}">
-                <adec:decorative xmlns:adec="http://schemas.microsoft.com/office/drawing/2017/decorative" val="1"/>
-              </a:ext>
-            </a:extLst>
-          </p:cNvPr>
-          <p:cNvSpPr>
-            <a:spLocks noGrp="1" noRot="1" noChangeAspect="1" noMove="1" noResize="1" noEditPoints="1" noAdjustHandles="1" noChangeArrowheads="1" noChangeShapeType="1" noTextEdit="1"/>
-          </p:cNvSpPr>
-          <p:nvPr>
-            <p:extLst>
-              <p:ext uri="{386F3935-93C4-4BCD-93E2-E3B085C9AB24}">
-                <p16:designElem xmlns:p16="http://schemas.microsoft.com/office/powerpoint/2015/main" val="1"/>
-              </p:ext>
-            </p:extLst>
-          </p:nvPr>
-        </p:nvSpPr>
-        <p:spPr>
           <a:xfrm>
-            <a:off x="579528" y="631767"/>
-            <a:ext cx="11111729" cy="5752404"/>
+            <a:off x="0" y="2203079"/>
+            <a:ext cx="11383362" cy="4147845"/>
           </a:xfrm>
           <a:prstGeom prst="rect">
             <a:avLst/>
@@ -9925,10 +10517,10 @@
       </p:sp>
       <p:sp>
         <p:nvSpPr>
-          <p:cNvPr id="2" name="標題 1">
-            <a:extLst>
-              <a:ext uri="{FF2B5EF4-FFF2-40B4-BE49-F238E27FC236}">
-                <a16:creationId xmlns:a16="http://schemas.microsoft.com/office/drawing/2014/main" id="{E67A9B9C-0E13-2912-FE56-0698E122B7D9}"/>
+          <p:cNvPr id="3" name="內容版面配置區 2">
+            <a:extLst>
+              <a:ext uri="{FF2B5EF4-FFF2-40B4-BE49-F238E27FC236}">
+                <a16:creationId xmlns:a16="http://schemas.microsoft.com/office/drawing/2014/main" id="{105D2EBD-2AA9-D0CC-8C5B-E95BAFCFFDD9}"/>
               </a:ext>
             </a:extLst>
           </p:cNvPr>
@@ -9936,13 +10528,13 @@
             <a:spLocks noGrp="1"/>
           </p:cNvSpPr>
           <p:nvPr>
-            <p:ph type="title"/>
+            <p:ph idx="1"/>
           </p:nvPr>
         </p:nvSpPr>
         <p:spPr>
           <a:xfrm>
-            <a:off x="1153618" y="1239927"/>
-            <a:ext cx="4008586" cy="4680583"/>
+            <a:off x="793660" y="2599509"/>
+            <a:ext cx="10143668" cy="3435531"/>
           </a:xfrm>
         </p:spPr>
         <p:txBody>
@@ -9951,36 +10543,457 @@
           </a:bodyPr>
           <a:lstStyle/>
           <a:p>
-            <a:r>
-              <a:rPr lang="zh-TW" altLang="en-US" sz="5200" b="1" dirty="0">
+            <a:pPr lvl="1"/>
+            <a:r>
+              <a:rPr lang="zh-TW" altLang="en-US" dirty="0">
                 <a:latin typeface="微軟正黑體" panose="020B0604030504040204" pitchFamily="34" charset="-120"/>
                 <a:ea typeface="微軟正黑體" panose="020B0604030504040204" pitchFamily="34" charset="-120"/>
               </a:rPr>
-              <a:t>產品概述</a:t>
-            </a:r>
-          </a:p>
-        </p:txBody>
-      </p:sp>
-      <p:sp>
-        <p:nvSpPr>
-          <p:cNvPr id="3" name="內容版面配置區 2">
-            <a:extLst>
-              <a:ext uri="{FF2B5EF4-FFF2-40B4-BE49-F238E27FC236}">
-                <a16:creationId xmlns:a16="http://schemas.microsoft.com/office/drawing/2014/main" id="{115867E0-5F26-C3F4-42A9-F9EFA5F1E4E5}"/>
-              </a:ext>
-            </a:extLst>
-          </p:cNvPr>
-          <p:cNvSpPr>
-            <a:spLocks noGrp="1"/>
-          </p:cNvSpPr>
-          <p:nvPr>
-            <p:ph idx="1"/>
+              <a:t>當這個產品的構思，是否符合使用者的需求</a:t>
+            </a:r>
+            <a:r>
+              <a:rPr lang="en-US" altLang="zh-TW" dirty="0">
+                <a:latin typeface="微軟正黑體" panose="020B0604030504040204" pitchFamily="34" charset="-120"/>
+                <a:ea typeface="微軟正黑體" panose="020B0604030504040204" pitchFamily="34" charset="-120"/>
+              </a:rPr>
+              <a:t>?</a:t>
+            </a:r>
+            <a:r>
+              <a:rPr lang="zh-TW" altLang="en-US" dirty="0">
+                <a:latin typeface="微軟正黑體" panose="020B0604030504040204" pitchFamily="34" charset="-120"/>
+                <a:ea typeface="微軟正黑體" panose="020B0604030504040204" pitchFamily="34" charset="-120"/>
+              </a:rPr>
+              <a:t> </a:t>
+            </a:r>
+            <a:endParaRPr lang="en-US" altLang="zh-TW" dirty="0">
+              <a:latin typeface="微軟正黑體" panose="020B0604030504040204" pitchFamily="34" charset="-120"/>
+              <a:ea typeface="微軟正黑體" panose="020B0604030504040204" pitchFamily="34" charset="-120"/>
+            </a:endParaRPr>
+          </a:p>
+          <a:p>
+            <a:pPr lvl="2"/>
+            <a:r>
+              <a:rPr lang="zh-TW" altLang="en-US" dirty="0">
+                <a:latin typeface="微軟正黑體" panose="020B0604030504040204" pitchFamily="34" charset="-120"/>
+                <a:ea typeface="微軟正黑體" panose="020B0604030504040204" pitchFamily="34" charset="-120"/>
+              </a:rPr>
+              <a:t>對於關節、體態問題之重視程度</a:t>
+            </a:r>
+            <a:endParaRPr lang="en-US" altLang="zh-TW" dirty="0">
+              <a:latin typeface="微軟正黑體" panose="020B0604030504040204" pitchFamily="34" charset="-120"/>
+              <a:ea typeface="微軟正黑體" panose="020B0604030504040204" pitchFamily="34" charset="-120"/>
+            </a:endParaRPr>
+          </a:p>
+          <a:p>
+            <a:pPr lvl="2"/>
+            <a:r>
+              <a:rPr lang="zh-TW" altLang="en-US" dirty="0">
+                <a:latin typeface="微軟正黑體" panose="020B0604030504040204" pitchFamily="34" charset="-120"/>
+                <a:ea typeface="微軟正黑體" panose="020B0604030504040204" pitchFamily="34" charset="-120"/>
+              </a:rPr>
+              <a:t>大眾關節方面的情況</a:t>
+            </a:r>
+            <a:endParaRPr lang="en-US" altLang="zh-TW" dirty="0">
+              <a:latin typeface="微軟正黑體" panose="020B0604030504040204" pitchFamily="34" charset="-120"/>
+              <a:ea typeface="微軟正黑體" panose="020B0604030504040204" pitchFamily="34" charset="-120"/>
+            </a:endParaRPr>
+          </a:p>
+          <a:p>
+            <a:pPr lvl="2"/>
+            <a:r>
+              <a:rPr lang="zh-TW" altLang="en-US" dirty="0">
+                <a:latin typeface="微軟正黑體" panose="020B0604030504040204" pitchFamily="34" charset="-120"/>
+                <a:ea typeface="微軟正黑體" panose="020B0604030504040204" pitchFamily="34" charset="-120"/>
+              </a:rPr>
+              <a:t>大眾對於保健知識的認知程度</a:t>
+            </a:r>
+            <a:endParaRPr lang="en-US" altLang="zh-TW" dirty="0">
+              <a:latin typeface="微軟正黑體" panose="020B0604030504040204" pitchFamily="34" charset="-120"/>
+              <a:ea typeface="微軟正黑體" panose="020B0604030504040204" pitchFamily="34" charset="-120"/>
+            </a:endParaRPr>
+          </a:p>
+        </p:txBody>
+      </p:sp>
+    </p:spTree>
+    <p:extLst>
+      <p:ext uri="{BB962C8B-B14F-4D97-AF65-F5344CB8AC3E}">
+        <p14:creationId xmlns:p14="http://schemas.microsoft.com/office/powerpoint/2010/main" val="3777488471"/>
+      </p:ext>
+    </p:extLst>
+  </p:cSld>
+  <p:clrMapOvr>
+    <a:masterClrMapping/>
+  </p:clrMapOvr>
+</p:sld>
+</file>
+
+<file path=ppt/slides/slide6.xml><?xml version="1.0" encoding="utf-8"?>
+<p:sld xmlns:a="http://schemas.openxmlformats.org/drawingml/2006/main" xmlns:r="http://schemas.openxmlformats.org/officeDocument/2006/relationships" xmlns:p="http://schemas.openxmlformats.org/presentationml/2006/main">
+  <p:cSld>
+    <p:bg>
+      <p:bgPr>
+        <a:solidFill>
+          <a:schemeClr val="bg1"/>
+        </a:solidFill>
+        <a:effectLst/>
+      </p:bgPr>
+    </p:bg>
+    <p:spTree>
+      <p:nvGrpSpPr>
+        <p:cNvPr id="1" name=""/>
+        <p:cNvGrpSpPr/>
+        <p:nvPr/>
+      </p:nvGrpSpPr>
+      <p:grpSpPr>
+        <a:xfrm>
+          <a:off x="0" y="0"/>
+          <a:ext cx="0" cy="0"/>
+          <a:chOff x="0" y="0"/>
+          <a:chExt cx="0" cy="0"/>
+        </a:xfrm>
+      </p:grpSpPr>
+      <p:sp useBgFill="1">
+        <p:nvSpPr>
+          <p:cNvPr id="19" name="Rectangle 7">
+            <a:extLst>
+              <a:ext uri="{FF2B5EF4-FFF2-40B4-BE49-F238E27FC236}">
+                <a16:creationId xmlns:a16="http://schemas.microsoft.com/office/drawing/2014/main" id="{DBF61EA3-B236-439E-9C0B-340980D56BEE}"/>
+              </a:ext>
+              <a:ext uri="{C183D7F6-B498-43B3-948B-1728B52AA6E4}">
+                <adec:decorative xmlns:adec="http://schemas.microsoft.com/office/drawing/2017/decorative" val="1"/>
+              </a:ext>
+            </a:extLst>
+          </p:cNvPr>
+          <p:cNvSpPr>
+            <a:spLocks noGrp="1" noRot="1" noChangeAspect="1" noMove="1" noResize="1" noEditPoints="1" noAdjustHandles="1" noChangeArrowheads="1" noChangeShapeType="1" noTextEdit="1"/>
+          </p:cNvSpPr>
+          <p:nvPr>
+            <p:extLst>
+              <p:ext uri="{386F3935-93C4-4BCD-93E2-E3B085C9AB24}">
+                <p16:designElem xmlns:p16="http://schemas.microsoft.com/office/powerpoint/2015/main" val="1"/>
+              </p:ext>
+            </p:extLst>
           </p:nvPr>
         </p:nvSpPr>
         <p:spPr>
           <a:xfrm>
-            <a:off x="6291923" y="1239927"/>
-            <a:ext cx="4971824" cy="4680583"/>
+            <a:off x="0" y="0"/>
+            <a:ext cx="12191999" cy="6857365"/>
+          </a:xfrm>
+          <a:prstGeom prst="rect">
+            <a:avLst/>
+          </a:prstGeom>
+          <a:ln>
+            <a:noFill/>
+          </a:ln>
+        </p:spPr>
+        <p:style>
+          <a:lnRef idx="2">
+            <a:schemeClr val="accent1">
+              <a:shade val="50000"/>
+            </a:schemeClr>
+          </a:lnRef>
+          <a:fillRef idx="1">
+            <a:schemeClr val="accent1"/>
+          </a:fillRef>
+          <a:effectRef idx="0">
+            <a:schemeClr val="accent1"/>
+          </a:effectRef>
+          <a:fontRef idx="minor">
+            <a:schemeClr val="lt1"/>
+          </a:fontRef>
+        </p:style>
+        <p:txBody>
+          <a:bodyPr rtlCol="0" anchor="ctr"/>
+          <a:lstStyle/>
+          <a:p>
+            <a:pPr algn="ctr"/>
+            <a:endParaRPr lang="en-US"/>
+          </a:p>
+        </p:txBody>
+      </p:sp>
+      <p:sp>
+        <p:nvSpPr>
+          <p:cNvPr id="2" name="標題 1">
+            <a:extLst>
+              <a:ext uri="{FF2B5EF4-FFF2-40B4-BE49-F238E27FC236}">
+                <a16:creationId xmlns:a16="http://schemas.microsoft.com/office/drawing/2014/main" id="{A5370F9C-8FDD-CF13-C475-6079688F2BD7}"/>
+              </a:ext>
+            </a:extLst>
+          </p:cNvPr>
+          <p:cNvSpPr>
+            <a:spLocks noGrp="1"/>
+          </p:cNvSpPr>
+          <p:nvPr>
+            <p:ph type="title"/>
+          </p:nvPr>
+        </p:nvSpPr>
+        <p:spPr>
+          <a:xfrm>
+            <a:off x="808638" y="386930"/>
+            <a:ext cx="9236700" cy="1188950"/>
+          </a:xfrm>
+        </p:spPr>
+        <p:txBody>
+          <a:bodyPr anchor="b">
+            <a:normAutofit/>
+          </a:bodyPr>
+          <a:lstStyle/>
+          <a:p>
+            <a:r>
+              <a:rPr lang="zh-TW" altLang="en-US" sz="5400" b="1" dirty="0">
+                <a:latin typeface="微軟正黑體" panose="020B0604030504040204" pitchFamily="34" charset="-120"/>
+                <a:ea typeface="微軟正黑體" panose="020B0604030504040204" pitchFamily="34" charset="-120"/>
+              </a:rPr>
+              <a:t>產品構思</a:t>
+            </a:r>
+          </a:p>
+        </p:txBody>
+      </p:sp>
+      <p:grpSp>
+        <p:nvGrpSpPr>
+          <p:cNvPr id="20" name="Group 9">
+            <a:extLst>
+              <a:ext uri="{FF2B5EF4-FFF2-40B4-BE49-F238E27FC236}">
+                <a16:creationId xmlns:a16="http://schemas.microsoft.com/office/drawing/2014/main" id="{28FAF094-D087-493F-8DF9-A486C2D6BBAA}"/>
+              </a:ext>
+              <a:ext uri="{C183D7F6-B498-43B3-948B-1728B52AA6E4}">
+                <adec:decorative xmlns:adec="http://schemas.microsoft.com/office/drawing/2017/decorative" val="1"/>
+              </a:ext>
+            </a:extLst>
+          </p:cNvPr>
+          <p:cNvGrpSpPr>
+            <a:grpSpLocks noGrp="1" noUngrp="1" noRot="1" noChangeAspect="1" noMove="1" noResize="1"/>
+          </p:cNvGrpSpPr>
+          <p:nvPr>
+            <p:extLst>
+              <p:ext uri="{386F3935-93C4-4BCD-93E2-E3B085C9AB24}">
+                <p16:designElem xmlns:p16="http://schemas.microsoft.com/office/powerpoint/2015/main" val="1"/>
+              </p:ext>
+            </p:extLst>
+          </p:nvPr>
+        </p:nvGrpSpPr>
+        <p:grpSpPr>
+          <a:xfrm>
+            <a:off x="-2" y="1998368"/>
+            <a:ext cx="11695083" cy="782176"/>
+            <a:chOff x="-2" y="1998368"/>
+            <a:chExt cx="11695083" cy="782176"/>
+          </a:xfrm>
+        </p:grpSpPr>
+        <p:sp>
+          <p:nvSpPr>
+            <p:cNvPr id="21" name="Rectangle 10">
+              <a:extLst>
+                <a:ext uri="{FF2B5EF4-FFF2-40B4-BE49-F238E27FC236}">
+                  <a16:creationId xmlns:a16="http://schemas.microsoft.com/office/drawing/2014/main" id="{8D7C88D8-5509-4514-925A-9CE148E5CBD6}"/>
+                </a:ext>
+                <a:ext uri="{C183D7F6-B498-43B3-948B-1728B52AA6E4}">
+                  <adec:decorative xmlns:adec="http://schemas.microsoft.com/office/drawing/2017/decorative" val="1"/>
+                </a:ext>
+              </a:extLst>
+            </p:cNvPr>
+            <p:cNvSpPr/>
+            <p:nvPr>
+              <p:extLst>
+                <p:ext uri="{386F3935-93C4-4BCD-93E2-E3B085C9AB24}">
+                  <p16:designElem xmlns:p16="http://schemas.microsoft.com/office/powerpoint/2015/main" val="1"/>
+                </p:ext>
+              </p:extLst>
+            </p:nvPr>
+          </p:nvSpPr>
+          <p:spPr>
+            <a:xfrm rot="5400000">
+              <a:off x="11228040" y="2313027"/>
+              <a:ext cx="781700" cy="152382"/>
+            </a:xfrm>
+            <a:prstGeom prst="rect">
+              <a:avLst/>
+            </a:prstGeom>
+            <a:solidFill>
+              <a:schemeClr val="accent4"/>
+            </a:solidFill>
+            <a:ln>
+              <a:noFill/>
+            </a:ln>
+          </p:spPr>
+          <p:style>
+            <a:lnRef idx="2">
+              <a:schemeClr val="accent1">
+                <a:shade val="50000"/>
+              </a:schemeClr>
+            </a:lnRef>
+            <a:fillRef idx="1">
+              <a:schemeClr val="accent1"/>
+            </a:fillRef>
+            <a:effectRef idx="0">
+              <a:schemeClr val="accent1"/>
+            </a:effectRef>
+            <a:fontRef idx="minor">
+              <a:schemeClr val="lt1"/>
+            </a:fontRef>
+          </p:style>
+          <p:txBody>
+            <a:bodyPr rtlCol="0" anchor="ctr"/>
+            <a:lstStyle/>
+            <a:p>
+              <a:pPr algn="ctr"/>
+              <a:endParaRPr lang="en-US"/>
+            </a:p>
+          </p:txBody>
+        </p:sp>
+        <p:sp>
+          <p:nvSpPr>
+            <p:cNvPr id="22" name="Rectangle 11">
+              <a:extLst>
+                <a:ext uri="{FF2B5EF4-FFF2-40B4-BE49-F238E27FC236}">
+                  <a16:creationId xmlns:a16="http://schemas.microsoft.com/office/drawing/2014/main" id="{7275593D-F75E-4426-AE3E-2CDEFD228D25}"/>
+                </a:ext>
+                <a:ext uri="{C183D7F6-B498-43B3-948B-1728B52AA6E4}">
+                  <adec:decorative xmlns:adec="http://schemas.microsoft.com/office/drawing/2017/decorative" val="1"/>
+                </a:ext>
+              </a:extLst>
+            </p:cNvPr>
+            <p:cNvSpPr/>
+            <p:nvPr>
+              <p:extLst>
+                <p:ext uri="{386F3935-93C4-4BCD-93E2-E3B085C9AB24}">
+                  <p16:designElem xmlns:p16="http://schemas.microsoft.com/office/powerpoint/2015/main" val="1"/>
+                </p:ext>
+              </p:extLst>
+            </p:nvPr>
+          </p:nvSpPr>
+          <p:spPr>
+            <a:xfrm flipH="1" flipV="1">
+              <a:off x="-2" y="1998845"/>
+              <a:ext cx="11454595" cy="781699"/>
+            </a:xfrm>
+            <a:prstGeom prst="rect">
+              <a:avLst/>
+            </a:prstGeom>
+            <a:solidFill>
+              <a:schemeClr val="accent4"/>
+            </a:solidFill>
+            <a:ln>
+              <a:noFill/>
+            </a:ln>
+          </p:spPr>
+          <p:style>
+            <a:lnRef idx="2">
+              <a:schemeClr val="accent1">
+                <a:shade val="50000"/>
+              </a:schemeClr>
+            </a:lnRef>
+            <a:fillRef idx="1">
+              <a:schemeClr val="accent1"/>
+            </a:fillRef>
+            <a:effectRef idx="0">
+              <a:schemeClr val="accent1"/>
+            </a:effectRef>
+            <a:fontRef idx="minor">
+              <a:schemeClr val="lt1"/>
+            </a:fontRef>
+          </p:style>
+          <p:txBody>
+            <a:bodyPr rtlCol="0" anchor="ctr"/>
+            <a:lstStyle/>
+            <a:p>
+              <a:pPr algn="ctr"/>
+              <a:endParaRPr lang="en-US"/>
+            </a:p>
+          </p:txBody>
+        </p:sp>
+      </p:grpSp>
+      <p:sp>
+        <p:nvSpPr>
+          <p:cNvPr id="14" name="Rectangle 13">
+            <a:extLst>
+              <a:ext uri="{FF2B5EF4-FFF2-40B4-BE49-F238E27FC236}">
+                <a16:creationId xmlns:a16="http://schemas.microsoft.com/office/drawing/2014/main" id="{E659831F-0D9A-4C63-9EBB-8435B85A440F}"/>
+              </a:ext>
+              <a:ext uri="{C183D7F6-B498-43B3-948B-1728B52AA6E4}">
+                <adec:decorative xmlns:adec="http://schemas.microsoft.com/office/drawing/2017/decorative" val="1"/>
+              </a:ext>
+            </a:extLst>
+          </p:cNvPr>
+          <p:cNvSpPr>
+            <a:spLocks noGrp="1" noRot="1" noChangeAspect="1" noMove="1" noResize="1" noEditPoints="1" noAdjustHandles="1" noChangeArrowheads="1" noChangeShapeType="1" noTextEdit="1"/>
+          </p:cNvSpPr>
+          <p:nvPr>
+            <p:extLst>
+              <p:ext uri="{386F3935-93C4-4BCD-93E2-E3B085C9AB24}">
+                <p16:designElem xmlns:p16="http://schemas.microsoft.com/office/powerpoint/2015/main" val="1"/>
+              </p:ext>
+            </p:extLst>
+          </p:nvPr>
+        </p:nvSpPr>
+        <p:spPr>
+          <a:xfrm>
+            <a:off x="0" y="2203079"/>
+            <a:ext cx="11383362" cy="4147845"/>
+          </a:xfrm>
+          <a:prstGeom prst="rect">
+            <a:avLst/>
+          </a:prstGeom>
+          <a:solidFill>
+            <a:schemeClr val="bg1"/>
+          </a:solidFill>
+          <a:ln>
+            <a:noFill/>
+          </a:ln>
+          <a:effectLst>
+            <a:outerShdw blurRad="139700" dist="127000" dir="5400000" algn="t" rotWithShape="0">
+              <a:prstClr val="black">
+                <a:alpha val="15000"/>
+              </a:prstClr>
+            </a:outerShdw>
+          </a:effectLst>
+        </p:spPr>
+        <p:style>
+          <a:lnRef idx="2">
+            <a:schemeClr val="accent1">
+              <a:shade val="50000"/>
+            </a:schemeClr>
+          </a:lnRef>
+          <a:fillRef idx="1">
+            <a:schemeClr val="accent1"/>
+          </a:fillRef>
+          <a:effectRef idx="0">
+            <a:schemeClr val="accent1"/>
+          </a:effectRef>
+          <a:fontRef idx="minor">
+            <a:schemeClr val="lt1"/>
+          </a:fontRef>
+        </p:style>
+        <p:txBody>
+          <a:bodyPr rtlCol="0" anchor="ctr"/>
+          <a:lstStyle/>
+          <a:p>
+            <a:pPr algn="ctr"/>
+            <a:endParaRPr lang="en-US"/>
+          </a:p>
+        </p:txBody>
+      </p:sp>
+      <p:sp>
+        <p:nvSpPr>
+          <p:cNvPr id="3" name="內容版面配置區 2">
+            <a:extLst>
+              <a:ext uri="{FF2B5EF4-FFF2-40B4-BE49-F238E27FC236}">
+                <a16:creationId xmlns:a16="http://schemas.microsoft.com/office/drawing/2014/main" id="{105D2EBD-2AA9-D0CC-8C5B-E95BAFCFFDD9}"/>
+              </a:ext>
+            </a:extLst>
+          </p:cNvPr>
+          <p:cNvSpPr>
+            <a:spLocks noGrp="1"/>
+          </p:cNvSpPr>
+          <p:nvPr>
+            <p:ph idx="1"/>
+          </p:nvPr>
+        </p:nvSpPr>
+        <p:spPr>
+          <a:xfrm>
+            <a:off x="793660" y="1023257"/>
+            <a:ext cx="10143668" cy="5011784"/>
           </a:xfrm>
         </p:spPr>
         <p:txBody>
@@ -9989,100 +11002,220 @@
           </a:bodyPr>
           <a:lstStyle/>
           <a:p>
-            <a:r>
-              <a:rPr lang="zh-TW" altLang="en-US" sz="2000" dirty="0">
+            <a:pPr lvl="1"/>
+            <a:r>
+              <a:rPr lang="zh-TW" altLang="en-US" dirty="0">
                 <a:latin typeface="微軟正黑體" panose="020B0604030504040204" pitchFamily="34" charset="-120"/>
                 <a:ea typeface="微軟正黑體" panose="020B0604030504040204" pitchFamily="34" charset="-120"/>
               </a:rPr>
-              <a:t>物理資聊</a:t>
-            </a:r>
-            <a:r>
-              <a:rPr lang="en-US" altLang="zh-TW" sz="2000" dirty="0">
+              <a:t>問卷結果</a:t>
+            </a:r>
+            <a:endParaRPr lang="en-US" altLang="zh-TW" dirty="0">
+              <a:latin typeface="微軟正黑體" panose="020B0604030504040204" pitchFamily="34" charset="-120"/>
+              <a:ea typeface="微軟正黑體" panose="020B0604030504040204" pitchFamily="34" charset="-120"/>
+            </a:endParaRPr>
+          </a:p>
+          <a:p>
+            <a:pPr lvl="2"/>
+            <a:r>
+              <a:rPr lang="zh-TW" altLang="en-US" dirty="0">
                 <a:latin typeface="微軟正黑體" panose="020B0604030504040204" pitchFamily="34" charset="-120"/>
                 <a:ea typeface="微軟正黑體" panose="020B0604030504040204" pitchFamily="34" charset="-120"/>
               </a:rPr>
-              <a:t>:</a:t>
-            </a:r>
-          </a:p>
-          <a:p>
-            <a:pPr lvl="1"/>
-            <a:endParaRPr lang="en-US" altLang="zh-TW" sz="2000" dirty="0">
+              <a:t>收集到</a:t>
+            </a:r>
+            <a:r>
+              <a:rPr lang="en-US" altLang="zh-TW" dirty="0">
+                <a:latin typeface="微軟正黑體" panose="020B0604030504040204" pitchFamily="34" charset="-120"/>
+                <a:ea typeface="微軟正黑體" panose="020B0604030504040204" pitchFamily="34" charset="-120"/>
+              </a:rPr>
+              <a:t>70</a:t>
+            </a:r>
+            <a:r>
+              <a:rPr lang="zh-TW" altLang="en-US" dirty="0">
+                <a:latin typeface="微軟正黑體" panose="020B0604030504040204" pitchFamily="34" charset="-120"/>
+                <a:ea typeface="微軟正黑體" panose="020B0604030504040204" pitchFamily="34" charset="-120"/>
+              </a:rPr>
+              <a:t>份有效問卷</a:t>
+            </a:r>
+            <a:endParaRPr lang="en-US" altLang="zh-TW" dirty="0">
               <a:latin typeface="微軟正黑體" panose="020B0604030504040204" pitchFamily="34" charset="-120"/>
               <a:ea typeface="微軟正黑體" panose="020B0604030504040204" pitchFamily="34" charset="-120"/>
             </a:endParaRPr>
           </a:p>
           <a:p>
-            <a:pPr lvl="1"/>
-            <a:r>
-              <a:rPr lang="zh-TW" altLang="en-US" sz="2000" dirty="0">
-                <a:latin typeface="微軟正黑體" panose="020B0604030504040204" pitchFamily="34" charset="-120"/>
-                <a:ea typeface="微軟正黑體" panose="020B0604030504040204" pitchFamily="34" charset="-120"/>
-              </a:rPr>
-              <a:t>關節檢測</a:t>
-            </a:r>
-            <a:endParaRPr lang="en-US" altLang="zh-TW" sz="2000" dirty="0">
+            <a:pPr lvl="2"/>
+            <a:endParaRPr lang="en-US" altLang="zh-TW" dirty="0">
               <a:latin typeface="微軟正黑體" panose="020B0604030504040204" pitchFamily="34" charset="-120"/>
               <a:ea typeface="微軟正黑體" panose="020B0604030504040204" pitchFamily="34" charset="-120"/>
             </a:endParaRPr>
           </a:p>
-          <a:p>
-            <a:pPr lvl="1"/>
-            <a:endParaRPr lang="en-US" altLang="zh-TW" sz="2000" dirty="0">
-              <a:latin typeface="微軟正黑體" panose="020B0604030504040204" pitchFamily="34" charset="-120"/>
-              <a:ea typeface="微軟正黑體" panose="020B0604030504040204" pitchFamily="34" charset="-120"/>
-            </a:endParaRPr>
-          </a:p>
-          <a:p>
-            <a:pPr lvl="1"/>
-            <a:r>
-              <a:rPr lang="zh-TW" altLang="en-US" sz="2000" dirty="0">
-                <a:latin typeface="微軟正黑體" panose="020B0604030504040204" pitchFamily="34" charset="-120"/>
-                <a:ea typeface="微軟正黑體" panose="020B0604030504040204" pitchFamily="34" charset="-120"/>
-              </a:rPr>
-              <a:t>聊天諮詢</a:t>
-            </a:r>
-            <a:endParaRPr lang="en-US" altLang="zh-TW" sz="2000" dirty="0">
-              <a:latin typeface="微軟正黑體" panose="020B0604030504040204" pitchFamily="34" charset="-120"/>
-              <a:ea typeface="微軟正黑體" panose="020B0604030504040204" pitchFamily="34" charset="-120"/>
-            </a:endParaRPr>
-          </a:p>
-          <a:p>
-            <a:pPr lvl="1"/>
-            <a:endParaRPr lang="en-US" altLang="zh-TW" sz="2000" dirty="0">
-              <a:latin typeface="微軟正黑體" panose="020B0604030504040204" pitchFamily="34" charset="-120"/>
-              <a:ea typeface="微軟正黑體" panose="020B0604030504040204" pitchFamily="34" charset="-120"/>
-            </a:endParaRPr>
-          </a:p>
-          <a:p>
-            <a:pPr lvl="1"/>
-            <a:r>
-              <a:rPr lang="zh-TW" altLang="en-US" sz="2000" dirty="0">
-                <a:latin typeface="微軟正黑體" panose="020B0604030504040204" pitchFamily="34" charset="-120"/>
-                <a:ea typeface="微軟正黑體" panose="020B0604030504040204" pitchFamily="34" charset="-120"/>
-              </a:rPr>
-              <a:t>居家運動</a:t>
-            </a:r>
-            <a:endParaRPr lang="en-US" altLang="zh-TW" sz="2000" dirty="0">
-              <a:latin typeface="微軟正黑體" panose="020B0604030504040204" pitchFamily="34" charset="-120"/>
-              <a:ea typeface="微軟正黑體" panose="020B0604030504040204" pitchFamily="34" charset="-120"/>
-            </a:endParaRPr>
-          </a:p>
-          <a:p>
-            <a:pPr lvl="1"/>
-            <a:endParaRPr lang="en-US" altLang="zh-TW" sz="2000" dirty="0"/>
-          </a:p>
-          <a:p>
-            <a:pPr marL="457200" lvl="1" indent="0">
-              <a:buNone/>
-            </a:pPr>
-            <a:endParaRPr lang="en-US" altLang="zh-TW" sz="2000" dirty="0"/>
-          </a:p>
         </p:txBody>
       </p:sp>
     </p:spTree>
     <p:extLst>
       <p:ext uri="{BB962C8B-B14F-4D97-AF65-F5344CB8AC3E}">
-        <p14:creationId xmlns:p14="http://schemas.microsoft.com/office/powerpoint/2010/main" val="555405392"/>
+        <p14:creationId xmlns:p14="http://schemas.microsoft.com/office/powerpoint/2010/main" val="1383466733"/>
+      </p:ext>
+    </p:extLst>
+  </p:cSld>
+  <p:clrMapOvr>
+    <a:masterClrMapping/>
+  </p:clrMapOvr>
+</p:sld>
+</file>
+
+<file path=ppt/slides/slide7.xml><?xml version="1.0" encoding="utf-8"?>
+<p:sld xmlns:a="http://schemas.openxmlformats.org/drawingml/2006/main" xmlns:r="http://schemas.openxmlformats.org/officeDocument/2006/relationships" xmlns:p="http://schemas.openxmlformats.org/presentationml/2006/main">
+  <p:cSld>
+    <p:spTree>
+      <p:nvGrpSpPr>
+        <p:cNvPr id="1" name=""/>
+        <p:cNvGrpSpPr/>
+        <p:nvPr/>
+      </p:nvGrpSpPr>
+      <p:grpSpPr>
+        <a:xfrm>
+          <a:off x="0" y="0"/>
+          <a:ext cx="0" cy="0"/>
+          <a:chOff x="0" y="0"/>
+          <a:chExt cx="0" cy="0"/>
+        </a:xfrm>
+      </p:grpSpPr>
+      <p:sp>
+        <p:nvSpPr>
+          <p:cNvPr id="2" name="標題 1">
+            <a:extLst>
+              <a:ext uri="{FF2B5EF4-FFF2-40B4-BE49-F238E27FC236}">
+                <a16:creationId xmlns:a16="http://schemas.microsoft.com/office/drawing/2014/main" id="{D5A0CB9B-A8D3-30FC-F5CC-3AB44B86C239}"/>
+              </a:ext>
+            </a:extLst>
+          </p:cNvPr>
+          <p:cNvSpPr>
+            <a:spLocks noGrp="1"/>
+          </p:cNvSpPr>
+          <p:nvPr>
+            <p:ph type="title"/>
+          </p:nvPr>
+        </p:nvSpPr>
+        <p:spPr/>
+        <p:txBody>
+          <a:bodyPr/>
+          <a:lstStyle/>
+          <a:p>
+            <a:endParaRPr lang="zh-TW" altLang="en-US" dirty="0"/>
+          </a:p>
+        </p:txBody>
+      </p:sp>
+      <p:sp>
+        <p:nvSpPr>
+          <p:cNvPr id="3" name="內容版面配置區 2">
+            <a:extLst>
+              <a:ext uri="{FF2B5EF4-FFF2-40B4-BE49-F238E27FC236}">
+                <a16:creationId xmlns:a16="http://schemas.microsoft.com/office/drawing/2014/main" id="{50E38B1B-943F-0E69-7684-CEBDC8BD1407}"/>
+              </a:ext>
+            </a:extLst>
+          </p:cNvPr>
+          <p:cNvSpPr>
+            <a:spLocks noGrp="1"/>
+          </p:cNvSpPr>
+          <p:nvPr>
+            <p:ph idx="1"/>
+          </p:nvPr>
+        </p:nvSpPr>
+        <p:spPr/>
+        <p:txBody>
+          <a:bodyPr/>
+          <a:lstStyle/>
+          <a:p>
+            <a:endParaRPr lang="zh-TW" altLang="en-US"/>
+          </a:p>
+        </p:txBody>
+      </p:sp>
+    </p:spTree>
+    <p:extLst>
+      <p:ext uri="{BB962C8B-B14F-4D97-AF65-F5344CB8AC3E}">
+        <p14:creationId xmlns:p14="http://schemas.microsoft.com/office/powerpoint/2010/main" val="478470619"/>
+      </p:ext>
+    </p:extLst>
+  </p:cSld>
+  <p:clrMapOvr>
+    <a:masterClrMapping/>
+  </p:clrMapOvr>
+</p:sld>
+</file>
+
+<file path=ppt/slides/slide8.xml><?xml version="1.0" encoding="utf-8"?>
+<p:sld xmlns:a="http://schemas.openxmlformats.org/drawingml/2006/main" xmlns:r="http://schemas.openxmlformats.org/officeDocument/2006/relationships" xmlns:p="http://schemas.openxmlformats.org/presentationml/2006/main">
+  <p:cSld>
+    <p:spTree>
+      <p:nvGrpSpPr>
+        <p:cNvPr id="1" name=""/>
+        <p:cNvGrpSpPr/>
+        <p:nvPr/>
+      </p:nvGrpSpPr>
+      <p:grpSpPr>
+        <a:xfrm>
+          <a:off x="0" y="0"/>
+          <a:ext cx="0" cy="0"/>
+          <a:chOff x="0" y="0"/>
+          <a:chExt cx="0" cy="0"/>
+        </a:xfrm>
+      </p:grpSpPr>
+      <p:sp>
+        <p:nvSpPr>
+          <p:cNvPr id="2" name="標題 1">
+            <a:extLst>
+              <a:ext uri="{FF2B5EF4-FFF2-40B4-BE49-F238E27FC236}">
+                <a16:creationId xmlns:a16="http://schemas.microsoft.com/office/drawing/2014/main" id="{D1A41554-EFED-E14A-19B3-029440F6F6C8}"/>
+              </a:ext>
+            </a:extLst>
+          </p:cNvPr>
+          <p:cNvSpPr>
+            <a:spLocks noGrp="1"/>
+          </p:cNvSpPr>
+          <p:nvPr>
+            <p:ph type="title"/>
+          </p:nvPr>
+        </p:nvSpPr>
+        <p:spPr/>
+        <p:txBody>
+          <a:bodyPr/>
+          <a:lstStyle/>
+          <a:p>
+            <a:endParaRPr lang="zh-TW" altLang="en-US"/>
+          </a:p>
+        </p:txBody>
+      </p:sp>
+      <p:sp>
+        <p:nvSpPr>
+          <p:cNvPr id="3" name="內容版面配置區 2">
+            <a:extLst>
+              <a:ext uri="{FF2B5EF4-FFF2-40B4-BE49-F238E27FC236}">
+                <a16:creationId xmlns:a16="http://schemas.microsoft.com/office/drawing/2014/main" id="{01939C5F-29D6-B2C9-89D4-97FBABEFC61A}"/>
+              </a:ext>
+            </a:extLst>
+          </p:cNvPr>
+          <p:cNvSpPr>
+            <a:spLocks noGrp="1"/>
+          </p:cNvSpPr>
+          <p:nvPr>
+            <p:ph idx="1"/>
+          </p:nvPr>
+        </p:nvSpPr>
+        <p:spPr/>
+        <p:txBody>
+          <a:bodyPr/>
+          <a:lstStyle/>
+          <a:p>
+            <a:endParaRPr lang="zh-TW" altLang="en-US"/>
+          </a:p>
+        </p:txBody>
+      </p:sp>
+    </p:spTree>
+    <p:extLst>
+      <p:ext uri="{BB962C8B-B14F-4D97-AF65-F5344CB8AC3E}">
+        <p14:creationId xmlns:p14="http://schemas.microsoft.com/office/powerpoint/2010/main" val="1810039208"/>
       </p:ext>
     </p:extLst>
   </p:cSld>
@@ -10464,7 +11597,7 @@
           <p:cNvPr id="2" name="標題 1">
             <a:extLst>
               <a:ext uri="{FF2B5EF4-FFF2-40B4-BE49-F238E27FC236}">
-                <a16:creationId xmlns:a16="http://schemas.microsoft.com/office/drawing/2014/main" id="{B8556DE2-3607-DB1D-AA4D-CFE6043EA7A1}"/>
+                <a16:creationId xmlns:a16="http://schemas.microsoft.com/office/drawing/2014/main" id="{35460F7D-AD3D-3512-55A7-B6967514EF6E}"/>
               </a:ext>
             </a:extLst>
           </p:cNvPr>
@@ -10488,11 +11621,11 @@
           <a:lstStyle/>
           <a:p>
             <a:r>
-              <a:rPr lang="zh-TW" altLang="en-US" sz="4800" b="1">
+              <a:rPr lang="zh-TW" altLang="en-US" sz="4800" b="1" dirty="0">
                 <a:latin typeface="微軟正黑體" panose="020B0604030504040204" pitchFamily="34" charset="-120"/>
                 <a:ea typeface="微軟正黑體" panose="020B0604030504040204" pitchFamily="34" charset="-120"/>
               </a:rPr>
-              <a:t>商業模式</a:t>
+              <a:t>市場調查</a:t>
             </a:r>
           </a:p>
         </p:txBody>
@@ -10502,7 +11635,7 @@
           <p:cNvPr id="3" name="內容版面配置區 2">
             <a:extLst>
               <a:ext uri="{FF2B5EF4-FFF2-40B4-BE49-F238E27FC236}">
-                <a16:creationId xmlns:a16="http://schemas.microsoft.com/office/drawing/2014/main" id="{615396B1-66A7-CC8B-C114-FEA16B766BEF}"/>
+                <a16:creationId xmlns:a16="http://schemas.microsoft.com/office/drawing/2014/main" id="{24B125E8-51B8-6D27-5109-6CAB5C9EC41E}"/>
               </a:ext>
             </a:extLst>
           </p:cNvPr>
@@ -10527,32 +11660,13 @@
           <a:p>
             <a:r>
               <a:rPr lang="zh-TW" altLang="en-US" sz="2400" dirty="0">
+                <a:latin typeface="微軟正黑體" panose="020B0604030504040204" pitchFamily="34" charset="-120"/>
                 <a:ea typeface="微軟正黑體" panose="020B0604030504040204" pitchFamily="34" charset="-120"/>
               </a:rPr>
-              <a:t>目標客群</a:t>
-            </a:r>
-            <a:r>
-              <a:rPr lang="en-US" altLang="zh-TW" sz="2400" dirty="0">
-                <a:ea typeface="微軟正黑體" panose="020B0604030504040204" pitchFamily="34" charset="-120"/>
-              </a:rPr>
-              <a:t>:</a:t>
-            </a:r>
-          </a:p>
-          <a:p>
-            <a:pPr lvl="1"/>
-            <a:endParaRPr lang="en-US" altLang="zh-TW" dirty="0">
-              <a:ea typeface="微軟正黑體" panose="020B0604030504040204" pitchFamily="34" charset="-120"/>
-            </a:endParaRPr>
-          </a:p>
-          <a:p>
-            <a:pPr lvl="1"/>
-            <a:r>
-              <a:rPr lang="zh-TW" altLang="en-US" dirty="0">
-                <a:ea typeface="微軟正黑體" panose="020B0604030504040204" pitchFamily="34" charset="-120"/>
-              </a:rPr>
-              <a:t>成年與老年</a:t>
-            </a:r>
-            <a:endParaRPr lang="en-US" altLang="zh-TW" dirty="0">
+              <a:t>市面針對身關節、體態情況的應用產品相當稀少</a:t>
+            </a:r>
+            <a:endParaRPr lang="en-US" altLang="zh-TW" sz="2400" dirty="0">
+              <a:latin typeface="微軟正黑體" panose="020B0604030504040204" pitchFamily="34" charset="-120"/>
               <a:ea typeface="微軟正黑體" panose="020B0604030504040204" pitchFamily="34" charset="-120"/>
             </a:endParaRPr>
           </a:p>
@@ -10561,6 +11675,7 @@
               <a:buNone/>
             </a:pPr>
             <a:endParaRPr lang="en-US" altLang="zh-TW" dirty="0">
+              <a:latin typeface="微軟正黑體" panose="020B0604030504040204" pitchFamily="34" charset="-120"/>
               <a:ea typeface="微軟正黑體" panose="020B0604030504040204" pitchFamily="34" charset="-120"/>
             </a:endParaRPr>
           </a:p>
@@ -10568,17 +11683,27 @@
             <a:pPr lvl="1"/>
             <a:r>
               <a:rPr lang="zh-TW" altLang="en-US" dirty="0">
+                <a:latin typeface="微軟正黑體" panose="020B0604030504040204" pitchFamily="34" charset="-120"/>
                 <a:ea typeface="微軟正黑體" panose="020B0604030504040204" pitchFamily="34" charset="-120"/>
               </a:rPr>
-              <a:t>受關節、體態問題困擾的族群</a:t>
+              <a:t>需特定醫院、診所授權才能使用</a:t>
             </a:r>
             <a:endParaRPr lang="en-US" altLang="zh-TW" dirty="0">
+              <a:latin typeface="微軟正黑體" panose="020B0604030504040204" pitchFamily="34" charset="-120"/>
               <a:ea typeface="微軟正黑體" panose="020B0604030504040204" pitchFamily="34" charset="-120"/>
             </a:endParaRPr>
           </a:p>
           <a:p>
             <a:pPr lvl="1"/>
+            <a:r>
+              <a:rPr lang="zh-TW" altLang="en-US" dirty="0">
+                <a:latin typeface="微軟正黑體" panose="020B0604030504040204" pitchFamily="34" charset="-120"/>
+                <a:ea typeface="微軟正黑體" panose="020B0604030504040204" pitchFamily="34" charset="-120"/>
+              </a:rPr>
+              <a:t>僅提供伸展運動</a:t>
+            </a:r>
             <a:endParaRPr lang="en-US" altLang="zh-TW" dirty="0">
+              <a:latin typeface="微軟正黑體" panose="020B0604030504040204" pitchFamily="34" charset="-120"/>
               <a:ea typeface="微軟正黑體" panose="020B0604030504040204" pitchFamily="34" charset="-120"/>
             </a:endParaRPr>
           </a:p>
@@ -10586,25 +11711,43 @@
             <a:pPr lvl="1"/>
             <a:r>
               <a:rPr lang="zh-TW" altLang="en-US" dirty="0">
+                <a:latin typeface="微軟正黑體" panose="020B0604030504040204" pitchFamily="34" charset="-120"/>
                 <a:ea typeface="微軟正黑體" panose="020B0604030504040204" pitchFamily="34" charset="-120"/>
               </a:rPr>
-              <a:t>關注體態健康的族群</a:t>
-            </a:r>
-            <a:endParaRPr lang="en-US" altLang="zh-TW" dirty="0">
+              <a:t>功能過於簡陋</a:t>
+            </a:r>
+          </a:p>
+          <a:p>
+            <a:endParaRPr lang="zh-TW" altLang="en-US" sz="2400" dirty="0">
+              <a:latin typeface="微軟正黑體" panose="020B0604030504040204" pitchFamily="34" charset="-120"/>
               <a:ea typeface="微軟正黑體" panose="020B0604030504040204" pitchFamily="34" charset="-120"/>
             </a:endParaRPr>
           </a:p>
           <a:p>
-            <a:pPr lvl="1"/>
-            <a:endParaRPr lang="en-US" altLang="zh-TW" dirty="0">
-              <a:ea typeface="微軟正黑體" panose="020B0604030504040204" pitchFamily="34" charset="-120"/>
-            </a:endParaRPr>
-          </a:p>
-          <a:p>
-            <a:pPr lvl="1"/>
-            <a:endParaRPr lang="zh-TW" altLang="en-US" dirty="0">
-              <a:ea typeface="微軟正黑體" panose="020B0604030504040204" pitchFamily="34" charset="-120"/>
-            </a:endParaRPr>
+            <a:r>
+              <a:rPr lang="zh-TW" altLang="en-US" sz="2400" dirty="0">
+                <a:latin typeface="微軟正黑體" panose="020B0604030504040204" pitchFamily="34" charset="-120"/>
+                <a:ea typeface="微軟正黑體" panose="020B0604030504040204" pitchFamily="34" charset="-120"/>
+              </a:rPr>
+              <a:t>團隊想法</a:t>
+            </a:r>
+            <a:r>
+              <a:rPr lang="en-US" altLang="zh-TW" sz="2400" dirty="0">
+                <a:latin typeface="微軟正黑體" panose="020B0604030504040204" pitchFamily="34" charset="-120"/>
+                <a:ea typeface="微軟正黑體" panose="020B0604030504040204" pitchFamily="34" charset="-120"/>
+              </a:rPr>
+              <a:t>: </a:t>
+            </a:r>
+            <a:r>
+              <a:rPr lang="zh-TW" altLang="en-US" sz="2400" dirty="0">
+                <a:latin typeface="微軟正黑體" panose="020B0604030504040204" pitchFamily="34" charset="-120"/>
+                <a:ea typeface="微軟正黑體" panose="020B0604030504040204" pitchFamily="34" charset="-120"/>
+              </a:rPr>
+              <a:t>設計一款手機應用程式，協助大眾面對關節、體態問題</a:t>
+            </a:r>
+          </a:p>
+          <a:p>
+            <a:endParaRPr lang="zh-TW" altLang="en-US" sz="2400" dirty="0"/>
           </a:p>
         </p:txBody>
       </p:sp>
@@ -10663,7 +11806,7 @@
     </p:spTree>
     <p:extLst>
       <p:ext uri="{BB962C8B-B14F-4D97-AF65-F5344CB8AC3E}">
-        <p14:creationId xmlns:p14="http://schemas.microsoft.com/office/powerpoint/2010/main" val="1739337312"/>
+        <p14:creationId xmlns:p14="http://schemas.microsoft.com/office/powerpoint/2010/main" val="2807620293"/>
       </p:ext>
     </p:extLst>
   </p:cSld>

--- a/整合/報告/產品報告.pptx
+++ b/整合/報告/產品報告.pptx
@@ -5,7 +5,7 @@
     <p:sldMasterId id="2147483648" r:id="rId1"/>
   </p:sldMasterIdLst>
   <p:notesMasterIdLst>
-    <p:notesMasterId r:id="rId18"/>
+    <p:notesMasterId r:id="rId19"/>
   </p:notesMasterIdLst>
   <p:sldIdLst>
     <p:sldId id="256" r:id="rId2"/>
@@ -14,16 +14,17 @@
     <p:sldId id="261" r:id="rId5"/>
     <p:sldId id="273" r:id="rId6"/>
     <p:sldId id="275" r:id="rId7"/>
-    <p:sldId id="274" r:id="rId8"/>
-    <p:sldId id="272" r:id="rId9"/>
-    <p:sldId id="265" r:id="rId10"/>
-    <p:sldId id="266" r:id="rId11"/>
-    <p:sldId id="260" r:id="rId12"/>
-    <p:sldId id="262" r:id="rId13"/>
-    <p:sldId id="264" r:id="rId14"/>
-    <p:sldId id="268" r:id="rId15"/>
-    <p:sldId id="269" r:id="rId16"/>
-    <p:sldId id="271" r:id="rId17"/>
+    <p:sldId id="276" r:id="rId8"/>
+    <p:sldId id="277" r:id="rId9"/>
+    <p:sldId id="266" r:id="rId10"/>
+    <p:sldId id="262" r:id="rId11"/>
+    <p:sldId id="265" r:id="rId12"/>
+    <p:sldId id="278" r:id="rId13"/>
+    <p:sldId id="279" r:id="rId14"/>
+    <p:sldId id="260" r:id="rId15"/>
+    <p:sldId id="268" r:id="rId16"/>
+    <p:sldId id="269" r:id="rId17"/>
+    <p:sldId id="271" r:id="rId18"/>
   </p:sldIdLst>
   <p:sldSz cx="12192000" cy="6858000"/>
   <p:notesSz cx="6858000" cy="9144000"/>
@@ -143,7 +144,7 @@
   <pc:docChgLst>
     <pc:chgData name="品佑 陳" userId="b47096fc5e872c87" providerId="LiveId" clId="{9E32E880-9E21-4A31-BD97-DF83B23E4AFF}"/>
     <pc:docChg chg="undo custSel addSld delSld modSld sldOrd">
-      <pc:chgData name="品佑 陳" userId="b47096fc5e872c87" providerId="LiveId" clId="{9E32E880-9E21-4A31-BD97-DF83B23E4AFF}" dt="2023-12-21T10:51:38.606" v="7051" actId="14100"/>
+      <pc:chgData name="品佑 陳" userId="b47096fc5e872c87" providerId="LiveId" clId="{9E32E880-9E21-4A31-BD97-DF83B23E4AFF}" dt="2023-12-21T11:19:37.063" v="7430" actId="14100"/>
       <pc:docMkLst>
         <pc:docMk/>
       </pc:docMkLst>
@@ -203,7 +204,7 @@
         </pc:cxnChg>
       </pc:sldChg>
       <pc:sldChg chg="addSp modSp new mod setBg">
-        <pc:chgData name="品佑 陳" userId="b47096fc5e872c87" providerId="LiveId" clId="{9E32E880-9E21-4A31-BD97-DF83B23E4AFF}" dt="2023-12-21T09:51:28.534" v="6499" actId="20577"/>
+        <pc:chgData name="品佑 陳" userId="b47096fc5e872c87" providerId="LiveId" clId="{9E32E880-9E21-4A31-BD97-DF83B23E4AFF}" dt="2023-12-21T11:12:06.438" v="7322" actId="21"/>
         <pc:sldMkLst>
           <pc:docMk/>
           <pc:sldMk cId="3673904705" sldId="257"/>
@@ -217,7 +218,7 @@
           </ac:spMkLst>
         </pc:spChg>
         <pc:spChg chg="mod">
-          <ac:chgData name="品佑 陳" userId="b47096fc5e872c87" providerId="LiveId" clId="{9E32E880-9E21-4A31-BD97-DF83B23E4AFF}" dt="2023-12-21T09:51:28.534" v="6499" actId="20577"/>
+          <ac:chgData name="品佑 陳" userId="b47096fc5e872c87" providerId="LiveId" clId="{9E32E880-9E21-4A31-BD97-DF83B23E4AFF}" dt="2023-12-21T11:12:06.438" v="7322" actId="21"/>
           <ac:spMkLst>
             <pc:docMk/>
             <pc:sldMk cId="3673904705" sldId="257"/>
@@ -415,14 +416,14 @@
           </ac:picMkLst>
         </pc:picChg>
       </pc:sldChg>
-      <pc:sldChg chg="addSp modSp new mod setBg">
-        <pc:chgData name="品佑 陳" userId="b47096fc5e872c87" providerId="LiveId" clId="{9E32E880-9E21-4A31-BD97-DF83B23E4AFF}" dt="2023-12-18T08:52:41.869" v="5880" actId="27636"/>
+      <pc:sldChg chg="addSp modSp new mod ord setBg">
+        <pc:chgData name="品佑 陳" userId="b47096fc5e872c87" providerId="LiveId" clId="{9E32E880-9E21-4A31-BD97-DF83B23E4AFF}" dt="2023-12-21T11:11:29.108" v="7321" actId="404"/>
         <pc:sldMkLst>
           <pc:docMk/>
           <pc:sldMk cId="2306524299" sldId="260"/>
         </pc:sldMkLst>
         <pc:spChg chg="mod">
-          <ac:chgData name="品佑 陳" userId="b47096fc5e872c87" providerId="LiveId" clId="{9E32E880-9E21-4A31-BD97-DF83B23E4AFF}" dt="2023-12-18T08:52:39.801" v="5878" actId="1076"/>
+          <ac:chgData name="品佑 陳" userId="b47096fc5e872c87" providerId="LiveId" clId="{9E32E880-9E21-4A31-BD97-DF83B23E4AFF}" dt="2023-12-21T11:02:36.207" v="7192" actId="20577"/>
           <ac:spMkLst>
             <pc:docMk/>
             <pc:sldMk cId="2306524299" sldId="260"/>
@@ -430,7 +431,7 @@
           </ac:spMkLst>
         </pc:spChg>
         <pc:spChg chg="mod">
-          <ac:chgData name="品佑 陳" userId="b47096fc5e872c87" providerId="LiveId" clId="{9E32E880-9E21-4A31-BD97-DF83B23E4AFF}" dt="2023-12-18T08:52:41.869" v="5880" actId="27636"/>
+          <ac:chgData name="品佑 陳" userId="b47096fc5e872c87" providerId="LiveId" clId="{9E32E880-9E21-4A31-BD97-DF83B23E4AFF}" dt="2023-12-21T11:11:29.108" v="7321" actId="404"/>
           <ac:spMkLst>
             <pc:docMk/>
             <pc:sldMk cId="2306524299" sldId="260"/>
@@ -541,8 +542,8 @@
           </ac:cxnSpMkLst>
         </pc:cxnChg>
       </pc:sldChg>
-      <pc:sldChg chg="addSp modSp new mod setBg">
-        <pc:chgData name="品佑 陳" userId="b47096fc5e872c87" providerId="LiveId" clId="{9E32E880-9E21-4A31-BD97-DF83B23E4AFF}" dt="2023-12-19T10:56:55.250" v="6085" actId="20577"/>
+      <pc:sldChg chg="addSp modSp new mod ord setBg">
+        <pc:chgData name="品佑 陳" userId="b47096fc5e872c87" providerId="LiveId" clId="{9E32E880-9E21-4A31-BD97-DF83B23E4AFF}" dt="2023-12-21T10:59:56.055" v="7115"/>
         <pc:sldMkLst>
           <pc:docMk/>
           <pc:sldMk cId="555405392" sldId="262"/>
@@ -651,8 +652,8 @@
           </ac:grpSpMkLst>
         </pc:grpChg>
       </pc:sldChg>
-      <pc:sldChg chg="addSp modSp new mod setBg">
-        <pc:chgData name="品佑 陳" userId="b47096fc5e872c87" providerId="LiveId" clId="{9E32E880-9E21-4A31-BD97-DF83B23E4AFF}" dt="2023-12-12T10:42:04.789" v="4930" actId="26606"/>
+      <pc:sldChg chg="addSp modSp new del mod setBg">
+        <pc:chgData name="品佑 陳" userId="b47096fc5e872c87" providerId="LiveId" clId="{9E32E880-9E21-4A31-BD97-DF83B23E4AFF}" dt="2023-12-21T11:19:19.543" v="7429" actId="47"/>
         <pc:sldMkLst>
           <pc:docMk/>
           <pc:sldMk cId="1739337312" sldId="264"/>
@@ -707,13 +708,13 @@
         </pc:cxnChg>
       </pc:sldChg>
       <pc:sldChg chg="addSp modSp new mod ord setBg">
-        <pc:chgData name="品佑 陳" userId="b47096fc5e872c87" providerId="LiveId" clId="{9E32E880-9E21-4A31-BD97-DF83B23E4AFF}" dt="2023-12-21T09:43:21.855" v="6397" actId="20577"/>
+        <pc:chgData name="品佑 陳" userId="b47096fc5e872c87" providerId="LiveId" clId="{9E32E880-9E21-4A31-BD97-DF83B23E4AFF}" dt="2023-12-21T11:17:47.418" v="7412" actId="1076"/>
         <pc:sldMkLst>
           <pc:docMk/>
           <pc:sldMk cId="2807620293" sldId="265"/>
         </pc:sldMkLst>
         <pc:spChg chg="mod">
-          <ac:chgData name="品佑 陳" userId="b47096fc5e872c87" providerId="LiveId" clId="{9E32E880-9E21-4A31-BD97-DF83B23E4AFF}" dt="2023-12-21T09:43:21.855" v="6397" actId="20577"/>
+          <ac:chgData name="品佑 陳" userId="b47096fc5e872c87" providerId="LiveId" clId="{9E32E880-9E21-4A31-BD97-DF83B23E4AFF}" dt="2023-12-21T11:00:28.182" v="7133" actId="20577"/>
           <ac:spMkLst>
             <pc:docMk/>
             <pc:sldMk cId="2807620293" sldId="265"/>
@@ -721,7 +722,7 @@
           </ac:spMkLst>
         </pc:spChg>
         <pc:spChg chg="mod">
-          <ac:chgData name="品佑 陳" userId="b47096fc5e872c87" providerId="LiveId" clId="{9E32E880-9E21-4A31-BD97-DF83B23E4AFF}" dt="2023-12-13T03:38:10.541" v="5644" actId="20577"/>
+          <ac:chgData name="品佑 陳" userId="b47096fc5e872c87" providerId="LiveId" clId="{9E32E880-9E21-4A31-BD97-DF83B23E4AFF}" dt="2023-12-21T11:16:25.433" v="7401" actId="20577"/>
           <ac:spMkLst>
             <pc:docMk/>
             <pc:sldMk cId="2807620293" sldId="265"/>
@@ -752,6 +753,14 @@
             <ac:grpSpMk id="10" creationId="{AE1C45F0-260A-458C-96ED-C1F6D2151219}"/>
           </ac:grpSpMkLst>
         </pc:grpChg>
+        <pc:picChg chg="add mod">
+          <ac:chgData name="品佑 陳" userId="b47096fc5e872c87" providerId="LiveId" clId="{9E32E880-9E21-4A31-BD97-DF83B23E4AFF}" dt="2023-12-21T11:17:47.418" v="7412" actId="1076"/>
+          <ac:picMkLst>
+            <pc:docMk/>
+            <pc:sldMk cId="2807620293" sldId="265"/>
+            <ac:picMk id="5" creationId="{D27AE664-BC93-846D-3DB8-35268C3AC50F}"/>
+          </ac:picMkLst>
+        </pc:picChg>
         <pc:cxnChg chg="add">
           <ac:chgData name="品佑 陳" userId="b47096fc5e872c87" providerId="LiveId" clId="{9E32E880-9E21-4A31-BD97-DF83B23E4AFF}" dt="2023-12-12T10:41:09.071" v="4915" actId="26606"/>
           <ac:cxnSpMkLst>
@@ -762,7 +771,7 @@
         </pc:cxnChg>
       </pc:sldChg>
       <pc:sldChg chg="addSp delSp modSp new mod ord setBg">
-        <pc:chgData name="品佑 陳" userId="b47096fc5e872c87" providerId="LiveId" clId="{9E32E880-9E21-4A31-BD97-DF83B23E4AFF}" dt="2023-12-21T09:47:21.684" v="6427" actId="1076"/>
+        <pc:chgData name="品佑 陳" userId="b47096fc5e872c87" providerId="LiveId" clId="{9E32E880-9E21-4A31-BD97-DF83B23E4AFF}" dt="2023-12-21T10:59:38.600" v="7113" actId="20577"/>
         <pc:sldMkLst>
           <pc:docMk/>
           <pc:sldMk cId="3016596021" sldId="266"/>
@@ -776,7 +785,7 @@
           </ac:spMkLst>
         </pc:spChg>
         <pc:spChg chg="mod">
-          <ac:chgData name="品佑 陳" userId="b47096fc5e872c87" providerId="LiveId" clId="{9E32E880-9E21-4A31-BD97-DF83B23E4AFF}" dt="2023-12-19T13:09:55.759" v="6303" actId="20577"/>
+          <ac:chgData name="品佑 陳" userId="b47096fc5e872c87" providerId="LiveId" clId="{9E32E880-9E21-4A31-BD97-DF83B23E4AFF}" dt="2023-12-21T10:59:38.600" v="7113" actId="20577"/>
           <ac:spMkLst>
             <pc:docMk/>
             <pc:sldMk cId="3016596021" sldId="266"/>
@@ -888,7 +897,7 @@
         </pc:picChg>
       </pc:sldChg>
       <pc:sldChg chg="addSp modSp new mod setBg">
-        <pc:chgData name="品佑 陳" userId="b47096fc5e872c87" providerId="LiveId" clId="{9E32E880-9E21-4A31-BD97-DF83B23E4AFF}" dt="2023-12-12T10:42:08.586" v="4931" actId="26606"/>
+        <pc:chgData name="品佑 陳" userId="b47096fc5e872c87" providerId="LiveId" clId="{9E32E880-9E21-4A31-BD97-DF83B23E4AFF}" dt="2023-12-21T11:19:37.063" v="7430" actId="14100"/>
         <pc:sldMkLst>
           <pc:docMk/>
           <pc:sldMk cId="3425436352" sldId="268"/>
@@ -902,7 +911,7 @@
           </ac:spMkLst>
         </pc:spChg>
         <pc:spChg chg="mod">
-          <ac:chgData name="品佑 陳" userId="b47096fc5e872c87" providerId="LiveId" clId="{9E32E880-9E21-4A31-BD97-DF83B23E4AFF}" dt="2023-12-12T10:42:08.586" v="4931" actId="26606"/>
+          <ac:chgData name="品佑 陳" userId="b47096fc5e872c87" providerId="LiveId" clId="{9E32E880-9E21-4A31-BD97-DF83B23E4AFF}" dt="2023-12-21T11:19:37.063" v="7430" actId="14100"/>
           <ac:spMkLst>
             <pc:docMk/>
             <pc:sldMk cId="3425436352" sldId="268"/>
@@ -1043,8 +1052,8 @@
           </ac:spMkLst>
         </pc:spChg>
       </pc:sldChg>
-      <pc:sldChg chg="new">
-        <pc:chgData name="品佑 陳" userId="b47096fc5e872c87" providerId="LiveId" clId="{9E32E880-9E21-4A31-BD97-DF83B23E4AFF}" dt="2023-12-21T09:51:50.024" v="6500" actId="680"/>
+      <pc:sldChg chg="new del">
+        <pc:chgData name="品佑 陳" userId="b47096fc5e872c87" providerId="LiveId" clId="{9E32E880-9E21-4A31-BD97-DF83B23E4AFF}" dt="2023-12-21T10:56:42.936" v="7059" actId="47"/>
         <pc:sldMkLst>
           <pc:docMk/>
           <pc:sldMk cId="1810039208" sldId="272"/>
@@ -1065,13 +1074,13 @@
         </pc:sldMkLst>
       </pc:sldChg>
       <pc:sldChg chg="modSp add mod">
-        <pc:chgData name="品佑 陳" userId="b47096fc5e872c87" providerId="LiveId" clId="{9E32E880-9E21-4A31-BD97-DF83B23E4AFF}" dt="2023-12-21T10:48:17.186" v="6971" actId="20577"/>
+        <pc:chgData name="品佑 陳" userId="b47096fc5e872c87" providerId="LiveId" clId="{9E32E880-9E21-4A31-BD97-DF83B23E4AFF}" dt="2023-12-21T10:57:49.764" v="7097" actId="20577"/>
         <pc:sldMkLst>
           <pc:docMk/>
           <pc:sldMk cId="3777488471" sldId="273"/>
         </pc:sldMkLst>
         <pc:spChg chg="mod">
-          <ac:chgData name="品佑 陳" userId="b47096fc5e872c87" providerId="LiveId" clId="{9E32E880-9E21-4A31-BD97-DF83B23E4AFF}" dt="2023-12-21T10:48:17.186" v="6971" actId="20577"/>
+          <ac:chgData name="品佑 陳" userId="b47096fc5e872c87" providerId="LiveId" clId="{9E32E880-9E21-4A31-BD97-DF83B23E4AFF}" dt="2023-12-21T10:57:49.764" v="7097" actId="20577"/>
           <ac:spMkLst>
             <pc:docMk/>
             <pc:sldMk cId="3777488471" sldId="273"/>
@@ -1079,8 +1088,8 @@
           </ac:spMkLst>
         </pc:spChg>
       </pc:sldChg>
-      <pc:sldChg chg="modSp new mod">
-        <pc:chgData name="品佑 陳" userId="b47096fc5e872c87" providerId="LiveId" clId="{9E32E880-9E21-4A31-BD97-DF83B23E4AFF}" dt="2023-12-21T10:48:48.087" v="6989" actId="20577"/>
+      <pc:sldChg chg="modSp new del mod">
+        <pc:chgData name="品佑 陳" userId="b47096fc5e872c87" providerId="LiveId" clId="{9E32E880-9E21-4A31-BD97-DF83B23E4AFF}" dt="2023-12-21T10:56:42.072" v="7058" actId="47"/>
         <pc:sldMkLst>
           <pc:docMk/>
           <pc:sldMk cId="478470619" sldId="274"/>
@@ -1094,20 +1103,28 @@
           </ac:spMkLst>
         </pc:spChg>
       </pc:sldChg>
-      <pc:sldChg chg="modSp add mod">
-        <pc:chgData name="品佑 陳" userId="b47096fc5e872c87" providerId="LiveId" clId="{9E32E880-9E21-4A31-BD97-DF83B23E4AFF}" dt="2023-12-21T10:51:38.606" v="7051" actId="14100"/>
+      <pc:sldChg chg="addSp delSp modSp add mod">
+        <pc:chgData name="品佑 陳" userId="b47096fc5e872c87" providerId="LiveId" clId="{9E32E880-9E21-4A31-BD97-DF83B23E4AFF}" dt="2023-12-21T10:56:31.470" v="7056" actId="1076"/>
         <pc:sldMkLst>
           <pc:docMk/>
           <pc:sldMk cId="1383466733" sldId="275"/>
         </pc:sldMkLst>
-        <pc:spChg chg="mod">
-          <ac:chgData name="品佑 陳" userId="b47096fc5e872c87" providerId="LiveId" clId="{9E32E880-9E21-4A31-BD97-DF83B23E4AFF}" dt="2023-12-21T10:51:38.606" v="7051" actId="14100"/>
+        <pc:spChg chg="del mod">
+          <ac:chgData name="品佑 陳" userId="b47096fc5e872c87" providerId="LiveId" clId="{9E32E880-9E21-4A31-BD97-DF83B23E4AFF}" dt="2023-12-21T10:56:21.255" v="7053" actId="22"/>
           <ac:spMkLst>
             <pc:docMk/>
             <pc:sldMk cId="1383466733" sldId="275"/>
             <ac:spMk id="3" creationId="{105D2EBD-2AA9-D0CC-8C5B-E95BAFCFFDD9}"/>
           </ac:spMkLst>
         </pc:spChg>
+        <pc:picChg chg="add mod ord">
+          <ac:chgData name="品佑 陳" userId="b47096fc5e872c87" providerId="LiveId" clId="{9E32E880-9E21-4A31-BD97-DF83B23E4AFF}" dt="2023-12-21T10:56:31.470" v="7056" actId="1076"/>
+          <ac:picMkLst>
+            <pc:docMk/>
+            <pc:sldMk cId="1383466733" sldId="275"/>
+            <ac:picMk id="5" creationId="{F06041AE-C2CC-BC63-D108-679528578888}"/>
+          </ac:picMkLst>
+        </pc:picChg>
       </pc:sldChg>
       <pc:sldChg chg="addSp delSp add del setBg delDesignElem">
         <pc:chgData name="品佑 陳" userId="b47096fc5e872c87" providerId="LiveId" clId="{9E32E880-9E21-4A31-BD97-DF83B23E4AFF}" dt="2023-12-21T10:48:59.116" v="6992"/>
@@ -1139,6 +1156,122 @@
             <ac:grpSpMk id="20" creationId="{28FAF094-D087-493F-8DF9-A486C2D6BBAA}"/>
           </ac:grpSpMkLst>
         </pc:grpChg>
+      </pc:sldChg>
+      <pc:sldChg chg="addSp delSp modSp add mod">
+        <pc:chgData name="品佑 陳" userId="b47096fc5e872c87" providerId="LiveId" clId="{9E32E880-9E21-4A31-BD97-DF83B23E4AFF}" dt="2023-12-21T10:58:21.456" v="7101" actId="1076"/>
+        <pc:sldMkLst>
+          <pc:docMk/>
+          <pc:sldMk cId="3857651330" sldId="276"/>
+        </pc:sldMkLst>
+        <pc:spChg chg="add del mod">
+          <ac:chgData name="品佑 陳" userId="b47096fc5e872c87" providerId="LiveId" clId="{9E32E880-9E21-4A31-BD97-DF83B23E4AFF}" dt="2023-12-21T10:58:17.107" v="7098" actId="22"/>
+          <ac:spMkLst>
+            <pc:docMk/>
+            <pc:sldMk cId="3857651330" sldId="276"/>
+            <ac:spMk id="4" creationId="{6BE740FD-517B-5D0B-F908-25C820686A3F}"/>
+          </ac:spMkLst>
+        </pc:spChg>
+        <pc:picChg chg="del">
+          <ac:chgData name="品佑 陳" userId="b47096fc5e872c87" providerId="LiveId" clId="{9E32E880-9E21-4A31-BD97-DF83B23E4AFF}" dt="2023-12-21T10:56:53.185" v="7060" actId="478"/>
+          <ac:picMkLst>
+            <pc:docMk/>
+            <pc:sldMk cId="3857651330" sldId="276"/>
+            <ac:picMk id="5" creationId="{F06041AE-C2CC-BC63-D108-679528578888}"/>
+          </ac:picMkLst>
+        </pc:picChg>
+        <pc:picChg chg="add mod ord">
+          <ac:chgData name="品佑 陳" userId="b47096fc5e872c87" providerId="LiveId" clId="{9E32E880-9E21-4A31-BD97-DF83B23E4AFF}" dt="2023-12-21T10:58:21.456" v="7101" actId="1076"/>
+          <ac:picMkLst>
+            <pc:docMk/>
+            <pc:sldMk cId="3857651330" sldId="276"/>
+            <ac:picMk id="7" creationId="{56A3928D-2F50-4809-7F4E-45C5191833CF}"/>
+          </ac:picMkLst>
+        </pc:picChg>
+      </pc:sldChg>
+      <pc:sldChg chg="addSp delSp modSp new mod">
+        <pc:chgData name="品佑 陳" userId="b47096fc5e872c87" providerId="LiveId" clId="{9E32E880-9E21-4A31-BD97-DF83B23E4AFF}" dt="2023-12-21T10:59:14.899" v="7107" actId="478"/>
+        <pc:sldMkLst>
+          <pc:docMk/>
+          <pc:sldMk cId="2537573413" sldId="277"/>
+        </pc:sldMkLst>
+        <pc:spChg chg="del">
+          <ac:chgData name="品佑 陳" userId="b47096fc5e872c87" providerId="LiveId" clId="{9E32E880-9E21-4A31-BD97-DF83B23E4AFF}" dt="2023-12-21T10:59:14.899" v="7107" actId="478"/>
+          <ac:spMkLst>
+            <pc:docMk/>
+            <pc:sldMk cId="2537573413" sldId="277"/>
+            <ac:spMk id="2" creationId="{23F8E410-3498-C895-A6ED-23291DA0B34E}"/>
+          </ac:spMkLst>
+        </pc:spChg>
+        <pc:spChg chg="del">
+          <ac:chgData name="品佑 陳" userId="b47096fc5e872c87" providerId="LiveId" clId="{9E32E880-9E21-4A31-BD97-DF83B23E4AFF}" dt="2023-12-21T10:59:09.250" v="7103" actId="22"/>
+          <ac:spMkLst>
+            <pc:docMk/>
+            <pc:sldMk cId="2537573413" sldId="277"/>
+            <ac:spMk id="3" creationId="{356A6E92-0AAA-C4B5-3069-B4A09443B09B}"/>
+          </ac:spMkLst>
+        </pc:spChg>
+        <pc:picChg chg="add mod ord">
+          <ac:chgData name="品佑 陳" userId="b47096fc5e872c87" providerId="LiveId" clId="{9E32E880-9E21-4A31-BD97-DF83B23E4AFF}" dt="2023-12-21T10:59:13.440" v="7106" actId="1076"/>
+          <ac:picMkLst>
+            <pc:docMk/>
+            <pc:sldMk cId="2537573413" sldId="277"/>
+            <ac:picMk id="5" creationId="{5A59DD9D-B4F7-2AFB-BD17-C79031284C08}"/>
+          </ac:picMkLst>
+        </pc:picChg>
+      </pc:sldChg>
+      <pc:sldChg chg="addSp delSp modSp new mod">
+        <pc:chgData name="品佑 陳" userId="b47096fc5e872c87" providerId="LiveId" clId="{9E32E880-9E21-4A31-BD97-DF83B23E4AFF}" dt="2023-12-21T11:16:57.311" v="7408" actId="1076"/>
+        <pc:sldMkLst>
+          <pc:docMk/>
+          <pc:sldMk cId="3211500410" sldId="278"/>
+        </pc:sldMkLst>
+        <pc:spChg chg="del">
+          <ac:chgData name="品佑 陳" userId="b47096fc5e872c87" providerId="LiveId" clId="{9E32E880-9E21-4A31-BD97-DF83B23E4AFF}" dt="2023-12-21T11:16:47.612" v="7404" actId="478"/>
+          <ac:spMkLst>
+            <pc:docMk/>
+            <pc:sldMk cId="3211500410" sldId="278"/>
+            <ac:spMk id="2" creationId="{55C477FC-8B3E-7557-C50D-DD33517F97EA}"/>
+          </ac:spMkLst>
+        </pc:spChg>
+        <pc:spChg chg="del">
+          <ac:chgData name="品佑 陳" userId="b47096fc5e872c87" providerId="LiveId" clId="{9E32E880-9E21-4A31-BD97-DF83B23E4AFF}" dt="2023-12-21T11:16:46.329" v="7403" actId="22"/>
+          <ac:spMkLst>
+            <pc:docMk/>
+            <pc:sldMk cId="3211500410" sldId="278"/>
+            <ac:spMk id="3" creationId="{115C1B1D-3521-08A2-5C20-34E66B18924E}"/>
+          </ac:spMkLst>
+        </pc:spChg>
+        <pc:picChg chg="add mod ord">
+          <ac:chgData name="品佑 陳" userId="b47096fc5e872c87" providerId="LiveId" clId="{9E32E880-9E21-4A31-BD97-DF83B23E4AFF}" dt="2023-12-21T11:16:57.311" v="7408" actId="1076"/>
+          <ac:picMkLst>
+            <pc:docMk/>
+            <pc:sldMk cId="3211500410" sldId="278"/>
+            <ac:picMk id="5" creationId="{4A9FBA0E-1429-278B-9A2E-412EE5734B14}"/>
+          </ac:picMkLst>
+        </pc:picChg>
+      </pc:sldChg>
+      <pc:sldChg chg="delSp modSp new mod">
+        <pc:chgData name="品佑 陳" userId="b47096fc5e872c87" providerId="LiveId" clId="{9E32E880-9E21-4A31-BD97-DF83B23E4AFF}" dt="2023-12-21T11:19:06.209" v="7428" actId="1076"/>
+        <pc:sldMkLst>
+          <pc:docMk/>
+          <pc:sldMk cId="2980191247" sldId="279"/>
+        </pc:sldMkLst>
+        <pc:spChg chg="mod">
+          <ac:chgData name="品佑 陳" userId="b47096fc5e872c87" providerId="LiveId" clId="{9E32E880-9E21-4A31-BD97-DF83B23E4AFF}" dt="2023-12-21T11:19:06.209" v="7428" actId="1076"/>
+          <ac:spMkLst>
+            <pc:docMk/>
+            <pc:sldMk cId="2980191247" sldId="279"/>
+            <ac:spMk id="2" creationId="{B17CD80E-FF1F-EAF1-C670-2903ADCEA1D1}"/>
+          </ac:spMkLst>
+        </pc:spChg>
+        <pc:spChg chg="del">
+          <ac:chgData name="品佑 陳" userId="b47096fc5e872c87" providerId="LiveId" clId="{9E32E880-9E21-4A31-BD97-DF83B23E4AFF}" dt="2023-12-21T11:19:02.005" v="7427" actId="478"/>
+          <ac:spMkLst>
+            <pc:docMk/>
+            <pc:sldMk cId="2980191247" sldId="279"/>
+            <ac:spMk id="3" creationId="{39B422D3-4639-104C-CAAF-A0DD572600DA}"/>
+          </ac:spMkLst>
+        </pc:spChg>
       </pc:sldChg>
     </pc:docChg>
   </pc:docChgLst>
@@ -5236,988 +5369,6 @@
       </p:grpSpPr>
       <p:sp useBgFill="1">
         <p:nvSpPr>
-          <p:cNvPr id="16" name="Rectangle 15">
-            <a:extLst>
-              <a:ext uri="{FF2B5EF4-FFF2-40B4-BE49-F238E27FC236}">
-                <a16:creationId xmlns:a16="http://schemas.microsoft.com/office/drawing/2014/main" id="{907EF6B7-1338-4443-8C46-6A318D952DFD}"/>
-              </a:ext>
-              <a:ext uri="{C183D7F6-B498-43B3-948B-1728B52AA6E4}">
-                <adec:decorative xmlns:adec="http://schemas.microsoft.com/office/drawing/2017/decorative" val="1"/>
-              </a:ext>
-            </a:extLst>
-          </p:cNvPr>
-          <p:cNvSpPr>
-            <a:spLocks noGrp="1" noRot="1" noChangeAspect="1" noMove="1" noResize="1" noEditPoints="1" noAdjustHandles="1" noChangeArrowheads="1" noChangeShapeType="1" noTextEdit="1"/>
-          </p:cNvSpPr>
-          <p:nvPr>
-            <p:extLst>
-              <p:ext uri="{386F3935-93C4-4BCD-93E2-E3B085C9AB24}">
-                <p16:designElem xmlns:p16="http://schemas.microsoft.com/office/powerpoint/2015/main" val="1"/>
-              </p:ext>
-            </p:extLst>
-          </p:nvPr>
-        </p:nvSpPr>
-        <p:spPr>
-          <a:xfrm>
-            <a:off x="3048" y="0"/>
-            <a:ext cx="12188952" cy="6858000"/>
-          </a:xfrm>
-          <a:prstGeom prst="rect">
-            <a:avLst/>
-          </a:prstGeom>
-          <a:ln>
-            <a:noFill/>
-          </a:ln>
-        </p:spPr>
-        <p:style>
-          <a:lnRef idx="2">
-            <a:schemeClr val="accent1">
-              <a:shade val="50000"/>
-            </a:schemeClr>
-          </a:lnRef>
-          <a:fillRef idx="1">
-            <a:schemeClr val="accent1"/>
-          </a:fillRef>
-          <a:effectRef idx="0">
-            <a:schemeClr val="accent1"/>
-          </a:effectRef>
-          <a:fontRef idx="minor">
-            <a:schemeClr val="lt1"/>
-          </a:fontRef>
-        </p:style>
-        <p:txBody>
-          <a:bodyPr rtlCol="0" anchor="ctr"/>
-          <a:lstStyle/>
-          <a:p>
-            <a:pPr algn="ctr"/>
-            <a:endParaRPr lang="en-US"/>
-          </a:p>
-        </p:txBody>
-      </p:sp>
-      <p:sp>
-        <p:nvSpPr>
-          <p:cNvPr id="18" name="Freeform: Shape 17">
-            <a:extLst>
-              <a:ext uri="{FF2B5EF4-FFF2-40B4-BE49-F238E27FC236}">
-                <a16:creationId xmlns:a16="http://schemas.microsoft.com/office/drawing/2014/main" id="{DAAE4CDD-124C-4DCF-9584-B6033B545DD5}"/>
-              </a:ext>
-              <a:ext uri="{C183D7F6-B498-43B3-948B-1728B52AA6E4}">
-                <adec:decorative xmlns:adec="http://schemas.microsoft.com/office/drawing/2017/decorative" val="1"/>
-              </a:ext>
-            </a:extLst>
-          </p:cNvPr>
-          <p:cNvSpPr>
-            <a:spLocks noGrp="1" noRot="1" noChangeAspect="1" noMove="1" noResize="1" noEditPoints="1" noAdjustHandles="1" noChangeArrowheads="1" noChangeShapeType="1" noTextEdit="1"/>
-          </p:cNvSpPr>
-          <p:nvPr>
-            <p:extLst>
-              <p:ext uri="{386F3935-93C4-4BCD-93E2-E3B085C9AB24}">
-                <p16:designElem xmlns:p16="http://schemas.microsoft.com/office/powerpoint/2015/main" val="1"/>
-              </p:ext>
-            </p:extLst>
-          </p:nvPr>
-        </p:nvSpPr>
-        <p:spPr>
-          <a:xfrm>
-            <a:off x="1" y="0"/>
-            <a:ext cx="4167271" cy="6858000"/>
-          </a:xfrm>
-          <a:custGeom>
-            <a:avLst/>
-            <a:gdLst>
-              <a:gd name="connsiteX0" fmla="*/ 0 w 4167271"/>
-              <a:gd name="connsiteY0" fmla="*/ 0 h 6858000"/>
-              <a:gd name="connsiteX1" fmla="*/ 2259550 w 4167271"/>
-              <a:gd name="connsiteY1" fmla="*/ 0 h 6858000"/>
-              <a:gd name="connsiteX2" fmla="*/ 2387803 w 4167271"/>
-              <a:gd name="connsiteY2" fmla="*/ 82222 h 6858000"/>
-              <a:gd name="connsiteX3" fmla="*/ 4167271 w 4167271"/>
-              <a:gd name="connsiteY3" fmla="*/ 3429000 h 6858000"/>
-              <a:gd name="connsiteX4" fmla="*/ 2387803 w 4167271"/>
-              <a:gd name="connsiteY4" fmla="*/ 6775779 h 6858000"/>
-              <a:gd name="connsiteX5" fmla="*/ 2259550 w 4167271"/>
-              <a:gd name="connsiteY5" fmla="*/ 6858000 h 6858000"/>
-              <a:gd name="connsiteX6" fmla="*/ 0 w 4167271"/>
-              <a:gd name="connsiteY6" fmla="*/ 6858000 h 6858000"/>
-            </a:gdLst>
-            <a:ahLst/>
-            <a:cxnLst>
-              <a:cxn ang="0">
-                <a:pos x="connsiteX0" y="connsiteY0"/>
-              </a:cxn>
-              <a:cxn ang="0">
-                <a:pos x="connsiteX1" y="connsiteY1"/>
-              </a:cxn>
-              <a:cxn ang="0">
-                <a:pos x="connsiteX2" y="connsiteY2"/>
-              </a:cxn>
-              <a:cxn ang="0">
-                <a:pos x="connsiteX3" y="connsiteY3"/>
-              </a:cxn>
-              <a:cxn ang="0">
-                <a:pos x="connsiteX4" y="connsiteY4"/>
-              </a:cxn>
-              <a:cxn ang="0">
-                <a:pos x="connsiteX5" y="connsiteY5"/>
-              </a:cxn>
-              <a:cxn ang="0">
-                <a:pos x="connsiteX6" y="connsiteY6"/>
-              </a:cxn>
-            </a:cxnLst>
-            <a:rect l="l" t="t" r="r" b="b"/>
-            <a:pathLst>
-              <a:path w="4167271" h="6858000">
-                <a:moveTo>
-                  <a:pt x="0" y="0"/>
-                </a:moveTo>
-                <a:lnTo>
-                  <a:pt x="2259550" y="0"/>
-                </a:lnTo>
-                <a:lnTo>
-                  <a:pt x="2387803" y="82222"/>
-                </a:lnTo>
-                <a:cubicBezTo>
-                  <a:pt x="3461407" y="807534"/>
-                  <a:pt x="4167271" y="2035835"/>
-                  <a:pt x="4167271" y="3429000"/>
-                </a:cubicBezTo>
-                <a:cubicBezTo>
-                  <a:pt x="4167271" y="4822165"/>
-                  <a:pt x="3461407" y="6050467"/>
-                  <a:pt x="2387803" y="6775779"/>
-                </a:cubicBezTo>
-                <a:lnTo>
-                  <a:pt x="2259550" y="6858000"/>
-                </a:lnTo>
-                <a:lnTo>
-                  <a:pt x="0" y="6858000"/>
-                </a:lnTo>
-                <a:close/>
-              </a:path>
-            </a:pathLst>
-          </a:custGeom>
-          <a:solidFill>
-            <a:schemeClr val="accent2"/>
-          </a:solidFill>
-          <a:ln>
-            <a:noFill/>
-          </a:ln>
-        </p:spPr>
-        <p:style>
-          <a:lnRef idx="2">
-            <a:schemeClr val="accent1">
-              <a:shade val="50000"/>
-            </a:schemeClr>
-          </a:lnRef>
-          <a:fillRef idx="1">
-            <a:schemeClr val="accent1"/>
-          </a:fillRef>
-          <a:effectRef idx="0">
-            <a:schemeClr val="accent1"/>
-          </a:effectRef>
-          <a:fontRef idx="minor">
-            <a:schemeClr val="lt1"/>
-          </a:fontRef>
-        </p:style>
-        <p:txBody>
-          <a:bodyPr rtlCol="0" anchor="ctr"/>
-          <a:lstStyle/>
-          <a:p>
-            <a:pPr algn="ctr"/>
-            <a:endParaRPr lang="en-US"/>
-          </a:p>
-        </p:txBody>
-      </p:sp>
-      <p:sp>
-        <p:nvSpPr>
-          <p:cNvPr id="2" name="標題 1">
-            <a:extLst>
-              <a:ext uri="{FF2B5EF4-FFF2-40B4-BE49-F238E27FC236}">
-                <a16:creationId xmlns:a16="http://schemas.microsoft.com/office/drawing/2014/main" id="{29F4D143-CCA3-4C4A-25FB-C7209112ACF3}"/>
-              </a:ext>
-            </a:extLst>
-          </p:cNvPr>
-          <p:cNvSpPr>
-            <a:spLocks noGrp="1"/>
-          </p:cNvSpPr>
-          <p:nvPr>
-            <p:ph type="title"/>
-          </p:nvPr>
-        </p:nvSpPr>
-        <p:spPr>
-          <a:xfrm>
-            <a:off x="358144" y="1153571"/>
-            <a:ext cx="3760474" cy="4461163"/>
-          </a:xfrm>
-        </p:spPr>
-        <p:txBody>
-          <a:bodyPr vert="horz" lIns="91440" tIns="45720" rIns="91440" bIns="45720" rtlCol="0">
-            <a:normAutofit/>
-          </a:bodyPr>
-          <a:lstStyle/>
-          <a:p>
-            <a:r>
-              <a:rPr lang="zh-TW" altLang="en-US" b="1" kern="1200" dirty="0">
-                <a:solidFill>
-                  <a:srgbClr val="FFFFFF"/>
-                </a:solidFill>
-                <a:latin typeface="+mj-lt"/>
-                <a:ea typeface="+mj-ea"/>
-                <a:cs typeface="+mj-cs"/>
-              </a:rPr>
-              <a:t>使用者的需求</a:t>
-            </a:r>
-          </a:p>
-        </p:txBody>
-      </p:sp>
-      <p:sp>
-        <p:nvSpPr>
-          <p:cNvPr id="20" name="Arc 19">
-            <a:extLst>
-              <a:ext uri="{FF2B5EF4-FFF2-40B4-BE49-F238E27FC236}">
-                <a16:creationId xmlns:a16="http://schemas.microsoft.com/office/drawing/2014/main" id="{081E4A58-353D-44AE-B2FC-2A74E2E400F7}"/>
-              </a:ext>
-              <a:ext uri="{C183D7F6-B498-43B3-948B-1728B52AA6E4}">
-                <adec:decorative xmlns:adec="http://schemas.microsoft.com/office/drawing/2017/decorative" val="1"/>
-              </a:ext>
-            </a:extLst>
-          </p:cNvPr>
-          <p:cNvSpPr>
-            <a:spLocks noGrp="1" noRot="1" noChangeAspect="1" noMove="1" noResize="1" noEditPoints="1" noAdjustHandles="1" noChangeArrowheads="1" noChangeShapeType="1" noTextEdit="1"/>
-          </p:cNvSpPr>
-          <p:nvPr>
-            <p:extLst>
-              <p:ext uri="{386F3935-93C4-4BCD-93E2-E3B085C9AB24}">
-                <p16:designElem xmlns:p16="http://schemas.microsoft.com/office/powerpoint/2015/main" val="1"/>
-              </p:ext>
-            </p:extLst>
-          </p:nvPr>
-        </p:nvSpPr>
-        <p:spPr>
-          <a:xfrm flipV="1">
-            <a:off x="7550402" y="2455479"/>
-            <a:ext cx="4083433" cy="4083433"/>
-          </a:xfrm>
-          <a:prstGeom prst="arc">
-            <a:avLst/>
-          </a:prstGeom>
-          <a:ln w="127000" cap="rnd">
-            <a:solidFill>
-              <a:schemeClr val="accent4"/>
-            </a:solidFill>
-            <a:prstDash val="dash"/>
-          </a:ln>
-        </p:spPr>
-        <p:style>
-          <a:lnRef idx="1">
-            <a:schemeClr val="accent1"/>
-          </a:lnRef>
-          <a:fillRef idx="0">
-            <a:schemeClr val="accent1"/>
-          </a:fillRef>
-          <a:effectRef idx="0">
-            <a:schemeClr val="accent1"/>
-          </a:effectRef>
-          <a:fontRef idx="minor">
-            <a:schemeClr val="tx1"/>
-          </a:fontRef>
-        </p:style>
-        <p:txBody>
-          <a:bodyPr rtlCol="0" anchor="ctr"/>
-          <a:lstStyle/>
-          <a:p>
-            <a:pPr algn="ctr"/>
-            <a:endParaRPr lang="en-US" dirty="0"/>
-          </a:p>
-        </p:txBody>
-      </p:sp>
-      <p:sp>
-        <p:nvSpPr>
-          <p:cNvPr id="3" name="內容版面配置區 2">
-            <a:extLst>
-              <a:ext uri="{FF2B5EF4-FFF2-40B4-BE49-F238E27FC236}">
-                <a16:creationId xmlns:a16="http://schemas.microsoft.com/office/drawing/2014/main" id="{C2594907-F511-6566-3959-517CC45D2FAC}"/>
-              </a:ext>
-            </a:extLst>
-          </p:cNvPr>
-          <p:cNvSpPr>
-            <a:spLocks noGrp="1"/>
-          </p:cNvSpPr>
-          <p:nvPr>
-            <p:ph idx="1"/>
-          </p:nvPr>
-        </p:nvSpPr>
-        <p:spPr>
-          <a:xfrm>
-            <a:off x="4447308" y="591344"/>
-            <a:ext cx="6906491" cy="5585619"/>
-          </a:xfrm>
-        </p:spPr>
-        <p:txBody>
-          <a:bodyPr vert="horz" lIns="91440" tIns="45720" rIns="91440" bIns="45720" rtlCol="0" anchor="ctr">
-            <a:normAutofit/>
-          </a:bodyPr>
-          <a:lstStyle/>
-          <a:p>
-            <a:pPr marL="285750" indent="-228600">
-              <a:spcAft>
-                <a:spcPts val="600"/>
-              </a:spcAft>
-              <a:buFont typeface="Arial" panose="020B0604020202020204" pitchFamily="34" charset="0"/>
-              <a:buChar char="•"/>
-            </a:pPr>
-            <a:r>
-              <a:rPr lang="zh-TW" altLang="en-US" dirty="0">
-                <a:latin typeface="微軟正黑體" panose="020B0604030504040204" pitchFamily="34" charset="-120"/>
-                <a:ea typeface="微軟正黑體" panose="020B0604030504040204" pitchFamily="34" charset="-120"/>
-              </a:rPr>
-              <a:t>需求</a:t>
-            </a:r>
-            <a:r>
-              <a:rPr lang="en-US" altLang="zh-TW" dirty="0">
-                <a:latin typeface="微軟正黑體" panose="020B0604030504040204" pitchFamily="34" charset="-120"/>
-                <a:ea typeface="微軟正黑體" panose="020B0604030504040204" pitchFamily="34" charset="-120"/>
-              </a:rPr>
-              <a:t>:</a:t>
-            </a:r>
-          </a:p>
-          <a:p>
-            <a:pPr marL="742950" lvl="1" indent="-228600">
-              <a:spcAft>
-                <a:spcPts val="600"/>
-              </a:spcAft>
-              <a:buFont typeface="Arial" panose="020B0604020202020204" pitchFamily="34" charset="0"/>
-              <a:buChar char="•"/>
-            </a:pPr>
-            <a:endParaRPr lang="en-US" altLang="zh-TW" dirty="0">
-              <a:latin typeface="微軟正黑體" panose="020B0604030504040204" pitchFamily="34" charset="-120"/>
-              <a:ea typeface="微軟正黑體" panose="020B0604030504040204" pitchFamily="34" charset="-120"/>
-            </a:endParaRPr>
-          </a:p>
-          <a:p>
-            <a:pPr marL="742950" lvl="1" indent="-228600">
-              <a:spcAft>
-                <a:spcPts val="600"/>
-              </a:spcAft>
-              <a:buFont typeface="Arial" panose="020B0604020202020204" pitchFamily="34" charset="0"/>
-              <a:buChar char="•"/>
-            </a:pPr>
-            <a:r>
-              <a:rPr lang="zh-TW" altLang="en-US" dirty="0">
-                <a:latin typeface="微軟正黑體" panose="020B0604030504040204" pitchFamily="34" charset="-120"/>
-                <a:ea typeface="微軟正黑體" panose="020B0604030504040204" pitchFamily="34" charset="-120"/>
-              </a:rPr>
-              <a:t>及時發現問題，避免惡化</a:t>
-            </a:r>
-            <a:endParaRPr lang="en-US" altLang="zh-TW" dirty="0">
-              <a:latin typeface="微軟正黑體" panose="020B0604030504040204" pitchFamily="34" charset="-120"/>
-              <a:ea typeface="微軟正黑體" panose="020B0604030504040204" pitchFamily="34" charset="-120"/>
-            </a:endParaRPr>
-          </a:p>
-          <a:p>
-            <a:pPr marL="742950" lvl="1" indent="-228600">
-              <a:spcAft>
-                <a:spcPts val="600"/>
-              </a:spcAft>
-              <a:buFont typeface="Arial" panose="020B0604020202020204" pitchFamily="34" charset="0"/>
-              <a:buChar char="•"/>
-            </a:pPr>
-            <a:endParaRPr lang="en-US" altLang="zh-TW" dirty="0">
-              <a:latin typeface="微軟正黑體" panose="020B0604030504040204" pitchFamily="34" charset="-120"/>
-              <a:ea typeface="微軟正黑體" panose="020B0604030504040204" pitchFamily="34" charset="-120"/>
-            </a:endParaRPr>
-          </a:p>
-          <a:p>
-            <a:pPr marL="742950" lvl="1" indent="-228600">
-              <a:spcAft>
-                <a:spcPts val="600"/>
-              </a:spcAft>
-              <a:buFont typeface="Arial" panose="020B0604020202020204" pitchFamily="34" charset="0"/>
-              <a:buChar char="•"/>
-            </a:pPr>
-            <a:r>
-              <a:rPr lang="zh-TW" altLang="en-US">
-                <a:latin typeface="微軟正黑體" panose="020B0604030504040204" pitchFamily="34" charset="-120"/>
-                <a:ea typeface="微軟正黑體" panose="020B0604030504040204" pitchFamily="34" charset="-120"/>
-              </a:rPr>
-              <a:t>正確</a:t>
-            </a:r>
-            <a:r>
-              <a:rPr lang="zh-TW" altLang="en-US" dirty="0">
-                <a:latin typeface="微軟正黑體" panose="020B0604030504040204" pitchFamily="34" charset="-120"/>
-                <a:ea typeface="微軟正黑體" panose="020B0604030504040204" pitchFamily="34" charset="-120"/>
-              </a:rPr>
-              <a:t>、</a:t>
-            </a:r>
-            <a:r>
-              <a:rPr lang="zh-TW" altLang="en-US">
-                <a:latin typeface="微軟正黑體" panose="020B0604030504040204" pitchFamily="34" charset="-120"/>
-                <a:ea typeface="微軟正黑體" panose="020B0604030504040204" pitchFamily="34" charset="-120"/>
-              </a:rPr>
-              <a:t>及時的保健知識、建議</a:t>
-            </a:r>
-            <a:endParaRPr lang="zh-TW" altLang="en-US" dirty="0">
-              <a:latin typeface="微軟正黑體" panose="020B0604030504040204" pitchFamily="34" charset="-120"/>
-              <a:ea typeface="微軟正黑體" panose="020B0604030504040204" pitchFamily="34" charset="-120"/>
-            </a:endParaRPr>
-          </a:p>
-        </p:txBody>
-      </p:sp>
-    </p:spTree>
-    <p:extLst>
-      <p:ext uri="{BB962C8B-B14F-4D97-AF65-F5344CB8AC3E}">
-        <p14:creationId xmlns:p14="http://schemas.microsoft.com/office/powerpoint/2010/main" val="3016596021"/>
-      </p:ext>
-    </p:extLst>
-  </p:cSld>
-  <p:clrMapOvr>
-    <a:masterClrMapping/>
-  </p:clrMapOvr>
-</p:sld>
-</file>
-
-<file path=ppt/slides/slide11.xml><?xml version="1.0" encoding="utf-8"?>
-<p:sld xmlns:a="http://schemas.openxmlformats.org/drawingml/2006/main" xmlns:r="http://schemas.openxmlformats.org/officeDocument/2006/relationships" xmlns:p="http://schemas.openxmlformats.org/presentationml/2006/main">
-  <p:cSld>
-    <p:bg>
-      <p:bgPr>
-        <a:solidFill>
-          <a:schemeClr val="bg1"/>
-        </a:solidFill>
-        <a:effectLst/>
-      </p:bgPr>
-    </p:bg>
-    <p:spTree>
-      <p:nvGrpSpPr>
-        <p:cNvPr id="1" name=""/>
-        <p:cNvGrpSpPr/>
-        <p:nvPr/>
-      </p:nvGrpSpPr>
-      <p:grpSpPr>
-        <a:xfrm>
-          <a:off x="0" y="0"/>
-          <a:ext cx="0" cy="0"/>
-          <a:chOff x="0" y="0"/>
-          <a:chExt cx="0" cy="0"/>
-        </a:xfrm>
-      </p:grpSpPr>
-      <p:sp useBgFill="1">
-        <p:nvSpPr>
-          <p:cNvPr id="8" name="Rectangle 7">
-            <a:extLst>
-              <a:ext uri="{FF2B5EF4-FFF2-40B4-BE49-F238E27FC236}">
-                <a16:creationId xmlns:a16="http://schemas.microsoft.com/office/drawing/2014/main" id="{4DA718D0-4865-4629-8134-44F68D41D574}"/>
-              </a:ext>
-              <a:ext uri="{C183D7F6-B498-43B3-948B-1728B52AA6E4}">
-                <adec:decorative xmlns:adec="http://schemas.microsoft.com/office/drawing/2017/decorative" val="1"/>
-              </a:ext>
-            </a:extLst>
-          </p:cNvPr>
-          <p:cNvSpPr>
-            <a:spLocks noGrp="1" noRot="1" noChangeAspect="1" noMove="1" noResize="1" noEditPoints="1" noAdjustHandles="1" noChangeArrowheads="1" noChangeShapeType="1" noTextEdit="1"/>
-          </p:cNvSpPr>
-          <p:nvPr>
-            <p:extLst>
-              <p:ext uri="{386F3935-93C4-4BCD-93E2-E3B085C9AB24}">
-                <p16:designElem xmlns:p16="http://schemas.microsoft.com/office/powerpoint/2015/main" val="1"/>
-              </p:ext>
-            </p:extLst>
-          </p:nvPr>
-        </p:nvSpPr>
-        <p:spPr>
-          <a:xfrm>
-            <a:off x="0" y="0"/>
-            <a:ext cx="12191999" cy="6857365"/>
-          </a:xfrm>
-          <a:prstGeom prst="rect">
-            <a:avLst/>
-          </a:prstGeom>
-          <a:ln>
-            <a:noFill/>
-          </a:ln>
-        </p:spPr>
-        <p:style>
-          <a:lnRef idx="2">
-            <a:schemeClr val="accent1">
-              <a:shade val="50000"/>
-            </a:schemeClr>
-          </a:lnRef>
-          <a:fillRef idx="1">
-            <a:schemeClr val="accent1"/>
-          </a:fillRef>
-          <a:effectRef idx="0">
-            <a:schemeClr val="accent1"/>
-          </a:effectRef>
-          <a:fontRef idx="minor">
-            <a:schemeClr val="lt1"/>
-          </a:fontRef>
-        </p:style>
-        <p:txBody>
-          <a:bodyPr rtlCol="0" anchor="ctr"/>
-          <a:lstStyle/>
-          <a:p>
-            <a:pPr algn="ctr"/>
-            <a:endParaRPr lang="en-US"/>
-          </a:p>
-        </p:txBody>
-      </p:sp>
-      <p:grpSp>
-        <p:nvGrpSpPr>
-          <p:cNvPr id="10" name="Group 9">
-            <a:extLst>
-              <a:ext uri="{FF2B5EF4-FFF2-40B4-BE49-F238E27FC236}">
-                <a16:creationId xmlns:a16="http://schemas.microsoft.com/office/drawing/2014/main" id="{65167ED7-6315-43AB-B1B6-C326D5FD8F84}"/>
-              </a:ext>
-              <a:ext uri="{C183D7F6-B498-43B3-948B-1728B52AA6E4}">
-                <adec:decorative xmlns:adec="http://schemas.microsoft.com/office/drawing/2017/decorative" val="1"/>
-              </a:ext>
-            </a:extLst>
-          </p:cNvPr>
-          <p:cNvGrpSpPr>
-            <a:grpSpLocks noGrp="1" noUngrp="1" noRot="1" noChangeAspect="1" noMove="1" noResize="1"/>
-          </p:cNvGrpSpPr>
-          <p:nvPr>
-            <p:extLst>
-              <p:ext uri="{386F3935-93C4-4BCD-93E2-E3B085C9AB24}">
-                <p16:designElem xmlns:p16="http://schemas.microsoft.com/office/powerpoint/2015/main" val="1"/>
-              </p:ext>
-            </p:extLst>
-          </p:nvPr>
-        </p:nvGrpSpPr>
-        <p:grpSpPr>
-          <a:xfrm rot="5400000">
-            <a:off x="-2340441" y="2666183"/>
-            <a:ext cx="5860051" cy="527712"/>
-            <a:chOff x="6081624" y="1998368"/>
-            <a:chExt cx="5613457" cy="782175"/>
-          </a:xfrm>
-          <a:solidFill>
-            <a:schemeClr val="accent4"/>
-          </a:solidFill>
-        </p:grpSpPr>
-        <p:sp>
-          <p:nvSpPr>
-            <p:cNvPr id="11" name="Rectangle 10">
-              <a:extLst>
-                <a:ext uri="{FF2B5EF4-FFF2-40B4-BE49-F238E27FC236}">
-                  <a16:creationId xmlns:a16="http://schemas.microsoft.com/office/drawing/2014/main" id="{EF4D8839-FB03-487D-ACC8-8BFEDD4FEBAE}"/>
-                </a:ext>
-                <a:ext uri="{C183D7F6-B498-43B3-948B-1728B52AA6E4}">
-                  <adec:decorative xmlns:adec="http://schemas.microsoft.com/office/drawing/2017/decorative" val="1"/>
-                </a:ext>
-              </a:extLst>
-            </p:cNvPr>
-            <p:cNvSpPr/>
-            <p:nvPr>
-              <p:extLst>
-                <p:ext uri="{386F3935-93C4-4BCD-93E2-E3B085C9AB24}">
-                  <p16:designElem xmlns:p16="http://schemas.microsoft.com/office/powerpoint/2015/main" val="1"/>
-                </p:ext>
-              </p:extLst>
-            </p:nvPr>
-          </p:nvSpPr>
-          <p:spPr>
-            <a:xfrm rot="5400000">
-              <a:off x="11228040" y="2313027"/>
-              <a:ext cx="781700" cy="152382"/>
-            </a:xfrm>
-            <a:prstGeom prst="rect">
-              <a:avLst/>
-            </a:prstGeom>
-            <a:grpFill/>
-            <a:ln>
-              <a:noFill/>
-            </a:ln>
-          </p:spPr>
-          <p:style>
-            <a:lnRef idx="2">
-              <a:schemeClr val="accent1">
-                <a:shade val="50000"/>
-              </a:schemeClr>
-            </a:lnRef>
-            <a:fillRef idx="1">
-              <a:schemeClr val="accent1"/>
-            </a:fillRef>
-            <a:effectRef idx="0">
-              <a:schemeClr val="accent1"/>
-            </a:effectRef>
-            <a:fontRef idx="minor">
-              <a:schemeClr val="lt1"/>
-            </a:fontRef>
-          </p:style>
-          <p:txBody>
-            <a:bodyPr rtlCol="0" anchor="ctr"/>
-            <a:lstStyle/>
-            <a:p>
-              <a:pPr algn="ctr"/>
-              <a:endParaRPr lang="en-US"/>
-            </a:p>
-          </p:txBody>
-        </p:sp>
-        <p:sp>
-          <p:nvSpPr>
-            <p:cNvPr id="12" name="Rectangle 11">
-              <a:extLst>
-                <a:ext uri="{FF2B5EF4-FFF2-40B4-BE49-F238E27FC236}">
-                  <a16:creationId xmlns:a16="http://schemas.microsoft.com/office/drawing/2014/main" id="{0EF75023-9A3B-42FC-B704-61A8F7BEF415}"/>
-                </a:ext>
-                <a:ext uri="{C183D7F6-B498-43B3-948B-1728B52AA6E4}">
-                  <adec:decorative xmlns:adec="http://schemas.microsoft.com/office/drawing/2017/decorative" val="1"/>
-                </a:ext>
-              </a:extLst>
-            </p:cNvPr>
-            <p:cNvSpPr/>
-            <p:nvPr>
-              <p:extLst>
-                <p:ext uri="{386F3935-93C4-4BCD-93E2-E3B085C9AB24}">
-                  <p16:designElem xmlns:p16="http://schemas.microsoft.com/office/powerpoint/2015/main" val="1"/>
-                </p:ext>
-              </p:extLst>
-            </p:nvPr>
-          </p:nvSpPr>
-          <p:spPr>
-            <a:xfrm flipH="1" flipV="1">
-              <a:off x="6081624" y="1998844"/>
-              <a:ext cx="5372968" cy="781699"/>
-            </a:xfrm>
-            <a:prstGeom prst="rect">
-              <a:avLst/>
-            </a:prstGeom>
-            <a:grpFill/>
-            <a:ln>
-              <a:noFill/>
-            </a:ln>
-          </p:spPr>
-          <p:style>
-            <a:lnRef idx="2">
-              <a:schemeClr val="accent1">
-                <a:shade val="50000"/>
-              </a:schemeClr>
-            </a:lnRef>
-            <a:fillRef idx="1">
-              <a:schemeClr val="accent1"/>
-            </a:fillRef>
-            <a:effectRef idx="0">
-              <a:schemeClr val="accent1"/>
-            </a:effectRef>
-            <a:fontRef idx="minor">
-              <a:schemeClr val="lt1"/>
-            </a:fontRef>
-          </p:style>
-          <p:txBody>
-            <a:bodyPr rtlCol="0" anchor="ctr"/>
-            <a:lstStyle/>
-            <a:p>
-              <a:pPr algn="ctr"/>
-              <a:endParaRPr lang="en-US"/>
-            </a:p>
-          </p:txBody>
-        </p:sp>
-      </p:grpSp>
-      <p:sp>
-        <p:nvSpPr>
-          <p:cNvPr id="14" name="Rectangle 13">
-            <a:extLst>
-              <a:ext uri="{FF2B5EF4-FFF2-40B4-BE49-F238E27FC236}">
-                <a16:creationId xmlns:a16="http://schemas.microsoft.com/office/drawing/2014/main" id="{CBC4F608-B4B8-48C3-9572-C0F061B1CD99}"/>
-              </a:ext>
-              <a:ext uri="{C183D7F6-B498-43B3-948B-1728B52AA6E4}">
-                <adec:decorative xmlns:adec="http://schemas.microsoft.com/office/drawing/2017/decorative" val="1"/>
-              </a:ext>
-            </a:extLst>
-          </p:cNvPr>
-          <p:cNvSpPr>
-            <a:spLocks noGrp="1" noRot="1" noChangeAspect="1" noMove="1" noResize="1" noEditPoints="1" noAdjustHandles="1" noChangeArrowheads="1" noChangeShapeType="1" noTextEdit="1"/>
-          </p:cNvSpPr>
-          <p:nvPr>
-            <p:extLst>
-              <p:ext uri="{386F3935-93C4-4BCD-93E2-E3B085C9AB24}">
-                <p16:designElem xmlns:p16="http://schemas.microsoft.com/office/powerpoint/2015/main" val="1"/>
-              </p:ext>
-            </p:extLst>
-          </p:nvPr>
-        </p:nvSpPr>
-        <p:spPr>
-          <a:xfrm>
-            <a:off x="579528" y="922919"/>
-            <a:ext cx="11111729" cy="5461252"/>
-          </a:xfrm>
-          <a:prstGeom prst="rect">
-            <a:avLst/>
-          </a:prstGeom>
-          <a:solidFill>
-            <a:schemeClr val="bg1"/>
-          </a:solidFill>
-          <a:ln>
-            <a:noFill/>
-          </a:ln>
-          <a:effectLst>
-            <a:outerShdw blurRad="139700" dist="127000" dir="5400000" algn="t" rotWithShape="0">
-              <a:prstClr val="black">
-                <a:alpha val="15000"/>
-              </a:prstClr>
-            </a:outerShdw>
-          </a:effectLst>
-        </p:spPr>
-        <p:style>
-          <a:lnRef idx="2">
-            <a:schemeClr val="accent1">
-              <a:shade val="50000"/>
-            </a:schemeClr>
-          </a:lnRef>
-          <a:fillRef idx="1">
-            <a:schemeClr val="accent1"/>
-          </a:fillRef>
-          <a:effectRef idx="0">
-            <a:schemeClr val="accent1"/>
-          </a:effectRef>
-          <a:fontRef idx="minor">
-            <a:schemeClr val="lt1"/>
-          </a:fontRef>
-        </p:style>
-        <p:txBody>
-          <a:bodyPr rtlCol="0" anchor="ctr"/>
-          <a:lstStyle/>
-          <a:p>
-            <a:pPr algn="ctr"/>
-            <a:endParaRPr lang="en-US"/>
-          </a:p>
-        </p:txBody>
-      </p:sp>
-      <p:sp>
-        <p:nvSpPr>
-          <p:cNvPr id="2" name="標題 1">
-            <a:extLst>
-              <a:ext uri="{FF2B5EF4-FFF2-40B4-BE49-F238E27FC236}">
-                <a16:creationId xmlns:a16="http://schemas.microsoft.com/office/drawing/2014/main" id="{CAA09E6E-FB67-EE3D-AA53-FCDFFD95F5B9}"/>
-              </a:ext>
-            </a:extLst>
-          </p:cNvPr>
-          <p:cNvSpPr>
-            <a:spLocks noGrp="1"/>
-          </p:cNvSpPr>
-          <p:nvPr>
-            <p:ph type="title"/>
-          </p:nvPr>
-        </p:nvSpPr>
-        <p:spPr>
-          <a:xfrm>
-            <a:off x="1210515" y="0"/>
-            <a:ext cx="9849751" cy="1349671"/>
-          </a:xfrm>
-        </p:spPr>
-        <p:txBody>
-          <a:bodyPr anchor="b">
-            <a:normAutofit/>
-          </a:bodyPr>
-          <a:lstStyle/>
-          <a:p>
-            <a:r>
-              <a:rPr lang="zh-TW" altLang="en-US" sz="5400" b="1" dirty="0"/>
-              <a:t>市場調查</a:t>
-            </a:r>
-            <a:r>
-              <a:rPr lang="zh-TW" altLang="en-US" sz="5400" dirty="0"/>
-              <a:t> </a:t>
-            </a:r>
-          </a:p>
-        </p:txBody>
-      </p:sp>
-      <p:sp>
-        <p:nvSpPr>
-          <p:cNvPr id="3" name="內容版面配置區 2">
-            <a:extLst>
-              <a:ext uri="{FF2B5EF4-FFF2-40B4-BE49-F238E27FC236}">
-                <a16:creationId xmlns:a16="http://schemas.microsoft.com/office/drawing/2014/main" id="{8DB16C5B-C39E-A297-B13E-A9F929548B0B}"/>
-              </a:ext>
-            </a:extLst>
-          </p:cNvPr>
-          <p:cNvSpPr>
-            <a:spLocks noGrp="1"/>
-          </p:cNvSpPr>
-          <p:nvPr>
-            <p:ph idx="1"/>
-          </p:nvPr>
-        </p:nvSpPr>
-        <p:spPr>
-          <a:xfrm>
-            <a:off x="1210516" y="1600200"/>
-            <a:ext cx="9849751" cy="4408285"/>
-          </a:xfrm>
-        </p:spPr>
-        <p:txBody>
-          <a:bodyPr anchor="ctr">
-            <a:normAutofit/>
-          </a:bodyPr>
-          <a:lstStyle/>
-          <a:p>
-            <a:pPr marL="457200" lvl="1" indent="0">
-              <a:buNone/>
-            </a:pPr>
-            <a:endParaRPr lang="en-US" altLang="zh-TW" sz="2000" dirty="0"/>
-          </a:p>
-          <a:p>
-            <a:r>
-              <a:rPr lang="zh-TW" altLang="en-US" sz="2400" dirty="0"/>
-              <a:t>問卷調查結果</a:t>
-            </a:r>
-            <a:r>
-              <a:rPr lang="en-US" altLang="zh-TW" sz="2400" dirty="0"/>
-              <a:t>:</a:t>
-            </a:r>
-          </a:p>
-          <a:p>
-            <a:pPr lvl="1"/>
-            <a:endParaRPr lang="en-US" altLang="zh-TW" sz="2000" dirty="0"/>
-          </a:p>
-          <a:p>
-            <a:pPr marL="914400" lvl="1" indent="-457200">
-              <a:buFont typeface="+mj-lt"/>
-              <a:buAutoNum type="arabicPeriod"/>
-            </a:pPr>
-            <a:r>
-              <a:rPr lang="zh-TW" altLang="en-US" sz="2000" dirty="0"/>
-              <a:t>受試者認同關節問題對於健康來說是重要的</a:t>
-            </a:r>
-            <a:endParaRPr lang="en-US" altLang="zh-TW" sz="2000" dirty="0"/>
-          </a:p>
-          <a:p>
-            <a:pPr marL="914400" lvl="1" indent="-457200">
-              <a:buFont typeface="+mj-lt"/>
-              <a:buAutoNum type="arabicPeriod"/>
-            </a:pPr>
-            <a:endParaRPr lang="en-US" altLang="zh-TW" sz="2000" dirty="0"/>
-          </a:p>
-          <a:p>
-            <a:pPr marL="914400" lvl="1" indent="-457200">
-              <a:buFont typeface="+mj-lt"/>
-              <a:buAutoNum type="arabicPeriod"/>
-            </a:pPr>
-            <a:r>
-              <a:rPr lang="zh-TW" altLang="en-US" sz="2000" dirty="0"/>
-              <a:t>以下兩種人占多數，合計</a:t>
-            </a:r>
-            <a:r>
-              <a:rPr lang="en-US" altLang="zh-TW" sz="2000" dirty="0"/>
-              <a:t>64.3%:</a:t>
-            </a:r>
-          </a:p>
-          <a:p>
-            <a:pPr lvl="2"/>
-            <a:r>
-              <a:rPr lang="zh-TW" altLang="en-US" dirty="0"/>
-              <a:t>有關節問題的人</a:t>
-            </a:r>
-            <a:r>
-              <a:rPr lang="en-US" altLang="zh-TW" dirty="0"/>
-              <a:t>(40%)</a:t>
-            </a:r>
-          </a:p>
-          <a:p>
-            <a:pPr lvl="2"/>
-            <a:r>
-              <a:rPr lang="zh-TW" altLang="en-US" dirty="0"/>
-              <a:t>對自身健康情況掌握不足的人</a:t>
-            </a:r>
-            <a:r>
-              <a:rPr lang="en-US" altLang="zh-TW" dirty="0"/>
-              <a:t>(24.3%)</a:t>
-            </a:r>
-          </a:p>
-          <a:p>
-            <a:pPr lvl="2"/>
-            <a:endParaRPr lang="en-US" altLang="zh-TW" dirty="0"/>
-          </a:p>
-          <a:p>
-            <a:pPr marL="914400" lvl="1" indent="-457200">
-              <a:buFont typeface="+mj-lt"/>
-              <a:buAutoNum type="arabicPeriod"/>
-            </a:pPr>
-            <a:r>
-              <a:rPr lang="zh-TW" altLang="en-US" dirty="0"/>
-              <a:t>受試者整體認為自己並不具備充份的保健知識</a:t>
-            </a:r>
-            <a:endParaRPr lang="en-US" altLang="zh-TW" dirty="0"/>
-          </a:p>
-          <a:p>
-            <a:pPr marL="914400" lvl="1" indent="-457200">
-              <a:buFont typeface="+mj-lt"/>
-              <a:buAutoNum type="arabicPeriod"/>
-            </a:pPr>
-            <a:endParaRPr lang="en-US" altLang="zh-TW" dirty="0"/>
-          </a:p>
-          <a:p>
-            <a:pPr marL="914400" lvl="1" indent="-457200">
-              <a:buFont typeface="+mj-lt"/>
-              <a:buAutoNum type="arabicPeriod"/>
-            </a:pPr>
-            <a:r>
-              <a:rPr lang="zh-TW" altLang="en-US" dirty="0"/>
-              <a:t>受試者看過物理治療師的比重佔少數，僅</a:t>
-            </a:r>
-            <a:r>
-              <a:rPr lang="en-US" altLang="zh-TW" dirty="0"/>
-              <a:t>25%</a:t>
-            </a:r>
-            <a:r>
-              <a:rPr lang="zh-TW" altLang="en-US" dirty="0"/>
-              <a:t>左右</a:t>
-            </a:r>
-            <a:endParaRPr lang="en-US" altLang="zh-TW" dirty="0"/>
-          </a:p>
-          <a:p>
-            <a:pPr lvl="1"/>
-            <a:endParaRPr lang="en-US" altLang="zh-TW" sz="2000" dirty="0"/>
-          </a:p>
-          <a:p>
-            <a:pPr lvl="1"/>
-            <a:endParaRPr lang="en-US" altLang="zh-TW" sz="2000" dirty="0"/>
-          </a:p>
-          <a:p>
-            <a:endParaRPr lang="zh-TW" altLang="en-US" sz="2000" dirty="0"/>
-          </a:p>
-        </p:txBody>
-      </p:sp>
-    </p:spTree>
-    <p:extLst>
-      <p:ext uri="{BB962C8B-B14F-4D97-AF65-F5344CB8AC3E}">
-        <p14:creationId xmlns:p14="http://schemas.microsoft.com/office/powerpoint/2010/main" val="2306524299"/>
-      </p:ext>
-    </p:extLst>
-  </p:cSld>
-  <p:clrMapOvr>
-    <a:masterClrMapping/>
-  </p:clrMapOvr>
-</p:sld>
-</file>
-
-<file path=ppt/slides/slide12.xml><?xml version="1.0" encoding="utf-8"?>
-<p:sld xmlns:a="http://schemas.openxmlformats.org/drawingml/2006/main" xmlns:r="http://schemas.openxmlformats.org/officeDocument/2006/relationships" xmlns:p="http://schemas.openxmlformats.org/presentationml/2006/main">
-  <p:cSld>
-    <p:bg>
-      <p:bgPr>
-        <a:solidFill>
-          <a:schemeClr val="bg1"/>
-        </a:solidFill>
-        <a:effectLst/>
-      </p:bgPr>
-    </p:bg>
-    <p:spTree>
-      <p:nvGrpSpPr>
-        <p:cNvPr id="1" name=""/>
-        <p:cNvGrpSpPr/>
-        <p:nvPr/>
-      </p:nvGrpSpPr>
-      <p:grpSpPr>
-        <a:xfrm>
-          <a:off x="0" y="0"/>
-          <a:ext cx="0" cy="0"/>
-          <a:chOff x="0" y="0"/>
-          <a:chExt cx="0" cy="0"/>
-        </a:xfrm>
-      </p:grpSpPr>
-      <p:sp useBgFill="1">
-        <p:nvSpPr>
           <p:cNvPr id="8" name="Rectangle 7">
             <a:extLst>
               <a:ext uri="{FF2B5EF4-FFF2-40B4-BE49-F238E27FC236}">
@@ -6723,7 +5874,7 @@
 </p:sld>
 </file>
 
-<file path=ppt/slides/slide13.xml><?xml version="1.0" encoding="utf-8"?>
+<file path=ppt/slides/slide11.xml><?xml version="1.0" encoding="utf-8"?>
 <p:sld xmlns:a="http://schemas.openxmlformats.org/drawingml/2006/main" xmlns:r="http://schemas.openxmlformats.org/officeDocument/2006/relationships" xmlns:p="http://schemas.openxmlformats.org/presentationml/2006/main">
   <p:cSld>
     <p:bg>
@@ -7095,7 +6246,7 @@
           <p:cNvPr id="2" name="標題 1">
             <a:extLst>
               <a:ext uri="{FF2B5EF4-FFF2-40B4-BE49-F238E27FC236}">
-                <a16:creationId xmlns:a16="http://schemas.microsoft.com/office/drawing/2014/main" id="{B8556DE2-3607-DB1D-AA4D-CFE6043EA7A1}"/>
+                <a16:creationId xmlns:a16="http://schemas.microsoft.com/office/drawing/2014/main" id="{35460F7D-AD3D-3512-55A7-B6967514EF6E}"/>
               </a:ext>
             </a:extLst>
           </p:cNvPr>
@@ -7119,11 +6270,11 @@
           <a:lstStyle/>
           <a:p>
             <a:r>
-              <a:rPr lang="zh-TW" altLang="en-US" sz="4800" b="1">
+              <a:rPr lang="zh-TW" altLang="en-US" sz="4800" b="1" dirty="0">
                 <a:latin typeface="微軟正黑體" panose="020B0604030504040204" pitchFamily="34" charset="-120"/>
                 <a:ea typeface="微軟正黑體" panose="020B0604030504040204" pitchFamily="34" charset="-120"/>
               </a:rPr>
-              <a:t>商業模式</a:t>
+              <a:t>競爭者分析</a:t>
             </a:r>
           </a:p>
         </p:txBody>
@@ -7133,7 +6284,7 @@
           <p:cNvPr id="3" name="內容版面配置區 2">
             <a:extLst>
               <a:ext uri="{FF2B5EF4-FFF2-40B4-BE49-F238E27FC236}">
-                <a16:creationId xmlns:a16="http://schemas.microsoft.com/office/drawing/2014/main" id="{615396B1-66A7-CC8B-C114-FEA16B766BEF}"/>
+                <a16:creationId xmlns:a16="http://schemas.microsoft.com/office/drawing/2014/main" id="{24B125E8-51B8-6D27-5109-6CAB5C9EC41E}"/>
               </a:ext>
             </a:extLst>
           </p:cNvPr>
@@ -7146,8 +6297,8 @@
         </p:nvSpPr>
         <p:spPr>
           <a:xfrm>
-            <a:off x="1045028" y="3017522"/>
-            <a:ext cx="9941319" cy="3124658"/>
+            <a:off x="1045028" y="2560322"/>
+            <a:ext cx="9941319" cy="3683718"/>
           </a:xfrm>
         </p:spPr>
         <p:txBody>
@@ -7157,85 +6308,69 @@
           <a:lstStyle/>
           <a:p>
             <a:r>
-              <a:rPr lang="zh-TW" altLang="en-US" sz="2400" dirty="0">
-                <a:ea typeface="微軟正黑體" panose="020B0604030504040204" pitchFamily="34" charset="-120"/>
-              </a:rPr>
-              <a:t>目標客群</a:t>
-            </a:r>
-            <a:r>
-              <a:rPr lang="en-US" altLang="zh-TW" sz="2400" dirty="0">
-                <a:ea typeface="微軟正黑體" panose="020B0604030504040204" pitchFamily="34" charset="-120"/>
-              </a:rPr>
-              <a:t>:</a:t>
-            </a:r>
+              <a:rPr lang="en-US" altLang="zh-TW" sz="2400" dirty="0"/>
+              <a:t>Google Play</a:t>
+            </a:r>
+            <a:r>
+              <a:rPr lang="zh-TW" altLang="en-US" sz="2400" dirty="0"/>
+              <a:t>商店</a:t>
+            </a:r>
+            <a:endParaRPr lang="en-US" altLang="zh-TW" sz="2400" dirty="0"/>
           </a:p>
           <a:p>
             <a:pPr lvl="1"/>
-            <a:endParaRPr lang="en-US" altLang="zh-TW" dirty="0">
-              <a:ea typeface="微軟正黑體" panose="020B0604030504040204" pitchFamily="34" charset="-120"/>
-            </a:endParaRPr>
+            <a:r>
+              <a:rPr lang="en-US" altLang="zh-TW" sz="2000" dirty="0"/>
+              <a:t>(</a:t>
+            </a:r>
+            <a:r>
+              <a:rPr lang="zh-TW" altLang="en-US" sz="2000" dirty="0"/>
+              <a:t>要講他們的優勢</a:t>
+            </a:r>
+            <a:r>
+              <a:rPr lang="en-US" altLang="zh-TW" sz="2000" dirty="0"/>
+              <a:t>)</a:t>
+            </a:r>
           </a:p>
           <a:p>
             <a:pPr lvl="1"/>
             <a:r>
-              <a:rPr lang="zh-TW" altLang="en-US" dirty="0">
-                <a:ea typeface="微軟正黑體" panose="020B0604030504040204" pitchFamily="34" charset="-120"/>
-              </a:rPr>
-              <a:t>成年與老年</a:t>
-            </a:r>
-            <a:endParaRPr lang="en-US" altLang="zh-TW" dirty="0">
-              <a:ea typeface="微軟正黑體" panose="020B0604030504040204" pitchFamily="34" charset="-120"/>
-            </a:endParaRPr>
-          </a:p>
-          <a:p>
-            <a:pPr marL="457200" lvl="1" indent="0">
-              <a:buNone/>
-            </a:pPr>
-            <a:endParaRPr lang="en-US" altLang="zh-TW" dirty="0">
-              <a:ea typeface="微軟正黑體" panose="020B0604030504040204" pitchFamily="34" charset="-120"/>
-            </a:endParaRPr>
+              <a:rPr lang="zh-TW" altLang="en-US" sz="2000" dirty="0"/>
+              <a:t>伸展運動：柔軟度訓練</a:t>
+            </a:r>
+            <a:endParaRPr lang="en-US" altLang="zh-TW" sz="2000" dirty="0"/>
           </a:p>
           <a:p>
             <a:pPr lvl="1"/>
             <a:r>
-              <a:rPr lang="zh-TW" altLang="en-US" dirty="0">
-                <a:ea typeface="微軟正黑體" panose="020B0604030504040204" pitchFamily="34" charset="-120"/>
-              </a:rPr>
-              <a:t>受關節、體態問題困擾的族群</a:t>
-            </a:r>
-            <a:endParaRPr lang="en-US" altLang="zh-TW" dirty="0">
-              <a:ea typeface="微軟正黑體" panose="020B0604030504040204" pitchFamily="34" charset="-120"/>
-            </a:endParaRPr>
+              <a:rPr lang="zh-TW" altLang="en-US" sz="2000" dirty="0"/>
+              <a:t>療管家 </a:t>
+            </a:r>
+            <a:r>
+              <a:rPr lang="en-US" altLang="zh-TW" sz="2000" dirty="0" err="1"/>
+              <a:t>TheraKeeper</a:t>
+            </a:r>
+            <a:endParaRPr lang="en-US" altLang="zh-TW" sz="2000" dirty="0"/>
           </a:p>
           <a:p>
             <a:pPr lvl="1"/>
-            <a:endParaRPr lang="en-US" altLang="zh-TW" dirty="0">
-              <a:ea typeface="微軟正黑體" panose="020B0604030504040204" pitchFamily="34" charset="-120"/>
-            </a:endParaRPr>
-          </a:p>
-          <a:p>
-            <a:pPr lvl="1"/>
-            <a:r>
-              <a:rPr lang="zh-TW" altLang="en-US" dirty="0">
-                <a:ea typeface="微軟正黑體" panose="020B0604030504040204" pitchFamily="34" charset="-120"/>
-              </a:rPr>
-              <a:t>關注體態健康的族群</a:t>
-            </a:r>
-            <a:endParaRPr lang="en-US" altLang="zh-TW" dirty="0">
-              <a:ea typeface="微軟正黑體" panose="020B0604030504040204" pitchFamily="34" charset="-120"/>
-            </a:endParaRPr>
-          </a:p>
-          <a:p>
-            <a:pPr lvl="1"/>
-            <a:endParaRPr lang="en-US" altLang="zh-TW" dirty="0">
-              <a:ea typeface="微軟正黑體" panose="020B0604030504040204" pitchFamily="34" charset="-120"/>
-            </a:endParaRPr>
-          </a:p>
-          <a:p>
-            <a:pPr lvl="1"/>
-            <a:endParaRPr lang="zh-TW" altLang="en-US" dirty="0">
-              <a:ea typeface="微軟正黑體" panose="020B0604030504040204" pitchFamily="34" charset="-120"/>
-            </a:endParaRPr>
+            <a:r>
+              <a:rPr lang="zh-TW" altLang="en-US" sz="2000" dirty="0"/>
+              <a:t>醫療 </a:t>
+            </a:r>
+            <a:r>
+              <a:rPr lang="en-US" altLang="zh-TW" sz="2000" dirty="0"/>
+              <a:t>AR </a:t>
+            </a:r>
+            <a:r>
+              <a:rPr lang="zh-TW" altLang="en-US" sz="2000" dirty="0"/>
+              <a:t>教學 </a:t>
+            </a:r>
+            <a:r>
+              <a:rPr lang="en-US" altLang="zh-TW" sz="2000" dirty="0"/>
+              <a:t>APP</a:t>
+            </a:r>
+            <a:endParaRPr lang="zh-TW" altLang="en-US" sz="2000" dirty="0"/>
           </a:p>
         </p:txBody>
       </p:sp>
@@ -7291,10 +6426,163 @@
           </a:fontRef>
         </p:style>
       </p:cxnSp>
+      <p:pic>
+        <p:nvPicPr>
+          <p:cNvPr id="5" name="圖片 4">
+            <a:extLst>
+              <a:ext uri="{FF2B5EF4-FFF2-40B4-BE49-F238E27FC236}">
+                <a16:creationId xmlns:a16="http://schemas.microsoft.com/office/drawing/2014/main" id="{D27AE664-BC93-846D-3DB8-35268C3AC50F}"/>
+              </a:ext>
+            </a:extLst>
+          </p:cNvPr>
+          <p:cNvPicPr>
+            <a:picLocks noChangeAspect="1"/>
+          </p:cNvPicPr>
+          <p:nvPr/>
+        </p:nvPicPr>
+        <p:blipFill>
+          <a:blip r:embed="rId2"/>
+          <a:stretch>
+            <a:fillRect/>
+          </a:stretch>
+        </p:blipFill>
+        <p:spPr>
+          <a:xfrm>
+            <a:off x="4825554" y="2834445"/>
+            <a:ext cx="6528246" cy="3030971"/>
+          </a:xfrm>
+          <a:prstGeom prst="rect">
+            <a:avLst/>
+          </a:prstGeom>
+        </p:spPr>
+      </p:pic>
     </p:spTree>
     <p:extLst>
       <p:ext uri="{BB962C8B-B14F-4D97-AF65-F5344CB8AC3E}">
-        <p14:creationId xmlns:p14="http://schemas.microsoft.com/office/powerpoint/2010/main" val="1739337312"/>
+        <p14:creationId xmlns:p14="http://schemas.microsoft.com/office/powerpoint/2010/main" val="2807620293"/>
+      </p:ext>
+    </p:extLst>
+  </p:cSld>
+  <p:clrMapOvr>
+    <a:masterClrMapping/>
+  </p:clrMapOvr>
+</p:sld>
+</file>
+
+<file path=ppt/slides/slide12.xml><?xml version="1.0" encoding="utf-8"?>
+<p:sld xmlns:a="http://schemas.openxmlformats.org/drawingml/2006/main" xmlns:r="http://schemas.openxmlformats.org/officeDocument/2006/relationships" xmlns:p="http://schemas.openxmlformats.org/presentationml/2006/main">
+  <p:cSld>
+    <p:spTree>
+      <p:nvGrpSpPr>
+        <p:cNvPr id="1" name=""/>
+        <p:cNvGrpSpPr/>
+        <p:nvPr/>
+      </p:nvGrpSpPr>
+      <p:grpSpPr>
+        <a:xfrm>
+          <a:off x="0" y="0"/>
+          <a:ext cx="0" cy="0"/>
+          <a:chOff x="0" y="0"/>
+          <a:chExt cx="0" cy="0"/>
+        </a:xfrm>
+      </p:grpSpPr>
+      <p:pic>
+        <p:nvPicPr>
+          <p:cNvPr id="5" name="內容版面配置區 4">
+            <a:extLst>
+              <a:ext uri="{FF2B5EF4-FFF2-40B4-BE49-F238E27FC236}">
+                <a16:creationId xmlns:a16="http://schemas.microsoft.com/office/drawing/2014/main" id="{4A9FBA0E-1429-278B-9A2E-412EE5734B14}"/>
+              </a:ext>
+            </a:extLst>
+          </p:cNvPr>
+          <p:cNvPicPr>
+            <a:picLocks noGrp="1" noChangeAspect="1"/>
+          </p:cNvPicPr>
+          <p:nvPr>
+            <p:ph idx="1"/>
+          </p:nvPr>
+        </p:nvPicPr>
+        <p:blipFill>
+          <a:blip r:embed="rId2"/>
+          <a:stretch>
+            <a:fillRect/>
+          </a:stretch>
+        </p:blipFill>
+        <p:spPr>
+          <a:xfrm>
+            <a:off x="2266188" y="548601"/>
+            <a:ext cx="7659623" cy="6135227"/>
+          </a:xfrm>
+        </p:spPr>
+      </p:pic>
+    </p:spTree>
+    <p:extLst>
+      <p:ext uri="{BB962C8B-B14F-4D97-AF65-F5344CB8AC3E}">
+        <p14:creationId xmlns:p14="http://schemas.microsoft.com/office/powerpoint/2010/main" val="3211500410"/>
+      </p:ext>
+    </p:extLst>
+  </p:cSld>
+  <p:clrMapOvr>
+    <a:masterClrMapping/>
+  </p:clrMapOvr>
+</p:sld>
+</file>
+
+<file path=ppt/slides/slide13.xml><?xml version="1.0" encoding="utf-8"?>
+<p:sld xmlns:a="http://schemas.openxmlformats.org/drawingml/2006/main" xmlns:r="http://schemas.openxmlformats.org/officeDocument/2006/relationships" xmlns:p="http://schemas.openxmlformats.org/presentationml/2006/main">
+  <p:cSld>
+    <p:spTree>
+      <p:nvGrpSpPr>
+        <p:cNvPr id="1" name=""/>
+        <p:cNvGrpSpPr/>
+        <p:nvPr/>
+      </p:nvGrpSpPr>
+      <p:grpSpPr>
+        <a:xfrm>
+          <a:off x="0" y="0"/>
+          <a:ext cx="0" cy="0"/>
+          <a:chOff x="0" y="0"/>
+          <a:chExt cx="0" cy="0"/>
+        </a:xfrm>
+      </p:grpSpPr>
+      <p:sp>
+        <p:nvSpPr>
+          <p:cNvPr id="2" name="標題 1">
+            <a:extLst>
+              <a:ext uri="{FF2B5EF4-FFF2-40B4-BE49-F238E27FC236}">
+                <a16:creationId xmlns:a16="http://schemas.microsoft.com/office/drawing/2014/main" id="{B17CD80E-FF1F-EAF1-C670-2903ADCEA1D1}"/>
+              </a:ext>
+            </a:extLst>
+          </p:cNvPr>
+          <p:cNvSpPr>
+            <a:spLocks noGrp="1"/>
+          </p:cNvSpPr>
+          <p:nvPr>
+            <p:ph type="title"/>
+          </p:nvPr>
+        </p:nvSpPr>
+        <p:spPr>
+          <a:xfrm>
+            <a:off x="533400" y="2977696"/>
+            <a:ext cx="10515600" cy="1325563"/>
+          </a:xfrm>
+        </p:spPr>
+        <p:txBody>
+          <a:bodyPr/>
+          <a:lstStyle/>
+          <a:p>
+            <a:pPr algn="ctr"/>
+            <a:r>
+              <a:rPr lang="zh-TW" altLang="en-US" dirty="0"/>
+              <a:t>商業模式</a:t>
+            </a:r>
+          </a:p>
+        </p:txBody>
+      </p:sp>
+    </p:spTree>
+    <p:extLst>
+      <p:ext uri="{BB962C8B-B14F-4D97-AF65-F5344CB8AC3E}">
+        <p14:creationId xmlns:p14="http://schemas.microsoft.com/office/powerpoint/2010/main" val="2980191247"/>
       </p:ext>
     </p:extLst>
   </p:cSld>
@@ -7305,6 +6593,453 @@
 </file>
 
 <file path=ppt/slides/slide14.xml><?xml version="1.0" encoding="utf-8"?>
+<p:sld xmlns:a="http://schemas.openxmlformats.org/drawingml/2006/main" xmlns:r="http://schemas.openxmlformats.org/officeDocument/2006/relationships" xmlns:p="http://schemas.openxmlformats.org/presentationml/2006/main">
+  <p:cSld>
+    <p:bg>
+      <p:bgPr>
+        <a:solidFill>
+          <a:schemeClr val="bg1"/>
+        </a:solidFill>
+        <a:effectLst/>
+      </p:bgPr>
+    </p:bg>
+    <p:spTree>
+      <p:nvGrpSpPr>
+        <p:cNvPr id="1" name=""/>
+        <p:cNvGrpSpPr/>
+        <p:nvPr/>
+      </p:nvGrpSpPr>
+      <p:grpSpPr>
+        <a:xfrm>
+          <a:off x="0" y="0"/>
+          <a:ext cx="0" cy="0"/>
+          <a:chOff x="0" y="0"/>
+          <a:chExt cx="0" cy="0"/>
+        </a:xfrm>
+      </p:grpSpPr>
+      <p:sp useBgFill="1">
+        <p:nvSpPr>
+          <p:cNvPr id="8" name="Rectangle 7">
+            <a:extLst>
+              <a:ext uri="{FF2B5EF4-FFF2-40B4-BE49-F238E27FC236}">
+                <a16:creationId xmlns:a16="http://schemas.microsoft.com/office/drawing/2014/main" id="{4DA718D0-4865-4629-8134-44F68D41D574}"/>
+              </a:ext>
+              <a:ext uri="{C183D7F6-B498-43B3-948B-1728B52AA6E4}">
+                <adec:decorative xmlns:adec="http://schemas.microsoft.com/office/drawing/2017/decorative" val="1"/>
+              </a:ext>
+            </a:extLst>
+          </p:cNvPr>
+          <p:cNvSpPr>
+            <a:spLocks noGrp="1" noRot="1" noChangeAspect="1" noMove="1" noResize="1" noEditPoints="1" noAdjustHandles="1" noChangeArrowheads="1" noChangeShapeType="1" noTextEdit="1"/>
+          </p:cNvSpPr>
+          <p:nvPr>
+            <p:extLst>
+              <p:ext uri="{386F3935-93C4-4BCD-93E2-E3B085C9AB24}">
+                <p16:designElem xmlns:p16="http://schemas.microsoft.com/office/powerpoint/2015/main" val="1"/>
+              </p:ext>
+            </p:extLst>
+          </p:nvPr>
+        </p:nvSpPr>
+        <p:spPr>
+          <a:xfrm>
+            <a:off x="0" y="0"/>
+            <a:ext cx="12191999" cy="6857365"/>
+          </a:xfrm>
+          <a:prstGeom prst="rect">
+            <a:avLst/>
+          </a:prstGeom>
+          <a:ln>
+            <a:noFill/>
+          </a:ln>
+        </p:spPr>
+        <p:style>
+          <a:lnRef idx="2">
+            <a:schemeClr val="accent1">
+              <a:shade val="50000"/>
+            </a:schemeClr>
+          </a:lnRef>
+          <a:fillRef idx="1">
+            <a:schemeClr val="accent1"/>
+          </a:fillRef>
+          <a:effectRef idx="0">
+            <a:schemeClr val="accent1"/>
+          </a:effectRef>
+          <a:fontRef idx="minor">
+            <a:schemeClr val="lt1"/>
+          </a:fontRef>
+        </p:style>
+        <p:txBody>
+          <a:bodyPr rtlCol="0" anchor="ctr"/>
+          <a:lstStyle/>
+          <a:p>
+            <a:pPr algn="ctr"/>
+            <a:endParaRPr lang="en-US"/>
+          </a:p>
+        </p:txBody>
+      </p:sp>
+      <p:grpSp>
+        <p:nvGrpSpPr>
+          <p:cNvPr id="10" name="Group 9">
+            <a:extLst>
+              <a:ext uri="{FF2B5EF4-FFF2-40B4-BE49-F238E27FC236}">
+                <a16:creationId xmlns:a16="http://schemas.microsoft.com/office/drawing/2014/main" id="{65167ED7-6315-43AB-B1B6-C326D5FD8F84}"/>
+              </a:ext>
+              <a:ext uri="{C183D7F6-B498-43B3-948B-1728B52AA6E4}">
+                <adec:decorative xmlns:adec="http://schemas.microsoft.com/office/drawing/2017/decorative" val="1"/>
+              </a:ext>
+            </a:extLst>
+          </p:cNvPr>
+          <p:cNvGrpSpPr>
+            <a:grpSpLocks noGrp="1" noUngrp="1" noRot="1" noChangeAspect="1" noMove="1" noResize="1"/>
+          </p:cNvGrpSpPr>
+          <p:nvPr>
+            <p:extLst>
+              <p:ext uri="{386F3935-93C4-4BCD-93E2-E3B085C9AB24}">
+                <p16:designElem xmlns:p16="http://schemas.microsoft.com/office/powerpoint/2015/main" val="1"/>
+              </p:ext>
+            </p:extLst>
+          </p:nvPr>
+        </p:nvGrpSpPr>
+        <p:grpSpPr>
+          <a:xfrm rot="5400000">
+            <a:off x="-2340441" y="2666183"/>
+            <a:ext cx="5860051" cy="527712"/>
+            <a:chOff x="6081624" y="1998368"/>
+            <a:chExt cx="5613457" cy="782175"/>
+          </a:xfrm>
+          <a:solidFill>
+            <a:schemeClr val="accent4"/>
+          </a:solidFill>
+        </p:grpSpPr>
+        <p:sp>
+          <p:nvSpPr>
+            <p:cNvPr id="11" name="Rectangle 10">
+              <a:extLst>
+                <a:ext uri="{FF2B5EF4-FFF2-40B4-BE49-F238E27FC236}">
+                  <a16:creationId xmlns:a16="http://schemas.microsoft.com/office/drawing/2014/main" id="{EF4D8839-FB03-487D-ACC8-8BFEDD4FEBAE}"/>
+                </a:ext>
+                <a:ext uri="{C183D7F6-B498-43B3-948B-1728B52AA6E4}">
+                  <adec:decorative xmlns:adec="http://schemas.microsoft.com/office/drawing/2017/decorative" val="1"/>
+                </a:ext>
+              </a:extLst>
+            </p:cNvPr>
+            <p:cNvSpPr/>
+            <p:nvPr>
+              <p:extLst>
+                <p:ext uri="{386F3935-93C4-4BCD-93E2-E3B085C9AB24}">
+                  <p16:designElem xmlns:p16="http://schemas.microsoft.com/office/powerpoint/2015/main" val="1"/>
+                </p:ext>
+              </p:extLst>
+            </p:nvPr>
+          </p:nvSpPr>
+          <p:spPr>
+            <a:xfrm rot="5400000">
+              <a:off x="11228040" y="2313027"/>
+              <a:ext cx="781700" cy="152382"/>
+            </a:xfrm>
+            <a:prstGeom prst="rect">
+              <a:avLst/>
+            </a:prstGeom>
+            <a:grpFill/>
+            <a:ln>
+              <a:noFill/>
+            </a:ln>
+          </p:spPr>
+          <p:style>
+            <a:lnRef idx="2">
+              <a:schemeClr val="accent1">
+                <a:shade val="50000"/>
+              </a:schemeClr>
+            </a:lnRef>
+            <a:fillRef idx="1">
+              <a:schemeClr val="accent1"/>
+            </a:fillRef>
+            <a:effectRef idx="0">
+              <a:schemeClr val="accent1"/>
+            </a:effectRef>
+            <a:fontRef idx="minor">
+              <a:schemeClr val="lt1"/>
+            </a:fontRef>
+          </p:style>
+          <p:txBody>
+            <a:bodyPr rtlCol="0" anchor="ctr"/>
+            <a:lstStyle/>
+            <a:p>
+              <a:pPr algn="ctr"/>
+              <a:endParaRPr lang="en-US"/>
+            </a:p>
+          </p:txBody>
+        </p:sp>
+        <p:sp>
+          <p:nvSpPr>
+            <p:cNvPr id="12" name="Rectangle 11">
+              <a:extLst>
+                <a:ext uri="{FF2B5EF4-FFF2-40B4-BE49-F238E27FC236}">
+                  <a16:creationId xmlns:a16="http://schemas.microsoft.com/office/drawing/2014/main" id="{0EF75023-9A3B-42FC-B704-61A8F7BEF415}"/>
+                </a:ext>
+                <a:ext uri="{C183D7F6-B498-43B3-948B-1728B52AA6E4}">
+                  <adec:decorative xmlns:adec="http://schemas.microsoft.com/office/drawing/2017/decorative" val="1"/>
+                </a:ext>
+              </a:extLst>
+            </p:cNvPr>
+            <p:cNvSpPr/>
+            <p:nvPr>
+              <p:extLst>
+                <p:ext uri="{386F3935-93C4-4BCD-93E2-E3B085C9AB24}">
+                  <p16:designElem xmlns:p16="http://schemas.microsoft.com/office/powerpoint/2015/main" val="1"/>
+                </p:ext>
+              </p:extLst>
+            </p:nvPr>
+          </p:nvSpPr>
+          <p:spPr>
+            <a:xfrm flipH="1" flipV="1">
+              <a:off x="6081624" y="1998844"/>
+              <a:ext cx="5372968" cy="781699"/>
+            </a:xfrm>
+            <a:prstGeom prst="rect">
+              <a:avLst/>
+            </a:prstGeom>
+            <a:grpFill/>
+            <a:ln>
+              <a:noFill/>
+            </a:ln>
+          </p:spPr>
+          <p:style>
+            <a:lnRef idx="2">
+              <a:schemeClr val="accent1">
+                <a:shade val="50000"/>
+              </a:schemeClr>
+            </a:lnRef>
+            <a:fillRef idx="1">
+              <a:schemeClr val="accent1"/>
+            </a:fillRef>
+            <a:effectRef idx="0">
+              <a:schemeClr val="accent1"/>
+            </a:effectRef>
+            <a:fontRef idx="minor">
+              <a:schemeClr val="lt1"/>
+            </a:fontRef>
+          </p:style>
+          <p:txBody>
+            <a:bodyPr rtlCol="0" anchor="ctr"/>
+            <a:lstStyle/>
+            <a:p>
+              <a:pPr algn="ctr"/>
+              <a:endParaRPr lang="en-US"/>
+            </a:p>
+          </p:txBody>
+        </p:sp>
+      </p:grpSp>
+      <p:sp>
+        <p:nvSpPr>
+          <p:cNvPr id="14" name="Rectangle 13">
+            <a:extLst>
+              <a:ext uri="{FF2B5EF4-FFF2-40B4-BE49-F238E27FC236}">
+                <a16:creationId xmlns:a16="http://schemas.microsoft.com/office/drawing/2014/main" id="{CBC4F608-B4B8-48C3-9572-C0F061B1CD99}"/>
+              </a:ext>
+              <a:ext uri="{C183D7F6-B498-43B3-948B-1728B52AA6E4}">
+                <adec:decorative xmlns:adec="http://schemas.microsoft.com/office/drawing/2017/decorative" val="1"/>
+              </a:ext>
+            </a:extLst>
+          </p:cNvPr>
+          <p:cNvSpPr>
+            <a:spLocks noGrp="1" noRot="1" noChangeAspect="1" noMove="1" noResize="1" noEditPoints="1" noAdjustHandles="1" noChangeArrowheads="1" noChangeShapeType="1" noTextEdit="1"/>
+          </p:cNvSpPr>
+          <p:nvPr>
+            <p:extLst>
+              <p:ext uri="{386F3935-93C4-4BCD-93E2-E3B085C9AB24}">
+                <p16:designElem xmlns:p16="http://schemas.microsoft.com/office/powerpoint/2015/main" val="1"/>
+              </p:ext>
+            </p:extLst>
+          </p:nvPr>
+        </p:nvSpPr>
+        <p:spPr>
+          <a:xfrm>
+            <a:off x="579528" y="922919"/>
+            <a:ext cx="11111729" cy="5461252"/>
+          </a:xfrm>
+          <a:prstGeom prst="rect">
+            <a:avLst/>
+          </a:prstGeom>
+          <a:solidFill>
+            <a:schemeClr val="bg1"/>
+          </a:solidFill>
+          <a:ln>
+            <a:noFill/>
+          </a:ln>
+          <a:effectLst>
+            <a:outerShdw blurRad="139700" dist="127000" dir="5400000" algn="t" rotWithShape="0">
+              <a:prstClr val="black">
+                <a:alpha val="15000"/>
+              </a:prstClr>
+            </a:outerShdw>
+          </a:effectLst>
+        </p:spPr>
+        <p:style>
+          <a:lnRef idx="2">
+            <a:schemeClr val="accent1">
+              <a:shade val="50000"/>
+            </a:schemeClr>
+          </a:lnRef>
+          <a:fillRef idx="1">
+            <a:schemeClr val="accent1"/>
+          </a:fillRef>
+          <a:effectRef idx="0">
+            <a:schemeClr val="accent1"/>
+          </a:effectRef>
+          <a:fontRef idx="minor">
+            <a:schemeClr val="lt1"/>
+          </a:fontRef>
+        </p:style>
+        <p:txBody>
+          <a:bodyPr rtlCol="0" anchor="ctr"/>
+          <a:lstStyle/>
+          <a:p>
+            <a:pPr algn="ctr"/>
+            <a:endParaRPr lang="en-US"/>
+          </a:p>
+        </p:txBody>
+      </p:sp>
+      <p:sp>
+        <p:nvSpPr>
+          <p:cNvPr id="2" name="標題 1">
+            <a:extLst>
+              <a:ext uri="{FF2B5EF4-FFF2-40B4-BE49-F238E27FC236}">
+                <a16:creationId xmlns:a16="http://schemas.microsoft.com/office/drawing/2014/main" id="{CAA09E6E-FB67-EE3D-AA53-FCDFFD95F5B9}"/>
+              </a:ext>
+            </a:extLst>
+          </p:cNvPr>
+          <p:cNvSpPr>
+            <a:spLocks noGrp="1"/>
+          </p:cNvSpPr>
+          <p:nvPr>
+            <p:ph type="title"/>
+          </p:nvPr>
+        </p:nvSpPr>
+        <p:spPr>
+          <a:xfrm>
+            <a:off x="1210515" y="0"/>
+            <a:ext cx="9849751" cy="1349671"/>
+          </a:xfrm>
+        </p:spPr>
+        <p:txBody>
+          <a:bodyPr anchor="b">
+            <a:normAutofit/>
+          </a:bodyPr>
+          <a:lstStyle/>
+          <a:p>
+            <a:r>
+              <a:rPr lang="zh-TW" altLang="en-US" sz="5400" b="1" dirty="0"/>
+              <a:t>目標客群</a:t>
+            </a:r>
+            <a:endParaRPr lang="zh-TW" altLang="en-US" sz="5400" dirty="0"/>
+          </a:p>
+        </p:txBody>
+      </p:sp>
+      <p:sp>
+        <p:nvSpPr>
+          <p:cNvPr id="3" name="內容版面配置區 2">
+            <a:extLst>
+              <a:ext uri="{FF2B5EF4-FFF2-40B4-BE49-F238E27FC236}">
+                <a16:creationId xmlns:a16="http://schemas.microsoft.com/office/drawing/2014/main" id="{8DB16C5B-C39E-A297-B13E-A9F929548B0B}"/>
+              </a:ext>
+            </a:extLst>
+          </p:cNvPr>
+          <p:cNvSpPr>
+            <a:spLocks noGrp="1"/>
+          </p:cNvSpPr>
+          <p:nvPr>
+            <p:ph idx="1"/>
+          </p:nvPr>
+        </p:nvSpPr>
+        <p:spPr>
+          <a:xfrm>
+            <a:off x="1210516" y="1600200"/>
+            <a:ext cx="9849751" cy="4408285"/>
+          </a:xfrm>
+        </p:spPr>
+        <p:txBody>
+          <a:bodyPr anchor="ctr">
+            <a:normAutofit/>
+          </a:bodyPr>
+          <a:lstStyle/>
+          <a:p>
+            <a:pPr marL="457200" lvl="1" indent="0">
+              <a:buNone/>
+            </a:pPr>
+            <a:endParaRPr lang="en-US" altLang="zh-TW" dirty="0"/>
+          </a:p>
+          <a:p>
+            <a:pPr lvl="1"/>
+            <a:r>
+              <a:rPr lang="zh-TW" altLang="en-US" dirty="0"/>
+              <a:t>擁有安卓手機且具有復健、體態矯正需求之成年、老年使用者</a:t>
+            </a:r>
+            <a:endParaRPr lang="en-US" altLang="zh-TW" dirty="0"/>
+          </a:p>
+          <a:p>
+            <a:pPr lvl="2"/>
+            <a:r>
+              <a:rPr lang="zh-TW" altLang="en-US" sz="1800" dirty="0"/>
+              <a:t>未來成年及老年人口之復健門診需求量</a:t>
+            </a:r>
+            <a:endParaRPr lang="en-US" altLang="zh-TW" sz="1800" dirty="0"/>
+          </a:p>
+          <a:p>
+            <a:pPr lvl="2"/>
+            <a:r>
+              <a:rPr lang="zh-TW" altLang="en-US" sz="1800" dirty="0"/>
+              <a:t>安卓手機的占比</a:t>
+            </a:r>
+            <a:endParaRPr lang="en-US" altLang="zh-TW" sz="1800" dirty="0"/>
+          </a:p>
+          <a:p>
+            <a:pPr lvl="2"/>
+            <a:r>
+              <a:rPr lang="zh-TW" altLang="en-US" sz="1800" dirty="0"/>
+              <a:t>手機上網率</a:t>
+            </a:r>
+            <a:endParaRPr lang="en-US" altLang="zh-TW" sz="1800" dirty="0"/>
+          </a:p>
+          <a:p>
+            <a:pPr lvl="1"/>
+            <a:endParaRPr lang="zh-TW" altLang="en-US" dirty="0"/>
+          </a:p>
+          <a:p>
+            <a:pPr lvl="1"/>
+            <a:r>
+              <a:rPr lang="en-US" altLang="zh-TW" dirty="0"/>
+              <a:t>5,122,108 </a:t>
+            </a:r>
+            <a:r>
+              <a:rPr lang="zh-TW" altLang="en-US" dirty="0"/>
+              <a:t>人</a:t>
+            </a:r>
+            <a:endParaRPr lang="en-US" altLang="zh-TW" dirty="0"/>
+          </a:p>
+          <a:p>
+            <a:pPr lvl="1"/>
+            <a:endParaRPr lang="en-US" altLang="zh-TW" sz="2000" dirty="0"/>
+          </a:p>
+          <a:p>
+            <a:endParaRPr lang="zh-TW" altLang="en-US" sz="2000" dirty="0"/>
+          </a:p>
+        </p:txBody>
+      </p:sp>
+    </p:spTree>
+    <p:extLst>
+      <p:ext uri="{BB962C8B-B14F-4D97-AF65-F5344CB8AC3E}">
+        <p14:creationId xmlns:p14="http://schemas.microsoft.com/office/powerpoint/2010/main" val="2306524299"/>
+      </p:ext>
+    </p:extLst>
+  </p:cSld>
+  <p:clrMapOvr>
+    <a:masterClrMapping/>
+  </p:clrMapOvr>
+</p:sld>
+</file>
+
+<file path=ppt/slides/slide15.xml><?xml version="1.0" encoding="utf-8"?>
 <p:sld xmlns:a="http://schemas.openxmlformats.org/drawingml/2006/main" xmlns:r="http://schemas.openxmlformats.org/officeDocument/2006/relationships" xmlns:p="http://schemas.openxmlformats.org/presentationml/2006/main">
   <p:cSld>
     <p:bg>
@@ -7727,8 +7462,8 @@
         </p:nvSpPr>
         <p:spPr>
           <a:xfrm>
-            <a:off x="1045028" y="3017522"/>
-            <a:ext cx="9941319" cy="3124658"/>
+            <a:off x="1045028" y="2560322"/>
+            <a:ext cx="9941319" cy="3581858"/>
           </a:xfrm>
         </p:spPr>
         <p:txBody>
@@ -7850,7 +7585,7 @@
 </p:sld>
 </file>
 
-<file path=ppt/slides/slide15.xml><?xml version="1.0" encoding="utf-8"?>
+<file path=ppt/slides/slide16.xml><?xml version="1.0" encoding="utf-8"?>
 <p:sld xmlns:a="http://schemas.openxmlformats.org/drawingml/2006/main" xmlns:r="http://schemas.openxmlformats.org/officeDocument/2006/relationships" xmlns:p="http://schemas.openxmlformats.org/presentationml/2006/main">
   <p:cSld>
     <p:bg>
@@ -8459,7 +8194,7 @@
 </p:sld>
 </file>
 
-<file path=ppt/slides/slide16.xml><?xml version="1.0" encoding="utf-8"?>
+<file path=ppt/slides/slide17.xml><?xml version="1.0" encoding="utf-8"?>
 <p:sld xmlns:a="http://schemas.openxmlformats.org/drawingml/2006/main" xmlns:r="http://schemas.openxmlformats.org/officeDocument/2006/relationships" xmlns:p="http://schemas.openxmlformats.org/presentationml/2006/main">
   <p:cSld>
     <p:spTree>
@@ -10577,12 +10312,15 @@
                 <a:latin typeface="微軟正黑體" panose="020B0604030504040204" pitchFamily="34" charset="-120"/>
                 <a:ea typeface="微軟正黑體" panose="020B0604030504040204" pitchFamily="34" charset="-120"/>
               </a:rPr>
-              <a:t>對於關節、體態問題之重視程度</a:t>
-            </a:r>
-            <a:endParaRPr lang="en-US" altLang="zh-TW" dirty="0">
-              <a:latin typeface="微軟正黑體" panose="020B0604030504040204" pitchFamily="34" charset="-120"/>
-              <a:ea typeface="微軟正黑體" panose="020B0604030504040204" pitchFamily="34" charset="-120"/>
-            </a:endParaRPr>
+              <a:t>會不會擔心關節、體態問題</a:t>
+            </a:r>
+            <a:r>
+              <a:rPr lang="en-US" altLang="zh-TW" dirty="0">
+                <a:latin typeface="微軟正黑體" panose="020B0604030504040204" pitchFamily="34" charset="-120"/>
+                <a:ea typeface="微軟正黑體" panose="020B0604030504040204" pitchFamily="34" charset="-120"/>
+              </a:rPr>
+              <a:t>?</a:t>
+            </a:r>
           </a:p>
           <a:p>
             <a:pPr lvl="2"/>
@@ -10593,10 +10331,13 @@
               </a:rPr>
               <a:t>大眾關節方面的情況</a:t>
             </a:r>
-            <a:endParaRPr lang="en-US" altLang="zh-TW" dirty="0">
-              <a:latin typeface="微軟正黑體" panose="020B0604030504040204" pitchFamily="34" charset="-120"/>
-              <a:ea typeface="微軟正黑體" panose="020B0604030504040204" pitchFamily="34" charset="-120"/>
-            </a:endParaRPr>
+            <a:r>
+              <a:rPr lang="en-US" altLang="zh-TW" dirty="0">
+                <a:latin typeface="微軟正黑體" panose="020B0604030504040204" pitchFamily="34" charset="-120"/>
+                <a:ea typeface="微軟正黑體" panose="020B0604030504040204" pitchFamily="34" charset="-120"/>
+              </a:rPr>
+              <a:t>?</a:t>
+            </a:r>
           </a:p>
           <a:p>
             <a:pPr lvl="2"/>
@@ -10607,10 +10348,13 @@
               </a:rPr>
               <a:t>大眾對於保健知識的認知程度</a:t>
             </a:r>
-            <a:endParaRPr lang="en-US" altLang="zh-TW" dirty="0">
-              <a:latin typeface="微軟正黑體" panose="020B0604030504040204" pitchFamily="34" charset="-120"/>
-              <a:ea typeface="微軟正黑體" panose="020B0604030504040204" pitchFamily="34" charset="-120"/>
-            </a:endParaRPr>
+            <a:r>
+              <a:rPr lang="en-US" altLang="zh-TW" dirty="0">
+                <a:latin typeface="微軟正黑體" panose="020B0604030504040204" pitchFamily="34" charset="-120"/>
+                <a:ea typeface="微軟正黑體" panose="020B0604030504040204" pitchFamily="34" charset="-120"/>
+              </a:rPr>
+              <a:t>?</a:t>
+            </a:r>
           </a:p>
         </p:txBody>
       </p:sp>
@@ -10974,84 +10718,35 @@
           </a:p>
         </p:txBody>
       </p:sp>
-      <p:sp>
-        <p:nvSpPr>
-          <p:cNvPr id="3" name="內容版面配置區 2">
-            <a:extLst>
-              <a:ext uri="{FF2B5EF4-FFF2-40B4-BE49-F238E27FC236}">
-                <a16:creationId xmlns:a16="http://schemas.microsoft.com/office/drawing/2014/main" id="{105D2EBD-2AA9-D0CC-8C5B-E95BAFCFFDD9}"/>
-              </a:ext>
-            </a:extLst>
-          </p:cNvPr>
-          <p:cNvSpPr>
-            <a:spLocks noGrp="1"/>
-          </p:cNvSpPr>
+      <p:pic>
+        <p:nvPicPr>
+          <p:cNvPr id="5" name="內容版面配置區 4">
+            <a:extLst>
+              <a:ext uri="{FF2B5EF4-FFF2-40B4-BE49-F238E27FC236}">
+                <a16:creationId xmlns:a16="http://schemas.microsoft.com/office/drawing/2014/main" id="{F06041AE-C2CC-BC63-D108-679528578888}"/>
+              </a:ext>
+            </a:extLst>
+          </p:cNvPr>
+          <p:cNvPicPr>
+            <a:picLocks noGrp="1" noChangeAspect="1"/>
+          </p:cNvPicPr>
           <p:nvPr>
             <p:ph idx="1"/>
           </p:nvPr>
-        </p:nvSpPr>
+        </p:nvPicPr>
+        <p:blipFill>
+          <a:blip r:embed="rId2"/>
+          <a:stretch>
+            <a:fillRect/>
+          </a:stretch>
+        </p:blipFill>
         <p:spPr>
           <a:xfrm>
-            <a:off x="793660" y="1023257"/>
-            <a:ext cx="10143668" cy="5011784"/>
+            <a:off x="1622586" y="2780068"/>
+            <a:ext cx="8946825" cy="2223534"/>
           </a:xfrm>
         </p:spPr>
-        <p:txBody>
-          <a:bodyPr anchor="ctr">
-            <a:normAutofit/>
-          </a:bodyPr>
-          <a:lstStyle/>
-          <a:p>
-            <a:pPr lvl="1"/>
-            <a:r>
-              <a:rPr lang="zh-TW" altLang="en-US" dirty="0">
-                <a:latin typeface="微軟正黑體" panose="020B0604030504040204" pitchFamily="34" charset="-120"/>
-                <a:ea typeface="微軟正黑體" panose="020B0604030504040204" pitchFamily="34" charset="-120"/>
-              </a:rPr>
-              <a:t>問卷結果</a:t>
-            </a:r>
-            <a:endParaRPr lang="en-US" altLang="zh-TW" dirty="0">
-              <a:latin typeface="微軟正黑體" panose="020B0604030504040204" pitchFamily="34" charset="-120"/>
-              <a:ea typeface="微軟正黑體" panose="020B0604030504040204" pitchFamily="34" charset="-120"/>
-            </a:endParaRPr>
-          </a:p>
-          <a:p>
-            <a:pPr lvl="2"/>
-            <a:r>
-              <a:rPr lang="zh-TW" altLang="en-US" dirty="0">
-                <a:latin typeface="微軟正黑體" panose="020B0604030504040204" pitchFamily="34" charset="-120"/>
-                <a:ea typeface="微軟正黑體" panose="020B0604030504040204" pitchFamily="34" charset="-120"/>
-              </a:rPr>
-              <a:t>收集到</a:t>
-            </a:r>
-            <a:r>
-              <a:rPr lang="en-US" altLang="zh-TW" dirty="0">
-                <a:latin typeface="微軟正黑體" panose="020B0604030504040204" pitchFamily="34" charset="-120"/>
-                <a:ea typeface="微軟正黑體" panose="020B0604030504040204" pitchFamily="34" charset="-120"/>
-              </a:rPr>
-              <a:t>70</a:t>
-            </a:r>
-            <a:r>
-              <a:rPr lang="zh-TW" altLang="en-US" dirty="0">
-                <a:latin typeface="微軟正黑體" panose="020B0604030504040204" pitchFamily="34" charset="-120"/>
-                <a:ea typeface="微軟正黑體" panose="020B0604030504040204" pitchFamily="34" charset="-120"/>
-              </a:rPr>
-              <a:t>份有效問卷</a:t>
-            </a:r>
-            <a:endParaRPr lang="en-US" altLang="zh-TW" dirty="0">
-              <a:latin typeface="微軟正黑體" panose="020B0604030504040204" pitchFamily="34" charset="-120"/>
-              <a:ea typeface="微軟正黑體" panose="020B0604030504040204" pitchFamily="34" charset="-120"/>
-            </a:endParaRPr>
-          </a:p>
-          <a:p>
-            <a:pPr lvl="2"/>
-            <a:endParaRPr lang="en-US" altLang="zh-TW" dirty="0">
-              <a:latin typeface="微軟正黑體" panose="020B0604030504040204" pitchFamily="34" charset="-120"/>
-              <a:ea typeface="微軟正黑體" panose="020B0604030504040204" pitchFamily="34" charset="-120"/>
-            </a:endParaRPr>
-          </a:p>
-        </p:txBody>
-      </p:sp>
+      </p:pic>
     </p:spTree>
     <p:extLst>
       <p:ext uri="{BB962C8B-B14F-4D97-AF65-F5344CB8AC3E}">
@@ -11068,6 +10763,14 @@
 <file path=ppt/slides/slide7.xml><?xml version="1.0" encoding="utf-8"?>
 <p:sld xmlns:a="http://schemas.openxmlformats.org/drawingml/2006/main" xmlns:r="http://schemas.openxmlformats.org/officeDocument/2006/relationships" xmlns:p="http://schemas.openxmlformats.org/presentationml/2006/main">
   <p:cSld>
+    <p:bg>
+      <p:bgPr>
+        <a:solidFill>
+          <a:schemeClr val="bg1"/>
+        </a:solidFill>
+        <a:effectLst/>
+      </p:bgPr>
+    </p:bg>
     <p:spTree>
       <p:nvGrpSpPr>
         <p:cNvPr id="1" name=""/>
@@ -11082,12 +10785,72 @@
           <a:chExt cx="0" cy="0"/>
         </a:xfrm>
       </p:grpSpPr>
+      <p:sp useBgFill="1">
+        <p:nvSpPr>
+          <p:cNvPr id="19" name="Rectangle 7">
+            <a:extLst>
+              <a:ext uri="{FF2B5EF4-FFF2-40B4-BE49-F238E27FC236}">
+                <a16:creationId xmlns:a16="http://schemas.microsoft.com/office/drawing/2014/main" id="{DBF61EA3-B236-439E-9C0B-340980D56BEE}"/>
+              </a:ext>
+              <a:ext uri="{C183D7F6-B498-43B3-948B-1728B52AA6E4}">
+                <adec:decorative xmlns:adec="http://schemas.microsoft.com/office/drawing/2017/decorative" val="1"/>
+              </a:ext>
+            </a:extLst>
+          </p:cNvPr>
+          <p:cNvSpPr>
+            <a:spLocks noGrp="1" noRot="1" noChangeAspect="1" noMove="1" noResize="1" noEditPoints="1" noAdjustHandles="1" noChangeArrowheads="1" noChangeShapeType="1" noTextEdit="1"/>
+          </p:cNvSpPr>
+          <p:nvPr>
+            <p:extLst>
+              <p:ext uri="{386F3935-93C4-4BCD-93E2-E3B085C9AB24}">
+                <p16:designElem xmlns:p16="http://schemas.microsoft.com/office/powerpoint/2015/main" val="1"/>
+              </p:ext>
+            </p:extLst>
+          </p:nvPr>
+        </p:nvSpPr>
+        <p:spPr>
+          <a:xfrm>
+            <a:off x="0" y="0"/>
+            <a:ext cx="12191999" cy="6857365"/>
+          </a:xfrm>
+          <a:prstGeom prst="rect">
+            <a:avLst/>
+          </a:prstGeom>
+          <a:ln>
+            <a:noFill/>
+          </a:ln>
+        </p:spPr>
+        <p:style>
+          <a:lnRef idx="2">
+            <a:schemeClr val="accent1">
+              <a:shade val="50000"/>
+            </a:schemeClr>
+          </a:lnRef>
+          <a:fillRef idx="1">
+            <a:schemeClr val="accent1"/>
+          </a:fillRef>
+          <a:effectRef idx="0">
+            <a:schemeClr val="accent1"/>
+          </a:effectRef>
+          <a:fontRef idx="minor">
+            <a:schemeClr val="lt1"/>
+          </a:fontRef>
+        </p:style>
+        <p:txBody>
+          <a:bodyPr rtlCol="0" anchor="ctr"/>
+          <a:lstStyle/>
+          <a:p>
+            <a:pPr algn="ctr"/>
+            <a:endParaRPr lang="en-US"/>
+          </a:p>
+        </p:txBody>
+      </p:sp>
       <p:sp>
         <p:nvSpPr>
           <p:cNvPr id="2" name="標題 1">
             <a:extLst>
               <a:ext uri="{FF2B5EF4-FFF2-40B4-BE49-F238E27FC236}">
-                <a16:creationId xmlns:a16="http://schemas.microsoft.com/office/drawing/2014/main" id="{D5A0CB9B-A8D3-30FC-F5CC-3AB44B86C239}"/>
+                <a16:creationId xmlns:a16="http://schemas.microsoft.com/office/drawing/2014/main" id="{A5370F9C-8FDD-CF13-C475-6079688F2BD7}"/>
               </a:ext>
             </a:extLst>
           </p:cNvPr>
@@ -11098,44 +10861,285 @@
             <p:ph type="title"/>
           </p:nvPr>
         </p:nvSpPr>
-        <p:spPr/>
-        <p:txBody>
-          <a:bodyPr/>
+        <p:spPr>
+          <a:xfrm>
+            <a:off x="808638" y="386930"/>
+            <a:ext cx="9236700" cy="1188950"/>
+          </a:xfrm>
+        </p:spPr>
+        <p:txBody>
+          <a:bodyPr anchor="b">
+            <a:normAutofit/>
+          </a:bodyPr>
           <a:lstStyle/>
           <a:p>
-            <a:endParaRPr lang="zh-TW" altLang="en-US" dirty="0"/>
-          </a:p>
-        </p:txBody>
-      </p:sp>
+            <a:r>
+              <a:rPr lang="zh-TW" altLang="en-US" sz="5400" b="1" dirty="0">
+                <a:latin typeface="微軟正黑體" panose="020B0604030504040204" pitchFamily="34" charset="-120"/>
+                <a:ea typeface="微軟正黑體" panose="020B0604030504040204" pitchFamily="34" charset="-120"/>
+              </a:rPr>
+              <a:t>產品構思</a:t>
+            </a:r>
+          </a:p>
+        </p:txBody>
+      </p:sp>
+      <p:grpSp>
+        <p:nvGrpSpPr>
+          <p:cNvPr id="20" name="Group 9">
+            <a:extLst>
+              <a:ext uri="{FF2B5EF4-FFF2-40B4-BE49-F238E27FC236}">
+                <a16:creationId xmlns:a16="http://schemas.microsoft.com/office/drawing/2014/main" id="{28FAF094-D087-493F-8DF9-A486C2D6BBAA}"/>
+              </a:ext>
+              <a:ext uri="{C183D7F6-B498-43B3-948B-1728B52AA6E4}">
+                <adec:decorative xmlns:adec="http://schemas.microsoft.com/office/drawing/2017/decorative" val="1"/>
+              </a:ext>
+            </a:extLst>
+          </p:cNvPr>
+          <p:cNvGrpSpPr>
+            <a:grpSpLocks noGrp="1" noUngrp="1" noRot="1" noChangeAspect="1" noMove="1" noResize="1"/>
+          </p:cNvGrpSpPr>
+          <p:nvPr>
+            <p:extLst>
+              <p:ext uri="{386F3935-93C4-4BCD-93E2-E3B085C9AB24}">
+                <p16:designElem xmlns:p16="http://schemas.microsoft.com/office/powerpoint/2015/main" val="1"/>
+              </p:ext>
+            </p:extLst>
+          </p:nvPr>
+        </p:nvGrpSpPr>
+        <p:grpSpPr>
+          <a:xfrm>
+            <a:off x="-2" y="1998368"/>
+            <a:ext cx="11695083" cy="782176"/>
+            <a:chOff x="-2" y="1998368"/>
+            <a:chExt cx="11695083" cy="782176"/>
+          </a:xfrm>
+        </p:grpSpPr>
+        <p:sp>
+          <p:nvSpPr>
+            <p:cNvPr id="21" name="Rectangle 10">
+              <a:extLst>
+                <a:ext uri="{FF2B5EF4-FFF2-40B4-BE49-F238E27FC236}">
+                  <a16:creationId xmlns:a16="http://schemas.microsoft.com/office/drawing/2014/main" id="{8D7C88D8-5509-4514-925A-9CE148E5CBD6}"/>
+                </a:ext>
+                <a:ext uri="{C183D7F6-B498-43B3-948B-1728B52AA6E4}">
+                  <adec:decorative xmlns:adec="http://schemas.microsoft.com/office/drawing/2017/decorative" val="1"/>
+                </a:ext>
+              </a:extLst>
+            </p:cNvPr>
+            <p:cNvSpPr/>
+            <p:nvPr>
+              <p:extLst>
+                <p:ext uri="{386F3935-93C4-4BCD-93E2-E3B085C9AB24}">
+                  <p16:designElem xmlns:p16="http://schemas.microsoft.com/office/powerpoint/2015/main" val="1"/>
+                </p:ext>
+              </p:extLst>
+            </p:nvPr>
+          </p:nvSpPr>
+          <p:spPr>
+            <a:xfrm rot="5400000">
+              <a:off x="11228040" y="2313027"/>
+              <a:ext cx="781700" cy="152382"/>
+            </a:xfrm>
+            <a:prstGeom prst="rect">
+              <a:avLst/>
+            </a:prstGeom>
+            <a:solidFill>
+              <a:schemeClr val="accent4"/>
+            </a:solidFill>
+            <a:ln>
+              <a:noFill/>
+            </a:ln>
+          </p:spPr>
+          <p:style>
+            <a:lnRef idx="2">
+              <a:schemeClr val="accent1">
+                <a:shade val="50000"/>
+              </a:schemeClr>
+            </a:lnRef>
+            <a:fillRef idx="1">
+              <a:schemeClr val="accent1"/>
+            </a:fillRef>
+            <a:effectRef idx="0">
+              <a:schemeClr val="accent1"/>
+            </a:effectRef>
+            <a:fontRef idx="minor">
+              <a:schemeClr val="lt1"/>
+            </a:fontRef>
+          </p:style>
+          <p:txBody>
+            <a:bodyPr rtlCol="0" anchor="ctr"/>
+            <a:lstStyle/>
+            <a:p>
+              <a:pPr algn="ctr"/>
+              <a:endParaRPr lang="en-US"/>
+            </a:p>
+          </p:txBody>
+        </p:sp>
+        <p:sp>
+          <p:nvSpPr>
+            <p:cNvPr id="22" name="Rectangle 11">
+              <a:extLst>
+                <a:ext uri="{FF2B5EF4-FFF2-40B4-BE49-F238E27FC236}">
+                  <a16:creationId xmlns:a16="http://schemas.microsoft.com/office/drawing/2014/main" id="{7275593D-F75E-4426-AE3E-2CDEFD228D25}"/>
+                </a:ext>
+                <a:ext uri="{C183D7F6-B498-43B3-948B-1728B52AA6E4}">
+                  <adec:decorative xmlns:adec="http://schemas.microsoft.com/office/drawing/2017/decorative" val="1"/>
+                </a:ext>
+              </a:extLst>
+            </p:cNvPr>
+            <p:cNvSpPr/>
+            <p:nvPr>
+              <p:extLst>
+                <p:ext uri="{386F3935-93C4-4BCD-93E2-E3B085C9AB24}">
+                  <p16:designElem xmlns:p16="http://schemas.microsoft.com/office/powerpoint/2015/main" val="1"/>
+                </p:ext>
+              </p:extLst>
+            </p:nvPr>
+          </p:nvSpPr>
+          <p:spPr>
+            <a:xfrm flipH="1" flipV="1">
+              <a:off x="-2" y="1998845"/>
+              <a:ext cx="11454595" cy="781699"/>
+            </a:xfrm>
+            <a:prstGeom prst="rect">
+              <a:avLst/>
+            </a:prstGeom>
+            <a:solidFill>
+              <a:schemeClr val="accent4"/>
+            </a:solidFill>
+            <a:ln>
+              <a:noFill/>
+            </a:ln>
+          </p:spPr>
+          <p:style>
+            <a:lnRef idx="2">
+              <a:schemeClr val="accent1">
+                <a:shade val="50000"/>
+              </a:schemeClr>
+            </a:lnRef>
+            <a:fillRef idx="1">
+              <a:schemeClr val="accent1"/>
+            </a:fillRef>
+            <a:effectRef idx="0">
+              <a:schemeClr val="accent1"/>
+            </a:effectRef>
+            <a:fontRef idx="minor">
+              <a:schemeClr val="lt1"/>
+            </a:fontRef>
+          </p:style>
+          <p:txBody>
+            <a:bodyPr rtlCol="0" anchor="ctr"/>
+            <a:lstStyle/>
+            <a:p>
+              <a:pPr algn="ctr"/>
+              <a:endParaRPr lang="en-US"/>
+            </a:p>
+          </p:txBody>
+        </p:sp>
+      </p:grpSp>
       <p:sp>
         <p:nvSpPr>
-          <p:cNvPr id="3" name="內容版面配置區 2">
-            <a:extLst>
-              <a:ext uri="{FF2B5EF4-FFF2-40B4-BE49-F238E27FC236}">
-                <a16:creationId xmlns:a16="http://schemas.microsoft.com/office/drawing/2014/main" id="{50E38B1B-943F-0E69-7684-CEBDC8BD1407}"/>
-              </a:ext>
-            </a:extLst>
-          </p:cNvPr>
-          <p:cNvSpPr>
-            <a:spLocks noGrp="1"/>
-          </p:cNvSpPr>
+          <p:cNvPr id="14" name="Rectangle 13">
+            <a:extLst>
+              <a:ext uri="{FF2B5EF4-FFF2-40B4-BE49-F238E27FC236}">
+                <a16:creationId xmlns:a16="http://schemas.microsoft.com/office/drawing/2014/main" id="{E659831F-0D9A-4C63-9EBB-8435B85A440F}"/>
+              </a:ext>
+              <a:ext uri="{C183D7F6-B498-43B3-948B-1728B52AA6E4}">
+                <adec:decorative xmlns:adec="http://schemas.microsoft.com/office/drawing/2017/decorative" val="1"/>
+              </a:ext>
+            </a:extLst>
+          </p:cNvPr>
+          <p:cNvSpPr>
+            <a:spLocks noGrp="1" noRot="1" noChangeAspect="1" noMove="1" noResize="1" noEditPoints="1" noAdjustHandles="1" noChangeArrowheads="1" noChangeShapeType="1" noTextEdit="1"/>
+          </p:cNvSpPr>
+          <p:nvPr>
+            <p:extLst>
+              <p:ext uri="{386F3935-93C4-4BCD-93E2-E3B085C9AB24}">
+                <p16:designElem xmlns:p16="http://schemas.microsoft.com/office/powerpoint/2015/main" val="1"/>
+              </p:ext>
+            </p:extLst>
+          </p:nvPr>
+        </p:nvSpPr>
+        <p:spPr>
+          <a:xfrm>
+            <a:off x="0" y="2203079"/>
+            <a:ext cx="11383362" cy="4147845"/>
+          </a:xfrm>
+          <a:prstGeom prst="rect">
+            <a:avLst/>
+          </a:prstGeom>
+          <a:solidFill>
+            <a:schemeClr val="bg1"/>
+          </a:solidFill>
+          <a:ln>
+            <a:noFill/>
+          </a:ln>
+          <a:effectLst>
+            <a:outerShdw blurRad="139700" dist="127000" dir="5400000" algn="t" rotWithShape="0">
+              <a:prstClr val="black">
+                <a:alpha val="15000"/>
+              </a:prstClr>
+            </a:outerShdw>
+          </a:effectLst>
+        </p:spPr>
+        <p:style>
+          <a:lnRef idx="2">
+            <a:schemeClr val="accent1">
+              <a:shade val="50000"/>
+            </a:schemeClr>
+          </a:lnRef>
+          <a:fillRef idx="1">
+            <a:schemeClr val="accent1"/>
+          </a:fillRef>
+          <a:effectRef idx="0">
+            <a:schemeClr val="accent1"/>
+          </a:effectRef>
+          <a:fontRef idx="minor">
+            <a:schemeClr val="lt1"/>
+          </a:fontRef>
+        </p:style>
+        <p:txBody>
+          <a:bodyPr rtlCol="0" anchor="ctr"/>
+          <a:lstStyle/>
+          <a:p>
+            <a:pPr algn="ctr"/>
+            <a:endParaRPr lang="en-US"/>
+          </a:p>
+        </p:txBody>
+      </p:sp>
+      <p:pic>
+        <p:nvPicPr>
+          <p:cNvPr id="7" name="內容版面配置區 6">
+            <a:extLst>
+              <a:ext uri="{FF2B5EF4-FFF2-40B4-BE49-F238E27FC236}">
+                <a16:creationId xmlns:a16="http://schemas.microsoft.com/office/drawing/2014/main" id="{56A3928D-2F50-4809-7F4E-45C5191833CF}"/>
+              </a:ext>
+            </a:extLst>
+          </p:cNvPr>
+          <p:cNvPicPr>
+            <a:picLocks noGrp="1" noChangeAspect="1"/>
+          </p:cNvPicPr>
           <p:nvPr>
             <p:ph idx="1"/>
           </p:nvPr>
-        </p:nvSpPr>
-        <p:spPr/>
-        <p:txBody>
-          <a:bodyPr/>
-          <a:lstStyle/>
-          <a:p>
-            <a:endParaRPr lang="zh-TW" altLang="en-US"/>
-          </a:p>
-        </p:txBody>
-      </p:sp>
+        </p:nvPicPr>
+        <p:blipFill>
+          <a:blip r:embed="rId2"/>
+          <a:stretch>
+            <a:fillRect/>
+          </a:stretch>
+        </p:blipFill>
+        <p:spPr>
+          <a:xfrm>
+            <a:off x="1256656" y="2707939"/>
+            <a:ext cx="9678688" cy="2739035"/>
+          </a:xfrm>
+        </p:spPr>
+      </p:pic>
     </p:spTree>
     <p:extLst>
       <p:ext uri="{BB962C8B-B14F-4D97-AF65-F5344CB8AC3E}">
-        <p14:creationId xmlns:p14="http://schemas.microsoft.com/office/powerpoint/2010/main" val="478470619"/>
+        <p14:creationId xmlns:p14="http://schemas.microsoft.com/office/powerpoint/2010/main" val="3857651330"/>
       </p:ext>
     </p:extLst>
   </p:cSld>
@@ -11162,60 +11166,39 @@
           <a:chExt cx="0" cy="0"/>
         </a:xfrm>
       </p:grpSpPr>
-      <p:sp>
-        <p:nvSpPr>
-          <p:cNvPr id="2" name="標題 1">
-            <a:extLst>
-              <a:ext uri="{FF2B5EF4-FFF2-40B4-BE49-F238E27FC236}">
-                <a16:creationId xmlns:a16="http://schemas.microsoft.com/office/drawing/2014/main" id="{D1A41554-EFED-E14A-19B3-029440F6F6C8}"/>
-              </a:ext>
-            </a:extLst>
-          </p:cNvPr>
-          <p:cNvSpPr>
-            <a:spLocks noGrp="1"/>
-          </p:cNvSpPr>
-          <p:nvPr>
-            <p:ph type="title"/>
-          </p:nvPr>
-        </p:nvSpPr>
-        <p:spPr/>
-        <p:txBody>
-          <a:bodyPr/>
-          <a:lstStyle/>
-          <a:p>
-            <a:endParaRPr lang="zh-TW" altLang="en-US"/>
-          </a:p>
-        </p:txBody>
-      </p:sp>
-      <p:sp>
-        <p:nvSpPr>
-          <p:cNvPr id="3" name="內容版面配置區 2">
-            <a:extLst>
-              <a:ext uri="{FF2B5EF4-FFF2-40B4-BE49-F238E27FC236}">
-                <a16:creationId xmlns:a16="http://schemas.microsoft.com/office/drawing/2014/main" id="{01939C5F-29D6-B2C9-89D4-97FBABEFC61A}"/>
-              </a:ext>
-            </a:extLst>
-          </p:cNvPr>
-          <p:cNvSpPr>
-            <a:spLocks noGrp="1"/>
-          </p:cNvSpPr>
+      <p:pic>
+        <p:nvPicPr>
+          <p:cNvPr id="5" name="內容版面配置區 4">
+            <a:extLst>
+              <a:ext uri="{FF2B5EF4-FFF2-40B4-BE49-F238E27FC236}">
+                <a16:creationId xmlns:a16="http://schemas.microsoft.com/office/drawing/2014/main" id="{5A59DD9D-B4F7-2AFB-BD17-C79031284C08}"/>
+              </a:ext>
+            </a:extLst>
+          </p:cNvPr>
+          <p:cNvPicPr>
+            <a:picLocks noGrp="1" noChangeAspect="1"/>
+          </p:cNvPicPr>
           <p:nvPr>
             <p:ph idx="1"/>
           </p:nvPr>
-        </p:nvSpPr>
-        <p:spPr/>
-        <p:txBody>
-          <a:bodyPr/>
-          <a:lstStyle/>
-          <a:p>
-            <a:endParaRPr lang="zh-TW" altLang="en-US"/>
-          </a:p>
-        </p:txBody>
-      </p:sp>
+        </p:nvPicPr>
+        <p:blipFill>
+          <a:blip r:embed="rId2"/>
+          <a:stretch>
+            <a:fillRect/>
+          </a:stretch>
+        </p:blipFill>
+        <p:spPr>
+          <a:xfrm>
+            <a:off x="1099320" y="2709574"/>
+            <a:ext cx="9735128" cy="2167225"/>
+          </a:xfrm>
+        </p:spPr>
+      </p:pic>
     </p:spTree>
     <p:extLst>
       <p:ext uri="{BB962C8B-B14F-4D97-AF65-F5344CB8AC3E}">
-        <p14:creationId xmlns:p14="http://schemas.microsoft.com/office/powerpoint/2010/main" val="1810039208"/>
+        <p14:creationId xmlns:p14="http://schemas.microsoft.com/office/powerpoint/2010/main" val="2537573413"/>
       </p:ext>
     </p:extLst>
   </p:cSld>
@@ -11252,10 +11235,10 @@
       </p:grpSpPr>
       <p:sp useBgFill="1">
         <p:nvSpPr>
-          <p:cNvPr id="8" name="Rectangle 7">
-            <a:extLst>
-              <a:ext uri="{FF2B5EF4-FFF2-40B4-BE49-F238E27FC236}">
-                <a16:creationId xmlns:a16="http://schemas.microsoft.com/office/drawing/2014/main" id="{B6CDA21F-E7AF-4C75-8395-33F58D5B0E45}"/>
+          <p:cNvPr id="16" name="Rectangle 15">
+            <a:extLst>
+              <a:ext uri="{FF2B5EF4-FFF2-40B4-BE49-F238E27FC236}">
+                <a16:creationId xmlns:a16="http://schemas.microsoft.com/office/drawing/2014/main" id="{907EF6B7-1338-4443-8C46-6A318D952DFD}"/>
               </a:ext>
               <a:ext uri="{C183D7F6-B498-43B3-948B-1728B52AA6E4}">
                 <adec:decorative xmlns:adec="http://schemas.microsoft.com/office/drawing/2017/decorative" val="1"/>
@@ -11275,8 +11258,8 @@
         </p:nvSpPr>
         <p:spPr>
           <a:xfrm>
-            <a:off x="0" y="0"/>
-            <a:ext cx="12191999" cy="6857365"/>
+            <a:off x="3048" y="0"/>
+            <a:ext cx="12188952" cy="6858000"/>
           </a:xfrm>
           <a:prstGeom prst="rect">
             <a:avLst/>
@@ -11310,21 +11293,21 @@
           </a:p>
         </p:txBody>
       </p:sp>
-      <p:grpSp>
-        <p:nvGrpSpPr>
-          <p:cNvPr id="10" name="Group 9">
-            <a:extLst>
-              <a:ext uri="{FF2B5EF4-FFF2-40B4-BE49-F238E27FC236}">
-                <a16:creationId xmlns:a16="http://schemas.microsoft.com/office/drawing/2014/main" id="{AE1C45F0-260A-458C-96ED-C1F6D2151219}"/>
+      <p:sp>
+        <p:nvSpPr>
+          <p:cNvPr id="18" name="Freeform: Shape 17">
+            <a:extLst>
+              <a:ext uri="{FF2B5EF4-FFF2-40B4-BE49-F238E27FC236}">
+                <a16:creationId xmlns:a16="http://schemas.microsoft.com/office/drawing/2014/main" id="{DAAE4CDD-124C-4DCF-9584-B6033B545DD5}"/>
               </a:ext>
               <a:ext uri="{C183D7F6-B498-43B3-948B-1728B52AA6E4}">
                 <adec:decorative xmlns:adec="http://schemas.microsoft.com/office/drawing/2017/decorative" val="1"/>
               </a:ext>
             </a:extLst>
           </p:cNvPr>
-          <p:cNvGrpSpPr>
-            <a:grpSpLocks noGrp="1" noUngrp="1" noRot="1" noChangeAspect="1" noMove="1" noResize="1"/>
-          </p:cNvGrpSpPr>
+          <p:cNvSpPr>
+            <a:spLocks noGrp="1" noRot="1" noChangeAspect="1" noMove="1" noResize="1" noEditPoints="1" noAdjustHandles="1" noChangeArrowheads="1" noChangeShapeType="1" noTextEdit="1"/>
+          </p:cNvSpPr>
           <p:nvPr>
             <p:extLst>
               <p:ext uri="{386F3935-93C4-4BCD-93E2-E3B085C9AB24}">
@@ -11332,240 +11315,92 @@
               </p:ext>
             </p:extLst>
           </p:nvPr>
-        </p:nvGrpSpPr>
-        <p:grpSpPr>
-          <a:xfrm>
-            <a:off x="4" y="1216597"/>
-            <a:ext cx="731521" cy="673460"/>
-            <a:chOff x="3940602" y="308034"/>
-            <a:chExt cx="2116791" cy="3428999"/>
-          </a:xfrm>
-          <a:solidFill>
-            <a:schemeClr val="accent4"/>
-          </a:solidFill>
-        </p:grpSpPr>
-        <p:sp>
-          <p:nvSpPr>
-            <p:cNvPr id="11" name="Rectangle 10">
-              <a:extLst>
-                <a:ext uri="{FF2B5EF4-FFF2-40B4-BE49-F238E27FC236}">
-                  <a16:creationId xmlns:a16="http://schemas.microsoft.com/office/drawing/2014/main" id="{A6604B49-AD5C-4590-B051-06C8222ECD99}"/>
-                </a:ext>
-                <a:ext uri="{C183D7F6-B498-43B3-948B-1728B52AA6E4}">
-                  <adec:decorative xmlns:adec="http://schemas.microsoft.com/office/drawing/2017/decorative" val="1"/>
-                </a:ext>
-              </a:extLst>
-            </p:cNvPr>
-            <p:cNvSpPr/>
-            <p:nvPr>
-              <p:extLst>
-                <p:ext uri="{386F3935-93C4-4BCD-93E2-E3B085C9AB24}">
-                  <p16:designElem xmlns:p16="http://schemas.microsoft.com/office/powerpoint/2015/main" val="1"/>
-                </p:ext>
-              </p:extLst>
-            </p:nvPr>
-          </p:nvSpPr>
-          <p:spPr>
-            <a:xfrm>
-              <a:off x="3940602" y="308034"/>
-              <a:ext cx="566743" cy="3428999"/>
-            </a:xfrm>
-            <a:prstGeom prst="rect">
-              <a:avLst/>
-            </a:prstGeom>
-            <a:grpFill/>
-            <a:ln>
-              <a:noFill/>
-            </a:ln>
-          </p:spPr>
-          <p:style>
-            <a:lnRef idx="2">
-              <a:schemeClr val="accent1">
-                <a:shade val="50000"/>
-              </a:schemeClr>
-            </a:lnRef>
-            <a:fillRef idx="1">
-              <a:schemeClr val="accent1"/>
-            </a:fillRef>
-            <a:effectRef idx="0">
-              <a:schemeClr val="accent1"/>
-            </a:effectRef>
-            <a:fontRef idx="minor">
-              <a:schemeClr val="lt1"/>
-            </a:fontRef>
-          </p:style>
-          <p:txBody>
-            <a:bodyPr rtlCol="0" anchor="ctr"/>
-            <a:lstStyle/>
-            <a:p>
-              <a:pPr algn="ctr"/>
-              <a:endParaRPr lang="en-US"/>
-            </a:p>
-          </p:txBody>
-        </p:sp>
-        <p:sp>
-          <p:nvSpPr>
-            <p:cNvPr id="12" name="Rectangle 11">
-              <a:extLst>
-                <a:ext uri="{FF2B5EF4-FFF2-40B4-BE49-F238E27FC236}">
-                  <a16:creationId xmlns:a16="http://schemas.microsoft.com/office/drawing/2014/main" id="{743ECCAF-29C5-4537-947C-7EA1292463DB}"/>
-                </a:ext>
-                <a:ext uri="{C183D7F6-B498-43B3-948B-1728B52AA6E4}">
-                  <adec:decorative xmlns:adec="http://schemas.microsoft.com/office/drawing/2017/decorative" val="1"/>
-                </a:ext>
-              </a:extLst>
-            </p:cNvPr>
-            <p:cNvSpPr/>
-            <p:nvPr>
-              <p:extLst>
-                <p:ext uri="{386F3935-93C4-4BCD-93E2-E3B085C9AB24}">
-                  <p16:designElem xmlns:p16="http://schemas.microsoft.com/office/powerpoint/2015/main" val="1"/>
-                </p:ext>
-              </p:extLst>
-            </p:nvPr>
-          </p:nvSpPr>
-          <p:spPr>
-            <a:xfrm>
-              <a:off x="4715626" y="308034"/>
-              <a:ext cx="566743" cy="3428999"/>
-            </a:xfrm>
-            <a:prstGeom prst="rect">
-              <a:avLst/>
-            </a:prstGeom>
-            <a:grpFill/>
-            <a:ln>
-              <a:noFill/>
-            </a:ln>
-          </p:spPr>
-          <p:style>
-            <a:lnRef idx="2">
-              <a:schemeClr val="accent1">
-                <a:shade val="50000"/>
-              </a:schemeClr>
-            </a:lnRef>
-            <a:fillRef idx="1">
-              <a:schemeClr val="accent1"/>
-            </a:fillRef>
-            <a:effectRef idx="0">
-              <a:schemeClr val="accent1"/>
-            </a:effectRef>
-            <a:fontRef idx="minor">
-              <a:schemeClr val="lt1"/>
-            </a:fontRef>
-          </p:style>
-          <p:txBody>
-            <a:bodyPr rtlCol="0" anchor="ctr"/>
-            <a:lstStyle/>
-            <a:p>
-              <a:pPr algn="ctr"/>
-              <a:endParaRPr lang="en-US"/>
-            </a:p>
-          </p:txBody>
-        </p:sp>
-        <p:sp>
-          <p:nvSpPr>
-            <p:cNvPr id="13" name="Rectangle 12">
-              <a:extLst>
-                <a:ext uri="{FF2B5EF4-FFF2-40B4-BE49-F238E27FC236}">
-                  <a16:creationId xmlns:a16="http://schemas.microsoft.com/office/drawing/2014/main" id="{ED49787B-8DE6-4467-AD0A-8DECC6E0C2D6}"/>
-                </a:ext>
-                <a:ext uri="{C183D7F6-B498-43B3-948B-1728B52AA6E4}">
-                  <adec:decorative xmlns:adec="http://schemas.microsoft.com/office/drawing/2017/decorative" val="1"/>
-                </a:ext>
-              </a:extLst>
-            </p:cNvPr>
-            <p:cNvSpPr/>
-            <p:nvPr>
-              <p:extLst>
-                <p:ext uri="{386F3935-93C4-4BCD-93E2-E3B085C9AB24}">
-                  <p16:designElem xmlns:p16="http://schemas.microsoft.com/office/powerpoint/2015/main" val="1"/>
-                </p:ext>
-              </p:extLst>
-            </p:nvPr>
-          </p:nvSpPr>
-          <p:spPr>
-            <a:xfrm>
-              <a:off x="5490650" y="308034"/>
-              <a:ext cx="566743" cy="3428999"/>
-            </a:xfrm>
-            <a:prstGeom prst="rect">
-              <a:avLst/>
-            </a:prstGeom>
-            <a:grpFill/>
-            <a:ln>
-              <a:noFill/>
-            </a:ln>
-          </p:spPr>
-          <p:style>
-            <a:lnRef idx="2">
-              <a:schemeClr val="accent1">
-                <a:shade val="50000"/>
-              </a:schemeClr>
-            </a:lnRef>
-            <a:fillRef idx="1">
-              <a:schemeClr val="accent1"/>
-            </a:fillRef>
-            <a:effectRef idx="0">
-              <a:schemeClr val="accent1"/>
-            </a:effectRef>
-            <a:fontRef idx="minor">
-              <a:schemeClr val="lt1"/>
-            </a:fontRef>
-          </p:style>
-          <p:txBody>
-            <a:bodyPr rtlCol="0" anchor="ctr"/>
-            <a:lstStyle/>
-            <a:p>
-              <a:pPr algn="ctr"/>
-              <a:endParaRPr lang="en-US"/>
-            </a:p>
-          </p:txBody>
-        </p:sp>
-      </p:grpSp>
-      <p:sp>
-        <p:nvSpPr>
-          <p:cNvPr id="15" name="Rectangle 14">
-            <a:extLst>
-              <a:ext uri="{FF2B5EF4-FFF2-40B4-BE49-F238E27FC236}">
-                <a16:creationId xmlns:a16="http://schemas.microsoft.com/office/drawing/2014/main" id="{D5B0017B-2ECA-49AF-B397-DC140825DF8D}"/>
-              </a:ext>
-              <a:ext uri="{C183D7F6-B498-43B3-948B-1728B52AA6E4}">
-                <adec:decorative xmlns:adec="http://schemas.microsoft.com/office/drawing/2017/decorative" val="1"/>
-              </a:ext>
-            </a:extLst>
-          </p:cNvPr>
-          <p:cNvSpPr>
-            <a:spLocks noGrp="1" noRot="1" noChangeAspect="1" noMove="1" noResize="1" noEditPoints="1" noAdjustHandles="1" noChangeArrowheads="1" noChangeShapeType="1" noTextEdit="1"/>
-          </p:cNvSpPr>
-          <p:nvPr>
-            <p:extLst>
-              <p:ext uri="{386F3935-93C4-4BCD-93E2-E3B085C9AB24}">
-                <p16:designElem xmlns:p16="http://schemas.microsoft.com/office/powerpoint/2015/main" val="1"/>
-              </p:ext>
-            </p:extLst>
-          </p:nvPr>
         </p:nvSpPr>
         <p:spPr>
           <a:xfrm>
-            <a:off x="640079" y="613954"/>
-            <a:ext cx="10907487" cy="1894116"/>
+            <a:off x="1" y="0"/>
+            <a:ext cx="4167271" cy="6858000"/>
           </a:xfrm>
-          <a:prstGeom prst="rect">
+          <a:custGeom>
             <a:avLst/>
-          </a:prstGeom>
+            <a:gdLst>
+              <a:gd name="connsiteX0" fmla="*/ 0 w 4167271"/>
+              <a:gd name="connsiteY0" fmla="*/ 0 h 6858000"/>
+              <a:gd name="connsiteX1" fmla="*/ 2259550 w 4167271"/>
+              <a:gd name="connsiteY1" fmla="*/ 0 h 6858000"/>
+              <a:gd name="connsiteX2" fmla="*/ 2387803 w 4167271"/>
+              <a:gd name="connsiteY2" fmla="*/ 82222 h 6858000"/>
+              <a:gd name="connsiteX3" fmla="*/ 4167271 w 4167271"/>
+              <a:gd name="connsiteY3" fmla="*/ 3429000 h 6858000"/>
+              <a:gd name="connsiteX4" fmla="*/ 2387803 w 4167271"/>
+              <a:gd name="connsiteY4" fmla="*/ 6775779 h 6858000"/>
+              <a:gd name="connsiteX5" fmla="*/ 2259550 w 4167271"/>
+              <a:gd name="connsiteY5" fmla="*/ 6858000 h 6858000"/>
+              <a:gd name="connsiteX6" fmla="*/ 0 w 4167271"/>
+              <a:gd name="connsiteY6" fmla="*/ 6858000 h 6858000"/>
+            </a:gdLst>
+            <a:ahLst/>
+            <a:cxnLst>
+              <a:cxn ang="0">
+                <a:pos x="connsiteX0" y="connsiteY0"/>
+              </a:cxn>
+              <a:cxn ang="0">
+                <a:pos x="connsiteX1" y="connsiteY1"/>
+              </a:cxn>
+              <a:cxn ang="0">
+                <a:pos x="connsiteX2" y="connsiteY2"/>
+              </a:cxn>
+              <a:cxn ang="0">
+                <a:pos x="connsiteX3" y="connsiteY3"/>
+              </a:cxn>
+              <a:cxn ang="0">
+                <a:pos x="connsiteX4" y="connsiteY4"/>
+              </a:cxn>
+              <a:cxn ang="0">
+                <a:pos x="connsiteX5" y="connsiteY5"/>
+              </a:cxn>
+              <a:cxn ang="0">
+                <a:pos x="connsiteX6" y="connsiteY6"/>
+              </a:cxn>
+            </a:cxnLst>
+            <a:rect l="l" t="t" r="r" b="b"/>
+            <a:pathLst>
+              <a:path w="4167271" h="6858000">
+                <a:moveTo>
+                  <a:pt x="0" y="0"/>
+                </a:moveTo>
+                <a:lnTo>
+                  <a:pt x="2259550" y="0"/>
+                </a:lnTo>
+                <a:lnTo>
+                  <a:pt x="2387803" y="82222"/>
+                </a:lnTo>
+                <a:cubicBezTo>
+                  <a:pt x="3461407" y="807534"/>
+                  <a:pt x="4167271" y="2035835"/>
+                  <a:pt x="4167271" y="3429000"/>
+                </a:cubicBezTo>
+                <a:cubicBezTo>
+                  <a:pt x="4167271" y="4822165"/>
+                  <a:pt x="3461407" y="6050467"/>
+                  <a:pt x="2387803" y="6775779"/>
+                </a:cubicBezTo>
+                <a:lnTo>
+                  <a:pt x="2259550" y="6858000"/>
+                </a:lnTo>
+                <a:lnTo>
+                  <a:pt x="0" y="6858000"/>
+                </a:lnTo>
+                <a:close/>
+              </a:path>
+            </a:pathLst>
+          </a:custGeom>
           <a:solidFill>
-            <a:schemeClr val="bg1"/>
+            <a:schemeClr val="accent2"/>
           </a:solidFill>
           <a:ln>
             <a:noFill/>
           </a:ln>
-          <a:effectLst>
-            <a:outerShdw blurRad="139700" dist="127000" dir="5400000" algn="t" rotWithShape="0">
-              <a:prstClr val="black">
-                <a:alpha val="15000"/>
-              </a:prstClr>
-            </a:outerShdw>
-          </a:effectLst>
         </p:spPr>
         <p:style>
           <a:lnRef idx="2">
@@ -11597,7 +11432,7 @@
           <p:cNvPr id="2" name="標題 1">
             <a:extLst>
               <a:ext uri="{FF2B5EF4-FFF2-40B4-BE49-F238E27FC236}">
-                <a16:creationId xmlns:a16="http://schemas.microsoft.com/office/drawing/2014/main" id="{35460F7D-AD3D-3512-55A7-B6967514EF6E}"/>
+                <a16:creationId xmlns:a16="http://schemas.microsoft.com/office/drawing/2014/main" id="{29F4D143-CCA3-4C4A-25FB-C7209112ACF3}"/>
               </a:ext>
             </a:extLst>
           </p:cNvPr>
@@ -11610,162 +11445,45 @@
         </p:nvSpPr>
         <p:spPr>
           <a:xfrm>
-            <a:off x="1043631" y="809898"/>
-            <a:ext cx="9942716" cy="1554480"/>
+            <a:off x="358144" y="1153571"/>
+            <a:ext cx="3760474" cy="4461163"/>
           </a:xfrm>
         </p:spPr>
         <p:txBody>
-          <a:bodyPr anchor="ctr">
+          <a:bodyPr vert="horz" lIns="91440" tIns="45720" rIns="91440" bIns="45720" rtlCol="0">
             <a:normAutofit/>
           </a:bodyPr>
           <a:lstStyle/>
           <a:p>
             <a:r>
-              <a:rPr lang="zh-TW" altLang="en-US" sz="4800" b="1" dirty="0">
-                <a:latin typeface="微軟正黑體" panose="020B0604030504040204" pitchFamily="34" charset="-120"/>
-                <a:ea typeface="微軟正黑體" panose="020B0604030504040204" pitchFamily="34" charset="-120"/>
+              <a:rPr lang="zh-TW" altLang="en-US" b="1" kern="1200" dirty="0">
+                <a:solidFill>
+                  <a:srgbClr val="FFFFFF"/>
+                </a:solidFill>
+                <a:latin typeface="+mj-lt"/>
+                <a:ea typeface="+mj-ea"/>
+                <a:cs typeface="+mj-cs"/>
               </a:rPr>
-              <a:t>市場調查</a:t>
+              <a:t>使用者的需求</a:t>
             </a:r>
           </a:p>
         </p:txBody>
       </p:sp>
       <p:sp>
         <p:nvSpPr>
-          <p:cNvPr id="3" name="內容版面配置區 2">
-            <a:extLst>
-              <a:ext uri="{FF2B5EF4-FFF2-40B4-BE49-F238E27FC236}">
-                <a16:creationId xmlns:a16="http://schemas.microsoft.com/office/drawing/2014/main" id="{24B125E8-51B8-6D27-5109-6CAB5C9EC41E}"/>
-              </a:ext>
-            </a:extLst>
-          </p:cNvPr>
-          <p:cNvSpPr>
-            <a:spLocks noGrp="1"/>
-          </p:cNvSpPr>
-          <p:nvPr>
-            <p:ph idx="1"/>
-          </p:nvPr>
-        </p:nvSpPr>
-        <p:spPr>
-          <a:xfrm>
-            <a:off x="1045028" y="3017522"/>
-            <a:ext cx="9941319" cy="3124658"/>
-          </a:xfrm>
-        </p:spPr>
-        <p:txBody>
-          <a:bodyPr anchor="ctr">
-            <a:normAutofit/>
-          </a:bodyPr>
-          <a:lstStyle/>
-          <a:p>
-            <a:r>
-              <a:rPr lang="zh-TW" altLang="en-US" sz="2400" dirty="0">
-                <a:latin typeface="微軟正黑體" panose="020B0604030504040204" pitchFamily="34" charset="-120"/>
-                <a:ea typeface="微軟正黑體" panose="020B0604030504040204" pitchFamily="34" charset="-120"/>
-              </a:rPr>
-              <a:t>市面針對身關節、體態情況的應用產品相當稀少</a:t>
-            </a:r>
-            <a:endParaRPr lang="en-US" altLang="zh-TW" sz="2400" dirty="0">
-              <a:latin typeface="微軟正黑體" panose="020B0604030504040204" pitchFamily="34" charset="-120"/>
-              <a:ea typeface="微軟正黑體" panose="020B0604030504040204" pitchFamily="34" charset="-120"/>
-            </a:endParaRPr>
-          </a:p>
-          <a:p>
-            <a:pPr marL="457200" lvl="1" indent="0">
-              <a:buNone/>
-            </a:pPr>
-            <a:endParaRPr lang="en-US" altLang="zh-TW" dirty="0">
-              <a:latin typeface="微軟正黑體" panose="020B0604030504040204" pitchFamily="34" charset="-120"/>
-              <a:ea typeface="微軟正黑體" panose="020B0604030504040204" pitchFamily="34" charset="-120"/>
-            </a:endParaRPr>
-          </a:p>
-          <a:p>
-            <a:pPr lvl="1"/>
-            <a:r>
-              <a:rPr lang="zh-TW" altLang="en-US" dirty="0">
-                <a:latin typeface="微軟正黑體" panose="020B0604030504040204" pitchFamily="34" charset="-120"/>
-                <a:ea typeface="微軟正黑體" panose="020B0604030504040204" pitchFamily="34" charset="-120"/>
-              </a:rPr>
-              <a:t>需特定醫院、診所授權才能使用</a:t>
-            </a:r>
-            <a:endParaRPr lang="en-US" altLang="zh-TW" dirty="0">
-              <a:latin typeface="微軟正黑體" panose="020B0604030504040204" pitchFamily="34" charset="-120"/>
-              <a:ea typeface="微軟正黑體" panose="020B0604030504040204" pitchFamily="34" charset="-120"/>
-            </a:endParaRPr>
-          </a:p>
-          <a:p>
-            <a:pPr lvl="1"/>
-            <a:r>
-              <a:rPr lang="zh-TW" altLang="en-US" dirty="0">
-                <a:latin typeface="微軟正黑體" panose="020B0604030504040204" pitchFamily="34" charset="-120"/>
-                <a:ea typeface="微軟正黑體" panose="020B0604030504040204" pitchFamily="34" charset="-120"/>
-              </a:rPr>
-              <a:t>僅提供伸展運動</a:t>
-            </a:r>
-            <a:endParaRPr lang="en-US" altLang="zh-TW" dirty="0">
-              <a:latin typeface="微軟正黑體" panose="020B0604030504040204" pitchFamily="34" charset="-120"/>
-              <a:ea typeface="微軟正黑體" panose="020B0604030504040204" pitchFamily="34" charset="-120"/>
-            </a:endParaRPr>
-          </a:p>
-          <a:p>
-            <a:pPr lvl="1"/>
-            <a:r>
-              <a:rPr lang="zh-TW" altLang="en-US" dirty="0">
-                <a:latin typeface="微軟正黑體" panose="020B0604030504040204" pitchFamily="34" charset="-120"/>
-                <a:ea typeface="微軟正黑體" panose="020B0604030504040204" pitchFamily="34" charset="-120"/>
-              </a:rPr>
-              <a:t>功能過於簡陋</a:t>
-            </a:r>
-          </a:p>
-          <a:p>
-            <a:endParaRPr lang="zh-TW" altLang="en-US" sz="2400" dirty="0">
-              <a:latin typeface="微軟正黑體" panose="020B0604030504040204" pitchFamily="34" charset="-120"/>
-              <a:ea typeface="微軟正黑體" panose="020B0604030504040204" pitchFamily="34" charset="-120"/>
-            </a:endParaRPr>
-          </a:p>
-          <a:p>
-            <a:r>
-              <a:rPr lang="zh-TW" altLang="en-US" sz="2400" dirty="0">
-                <a:latin typeface="微軟正黑體" panose="020B0604030504040204" pitchFamily="34" charset="-120"/>
-                <a:ea typeface="微軟正黑體" panose="020B0604030504040204" pitchFamily="34" charset="-120"/>
-              </a:rPr>
-              <a:t>團隊想法</a:t>
-            </a:r>
-            <a:r>
-              <a:rPr lang="en-US" altLang="zh-TW" sz="2400" dirty="0">
-                <a:latin typeface="微軟正黑體" panose="020B0604030504040204" pitchFamily="34" charset="-120"/>
-                <a:ea typeface="微軟正黑體" panose="020B0604030504040204" pitchFamily="34" charset="-120"/>
-              </a:rPr>
-              <a:t>: </a:t>
-            </a:r>
-            <a:r>
-              <a:rPr lang="zh-TW" altLang="en-US" sz="2400" dirty="0">
-                <a:latin typeface="微軟正黑體" panose="020B0604030504040204" pitchFamily="34" charset="-120"/>
-                <a:ea typeface="微軟正黑體" panose="020B0604030504040204" pitchFamily="34" charset="-120"/>
-              </a:rPr>
-              <a:t>設計一款手機應用程式，協助大眾面對關節、體態問題</a:t>
-            </a:r>
-          </a:p>
-          <a:p>
-            <a:endParaRPr lang="zh-TW" altLang="en-US" sz="2400" dirty="0"/>
-          </a:p>
-        </p:txBody>
-      </p:sp>
-      <p:cxnSp>
-        <p:nvCxnSpPr>
-          <p:cNvPr id="17" name="Straight Connector 16">
-            <a:extLst>
-              <a:ext uri="{FF2B5EF4-FFF2-40B4-BE49-F238E27FC236}">
-                <a16:creationId xmlns:a16="http://schemas.microsoft.com/office/drawing/2014/main" id="{6CF1BAF6-AD41-4082-B212-8A1F9A2E8779}"/>
+          <p:cNvPr id="20" name="Arc 19">
+            <a:extLst>
+              <a:ext uri="{FF2B5EF4-FFF2-40B4-BE49-F238E27FC236}">
+                <a16:creationId xmlns:a16="http://schemas.microsoft.com/office/drawing/2014/main" id="{081E4A58-353D-44AE-B2FC-2A74E2E400F7}"/>
               </a:ext>
               <a:ext uri="{C183D7F6-B498-43B3-948B-1728B52AA6E4}">
                 <adec:decorative xmlns:adec="http://schemas.microsoft.com/office/drawing/2017/decorative" val="1"/>
               </a:ext>
             </a:extLst>
           </p:cNvPr>
-          <p:cNvCxnSpPr>
-            <a:cxnSpLocks noGrp="1" noRot="1" noChangeAspect="1" noMove="1" noResize="1" noEditPoints="1" noAdjustHandles="1" noChangeArrowheads="1" noChangeShapeType="1"/>
-          </p:cNvCxnSpPr>
+          <p:cNvSpPr>
+            <a:spLocks noGrp="1" noRot="1" noChangeAspect="1" noMove="1" noResize="1" noEditPoints="1" noAdjustHandles="1" noChangeArrowheads="1" noChangeShapeType="1" noTextEdit="1"/>
+          </p:cNvSpPr>
           <p:nvPr>
             <p:extLst>
               <p:ext uri="{386F3935-93C4-4BCD-93E2-E3B085C9AB24}">
@@ -11773,19 +11491,20 @@
               </p:ext>
             </p:extLst>
           </p:nvPr>
-        </p:nvCxnSpPr>
+        </p:nvSpPr>
         <p:spPr>
-          <a:xfrm flipH="1">
-            <a:off x="838200" y="6485313"/>
-            <a:ext cx="10515600" cy="0"/>
+          <a:xfrm flipV="1">
+            <a:off x="7550402" y="2455479"/>
+            <a:ext cx="4083433" cy="4083433"/>
           </a:xfrm>
-          <a:prstGeom prst="line">
+          <a:prstGeom prst="arc">
             <a:avLst/>
           </a:prstGeom>
-          <a:ln w="57150">
+          <a:ln w="127000" cap="rnd">
             <a:solidFill>
               <a:schemeClr val="accent4"/>
             </a:solidFill>
+            <a:prstDash val="dash"/>
           </a:ln>
         </p:spPr>
         <p:style>
@@ -11802,11 +11521,133 @@
             <a:schemeClr val="tx1"/>
           </a:fontRef>
         </p:style>
-      </p:cxnSp>
+        <p:txBody>
+          <a:bodyPr rtlCol="0" anchor="ctr"/>
+          <a:lstStyle/>
+          <a:p>
+            <a:pPr algn="ctr"/>
+            <a:endParaRPr lang="en-US" dirty="0"/>
+          </a:p>
+        </p:txBody>
+      </p:sp>
+      <p:sp>
+        <p:nvSpPr>
+          <p:cNvPr id="3" name="內容版面配置區 2">
+            <a:extLst>
+              <a:ext uri="{FF2B5EF4-FFF2-40B4-BE49-F238E27FC236}">
+                <a16:creationId xmlns:a16="http://schemas.microsoft.com/office/drawing/2014/main" id="{C2594907-F511-6566-3959-517CC45D2FAC}"/>
+              </a:ext>
+            </a:extLst>
+          </p:cNvPr>
+          <p:cNvSpPr>
+            <a:spLocks noGrp="1"/>
+          </p:cNvSpPr>
+          <p:nvPr>
+            <p:ph idx="1"/>
+          </p:nvPr>
+        </p:nvSpPr>
+        <p:spPr>
+          <a:xfrm>
+            <a:off x="4447308" y="591344"/>
+            <a:ext cx="6906491" cy="5585619"/>
+          </a:xfrm>
+        </p:spPr>
+        <p:txBody>
+          <a:bodyPr vert="horz" lIns="91440" tIns="45720" rIns="91440" bIns="45720" rtlCol="0" anchor="ctr">
+            <a:normAutofit/>
+          </a:bodyPr>
+          <a:lstStyle/>
+          <a:p>
+            <a:pPr marL="285750" indent="-228600">
+              <a:spcAft>
+                <a:spcPts val="600"/>
+              </a:spcAft>
+              <a:buFont typeface="Arial" panose="020B0604020202020204" pitchFamily="34" charset="0"/>
+              <a:buChar char="•"/>
+            </a:pPr>
+            <a:r>
+              <a:rPr lang="zh-TW" altLang="en-US" dirty="0">
+                <a:latin typeface="微軟正黑體" panose="020B0604030504040204" pitchFamily="34" charset="-120"/>
+                <a:ea typeface="微軟正黑體" panose="020B0604030504040204" pitchFamily="34" charset="-120"/>
+              </a:rPr>
+              <a:t>需求</a:t>
+            </a:r>
+            <a:r>
+              <a:rPr lang="en-US" altLang="zh-TW" dirty="0">
+                <a:latin typeface="微軟正黑體" panose="020B0604030504040204" pitchFamily="34" charset="-120"/>
+                <a:ea typeface="微軟正黑體" panose="020B0604030504040204" pitchFamily="34" charset="-120"/>
+              </a:rPr>
+              <a:t>:</a:t>
+            </a:r>
+          </a:p>
+          <a:p>
+            <a:pPr marL="742950" lvl="1" indent="-228600">
+              <a:spcAft>
+                <a:spcPts val="600"/>
+              </a:spcAft>
+              <a:buFont typeface="Arial" panose="020B0604020202020204" pitchFamily="34" charset="0"/>
+              <a:buChar char="•"/>
+            </a:pPr>
+            <a:endParaRPr lang="en-US" altLang="zh-TW" dirty="0">
+              <a:latin typeface="微軟正黑體" panose="020B0604030504040204" pitchFamily="34" charset="-120"/>
+              <a:ea typeface="微軟正黑體" panose="020B0604030504040204" pitchFamily="34" charset="-120"/>
+            </a:endParaRPr>
+          </a:p>
+          <a:p>
+            <a:pPr marL="742950" lvl="1" indent="-228600">
+              <a:spcAft>
+                <a:spcPts val="600"/>
+              </a:spcAft>
+              <a:buFont typeface="Arial" panose="020B0604020202020204" pitchFamily="34" charset="0"/>
+              <a:buChar char="•"/>
+            </a:pPr>
+            <a:r>
+              <a:rPr lang="zh-TW" altLang="en-US" dirty="0">
+                <a:latin typeface="微軟正黑體" panose="020B0604030504040204" pitchFamily="34" charset="-120"/>
+                <a:ea typeface="微軟正黑體" panose="020B0604030504040204" pitchFamily="34" charset="-120"/>
+              </a:rPr>
+              <a:t>及時發現問題，避免惡化</a:t>
+            </a:r>
+            <a:endParaRPr lang="en-US" altLang="zh-TW" dirty="0">
+              <a:latin typeface="微軟正黑體" panose="020B0604030504040204" pitchFamily="34" charset="-120"/>
+              <a:ea typeface="微軟正黑體" panose="020B0604030504040204" pitchFamily="34" charset="-120"/>
+            </a:endParaRPr>
+          </a:p>
+          <a:p>
+            <a:pPr marL="742950" lvl="1" indent="-228600">
+              <a:spcAft>
+                <a:spcPts val="600"/>
+              </a:spcAft>
+              <a:buFont typeface="Arial" panose="020B0604020202020204" pitchFamily="34" charset="0"/>
+              <a:buChar char="•"/>
+            </a:pPr>
+            <a:endParaRPr lang="en-US" altLang="zh-TW" dirty="0">
+              <a:latin typeface="微軟正黑體" panose="020B0604030504040204" pitchFamily="34" charset="-120"/>
+              <a:ea typeface="微軟正黑體" panose="020B0604030504040204" pitchFamily="34" charset="-120"/>
+            </a:endParaRPr>
+          </a:p>
+          <a:p>
+            <a:pPr marL="742950" lvl="1" indent="-228600">
+              <a:spcAft>
+                <a:spcPts val="600"/>
+              </a:spcAft>
+              <a:buFont typeface="Arial" panose="020B0604020202020204" pitchFamily="34" charset="0"/>
+              <a:buChar char="•"/>
+            </a:pPr>
+            <a:r>
+              <a:rPr lang="zh-TW" altLang="en-US" dirty="0">
+                <a:latin typeface="微軟正黑體" panose="020B0604030504040204" pitchFamily="34" charset="-120"/>
+                <a:ea typeface="微軟正黑體" panose="020B0604030504040204" pitchFamily="34" charset="-120"/>
+              </a:rPr>
+              <a:t>保健知識、建議</a:t>
+            </a:r>
+          </a:p>
+        </p:txBody>
+      </p:sp>
     </p:spTree>
     <p:extLst>
       <p:ext uri="{BB962C8B-B14F-4D97-AF65-F5344CB8AC3E}">
-        <p14:creationId xmlns:p14="http://schemas.microsoft.com/office/powerpoint/2010/main" val="2807620293"/>
+        <p14:creationId xmlns:p14="http://schemas.microsoft.com/office/powerpoint/2010/main" val="3016596021"/>
       </p:ext>
     </p:extLst>
   </p:cSld>

--- a/整合/報告/產品報告.pptx
+++ b/整合/報告/產品報告.pptx
@@ -134,7 +134,7 @@
 <file path=ppt/revisionInfo.xml><?xml version="1.0" encoding="utf-8"?>
 <p1510:revInfo xmlns:a="http://schemas.openxmlformats.org/drawingml/2006/main" xmlns:r="http://schemas.openxmlformats.org/officeDocument/2006/relationships" xmlns:p1510="http://schemas.microsoft.com/office/powerpoint/2015/10/main">
   <p1510:revLst>
-    <p1510:client id="{9E32E880-9E21-4A31-BD97-DF83B23E4AFF}" v="15" dt="2023-12-21T10:48:59.116"/>
+    <p1510:client id="{9E32E880-9E21-4A31-BD97-DF83B23E4AFF}" v="16" dt="2023-12-22T09:48:27.791"/>
   </p1510:revLst>
 </p1510:revInfo>
 </file>
@@ -144,7 +144,7 @@
   <pc:docChgLst>
     <pc:chgData name="品佑 陳" userId="b47096fc5e872c87" providerId="LiveId" clId="{9E32E880-9E21-4A31-BD97-DF83B23E4AFF}"/>
     <pc:docChg chg="undo custSel addSld delSld modSld sldOrd">
-      <pc:chgData name="品佑 陳" userId="b47096fc5e872c87" providerId="LiveId" clId="{9E32E880-9E21-4A31-BD97-DF83B23E4AFF}" dt="2023-12-21T11:19:37.063" v="7430" actId="14100"/>
+      <pc:chgData name="品佑 陳" userId="b47096fc5e872c87" providerId="LiveId" clId="{9E32E880-9E21-4A31-BD97-DF83B23E4AFF}" dt="2023-12-22T11:11:49.309" v="7777" actId="20577"/>
       <pc:docMkLst>
         <pc:docMk/>
       </pc:docMkLst>
@@ -417,7 +417,7 @@
         </pc:picChg>
       </pc:sldChg>
       <pc:sldChg chg="addSp modSp new mod ord setBg">
-        <pc:chgData name="品佑 陳" userId="b47096fc5e872c87" providerId="LiveId" clId="{9E32E880-9E21-4A31-BD97-DF83B23E4AFF}" dt="2023-12-21T11:11:29.108" v="7321" actId="404"/>
+        <pc:chgData name="品佑 陳" userId="b47096fc5e872c87" providerId="LiveId" clId="{9E32E880-9E21-4A31-BD97-DF83B23E4AFF}" dt="2023-12-22T09:51:02.522" v="7619" actId="20577"/>
         <pc:sldMkLst>
           <pc:docMk/>
           <pc:sldMk cId="2306524299" sldId="260"/>
@@ -431,7 +431,7 @@
           </ac:spMkLst>
         </pc:spChg>
         <pc:spChg chg="mod">
-          <ac:chgData name="品佑 陳" userId="b47096fc5e872c87" providerId="LiveId" clId="{9E32E880-9E21-4A31-BD97-DF83B23E4AFF}" dt="2023-12-21T11:11:29.108" v="7321" actId="404"/>
+          <ac:chgData name="品佑 陳" userId="b47096fc5e872c87" providerId="LiveId" clId="{9E32E880-9E21-4A31-BD97-DF83B23E4AFF}" dt="2023-12-22T09:51:02.522" v="7619" actId="20577"/>
           <ac:spMkLst>
             <pc:docMk/>
             <pc:sldMk cId="2306524299" sldId="260"/>
@@ -771,7 +771,7 @@
         </pc:cxnChg>
       </pc:sldChg>
       <pc:sldChg chg="addSp delSp modSp new mod ord setBg">
-        <pc:chgData name="品佑 陳" userId="b47096fc5e872c87" providerId="LiveId" clId="{9E32E880-9E21-4A31-BD97-DF83B23E4AFF}" dt="2023-12-21T10:59:38.600" v="7113" actId="20577"/>
+        <pc:chgData name="品佑 陳" userId="b47096fc5e872c87" providerId="LiveId" clId="{9E32E880-9E21-4A31-BD97-DF83B23E4AFF}" dt="2023-12-22T09:36:09.262" v="7546" actId="20577"/>
         <pc:sldMkLst>
           <pc:docMk/>
           <pc:sldMk cId="3016596021" sldId="266"/>
@@ -785,7 +785,7 @@
           </ac:spMkLst>
         </pc:spChg>
         <pc:spChg chg="mod">
-          <ac:chgData name="品佑 陳" userId="b47096fc5e872c87" providerId="LiveId" clId="{9E32E880-9E21-4A31-BD97-DF83B23E4AFF}" dt="2023-12-21T10:59:38.600" v="7113" actId="20577"/>
+          <ac:chgData name="品佑 陳" userId="b47096fc5e872c87" providerId="LiveId" clId="{9E32E880-9E21-4A31-BD97-DF83B23E4AFF}" dt="2023-12-22T09:36:09.262" v="7546" actId="20577"/>
           <ac:spMkLst>
             <pc:docMk/>
             <pc:sldMk cId="3016596021" sldId="266"/>
@@ -897,13 +897,13 @@
         </pc:picChg>
       </pc:sldChg>
       <pc:sldChg chg="addSp modSp new mod setBg">
-        <pc:chgData name="品佑 陳" userId="b47096fc5e872c87" providerId="LiveId" clId="{9E32E880-9E21-4A31-BD97-DF83B23E4AFF}" dt="2023-12-21T11:19:37.063" v="7430" actId="14100"/>
+        <pc:chgData name="品佑 陳" userId="b47096fc5e872c87" providerId="LiveId" clId="{9E32E880-9E21-4A31-BD97-DF83B23E4AFF}" dt="2023-12-22T11:04:36.856" v="7671"/>
         <pc:sldMkLst>
           <pc:docMk/>
           <pc:sldMk cId="3425436352" sldId="268"/>
         </pc:sldMkLst>
         <pc:spChg chg="mod">
-          <ac:chgData name="品佑 陳" userId="b47096fc5e872c87" providerId="LiveId" clId="{9E32E880-9E21-4A31-BD97-DF83B23E4AFF}" dt="2023-12-12T10:42:08.586" v="4931" actId="26606"/>
+          <ac:chgData name="品佑 陳" userId="b47096fc5e872c87" providerId="LiveId" clId="{9E32E880-9E21-4A31-BD97-DF83B23E4AFF}" dt="2023-12-21T12:10:47.869" v="7465" actId="20577"/>
           <ac:spMkLst>
             <pc:docMk/>
             <pc:sldMk cId="3425436352" sldId="268"/>
@@ -911,7 +911,7 @@
           </ac:spMkLst>
         </pc:spChg>
         <pc:spChg chg="mod">
-          <ac:chgData name="品佑 陳" userId="b47096fc5e872c87" providerId="LiveId" clId="{9E32E880-9E21-4A31-BD97-DF83B23E4AFF}" dt="2023-12-21T11:19:37.063" v="7430" actId="14100"/>
+          <ac:chgData name="品佑 陳" userId="b47096fc5e872c87" providerId="LiveId" clId="{9E32E880-9E21-4A31-BD97-DF83B23E4AFF}" dt="2023-12-22T11:04:36.856" v="7671"/>
           <ac:spMkLst>
             <pc:docMk/>
             <pc:sldMk cId="3425436352" sldId="268"/>
@@ -952,7 +952,7 @@
         </pc:cxnChg>
       </pc:sldChg>
       <pc:sldChg chg="addSp modSp new mod ord setBg">
-        <pc:chgData name="品佑 陳" userId="b47096fc5e872c87" providerId="LiveId" clId="{9E32E880-9E21-4A31-BD97-DF83B23E4AFF}" dt="2023-12-13T09:14:01.857" v="5680" actId="20577"/>
+        <pc:chgData name="品佑 陳" userId="b47096fc5e872c87" providerId="LiveId" clId="{9E32E880-9E21-4A31-BD97-DF83B23E4AFF}" dt="2023-12-22T11:11:49.309" v="7777" actId="20577"/>
         <pc:sldMkLst>
           <pc:docMk/>
           <pc:sldMk cId="1855425495" sldId="269"/>
@@ -966,7 +966,7 @@
           </ac:spMkLst>
         </pc:spChg>
         <pc:spChg chg="mod">
-          <ac:chgData name="品佑 陳" userId="b47096fc5e872c87" providerId="LiveId" clId="{9E32E880-9E21-4A31-BD97-DF83B23E4AFF}" dt="2023-12-13T02:02:08.135" v="5194" actId="20577"/>
+          <ac:chgData name="品佑 陳" userId="b47096fc5e872c87" providerId="LiveId" clId="{9E32E880-9E21-4A31-BD97-DF83B23E4AFF}" dt="2023-12-22T11:11:49.309" v="7777" actId="20577"/>
           <ac:spMkLst>
             <pc:docMk/>
             <pc:sldMk cId="1855425495" sldId="269"/>
@@ -1074,13 +1074,13 @@
         </pc:sldMkLst>
       </pc:sldChg>
       <pc:sldChg chg="modSp add mod">
-        <pc:chgData name="品佑 陳" userId="b47096fc5e872c87" providerId="LiveId" clId="{9E32E880-9E21-4A31-BD97-DF83B23E4AFF}" dt="2023-12-21T10:57:49.764" v="7097" actId="20577"/>
+        <pc:chgData name="品佑 陳" userId="b47096fc5e872c87" providerId="LiveId" clId="{9E32E880-9E21-4A31-BD97-DF83B23E4AFF}" dt="2023-12-22T09:14:35.132" v="7535" actId="20577"/>
         <pc:sldMkLst>
           <pc:docMk/>
           <pc:sldMk cId="3777488471" sldId="273"/>
         </pc:sldMkLst>
         <pc:spChg chg="mod">
-          <ac:chgData name="品佑 陳" userId="b47096fc5e872c87" providerId="LiveId" clId="{9E32E880-9E21-4A31-BD97-DF83B23E4AFF}" dt="2023-12-21T10:57:49.764" v="7097" actId="20577"/>
+          <ac:chgData name="品佑 陳" userId="b47096fc5e872c87" providerId="LiveId" clId="{9E32E880-9E21-4A31-BD97-DF83B23E4AFF}" dt="2023-12-22T09:14:35.132" v="7535" actId="20577"/>
           <ac:spMkLst>
             <pc:docMk/>
             <pc:sldMk cId="3777488471" sldId="273"/>
@@ -1104,7 +1104,7 @@
         </pc:spChg>
       </pc:sldChg>
       <pc:sldChg chg="addSp delSp modSp add mod">
-        <pc:chgData name="品佑 陳" userId="b47096fc5e872c87" providerId="LiveId" clId="{9E32E880-9E21-4A31-BD97-DF83B23E4AFF}" dt="2023-12-21T10:56:31.470" v="7056" actId="1076"/>
+        <pc:chgData name="品佑 陳" userId="b47096fc5e872c87" providerId="LiveId" clId="{9E32E880-9E21-4A31-BD97-DF83B23E4AFF}" dt="2023-12-22T09:27:24.715" v="7543" actId="1076"/>
         <pc:sldMkLst>
           <pc:docMk/>
           <pc:sldMk cId="1383466733" sldId="275"/>
@@ -1117,8 +1117,16 @@
             <ac:spMk id="3" creationId="{105D2EBD-2AA9-D0CC-8C5B-E95BAFCFFDD9}"/>
           </ac:spMkLst>
         </pc:spChg>
+        <pc:spChg chg="add mod">
+          <ac:chgData name="品佑 陳" userId="b47096fc5e872c87" providerId="LiveId" clId="{9E32E880-9E21-4A31-BD97-DF83B23E4AFF}" dt="2023-12-22T09:27:22.265" v="7542" actId="1076"/>
+          <ac:spMkLst>
+            <pc:docMk/>
+            <pc:sldMk cId="1383466733" sldId="275"/>
+            <ac:spMk id="4" creationId="{4DB89076-A935-8137-AA83-38E520D84C9B}"/>
+          </ac:spMkLst>
+        </pc:spChg>
         <pc:picChg chg="add mod ord">
-          <ac:chgData name="品佑 陳" userId="b47096fc5e872c87" providerId="LiveId" clId="{9E32E880-9E21-4A31-BD97-DF83B23E4AFF}" dt="2023-12-21T10:56:31.470" v="7056" actId="1076"/>
+          <ac:chgData name="品佑 陳" userId="b47096fc5e872c87" providerId="LiveId" clId="{9E32E880-9E21-4A31-BD97-DF83B23E4AFF}" dt="2023-12-22T09:27:24.715" v="7543" actId="1076"/>
           <ac:picMkLst>
             <pc:docMk/>
             <pc:sldMk cId="1383466733" sldId="275"/>
@@ -1220,7 +1228,7 @@
         </pc:picChg>
       </pc:sldChg>
       <pc:sldChg chg="addSp delSp modSp new mod">
-        <pc:chgData name="品佑 陳" userId="b47096fc5e872c87" providerId="LiveId" clId="{9E32E880-9E21-4A31-BD97-DF83B23E4AFF}" dt="2023-12-21T11:16:57.311" v="7408" actId="1076"/>
+        <pc:chgData name="品佑 陳" userId="b47096fc5e872c87" providerId="LiveId" clId="{9E32E880-9E21-4A31-BD97-DF83B23E4AFF}" dt="2023-12-22T09:48:40.469" v="7589" actId="20577"/>
         <pc:sldMkLst>
           <pc:docMk/>
           <pc:sldMk cId="3211500410" sldId="278"/>
@@ -1233,6 +1241,14 @@
             <ac:spMk id="2" creationId="{55C477FC-8B3E-7557-C50D-DD33517F97EA}"/>
           </ac:spMkLst>
         </pc:spChg>
+        <pc:spChg chg="add mod">
+          <ac:chgData name="品佑 陳" userId="b47096fc5e872c87" providerId="LiveId" clId="{9E32E880-9E21-4A31-BD97-DF83B23E4AFF}" dt="2023-12-22T09:48:40.469" v="7589" actId="20577"/>
+          <ac:spMkLst>
+            <pc:docMk/>
+            <pc:sldMk cId="3211500410" sldId="278"/>
+            <ac:spMk id="2" creationId="{7099FAFF-F63F-3972-0FEB-C3D00528BDDC}"/>
+          </ac:spMkLst>
+        </pc:spChg>
         <pc:spChg chg="del">
           <ac:chgData name="品佑 陳" userId="b47096fc5e872c87" providerId="LiveId" clId="{9E32E880-9E21-4A31-BD97-DF83B23E4AFF}" dt="2023-12-21T11:16:46.329" v="7403" actId="22"/>
           <ac:spMkLst>
@@ -1242,7 +1258,7 @@
           </ac:spMkLst>
         </pc:spChg>
         <pc:picChg chg="add mod ord">
-          <ac:chgData name="品佑 陳" userId="b47096fc5e872c87" providerId="LiveId" clId="{9E32E880-9E21-4A31-BD97-DF83B23E4AFF}" dt="2023-12-21T11:16:57.311" v="7408" actId="1076"/>
+          <ac:chgData name="品佑 陳" userId="b47096fc5e872c87" providerId="LiveId" clId="{9E32E880-9E21-4A31-BD97-DF83B23E4AFF}" dt="2023-12-21T12:09:01.138" v="7437" actId="1076"/>
           <ac:picMkLst>
             <pc:docMk/>
             <pc:sldMk cId="3211500410" sldId="278"/>
@@ -1360,7 +1376,7 @@
           <a:p>
             <a:fld id="{348DD897-C32E-42F1-9BC0-69A63B2159A6}" type="datetimeFigureOut">
               <a:rPr lang="zh-TW" altLang="en-US" smtClean="0"/>
-              <a:t>2023/12/21</a:t>
+              <a:t>2023/12/22</a:t>
             </a:fld>
             <a:endParaRPr lang="zh-TW" altLang="en-US"/>
           </a:p>
@@ -1942,7 +1958,7 @@
           <a:p>
             <a:fld id="{5D037FE7-D7D4-44C9-BE9D-AB57904CB883}" type="datetimeFigureOut">
               <a:rPr lang="zh-TW" altLang="en-US" smtClean="0"/>
-              <a:t>2023/12/21</a:t>
+              <a:t>2023/12/22</a:t>
             </a:fld>
             <a:endParaRPr lang="zh-TW" altLang="en-US"/>
           </a:p>
@@ -2140,7 +2156,7 @@
           <a:p>
             <a:fld id="{5D037FE7-D7D4-44C9-BE9D-AB57904CB883}" type="datetimeFigureOut">
               <a:rPr lang="zh-TW" altLang="en-US" smtClean="0"/>
-              <a:t>2023/12/21</a:t>
+              <a:t>2023/12/22</a:t>
             </a:fld>
             <a:endParaRPr lang="zh-TW" altLang="en-US"/>
           </a:p>
@@ -2348,7 +2364,7 @@
           <a:p>
             <a:fld id="{5D037FE7-D7D4-44C9-BE9D-AB57904CB883}" type="datetimeFigureOut">
               <a:rPr lang="zh-TW" altLang="en-US" smtClean="0"/>
-              <a:t>2023/12/21</a:t>
+              <a:t>2023/12/22</a:t>
             </a:fld>
             <a:endParaRPr lang="zh-TW" altLang="en-US"/>
           </a:p>
@@ -2546,7 +2562,7 @@
           <a:p>
             <a:fld id="{5D037FE7-D7D4-44C9-BE9D-AB57904CB883}" type="datetimeFigureOut">
               <a:rPr lang="zh-TW" altLang="en-US" smtClean="0"/>
-              <a:t>2023/12/21</a:t>
+              <a:t>2023/12/22</a:t>
             </a:fld>
             <a:endParaRPr lang="zh-TW" altLang="en-US"/>
           </a:p>
@@ -2821,7 +2837,7 @@
           <a:p>
             <a:fld id="{5D037FE7-D7D4-44C9-BE9D-AB57904CB883}" type="datetimeFigureOut">
               <a:rPr lang="zh-TW" altLang="en-US" smtClean="0"/>
-              <a:t>2023/12/21</a:t>
+              <a:t>2023/12/22</a:t>
             </a:fld>
             <a:endParaRPr lang="zh-TW" altLang="en-US"/>
           </a:p>
@@ -3086,7 +3102,7 @@
           <a:p>
             <a:fld id="{5D037FE7-D7D4-44C9-BE9D-AB57904CB883}" type="datetimeFigureOut">
               <a:rPr lang="zh-TW" altLang="en-US" smtClean="0"/>
-              <a:t>2023/12/21</a:t>
+              <a:t>2023/12/22</a:t>
             </a:fld>
             <a:endParaRPr lang="zh-TW" altLang="en-US"/>
           </a:p>
@@ -3498,7 +3514,7 @@
           <a:p>
             <a:fld id="{5D037FE7-D7D4-44C9-BE9D-AB57904CB883}" type="datetimeFigureOut">
               <a:rPr lang="zh-TW" altLang="en-US" smtClean="0"/>
-              <a:t>2023/12/21</a:t>
+              <a:t>2023/12/22</a:t>
             </a:fld>
             <a:endParaRPr lang="zh-TW" altLang="en-US"/>
           </a:p>
@@ -3639,7 +3655,7 @@
           <a:p>
             <a:fld id="{5D037FE7-D7D4-44C9-BE9D-AB57904CB883}" type="datetimeFigureOut">
               <a:rPr lang="zh-TW" altLang="en-US" smtClean="0"/>
-              <a:t>2023/12/21</a:t>
+              <a:t>2023/12/22</a:t>
             </a:fld>
             <a:endParaRPr lang="zh-TW" altLang="en-US"/>
           </a:p>
@@ -3752,7 +3768,7 @@
           <a:p>
             <a:fld id="{5D037FE7-D7D4-44C9-BE9D-AB57904CB883}" type="datetimeFigureOut">
               <a:rPr lang="zh-TW" altLang="en-US" smtClean="0"/>
-              <a:t>2023/12/21</a:t>
+              <a:t>2023/12/22</a:t>
             </a:fld>
             <a:endParaRPr lang="zh-TW" altLang="en-US"/>
           </a:p>
@@ -4063,7 +4079,7 @@
           <a:p>
             <a:fld id="{5D037FE7-D7D4-44C9-BE9D-AB57904CB883}" type="datetimeFigureOut">
               <a:rPr lang="zh-TW" altLang="en-US" smtClean="0"/>
-              <a:t>2023/12/21</a:t>
+              <a:t>2023/12/22</a:t>
             </a:fld>
             <a:endParaRPr lang="zh-TW" altLang="en-US"/>
           </a:p>
@@ -4351,7 +4367,7 @@
           <a:p>
             <a:fld id="{5D037FE7-D7D4-44C9-BE9D-AB57904CB883}" type="datetimeFigureOut">
               <a:rPr lang="zh-TW" altLang="en-US" smtClean="0"/>
-              <a:t>2023/12/21</a:t>
+              <a:t>2023/12/22</a:t>
             </a:fld>
             <a:endParaRPr lang="zh-TW" altLang="en-US"/>
           </a:p>
@@ -4592,7 +4608,7 @@
           <a:p>
             <a:fld id="{5D037FE7-D7D4-44C9-BE9D-AB57904CB883}" type="datetimeFigureOut">
               <a:rPr lang="zh-TW" altLang="en-US" smtClean="0"/>
-              <a:t>2023/12/21</a:t>
+              <a:t>2023/12/22</a:t>
             </a:fld>
             <a:endParaRPr lang="zh-TW" altLang="en-US"/>
           </a:p>
@@ -6510,11 +6526,46 @@
         </p:blipFill>
         <p:spPr>
           <a:xfrm>
-            <a:off x="2266188" y="548601"/>
-            <a:ext cx="7659623" cy="6135227"/>
+            <a:off x="2102903" y="417972"/>
+            <a:ext cx="7792212" cy="6241429"/>
           </a:xfrm>
         </p:spPr>
       </p:pic>
+      <p:sp>
+        <p:nvSpPr>
+          <p:cNvPr id="2" name="文字方塊 1">
+            <a:extLst>
+              <a:ext uri="{FF2B5EF4-FFF2-40B4-BE49-F238E27FC236}">
+                <a16:creationId xmlns:a16="http://schemas.microsoft.com/office/drawing/2014/main" id="{7099FAFF-F63F-3972-0FEB-C3D00528BDDC}"/>
+              </a:ext>
+            </a:extLst>
+          </p:cNvPr>
+          <p:cNvSpPr txBox="1"/>
+          <p:nvPr/>
+        </p:nvSpPr>
+        <p:spPr>
+          <a:xfrm>
+            <a:off x="435429" y="620486"/>
+            <a:ext cx="3396342" cy="369332"/>
+          </a:xfrm>
+          <a:prstGeom prst="rect">
+            <a:avLst/>
+          </a:prstGeom>
+          <a:noFill/>
+        </p:spPr>
+        <p:txBody>
+          <a:bodyPr wrap="square" rtlCol="0">
+            <a:spAutoFit/>
+          </a:bodyPr>
+          <a:lstStyle/>
+          <a:p>
+            <a:r>
+              <a:rPr lang="zh-TW" altLang="en-US" dirty="0"/>
+              <a:t>重畫，字大一點</a:t>
+            </a:r>
+          </a:p>
+        </p:txBody>
+      </p:sp>
     </p:spTree>
     <p:extLst>
       <p:ext uri="{BB962C8B-B14F-4D97-AF65-F5344CB8AC3E}">
@@ -6973,15 +7024,15 @@
             <a:pPr lvl="1"/>
             <a:r>
               <a:rPr lang="zh-TW" altLang="en-US" dirty="0"/>
-              <a:t>擁有安卓手機且具有復健、體態矯正需求之成年、老年使用者</a:t>
+              <a:t>擁有安卓手機且具有復健需求之成年、老年使用者</a:t>
             </a:r>
             <a:endParaRPr lang="en-US" altLang="zh-TW" dirty="0"/>
           </a:p>
           <a:p>
             <a:pPr lvl="2"/>
             <a:r>
-              <a:rPr lang="zh-TW" altLang="en-US" sz="1800" dirty="0"/>
-              <a:t>未來成年及老年人口之復健門診需求量</a:t>
+              <a:rPr lang="zh-TW" altLang="en-US" sz="1800"/>
+              <a:t>有復健需求的成年與老年</a:t>
             </a:r>
             <a:endParaRPr lang="en-US" altLang="zh-TW" sz="1800" dirty="0"/>
           </a:p>
@@ -7435,12 +7486,37 @@
           <a:lstStyle/>
           <a:p>
             <a:r>
-              <a:rPr lang="zh-TW" altLang="en-US" sz="4800" b="1">
+              <a:rPr lang="zh-TW" altLang="en-US" sz="4800" b="1" dirty="0">
                 <a:latin typeface="微軟正黑體" panose="020B0604030504040204" pitchFamily="34" charset="-120"/>
                 <a:ea typeface="微軟正黑體" panose="020B0604030504040204" pitchFamily="34" charset="-120"/>
               </a:rPr>
-              <a:t>成本結構</a:t>
-            </a:r>
+              <a:t>成本結構 </a:t>
+            </a:r>
+            <a:r>
+              <a:rPr lang="en-US" altLang="zh-TW" sz="4800" b="1" dirty="0">
+                <a:latin typeface="微軟正黑體" panose="020B0604030504040204" pitchFamily="34" charset="-120"/>
+                <a:ea typeface="微軟正黑體" panose="020B0604030504040204" pitchFamily="34" charset="-120"/>
+              </a:rPr>
+              <a:t>(</a:t>
+            </a:r>
+            <a:r>
+              <a:rPr lang="zh-TW" altLang="en-US" sz="4800" b="1" dirty="0">
+                <a:latin typeface="微軟正黑體" panose="020B0604030504040204" pitchFamily="34" charset="-120"/>
+                <a:ea typeface="微軟正黑體" panose="020B0604030504040204" pitchFamily="34" charset="-120"/>
+              </a:rPr>
+              <a:t>圓餅圖</a:t>
+            </a:r>
+            <a:r>
+              <a:rPr lang="en-US" altLang="zh-TW" sz="4800" b="1" dirty="0">
+                <a:latin typeface="微軟正黑體" panose="020B0604030504040204" pitchFamily="34" charset="-120"/>
+                <a:ea typeface="微軟正黑體" panose="020B0604030504040204" pitchFamily="34" charset="-120"/>
+              </a:rPr>
+              <a:t>)</a:t>
+            </a:r>
+            <a:endParaRPr lang="zh-TW" altLang="en-US" sz="4800" b="1" dirty="0">
+              <a:latin typeface="微軟正黑體" panose="020B0604030504040204" pitchFamily="34" charset="-120"/>
+              <a:ea typeface="微軟正黑體" panose="020B0604030504040204" pitchFamily="34" charset="-120"/>
+            </a:endParaRPr>
           </a:p>
         </p:txBody>
       </p:sp>
@@ -7517,6 +7593,36 @@
               </a:rPr>
               <a:t>技術和系統維護成本</a:t>
             </a:r>
+            <a:endParaRPr lang="en-US" altLang="zh-TW" sz="2400" dirty="0">
+              <a:latin typeface="微軟正黑體" panose="020B0604030504040204" pitchFamily="34" charset="-120"/>
+              <a:ea typeface="微軟正黑體" panose="020B0604030504040204" pitchFamily="34" charset="-120"/>
+            </a:endParaRPr>
+          </a:p>
+          <a:p>
+            <a:endParaRPr lang="en-US" altLang="zh-TW" sz="2400" dirty="0">
+              <a:latin typeface="微軟正黑體" panose="020B0604030504040204" pitchFamily="34" charset="-120"/>
+              <a:ea typeface="微軟正黑體" panose="020B0604030504040204" pitchFamily="34" charset="-120"/>
+            </a:endParaRPr>
+          </a:p>
+          <a:p>
+            <a:r>
+              <a:rPr lang="zh-TW" altLang="en-US" sz="2400" dirty="0">
+                <a:latin typeface="微軟正黑體" panose="020B0604030504040204" pitchFamily="34" charset="-120"/>
+                <a:ea typeface="微軟正黑體" panose="020B0604030504040204" pitchFamily="34" charset="-120"/>
+              </a:rPr>
+              <a:t>總成本</a:t>
+            </a:r>
+            <a:r>
+              <a:rPr lang="en-US" altLang="zh-TW" sz="2400" dirty="0">
+                <a:latin typeface="微軟正黑體" panose="020B0604030504040204" pitchFamily="34" charset="-120"/>
+                <a:ea typeface="微軟正黑體" panose="020B0604030504040204" pitchFamily="34" charset="-120"/>
+              </a:rPr>
+              <a:t>89,772,194</a:t>
+            </a:r>
+            <a:endParaRPr lang="zh-TW" altLang="en-US" sz="2400" dirty="0">
+              <a:latin typeface="微軟正黑體" panose="020B0604030504040204" pitchFamily="34" charset="-120"/>
+              <a:ea typeface="微軟正黑體" panose="020B0604030504040204" pitchFamily="34" charset="-120"/>
+            </a:endParaRPr>
           </a:p>
         </p:txBody>
       </p:sp>
@@ -8008,13 +8114,13 @@
         </p:nvSpPr>
         <p:spPr>
           <a:xfrm>
-            <a:off x="1045028" y="3017522"/>
-            <a:ext cx="9941319" cy="3124658"/>
+            <a:off x="1045028" y="3331028"/>
+            <a:ext cx="9941319" cy="2811151"/>
           </a:xfrm>
         </p:spPr>
         <p:txBody>
           <a:bodyPr anchor="ctr">
-            <a:normAutofit/>
+            <a:normAutofit fontScale="92500" lnSpcReduction="20000"/>
           </a:bodyPr>
           <a:lstStyle/>
           <a:p>
@@ -8066,6 +8172,101 @@
             </a:endParaRPr>
           </a:p>
           <a:p>
+            <a:r>
+              <a:rPr lang="zh-TW" altLang="en-US" sz="2400" dirty="0">
+                <a:latin typeface="微軟正黑體" panose="020B0604030504040204" pitchFamily="34" charset="-120"/>
+                <a:ea typeface="微軟正黑體" panose="020B0604030504040204" pitchFamily="34" charset="-120"/>
+              </a:rPr>
+              <a:t>總收益</a:t>
+            </a:r>
+            <a:endParaRPr lang="en-US" altLang="zh-TW" sz="2400" dirty="0">
+              <a:latin typeface="微軟正黑體" panose="020B0604030504040204" pitchFamily="34" charset="-120"/>
+              <a:ea typeface="微軟正黑體" panose="020B0604030504040204" pitchFamily="34" charset="-120"/>
+            </a:endParaRPr>
+          </a:p>
+          <a:p>
+            <a:pPr lvl="1"/>
+            <a:r>
+              <a:rPr lang="zh-TW" altLang="en-US" sz="2000" dirty="0">
+                <a:latin typeface="微軟正黑體" panose="020B0604030504040204" pitchFamily="34" charset="-120"/>
+                <a:ea typeface="微軟正黑體" panose="020B0604030504040204" pitchFamily="34" charset="-120"/>
+              </a:rPr>
+              <a:t>會訂閱的人數比預估</a:t>
+            </a:r>
+            <a:r>
+              <a:rPr lang="en-US" altLang="zh-TW" sz="2000" dirty="0">
+                <a:latin typeface="微軟正黑體" panose="020B0604030504040204" pitchFamily="34" charset="-120"/>
+                <a:ea typeface="微軟正黑體" panose="020B0604030504040204" pitchFamily="34" charset="-120"/>
+              </a:rPr>
+              <a:t>:</a:t>
+            </a:r>
+            <a:r>
+              <a:rPr lang="zh-TW" altLang="en-US" sz="2000" dirty="0">
+                <a:latin typeface="微軟正黑體" panose="020B0604030504040204" pitchFamily="34" charset="-120"/>
+                <a:ea typeface="微軟正黑體" panose="020B0604030504040204" pitchFamily="34" charset="-120"/>
+              </a:rPr>
+              <a:t> </a:t>
+            </a:r>
+            <a:r>
+              <a:rPr lang="en-US" altLang="zh-TW" sz="2000" dirty="0">
+                <a:latin typeface="微軟正黑體" panose="020B0604030504040204" pitchFamily="34" charset="-120"/>
+                <a:ea typeface="微軟正黑體" panose="020B0604030504040204" pitchFamily="34" charset="-120"/>
+              </a:rPr>
+              <a:t>4%</a:t>
+            </a:r>
+          </a:p>
+          <a:p>
+            <a:pPr lvl="1"/>
+            <a:r>
+              <a:rPr lang="zh-TW" altLang="en-US" sz="1700" dirty="0">
+                <a:latin typeface="微軟正黑體" panose="020B0604030504040204" pitchFamily="34" charset="-120"/>
+                <a:ea typeface="微軟正黑體" panose="020B0604030504040204" pitchFamily="34" charset="-120"/>
+              </a:rPr>
+              <a:t>使用人數*預計會訂閱的人數比例*每月訂閱費*</a:t>
+            </a:r>
+            <a:r>
+              <a:rPr lang="en-US" altLang="zh-TW" sz="1700" dirty="0">
+                <a:latin typeface="微軟正黑體" panose="020B0604030504040204" pitchFamily="34" charset="-120"/>
+                <a:ea typeface="微軟正黑體" panose="020B0604030504040204" pitchFamily="34" charset="-120"/>
+              </a:rPr>
+              <a:t>12</a:t>
+            </a:r>
+            <a:r>
+              <a:rPr lang="zh-TW" altLang="en-US" sz="1700" dirty="0">
+                <a:latin typeface="微軟正黑體" panose="020B0604030504040204" pitchFamily="34" charset="-120"/>
+                <a:ea typeface="微軟正黑體" panose="020B0604030504040204" pitchFamily="34" charset="-120"/>
+              </a:rPr>
+              <a:t>個月</a:t>
+            </a:r>
+            <a:r>
+              <a:rPr lang="en-US" altLang="zh-TW" sz="1700" dirty="0">
+                <a:latin typeface="微軟正黑體" panose="020B0604030504040204" pitchFamily="34" charset="-120"/>
+                <a:ea typeface="微軟正黑體" panose="020B0604030504040204" pitchFamily="34" charset="-120"/>
+              </a:rPr>
+              <a:t>= 5,122,108*4%*60*12=147,516,710 (</a:t>
+            </a:r>
+            <a:r>
+              <a:rPr lang="zh-TW" altLang="en-US" sz="1700" dirty="0">
+                <a:latin typeface="微軟正黑體" panose="020B0604030504040204" pitchFamily="34" charset="-120"/>
+                <a:ea typeface="微軟正黑體" panose="020B0604030504040204" pitchFamily="34" charset="-120"/>
+              </a:rPr>
+              <a:t>元</a:t>
+            </a:r>
+            <a:r>
+              <a:rPr lang="en-US" altLang="zh-TW" sz="1700" dirty="0">
+                <a:latin typeface="微軟正黑體" panose="020B0604030504040204" pitchFamily="34" charset="-120"/>
+                <a:ea typeface="微軟正黑體" panose="020B0604030504040204" pitchFamily="34" charset="-120"/>
+              </a:rPr>
+              <a:t>)</a:t>
+            </a:r>
+          </a:p>
+          <a:p>
+            <a:endParaRPr lang="en-US" altLang="zh-TW" dirty="0">
+              <a:latin typeface="微軟正黑體" panose="020B0604030504040204" pitchFamily="34" charset="-120"/>
+              <a:ea typeface="微軟正黑體" panose="020B0604030504040204" pitchFamily="34" charset="-120"/>
+            </a:endParaRPr>
+          </a:p>
+          <a:p>
             <a:endParaRPr lang="en-US" altLang="zh-TW" sz="2400" dirty="0">
               <a:latin typeface="微軟正黑體" panose="020B0604030504040204" pitchFamily="34" charset="-120"/>
               <a:ea typeface="微軟正黑體" panose="020B0604030504040204" pitchFamily="34" charset="-120"/>
@@ -8097,14 +8298,28 @@
                 <a:latin typeface="微軟正黑體" panose="020B0604030504040204" pitchFamily="34" charset="-120"/>
                 <a:ea typeface="微軟正黑體" panose="020B0604030504040204" pitchFamily="34" charset="-120"/>
               </a:rPr>
-              <a:t> 約</a:t>
+              <a:t> 總收益</a:t>
             </a:r>
             <a:r>
               <a:rPr lang="en-US" altLang="zh-TW" sz="2400" dirty="0">
                 <a:latin typeface="微軟正黑體" panose="020B0604030504040204" pitchFamily="34" charset="-120"/>
                 <a:ea typeface="微軟正黑體" panose="020B0604030504040204" pitchFamily="34" charset="-120"/>
               </a:rPr>
-              <a:t>7300</a:t>
+              <a:t>-</a:t>
+            </a:r>
+            <a:r>
+              <a:rPr lang="zh-TW" altLang="en-US" sz="2400" dirty="0">
+                <a:latin typeface="微軟正黑體" panose="020B0604030504040204" pitchFamily="34" charset="-120"/>
+                <a:ea typeface="微軟正黑體" panose="020B0604030504040204" pitchFamily="34" charset="-120"/>
+              </a:rPr>
+              <a:t>總成本，約</a:t>
+            </a:r>
+            <a:r>
+              <a:rPr lang="en-US" altLang="zh-TW" sz="2400" dirty="0">
+                <a:latin typeface="微軟正黑體" panose="020B0604030504040204" pitchFamily="34" charset="-120"/>
+                <a:ea typeface="微軟正黑體" panose="020B0604030504040204" pitchFamily="34" charset="-120"/>
+              </a:rPr>
+              <a:t>5700</a:t>
             </a:r>
             <a:r>
               <a:rPr lang="zh-TW" altLang="en-US" sz="2400" dirty="0">
@@ -8118,8 +8333,19 @@
                 <a:latin typeface="微軟正黑體" panose="020B0604030504040204" pitchFamily="34" charset="-120"/>
                 <a:ea typeface="微軟正黑體" panose="020B0604030504040204" pitchFamily="34" charset="-120"/>
               </a:rPr>
-              <a:t>40%</a:t>
-            </a:r>
+              <a:t>39%</a:t>
+            </a:r>
+            <a:r>
+              <a:rPr lang="zh-TW" altLang="en-US" sz="2400">
+                <a:latin typeface="微軟正黑體" panose="020B0604030504040204" pitchFamily="34" charset="-120"/>
+                <a:ea typeface="微軟正黑體" panose="020B0604030504040204" pitchFamily="34" charset="-120"/>
+              </a:rPr>
+              <a:t>，客戶終身價值約</a:t>
+            </a:r>
+            <a:endParaRPr lang="en-US" altLang="zh-TW" sz="2400" dirty="0">
+              <a:latin typeface="微軟正黑體" panose="020B0604030504040204" pitchFamily="34" charset="-120"/>
+              <a:ea typeface="微軟正黑體" panose="020B0604030504040204" pitchFamily="34" charset="-120"/>
+            </a:endParaRPr>
           </a:p>
           <a:p>
             <a:endParaRPr lang="en-US" altLang="zh-TW" sz="2400" dirty="0"/>
@@ -10312,49 +10538,12 @@
                 <a:latin typeface="微軟正黑體" panose="020B0604030504040204" pitchFamily="34" charset="-120"/>
                 <a:ea typeface="微軟正黑體" panose="020B0604030504040204" pitchFamily="34" charset="-120"/>
               </a:rPr>
-              <a:t>會不會擔心關節、體態問題</a:t>
-            </a:r>
-            <a:r>
-              <a:rPr lang="en-US" altLang="zh-TW" dirty="0">
-                <a:latin typeface="微軟正黑體" panose="020B0604030504040204" pitchFamily="34" charset="-120"/>
-                <a:ea typeface="微軟正黑體" panose="020B0604030504040204" pitchFamily="34" charset="-120"/>
-              </a:rPr>
-              <a:t>?</a:t>
-            </a:r>
-          </a:p>
-          <a:p>
-            <a:pPr lvl="2"/>
-            <a:r>
-              <a:rPr lang="zh-TW" altLang="en-US" dirty="0">
-                <a:latin typeface="微軟正黑體" panose="020B0604030504040204" pitchFamily="34" charset="-120"/>
-                <a:ea typeface="微軟正黑體" panose="020B0604030504040204" pitchFamily="34" charset="-120"/>
-              </a:rPr>
-              <a:t>大眾關節方面的情況</a:t>
-            </a:r>
-            <a:r>
-              <a:rPr lang="en-US" altLang="zh-TW" dirty="0">
-                <a:latin typeface="微軟正黑體" panose="020B0604030504040204" pitchFamily="34" charset="-120"/>
-                <a:ea typeface="微軟正黑體" panose="020B0604030504040204" pitchFamily="34" charset="-120"/>
-              </a:rPr>
-              <a:t>?</a:t>
-            </a:r>
-          </a:p>
-          <a:p>
-            <a:pPr lvl="2"/>
-            <a:r>
-              <a:rPr lang="zh-TW" altLang="en-US" dirty="0">
-                <a:latin typeface="微軟正黑體" panose="020B0604030504040204" pitchFamily="34" charset="-120"/>
-                <a:ea typeface="微軟正黑體" panose="020B0604030504040204" pitchFamily="34" charset="-120"/>
-              </a:rPr>
-              <a:t>大眾對於保健知識的認知程度</a:t>
-            </a:r>
-            <a:r>
-              <a:rPr lang="en-US" altLang="zh-TW" dirty="0">
-                <a:latin typeface="微軟正黑體" panose="020B0604030504040204" pitchFamily="34" charset="-120"/>
-                <a:ea typeface="微軟正黑體" panose="020B0604030504040204" pitchFamily="34" charset="-120"/>
-              </a:rPr>
-              <a:t>?</a:t>
-            </a:r>
+              <a:t>問卷調查 </a:t>
+            </a:r>
+            <a:endParaRPr lang="en-US" altLang="zh-TW" dirty="0">
+              <a:latin typeface="微軟正黑體" panose="020B0604030504040204" pitchFamily="34" charset="-120"/>
+              <a:ea typeface="微軟正黑體" panose="020B0604030504040204" pitchFamily="34" charset="-120"/>
+            </a:endParaRPr>
           </a:p>
         </p:txBody>
       </p:sp>
@@ -10742,11 +10931,50 @@
         </p:blipFill>
         <p:spPr>
           <a:xfrm>
-            <a:off x="1622586" y="2780068"/>
-            <a:ext cx="8946825" cy="2223534"/>
+            <a:off x="1218505" y="3180731"/>
+            <a:ext cx="9754988" cy="2424385"/>
           </a:xfrm>
         </p:spPr>
       </p:pic>
+      <p:sp>
+        <p:nvSpPr>
+          <p:cNvPr id="4" name="文字方塊 3">
+            <a:extLst>
+              <a:ext uri="{FF2B5EF4-FFF2-40B4-BE49-F238E27FC236}">
+                <a16:creationId xmlns:a16="http://schemas.microsoft.com/office/drawing/2014/main" id="{4DB89076-A935-8137-AA83-38E520D84C9B}"/>
+              </a:ext>
+            </a:extLst>
+          </p:cNvPr>
+          <p:cNvSpPr txBox="1"/>
+          <p:nvPr/>
+        </p:nvSpPr>
+        <p:spPr>
+          <a:xfrm>
+            <a:off x="1339557" y="2466235"/>
+            <a:ext cx="7146331" cy="461665"/>
+          </a:xfrm>
+          <a:prstGeom prst="rect">
+            <a:avLst/>
+          </a:prstGeom>
+          <a:noFill/>
+        </p:spPr>
+        <p:txBody>
+          <a:bodyPr wrap="square">
+            <a:spAutoFit/>
+          </a:bodyPr>
+          <a:lstStyle/>
+          <a:p>
+            <a:r>
+              <a:rPr lang="zh-TW" altLang="en-US" sz="2400" dirty="0"/>
+              <a:t>會不會擔心關節問題</a:t>
+            </a:r>
+            <a:r>
+              <a:rPr lang="en-US" altLang="zh-TW" sz="2400" dirty="0"/>
+              <a:t>?</a:t>
+            </a:r>
+          </a:p>
+        </p:txBody>
+      </p:sp>
     </p:spTree>
     <p:extLst>
       <p:ext uri="{BB962C8B-B14F-4D97-AF65-F5344CB8AC3E}">
@@ -11606,7 +11834,7 @@
                 <a:latin typeface="微軟正黑體" panose="020B0604030504040204" pitchFamily="34" charset="-120"/>
                 <a:ea typeface="微軟正黑體" panose="020B0604030504040204" pitchFamily="34" charset="-120"/>
               </a:rPr>
-              <a:t>及時發現問題，避免惡化</a:t>
+              <a:t>及時發現問題</a:t>
             </a:r>
             <a:endParaRPr lang="en-US" altLang="zh-TW" dirty="0">
               <a:latin typeface="微軟正黑體" panose="020B0604030504040204" pitchFamily="34" charset="-120"/>
@@ -11639,7 +11867,7 @@
                 <a:latin typeface="微軟正黑體" panose="020B0604030504040204" pitchFamily="34" charset="-120"/>
                 <a:ea typeface="微軟正黑體" panose="020B0604030504040204" pitchFamily="34" charset="-120"/>
               </a:rPr>
-              <a:t>保健知識、建議</a:t>
+              <a:t>保健知識</a:t>
             </a:r>
           </a:p>
         </p:txBody>

--- a/整合/報告/產品報告.pptx
+++ b/整合/報告/產品報告.pptx
@@ -144,7 +144,7 @@
   <pc:docChgLst>
     <pc:chgData name="品佑 陳" userId="b47096fc5e872c87" providerId="LiveId" clId="{9E32E880-9E21-4A31-BD97-DF83B23E4AFF}"/>
     <pc:docChg chg="undo custSel addSld delSld modSld sldOrd">
-      <pc:chgData name="品佑 陳" userId="b47096fc5e872c87" providerId="LiveId" clId="{9E32E880-9E21-4A31-BD97-DF83B23E4AFF}" dt="2023-12-22T11:11:49.309" v="7777" actId="20577"/>
+      <pc:chgData name="品佑 陳" userId="b47096fc5e872c87" providerId="LiveId" clId="{9E32E880-9E21-4A31-BD97-DF83B23E4AFF}" dt="2023-12-22T13:32:04.074" v="7899" actId="20577"/>
       <pc:docMkLst>
         <pc:docMk/>
       </pc:docMkLst>
@@ -251,7 +251,7 @@
         </pc:grpChg>
       </pc:sldChg>
       <pc:sldChg chg="addSp delSp modSp new mod ord setBg">
-        <pc:chgData name="品佑 陳" userId="b47096fc5e872c87" providerId="LiveId" clId="{9E32E880-9E21-4A31-BD97-DF83B23E4AFF}" dt="2023-12-21T09:44:13.113" v="6403"/>
+        <pc:chgData name="品佑 陳" userId="b47096fc5e872c87" providerId="LiveId" clId="{9E32E880-9E21-4A31-BD97-DF83B23E4AFF}" dt="2023-12-22T13:23:32.194" v="7796" actId="207"/>
         <pc:sldMkLst>
           <pc:docMk/>
           <pc:sldMk cId="1516866410" sldId="258"/>
@@ -265,7 +265,7 @@
           </ac:spMkLst>
         </pc:spChg>
         <pc:spChg chg="mod">
-          <ac:chgData name="品佑 陳" userId="b47096fc5e872c87" providerId="LiveId" clId="{9E32E880-9E21-4A31-BD97-DF83B23E4AFF}" dt="2023-12-18T09:38:53.055" v="5964" actId="1076"/>
+          <ac:chgData name="品佑 陳" userId="b47096fc5e872c87" providerId="LiveId" clId="{9E32E880-9E21-4A31-BD97-DF83B23E4AFF}" dt="2023-12-22T13:23:32.194" v="7796" actId="207"/>
           <ac:spMkLst>
             <pc:docMk/>
             <pc:sldMk cId="1516866410" sldId="258"/>
@@ -708,13 +708,13 @@
         </pc:cxnChg>
       </pc:sldChg>
       <pc:sldChg chg="addSp modSp new mod ord setBg">
-        <pc:chgData name="品佑 陳" userId="b47096fc5e872c87" providerId="LiveId" clId="{9E32E880-9E21-4A31-BD97-DF83B23E4AFF}" dt="2023-12-21T11:17:47.418" v="7412" actId="1076"/>
+        <pc:chgData name="品佑 陳" userId="b47096fc5e872c87" providerId="LiveId" clId="{9E32E880-9E21-4A31-BD97-DF83B23E4AFF}" dt="2023-12-22T13:28:16.085" v="7864" actId="20577"/>
         <pc:sldMkLst>
           <pc:docMk/>
           <pc:sldMk cId="2807620293" sldId="265"/>
         </pc:sldMkLst>
         <pc:spChg chg="mod">
-          <ac:chgData name="品佑 陳" userId="b47096fc5e872c87" providerId="LiveId" clId="{9E32E880-9E21-4A31-BD97-DF83B23E4AFF}" dt="2023-12-21T11:00:28.182" v="7133" actId="20577"/>
+          <ac:chgData name="品佑 陳" userId="b47096fc5e872c87" providerId="LiveId" clId="{9E32E880-9E21-4A31-BD97-DF83B23E4AFF}" dt="2023-12-22T13:28:16.085" v="7864" actId="20577"/>
           <ac:spMkLst>
             <pc:docMk/>
             <pc:sldMk cId="2807620293" sldId="265"/>
@@ -952,13 +952,13 @@
         </pc:cxnChg>
       </pc:sldChg>
       <pc:sldChg chg="addSp modSp new mod ord setBg">
-        <pc:chgData name="品佑 陳" userId="b47096fc5e872c87" providerId="LiveId" clId="{9E32E880-9E21-4A31-BD97-DF83B23E4AFF}" dt="2023-12-22T11:11:49.309" v="7777" actId="20577"/>
+        <pc:chgData name="品佑 陳" userId="b47096fc5e872c87" providerId="LiveId" clId="{9E32E880-9E21-4A31-BD97-DF83B23E4AFF}" dt="2023-12-22T13:32:04.074" v="7899" actId="20577"/>
         <pc:sldMkLst>
           <pc:docMk/>
           <pc:sldMk cId="1855425495" sldId="269"/>
         </pc:sldMkLst>
         <pc:spChg chg="mod">
-          <ac:chgData name="品佑 陳" userId="b47096fc5e872c87" providerId="LiveId" clId="{9E32E880-9E21-4A31-BD97-DF83B23E4AFF}" dt="2023-12-13T09:14:01.857" v="5680" actId="20577"/>
+          <ac:chgData name="品佑 陳" userId="b47096fc5e872c87" providerId="LiveId" clId="{9E32E880-9E21-4A31-BD97-DF83B23E4AFF}" dt="2023-12-22T13:32:04.074" v="7899" actId="20577"/>
           <ac:spMkLst>
             <pc:docMk/>
             <pc:sldMk cId="1855425495" sldId="269"/>
@@ -966,7 +966,7 @@
           </ac:spMkLst>
         </pc:spChg>
         <pc:spChg chg="mod">
-          <ac:chgData name="品佑 陳" userId="b47096fc5e872c87" providerId="LiveId" clId="{9E32E880-9E21-4A31-BD97-DF83B23E4AFF}" dt="2023-12-22T11:11:49.309" v="7777" actId="20577"/>
+          <ac:chgData name="品佑 陳" userId="b47096fc5e872c87" providerId="LiveId" clId="{9E32E880-9E21-4A31-BD97-DF83B23E4AFF}" dt="2023-12-22T13:20:19.560" v="7794" actId="20577"/>
           <ac:spMkLst>
             <pc:docMk/>
             <pc:sldMk cId="1855425495" sldId="269"/>
@@ -1074,13 +1074,13 @@
         </pc:sldMkLst>
       </pc:sldChg>
       <pc:sldChg chg="modSp add mod">
-        <pc:chgData name="品佑 陳" userId="b47096fc5e872c87" providerId="LiveId" clId="{9E32E880-9E21-4A31-BD97-DF83B23E4AFF}" dt="2023-12-22T09:14:35.132" v="7535" actId="20577"/>
+        <pc:chgData name="品佑 陳" userId="b47096fc5e872c87" providerId="LiveId" clId="{9E32E880-9E21-4A31-BD97-DF83B23E4AFF}" dt="2023-12-22T13:25:53.106" v="7797" actId="122"/>
         <pc:sldMkLst>
           <pc:docMk/>
           <pc:sldMk cId="3777488471" sldId="273"/>
         </pc:sldMkLst>
         <pc:spChg chg="mod">
-          <ac:chgData name="品佑 陳" userId="b47096fc5e872c87" providerId="LiveId" clId="{9E32E880-9E21-4A31-BD97-DF83B23E4AFF}" dt="2023-12-22T09:14:35.132" v="7535" actId="20577"/>
+          <ac:chgData name="品佑 陳" userId="b47096fc5e872c87" providerId="LiveId" clId="{9E32E880-9E21-4A31-BD97-DF83B23E4AFF}" dt="2023-12-22T13:25:53.106" v="7797" actId="122"/>
           <ac:spMkLst>
             <pc:docMk/>
             <pc:sldMk cId="3777488471" sldId="273"/>
@@ -1104,7 +1104,7 @@
         </pc:spChg>
       </pc:sldChg>
       <pc:sldChg chg="addSp delSp modSp add mod">
-        <pc:chgData name="品佑 陳" userId="b47096fc5e872c87" providerId="LiveId" clId="{9E32E880-9E21-4A31-BD97-DF83B23E4AFF}" dt="2023-12-22T09:27:24.715" v="7543" actId="1076"/>
+        <pc:chgData name="品佑 陳" userId="b47096fc5e872c87" providerId="LiveId" clId="{9E32E880-9E21-4A31-BD97-DF83B23E4AFF}" dt="2023-12-22T13:26:08.020" v="7798" actId="1076"/>
         <pc:sldMkLst>
           <pc:docMk/>
           <pc:sldMk cId="1383466733" sldId="275"/>
@@ -1126,7 +1126,7 @@
           </ac:spMkLst>
         </pc:spChg>
         <pc:picChg chg="add mod ord">
-          <ac:chgData name="品佑 陳" userId="b47096fc5e872c87" providerId="LiveId" clId="{9E32E880-9E21-4A31-BD97-DF83B23E4AFF}" dt="2023-12-22T09:27:24.715" v="7543" actId="1076"/>
+          <ac:chgData name="品佑 陳" userId="b47096fc5e872c87" providerId="LiveId" clId="{9E32E880-9E21-4A31-BD97-DF83B23E4AFF}" dt="2023-12-22T13:26:08.020" v="7798" actId="1076"/>
           <ac:picMkLst>
             <pc:docMk/>
             <pc:sldMk cId="1383466733" sldId="275"/>
@@ -1228,7 +1228,7 @@
         </pc:picChg>
       </pc:sldChg>
       <pc:sldChg chg="addSp delSp modSp new mod">
-        <pc:chgData name="品佑 陳" userId="b47096fc5e872c87" providerId="LiveId" clId="{9E32E880-9E21-4A31-BD97-DF83B23E4AFF}" dt="2023-12-22T09:48:40.469" v="7589" actId="20577"/>
+        <pc:chgData name="品佑 陳" userId="b47096fc5e872c87" providerId="LiveId" clId="{9E32E880-9E21-4A31-BD97-DF83B23E4AFF}" dt="2023-12-22T13:28:36.916" v="7867" actId="1076"/>
         <pc:sldMkLst>
           <pc:docMk/>
           <pc:sldMk cId="3211500410" sldId="278"/>
@@ -1258,7 +1258,7 @@
           </ac:spMkLst>
         </pc:spChg>
         <pc:picChg chg="add mod ord">
-          <ac:chgData name="品佑 陳" userId="b47096fc5e872c87" providerId="LiveId" clId="{9E32E880-9E21-4A31-BD97-DF83B23E4AFF}" dt="2023-12-21T12:09:01.138" v="7437" actId="1076"/>
+          <ac:chgData name="品佑 陳" userId="b47096fc5e872c87" providerId="LiveId" clId="{9E32E880-9E21-4A31-BD97-DF83B23E4AFF}" dt="2023-12-22T13:28:36.916" v="7867" actId="1076"/>
           <ac:picMkLst>
             <pc:docMk/>
             <pc:sldMk cId="3211500410" sldId="278"/>
@@ -6292,6 +6292,31 @@
               </a:rPr>
               <a:t>競爭者分析</a:t>
             </a:r>
+            <a:r>
+              <a:rPr lang="en-US" altLang="zh-TW" sz="4800" b="1" dirty="0">
+                <a:latin typeface="微軟正黑體" panose="020B0604030504040204" pitchFamily="34" charset="-120"/>
+                <a:ea typeface="微軟正黑體" panose="020B0604030504040204" pitchFamily="34" charset="-120"/>
+              </a:rPr>
+              <a:t>(</a:t>
+            </a:r>
+            <a:r>
+              <a:rPr lang="zh-TW" altLang="en-US" sz="4800" b="1" dirty="0">
+                <a:latin typeface="微軟正黑體" panose="020B0604030504040204" pitchFamily="34" charset="-120"/>
+                <a:ea typeface="微軟正黑體" panose="020B0604030504040204" pitchFamily="34" charset="-120"/>
+              </a:rPr>
+              <a:t>不要物理資療、不要目標客群、加缺點</a:t>
+            </a:r>
+            <a:r>
+              <a:rPr lang="en-US" altLang="zh-TW" sz="4800" b="1" dirty="0">
+                <a:latin typeface="微軟正黑體" panose="020B0604030504040204" pitchFamily="34" charset="-120"/>
+                <a:ea typeface="微軟正黑體" panose="020B0604030504040204" pitchFamily="34" charset="-120"/>
+              </a:rPr>
+              <a:t>)</a:t>
+            </a:r>
+            <a:endParaRPr lang="zh-TW" altLang="en-US" sz="4800" b="1" dirty="0">
+              <a:latin typeface="微軟正黑體" panose="020B0604030504040204" pitchFamily="34" charset="-120"/>
+              <a:ea typeface="微軟正黑體" panose="020B0604030504040204" pitchFamily="34" charset="-120"/>
+            </a:endParaRPr>
           </a:p>
         </p:txBody>
       </p:sp>
@@ -6526,7 +6551,7 @@
         </p:blipFill>
         <p:spPr>
           <a:xfrm>
-            <a:off x="2102903" y="417972"/>
+            <a:off x="2581875" y="482456"/>
             <a:ext cx="7792212" cy="6241429"/>
           </a:xfrm>
         </p:spPr>
@@ -7031,7 +7056,7 @@
           <a:p>
             <a:pPr lvl="2"/>
             <a:r>
-              <a:rPr lang="zh-TW" altLang="en-US" sz="1800"/>
+              <a:rPr lang="zh-TW" altLang="en-US" sz="1800" dirty="0"/>
               <a:t>有復健需求的成年與老年</a:t>
             </a:r>
             <a:endParaRPr lang="en-US" altLang="zh-TW" sz="1800" dirty="0"/>
@@ -8093,6 +8118,45 @@
               </a:rPr>
               <a:t>收益流</a:t>
             </a:r>
+            <a:r>
+              <a:rPr lang="en-US" altLang="zh-TW" sz="4800" b="1" dirty="0">
+                <a:latin typeface="微軟正黑體" panose="020B0604030504040204" pitchFamily="34" charset="-120"/>
+                <a:ea typeface="微軟正黑體" panose="020B0604030504040204" pitchFamily="34" charset="-120"/>
+              </a:rPr>
+              <a:t>(</a:t>
+            </a:r>
+            <a:r>
+              <a:rPr lang="zh-TW" altLang="en-US" sz="4800" b="1" dirty="0">
+                <a:latin typeface="微軟正黑體" panose="020B0604030504040204" pitchFamily="34" charset="-120"/>
+                <a:ea typeface="微軟正黑體" panose="020B0604030504040204" pitchFamily="34" charset="-120"/>
+              </a:rPr>
+              <a:t>免費</a:t>
+            </a:r>
+            <a:r>
+              <a:rPr lang="en-US" altLang="zh-TW" sz="4800" b="1" dirty="0">
+                <a:latin typeface="微軟正黑體" panose="020B0604030504040204" pitchFamily="34" charset="-120"/>
+                <a:ea typeface="微軟正黑體" panose="020B0604030504040204" pitchFamily="34" charset="-120"/>
+              </a:rPr>
+              <a:t>|</a:t>
+            </a:r>
+            <a:r>
+              <a:rPr lang="zh-TW" altLang="en-US" sz="4800" b="1" dirty="0">
+                <a:latin typeface="微軟正黑體" panose="020B0604030504040204" pitchFamily="34" charset="-120"/>
+                <a:ea typeface="微軟正黑體" panose="020B0604030504040204" pitchFamily="34" charset="-120"/>
+              </a:rPr>
+              <a:t>訂閱比較圖</a:t>
+            </a:r>
+            <a:r>
+              <a:rPr lang="en-US" altLang="zh-TW" sz="4800" b="1" dirty="0">
+                <a:latin typeface="微軟正黑體" panose="020B0604030504040204" pitchFamily="34" charset="-120"/>
+                <a:ea typeface="微軟正黑體" panose="020B0604030504040204" pitchFamily="34" charset="-120"/>
+              </a:rPr>
+              <a:t>)</a:t>
+            </a:r>
+            <a:endParaRPr lang="zh-TW" altLang="en-US" sz="4800" b="1" dirty="0">
+              <a:latin typeface="微軟正黑體" panose="020B0604030504040204" pitchFamily="34" charset="-120"/>
+              <a:ea typeface="微軟正黑體" panose="020B0604030504040204" pitchFamily="34" charset="-120"/>
+            </a:endParaRPr>
           </a:p>
         </p:txBody>
       </p:sp>
@@ -8284,7 +8348,7 @@
                 <a:latin typeface="微軟正黑體" panose="020B0604030504040204" pitchFamily="34" charset="-120"/>
                 <a:ea typeface="微軟正黑體" panose="020B0604030504040204" pitchFamily="34" charset="-120"/>
               </a:rPr>
-              <a:t>預估收益</a:t>
+              <a:t>預估淨收益</a:t>
             </a:r>
             <a:r>
               <a:rPr lang="en-US" altLang="zh-TW" sz="2400" dirty="0">
@@ -8336,7 +8400,7 @@
               <a:t>39%</a:t>
             </a:r>
             <a:r>
-              <a:rPr lang="zh-TW" altLang="en-US" sz="2400">
+              <a:rPr lang="zh-TW" altLang="en-US" sz="2400" dirty="0">
                 <a:latin typeface="微軟正黑體" panose="020B0604030504040204" pitchFamily="34" charset="-120"/>
                 <a:ea typeface="微軟正黑體" panose="020B0604030504040204" pitchFamily="34" charset="-120"/>
               </a:rPr>
@@ -9486,6 +9550,9 @@
             </a:r>
             <a:r>
               <a:rPr lang="en-US" altLang="zh-TW" sz="3400" dirty="0">
+                <a:solidFill>
+                  <a:srgbClr val="FF0000"/>
+                </a:solidFill>
                 <a:latin typeface="微軟正黑體" panose="020B0604030504040204" pitchFamily="34" charset="-120"/>
                 <a:ea typeface="微軟正黑體" panose="020B0604030504040204" pitchFamily="34" charset="-120"/>
               </a:rPr>
@@ -9530,9 +9597,22 @@
                 <a:latin typeface="微軟正黑體" panose="020B0604030504040204" pitchFamily="34" charset="-120"/>
                 <a:ea typeface="微軟正黑體" panose="020B0604030504040204" pitchFamily="34" charset="-120"/>
               </a:rPr>
-              <a:t> 論文指出，未來復健門診的需求量有顯著上升</a:t>
+              <a:t> </a:t>
+            </a:r>
+            <a:r>
+              <a:rPr lang="zh-TW" altLang="en-US" sz="3400" dirty="0">
+                <a:solidFill>
+                  <a:srgbClr val="FF0000"/>
+                </a:solidFill>
+                <a:latin typeface="微軟正黑體" panose="020B0604030504040204" pitchFamily="34" charset="-120"/>
+                <a:ea typeface="微軟正黑體" panose="020B0604030504040204" pitchFamily="34" charset="-120"/>
+              </a:rPr>
+              <a:t>論文指出，未來復健門診的需求量有顯著上升</a:t>
             </a:r>
             <a:endParaRPr lang="en-US" altLang="zh-TW" sz="3400" dirty="0">
+              <a:solidFill>
+                <a:srgbClr val="FF0000"/>
+              </a:solidFill>
               <a:latin typeface="微軟正黑體" panose="020B0604030504040204" pitchFamily="34" charset="-120"/>
               <a:ea typeface="微軟正黑體" panose="020B0604030504040204" pitchFamily="34" charset="-120"/>
             </a:endParaRPr>
@@ -10504,7 +10584,7 @@
           </a:bodyPr>
           <a:lstStyle/>
           <a:p>
-            <a:pPr lvl="1"/>
+            <a:pPr lvl="1" algn="ctr"/>
             <a:r>
               <a:rPr lang="zh-TW" altLang="en-US" dirty="0">
                 <a:latin typeface="微軟正黑體" panose="020B0604030504040204" pitchFamily="34" charset="-120"/>
@@ -10931,7 +11011,7 @@
         </p:blipFill>
         <p:spPr>
           <a:xfrm>
-            <a:off x="1218505" y="3180731"/>
+            <a:off x="1218505" y="3279863"/>
             <a:ext cx="9754988" cy="2424385"/>
           </a:xfrm>
         </p:spPr>
